--- a/Bootcamp/flask/flask.pptx
+++ b/Bootcamp/flask/flask.pptx
@@ -5,15 +5,22 @@
     <p:sldMasterId id="2147483648" r:id="rId4"/>
   </p:sldMasterIdLst>
   <p:notesMasterIdLst>
-    <p:notesMasterId r:id="rId11"/>
+    <p:notesMasterId r:id="rId18"/>
   </p:notesMasterIdLst>
   <p:sldIdLst>
     <p:sldId id="282" r:id="rId5"/>
     <p:sldId id="308" r:id="rId6"/>
-    <p:sldId id="378" r:id="rId7"/>
-    <p:sldId id="381" r:id="rId8"/>
-    <p:sldId id="382" r:id="rId9"/>
-    <p:sldId id="410" r:id="rId10"/>
+    <p:sldId id="411" r:id="rId7"/>
+    <p:sldId id="412" r:id="rId8"/>
+    <p:sldId id="413" r:id="rId9"/>
+    <p:sldId id="414" r:id="rId10"/>
+    <p:sldId id="415" r:id="rId11"/>
+    <p:sldId id="416" r:id="rId12"/>
+    <p:sldId id="417" r:id="rId13"/>
+    <p:sldId id="378" r:id="rId14"/>
+    <p:sldId id="381" r:id="rId15"/>
+    <p:sldId id="382" r:id="rId16"/>
+    <p:sldId id="410" r:id="rId17"/>
   </p:sldIdLst>
   <p:sldSz cx="12192000" cy="6858000"/>
   <p:notesSz cx="6858000" cy="9144000"/>
@@ -123,6 +130,13 @@
         <p14:section name="Untitled Section" id="{1DB02032-E45E-4409-AD9E-959B3FA7150D}">
           <p14:sldIdLst>
             <p14:sldId id="308"/>
+            <p14:sldId id="411"/>
+            <p14:sldId id="412"/>
+            <p14:sldId id="413"/>
+            <p14:sldId id="414"/>
+            <p14:sldId id="415"/>
+            <p14:sldId id="416"/>
+            <p14:sldId id="417"/>
             <p14:sldId id="378"/>
             <p14:sldId id="381"/>
             <p14:sldId id="382"/>
@@ -607,7 +621,1556 @@
 </p:notes>
 </file>
 
+<file path=ppt/notesSlides/notesSlide10.xml><?xml version="1.0" encoding="utf-8"?>
+<p:notes xmlns:a="http://schemas.openxmlformats.org/drawingml/2006/main" xmlns:r="http://schemas.openxmlformats.org/officeDocument/2006/relationships" xmlns:p="http://schemas.openxmlformats.org/presentationml/2006/main">
+  <p:cSld>
+    <p:spTree>
+      <p:nvGrpSpPr>
+        <p:cNvPr id="1" name="">
+          <a:extLst>
+            <a:ext uri="{FF2B5EF4-FFF2-40B4-BE49-F238E27FC236}">
+              <a16:creationId xmlns:a16="http://schemas.microsoft.com/office/drawing/2014/main" id="{79A80698-9A03-8C37-B72B-F0243E9EC1E3}"/>
+            </a:ext>
+          </a:extLst>
+        </p:cNvPr>
+        <p:cNvGrpSpPr/>
+        <p:nvPr/>
+      </p:nvGrpSpPr>
+      <p:grpSpPr>
+        <a:xfrm>
+          <a:off x="0" y="0"/>
+          <a:ext cx="0" cy="0"/>
+          <a:chOff x="0" y="0"/>
+          <a:chExt cx="0" cy="0"/>
+        </a:xfrm>
+      </p:grpSpPr>
+      <p:sp>
+        <p:nvSpPr>
+          <p:cNvPr id="2" name="Slide Image Placeholder 1">
+            <a:extLst>
+              <a:ext uri="{FF2B5EF4-FFF2-40B4-BE49-F238E27FC236}">
+                <a16:creationId xmlns:a16="http://schemas.microsoft.com/office/drawing/2014/main" id="{4CF7059B-13E9-BE0E-2C30-527AF686E46D}"/>
+              </a:ext>
+            </a:extLst>
+          </p:cNvPr>
+          <p:cNvSpPr>
+            <a:spLocks noGrp="1" noRot="1" noChangeAspect="1"/>
+          </p:cNvSpPr>
+          <p:nvPr>
+            <p:ph type="sldImg"/>
+          </p:nvPr>
+        </p:nvSpPr>
+        <p:spPr/>
+      </p:sp>
+      <p:sp>
+        <p:nvSpPr>
+          <p:cNvPr id="3" name="Notes Placeholder 2">
+            <a:extLst>
+              <a:ext uri="{FF2B5EF4-FFF2-40B4-BE49-F238E27FC236}">
+                <a16:creationId xmlns:a16="http://schemas.microsoft.com/office/drawing/2014/main" id="{45325F76-D5D1-9151-F020-AA0FA7FF6553}"/>
+              </a:ext>
+            </a:extLst>
+          </p:cNvPr>
+          <p:cNvSpPr>
+            <a:spLocks noGrp="1"/>
+          </p:cNvSpPr>
+          <p:nvPr>
+            <p:ph type="body" idx="1"/>
+          </p:nvPr>
+        </p:nvSpPr>
+        <p:spPr/>
+        <p:txBody>
+          <a:bodyPr/>
+          <a:lstStyle/>
+          <a:p>
+            <a:endParaRPr lang="hr-HR" dirty="0"/>
+          </a:p>
+        </p:txBody>
+      </p:sp>
+      <p:sp>
+        <p:nvSpPr>
+          <p:cNvPr id="4" name="Slide Number Placeholder 3">
+            <a:extLst>
+              <a:ext uri="{FF2B5EF4-FFF2-40B4-BE49-F238E27FC236}">
+                <a16:creationId xmlns:a16="http://schemas.microsoft.com/office/drawing/2014/main" id="{27F2B251-E1F4-C9E7-09C2-92E7B5008481}"/>
+              </a:ext>
+            </a:extLst>
+          </p:cNvPr>
+          <p:cNvSpPr>
+            <a:spLocks noGrp="1"/>
+          </p:cNvSpPr>
+          <p:nvPr>
+            <p:ph type="sldNum" sz="quarter" idx="5"/>
+          </p:nvPr>
+        </p:nvSpPr>
+        <p:spPr/>
+        <p:txBody>
+          <a:bodyPr/>
+          <a:lstStyle/>
+          <a:p>
+            <a:fld id="{343B951A-A665-1949-AEDB-B62DC9BE7F13}" type="slidenum">
+              <a:rPr lang="en-US" smtClean="0"/>
+              <a:t>11</a:t>
+            </a:fld>
+            <a:endParaRPr lang="en-US"/>
+          </a:p>
+        </p:txBody>
+      </p:sp>
+    </p:spTree>
+    <p:extLst>
+      <p:ext uri="{BB962C8B-B14F-4D97-AF65-F5344CB8AC3E}">
+        <p14:creationId xmlns:p14="http://schemas.microsoft.com/office/powerpoint/2010/main" val="739244900"/>
+      </p:ext>
+    </p:extLst>
+  </p:cSld>
+  <p:clrMapOvr>
+    <a:masterClrMapping/>
+  </p:clrMapOvr>
+</p:notes>
+</file>
+
+<file path=ppt/notesSlides/notesSlide11.xml><?xml version="1.0" encoding="utf-8"?>
+<p:notes xmlns:a="http://schemas.openxmlformats.org/drawingml/2006/main" xmlns:r="http://schemas.openxmlformats.org/officeDocument/2006/relationships" xmlns:p="http://schemas.openxmlformats.org/presentationml/2006/main">
+  <p:cSld>
+    <p:spTree>
+      <p:nvGrpSpPr>
+        <p:cNvPr id="1" name="">
+          <a:extLst>
+            <a:ext uri="{FF2B5EF4-FFF2-40B4-BE49-F238E27FC236}">
+              <a16:creationId xmlns:a16="http://schemas.microsoft.com/office/drawing/2014/main" id="{B9C6B58C-9B13-BE82-AAA7-B1BF22792D2F}"/>
+            </a:ext>
+          </a:extLst>
+        </p:cNvPr>
+        <p:cNvGrpSpPr/>
+        <p:nvPr/>
+      </p:nvGrpSpPr>
+      <p:grpSpPr>
+        <a:xfrm>
+          <a:off x="0" y="0"/>
+          <a:ext cx="0" cy="0"/>
+          <a:chOff x="0" y="0"/>
+          <a:chExt cx="0" cy="0"/>
+        </a:xfrm>
+      </p:grpSpPr>
+      <p:sp>
+        <p:nvSpPr>
+          <p:cNvPr id="2" name="Slide Image Placeholder 1">
+            <a:extLst>
+              <a:ext uri="{FF2B5EF4-FFF2-40B4-BE49-F238E27FC236}">
+                <a16:creationId xmlns:a16="http://schemas.microsoft.com/office/drawing/2014/main" id="{9D8C17E5-EFB5-B539-7C5B-657BDBE0C839}"/>
+              </a:ext>
+            </a:extLst>
+          </p:cNvPr>
+          <p:cNvSpPr>
+            <a:spLocks noGrp="1" noRot="1" noChangeAspect="1"/>
+          </p:cNvSpPr>
+          <p:nvPr>
+            <p:ph type="sldImg"/>
+          </p:nvPr>
+        </p:nvSpPr>
+        <p:spPr/>
+      </p:sp>
+      <p:sp>
+        <p:nvSpPr>
+          <p:cNvPr id="3" name="Notes Placeholder 2">
+            <a:extLst>
+              <a:ext uri="{FF2B5EF4-FFF2-40B4-BE49-F238E27FC236}">
+                <a16:creationId xmlns:a16="http://schemas.microsoft.com/office/drawing/2014/main" id="{E26EB323-CD1C-C7B8-DC90-A8A84843FEBC}"/>
+              </a:ext>
+            </a:extLst>
+          </p:cNvPr>
+          <p:cNvSpPr>
+            <a:spLocks noGrp="1"/>
+          </p:cNvSpPr>
+          <p:nvPr>
+            <p:ph type="body" idx="1"/>
+          </p:nvPr>
+        </p:nvSpPr>
+        <p:spPr/>
+        <p:txBody>
+          <a:bodyPr/>
+          <a:lstStyle/>
+          <a:p>
+            <a:endParaRPr lang="hr-HR" dirty="0"/>
+          </a:p>
+        </p:txBody>
+      </p:sp>
+      <p:sp>
+        <p:nvSpPr>
+          <p:cNvPr id="4" name="Slide Number Placeholder 3">
+            <a:extLst>
+              <a:ext uri="{FF2B5EF4-FFF2-40B4-BE49-F238E27FC236}">
+                <a16:creationId xmlns:a16="http://schemas.microsoft.com/office/drawing/2014/main" id="{DFEF5C96-CF65-6E2C-87B2-0422C3B6D207}"/>
+              </a:ext>
+            </a:extLst>
+          </p:cNvPr>
+          <p:cNvSpPr>
+            <a:spLocks noGrp="1"/>
+          </p:cNvSpPr>
+          <p:nvPr>
+            <p:ph type="sldNum" sz="quarter" idx="5"/>
+          </p:nvPr>
+        </p:nvSpPr>
+        <p:spPr/>
+        <p:txBody>
+          <a:bodyPr/>
+          <a:lstStyle/>
+          <a:p>
+            <a:fld id="{343B951A-A665-1949-AEDB-B62DC9BE7F13}" type="slidenum">
+              <a:rPr lang="en-US" smtClean="0"/>
+              <a:t>12</a:t>
+            </a:fld>
+            <a:endParaRPr lang="en-US"/>
+          </a:p>
+        </p:txBody>
+      </p:sp>
+    </p:spTree>
+    <p:extLst>
+      <p:ext uri="{BB962C8B-B14F-4D97-AF65-F5344CB8AC3E}">
+        <p14:creationId xmlns:p14="http://schemas.microsoft.com/office/powerpoint/2010/main" val="3044125037"/>
+      </p:ext>
+    </p:extLst>
+  </p:cSld>
+  <p:clrMapOvr>
+    <a:masterClrMapping/>
+  </p:clrMapOvr>
+</p:notes>
+</file>
+
+<file path=ppt/notesSlides/notesSlide12.xml><?xml version="1.0" encoding="utf-8"?>
+<p:notes xmlns:a="http://schemas.openxmlformats.org/drawingml/2006/main" xmlns:r="http://schemas.openxmlformats.org/officeDocument/2006/relationships" xmlns:p="http://schemas.openxmlformats.org/presentationml/2006/main">
+  <p:cSld>
+    <p:spTree>
+      <p:nvGrpSpPr>
+        <p:cNvPr id="1" name="">
+          <a:extLst>
+            <a:ext uri="{FF2B5EF4-FFF2-40B4-BE49-F238E27FC236}">
+              <a16:creationId xmlns:a16="http://schemas.microsoft.com/office/drawing/2014/main" id="{1D7B5311-A11E-2D05-F3DF-DE880AFD7926}"/>
+            </a:ext>
+          </a:extLst>
+        </p:cNvPr>
+        <p:cNvGrpSpPr/>
+        <p:nvPr/>
+      </p:nvGrpSpPr>
+      <p:grpSpPr>
+        <a:xfrm>
+          <a:off x="0" y="0"/>
+          <a:ext cx="0" cy="0"/>
+          <a:chOff x="0" y="0"/>
+          <a:chExt cx="0" cy="0"/>
+        </a:xfrm>
+      </p:grpSpPr>
+      <p:sp>
+        <p:nvSpPr>
+          <p:cNvPr id="2" name="Slide Image Placeholder 1">
+            <a:extLst>
+              <a:ext uri="{FF2B5EF4-FFF2-40B4-BE49-F238E27FC236}">
+                <a16:creationId xmlns:a16="http://schemas.microsoft.com/office/drawing/2014/main" id="{D6D9FACF-F1A1-08DC-09A2-4637F3A457C7}"/>
+              </a:ext>
+            </a:extLst>
+          </p:cNvPr>
+          <p:cNvSpPr>
+            <a:spLocks noGrp="1" noRot="1" noChangeAspect="1"/>
+          </p:cNvSpPr>
+          <p:nvPr>
+            <p:ph type="sldImg"/>
+          </p:nvPr>
+        </p:nvSpPr>
+        <p:spPr/>
+      </p:sp>
+      <p:sp>
+        <p:nvSpPr>
+          <p:cNvPr id="3" name="Notes Placeholder 2">
+            <a:extLst>
+              <a:ext uri="{FF2B5EF4-FFF2-40B4-BE49-F238E27FC236}">
+                <a16:creationId xmlns:a16="http://schemas.microsoft.com/office/drawing/2014/main" id="{FB2D9268-0AB0-70BE-6CC7-E5E6CE05E16A}"/>
+              </a:ext>
+            </a:extLst>
+          </p:cNvPr>
+          <p:cNvSpPr>
+            <a:spLocks noGrp="1"/>
+          </p:cNvSpPr>
+          <p:nvPr>
+            <p:ph type="body" idx="1"/>
+          </p:nvPr>
+        </p:nvSpPr>
+        <p:spPr/>
+        <p:txBody>
+          <a:bodyPr/>
+          <a:lstStyle/>
+          <a:p>
+            <a:endParaRPr lang="hr-HR" dirty="0"/>
+          </a:p>
+        </p:txBody>
+      </p:sp>
+      <p:sp>
+        <p:nvSpPr>
+          <p:cNvPr id="4" name="Slide Number Placeholder 3">
+            <a:extLst>
+              <a:ext uri="{FF2B5EF4-FFF2-40B4-BE49-F238E27FC236}">
+                <a16:creationId xmlns:a16="http://schemas.microsoft.com/office/drawing/2014/main" id="{CA76A95D-ADFB-3F21-A9B9-6CE11FD00986}"/>
+              </a:ext>
+            </a:extLst>
+          </p:cNvPr>
+          <p:cNvSpPr>
+            <a:spLocks noGrp="1"/>
+          </p:cNvSpPr>
+          <p:nvPr>
+            <p:ph type="sldNum" sz="quarter" idx="5"/>
+          </p:nvPr>
+        </p:nvSpPr>
+        <p:spPr/>
+        <p:txBody>
+          <a:bodyPr/>
+          <a:lstStyle/>
+          <a:p>
+            <a:fld id="{343B951A-A665-1949-AEDB-B62DC9BE7F13}" type="slidenum">
+              <a:rPr lang="en-US" smtClean="0"/>
+              <a:t>13</a:t>
+            </a:fld>
+            <a:endParaRPr lang="en-US"/>
+          </a:p>
+        </p:txBody>
+      </p:sp>
+    </p:spTree>
+    <p:extLst>
+      <p:ext uri="{BB962C8B-B14F-4D97-AF65-F5344CB8AC3E}">
+        <p14:creationId xmlns:p14="http://schemas.microsoft.com/office/powerpoint/2010/main" val="3248549462"/>
+      </p:ext>
+    </p:extLst>
+  </p:cSld>
+  <p:clrMapOvr>
+    <a:masterClrMapping/>
+  </p:clrMapOvr>
+</p:notes>
+</file>
+
 <file path=ppt/notesSlides/notesSlide2.xml><?xml version="1.0" encoding="utf-8"?>
+<p:notes xmlns:a="http://schemas.openxmlformats.org/drawingml/2006/main" xmlns:r="http://schemas.openxmlformats.org/officeDocument/2006/relationships" xmlns:p="http://schemas.openxmlformats.org/presentationml/2006/main">
+  <p:cSld>
+    <p:spTree>
+      <p:nvGrpSpPr>
+        <p:cNvPr id="1" name="">
+          <a:extLst>
+            <a:ext uri="{FF2B5EF4-FFF2-40B4-BE49-F238E27FC236}">
+              <a16:creationId xmlns:a16="http://schemas.microsoft.com/office/drawing/2014/main" id="{8125A46C-D95A-25ED-4415-903000399252}"/>
+            </a:ext>
+          </a:extLst>
+        </p:cNvPr>
+        <p:cNvGrpSpPr/>
+        <p:nvPr/>
+      </p:nvGrpSpPr>
+      <p:grpSpPr>
+        <a:xfrm>
+          <a:off x="0" y="0"/>
+          <a:ext cx="0" cy="0"/>
+          <a:chOff x="0" y="0"/>
+          <a:chExt cx="0" cy="0"/>
+        </a:xfrm>
+      </p:grpSpPr>
+      <p:sp>
+        <p:nvSpPr>
+          <p:cNvPr id="2" name="Slide Image Placeholder 1">
+            <a:extLst>
+              <a:ext uri="{FF2B5EF4-FFF2-40B4-BE49-F238E27FC236}">
+                <a16:creationId xmlns:a16="http://schemas.microsoft.com/office/drawing/2014/main" id="{9E6C7F7D-D9DA-9777-8CC3-5B6E15B9BEB0}"/>
+              </a:ext>
+            </a:extLst>
+          </p:cNvPr>
+          <p:cNvSpPr>
+            <a:spLocks noGrp="1" noRot="1" noChangeAspect="1"/>
+          </p:cNvSpPr>
+          <p:nvPr>
+            <p:ph type="sldImg"/>
+          </p:nvPr>
+        </p:nvSpPr>
+        <p:spPr/>
+      </p:sp>
+      <p:sp>
+        <p:nvSpPr>
+          <p:cNvPr id="3" name="Notes Placeholder 2">
+            <a:extLst>
+              <a:ext uri="{FF2B5EF4-FFF2-40B4-BE49-F238E27FC236}">
+                <a16:creationId xmlns:a16="http://schemas.microsoft.com/office/drawing/2014/main" id="{41E041AE-3520-2D3A-F7ED-BDECE216D807}"/>
+              </a:ext>
+            </a:extLst>
+          </p:cNvPr>
+          <p:cNvSpPr>
+            <a:spLocks noGrp="1"/>
+          </p:cNvSpPr>
+          <p:nvPr>
+            <p:ph type="body" idx="1"/>
+          </p:nvPr>
+        </p:nvSpPr>
+        <p:spPr/>
+        <p:txBody>
+          <a:bodyPr/>
+          <a:lstStyle/>
+          <a:p>
+            <a:r>
+              <a:rPr lang="hr-HR" dirty="0"/>
+              <a:t>Otvorite </a:t>
+            </a:r>
+            <a:r>
+              <a:rPr lang="hr-HR" dirty="0" err="1"/>
+              <a:t>Visual</a:t>
+            </a:r>
+            <a:r>
+              <a:rPr lang="hr-HR" dirty="0"/>
+              <a:t> Studio </a:t>
+            </a:r>
+            <a:r>
+              <a:rPr lang="hr-HR" dirty="0" err="1"/>
+              <a:t>Code</a:t>
+            </a:r>
+            <a:r>
+              <a:rPr lang="hr-HR" dirty="0"/>
+              <a:t> ili editor po izboru Kreirajte folder (možete ga nazvati “</a:t>
+            </a:r>
+            <a:r>
+              <a:rPr lang="hr-HR" dirty="0" err="1"/>
+              <a:t>Recording</a:t>
+            </a:r>
+            <a:r>
+              <a:rPr lang="hr-HR" dirty="0"/>
+              <a:t>”, “</a:t>
+            </a:r>
+            <a:r>
+              <a:rPr lang="hr-HR" dirty="0" err="1"/>
+              <a:t>rest</a:t>
+            </a:r>
+            <a:r>
+              <a:rPr lang="hr-HR" dirty="0"/>
+              <a:t> API </a:t>
+            </a:r>
+            <a:r>
+              <a:rPr lang="hr-HR" dirty="0" err="1"/>
+              <a:t>project</a:t>
+            </a:r>
+            <a:r>
+              <a:rPr lang="hr-HR" dirty="0"/>
+              <a:t>” ili slično) U folderu se nalazi samo .</a:t>
+            </a:r>
+            <a:r>
+              <a:rPr lang="hr-HR" dirty="0" err="1"/>
+              <a:t>vscode</a:t>
+            </a:r>
+            <a:r>
+              <a:rPr lang="hr-HR" dirty="0"/>
+              <a:t> folder s osnovnim postavkama (npr. </a:t>
+            </a:r>
+            <a:r>
+              <a:rPr lang="hr-HR" dirty="0" err="1"/>
+              <a:t>zoom</a:t>
+            </a:r>
+            <a:r>
+              <a:rPr lang="hr-HR" dirty="0"/>
+              <a:t> </a:t>
+            </a:r>
+            <a:r>
+              <a:rPr lang="hr-HR" dirty="0" err="1"/>
+              <a:t>level</a:t>
+            </a:r>
+            <a:r>
+              <a:rPr lang="hr-HR" dirty="0"/>
+              <a:t>)</a:t>
+            </a:r>
+          </a:p>
+        </p:txBody>
+      </p:sp>
+      <p:sp>
+        <p:nvSpPr>
+          <p:cNvPr id="4" name="Slide Number Placeholder 3">
+            <a:extLst>
+              <a:ext uri="{FF2B5EF4-FFF2-40B4-BE49-F238E27FC236}">
+                <a16:creationId xmlns:a16="http://schemas.microsoft.com/office/drawing/2014/main" id="{82105658-1072-E6BE-01EE-2AA75B101253}"/>
+              </a:ext>
+            </a:extLst>
+          </p:cNvPr>
+          <p:cNvSpPr>
+            <a:spLocks noGrp="1"/>
+          </p:cNvSpPr>
+          <p:nvPr>
+            <p:ph type="sldNum" sz="quarter" idx="5"/>
+          </p:nvPr>
+        </p:nvSpPr>
+        <p:spPr/>
+        <p:txBody>
+          <a:bodyPr/>
+          <a:lstStyle/>
+          <a:p>
+            <a:fld id="{343B951A-A665-1949-AEDB-B62DC9BE7F13}" type="slidenum">
+              <a:rPr lang="en-US" smtClean="0"/>
+              <a:t>3</a:t>
+            </a:fld>
+            <a:endParaRPr lang="en-US"/>
+          </a:p>
+        </p:txBody>
+      </p:sp>
+    </p:spTree>
+    <p:extLst>
+      <p:ext uri="{BB962C8B-B14F-4D97-AF65-F5344CB8AC3E}">
+        <p14:creationId xmlns:p14="http://schemas.microsoft.com/office/powerpoint/2010/main" val="396371451"/>
+      </p:ext>
+    </p:extLst>
+  </p:cSld>
+  <p:clrMapOvr>
+    <a:masterClrMapping/>
+  </p:clrMapOvr>
+</p:notes>
+</file>
+
+<file path=ppt/notesSlides/notesSlide3.xml><?xml version="1.0" encoding="utf-8"?>
+<p:notes xmlns:a="http://schemas.openxmlformats.org/drawingml/2006/main" xmlns:r="http://schemas.openxmlformats.org/officeDocument/2006/relationships" xmlns:p="http://schemas.openxmlformats.org/presentationml/2006/main">
+  <p:cSld>
+    <p:spTree>
+      <p:nvGrpSpPr>
+        <p:cNvPr id="1" name="">
+          <a:extLst>
+            <a:ext uri="{FF2B5EF4-FFF2-40B4-BE49-F238E27FC236}">
+              <a16:creationId xmlns:a16="http://schemas.microsoft.com/office/drawing/2014/main" id="{AA40E55A-62CC-9339-1A46-F36592B92380}"/>
+            </a:ext>
+          </a:extLst>
+        </p:cNvPr>
+        <p:cNvGrpSpPr/>
+        <p:nvPr/>
+      </p:nvGrpSpPr>
+      <p:grpSpPr>
+        <a:xfrm>
+          <a:off x="0" y="0"/>
+          <a:ext cx="0" cy="0"/>
+          <a:chOff x="0" y="0"/>
+          <a:chExt cx="0" cy="0"/>
+        </a:xfrm>
+      </p:grpSpPr>
+      <p:sp>
+        <p:nvSpPr>
+          <p:cNvPr id="2" name="Slide Image Placeholder 1">
+            <a:extLst>
+              <a:ext uri="{FF2B5EF4-FFF2-40B4-BE49-F238E27FC236}">
+                <a16:creationId xmlns:a16="http://schemas.microsoft.com/office/drawing/2014/main" id="{44B2B22D-5FB6-4DE2-B3D3-15D6DDCF51ED}"/>
+              </a:ext>
+            </a:extLst>
+          </p:cNvPr>
+          <p:cNvSpPr>
+            <a:spLocks noGrp="1" noRot="1" noChangeAspect="1"/>
+          </p:cNvSpPr>
+          <p:nvPr>
+            <p:ph type="sldImg"/>
+          </p:nvPr>
+        </p:nvSpPr>
+        <p:spPr/>
+      </p:sp>
+      <p:sp>
+        <p:nvSpPr>
+          <p:cNvPr id="3" name="Notes Placeholder 2">
+            <a:extLst>
+              <a:ext uri="{FF2B5EF4-FFF2-40B4-BE49-F238E27FC236}">
+                <a16:creationId xmlns:a16="http://schemas.microsoft.com/office/drawing/2014/main" id="{38EE3418-4242-D35F-0216-C949120829C3}"/>
+              </a:ext>
+            </a:extLst>
+          </p:cNvPr>
+          <p:cNvSpPr>
+            <a:spLocks noGrp="1"/>
+          </p:cNvSpPr>
+          <p:nvPr>
+            <p:ph type="body" idx="1"/>
+          </p:nvPr>
+        </p:nvSpPr>
+        <p:spPr/>
+        <p:txBody>
+          <a:bodyPr/>
+          <a:lstStyle/>
+          <a:p>
+            <a:r>
+              <a:rPr lang="hr-HR" dirty="0"/>
+              <a:t>Otvorite </a:t>
+            </a:r>
+            <a:r>
+              <a:rPr lang="hr-HR" dirty="0" err="1"/>
+              <a:t>Visual</a:t>
+            </a:r>
+            <a:r>
+              <a:rPr lang="hr-HR" dirty="0"/>
+              <a:t> Studio </a:t>
+            </a:r>
+            <a:r>
+              <a:rPr lang="hr-HR" dirty="0" err="1"/>
+              <a:t>Code</a:t>
+            </a:r>
+            <a:r>
+              <a:rPr lang="hr-HR" dirty="0"/>
+              <a:t> ili editor po izboru Kreirajte folder (možete ga nazvati “</a:t>
+            </a:r>
+            <a:r>
+              <a:rPr lang="hr-HR" dirty="0" err="1"/>
+              <a:t>Recording</a:t>
+            </a:r>
+            <a:r>
+              <a:rPr lang="hr-HR" dirty="0"/>
+              <a:t>”, “</a:t>
+            </a:r>
+            <a:r>
+              <a:rPr lang="hr-HR" dirty="0" err="1"/>
+              <a:t>rest</a:t>
+            </a:r>
+            <a:r>
+              <a:rPr lang="hr-HR" dirty="0"/>
+              <a:t> API </a:t>
+            </a:r>
+            <a:r>
+              <a:rPr lang="hr-HR" dirty="0" err="1"/>
+              <a:t>project</a:t>
+            </a:r>
+            <a:r>
+              <a:rPr lang="hr-HR" dirty="0"/>
+              <a:t>” ili slično) U folderu se nalazi samo .</a:t>
+            </a:r>
+            <a:r>
+              <a:rPr lang="hr-HR" dirty="0" err="1"/>
+              <a:t>vscode</a:t>
+            </a:r>
+            <a:r>
+              <a:rPr lang="hr-HR" dirty="0"/>
+              <a:t> folder s osnovnim postavkama (npr. </a:t>
+            </a:r>
+            <a:r>
+              <a:rPr lang="hr-HR" dirty="0" err="1"/>
+              <a:t>zoom</a:t>
+            </a:r>
+            <a:r>
+              <a:rPr lang="hr-HR" dirty="0"/>
+              <a:t> </a:t>
+            </a:r>
+            <a:r>
+              <a:rPr lang="hr-HR" dirty="0" err="1"/>
+              <a:t>level</a:t>
+            </a:r>
+            <a:r>
+              <a:rPr lang="hr-HR" dirty="0"/>
+              <a:t>)</a:t>
+            </a:r>
+          </a:p>
+        </p:txBody>
+      </p:sp>
+      <p:sp>
+        <p:nvSpPr>
+          <p:cNvPr id="4" name="Slide Number Placeholder 3">
+            <a:extLst>
+              <a:ext uri="{FF2B5EF4-FFF2-40B4-BE49-F238E27FC236}">
+                <a16:creationId xmlns:a16="http://schemas.microsoft.com/office/drawing/2014/main" id="{D9596172-D2F9-067B-F145-79B4D5D9EDC8}"/>
+              </a:ext>
+            </a:extLst>
+          </p:cNvPr>
+          <p:cNvSpPr>
+            <a:spLocks noGrp="1"/>
+          </p:cNvSpPr>
+          <p:nvPr>
+            <p:ph type="sldNum" sz="quarter" idx="5"/>
+          </p:nvPr>
+        </p:nvSpPr>
+        <p:spPr/>
+        <p:txBody>
+          <a:bodyPr/>
+          <a:lstStyle/>
+          <a:p>
+            <a:fld id="{343B951A-A665-1949-AEDB-B62DC9BE7F13}" type="slidenum">
+              <a:rPr lang="en-US" smtClean="0"/>
+              <a:t>4</a:t>
+            </a:fld>
+            <a:endParaRPr lang="en-US"/>
+          </a:p>
+        </p:txBody>
+      </p:sp>
+    </p:spTree>
+    <p:extLst>
+      <p:ext uri="{BB962C8B-B14F-4D97-AF65-F5344CB8AC3E}">
+        <p14:creationId xmlns:p14="http://schemas.microsoft.com/office/powerpoint/2010/main" val="339105359"/>
+      </p:ext>
+    </p:extLst>
+  </p:cSld>
+  <p:clrMapOvr>
+    <a:masterClrMapping/>
+  </p:clrMapOvr>
+</p:notes>
+</file>
+
+<file path=ppt/notesSlides/notesSlide4.xml><?xml version="1.0" encoding="utf-8"?>
+<p:notes xmlns:a="http://schemas.openxmlformats.org/drawingml/2006/main" xmlns:r="http://schemas.openxmlformats.org/officeDocument/2006/relationships" xmlns:p="http://schemas.openxmlformats.org/presentationml/2006/main">
+  <p:cSld>
+    <p:spTree>
+      <p:nvGrpSpPr>
+        <p:cNvPr id="1" name="">
+          <a:extLst>
+            <a:ext uri="{FF2B5EF4-FFF2-40B4-BE49-F238E27FC236}">
+              <a16:creationId xmlns:a16="http://schemas.microsoft.com/office/drawing/2014/main" id="{9F538874-1F99-FFF0-E2C0-472B4EF32BEC}"/>
+            </a:ext>
+          </a:extLst>
+        </p:cNvPr>
+        <p:cNvGrpSpPr/>
+        <p:nvPr/>
+      </p:nvGrpSpPr>
+      <p:grpSpPr>
+        <a:xfrm>
+          <a:off x="0" y="0"/>
+          <a:ext cx="0" cy="0"/>
+          <a:chOff x="0" y="0"/>
+          <a:chExt cx="0" cy="0"/>
+        </a:xfrm>
+      </p:grpSpPr>
+      <p:sp>
+        <p:nvSpPr>
+          <p:cNvPr id="2" name="Slide Image Placeholder 1">
+            <a:extLst>
+              <a:ext uri="{FF2B5EF4-FFF2-40B4-BE49-F238E27FC236}">
+                <a16:creationId xmlns:a16="http://schemas.microsoft.com/office/drawing/2014/main" id="{BB06F420-8AD8-4466-8174-29E47B0E6015}"/>
+              </a:ext>
+            </a:extLst>
+          </p:cNvPr>
+          <p:cNvSpPr>
+            <a:spLocks noGrp="1" noRot="1" noChangeAspect="1"/>
+          </p:cNvSpPr>
+          <p:nvPr>
+            <p:ph type="sldImg"/>
+          </p:nvPr>
+        </p:nvSpPr>
+        <p:spPr/>
+      </p:sp>
+      <p:sp>
+        <p:nvSpPr>
+          <p:cNvPr id="3" name="Notes Placeholder 2">
+            <a:extLst>
+              <a:ext uri="{FF2B5EF4-FFF2-40B4-BE49-F238E27FC236}">
+                <a16:creationId xmlns:a16="http://schemas.microsoft.com/office/drawing/2014/main" id="{131C768B-A396-1FD1-950A-C528E5CE3EFA}"/>
+              </a:ext>
+            </a:extLst>
+          </p:cNvPr>
+          <p:cNvSpPr>
+            <a:spLocks noGrp="1"/>
+          </p:cNvSpPr>
+          <p:nvPr>
+            <p:ph type="body" idx="1"/>
+          </p:nvPr>
+        </p:nvSpPr>
+        <p:spPr/>
+        <p:txBody>
+          <a:bodyPr/>
+          <a:lstStyle/>
+          <a:p>
+            <a:r>
+              <a:rPr lang="hr-HR" dirty="0"/>
+              <a:t>Otvorite </a:t>
+            </a:r>
+            <a:r>
+              <a:rPr lang="hr-HR" dirty="0" err="1"/>
+              <a:t>Visual</a:t>
+            </a:r>
+            <a:r>
+              <a:rPr lang="hr-HR" dirty="0"/>
+              <a:t> Studio </a:t>
+            </a:r>
+            <a:r>
+              <a:rPr lang="hr-HR" dirty="0" err="1"/>
+              <a:t>Code</a:t>
+            </a:r>
+            <a:r>
+              <a:rPr lang="hr-HR" dirty="0"/>
+              <a:t> ili editor po izboru Kreirajte folder (možete ga nazvati “</a:t>
+            </a:r>
+            <a:r>
+              <a:rPr lang="hr-HR" dirty="0" err="1"/>
+              <a:t>Recording</a:t>
+            </a:r>
+            <a:r>
+              <a:rPr lang="hr-HR" dirty="0"/>
+              <a:t>”, “</a:t>
+            </a:r>
+            <a:r>
+              <a:rPr lang="hr-HR" dirty="0" err="1"/>
+              <a:t>rest</a:t>
+            </a:r>
+            <a:r>
+              <a:rPr lang="hr-HR" dirty="0"/>
+              <a:t> API </a:t>
+            </a:r>
+            <a:r>
+              <a:rPr lang="hr-HR" dirty="0" err="1"/>
+              <a:t>project</a:t>
+            </a:r>
+            <a:r>
+              <a:rPr lang="hr-HR" dirty="0"/>
+              <a:t>” ili slično) U folderu se nalazi samo .</a:t>
+            </a:r>
+            <a:r>
+              <a:rPr lang="hr-HR" dirty="0" err="1"/>
+              <a:t>vscode</a:t>
+            </a:r>
+            <a:r>
+              <a:rPr lang="hr-HR" dirty="0"/>
+              <a:t> folder s osnovnim postavkama (npr. </a:t>
+            </a:r>
+            <a:r>
+              <a:rPr lang="hr-HR" dirty="0" err="1"/>
+              <a:t>zoom</a:t>
+            </a:r>
+            <a:r>
+              <a:rPr lang="hr-HR" dirty="0"/>
+              <a:t> </a:t>
+            </a:r>
+            <a:r>
+              <a:rPr lang="hr-HR" dirty="0" err="1"/>
+              <a:t>level</a:t>
+            </a:r>
+            <a:r>
+              <a:rPr lang="hr-HR" dirty="0"/>
+              <a:t>)</a:t>
+            </a:r>
+          </a:p>
+        </p:txBody>
+      </p:sp>
+      <p:sp>
+        <p:nvSpPr>
+          <p:cNvPr id="4" name="Slide Number Placeholder 3">
+            <a:extLst>
+              <a:ext uri="{FF2B5EF4-FFF2-40B4-BE49-F238E27FC236}">
+                <a16:creationId xmlns:a16="http://schemas.microsoft.com/office/drawing/2014/main" id="{458BAA2C-B5C7-1E86-BE49-FBD70A52FD0F}"/>
+              </a:ext>
+            </a:extLst>
+          </p:cNvPr>
+          <p:cNvSpPr>
+            <a:spLocks noGrp="1"/>
+          </p:cNvSpPr>
+          <p:nvPr>
+            <p:ph type="sldNum" sz="quarter" idx="5"/>
+          </p:nvPr>
+        </p:nvSpPr>
+        <p:spPr/>
+        <p:txBody>
+          <a:bodyPr/>
+          <a:lstStyle/>
+          <a:p>
+            <a:fld id="{343B951A-A665-1949-AEDB-B62DC9BE7F13}" type="slidenum">
+              <a:rPr lang="en-US" smtClean="0"/>
+              <a:t>5</a:t>
+            </a:fld>
+            <a:endParaRPr lang="en-US"/>
+          </a:p>
+        </p:txBody>
+      </p:sp>
+    </p:spTree>
+    <p:extLst>
+      <p:ext uri="{BB962C8B-B14F-4D97-AF65-F5344CB8AC3E}">
+        <p14:creationId xmlns:p14="http://schemas.microsoft.com/office/powerpoint/2010/main" val="3658785690"/>
+      </p:ext>
+    </p:extLst>
+  </p:cSld>
+  <p:clrMapOvr>
+    <a:masterClrMapping/>
+  </p:clrMapOvr>
+</p:notes>
+</file>
+
+<file path=ppt/notesSlides/notesSlide5.xml><?xml version="1.0" encoding="utf-8"?>
+<p:notes xmlns:a="http://schemas.openxmlformats.org/drawingml/2006/main" xmlns:r="http://schemas.openxmlformats.org/officeDocument/2006/relationships" xmlns:p="http://schemas.openxmlformats.org/presentationml/2006/main">
+  <p:cSld>
+    <p:spTree>
+      <p:nvGrpSpPr>
+        <p:cNvPr id="1" name="">
+          <a:extLst>
+            <a:ext uri="{FF2B5EF4-FFF2-40B4-BE49-F238E27FC236}">
+              <a16:creationId xmlns:a16="http://schemas.microsoft.com/office/drawing/2014/main" id="{5E56EDEE-C635-E34B-0699-05063A8C2C7A}"/>
+            </a:ext>
+          </a:extLst>
+        </p:cNvPr>
+        <p:cNvGrpSpPr/>
+        <p:nvPr/>
+      </p:nvGrpSpPr>
+      <p:grpSpPr>
+        <a:xfrm>
+          <a:off x="0" y="0"/>
+          <a:ext cx="0" cy="0"/>
+          <a:chOff x="0" y="0"/>
+          <a:chExt cx="0" cy="0"/>
+        </a:xfrm>
+      </p:grpSpPr>
+      <p:sp>
+        <p:nvSpPr>
+          <p:cNvPr id="2" name="Slide Image Placeholder 1">
+            <a:extLst>
+              <a:ext uri="{FF2B5EF4-FFF2-40B4-BE49-F238E27FC236}">
+                <a16:creationId xmlns:a16="http://schemas.microsoft.com/office/drawing/2014/main" id="{D6ED56E6-5248-A33A-1F19-7403E3A9D54E}"/>
+              </a:ext>
+            </a:extLst>
+          </p:cNvPr>
+          <p:cNvSpPr>
+            <a:spLocks noGrp="1" noRot="1" noChangeAspect="1"/>
+          </p:cNvSpPr>
+          <p:nvPr>
+            <p:ph type="sldImg"/>
+          </p:nvPr>
+        </p:nvSpPr>
+        <p:spPr/>
+      </p:sp>
+      <p:sp>
+        <p:nvSpPr>
+          <p:cNvPr id="3" name="Notes Placeholder 2">
+            <a:extLst>
+              <a:ext uri="{FF2B5EF4-FFF2-40B4-BE49-F238E27FC236}">
+                <a16:creationId xmlns:a16="http://schemas.microsoft.com/office/drawing/2014/main" id="{A0A49D14-DE19-386A-27C7-D3F2B157EBF7}"/>
+              </a:ext>
+            </a:extLst>
+          </p:cNvPr>
+          <p:cNvSpPr>
+            <a:spLocks noGrp="1"/>
+          </p:cNvSpPr>
+          <p:nvPr>
+            <p:ph type="body" idx="1"/>
+          </p:nvPr>
+        </p:nvSpPr>
+        <p:spPr/>
+        <p:txBody>
+          <a:bodyPr/>
+          <a:lstStyle/>
+          <a:p>
+            <a:r>
+              <a:rPr lang="hr-HR" dirty="0"/>
+              <a:t>Otvorite </a:t>
+            </a:r>
+            <a:r>
+              <a:rPr lang="hr-HR" dirty="0" err="1"/>
+              <a:t>Visual</a:t>
+            </a:r>
+            <a:r>
+              <a:rPr lang="hr-HR" dirty="0"/>
+              <a:t> Studio </a:t>
+            </a:r>
+            <a:r>
+              <a:rPr lang="hr-HR" dirty="0" err="1"/>
+              <a:t>Code</a:t>
+            </a:r>
+            <a:r>
+              <a:rPr lang="hr-HR" dirty="0"/>
+              <a:t> ili editor po izboru Kreirajte folder (možete ga nazvati “</a:t>
+            </a:r>
+            <a:r>
+              <a:rPr lang="hr-HR" dirty="0" err="1"/>
+              <a:t>Recording</a:t>
+            </a:r>
+            <a:r>
+              <a:rPr lang="hr-HR" dirty="0"/>
+              <a:t>”, “</a:t>
+            </a:r>
+            <a:r>
+              <a:rPr lang="hr-HR" dirty="0" err="1"/>
+              <a:t>rest</a:t>
+            </a:r>
+            <a:r>
+              <a:rPr lang="hr-HR" dirty="0"/>
+              <a:t> API </a:t>
+            </a:r>
+            <a:r>
+              <a:rPr lang="hr-HR" dirty="0" err="1"/>
+              <a:t>project</a:t>
+            </a:r>
+            <a:r>
+              <a:rPr lang="hr-HR" dirty="0"/>
+              <a:t>” ili slično) U folderu se nalazi samo .</a:t>
+            </a:r>
+            <a:r>
+              <a:rPr lang="hr-HR" dirty="0" err="1"/>
+              <a:t>vscode</a:t>
+            </a:r>
+            <a:r>
+              <a:rPr lang="hr-HR" dirty="0"/>
+              <a:t> folder s osnovnim postavkama (npr. </a:t>
+            </a:r>
+            <a:r>
+              <a:rPr lang="hr-HR" dirty="0" err="1"/>
+              <a:t>zoom</a:t>
+            </a:r>
+            <a:r>
+              <a:rPr lang="hr-HR" dirty="0"/>
+              <a:t> </a:t>
+            </a:r>
+            <a:r>
+              <a:rPr lang="hr-HR" dirty="0" err="1"/>
+              <a:t>level</a:t>
+            </a:r>
+            <a:r>
+              <a:rPr lang="hr-HR" dirty="0"/>
+              <a:t>)</a:t>
+            </a:r>
+          </a:p>
+        </p:txBody>
+      </p:sp>
+      <p:sp>
+        <p:nvSpPr>
+          <p:cNvPr id="4" name="Slide Number Placeholder 3">
+            <a:extLst>
+              <a:ext uri="{FF2B5EF4-FFF2-40B4-BE49-F238E27FC236}">
+                <a16:creationId xmlns:a16="http://schemas.microsoft.com/office/drawing/2014/main" id="{1B943B72-7332-E936-7A56-1CCBA216AB2E}"/>
+              </a:ext>
+            </a:extLst>
+          </p:cNvPr>
+          <p:cNvSpPr>
+            <a:spLocks noGrp="1"/>
+          </p:cNvSpPr>
+          <p:nvPr>
+            <p:ph type="sldNum" sz="quarter" idx="5"/>
+          </p:nvPr>
+        </p:nvSpPr>
+        <p:spPr/>
+        <p:txBody>
+          <a:bodyPr/>
+          <a:lstStyle/>
+          <a:p>
+            <a:fld id="{343B951A-A665-1949-AEDB-B62DC9BE7F13}" type="slidenum">
+              <a:rPr lang="en-US" smtClean="0"/>
+              <a:t>6</a:t>
+            </a:fld>
+            <a:endParaRPr lang="en-US"/>
+          </a:p>
+        </p:txBody>
+      </p:sp>
+    </p:spTree>
+    <p:extLst>
+      <p:ext uri="{BB962C8B-B14F-4D97-AF65-F5344CB8AC3E}">
+        <p14:creationId xmlns:p14="http://schemas.microsoft.com/office/powerpoint/2010/main" val="3254361613"/>
+      </p:ext>
+    </p:extLst>
+  </p:cSld>
+  <p:clrMapOvr>
+    <a:masterClrMapping/>
+  </p:clrMapOvr>
+</p:notes>
+</file>
+
+<file path=ppt/notesSlides/notesSlide6.xml><?xml version="1.0" encoding="utf-8"?>
+<p:notes xmlns:a="http://schemas.openxmlformats.org/drawingml/2006/main" xmlns:r="http://schemas.openxmlformats.org/officeDocument/2006/relationships" xmlns:p="http://schemas.openxmlformats.org/presentationml/2006/main">
+  <p:cSld>
+    <p:spTree>
+      <p:nvGrpSpPr>
+        <p:cNvPr id="1" name="">
+          <a:extLst>
+            <a:ext uri="{FF2B5EF4-FFF2-40B4-BE49-F238E27FC236}">
+              <a16:creationId xmlns:a16="http://schemas.microsoft.com/office/drawing/2014/main" id="{BAC73BAD-98BC-DA1F-2D7B-07E3C75824D5}"/>
+            </a:ext>
+          </a:extLst>
+        </p:cNvPr>
+        <p:cNvGrpSpPr/>
+        <p:nvPr/>
+      </p:nvGrpSpPr>
+      <p:grpSpPr>
+        <a:xfrm>
+          <a:off x="0" y="0"/>
+          <a:ext cx="0" cy="0"/>
+          <a:chOff x="0" y="0"/>
+          <a:chExt cx="0" cy="0"/>
+        </a:xfrm>
+      </p:grpSpPr>
+      <p:sp>
+        <p:nvSpPr>
+          <p:cNvPr id="2" name="Slide Image Placeholder 1">
+            <a:extLst>
+              <a:ext uri="{FF2B5EF4-FFF2-40B4-BE49-F238E27FC236}">
+                <a16:creationId xmlns:a16="http://schemas.microsoft.com/office/drawing/2014/main" id="{B2EF12A8-1718-C4A2-1E65-3D5506AA1E1E}"/>
+              </a:ext>
+            </a:extLst>
+          </p:cNvPr>
+          <p:cNvSpPr>
+            <a:spLocks noGrp="1" noRot="1" noChangeAspect="1"/>
+          </p:cNvSpPr>
+          <p:nvPr>
+            <p:ph type="sldImg"/>
+          </p:nvPr>
+        </p:nvSpPr>
+        <p:spPr/>
+      </p:sp>
+      <p:sp>
+        <p:nvSpPr>
+          <p:cNvPr id="3" name="Notes Placeholder 2">
+            <a:extLst>
+              <a:ext uri="{FF2B5EF4-FFF2-40B4-BE49-F238E27FC236}">
+                <a16:creationId xmlns:a16="http://schemas.microsoft.com/office/drawing/2014/main" id="{75C40676-7111-8015-B924-D4165FE17E7C}"/>
+              </a:ext>
+            </a:extLst>
+          </p:cNvPr>
+          <p:cNvSpPr>
+            <a:spLocks noGrp="1"/>
+          </p:cNvSpPr>
+          <p:nvPr>
+            <p:ph type="body" idx="1"/>
+          </p:nvPr>
+        </p:nvSpPr>
+        <p:spPr/>
+        <p:txBody>
+          <a:bodyPr/>
+          <a:lstStyle/>
+          <a:p>
+            <a:r>
+              <a:rPr lang="hr-HR" dirty="0"/>
+              <a:t>Otvorite </a:t>
+            </a:r>
+            <a:r>
+              <a:rPr lang="hr-HR" dirty="0" err="1"/>
+              <a:t>Visual</a:t>
+            </a:r>
+            <a:r>
+              <a:rPr lang="hr-HR" dirty="0"/>
+              <a:t> Studio </a:t>
+            </a:r>
+            <a:r>
+              <a:rPr lang="hr-HR" dirty="0" err="1"/>
+              <a:t>Code</a:t>
+            </a:r>
+            <a:r>
+              <a:rPr lang="hr-HR" dirty="0"/>
+              <a:t> ili editor po izboru Kreirajte folder (možete ga nazvati “</a:t>
+            </a:r>
+            <a:r>
+              <a:rPr lang="hr-HR" dirty="0" err="1"/>
+              <a:t>Recording</a:t>
+            </a:r>
+            <a:r>
+              <a:rPr lang="hr-HR" dirty="0"/>
+              <a:t>”, “</a:t>
+            </a:r>
+            <a:r>
+              <a:rPr lang="hr-HR" dirty="0" err="1"/>
+              <a:t>rest</a:t>
+            </a:r>
+            <a:r>
+              <a:rPr lang="hr-HR" dirty="0"/>
+              <a:t> API </a:t>
+            </a:r>
+            <a:r>
+              <a:rPr lang="hr-HR" dirty="0" err="1"/>
+              <a:t>project</a:t>
+            </a:r>
+            <a:r>
+              <a:rPr lang="hr-HR" dirty="0"/>
+              <a:t>” ili slično) U folderu se nalazi samo .</a:t>
+            </a:r>
+            <a:r>
+              <a:rPr lang="hr-HR" dirty="0" err="1"/>
+              <a:t>vscode</a:t>
+            </a:r>
+            <a:r>
+              <a:rPr lang="hr-HR" dirty="0"/>
+              <a:t> folder s osnovnim postavkama (npr. </a:t>
+            </a:r>
+            <a:r>
+              <a:rPr lang="hr-HR" dirty="0" err="1"/>
+              <a:t>zoom</a:t>
+            </a:r>
+            <a:r>
+              <a:rPr lang="hr-HR" dirty="0"/>
+              <a:t> </a:t>
+            </a:r>
+            <a:r>
+              <a:rPr lang="hr-HR" dirty="0" err="1"/>
+              <a:t>level</a:t>
+            </a:r>
+            <a:r>
+              <a:rPr lang="hr-HR" dirty="0"/>
+              <a:t>)</a:t>
+            </a:r>
+          </a:p>
+        </p:txBody>
+      </p:sp>
+      <p:sp>
+        <p:nvSpPr>
+          <p:cNvPr id="4" name="Slide Number Placeholder 3">
+            <a:extLst>
+              <a:ext uri="{FF2B5EF4-FFF2-40B4-BE49-F238E27FC236}">
+                <a16:creationId xmlns:a16="http://schemas.microsoft.com/office/drawing/2014/main" id="{A3CCED89-04F3-4A6B-61F2-E63DCB30BEDF}"/>
+              </a:ext>
+            </a:extLst>
+          </p:cNvPr>
+          <p:cNvSpPr>
+            <a:spLocks noGrp="1"/>
+          </p:cNvSpPr>
+          <p:nvPr>
+            <p:ph type="sldNum" sz="quarter" idx="5"/>
+          </p:nvPr>
+        </p:nvSpPr>
+        <p:spPr/>
+        <p:txBody>
+          <a:bodyPr/>
+          <a:lstStyle/>
+          <a:p>
+            <a:fld id="{343B951A-A665-1949-AEDB-B62DC9BE7F13}" type="slidenum">
+              <a:rPr lang="en-US" smtClean="0"/>
+              <a:t>7</a:t>
+            </a:fld>
+            <a:endParaRPr lang="en-US"/>
+          </a:p>
+        </p:txBody>
+      </p:sp>
+    </p:spTree>
+    <p:extLst>
+      <p:ext uri="{BB962C8B-B14F-4D97-AF65-F5344CB8AC3E}">
+        <p14:creationId xmlns:p14="http://schemas.microsoft.com/office/powerpoint/2010/main" val="2714097411"/>
+      </p:ext>
+    </p:extLst>
+  </p:cSld>
+  <p:clrMapOvr>
+    <a:masterClrMapping/>
+  </p:clrMapOvr>
+</p:notes>
+</file>
+
+<file path=ppt/notesSlides/notesSlide7.xml><?xml version="1.0" encoding="utf-8"?>
+<p:notes xmlns:a="http://schemas.openxmlformats.org/drawingml/2006/main" xmlns:r="http://schemas.openxmlformats.org/officeDocument/2006/relationships" xmlns:p="http://schemas.openxmlformats.org/presentationml/2006/main">
+  <p:cSld>
+    <p:spTree>
+      <p:nvGrpSpPr>
+        <p:cNvPr id="1" name="">
+          <a:extLst>
+            <a:ext uri="{FF2B5EF4-FFF2-40B4-BE49-F238E27FC236}">
+              <a16:creationId xmlns:a16="http://schemas.microsoft.com/office/drawing/2014/main" id="{42D7CC60-C687-CBAF-3053-03EBC63A0B4C}"/>
+            </a:ext>
+          </a:extLst>
+        </p:cNvPr>
+        <p:cNvGrpSpPr/>
+        <p:nvPr/>
+      </p:nvGrpSpPr>
+      <p:grpSpPr>
+        <a:xfrm>
+          <a:off x="0" y="0"/>
+          <a:ext cx="0" cy="0"/>
+          <a:chOff x="0" y="0"/>
+          <a:chExt cx="0" cy="0"/>
+        </a:xfrm>
+      </p:grpSpPr>
+      <p:sp>
+        <p:nvSpPr>
+          <p:cNvPr id="2" name="Slide Image Placeholder 1">
+            <a:extLst>
+              <a:ext uri="{FF2B5EF4-FFF2-40B4-BE49-F238E27FC236}">
+                <a16:creationId xmlns:a16="http://schemas.microsoft.com/office/drawing/2014/main" id="{459B7D07-5C03-87FE-66D7-8A69D97A634C}"/>
+              </a:ext>
+            </a:extLst>
+          </p:cNvPr>
+          <p:cNvSpPr>
+            <a:spLocks noGrp="1" noRot="1" noChangeAspect="1"/>
+          </p:cNvSpPr>
+          <p:nvPr>
+            <p:ph type="sldImg"/>
+          </p:nvPr>
+        </p:nvSpPr>
+        <p:spPr/>
+      </p:sp>
+      <p:sp>
+        <p:nvSpPr>
+          <p:cNvPr id="3" name="Notes Placeholder 2">
+            <a:extLst>
+              <a:ext uri="{FF2B5EF4-FFF2-40B4-BE49-F238E27FC236}">
+                <a16:creationId xmlns:a16="http://schemas.microsoft.com/office/drawing/2014/main" id="{414CA9AF-307B-317E-7664-C98A45D40B89}"/>
+              </a:ext>
+            </a:extLst>
+          </p:cNvPr>
+          <p:cNvSpPr>
+            <a:spLocks noGrp="1"/>
+          </p:cNvSpPr>
+          <p:nvPr>
+            <p:ph type="body" idx="1"/>
+          </p:nvPr>
+        </p:nvSpPr>
+        <p:spPr/>
+        <p:txBody>
+          <a:bodyPr/>
+          <a:lstStyle/>
+          <a:p>
+            <a:r>
+              <a:rPr lang="hr-HR" dirty="0"/>
+              <a:t>Otvorite </a:t>
+            </a:r>
+            <a:r>
+              <a:rPr lang="hr-HR" dirty="0" err="1"/>
+              <a:t>Visual</a:t>
+            </a:r>
+            <a:r>
+              <a:rPr lang="hr-HR" dirty="0"/>
+              <a:t> Studio </a:t>
+            </a:r>
+            <a:r>
+              <a:rPr lang="hr-HR" dirty="0" err="1"/>
+              <a:t>Code</a:t>
+            </a:r>
+            <a:r>
+              <a:rPr lang="hr-HR" dirty="0"/>
+              <a:t> ili editor po izboru Kreirajte folder (možete ga nazvati “</a:t>
+            </a:r>
+            <a:r>
+              <a:rPr lang="hr-HR" dirty="0" err="1"/>
+              <a:t>Recording</a:t>
+            </a:r>
+            <a:r>
+              <a:rPr lang="hr-HR" dirty="0"/>
+              <a:t>”, “</a:t>
+            </a:r>
+            <a:r>
+              <a:rPr lang="hr-HR" dirty="0" err="1"/>
+              <a:t>rest</a:t>
+            </a:r>
+            <a:r>
+              <a:rPr lang="hr-HR" dirty="0"/>
+              <a:t> API </a:t>
+            </a:r>
+            <a:r>
+              <a:rPr lang="hr-HR" dirty="0" err="1"/>
+              <a:t>project</a:t>
+            </a:r>
+            <a:r>
+              <a:rPr lang="hr-HR" dirty="0"/>
+              <a:t>” ili slično) U folderu se nalazi samo .</a:t>
+            </a:r>
+            <a:r>
+              <a:rPr lang="hr-HR" dirty="0" err="1"/>
+              <a:t>vscode</a:t>
+            </a:r>
+            <a:r>
+              <a:rPr lang="hr-HR" dirty="0"/>
+              <a:t> folder s osnovnim postavkama (npr. </a:t>
+            </a:r>
+            <a:r>
+              <a:rPr lang="hr-HR" dirty="0" err="1"/>
+              <a:t>zoom</a:t>
+            </a:r>
+            <a:r>
+              <a:rPr lang="hr-HR" dirty="0"/>
+              <a:t> </a:t>
+            </a:r>
+            <a:r>
+              <a:rPr lang="hr-HR" dirty="0" err="1"/>
+              <a:t>level</a:t>
+            </a:r>
+            <a:r>
+              <a:rPr lang="hr-HR" dirty="0"/>
+              <a:t>)</a:t>
+            </a:r>
+          </a:p>
+        </p:txBody>
+      </p:sp>
+      <p:sp>
+        <p:nvSpPr>
+          <p:cNvPr id="4" name="Slide Number Placeholder 3">
+            <a:extLst>
+              <a:ext uri="{FF2B5EF4-FFF2-40B4-BE49-F238E27FC236}">
+                <a16:creationId xmlns:a16="http://schemas.microsoft.com/office/drawing/2014/main" id="{33200622-A063-4EF3-7521-0721EA769841}"/>
+              </a:ext>
+            </a:extLst>
+          </p:cNvPr>
+          <p:cNvSpPr>
+            <a:spLocks noGrp="1"/>
+          </p:cNvSpPr>
+          <p:nvPr>
+            <p:ph type="sldNum" sz="quarter" idx="5"/>
+          </p:nvPr>
+        </p:nvSpPr>
+        <p:spPr/>
+        <p:txBody>
+          <a:bodyPr/>
+          <a:lstStyle/>
+          <a:p>
+            <a:fld id="{343B951A-A665-1949-AEDB-B62DC9BE7F13}" type="slidenum">
+              <a:rPr lang="en-US" smtClean="0"/>
+              <a:t>8</a:t>
+            </a:fld>
+            <a:endParaRPr lang="en-US"/>
+          </a:p>
+        </p:txBody>
+      </p:sp>
+    </p:spTree>
+    <p:extLst>
+      <p:ext uri="{BB962C8B-B14F-4D97-AF65-F5344CB8AC3E}">
+        <p14:creationId xmlns:p14="http://schemas.microsoft.com/office/powerpoint/2010/main" val="119952877"/>
+      </p:ext>
+    </p:extLst>
+  </p:cSld>
+  <p:clrMapOvr>
+    <a:masterClrMapping/>
+  </p:clrMapOvr>
+</p:notes>
+</file>
+
+<file path=ppt/notesSlides/notesSlide8.xml><?xml version="1.0" encoding="utf-8"?>
+<p:notes xmlns:a="http://schemas.openxmlformats.org/drawingml/2006/main" xmlns:r="http://schemas.openxmlformats.org/officeDocument/2006/relationships" xmlns:p="http://schemas.openxmlformats.org/presentationml/2006/main">
+  <p:cSld>
+    <p:spTree>
+      <p:nvGrpSpPr>
+        <p:cNvPr id="1" name="">
+          <a:extLst>
+            <a:ext uri="{FF2B5EF4-FFF2-40B4-BE49-F238E27FC236}">
+              <a16:creationId xmlns:a16="http://schemas.microsoft.com/office/drawing/2014/main" id="{AE1E7D61-7DA0-8C5D-10BE-095E65DE5B9D}"/>
+            </a:ext>
+          </a:extLst>
+        </p:cNvPr>
+        <p:cNvGrpSpPr/>
+        <p:nvPr/>
+      </p:nvGrpSpPr>
+      <p:grpSpPr>
+        <a:xfrm>
+          <a:off x="0" y="0"/>
+          <a:ext cx="0" cy="0"/>
+          <a:chOff x="0" y="0"/>
+          <a:chExt cx="0" cy="0"/>
+        </a:xfrm>
+      </p:grpSpPr>
+      <p:sp>
+        <p:nvSpPr>
+          <p:cNvPr id="2" name="Slide Image Placeholder 1">
+            <a:extLst>
+              <a:ext uri="{FF2B5EF4-FFF2-40B4-BE49-F238E27FC236}">
+                <a16:creationId xmlns:a16="http://schemas.microsoft.com/office/drawing/2014/main" id="{1BD2035D-2FB1-6440-870C-1561FAFF7386}"/>
+              </a:ext>
+            </a:extLst>
+          </p:cNvPr>
+          <p:cNvSpPr>
+            <a:spLocks noGrp="1" noRot="1" noChangeAspect="1"/>
+          </p:cNvSpPr>
+          <p:nvPr>
+            <p:ph type="sldImg"/>
+          </p:nvPr>
+        </p:nvSpPr>
+        <p:spPr/>
+      </p:sp>
+      <p:sp>
+        <p:nvSpPr>
+          <p:cNvPr id="3" name="Notes Placeholder 2">
+            <a:extLst>
+              <a:ext uri="{FF2B5EF4-FFF2-40B4-BE49-F238E27FC236}">
+                <a16:creationId xmlns:a16="http://schemas.microsoft.com/office/drawing/2014/main" id="{3886C084-5773-427E-924B-CFBC2D61CED3}"/>
+              </a:ext>
+            </a:extLst>
+          </p:cNvPr>
+          <p:cNvSpPr>
+            <a:spLocks noGrp="1"/>
+          </p:cNvSpPr>
+          <p:nvPr>
+            <p:ph type="body" idx="1"/>
+          </p:nvPr>
+        </p:nvSpPr>
+        <p:spPr/>
+        <p:txBody>
+          <a:bodyPr/>
+          <a:lstStyle/>
+          <a:p>
+            <a:r>
+              <a:rPr lang="hr-HR" dirty="0"/>
+              <a:t>Otvorite </a:t>
+            </a:r>
+            <a:r>
+              <a:rPr lang="hr-HR" dirty="0" err="1"/>
+              <a:t>Visual</a:t>
+            </a:r>
+            <a:r>
+              <a:rPr lang="hr-HR" dirty="0"/>
+              <a:t> Studio </a:t>
+            </a:r>
+            <a:r>
+              <a:rPr lang="hr-HR" dirty="0" err="1"/>
+              <a:t>Code</a:t>
+            </a:r>
+            <a:r>
+              <a:rPr lang="hr-HR" dirty="0"/>
+              <a:t> ili editor po izboru Kreirajte folder (možete ga nazvati “</a:t>
+            </a:r>
+            <a:r>
+              <a:rPr lang="hr-HR" dirty="0" err="1"/>
+              <a:t>Recording</a:t>
+            </a:r>
+            <a:r>
+              <a:rPr lang="hr-HR" dirty="0"/>
+              <a:t>”, “</a:t>
+            </a:r>
+            <a:r>
+              <a:rPr lang="hr-HR" dirty="0" err="1"/>
+              <a:t>rest</a:t>
+            </a:r>
+            <a:r>
+              <a:rPr lang="hr-HR" dirty="0"/>
+              <a:t> API </a:t>
+            </a:r>
+            <a:r>
+              <a:rPr lang="hr-HR" dirty="0" err="1"/>
+              <a:t>project</a:t>
+            </a:r>
+            <a:r>
+              <a:rPr lang="hr-HR" dirty="0"/>
+              <a:t>” ili slično) U folderu se nalazi samo .</a:t>
+            </a:r>
+            <a:r>
+              <a:rPr lang="hr-HR" dirty="0" err="1"/>
+              <a:t>vscode</a:t>
+            </a:r>
+            <a:r>
+              <a:rPr lang="hr-HR" dirty="0"/>
+              <a:t> folder s osnovnim postavkama (npr. </a:t>
+            </a:r>
+            <a:r>
+              <a:rPr lang="hr-HR" dirty="0" err="1"/>
+              <a:t>zoom</a:t>
+            </a:r>
+            <a:r>
+              <a:rPr lang="hr-HR" dirty="0"/>
+              <a:t> </a:t>
+            </a:r>
+            <a:r>
+              <a:rPr lang="hr-HR" dirty="0" err="1"/>
+              <a:t>level</a:t>
+            </a:r>
+            <a:r>
+              <a:rPr lang="hr-HR" dirty="0"/>
+              <a:t>)</a:t>
+            </a:r>
+          </a:p>
+        </p:txBody>
+      </p:sp>
+      <p:sp>
+        <p:nvSpPr>
+          <p:cNvPr id="4" name="Slide Number Placeholder 3">
+            <a:extLst>
+              <a:ext uri="{FF2B5EF4-FFF2-40B4-BE49-F238E27FC236}">
+                <a16:creationId xmlns:a16="http://schemas.microsoft.com/office/drawing/2014/main" id="{D6D23E45-F475-4065-A1C4-00D5DFDB73D9}"/>
+              </a:ext>
+            </a:extLst>
+          </p:cNvPr>
+          <p:cNvSpPr>
+            <a:spLocks noGrp="1"/>
+          </p:cNvSpPr>
+          <p:nvPr>
+            <p:ph type="sldNum" sz="quarter" idx="5"/>
+          </p:nvPr>
+        </p:nvSpPr>
+        <p:spPr/>
+        <p:txBody>
+          <a:bodyPr/>
+          <a:lstStyle/>
+          <a:p>
+            <a:fld id="{343B951A-A665-1949-AEDB-B62DC9BE7F13}" type="slidenum">
+              <a:rPr lang="en-US" smtClean="0"/>
+              <a:t>9</a:t>
+            </a:fld>
+            <a:endParaRPr lang="en-US"/>
+          </a:p>
+        </p:txBody>
+      </p:sp>
+    </p:spTree>
+    <p:extLst>
+      <p:ext uri="{BB962C8B-B14F-4D97-AF65-F5344CB8AC3E}">
+        <p14:creationId xmlns:p14="http://schemas.microsoft.com/office/powerpoint/2010/main" val="403800249"/>
+      </p:ext>
+    </p:extLst>
+  </p:cSld>
+  <p:clrMapOvr>
+    <a:masterClrMapping/>
+  </p:clrMapOvr>
+</p:notes>
+</file>
+
+<file path=ppt/notesSlides/notesSlide9.xml><?xml version="1.0" encoding="utf-8"?>
 <p:notes xmlns:a="http://schemas.openxmlformats.org/drawingml/2006/main" xmlns:r="http://schemas.openxmlformats.org/officeDocument/2006/relationships" xmlns:p="http://schemas.openxmlformats.org/presentationml/2006/main">
   <p:cSld>
     <p:spTree>
@@ -696,7 +2259,7 @@
           <a:p>
             <a:fld id="{343B951A-A665-1949-AEDB-B62DC9BE7F13}" type="slidenum">
               <a:rPr lang="en-US" smtClean="0"/>
-              <a:t>3</a:t>
+              <a:t>10</a:t>
             </a:fld>
             <a:endParaRPr lang="en-US"/>
           </a:p>
@@ -706,330 +2269,6 @@
     <p:extLst>
       <p:ext uri="{BB962C8B-B14F-4D97-AF65-F5344CB8AC3E}">
         <p14:creationId xmlns:p14="http://schemas.microsoft.com/office/powerpoint/2010/main" val="978507786"/>
-      </p:ext>
-    </p:extLst>
-  </p:cSld>
-  <p:clrMapOvr>
-    <a:masterClrMapping/>
-  </p:clrMapOvr>
-</p:notes>
-</file>
-
-<file path=ppt/notesSlides/notesSlide3.xml><?xml version="1.0" encoding="utf-8"?>
-<p:notes xmlns:a="http://schemas.openxmlformats.org/drawingml/2006/main" xmlns:r="http://schemas.openxmlformats.org/officeDocument/2006/relationships" xmlns:p="http://schemas.openxmlformats.org/presentationml/2006/main">
-  <p:cSld>
-    <p:spTree>
-      <p:nvGrpSpPr>
-        <p:cNvPr id="1" name="">
-          <a:extLst>
-            <a:ext uri="{FF2B5EF4-FFF2-40B4-BE49-F238E27FC236}">
-              <a16:creationId xmlns:a16="http://schemas.microsoft.com/office/drawing/2014/main" id="{79A80698-9A03-8C37-B72B-F0243E9EC1E3}"/>
-            </a:ext>
-          </a:extLst>
-        </p:cNvPr>
-        <p:cNvGrpSpPr/>
-        <p:nvPr/>
-      </p:nvGrpSpPr>
-      <p:grpSpPr>
-        <a:xfrm>
-          <a:off x="0" y="0"/>
-          <a:ext cx="0" cy="0"/>
-          <a:chOff x="0" y="0"/>
-          <a:chExt cx="0" cy="0"/>
-        </a:xfrm>
-      </p:grpSpPr>
-      <p:sp>
-        <p:nvSpPr>
-          <p:cNvPr id="2" name="Slide Image Placeholder 1">
-            <a:extLst>
-              <a:ext uri="{FF2B5EF4-FFF2-40B4-BE49-F238E27FC236}">
-                <a16:creationId xmlns:a16="http://schemas.microsoft.com/office/drawing/2014/main" id="{4CF7059B-13E9-BE0E-2C30-527AF686E46D}"/>
-              </a:ext>
-            </a:extLst>
-          </p:cNvPr>
-          <p:cNvSpPr>
-            <a:spLocks noGrp="1" noRot="1" noChangeAspect="1"/>
-          </p:cNvSpPr>
-          <p:nvPr>
-            <p:ph type="sldImg"/>
-          </p:nvPr>
-        </p:nvSpPr>
-        <p:spPr/>
-      </p:sp>
-      <p:sp>
-        <p:nvSpPr>
-          <p:cNvPr id="3" name="Notes Placeholder 2">
-            <a:extLst>
-              <a:ext uri="{FF2B5EF4-FFF2-40B4-BE49-F238E27FC236}">
-                <a16:creationId xmlns:a16="http://schemas.microsoft.com/office/drawing/2014/main" id="{45325F76-D5D1-9151-F020-AA0FA7FF6553}"/>
-              </a:ext>
-            </a:extLst>
-          </p:cNvPr>
-          <p:cNvSpPr>
-            <a:spLocks noGrp="1"/>
-          </p:cNvSpPr>
-          <p:nvPr>
-            <p:ph type="body" idx="1"/>
-          </p:nvPr>
-        </p:nvSpPr>
-        <p:spPr/>
-        <p:txBody>
-          <a:bodyPr/>
-          <a:lstStyle/>
-          <a:p>
-            <a:endParaRPr lang="hr-HR" dirty="0"/>
-          </a:p>
-        </p:txBody>
-      </p:sp>
-      <p:sp>
-        <p:nvSpPr>
-          <p:cNvPr id="4" name="Slide Number Placeholder 3">
-            <a:extLst>
-              <a:ext uri="{FF2B5EF4-FFF2-40B4-BE49-F238E27FC236}">
-                <a16:creationId xmlns:a16="http://schemas.microsoft.com/office/drawing/2014/main" id="{27F2B251-E1F4-C9E7-09C2-92E7B5008481}"/>
-              </a:ext>
-            </a:extLst>
-          </p:cNvPr>
-          <p:cNvSpPr>
-            <a:spLocks noGrp="1"/>
-          </p:cNvSpPr>
-          <p:nvPr>
-            <p:ph type="sldNum" sz="quarter" idx="5"/>
-          </p:nvPr>
-        </p:nvSpPr>
-        <p:spPr/>
-        <p:txBody>
-          <a:bodyPr/>
-          <a:lstStyle/>
-          <a:p>
-            <a:fld id="{343B951A-A665-1949-AEDB-B62DC9BE7F13}" type="slidenum">
-              <a:rPr lang="en-US" smtClean="0"/>
-              <a:t>4</a:t>
-            </a:fld>
-            <a:endParaRPr lang="en-US"/>
-          </a:p>
-        </p:txBody>
-      </p:sp>
-    </p:spTree>
-    <p:extLst>
-      <p:ext uri="{BB962C8B-B14F-4D97-AF65-F5344CB8AC3E}">
-        <p14:creationId xmlns:p14="http://schemas.microsoft.com/office/powerpoint/2010/main" val="739244900"/>
-      </p:ext>
-    </p:extLst>
-  </p:cSld>
-  <p:clrMapOvr>
-    <a:masterClrMapping/>
-  </p:clrMapOvr>
-</p:notes>
-</file>
-
-<file path=ppt/notesSlides/notesSlide4.xml><?xml version="1.0" encoding="utf-8"?>
-<p:notes xmlns:a="http://schemas.openxmlformats.org/drawingml/2006/main" xmlns:r="http://schemas.openxmlformats.org/officeDocument/2006/relationships" xmlns:p="http://schemas.openxmlformats.org/presentationml/2006/main">
-  <p:cSld>
-    <p:spTree>
-      <p:nvGrpSpPr>
-        <p:cNvPr id="1" name="">
-          <a:extLst>
-            <a:ext uri="{FF2B5EF4-FFF2-40B4-BE49-F238E27FC236}">
-              <a16:creationId xmlns:a16="http://schemas.microsoft.com/office/drawing/2014/main" id="{B9C6B58C-9B13-BE82-AAA7-B1BF22792D2F}"/>
-            </a:ext>
-          </a:extLst>
-        </p:cNvPr>
-        <p:cNvGrpSpPr/>
-        <p:nvPr/>
-      </p:nvGrpSpPr>
-      <p:grpSpPr>
-        <a:xfrm>
-          <a:off x="0" y="0"/>
-          <a:ext cx="0" cy="0"/>
-          <a:chOff x="0" y="0"/>
-          <a:chExt cx="0" cy="0"/>
-        </a:xfrm>
-      </p:grpSpPr>
-      <p:sp>
-        <p:nvSpPr>
-          <p:cNvPr id="2" name="Slide Image Placeholder 1">
-            <a:extLst>
-              <a:ext uri="{FF2B5EF4-FFF2-40B4-BE49-F238E27FC236}">
-                <a16:creationId xmlns:a16="http://schemas.microsoft.com/office/drawing/2014/main" id="{9D8C17E5-EFB5-B539-7C5B-657BDBE0C839}"/>
-              </a:ext>
-            </a:extLst>
-          </p:cNvPr>
-          <p:cNvSpPr>
-            <a:spLocks noGrp="1" noRot="1" noChangeAspect="1"/>
-          </p:cNvSpPr>
-          <p:nvPr>
-            <p:ph type="sldImg"/>
-          </p:nvPr>
-        </p:nvSpPr>
-        <p:spPr/>
-      </p:sp>
-      <p:sp>
-        <p:nvSpPr>
-          <p:cNvPr id="3" name="Notes Placeholder 2">
-            <a:extLst>
-              <a:ext uri="{FF2B5EF4-FFF2-40B4-BE49-F238E27FC236}">
-                <a16:creationId xmlns:a16="http://schemas.microsoft.com/office/drawing/2014/main" id="{E26EB323-CD1C-C7B8-DC90-A8A84843FEBC}"/>
-              </a:ext>
-            </a:extLst>
-          </p:cNvPr>
-          <p:cNvSpPr>
-            <a:spLocks noGrp="1"/>
-          </p:cNvSpPr>
-          <p:nvPr>
-            <p:ph type="body" idx="1"/>
-          </p:nvPr>
-        </p:nvSpPr>
-        <p:spPr/>
-        <p:txBody>
-          <a:bodyPr/>
-          <a:lstStyle/>
-          <a:p>
-            <a:endParaRPr lang="hr-HR" dirty="0"/>
-          </a:p>
-        </p:txBody>
-      </p:sp>
-      <p:sp>
-        <p:nvSpPr>
-          <p:cNvPr id="4" name="Slide Number Placeholder 3">
-            <a:extLst>
-              <a:ext uri="{FF2B5EF4-FFF2-40B4-BE49-F238E27FC236}">
-                <a16:creationId xmlns:a16="http://schemas.microsoft.com/office/drawing/2014/main" id="{DFEF5C96-CF65-6E2C-87B2-0422C3B6D207}"/>
-              </a:ext>
-            </a:extLst>
-          </p:cNvPr>
-          <p:cNvSpPr>
-            <a:spLocks noGrp="1"/>
-          </p:cNvSpPr>
-          <p:nvPr>
-            <p:ph type="sldNum" sz="quarter" idx="5"/>
-          </p:nvPr>
-        </p:nvSpPr>
-        <p:spPr/>
-        <p:txBody>
-          <a:bodyPr/>
-          <a:lstStyle/>
-          <a:p>
-            <a:fld id="{343B951A-A665-1949-AEDB-B62DC9BE7F13}" type="slidenum">
-              <a:rPr lang="en-US" smtClean="0"/>
-              <a:t>5</a:t>
-            </a:fld>
-            <a:endParaRPr lang="en-US"/>
-          </a:p>
-        </p:txBody>
-      </p:sp>
-    </p:spTree>
-    <p:extLst>
-      <p:ext uri="{BB962C8B-B14F-4D97-AF65-F5344CB8AC3E}">
-        <p14:creationId xmlns:p14="http://schemas.microsoft.com/office/powerpoint/2010/main" val="3044125037"/>
-      </p:ext>
-    </p:extLst>
-  </p:cSld>
-  <p:clrMapOvr>
-    <a:masterClrMapping/>
-  </p:clrMapOvr>
-</p:notes>
-</file>
-
-<file path=ppt/notesSlides/notesSlide5.xml><?xml version="1.0" encoding="utf-8"?>
-<p:notes xmlns:a="http://schemas.openxmlformats.org/drawingml/2006/main" xmlns:r="http://schemas.openxmlformats.org/officeDocument/2006/relationships" xmlns:p="http://schemas.openxmlformats.org/presentationml/2006/main">
-  <p:cSld>
-    <p:spTree>
-      <p:nvGrpSpPr>
-        <p:cNvPr id="1" name="">
-          <a:extLst>
-            <a:ext uri="{FF2B5EF4-FFF2-40B4-BE49-F238E27FC236}">
-              <a16:creationId xmlns:a16="http://schemas.microsoft.com/office/drawing/2014/main" id="{1D7B5311-A11E-2D05-F3DF-DE880AFD7926}"/>
-            </a:ext>
-          </a:extLst>
-        </p:cNvPr>
-        <p:cNvGrpSpPr/>
-        <p:nvPr/>
-      </p:nvGrpSpPr>
-      <p:grpSpPr>
-        <a:xfrm>
-          <a:off x="0" y="0"/>
-          <a:ext cx="0" cy="0"/>
-          <a:chOff x="0" y="0"/>
-          <a:chExt cx="0" cy="0"/>
-        </a:xfrm>
-      </p:grpSpPr>
-      <p:sp>
-        <p:nvSpPr>
-          <p:cNvPr id="2" name="Slide Image Placeholder 1">
-            <a:extLst>
-              <a:ext uri="{FF2B5EF4-FFF2-40B4-BE49-F238E27FC236}">
-                <a16:creationId xmlns:a16="http://schemas.microsoft.com/office/drawing/2014/main" id="{D6D9FACF-F1A1-08DC-09A2-4637F3A457C7}"/>
-              </a:ext>
-            </a:extLst>
-          </p:cNvPr>
-          <p:cNvSpPr>
-            <a:spLocks noGrp="1" noRot="1" noChangeAspect="1"/>
-          </p:cNvSpPr>
-          <p:nvPr>
-            <p:ph type="sldImg"/>
-          </p:nvPr>
-        </p:nvSpPr>
-        <p:spPr/>
-      </p:sp>
-      <p:sp>
-        <p:nvSpPr>
-          <p:cNvPr id="3" name="Notes Placeholder 2">
-            <a:extLst>
-              <a:ext uri="{FF2B5EF4-FFF2-40B4-BE49-F238E27FC236}">
-                <a16:creationId xmlns:a16="http://schemas.microsoft.com/office/drawing/2014/main" id="{FB2D9268-0AB0-70BE-6CC7-E5E6CE05E16A}"/>
-              </a:ext>
-            </a:extLst>
-          </p:cNvPr>
-          <p:cNvSpPr>
-            <a:spLocks noGrp="1"/>
-          </p:cNvSpPr>
-          <p:nvPr>
-            <p:ph type="body" idx="1"/>
-          </p:nvPr>
-        </p:nvSpPr>
-        <p:spPr/>
-        <p:txBody>
-          <a:bodyPr/>
-          <a:lstStyle/>
-          <a:p>
-            <a:endParaRPr lang="hr-HR" dirty="0"/>
-          </a:p>
-        </p:txBody>
-      </p:sp>
-      <p:sp>
-        <p:nvSpPr>
-          <p:cNvPr id="4" name="Slide Number Placeholder 3">
-            <a:extLst>
-              <a:ext uri="{FF2B5EF4-FFF2-40B4-BE49-F238E27FC236}">
-                <a16:creationId xmlns:a16="http://schemas.microsoft.com/office/drawing/2014/main" id="{CA76A95D-ADFB-3F21-A9B9-6CE11FD00986}"/>
-              </a:ext>
-            </a:extLst>
-          </p:cNvPr>
-          <p:cNvSpPr>
-            <a:spLocks noGrp="1"/>
-          </p:cNvSpPr>
-          <p:nvPr>
-            <p:ph type="sldNum" sz="quarter" idx="5"/>
-          </p:nvPr>
-        </p:nvSpPr>
-        <p:spPr/>
-        <p:txBody>
-          <a:bodyPr/>
-          <a:lstStyle/>
-          <a:p>
-            <a:fld id="{343B951A-A665-1949-AEDB-B62DC9BE7F13}" type="slidenum">
-              <a:rPr lang="en-US" smtClean="0"/>
-              <a:t>6</a:t>
-            </a:fld>
-            <a:endParaRPr lang="en-US"/>
-          </a:p>
-        </p:txBody>
-      </p:sp>
-    </p:spTree>
-    <p:extLst>
-      <p:ext uri="{BB962C8B-B14F-4D97-AF65-F5344CB8AC3E}">
-        <p14:creationId xmlns:p14="http://schemas.microsoft.com/office/powerpoint/2010/main" val="3248549462"/>
       </p:ext>
     </p:extLst>
   </p:cSld>
@@ -11711,6 +12950,784 @@
 </p:sld>
 </file>
 
+<file path=ppt/slides/slide10.xml><?xml version="1.0" encoding="utf-8"?>
+<p:sld xmlns:a="http://schemas.openxmlformats.org/drawingml/2006/main" xmlns:r="http://schemas.openxmlformats.org/officeDocument/2006/relationships" xmlns:p="http://schemas.openxmlformats.org/presentationml/2006/main">
+  <p:cSld>
+    <p:spTree>
+      <p:nvGrpSpPr>
+        <p:cNvPr id="1" name="">
+          <a:extLst>
+            <a:ext uri="{FF2B5EF4-FFF2-40B4-BE49-F238E27FC236}">
+              <a16:creationId xmlns:a16="http://schemas.microsoft.com/office/drawing/2014/main" id="{41D8D391-E500-51BA-E7FD-06C8D5BADE27}"/>
+            </a:ext>
+          </a:extLst>
+        </p:cNvPr>
+        <p:cNvGrpSpPr/>
+        <p:nvPr/>
+      </p:nvGrpSpPr>
+      <p:grpSpPr>
+        <a:xfrm>
+          <a:off x="0" y="0"/>
+          <a:ext cx="0" cy="0"/>
+          <a:chOff x="0" y="0"/>
+          <a:chExt cx="0" cy="0"/>
+        </a:xfrm>
+      </p:grpSpPr>
+      <p:sp>
+        <p:nvSpPr>
+          <p:cNvPr id="2" name="Title 1">
+            <a:extLst>
+              <a:ext uri="{FF2B5EF4-FFF2-40B4-BE49-F238E27FC236}">
+                <a16:creationId xmlns:a16="http://schemas.microsoft.com/office/drawing/2014/main" id="{7A95F4FD-1537-5299-B877-F1D1B4403E64}"/>
+              </a:ext>
+            </a:extLst>
+          </p:cNvPr>
+          <p:cNvSpPr>
+            <a:spLocks noGrp="1"/>
+          </p:cNvSpPr>
+          <p:nvPr>
+            <p:ph type="title"/>
+          </p:nvPr>
+        </p:nvSpPr>
+        <p:spPr/>
+        <p:txBody>
+          <a:bodyPr/>
+          <a:lstStyle/>
+          <a:p>
+            <a:r>
+              <a:rPr lang="en-US" dirty="0"/>
+              <a:t>VJE</a:t>
+            </a:r>
+            <a:r>
+              <a:rPr lang="hr-HR" dirty="0"/>
+              <a:t>ž</a:t>
+            </a:r>
+            <a:r>
+              <a:rPr lang="en-US" dirty="0" err="1"/>
+              <a:t>ba</a:t>
+            </a:r>
+            <a:endParaRPr lang="hr-HR" dirty="0"/>
+          </a:p>
+        </p:txBody>
+      </p:sp>
+      <p:sp>
+        <p:nvSpPr>
+          <p:cNvPr id="6" name="Text Placeholder 5">
+            <a:extLst>
+              <a:ext uri="{FF2B5EF4-FFF2-40B4-BE49-F238E27FC236}">
+                <a16:creationId xmlns:a16="http://schemas.microsoft.com/office/drawing/2014/main" id="{833981EC-5E89-16A5-C438-450D17DC012D}"/>
+              </a:ext>
+            </a:extLst>
+          </p:cNvPr>
+          <p:cNvSpPr>
+            <a:spLocks noGrp="1"/>
+          </p:cNvSpPr>
+          <p:nvPr>
+            <p:ph type="body" sz="half" idx="2"/>
+          </p:nvPr>
+        </p:nvSpPr>
+        <p:spPr/>
+        <p:txBody>
+          <a:bodyPr/>
+          <a:lstStyle/>
+          <a:p>
+            <a:pPr>
+              <a:buFontTx/>
+              <a:buChar char="-"/>
+            </a:pPr>
+            <a:r>
+              <a:rPr lang="en-US" dirty="0"/>
+              <a:t>- </a:t>
+            </a:r>
+            <a:r>
+              <a:rPr lang="en-US" dirty="0" err="1"/>
+              <a:t>Kreirajte</a:t>
+            </a:r>
+            <a:r>
+              <a:rPr lang="en-US" dirty="0"/>
+              <a:t> </a:t>
+            </a:r>
+            <a:r>
+              <a:rPr lang="en-US" dirty="0" err="1"/>
+              <a:t>racun</a:t>
+            </a:r>
+            <a:r>
+              <a:rPr lang="en-US" dirty="0"/>
+              <a:t> </a:t>
+            </a:r>
+            <a:r>
+              <a:rPr lang="en-US" dirty="0" err="1"/>
+              <a:t>na</a:t>
+            </a:r>
+            <a:r>
+              <a:rPr lang="en-US" dirty="0"/>
+              <a:t> GitHub-u</a:t>
+            </a:r>
+          </a:p>
+          <a:p>
+            <a:pPr marL="15875" indent="0">
+              <a:buNone/>
+            </a:pPr>
+            <a:r>
+              <a:rPr lang="en-US" dirty="0"/>
+              <a:t>- </a:t>
+            </a:r>
+            <a:r>
+              <a:rPr lang="en-US" dirty="0" err="1"/>
+              <a:t>Instalirajte</a:t>
+            </a:r>
+            <a:r>
+              <a:rPr lang="en-US" dirty="0"/>
+              <a:t> git </a:t>
+            </a:r>
+            <a:r>
+              <a:rPr lang="en-US" dirty="0" err="1"/>
+              <a:t>na</a:t>
+            </a:r>
+            <a:r>
+              <a:rPr lang="en-US" dirty="0"/>
+              <a:t> </a:t>
+            </a:r>
+            <a:r>
+              <a:rPr lang="en-US" dirty="0" err="1"/>
+              <a:t>svom</a:t>
+            </a:r>
+            <a:r>
+              <a:rPr lang="en-US" dirty="0"/>
+              <a:t> </a:t>
+            </a:r>
+            <a:r>
+              <a:rPr lang="en-US" dirty="0" err="1"/>
+              <a:t>racunalu</a:t>
+            </a:r>
+            <a:endParaRPr lang="en-US" dirty="0"/>
+          </a:p>
+        </p:txBody>
+      </p:sp>
+      <p:pic>
+        <p:nvPicPr>
+          <p:cNvPr id="5" name="Picture 4">
+            <a:extLst>
+              <a:ext uri="{FF2B5EF4-FFF2-40B4-BE49-F238E27FC236}">
+                <a16:creationId xmlns:a16="http://schemas.microsoft.com/office/drawing/2014/main" id="{149D2121-0469-EF77-AB60-A477B976EA9A}"/>
+              </a:ext>
+            </a:extLst>
+          </p:cNvPr>
+          <p:cNvPicPr>
+            <a:picLocks noChangeAspect="1"/>
+          </p:cNvPicPr>
+          <p:nvPr/>
+        </p:nvPicPr>
+        <p:blipFill>
+          <a:blip r:embed="rId3"/>
+          <a:stretch>
+            <a:fillRect/>
+          </a:stretch>
+        </p:blipFill>
+        <p:spPr>
+          <a:xfrm>
+            <a:off x="6011345" y="2120917"/>
+            <a:ext cx="5340867" cy="2047819"/>
+          </a:xfrm>
+          <a:prstGeom prst="rect">
+            <a:avLst/>
+          </a:prstGeom>
+        </p:spPr>
+      </p:pic>
+    </p:spTree>
+    <p:extLst>
+      <p:ext uri="{BB962C8B-B14F-4D97-AF65-F5344CB8AC3E}">
+        <p14:creationId xmlns:p14="http://schemas.microsoft.com/office/powerpoint/2010/main" val="4076044860"/>
+      </p:ext>
+    </p:extLst>
+  </p:cSld>
+  <p:clrMapOvr>
+    <a:masterClrMapping/>
+  </p:clrMapOvr>
+</p:sld>
+</file>
+
+<file path=ppt/slides/slide11.xml><?xml version="1.0" encoding="utf-8"?>
+<p:sld xmlns:a="http://schemas.openxmlformats.org/drawingml/2006/main" xmlns:r="http://schemas.openxmlformats.org/officeDocument/2006/relationships" xmlns:p="http://schemas.openxmlformats.org/presentationml/2006/main">
+  <p:cSld>
+    <p:spTree>
+      <p:nvGrpSpPr>
+        <p:cNvPr id="1" name="">
+          <a:extLst>
+            <a:ext uri="{FF2B5EF4-FFF2-40B4-BE49-F238E27FC236}">
+              <a16:creationId xmlns:a16="http://schemas.microsoft.com/office/drawing/2014/main" id="{8A3BB671-DE0C-69DA-7D50-7B520318E890}"/>
+            </a:ext>
+          </a:extLst>
+        </p:cNvPr>
+        <p:cNvGrpSpPr/>
+        <p:nvPr/>
+      </p:nvGrpSpPr>
+      <p:grpSpPr>
+        <a:xfrm>
+          <a:off x="0" y="0"/>
+          <a:ext cx="0" cy="0"/>
+          <a:chOff x="0" y="0"/>
+          <a:chExt cx="0" cy="0"/>
+        </a:xfrm>
+      </p:grpSpPr>
+      <p:sp>
+        <p:nvSpPr>
+          <p:cNvPr id="4" name="Title 1">
+            <a:extLst>
+              <a:ext uri="{FF2B5EF4-FFF2-40B4-BE49-F238E27FC236}">
+                <a16:creationId xmlns:a16="http://schemas.microsoft.com/office/drawing/2014/main" id="{46514EAA-86A0-ABD2-5692-FA150F3943FE}"/>
+              </a:ext>
+            </a:extLst>
+          </p:cNvPr>
+          <p:cNvSpPr txBox="1">
+            <a:spLocks/>
+          </p:cNvSpPr>
+          <p:nvPr/>
+        </p:nvSpPr>
+        <p:spPr>
+          <a:xfrm>
+            <a:off x="990600" y="383056"/>
+            <a:ext cx="10515600" cy="853976"/>
+          </a:xfrm>
+          <a:prstGeom prst="rect">
+            <a:avLst/>
+          </a:prstGeom>
+        </p:spPr>
+        <p:txBody>
+          <a:bodyPr vert="horz" lIns="91440" tIns="45720" rIns="91440" bIns="45720" rtlCol="0" anchor="ctr">
+            <a:normAutofit/>
+          </a:bodyPr>
+          <a:lstStyle>
+            <a:lvl1pPr algn="l" defTabSz="914400" rtl="0" eaLnBrk="1" latinLnBrk="0" hangingPunct="1">
+              <a:lnSpc>
+                <a:spcPct val="90000"/>
+              </a:lnSpc>
+              <a:spcBef>
+                <a:spcPct val="0"/>
+              </a:spcBef>
+              <a:buNone/>
+              <a:defRPr sz="3600" b="1" i="0" kern="1200" cap="all" baseline="0">
+                <a:solidFill>
+                  <a:schemeClr val="tx2"/>
+                </a:solidFill>
+                <a:latin typeface="+mj-lt"/>
+                <a:ea typeface="Open Sans Semibold" panose="020B0606030504020204" pitchFamily="34" charset="0"/>
+                <a:cs typeface="Open Sans Semibold" panose="020B0606030504020204" pitchFamily="34" charset="0"/>
+              </a:defRPr>
+            </a:lvl1pPr>
+          </a:lstStyle>
+          <a:p>
+            <a:r>
+              <a:rPr lang="en-US" dirty="0"/>
+              <a:t>GIT - .</a:t>
+            </a:r>
+            <a:r>
+              <a:rPr lang="en-US" dirty="0" err="1"/>
+              <a:t>gitignore</a:t>
+            </a:r>
+            <a:r>
+              <a:rPr lang="en-US" dirty="0"/>
+              <a:t> </a:t>
+            </a:r>
+            <a:r>
+              <a:rPr lang="en-US" dirty="0" err="1"/>
+              <a:t>fajl</a:t>
+            </a:r>
+            <a:endParaRPr lang="hr-HR" dirty="0"/>
+          </a:p>
+        </p:txBody>
+      </p:sp>
+      <p:sp>
+        <p:nvSpPr>
+          <p:cNvPr id="13" name="TextBox 12">
+            <a:extLst>
+              <a:ext uri="{FF2B5EF4-FFF2-40B4-BE49-F238E27FC236}">
+                <a16:creationId xmlns:a16="http://schemas.microsoft.com/office/drawing/2014/main" id="{14EC9AB8-C46A-A884-86EA-785B3DE7B9AC}"/>
+              </a:ext>
+            </a:extLst>
+          </p:cNvPr>
+          <p:cNvSpPr txBox="1"/>
+          <p:nvPr/>
+        </p:nvSpPr>
+        <p:spPr>
+          <a:xfrm>
+            <a:off x="1038449" y="1348892"/>
+            <a:ext cx="5495258" cy="1754326"/>
+          </a:xfrm>
+          <a:prstGeom prst="rect">
+            <a:avLst/>
+          </a:prstGeom>
+          <a:noFill/>
+        </p:spPr>
+        <p:txBody>
+          <a:bodyPr wrap="square">
+            <a:spAutoFit/>
+          </a:bodyPr>
+          <a:lstStyle/>
+          <a:p>
+            <a:r>
+              <a:rPr lang="hr-HR" dirty="0"/>
+              <a:t>👉 </a:t>
+            </a:r>
+            <a:r>
+              <a:rPr lang="en-US" b="1" dirty="0" err="1"/>
+              <a:t>Koristimo</a:t>
+            </a:r>
+            <a:r>
+              <a:rPr lang="en-US" b="1" dirty="0"/>
+              <a:t> ga za </a:t>
+            </a:r>
+            <a:r>
+              <a:rPr lang="hr-HR" b="1" dirty="0"/>
+              <a:t>sprječavanje dodavanja određenih datoteka u </a:t>
+            </a:r>
+            <a:r>
+              <a:rPr lang="hr-HR" b="1" dirty="0" err="1"/>
+              <a:t>Git</a:t>
+            </a:r>
+            <a:r>
+              <a:rPr lang="hr-HR" b="1" dirty="0"/>
+              <a:t> repozitorij</a:t>
+            </a:r>
+            <a:r>
+              <a:rPr lang="hr-HR" dirty="0"/>
+              <a:t>. Ovo je izuzetno važno kako biste zaštitili </a:t>
+            </a:r>
+            <a:r>
+              <a:rPr lang="hr-HR" b="1" dirty="0"/>
+              <a:t>osjetljive podatke (API ključeve, lozinke, privatne postavke)</a:t>
+            </a:r>
+            <a:r>
+              <a:rPr lang="hr-HR" dirty="0"/>
+              <a:t> i izbjegli </a:t>
+            </a:r>
+            <a:r>
+              <a:rPr lang="hr-HR" b="1" dirty="0"/>
+              <a:t>bespotrebno dijeljenje lokalnih postavki</a:t>
+            </a:r>
+            <a:r>
+              <a:rPr lang="hr-HR" dirty="0"/>
+              <a:t> s ostatkom tima</a:t>
+            </a:r>
+          </a:p>
+        </p:txBody>
+      </p:sp>
+      <p:pic>
+        <p:nvPicPr>
+          <p:cNvPr id="15" name="Picture 14">
+            <a:extLst>
+              <a:ext uri="{FF2B5EF4-FFF2-40B4-BE49-F238E27FC236}">
+                <a16:creationId xmlns:a16="http://schemas.microsoft.com/office/drawing/2014/main" id="{AF0746B1-CF0B-772F-F0A7-436E88CBB36B}"/>
+              </a:ext>
+            </a:extLst>
+          </p:cNvPr>
+          <p:cNvPicPr>
+            <a:picLocks noChangeAspect="1"/>
+          </p:cNvPicPr>
+          <p:nvPr/>
+        </p:nvPicPr>
+        <p:blipFill>
+          <a:blip r:embed="rId3"/>
+          <a:stretch>
+            <a:fillRect/>
+          </a:stretch>
+        </p:blipFill>
+        <p:spPr>
+          <a:xfrm>
+            <a:off x="7067883" y="1440519"/>
+            <a:ext cx="4230128" cy="2230289"/>
+          </a:xfrm>
+          <a:prstGeom prst="rect">
+            <a:avLst/>
+          </a:prstGeom>
+        </p:spPr>
+      </p:pic>
+      <p:pic>
+        <p:nvPicPr>
+          <p:cNvPr id="17" name="Picture 16">
+            <a:extLst>
+              <a:ext uri="{FF2B5EF4-FFF2-40B4-BE49-F238E27FC236}">
+                <a16:creationId xmlns:a16="http://schemas.microsoft.com/office/drawing/2014/main" id="{BCF86CC8-A0AF-D912-2361-C2300E32AAEC}"/>
+              </a:ext>
+            </a:extLst>
+          </p:cNvPr>
+          <p:cNvPicPr>
+            <a:picLocks noChangeAspect="1"/>
+          </p:cNvPicPr>
+          <p:nvPr/>
+        </p:nvPicPr>
+        <p:blipFill>
+          <a:blip r:embed="rId4"/>
+          <a:stretch>
+            <a:fillRect/>
+          </a:stretch>
+        </p:blipFill>
+        <p:spPr>
+          <a:xfrm>
+            <a:off x="1122399" y="3360251"/>
+            <a:ext cx="4248150" cy="1619250"/>
+          </a:xfrm>
+          <a:prstGeom prst="rect">
+            <a:avLst/>
+          </a:prstGeom>
+        </p:spPr>
+      </p:pic>
+    </p:spTree>
+    <p:extLst>
+      <p:ext uri="{BB962C8B-B14F-4D97-AF65-F5344CB8AC3E}">
+        <p14:creationId xmlns:p14="http://schemas.microsoft.com/office/powerpoint/2010/main" val="452716800"/>
+      </p:ext>
+    </p:extLst>
+  </p:cSld>
+  <p:clrMapOvr>
+    <a:masterClrMapping/>
+  </p:clrMapOvr>
+</p:sld>
+</file>
+
+<file path=ppt/slides/slide12.xml><?xml version="1.0" encoding="utf-8"?>
+<p:sld xmlns:a="http://schemas.openxmlformats.org/drawingml/2006/main" xmlns:r="http://schemas.openxmlformats.org/officeDocument/2006/relationships" xmlns:p="http://schemas.openxmlformats.org/presentationml/2006/main">
+  <p:cSld>
+    <p:spTree>
+      <p:nvGrpSpPr>
+        <p:cNvPr id="1" name="">
+          <a:extLst>
+            <a:ext uri="{FF2B5EF4-FFF2-40B4-BE49-F238E27FC236}">
+              <a16:creationId xmlns:a16="http://schemas.microsoft.com/office/drawing/2014/main" id="{AACCDD28-BD62-549E-613A-4F3530DD382F}"/>
+            </a:ext>
+          </a:extLst>
+        </p:cNvPr>
+        <p:cNvGrpSpPr/>
+        <p:nvPr/>
+      </p:nvGrpSpPr>
+      <p:grpSpPr>
+        <a:xfrm>
+          <a:off x="0" y="0"/>
+          <a:ext cx="0" cy="0"/>
+          <a:chOff x="0" y="0"/>
+          <a:chExt cx="0" cy="0"/>
+        </a:xfrm>
+      </p:grpSpPr>
+      <p:sp>
+        <p:nvSpPr>
+          <p:cNvPr id="4" name="Title 1">
+            <a:extLst>
+              <a:ext uri="{FF2B5EF4-FFF2-40B4-BE49-F238E27FC236}">
+                <a16:creationId xmlns:a16="http://schemas.microsoft.com/office/drawing/2014/main" id="{B40B06FE-46F2-0CBA-9EFE-1103911D8E19}"/>
+              </a:ext>
+            </a:extLst>
+          </p:cNvPr>
+          <p:cNvSpPr txBox="1">
+            <a:spLocks/>
+          </p:cNvSpPr>
+          <p:nvPr/>
+        </p:nvSpPr>
+        <p:spPr>
+          <a:xfrm>
+            <a:off x="990600" y="383056"/>
+            <a:ext cx="10515600" cy="853976"/>
+          </a:xfrm>
+          <a:prstGeom prst="rect">
+            <a:avLst/>
+          </a:prstGeom>
+        </p:spPr>
+        <p:txBody>
+          <a:bodyPr vert="horz" lIns="91440" tIns="45720" rIns="91440" bIns="45720" rtlCol="0" anchor="ctr">
+            <a:normAutofit/>
+          </a:bodyPr>
+          <a:lstStyle>
+            <a:lvl1pPr algn="l" defTabSz="914400" rtl="0" eaLnBrk="1" latinLnBrk="0" hangingPunct="1">
+              <a:lnSpc>
+                <a:spcPct val="90000"/>
+              </a:lnSpc>
+              <a:spcBef>
+                <a:spcPct val="0"/>
+              </a:spcBef>
+              <a:buNone/>
+              <a:defRPr sz="3600" b="1" i="0" kern="1200" cap="all" baseline="0">
+                <a:solidFill>
+                  <a:schemeClr val="tx2"/>
+                </a:solidFill>
+                <a:latin typeface="+mj-lt"/>
+                <a:ea typeface="Open Sans Semibold" panose="020B0606030504020204" pitchFamily="34" charset="0"/>
+                <a:cs typeface="Open Sans Semibold" panose="020B0606030504020204" pitchFamily="34" charset="0"/>
+              </a:defRPr>
+            </a:lvl1pPr>
+          </a:lstStyle>
+          <a:p>
+            <a:r>
+              <a:rPr lang="en-US" dirty="0"/>
+              <a:t>GIT - NAREDBE</a:t>
+            </a:r>
+            <a:endParaRPr lang="hr-HR" dirty="0"/>
+          </a:p>
+        </p:txBody>
+      </p:sp>
+      <p:pic>
+        <p:nvPicPr>
+          <p:cNvPr id="3" name="Picture 2">
+            <a:extLst>
+              <a:ext uri="{FF2B5EF4-FFF2-40B4-BE49-F238E27FC236}">
+                <a16:creationId xmlns:a16="http://schemas.microsoft.com/office/drawing/2014/main" id="{C6CF8930-A3A5-990C-3A13-B8350923F12C}"/>
+              </a:ext>
+            </a:extLst>
+          </p:cNvPr>
+          <p:cNvPicPr>
+            <a:picLocks noChangeAspect="1"/>
+          </p:cNvPicPr>
+          <p:nvPr/>
+        </p:nvPicPr>
+        <p:blipFill>
+          <a:blip r:embed="rId3"/>
+          <a:stretch>
+            <a:fillRect/>
+          </a:stretch>
+        </p:blipFill>
+        <p:spPr>
+          <a:xfrm>
+            <a:off x="7002900" y="1898354"/>
+            <a:ext cx="4503300" cy="2141020"/>
+          </a:xfrm>
+          <a:prstGeom prst="rect">
+            <a:avLst/>
+          </a:prstGeom>
+        </p:spPr>
+      </p:pic>
+      <p:pic>
+        <p:nvPicPr>
+          <p:cNvPr id="7" name="Picture 6">
+            <a:extLst>
+              <a:ext uri="{FF2B5EF4-FFF2-40B4-BE49-F238E27FC236}">
+                <a16:creationId xmlns:a16="http://schemas.microsoft.com/office/drawing/2014/main" id="{7ACA41F2-851B-EC23-481F-CBFD615A72E5}"/>
+              </a:ext>
+            </a:extLst>
+          </p:cNvPr>
+          <p:cNvPicPr>
+            <a:picLocks noChangeAspect="1"/>
+          </p:cNvPicPr>
+          <p:nvPr/>
+        </p:nvPicPr>
+        <p:blipFill>
+          <a:blip r:embed="rId4"/>
+          <a:stretch>
+            <a:fillRect/>
+          </a:stretch>
+        </p:blipFill>
+        <p:spPr>
+          <a:xfrm>
+            <a:off x="1084743" y="1898354"/>
+            <a:ext cx="5334948" cy="2078222"/>
+          </a:xfrm>
+          <a:prstGeom prst="rect">
+            <a:avLst/>
+          </a:prstGeom>
+        </p:spPr>
+      </p:pic>
+    </p:spTree>
+    <p:extLst>
+      <p:ext uri="{BB962C8B-B14F-4D97-AF65-F5344CB8AC3E}">
+        <p14:creationId xmlns:p14="http://schemas.microsoft.com/office/powerpoint/2010/main" val="3858692732"/>
+      </p:ext>
+    </p:extLst>
+  </p:cSld>
+  <p:clrMapOvr>
+    <a:masterClrMapping/>
+  </p:clrMapOvr>
+</p:sld>
+</file>
+
+<file path=ppt/slides/slide13.xml><?xml version="1.0" encoding="utf-8"?>
+<p:sld xmlns:a="http://schemas.openxmlformats.org/drawingml/2006/main" xmlns:r="http://schemas.openxmlformats.org/officeDocument/2006/relationships" xmlns:p="http://schemas.openxmlformats.org/presentationml/2006/main">
+  <p:cSld>
+    <p:spTree>
+      <p:nvGrpSpPr>
+        <p:cNvPr id="1" name="">
+          <a:extLst>
+            <a:ext uri="{FF2B5EF4-FFF2-40B4-BE49-F238E27FC236}">
+              <a16:creationId xmlns:a16="http://schemas.microsoft.com/office/drawing/2014/main" id="{AEFC9E75-FB03-4359-B4DA-07865648DD12}"/>
+            </a:ext>
+          </a:extLst>
+        </p:cNvPr>
+        <p:cNvGrpSpPr/>
+        <p:nvPr/>
+      </p:nvGrpSpPr>
+      <p:grpSpPr>
+        <a:xfrm>
+          <a:off x="0" y="0"/>
+          <a:ext cx="0" cy="0"/>
+          <a:chOff x="0" y="0"/>
+          <a:chExt cx="0" cy="0"/>
+        </a:xfrm>
+      </p:grpSpPr>
+      <p:sp>
+        <p:nvSpPr>
+          <p:cNvPr id="2" name="Title 1">
+            <a:extLst>
+              <a:ext uri="{FF2B5EF4-FFF2-40B4-BE49-F238E27FC236}">
+                <a16:creationId xmlns:a16="http://schemas.microsoft.com/office/drawing/2014/main" id="{3340B9D3-F8A7-6013-D8AF-3E8C962C6BA8}"/>
+              </a:ext>
+            </a:extLst>
+          </p:cNvPr>
+          <p:cNvSpPr>
+            <a:spLocks noGrp="1"/>
+          </p:cNvSpPr>
+          <p:nvPr>
+            <p:ph type="title"/>
+          </p:nvPr>
+        </p:nvSpPr>
+        <p:spPr/>
+        <p:txBody>
+          <a:bodyPr/>
+          <a:lstStyle/>
+          <a:p>
+            <a:r>
+              <a:rPr lang="en-US" dirty="0"/>
+              <a:t>VJE</a:t>
+            </a:r>
+            <a:r>
+              <a:rPr lang="hr-HR" dirty="0"/>
+              <a:t>ž</a:t>
+            </a:r>
+            <a:r>
+              <a:rPr lang="en-US" dirty="0" err="1"/>
+              <a:t>ba</a:t>
+            </a:r>
+            <a:r>
+              <a:rPr lang="en-US" dirty="0"/>
+              <a:t> - FORK</a:t>
+            </a:r>
+            <a:endParaRPr lang="hr-HR" dirty="0"/>
+          </a:p>
+        </p:txBody>
+      </p:sp>
+      <p:sp>
+        <p:nvSpPr>
+          <p:cNvPr id="6" name="Text Placeholder 5">
+            <a:extLst>
+              <a:ext uri="{FF2B5EF4-FFF2-40B4-BE49-F238E27FC236}">
+                <a16:creationId xmlns:a16="http://schemas.microsoft.com/office/drawing/2014/main" id="{CE3F6313-82A8-99C0-047F-B098C246A07B}"/>
+              </a:ext>
+            </a:extLst>
+          </p:cNvPr>
+          <p:cNvSpPr>
+            <a:spLocks noGrp="1"/>
+          </p:cNvSpPr>
+          <p:nvPr>
+            <p:ph type="body" sz="half" idx="2"/>
+          </p:nvPr>
+        </p:nvSpPr>
+        <p:spPr/>
+        <p:txBody>
+          <a:bodyPr/>
+          <a:lstStyle/>
+          <a:p>
+            <a:r>
+              <a:rPr lang="hr-HR" dirty="0"/>
+              <a:t>✅ Kreirati lokalni </a:t>
+            </a:r>
+            <a:r>
+              <a:rPr lang="hr-HR" dirty="0" err="1"/>
+              <a:t>Git</a:t>
+            </a:r>
+            <a:r>
+              <a:rPr lang="hr-HR" dirty="0"/>
+              <a:t> repozitorij</a:t>
+            </a:r>
+            <a:br>
+              <a:rPr lang="hr-HR" dirty="0"/>
+            </a:br>
+            <a:r>
+              <a:rPr lang="hr-HR" dirty="0"/>
+              <a:t>✅ Dodavati i </a:t>
+            </a:r>
+            <a:r>
+              <a:rPr lang="hr-HR" dirty="0" err="1"/>
+              <a:t>commit</a:t>
+            </a:r>
+            <a:r>
+              <a:rPr lang="hr-HR" dirty="0"/>
+              <a:t>-ati promjene</a:t>
+            </a:r>
+            <a:br>
+              <a:rPr lang="hr-HR" dirty="0"/>
+            </a:br>
+            <a:r>
+              <a:rPr lang="hr-HR" dirty="0"/>
+              <a:t>✅ Pregledati povijest </a:t>
+            </a:r>
+            <a:r>
+              <a:rPr lang="hr-HR" dirty="0" err="1"/>
+              <a:t>commitova</a:t>
+            </a:r>
+            <a:br>
+              <a:rPr lang="hr-HR" dirty="0"/>
+            </a:br>
+            <a:r>
+              <a:rPr lang="hr-HR" dirty="0"/>
+              <a:t>✅ Vratiti se na prethodne verzije</a:t>
+            </a:r>
+            <a:br>
+              <a:rPr lang="hr-HR" dirty="0"/>
+            </a:br>
+            <a:r>
+              <a:rPr lang="hr-HR" dirty="0"/>
+              <a:t>✅ Raditi s udaljenim repozitorijem na </a:t>
+            </a:r>
+            <a:r>
+              <a:rPr lang="hr-HR" dirty="0" err="1"/>
+              <a:t>GitHub</a:t>
+            </a:r>
+            <a:r>
+              <a:rPr lang="hr-HR" dirty="0"/>
+              <a:t>-u</a:t>
+            </a:r>
+            <a:endParaRPr lang="en-US" dirty="0"/>
+          </a:p>
+        </p:txBody>
+      </p:sp>
+      <p:pic>
+        <p:nvPicPr>
+          <p:cNvPr id="5" name="Picture 4">
+            <a:extLst>
+              <a:ext uri="{FF2B5EF4-FFF2-40B4-BE49-F238E27FC236}">
+                <a16:creationId xmlns:a16="http://schemas.microsoft.com/office/drawing/2014/main" id="{F916E3A4-07CE-AA64-FCF2-51C6F3B04DEC}"/>
+              </a:ext>
+            </a:extLst>
+          </p:cNvPr>
+          <p:cNvPicPr>
+            <a:picLocks noChangeAspect="1"/>
+          </p:cNvPicPr>
+          <p:nvPr/>
+        </p:nvPicPr>
+        <p:blipFill>
+          <a:blip r:embed="rId3"/>
+          <a:stretch>
+            <a:fillRect/>
+          </a:stretch>
+        </p:blipFill>
+        <p:spPr>
+          <a:xfrm>
+            <a:off x="6574243" y="2252273"/>
+            <a:ext cx="4019550" cy="2295525"/>
+          </a:xfrm>
+          <a:prstGeom prst="rect">
+            <a:avLst/>
+          </a:prstGeom>
+        </p:spPr>
+      </p:pic>
+    </p:spTree>
+    <p:extLst>
+      <p:ext uri="{BB962C8B-B14F-4D97-AF65-F5344CB8AC3E}">
+        <p14:creationId xmlns:p14="http://schemas.microsoft.com/office/powerpoint/2010/main" val="429608198"/>
+      </p:ext>
+    </p:extLst>
+  </p:cSld>
+  <p:clrMapOvr>
+    <a:masterClrMapping/>
+  </p:clrMapOvr>
+</p:sld>
+</file>
+
 <file path=ppt/slides/slide2.xml><?xml version="1.0" encoding="utf-8"?>
 <p:sld xmlns:a="http://schemas.openxmlformats.org/drawingml/2006/main" xmlns:r="http://schemas.openxmlformats.org/officeDocument/2006/relationships" xmlns:p="http://schemas.openxmlformats.org/presentationml/2006/main">
   <p:cSld>
@@ -12428,7 +14445,7 @@
         <p:cNvPr id="1" name="">
           <a:extLst>
             <a:ext uri="{FF2B5EF4-FFF2-40B4-BE49-F238E27FC236}">
-              <a16:creationId xmlns:a16="http://schemas.microsoft.com/office/drawing/2014/main" id="{41D8D391-E500-51BA-E7FD-06C8D5BADE27}"/>
+              <a16:creationId xmlns:a16="http://schemas.microsoft.com/office/drawing/2014/main" id="{7B661053-1B36-558D-9BB4-EF03AFF34D8A}"/>
             </a:ext>
           </a:extLst>
         </p:cNvPr>
@@ -12445,141 +14462,65 @@
       </p:grpSpPr>
       <p:sp>
         <p:nvSpPr>
-          <p:cNvPr id="2" name="Title 1">
-            <a:extLst>
-              <a:ext uri="{FF2B5EF4-FFF2-40B4-BE49-F238E27FC236}">
-                <a16:creationId xmlns:a16="http://schemas.microsoft.com/office/drawing/2014/main" id="{7A95F4FD-1537-5299-B877-F1D1B4403E64}"/>
-              </a:ext>
-            </a:extLst>
-          </p:cNvPr>
-          <p:cNvSpPr>
-            <a:spLocks noGrp="1"/>
+          <p:cNvPr id="4" name="Title 1">
+            <a:extLst>
+              <a:ext uri="{FF2B5EF4-FFF2-40B4-BE49-F238E27FC236}">
+                <a16:creationId xmlns:a16="http://schemas.microsoft.com/office/drawing/2014/main" id="{57783442-2315-17F9-F903-F71D06A3E42E}"/>
+              </a:ext>
+            </a:extLst>
+          </p:cNvPr>
+          <p:cNvSpPr txBox="1">
+            <a:spLocks/>
           </p:cNvSpPr>
-          <p:nvPr>
-            <p:ph type="title"/>
-          </p:nvPr>
+          <p:nvPr/>
         </p:nvSpPr>
-        <p:spPr/>
+        <p:spPr>
+          <a:xfrm>
+            <a:off x="990600" y="383056"/>
+            <a:ext cx="10515600" cy="853976"/>
+          </a:xfrm>
+          <a:prstGeom prst="rect">
+            <a:avLst/>
+          </a:prstGeom>
+        </p:spPr>
         <p:txBody>
-          <a:bodyPr/>
-          <a:lstStyle/>
+          <a:bodyPr vert="horz" lIns="91440" tIns="45720" rIns="91440" bIns="45720" rtlCol="0" anchor="ctr">
+            <a:normAutofit/>
+          </a:bodyPr>
+          <a:lstStyle>
+            <a:lvl1pPr algn="l" defTabSz="914400" rtl="0" eaLnBrk="1" latinLnBrk="0" hangingPunct="1">
+              <a:lnSpc>
+                <a:spcPct val="90000"/>
+              </a:lnSpc>
+              <a:spcBef>
+                <a:spcPct val="0"/>
+              </a:spcBef>
+              <a:buNone/>
+              <a:defRPr sz="3600" b="1" i="0" kern="1200" cap="all" baseline="0">
+                <a:solidFill>
+                  <a:schemeClr val="tx2"/>
+                </a:solidFill>
+                <a:latin typeface="+mj-lt"/>
+                <a:ea typeface="Open Sans Semibold" panose="020B0606030504020204" pitchFamily="34" charset="0"/>
+                <a:cs typeface="Open Sans Semibold" panose="020B0606030504020204" pitchFamily="34" charset="0"/>
+              </a:defRPr>
+            </a:lvl1pPr>
+          </a:lstStyle>
           <a:p>
             <a:r>
               <a:rPr lang="en-US" dirty="0"/>
-              <a:t>VJE</a:t>
-            </a:r>
-            <a:r>
-              <a:rPr lang="hr-HR" dirty="0"/>
-              <a:t>ž</a:t>
-            </a:r>
-            <a:r>
-              <a:rPr lang="en-US" dirty="0" err="1"/>
-              <a:t>ba</a:t>
+              <a:t>FLASK - INSTALACIJA</a:t>
             </a:r>
             <a:endParaRPr lang="hr-HR" dirty="0"/>
-          </a:p>
-        </p:txBody>
-      </p:sp>
-      <p:sp>
-        <p:nvSpPr>
-          <p:cNvPr id="6" name="Text Placeholder 5">
-            <a:extLst>
-              <a:ext uri="{FF2B5EF4-FFF2-40B4-BE49-F238E27FC236}">
-                <a16:creationId xmlns:a16="http://schemas.microsoft.com/office/drawing/2014/main" id="{833981EC-5E89-16A5-C438-450D17DC012D}"/>
-              </a:ext>
-            </a:extLst>
-          </p:cNvPr>
-          <p:cNvSpPr>
-            <a:spLocks noGrp="1"/>
-          </p:cNvSpPr>
-          <p:nvPr>
-            <p:ph type="body" sz="half" idx="2"/>
-          </p:nvPr>
-        </p:nvSpPr>
-        <p:spPr/>
-        <p:txBody>
-          <a:bodyPr/>
-          <a:lstStyle/>
-          <a:p>
-            <a:pPr>
-              <a:buFontTx/>
-              <a:buChar char="-"/>
-            </a:pPr>
-            <a:r>
-              <a:rPr lang="en-US" dirty="0"/>
-              <a:t>- </a:t>
-            </a:r>
-            <a:r>
-              <a:rPr lang="en-US" dirty="0" err="1"/>
-              <a:t>Kreirajte</a:t>
-            </a:r>
-            <a:r>
-              <a:rPr lang="en-US" dirty="0"/>
-              <a:t> </a:t>
-            </a:r>
-            <a:r>
-              <a:rPr lang="en-US" dirty="0" err="1"/>
-              <a:t>racun</a:t>
-            </a:r>
-            <a:r>
-              <a:rPr lang="en-US" dirty="0"/>
-              <a:t> </a:t>
-            </a:r>
-            <a:r>
-              <a:rPr lang="en-US" dirty="0" err="1"/>
-              <a:t>na</a:t>
-            </a:r>
-            <a:r>
-              <a:rPr lang="en-US" dirty="0"/>
-              <a:t> GitHub-u</a:t>
-            </a:r>
-          </a:p>
-          <a:p>
-            <a:pPr marL="15875" indent="0">
-              <a:buNone/>
-            </a:pPr>
-            <a:r>
-              <a:rPr lang="en-US" dirty="0"/>
-              <a:t>- </a:t>
-            </a:r>
-            <a:r>
-              <a:rPr lang="en-US" dirty="0" err="1"/>
-              <a:t>Instalirajte</a:t>
-            </a:r>
-            <a:r>
-              <a:rPr lang="en-US" dirty="0"/>
-              <a:t> git </a:t>
-            </a:r>
-            <a:r>
-              <a:rPr lang="en-US" dirty="0" err="1"/>
-              <a:t>na</a:t>
-            </a:r>
-            <a:r>
-              <a:rPr lang="en-US" dirty="0"/>
-              <a:t> </a:t>
-            </a:r>
-            <a:r>
-              <a:rPr lang="en-US" dirty="0" err="1"/>
-              <a:t>svom</a:t>
-            </a:r>
-            <a:r>
-              <a:rPr lang="en-US" dirty="0"/>
-              <a:t> </a:t>
-            </a:r>
-            <a:r>
-              <a:rPr lang="en-US" dirty="0" err="1"/>
-              <a:t>racunalu</a:t>
-            </a:r>
-            <a:endParaRPr lang="en-US" dirty="0"/>
           </a:p>
         </p:txBody>
       </p:sp>
       <p:pic>
         <p:nvPicPr>
-          <p:cNvPr id="5" name="Picture 4">
-            <a:extLst>
-              <a:ext uri="{FF2B5EF4-FFF2-40B4-BE49-F238E27FC236}">
-                <a16:creationId xmlns:a16="http://schemas.microsoft.com/office/drawing/2014/main" id="{149D2121-0469-EF77-AB60-A477B976EA9A}"/>
+          <p:cNvPr id="3" name="Picture 2">
+            <a:extLst>
+              <a:ext uri="{FF2B5EF4-FFF2-40B4-BE49-F238E27FC236}">
+                <a16:creationId xmlns:a16="http://schemas.microsoft.com/office/drawing/2014/main" id="{1ECA5A68-D28D-321A-0C52-BB0EC7C0C20F}"/>
               </a:ext>
             </a:extLst>
           </p:cNvPr>
@@ -12596,8 +14537,1220 @@
         </p:blipFill>
         <p:spPr>
           <a:xfrm>
-            <a:off x="6011345" y="2120917"/>
-            <a:ext cx="5340867" cy="2047819"/>
+            <a:off x="1160831" y="2052084"/>
+            <a:ext cx="2714625" cy="542925"/>
+          </a:xfrm>
+          <a:prstGeom prst="rect">
+            <a:avLst/>
+          </a:prstGeom>
+        </p:spPr>
+      </p:pic>
+      <p:sp>
+        <p:nvSpPr>
+          <p:cNvPr id="5" name="Content Placeholder 2">
+            <a:extLst>
+              <a:ext uri="{FF2B5EF4-FFF2-40B4-BE49-F238E27FC236}">
+                <a16:creationId xmlns:a16="http://schemas.microsoft.com/office/drawing/2014/main" id="{7C4047C5-4C85-D4C1-8254-FF08A18CC1BA}"/>
+              </a:ext>
+            </a:extLst>
+          </p:cNvPr>
+          <p:cNvSpPr txBox="1">
+            <a:spLocks/>
+          </p:cNvSpPr>
+          <p:nvPr/>
+        </p:nvSpPr>
+        <p:spPr>
+          <a:xfrm>
+            <a:off x="1073021" y="1672773"/>
+            <a:ext cx="2988616" cy="438315"/>
+          </a:xfrm>
+          <a:prstGeom prst="rect">
+            <a:avLst/>
+          </a:prstGeom>
+        </p:spPr>
+        <p:txBody>
+          <a:bodyPr vert="horz" lIns="91440" tIns="45720" rIns="91440" bIns="45720" rtlCol="0">
+            <a:normAutofit/>
+          </a:bodyPr>
+          <a:lstStyle>
+            <a:lvl1pPr marL="368300" indent="-352425" algn="l" defTabSz="914400" rtl="0" eaLnBrk="1" latinLnBrk="0" hangingPunct="1">
+              <a:lnSpc>
+                <a:spcPct val="90000"/>
+              </a:lnSpc>
+              <a:spcBef>
+                <a:spcPts val="600"/>
+              </a:spcBef>
+              <a:spcAft>
+                <a:spcPts val="600"/>
+              </a:spcAft>
+              <a:buClr>
+                <a:schemeClr val="accent2"/>
+              </a:buClr>
+              <a:buFont typeface="Wingdings" pitchFamily="2" charset="2"/>
+              <a:buChar char="§"/>
+              <a:tabLst/>
+              <a:defRPr sz="2400" kern="1200">
+                <a:solidFill>
+                  <a:schemeClr val="tx1"/>
+                </a:solidFill>
+                <a:latin typeface="+mn-lt"/>
+                <a:ea typeface="Open Sans" panose="020B0606030504020204" pitchFamily="34" charset="0"/>
+                <a:cs typeface="Open Sans" panose="020B0606030504020204" pitchFamily="34" charset="0"/>
+              </a:defRPr>
+            </a:lvl1pPr>
+            <a:lvl2pPr marL="771525" indent="-274638" algn="l" defTabSz="914400" rtl="0" eaLnBrk="1" latinLnBrk="0" hangingPunct="1">
+              <a:lnSpc>
+                <a:spcPct val="90000"/>
+              </a:lnSpc>
+              <a:spcBef>
+                <a:spcPts val="600"/>
+              </a:spcBef>
+              <a:spcAft>
+                <a:spcPts val="600"/>
+              </a:spcAft>
+              <a:buClr>
+                <a:schemeClr val="accent2"/>
+              </a:buClr>
+              <a:buFont typeface="Wingdings" pitchFamily="2" charset="2"/>
+              <a:buChar char="§"/>
+              <a:tabLst/>
+              <a:defRPr sz="2200" kern="1200">
+                <a:solidFill>
+                  <a:schemeClr val="tx1"/>
+                </a:solidFill>
+                <a:latin typeface="+mn-lt"/>
+                <a:ea typeface="Open Sans" panose="020B0606030504020204" pitchFamily="34" charset="0"/>
+                <a:cs typeface="Open Sans" panose="020B0606030504020204" pitchFamily="34" charset="0"/>
+              </a:defRPr>
+            </a:lvl2pPr>
+            <a:lvl3pPr marL="1143000" indent="-228600" algn="l" defTabSz="914400" rtl="0" eaLnBrk="1" latinLnBrk="0" hangingPunct="1">
+              <a:lnSpc>
+                <a:spcPct val="90000"/>
+              </a:lnSpc>
+              <a:spcBef>
+                <a:spcPts val="600"/>
+              </a:spcBef>
+              <a:spcAft>
+                <a:spcPts val="600"/>
+              </a:spcAft>
+              <a:buClr>
+                <a:schemeClr val="accent2"/>
+              </a:buClr>
+              <a:buFont typeface="Wingdings" pitchFamily="2" charset="2"/>
+              <a:buChar char="§"/>
+              <a:defRPr sz="2000" kern="1200">
+                <a:solidFill>
+                  <a:schemeClr val="tx1"/>
+                </a:solidFill>
+                <a:latin typeface="+mn-lt"/>
+                <a:ea typeface="Open Sans" panose="020B0606030504020204" pitchFamily="34" charset="0"/>
+                <a:cs typeface="Open Sans" panose="020B0606030504020204" pitchFamily="34" charset="0"/>
+              </a:defRPr>
+            </a:lvl3pPr>
+            <a:lvl4pPr marL="1600200" indent="-228600" algn="l" defTabSz="914400" rtl="0" eaLnBrk="1" latinLnBrk="0" hangingPunct="1">
+              <a:lnSpc>
+                <a:spcPct val="90000"/>
+              </a:lnSpc>
+              <a:spcBef>
+                <a:spcPts val="600"/>
+              </a:spcBef>
+              <a:spcAft>
+                <a:spcPts val="600"/>
+              </a:spcAft>
+              <a:buClr>
+                <a:schemeClr val="accent2"/>
+              </a:buClr>
+              <a:buFont typeface="Wingdings" pitchFamily="2" charset="2"/>
+              <a:buChar char="§"/>
+              <a:defRPr sz="1800" kern="1200">
+                <a:solidFill>
+                  <a:schemeClr val="tx1"/>
+                </a:solidFill>
+                <a:latin typeface="+mn-lt"/>
+                <a:ea typeface="Open Sans" panose="020B0606030504020204" pitchFamily="34" charset="0"/>
+                <a:cs typeface="Open Sans" panose="020B0606030504020204" pitchFamily="34" charset="0"/>
+              </a:defRPr>
+            </a:lvl4pPr>
+            <a:lvl5pPr marL="1960563" indent="-225425" algn="l" defTabSz="914400" rtl="0" eaLnBrk="1" latinLnBrk="0" hangingPunct="1">
+              <a:lnSpc>
+                <a:spcPct val="90000"/>
+              </a:lnSpc>
+              <a:spcBef>
+                <a:spcPts val="600"/>
+              </a:spcBef>
+              <a:spcAft>
+                <a:spcPts val="600"/>
+              </a:spcAft>
+              <a:buClr>
+                <a:schemeClr val="accent2"/>
+              </a:buClr>
+              <a:buFont typeface="Wingdings" pitchFamily="2" charset="2"/>
+              <a:buChar char="§"/>
+              <a:tabLst/>
+              <a:defRPr sz="1600" kern="1200">
+                <a:solidFill>
+                  <a:schemeClr val="tx1"/>
+                </a:solidFill>
+                <a:latin typeface="+mn-lt"/>
+                <a:ea typeface="Open Sans" panose="020B0606030504020204" pitchFamily="34" charset="0"/>
+                <a:cs typeface="Open Sans" panose="020B0606030504020204" pitchFamily="34" charset="0"/>
+              </a:defRPr>
+            </a:lvl5pPr>
+            <a:lvl6pPr marL="2514600" indent="-228600" algn="l" defTabSz="914400" rtl="0" eaLnBrk="1" latinLnBrk="0" hangingPunct="1">
+              <a:lnSpc>
+                <a:spcPct val="90000"/>
+              </a:lnSpc>
+              <a:spcBef>
+                <a:spcPts val="500"/>
+              </a:spcBef>
+              <a:buFont typeface="Arial" panose="020B0604020202020204" pitchFamily="34" charset="0"/>
+              <a:buChar char="•"/>
+              <a:defRPr sz="1800" kern="1200">
+                <a:solidFill>
+                  <a:schemeClr val="tx1"/>
+                </a:solidFill>
+                <a:latin typeface="+mn-lt"/>
+                <a:ea typeface="+mn-ea"/>
+                <a:cs typeface="+mn-cs"/>
+              </a:defRPr>
+            </a:lvl6pPr>
+            <a:lvl7pPr marL="2971800" indent="-228600" algn="l" defTabSz="914400" rtl="0" eaLnBrk="1" latinLnBrk="0" hangingPunct="1">
+              <a:lnSpc>
+                <a:spcPct val="90000"/>
+              </a:lnSpc>
+              <a:spcBef>
+                <a:spcPts val="500"/>
+              </a:spcBef>
+              <a:buFont typeface="Arial" panose="020B0604020202020204" pitchFamily="34" charset="0"/>
+              <a:buChar char="•"/>
+              <a:defRPr sz="1800" kern="1200">
+                <a:solidFill>
+                  <a:schemeClr val="tx1"/>
+                </a:solidFill>
+                <a:latin typeface="+mn-lt"/>
+                <a:ea typeface="+mn-ea"/>
+                <a:cs typeface="+mn-cs"/>
+              </a:defRPr>
+            </a:lvl7pPr>
+            <a:lvl8pPr marL="3429000" indent="-228600" algn="l" defTabSz="914400" rtl="0" eaLnBrk="1" latinLnBrk="0" hangingPunct="1">
+              <a:lnSpc>
+                <a:spcPct val="90000"/>
+              </a:lnSpc>
+              <a:spcBef>
+                <a:spcPts val="500"/>
+              </a:spcBef>
+              <a:buFont typeface="Arial" panose="020B0604020202020204" pitchFamily="34" charset="0"/>
+              <a:buChar char="•"/>
+              <a:defRPr sz="1800" kern="1200">
+                <a:solidFill>
+                  <a:schemeClr val="tx1"/>
+                </a:solidFill>
+                <a:latin typeface="+mn-lt"/>
+                <a:ea typeface="+mn-ea"/>
+                <a:cs typeface="+mn-cs"/>
+              </a:defRPr>
+            </a:lvl8pPr>
+            <a:lvl9pPr marL="3886200" indent="-228600" algn="l" defTabSz="914400" rtl="0" eaLnBrk="1" latinLnBrk="0" hangingPunct="1">
+              <a:lnSpc>
+                <a:spcPct val="90000"/>
+              </a:lnSpc>
+              <a:spcBef>
+                <a:spcPts val="500"/>
+              </a:spcBef>
+              <a:buFont typeface="Arial" panose="020B0604020202020204" pitchFamily="34" charset="0"/>
+              <a:buChar char="•"/>
+              <a:defRPr sz="1800" kern="1200">
+                <a:solidFill>
+                  <a:schemeClr val="tx1"/>
+                </a:solidFill>
+                <a:latin typeface="+mn-lt"/>
+                <a:ea typeface="+mn-ea"/>
+                <a:cs typeface="+mn-cs"/>
+              </a:defRPr>
+            </a:lvl9pPr>
+          </a:lstStyle>
+          <a:p>
+            <a:pPr>
+              <a:buAutoNum type="arabicPeriod"/>
+            </a:pPr>
+            <a:r>
+              <a:rPr lang="hr-HR" sz="1100" dirty="0"/>
+              <a:t>Kreiranje virtualnog </a:t>
+            </a:r>
+            <a:r>
+              <a:rPr lang="hr-HR" sz="1100" dirty="0" err="1"/>
+              <a:t>okruženj</a:t>
+            </a:r>
+            <a:r>
+              <a:rPr lang="en-US" sz="1100" dirty="0"/>
+              <a:t>a</a:t>
+            </a:r>
+          </a:p>
+        </p:txBody>
+      </p:sp>
+      <p:pic>
+        <p:nvPicPr>
+          <p:cNvPr id="9" name="Picture 8">
+            <a:extLst>
+              <a:ext uri="{FF2B5EF4-FFF2-40B4-BE49-F238E27FC236}">
+                <a16:creationId xmlns:a16="http://schemas.microsoft.com/office/drawing/2014/main" id="{B98C735F-1836-8375-AD15-5802EC1AF5C9}"/>
+              </a:ext>
+            </a:extLst>
+          </p:cNvPr>
+          <p:cNvPicPr>
+            <a:picLocks noChangeAspect="1"/>
+          </p:cNvPicPr>
+          <p:nvPr/>
+        </p:nvPicPr>
+        <p:blipFill>
+          <a:blip r:embed="rId4"/>
+          <a:stretch>
+            <a:fillRect/>
+          </a:stretch>
+        </p:blipFill>
+        <p:spPr>
+          <a:xfrm>
+            <a:off x="1160831" y="2771748"/>
+            <a:ext cx="2495661" cy="725807"/>
+          </a:xfrm>
+          <a:prstGeom prst="rect">
+            <a:avLst/>
+          </a:prstGeom>
+        </p:spPr>
+      </p:pic>
+      <p:pic>
+        <p:nvPicPr>
+          <p:cNvPr id="11" name="Picture 10">
+            <a:extLst>
+              <a:ext uri="{FF2B5EF4-FFF2-40B4-BE49-F238E27FC236}">
+                <a16:creationId xmlns:a16="http://schemas.microsoft.com/office/drawing/2014/main" id="{6AFA9348-1BE6-E385-AE7C-807272FF4A8F}"/>
+              </a:ext>
+            </a:extLst>
+          </p:cNvPr>
+          <p:cNvPicPr>
+            <a:picLocks noChangeAspect="1"/>
+          </p:cNvPicPr>
+          <p:nvPr/>
+        </p:nvPicPr>
+        <p:blipFill>
+          <a:blip r:embed="rId5"/>
+          <a:stretch>
+            <a:fillRect/>
+          </a:stretch>
+        </p:blipFill>
+        <p:spPr>
+          <a:xfrm>
+            <a:off x="6376100" y="2003940"/>
+            <a:ext cx="2838450" cy="590550"/>
+          </a:xfrm>
+          <a:prstGeom prst="rect">
+            <a:avLst/>
+          </a:prstGeom>
+        </p:spPr>
+      </p:pic>
+      <p:pic>
+        <p:nvPicPr>
+          <p:cNvPr id="13" name="Picture 12">
+            <a:extLst>
+              <a:ext uri="{FF2B5EF4-FFF2-40B4-BE49-F238E27FC236}">
+                <a16:creationId xmlns:a16="http://schemas.microsoft.com/office/drawing/2014/main" id="{1389012F-2329-90A5-1083-7A6CDED0CC92}"/>
+              </a:ext>
+            </a:extLst>
+          </p:cNvPr>
+          <p:cNvPicPr>
+            <a:picLocks noChangeAspect="1"/>
+          </p:cNvPicPr>
+          <p:nvPr/>
+        </p:nvPicPr>
+        <p:blipFill>
+          <a:blip r:embed="rId6"/>
+          <a:stretch>
+            <a:fillRect/>
+          </a:stretch>
+        </p:blipFill>
+        <p:spPr>
+          <a:xfrm>
+            <a:off x="6376100" y="2666999"/>
+            <a:ext cx="2733675" cy="1066800"/>
+          </a:xfrm>
+          <a:prstGeom prst="rect">
+            <a:avLst/>
+          </a:prstGeom>
+        </p:spPr>
+      </p:pic>
+      <p:sp>
+        <p:nvSpPr>
+          <p:cNvPr id="16" name="Content Placeholder 2">
+            <a:extLst>
+              <a:ext uri="{FF2B5EF4-FFF2-40B4-BE49-F238E27FC236}">
+                <a16:creationId xmlns:a16="http://schemas.microsoft.com/office/drawing/2014/main" id="{A147631B-2C10-4019-5CDE-C016C02959B4}"/>
+              </a:ext>
+            </a:extLst>
+          </p:cNvPr>
+          <p:cNvSpPr txBox="1">
+            <a:spLocks/>
+          </p:cNvSpPr>
+          <p:nvPr/>
+        </p:nvSpPr>
+        <p:spPr>
+          <a:xfrm>
+            <a:off x="6301017" y="1672772"/>
+            <a:ext cx="2988616" cy="438315"/>
+          </a:xfrm>
+          <a:prstGeom prst="rect">
+            <a:avLst/>
+          </a:prstGeom>
+        </p:spPr>
+        <p:txBody>
+          <a:bodyPr vert="horz" lIns="91440" tIns="45720" rIns="91440" bIns="45720" rtlCol="0">
+            <a:normAutofit/>
+          </a:bodyPr>
+          <a:lstStyle>
+            <a:lvl1pPr marL="368300" indent="-352425" algn="l" defTabSz="914400" rtl="0" eaLnBrk="1" latinLnBrk="0" hangingPunct="1">
+              <a:lnSpc>
+                <a:spcPct val="90000"/>
+              </a:lnSpc>
+              <a:spcBef>
+                <a:spcPts val="600"/>
+              </a:spcBef>
+              <a:spcAft>
+                <a:spcPts val="600"/>
+              </a:spcAft>
+              <a:buClr>
+                <a:schemeClr val="accent2"/>
+              </a:buClr>
+              <a:buFont typeface="Wingdings" pitchFamily="2" charset="2"/>
+              <a:buChar char="§"/>
+              <a:tabLst/>
+              <a:defRPr sz="2400" kern="1200">
+                <a:solidFill>
+                  <a:schemeClr val="tx1"/>
+                </a:solidFill>
+                <a:latin typeface="+mn-lt"/>
+                <a:ea typeface="Open Sans" panose="020B0606030504020204" pitchFamily="34" charset="0"/>
+                <a:cs typeface="Open Sans" panose="020B0606030504020204" pitchFamily="34" charset="0"/>
+              </a:defRPr>
+            </a:lvl1pPr>
+            <a:lvl2pPr marL="771525" indent="-274638" algn="l" defTabSz="914400" rtl="0" eaLnBrk="1" latinLnBrk="0" hangingPunct="1">
+              <a:lnSpc>
+                <a:spcPct val="90000"/>
+              </a:lnSpc>
+              <a:spcBef>
+                <a:spcPts val="600"/>
+              </a:spcBef>
+              <a:spcAft>
+                <a:spcPts val="600"/>
+              </a:spcAft>
+              <a:buClr>
+                <a:schemeClr val="accent2"/>
+              </a:buClr>
+              <a:buFont typeface="Wingdings" pitchFamily="2" charset="2"/>
+              <a:buChar char="§"/>
+              <a:tabLst/>
+              <a:defRPr sz="2200" kern="1200">
+                <a:solidFill>
+                  <a:schemeClr val="tx1"/>
+                </a:solidFill>
+                <a:latin typeface="+mn-lt"/>
+                <a:ea typeface="Open Sans" panose="020B0606030504020204" pitchFamily="34" charset="0"/>
+                <a:cs typeface="Open Sans" panose="020B0606030504020204" pitchFamily="34" charset="0"/>
+              </a:defRPr>
+            </a:lvl2pPr>
+            <a:lvl3pPr marL="1143000" indent="-228600" algn="l" defTabSz="914400" rtl="0" eaLnBrk="1" latinLnBrk="0" hangingPunct="1">
+              <a:lnSpc>
+                <a:spcPct val="90000"/>
+              </a:lnSpc>
+              <a:spcBef>
+                <a:spcPts val="600"/>
+              </a:spcBef>
+              <a:spcAft>
+                <a:spcPts val="600"/>
+              </a:spcAft>
+              <a:buClr>
+                <a:schemeClr val="accent2"/>
+              </a:buClr>
+              <a:buFont typeface="Wingdings" pitchFamily="2" charset="2"/>
+              <a:buChar char="§"/>
+              <a:defRPr sz="2000" kern="1200">
+                <a:solidFill>
+                  <a:schemeClr val="tx1"/>
+                </a:solidFill>
+                <a:latin typeface="+mn-lt"/>
+                <a:ea typeface="Open Sans" panose="020B0606030504020204" pitchFamily="34" charset="0"/>
+                <a:cs typeface="Open Sans" panose="020B0606030504020204" pitchFamily="34" charset="0"/>
+              </a:defRPr>
+            </a:lvl3pPr>
+            <a:lvl4pPr marL="1600200" indent="-228600" algn="l" defTabSz="914400" rtl="0" eaLnBrk="1" latinLnBrk="0" hangingPunct="1">
+              <a:lnSpc>
+                <a:spcPct val="90000"/>
+              </a:lnSpc>
+              <a:spcBef>
+                <a:spcPts val="600"/>
+              </a:spcBef>
+              <a:spcAft>
+                <a:spcPts val="600"/>
+              </a:spcAft>
+              <a:buClr>
+                <a:schemeClr val="accent2"/>
+              </a:buClr>
+              <a:buFont typeface="Wingdings" pitchFamily="2" charset="2"/>
+              <a:buChar char="§"/>
+              <a:defRPr sz="1800" kern="1200">
+                <a:solidFill>
+                  <a:schemeClr val="tx1"/>
+                </a:solidFill>
+                <a:latin typeface="+mn-lt"/>
+                <a:ea typeface="Open Sans" panose="020B0606030504020204" pitchFamily="34" charset="0"/>
+                <a:cs typeface="Open Sans" panose="020B0606030504020204" pitchFamily="34" charset="0"/>
+              </a:defRPr>
+            </a:lvl4pPr>
+            <a:lvl5pPr marL="1960563" indent="-225425" algn="l" defTabSz="914400" rtl="0" eaLnBrk="1" latinLnBrk="0" hangingPunct="1">
+              <a:lnSpc>
+                <a:spcPct val="90000"/>
+              </a:lnSpc>
+              <a:spcBef>
+                <a:spcPts val="600"/>
+              </a:spcBef>
+              <a:spcAft>
+                <a:spcPts val="600"/>
+              </a:spcAft>
+              <a:buClr>
+                <a:schemeClr val="accent2"/>
+              </a:buClr>
+              <a:buFont typeface="Wingdings" pitchFamily="2" charset="2"/>
+              <a:buChar char="§"/>
+              <a:tabLst/>
+              <a:defRPr sz="1600" kern="1200">
+                <a:solidFill>
+                  <a:schemeClr val="tx1"/>
+                </a:solidFill>
+                <a:latin typeface="+mn-lt"/>
+                <a:ea typeface="Open Sans" panose="020B0606030504020204" pitchFamily="34" charset="0"/>
+                <a:cs typeface="Open Sans" panose="020B0606030504020204" pitchFamily="34" charset="0"/>
+              </a:defRPr>
+            </a:lvl5pPr>
+            <a:lvl6pPr marL="2514600" indent="-228600" algn="l" defTabSz="914400" rtl="0" eaLnBrk="1" latinLnBrk="0" hangingPunct="1">
+              <a:lnSpc>
+                <a:spcPct val="90000"/>
+              </a:lnSpc>
+              <a:spcBef>
+                <a:spcPts val="500"/>
+              </a:spcBef>
+              <a:buFont typeface="Arial" panose="020B0604020202020204" pitchFamily="34" charset="0"/>
+              <a:buChar char="•"/>
+              <a:defRPr sz="1800" kern="1200">
+                <a:solidFill>
+                  <a:schemeClr val="tx1"/>
+                </a:solidFill>
+                <a:latin typeface="+mn-lt"/>
+                <a:ea typeface="+mn-ea"/>
+                <a:cs typeface="+mn-cs"/>
+              </a:defRPr>
+            </a:lvl6pPr>
+            <a:lvl7pPr marL="2971800" indent="-228600" algn="l" defTabSz="914400" rtl="0" eaLnBrk="1" latinLnBrk="0" hangingPunct="1">
+              <a:lnSpc>
+                <a:spcPct val="90000"/>
+              </a:lnSpc>
+              <a:spcBef>
+                <a:spcPts val="500"/>
+              </a:spcBef>
+              <a:buFont typeface="Arial" panose="020B0604020202020204" pitchFamily="34" charset="0"/>
+              <a:buChar char="•"/>
+              <a:defRPr sz="1800" kern="1200">
+                <a:solidFill>
+                  <a:schemeClr val="tx1"/>
+                </a:solidFill>
+                <a:latin typeface="+mn-lt"/>
+                <a:ea typeface="+mn-ea"/>
+                <a:cs typeface="+mn-cs"/>
+              </a:defRPr>
+            </a:lvl7pPr>
+            <a:lvl8pPr marL="3429000" indent="-228600" algn="l" defTabSz="914400" rtl="0" eaLnBrk="1" latinLnBrk="0" hangingPunct="1">
+              <a:lnSpc>
+                <a:spcPct val="90000"/>
+              </a:lnSpc>
+              <a:spcBef>
+                <a:spcPts val="500"/>
+              </a:spcBef>
+              <a:buFont typeface="Arial" panose="020B0604020202020204" pitchFamily="34" charset="0"/>
+              <a:buChar char="•"/>
+              <a:defRPr sz="1800" kern="1200">
+                <a:solidFill>
+                  <a:schemeClr val="tx1"/>
+                </a:solidFill>
+                <a:latin typeface="+mn-lt"/>
+                <a:ea typeface="+mn-ea"/>
+                <a:cs typeface="+mn-cs"/>
+              </a:defRPr>
+            </a:lvl8pPr>
+            <a:lvl9pPr marL="3886200" indent="-228600" algn="l" defTabSz="914400" rtl="0" eaLnBrk="1" latinLnBrk="0" hangingPunct="1">
+              <a:lnSpc>
+                <a:spcPct val="90000"/>
+              </a:lnSpc>
+              <a:spcBef>
+                <a:spcPts val="500"/>
+              </a:spcBef>
+              <a:buFont typeface="Arial" panose="020B0604020202020204" pitchFamily="34" charset="0"/>
+              <a:buChar char="•"/>
+              <a:defRPr sz="1800" kern="1200">
+                <a:solidFill>
+                  <a:schemeClr val="tx1"/>
+                </a:solidFill>
+                <a:latin typeface="+mn-lt"/>
+                <a:ea typeface="+mn-ea"/>
+                <a:cs typeface="+mn-cs"/>
+              </a:defRPr>
+            </a:lvl9pPr>
+          </a:lstStyle>
+          <a:p>
+            <a:pPr marL="15875" indent="0">
+              <a:buNone/>
+            </a:pPr>
+            <a:r>
+              <a:rPr lang="en-US" sz="1100" dirty="0"/>
+              <a:t>2. </a:t>
+            </a:r>
+            <a:r>
+              <a:rPr lang="en-US" sz="1100" dirty="0" err="1"/>
+              <a:t>Instalacija</a:t>
+            </a:r>
+            <a:r>
+              <a:rPr lang="en-US" sz="1100" dirty="0"/>
+              <a:t> flask-a</a:t>
+            </a:r>
+          </a:p>
+        </p:txBody>
+      </p:sp>
+      <p:sp>
+        <p:nvSpPr>
+          <p:cNvPr id="17" name="Content Placeholder 2">
+            <a:extLst>
+              <a:ext uri="{FF2B5EF4-FFF2-40B4-BE49-F238E27FC236}">
+                <a16:creationId xmlns:a16="http://schemas.microsoft.com/office/drawing/2014/main" id="{F144E1D8-66D8-62AB-3BD3-011C2919A986}"/>
+              </a:ext>
+            </a:extLst>
+          </p:cNvPr>
+          <p:cNvSpPr txBox="1">
+            <a:spLocks/>
+          </p:cNvSpPr>
+          <p:nvPr/>
+        </p:nvSpPr>
+        <p:spPr>
+          <a:xfrm>
+            <a:off x="1073021" y="4116488"/>
+            <a:ext cx="2988616" cy="438315"/>
+          </a:xfrm>
+          <a:prstGeom prst="rect">
+            <a:avLst/>
+          </a:prstGeom>
+        </p:spPr>
+        <p:txBody>
+          <a:bodyPr vert="horz" lIns="91440" tIns="45720" rIns="91440" bIns="45720" rtlCol="0">
+            <a:normAutofit/>
+          </a:bodyPr>
+          <a:lstStyle>
+            <a:lvl1pPr marL="368300" indent="-352425" algn="l" defTabSz="914400" rtl="0" eaLnBrk="1" latinLnBrk="0" hangingPunct="1">
+              <a:lnSpc>
+                <a:spcPct val="90000"/>
+              </a:lnSpc>
+              <a:spcBef>
+                <a:spcPts val="600"/>
+              </a:spcBef>
+              <a:spcAft>
+                <a:spcPts val="600"/>
+              </a:spcAft>
+              <a:buClr>
+                <a:schemeClr val="accent2"/>
+              </a:buClr>
+              <a:buFont typeface="Wingdings" pitchFamily="2" charset="2"/>
+              <a:buChar char="§"/>
+              <a:tabLst/>
+              <a:defRPr sz="2400" kern="1200">
+                <a:solidFill>
+                  <a:schemeClr val="tx1"/>
+                </a:solidFill>
+                <a:latin typeface="+mn-lt"/>
+                <a:ea typeface="Open Sans" panose="020B0606030504020204" pitchFamily="34" charset="0"/>
+                <a:cs typeface="Open Sans" panose="020B0606030504020204" pitchFamily="34" charset="0"/>
+              </a:defRPr>
+            </a:lvl1pPr>
+            <a:lvl2pPr marL="771525" indent="-274638" algn="l" defTabSz="914400" rtl="0" eaLnBrk="1" latinLnBrk="0" hangingPunct="1">
+              <a:lnSpc>
+                <a:spcPct val="90000"/>
+              </a:lnSpc>
+              <a:spcBef>
+                <a:spcPts val="600"/>
+              </a:spcBef>
+              <a:spcAft>
+                <a:spcPts val="600"/>
+              </a:spcAft>
+              <a:buClr>
+                <a:schemeClr val="accent2"/>
+              </a:buClr>
+              <a:buFont typeface="Wingdings" pitchFamily="2" charset="2"/>
+              <a:buChar char="§"/>
+              <a:tabLst/>
+              <a:defRPr sz="2200" kern="1200">
+                <a:solidFill>
+                  <a:schemeClr val="tx1"/>
+                </a:solidFill>
+                <a:latin typeface="+mn-lt"/>
+                <a:ea typeface="Open Sans" panose="020B0606030504020204" pitchFamily="34" charset="0"/>
+                <a:cs typeface="Open Sans" panose="020B0606030504020204" pitchFamily="34" charset="0"/>
+              </a:defRPr>
+            </a:lvl2pPr>
+            <a:lvl3pPr marL="1143000" indent="-228600" algn="l" defTabSz="914400" rtl="0" eaLnBrk="1" latinLnBrk="0" hangingPunct="1">
+              <a:lnSpc>
+                <a:spcPct val="90000"/>
+              </a:lnSpc>
+              <a:spcBef>
+                <a:spcPts val="600"/>
+              </a:spcBef>
+              <a:spcAft>
+                <a:spcPts val="600"/>
+              </a:spcAft>
+              <a:buClr>
+                <a:schemeClr val="accent2"/>
+              </a:buClr>
+              <a:buFont typeface="Wingdings" pitchFamily="2" charset="2"/>
+              <a:buChar char="§"/>
+              <a:defRPr sz="2000" kern="1200">
+                <a:solidFill>
+                  <a:schemeClr val="tx1"/>
+                </a:solidFill>
+                <a:latin typeface="+mn-lt"/>
+                <a:ea typeface="Open Sans" panose="020B0606030504020204" pitchFamily="34" charset="0"/>
+                <a:cs typeface="Open Sans" panose="020B0606030504020204" pitchFamily="34" charset="0"/>
+              </a:defRPr>
+            </a:lvl3pPr>
+            <a:lvl4pPr marL="1600200" indent="-228600" algn="l" defTabSz="914400" rtl="0" eaLnBrk="1" latinLnBrk="0" hangingPunct="1">
+              <a:lnSpc>
+                <a:spcPct val="90000"/>
+              </a:lnSpc>
+              <a:spcBef>
+                <a:spcPts val="600"/>
+              </a:spcBef>
+              <a:spcAft>
+                <a:spcPts val="600"/>
+              </a:spcAft>
+              <a:buClr>
+                <a:schemeClr val="accent2"/>
+              </a:buClr>
+              <a:buFont typeface="Wingdings" pitchFamily="2" charset="2"/>
+              <a:buChar char="§"/>
+              <a:defRPr sz="1800" kern="1200">
+                <a:solidFill>
+                  <a:schemeClr val="tx1"/>
+                </a:solidFill>
+                <a:latin typeface="+mn-lt"/>
+                <a:ea typeface="Open Sans" panose="020B0606030504020204" pitchFamily="34" charset="0"/>
+                <a:cs typeface="Open Sans" panose="020B0606030504020204" pitchFamily="34" charset="0"/>
+              </a:defRPr>
+            </a:lvl4pPr>
+            <a:lvl5pPr marL="1960563" indent="-225425" algn="l" defTabSz="914400" rtl="0" eaLnBrk="1" latinLnBrk="0" hangingPunct="1">
+              <a:lnSpc>
+                <a:spcPct val="90000"/>
+              </a:lnSpc>
+              <a:spcBef>
+                <a:spcPts val="600"/>
+              </a:spcBef>
+              <a:spcAft>
+                <a:spcPts val="600"/>
+              </a:spcAft>
+              <a:buClr>
+                <a:schemeClr val="accent2"/>
+              </a:buClr>
+              <a:buFont typeface="Wingdings" pitchFamily="2" charset="2"/>
+              <a:buChar char="§"/>
+              <a:tabLst/>
+              <a:defRPr sz="1600" kern="1200">
+                <a:solidFill>
+                  <a:schemeClr val="tx1"/>
+                </a:solidFill>
+                <a:latin typeface="+mn-lt"/>
+                <a:ea typeface="Open Sans" panose="020B0606030504020204" pitchFamily="34" charset="0"/>
+                <a:cs typeface="Open Sans" panose="020B0606030504020204" pitchFamily="34" charset="0"/>
+              </a:defRPr>
+            </a:lvl5pPr>
+            <a:lvl6pPr marL="2514600" indent="-228600" algn="l" defTabSz="914400" rtl="0" eaLnBrk="1" latinLnBrk="0" hangingPunct="1">
+              <a:lnSpc>
+                <a:spcPct val="90000"/>
+              </a:lnSpc>
+              <a:spcBef>
+                <a:spcPts val="500"/>
+              </a:spcBef>
+              <a:buFont typeface="Arial" panose="020B0604020202020204" pitchFamily="34" charset="0"/>
+              <a:buChar char="•"/>
+              <a:defRPr sz="1800" kern="1200">
+                <a:solidFill>
+                  <a:schemeClr val="tx1"/>
+                </a:solidFill>
+                <a:latin typeface="+mn-lt"/>
+                <a:ea typeface="+mn-ea"/>
+                <a:cs typeface="+mn-cs"/>
+              </a:defRPr>
+            </a:lvl6pPr>
+            <a:lvl7pPr marL="2971800" indent="-228600" algn="l" defTabSz="914400" rtl="0" eaLnBrk="1" latinLnBrk="0" hangingPunct="1">
+              <a:lnSpc>
+                <a:spcPct val="90000"/>
+              </a:lnSpc>
+              <a:spcBef>
+                <a:spcPts val="500"/>
+              </a:spcBef>
+              <a:buFont typeface="Arial" panose="020B0604020202020204" pitchFamily="34" charset="0"/>
+              <a:buChar char="•"/>
+              <a:defRPr sz="1800" kern="1200">
+                <a:solidFill>
+                  <a:schemeClr val="tx1"/>
+                </a:solidFill>
+                <a:latin typeface="+mn-lt"/>
+                <a:ea typeface="+mn-ea"/>
+                <a:cs typeface="+mn-cs"/>
+              </a:defRPr>
+            </a:lvl7pPr>
+            <a:lvl8pPr marL="3429000" indent="-228600" algn="l" defTabSz="914400" rtl="0" eaLnBrk="1" latinLnBrk="0" hangingPunct="1">
+              <a:lnSpc>
+                <a:spcPct val="90000"/>
+              </a:lnSpc>
+              <a:spcBef>
+                <a:spcPts val="500"/>
+              </a:spcBef>
+              <a:buFont typeface="Arial" panose="020B0604020202020204" pitchFamily="34" charset="0"/>
+              <a:buChar char="•"/>
+              <a:defRPr sz="1800" kern="1200">
+                <a:solidFill>
+                  <a:schemeClr val="tx1"/>
+                </a:solidFill>
+                <a:latin typeface="+mn-lt"/>
+                <a:ea typeface="+mn-ea"/>
+                <a:cs typeface="+mn-cs"/>
+              </a:defRPr>
+            </a:lvl8pPr>
+            <a:lvl9pPr marL="3886200" indent="-228600" algn="l" defTabSz="914400" rtl="0" eaLnBrk="1" latinLnBrk="0" hangingPunct="1">
+              <a:lnSpc>
+                <a:spcPct val="90000"/>
+              </a:lnSpc>
+              <a:spcBef>
+                <a:spcPts val="500"/>
+              </a:spcBef>
+              <a:buFont typeface="Arial" panose="020B0604020202020204" pitchFamily="34" charset="0"/>
+              <a:buChar char="•"/>
+              <a:defRPr sz="1800" kern="1200">
+                <a:solidFill>
+                  <a:schemeClr val="tx1"/>
+                </a:solidFill>
+                <a:latin typeface="+mn-lt"/>
+                <a:ea typeface="+mn-ea"/>
+                <a:cs typeface="+mn-cs"/>
+              </a:defRPr>
+            </a:lvl9pPr>
+          </a:lstStyle>
+          <a:p>
+            <a:pPr marL="15875" indent="0">
+              <a:buNone/>
+            </a:pPr>
+            <a:r>
+              <a:rPr lang="en-US" sz="1100" dirty="0"/>
+              <a:t>3. </a:t>
+            </a:r>
+            <a:r>
+              <a:rPr kumimoji="0" lang="sr-Latn-RS" altLang="sr-Latn-RS" sz="1100" b="0" i="0" u="none" strike="noStrike" cap="none" normalizeH="0" baseline="0" dirty="0">
+                <a:ln>
+                  <a:noFill/>
+                </a:ln>
+                <a:solidFill>
+                  <a:schemeClr val="tx1"/>
+                </a:solidFill>
+                <a:effectLst/>
+                <a:latin typeface="Arial" panose="020B0604020202020204" pitchFamily="34" charset="0"/>
+              </a:rPr>
+              <a:t>Kreirajte datoteku </a:t>
+            </a:r>
+            <a:r>
+              <a:rPr kumimoji="0" lang="en-US" altLang="sr-Latn-RS" sz="1100" b="0" i="0" u="none" strike="noStrike" cap="none" normalizeH="0" baseline="0" dirty="0">
+                <a:ln>
+                  <a:noFill/>
+                </a:ln>
+                <a:solidFill>
+                  <a:schemeClr val="tx1"/>
+                </a:solidFill>
+                <a:effectLst/>
+                <a:latin typeface="Arial" panose="020B0604020202020204" pitchFamily="34" charset="0"/>
+              </a:rPr>
+              <a:t>app.py I </a:t>
+            </a:r>
+            <a:r>
+              <a:rPr kumimoji="0" lang="en-US" altLang="sr-Latn-RS" sz="1100" b="0" i="0" u="none" strike="noStrike" cap="none" normalizeH="0" baseline="0" dirty="0" err="1">
+                <a:ln>
+                  <a:noFill/>
+                </a:ln>
+                <a:solidFill>
+                  <a:schemeClr val="tx1"/>
+                </a:solidFill>
+                <a:effectLst/>
+                <a:latin typeface="Arial" panose="020B0604020202020204" pitchFamily="34" charset="0"/>
+              </a:rPr>
+              <a:t>unesite</a:t>
+            </a:r>
+            <a:r>
+              <a:rPr kumimoji="0" lang="en-US" altLang="sr-Latn-RS" sz="1100" b="0" i="0" u="none" strike="noStrike" cap="none" normalizeH="0" baseline="0" dirty="0">
+                <a:ln>
+                  <a:noFill/>
+                </a:ln>
+                <a:solidFill>
+                  <a:schemeClr val="tx1"/>
+                </a:solidFill>
+                <a:effectLst/>
+                <a:latin typeface="Arial" panose="020B0604020202020204" pitchFamily="34" charset="0"/>
+              </a:rPr>
+              <a:t> </a:t>
+            </a:r>
+            <a:r>
+              <a:rPr kumimoji="0" lang="en-US" altLang="sr-Latn-RS" sz="1100" b="0" i="0" u="none" strike="noStrike" cap="none" normalizeH="0" baseline="0" dirty="0" err="1">
+                <a:ln>
+                  <a:noFill/>
+                </a:ln>
+                <a:solidFill>
+                  <a:schemeClr val="tx1"/>
+                </a:solidFill>
+                <a:effectLst/>
+                <a:latin typeface="Arial" panose="020B0604020202020204" pitchFamily="34" charset="0"/>
+              </a:rPr>
+              <a:t>kod</a:t>
+            </a:r>
+            <a:endParaRPr lang="en-US" sz="1100" dirty="0"/>
+          </a:p>
+        </p:txBody>
+      </p:sp>
+      <p:pic>
+        <p:nvPicPr>
+          <p:cNvPr id="20" name="Picture 19">
+            <a:extLst>
+              <a:ext uri="{FF2B5EF4-FFF2-40B4-BE49-F238E27FC236}">
+                <a16:creationId xmlns:a16="http://schemas.microsoft.com/office/drawing/2014/main" id="{4E6F6720-FA1B-AD3B-A9AB-0028BAAD29C1}"/>
+              </a:ext>
+            </a:extLst>
+          </p:cNvPr>
+          <p:cNvPicPr>
+            <a:picLocks noChangeAspect="1"/>
+          </p:cNvPicPr>
+          <p:nvPr/>
+        </p:nvPicPr>
+        <p:blipFill>
+          <a:blip r:embed="rId7"/>
+          <a:stretch>
+            <a:fillRect/>
+          </a:stretch>
+        </p:blipFill>
+        <p:spPr>
+          <a:xfrm>
+            <a:off x="1160831" y="4549486"/>
+            <a:ext cx="2114550" cy="600075"/>
+          </a:xfrm>
+          <a:prstGeom prst="rect">
+            <a:avLst/>
+          </a:prstGeom>
+        </p:spPr>
+      </p:pic>
+      <p:sp>
+        <p:nvSpPr>
+          <p:cNvPr id="21" name="Content Placeholder 2">
+            <a:extLst>
+              <a:ext uri="{FF2B5EF4-FFF2-40B4-BE49-F238E27FC236}">
+                <a16:creationId xmlns:a16="http://schemas.microsoft.com/office/drawing/2014/main" id="{C43B82C5-E717-77EF-2660-7687721BD5DA}"/>
+              </a:ext>
+            </a:extLst>
+          </p:cNvPr>
+          <p:cNvSpPr txBox="1">
+            <a:spLocks/>
+          </p:cNvSpPr>
+          <p:nvPr/>
+        </p:nvSpPr>
+        <p:spPr>
+          <a:xfrm>
+            <a:off x="6315194" y="4049730"/>
+            <a:ext cx="2988616" cy="438315"/>
+          </a:xfrm>
+          <a:prstGeom prst="rect">
+            <a:avLst/>
+          </a:prstGeom>
+        </p:spPr>
+        <p:txBody>
+          <a:bodyPr vert="horz" lIns="91440" tIns="45720" rIns="91440" bIns="45720" rtlCol="0">
+            <a:normAutofit/>
+          </a:bodyPr>
+          <a:lstStyle>
+            <a:lvl1pPr marL="368300" indent="-352425" algn="l" defTabSz="914400" rtl="0" eaLnBrk="1" latinLnBrk="0" hangingPunct="1">
+              <a:lnSpc>
+                <a:spcPct val="90000"/>
+              </a:lnSpc>
+              <a:spcBef>
+                <a:spcPts val="600"/>
+              </a:spcBef>
+              <a:spcAft>
+                <a:spcPts val="600"/>
+              </a:spcAft>
+              <a:buClr>
+                <a:schemeClr val="accent2"/>
+              </a:buClr>
+              <a:buFont typeface="Wingdings" pitchFamily="2" charset="2"/>
+              <a:buChar char="§"/>
+              <a:tabLst/>
+              <a:defRPr sz="2400" kern="1200">
+                <a:solidFill>
+                  <a:schemeClr val="tx1"/>
+                </a:solidFill>
+                <a:latin typeface="+mn-lt"/>
+                <a:ea typeface="Open Sans" panose="020B0606030504020204" pitchFamily="34" charset="0"/>
+                <a:cs typeface="Open Sans" panose="020B0606030504020204" pitchFamily="34" charset="0"/>
+              </a:defRPr>
+            </a:lvl1pPr>
+            <a:lvl2pPr marL="771525" indent="-274638" algn="l" defTabSz="914400" rtl="0" eaLnBrk="1" latinLnBrk="0" hangingPunct="1">
+              <a:lnSpc>
+                <a:spcPct val="90000"/>
+              </a:lnSpc>
+              <a:spcBef>
+                <a:spcPts val="600"/>
+              </a:spcBef>
+              <a:spcAft>
+                <a:spcPts val="600"/>
+              </a:spcAft>
+              <a:buClr>
+                <a:schemeClr val="accent2"/>
+              </a:buClr>
+              <a:buFont typeface="Wingdings" pitchFamily="2" charset="2"/>
+              <a:buChar char="§"/>
+              <a:tabLst/>
+              <a:defRPr sz="2200" kern="1200">
+                <a:solidFill>
+                  <a:schemeClr val="tx1"/>
+                </a:solidFill>
+                <a:latin typeface="+mn-lt"/>
+                <a:ea typeface="Open Sans" panose="020B0606030504020204" pitchFamily="34" charset="0"/>
+                <a:cs typeface="Open Sans" panose="020B0606030504020204" pitchFamily="34" charset="0"/>
+              </a:defRPr>
+            </a:lvl2pPr>
+            <a:lvl3pPr marL="1143000" indent="-228600" algn="l" defTabSz="914400" rtl="0" eaLnBrk="1" latinLnBrk="0" hangingPunct="1">
+              <a:lnSpc>
+                <a:spcPct val="90000"/>
+              </a:lnSpc>
+              <a:spcBef>
+                <a:spcPts val="600"/>
+              </a:spcBef>
+              <a:spcAft>
+                <a:spcPts val="600"/>
+              </a:spcAft>
+              <a:buClr>
+                <a:schemeClr val="accent2"/>
+              </a:buClr>
+              <a:buFont typeface="Wingdings" pitchFamily="2" charset="2"/>
+              <a:buChar char="§"/>
+              <a:defRPr sz="2000" kern="1200">
+                <a:solidFill>
+                  <a:schemeClr val="tx1"/>
+                </a:solidFill>
+                <a:latin typeface="+mn-lt"/>
+                <a:ea typeface="Open Sans" panose="020B0606030504020204" pitchFamily="34" charset="0"/>
+                <a:cs typeface="Open Sans" panose="020B0606030504020204" pitchFamily="34" charset="0"/>
+              </a:defRPr>
+            </a:lvl3pPr>
+            <a:lvl4pPr marL="1600200" indent="-228600" algn="l" defTabSz="914400" rtl="0" eaLnBrk="1" latinLnBrk="0" hangingPunct="1">
+              <a:lnSpc>
+                <a:spcPct val="90000"/>
+              </a:lnSpc>
+              <a:spcBef>
+                <a:spcPts val="600"/>
+              </a:spcBef>
+              <a:spcAft>
+                <a:spcPts val="600"/>
+              </a:spcAft>
+              <a:buClr>
+                <a:schemeClr val="accent2"/>
+              </a:buClr>
+              <a:buFont typeface="Wingdings" pitchFamily="2" charset="2"/>
+              <a:buChar char="§"/>
+              <a:defRPr sz="1800" kern="1200">
+                <a:solidFill>
+                  <a:schemeClr val="tx1"/>
+                </a:solidFill>
+                <a:latin typeface="+mn-lt"/>
+                <a:ea typeface="Open Sans" panose="020B0606030504020204" pitchFamily="34" charset="0"/>
+                <a:cs typeface="Open Sans" panose="020B0606030504020204" pitchFamily="34" charset="0"/>
+              </a:defRPr>
+            </a:lvl4pPr>
+            <a:lvl5pPr marL="1960563" indent="-225425" algn="l" defTabSz="914400" rtl="0" eaLnBrk="1" latinLnBrk="0" hangingPunct="1">
+              <a:lnSpc>
+                <a:spcPct val="90000"/>
+              </a:lnSpc>
+              <a:spcBef>
+                <a:spcPts val="600"/>
+              </a:spcBef>
+              <a:spcAft>
+                <a:spcPts val="600"/>
+              </a:spcAft>
+              <a:buClr>
+                <a:schemeClr val="accent2"/>
+              </a:buClr>
+              <a:buFont typeface="Wingdings" pitchFamily="2" charset="2"/>
+              <a:buChar char="§"/>
+              <a:tabLst/>
+              <a:defRPr sz="1600" kern="1200">
+                <a:solidFill>
+                  <a:schemeClr val="tx1"/>
+                </a:solidFill>
+                <a:latin typeface="+mn-lt"/>
+                <a:ea typeface="Open Sans" panose="020B0606030504020204" pitchFamily="34" charset="0"/>
+                <a:cs typeface="Open Sans" panose="020B0606030504020204" pitchFamily="34" charset="0"/>
+              </a:defRPr>
+            </a:lvl5pPr>
+            <a:lvl6pPr marL="2514600" indent="-228600" algn="l" defTabSz="914400" rtl="0" eaLnBrk="1" latinLnBrk="0" hangingPunct="1">
+              <a:lnSpc>
+                <a:spcPct val="90000"/>
+              </a:lnSpc>
+              <a:spcBef>
+                <a:spcPts val="500"/>
+              </a:spcBef>
+              <a:buFont typeface="Arial" panose="020B0604020202020204" pitchFamily="34" charset="0"/>
+              <a:buChar char="•"/>
+              <a:defRPr sz="1800" kern="1200">
+                <a:solidFill>
+                  <a:schemeClr val="tx1"/>
+                </a:solidFill>
+                <a:latin typeface="+mn-lt"/>
+                <a:ea typeface="+mn-ea"/>
+                <a:cs typeface="+mn-cs"/>
+              </a:defRPr>
+            </a:lvl6pPr>
+            <a:lvl7pPr marL="2971800" indent="-228600" algn="l" defTabSz="914400" rtl="0" eaLnBrk="1" latinLnBrk="0" hangingPunct="1">
+              <a:lnSpc>
+                <a:spcPct val="90000"/>
+              </a:lnSpc>
+              <a:spcBef>
+                <a:spcPts val="500"/>
+              </a:spcBef>
+              <a:buFont typeface="Arial" panose="020B0604020202020204" pitchFamily="34" charset="0"/>
+              <a:buChar char="•"/>
+              <a:defRPr sz="1800" kern="1200">
+                <a:solidFill>
+                  <a:schemeClr val="tx1"/>
+                </a:solidFill>
+                <a:latin typeface="+mn-lt"/>
+                <a:ea typeface="+mn-ea"/>
+                <a:cs typeface="+mn-cs"/>
+              </a:defRPr>
+            </a:lvl7pPr>
+            <a:lvl8pPr marL="3429000" indent="-228600" algn="l" defTabSz="914400" rtl="0" eaLnBrk="1" latinLnBrk="0" hangingPunct="1">
+              <a:lnSpc>
+                <a:spcPct val="90000"/>
+              </a:lnSpc>
+              <a:spcBef>
+                <a:spcPts val="500"/>
+              </a:spcBef>
+              <a:buFont typeface="Arial" panose="020B0604020202020204" pitchFamily="34" charset="0"/>
+              <a:buChar char="•"/>
+              <a:defRPr sz="1800" kern="1200">
+                <a:solidFill>
+                  <a:schemeClr val="tx1"/>
+                </a:solidFill>
+                <a:latin typeface="+mn-lt"/>
+                <a:ea typeface="+mn-ea"/>
+                <a:cs typeface="+mn-cs"/>
+              </a:defRPr>
+            </a:lvl8pPr>
+            <a:lvl9pPr marL="3886200" indent="-228600" algn="l" defTabSz="914400" rtl="0" eaLnBrk="1" latinLnBrk="0" hangingPunct="1">
+              <a:lnSpc>
+                <a:spcPct val="90000"/>
+              </a:lnSpc>
+              <a:spcBef>
+                <a:spcPts val="500"/>
+              </a:spcBef>
+              <a:buFont typeface="Arial" panose="020B0604020202020204" pitchFamily="34" charset="0"/>
+              <a:buChar char="•"/>
+              <a:defRPr sz="1800" kern="1200">
+                <a:solidFill>
+                  <a:schemeClr val="tx1"/>
+                </a:solidFill>
+                <a:latin typeface="+mn-lt"/>
+                <a:ea typeface="+mn-ea"/>
+                <a:cs typeface="+mn-cs"/>
+              </a:defRPr>
+            </a:lvl9pPr>
+          </a:lstStyle>
+          <a:p>
+            <a:pPr marL="15875" indent="0">
+              <a:buNone/>
+            </a:pPr>
+            <a:r>
+              <a:rPr lang="en-US" sz="1100" dirty="0"/>
+              <a:t>4. </a:t>
+            </a:r>
+            <a:r>
+              <a:rPr kumimoji="0" lang="en-US" altLang="sr-Latn-RS" sz="1100" b="0" i="0" u="none" strike="noStrike" cap="none" normalizeH="0" baseline="0" dirty="0" err="1">
+                <a:ln>
+                  <a:noFill/>
+                </a:ln>
+                <a:solidFill>
+                  <a:schemeClr val="tx1"/>
+                </a:solidFill>
+                <a:effectLst/>
+                <a:latin typeface="Arial" panose="020B0604020202020204" pitchFamily="34" charset="0"/>
+              </a:rPr>
+              <a:t>Pokrenite</a:t>
+            </a:r>
+            <a:r>
+              <a:rPr kumimoji="0" lang="en-US" altLang="sr-Latn-RS" sz="1100" b="0" i="0" u="none" strike="noStrike" cap="none" normalizeH="0" baseline="0" dirty="0">
+                <a:ln>
+                  <a:noFill/>
+                </a:ln>
+                <a:solidFill>
+                  <a:schemeClr val="tx1"/>
+                </a:solidFill>
+                <a:effectLst/>
+                <a:latin typeface="Arial" panose="020B0604020202020204" pitchFamily="34" charset="0"/>
+              </a:rPr>
+              <a:t> </a:t>
+            </a:r>
+            <a:r>
+              <a:rPr kumimoji="0" lang="en-US" altLang="sr-Latn-RS" sz="1100" b="0" i="0" u="none" strike="noStrike" cap="none" normalizeH="0" baseline="0" dirty="0" err="1">
+                <a:ln>
+                  <a:noFill/>
+                </a:ln>
+                <a:solidFill>
+                  <a:schemeClr val="tx1"/>
+                </a:solidFill>
+                <a:effectLst/>
+                <a:latin typeface="Arial" panose="020B0604020202020204" pitchFamily="34" charset="0"/>
+              </a:rPr>
+              <a:t>aplikaciju</a:t>
+            </a:r>
+            <a:endParaRPr lang="en-US" sz="1100" dirty="0"/>
+          </a:p>
+        </p:txBody>
+      </p:sp>
+      <p:pic>
+        <p:nvPicPr>
+          <p:cNvPr id="23" name="Picture 22">
+            <a:extLst>
+              <a:ext uri="{FF2B5EF4-FFF2-40B4-BE49-F238E27FC236}">
+                <a16:creationId xmlns:a16="http://schemas.microsoft.com/office/drawing/2014/main" id="{8B460A86-1F05-ECAC-DBCE-3A052F04A636}"/>
+              </a:ext>
+            </a:extLst>
+          </p:cNvPr>
+          <p:cNvPicPr>
+            <a:picLocks noChangeAspect="1"/>
+          </p:cNvPicPr>
+          <p:nvPr/>
+        </p:nvPicPr>
+        <p:blipFill>
+          <a:blip r:embed="rId8"/>
+          <a:stretch>
+            <a:fillRect/>
+          </a:stretch>
+        </p:blipFill>
+        <p:spPr>
+          <a:xfrm>
+            <a:off x="6376100" y="4608713"/>
+            <a:ext cx="1209675" cy="390525"/>
           </a:xfrm>
           <a:prstGeom prst="rect">
             <a:avLst/>
@@ -12607,7 +15760,7 @@
     </p:spTree>
     <p:extLst>
       <p:ext uri="{BB962C8B-B14F-4D97-AF65-F5344CB8AC3E}">
-        <p14:creationId xmlns:p14="http://schemas.microsoft.com/office/powerpoint/2010/main" val="4076044860"/>
+        <p14:creationId xmlns:p14="http://schemas.microsoft.com/office/powerpoint/2010/main" val="2750841622"/>
       </p:ext>
     </p:extLst>
   </p:cSld>
@@ -12625,7 +15778,7 @@
         <p:cNvPr id="1" name="">
           <a:extLst>
             <a:ext uri="{FF2B5EF4-FFF2-40B4-BE49-F238E27FC236}">
-              <a16:creationId xmlns:a16="http://schemas.microsoft.com/office/drawing/2014/main" id="{8A3BB671-DE0C-69DA-7D50-7B520318E890}"/>
+              <a16:creationId xmlns:a16="http://schemas.microsoft.com/office/drawing/2014/main" id="{E464E574-422C-510D-7D24-0D5D13923949}"/>
             </a:ext>
           </a:extLst>
         </p:cNvPr>
@@ -12645,7 +15798,7 @@
           <p:cNvPr id="4" name="Title 1">
             <a:extLst>
               <a:ext uri="{FF2B5EF4-FFF2-40B4-BE49-F238E27FC236}">
-                <a16:creationId xmlns:a16="http://schemas.microsoft.com/office/drawing/2014/main" id="{46514EAA-86A0-ABD2-5692-FA150F3943FE}"/>
+                <a16:creationId xmlns:a16="http://schemas.microsoft.com/office/drawing/2014/main" id="{359F98B0-6735-A85F-D076-2548E82C461A}"/>
               </a:ext>
             </a:extLst>
           </p:cNvPr>
@@ -12689,19 +15842,7 @@
           <a:p>
             <a:r>
               <a:rPr lang="en-US" dirty="0"/>
-              <a:t>GIT - .</a:t>
-            </a:r>
-            <a:r>
-              <a:rPr lang="en-US" dirty="0" err="1"/>
-              <a:t>gitignore</a:t>
-            </a:r>
-            <a:r>
-              <a:rPr lang="en-US" dirty="0"/>
-              <a:t> </a:t>
-            </a:r>
-            <a:r>
-              <a:rPr lang="en-US" dirty="0" err="1"/>
-              <a:t>fajl</a:t>
+              <a:t>FLASK – PRVI ENDPOINT</a:t>
             </a:r>
             <a:endParaRPr lang="hr-HR" dirty="0"/>
           </a:p>
@@ -12709,85 +15850,246 @@
       </p:sp>
       <p:sp>
         <p:nvSpPr>
-          <p:cNvPr id="13" name="TextBox 12">
-            <a:extLst>
-              <a:ext uri="{FF2B5EF4-FFF2-40B4-BE49-F238E27FC236}">
-                <a16:creationId xmlns:a16="http://schemas.microsoft.com/office/drawing/2014/main" id="{14EC9AB8-C46A-A884-86EA-785B3DE7B9AC}"/>
-              </a:ext>
-            </a:extLst>
-          </p:cNvPr>
-          <p:cNvSpPr txBox="1"/>
+          <p:cNvPr id="2" name="Content Placeholder 2">
+            <a:extLst>
+              <a:ext uri="{FF2B5EF4-FFF2-40B4-BE49-F238E27FC236}">
+                <a16:creationId xmlns:a16="http://schemas.microsoft.com/office/drawing/2014/main" id="{85084B89-EC15-B346-1651-B4D17A217723}"/>
+              </a:ext>
+            </a:extLst>
+          </p:cNvPr>
+          <p:cNvSpPr txBox="1">
+            <a:spLocks/>
+          </p:cNvSpPr>
           <p:nvPr/>
         </p:nvSpPr>
         <p:spPr>
           <a:xfrm>
-            <a:off x="1038449" y="1348892"/>
-            <a:ext cx="5495258" cy="1754326"/>
+            <a:off x="1021629" y="1310934"/>
+            <a:ext cx="8262365" cy="438315"/>
           </a:xfrm>
           <a:prstGeom prst="rect">
             <a:avLst/>
           </a:prstGeom>
-          <a:noFill/>
         </p:spPr>
         <p:txBody>
-          <a:bodyPr wrap="square">
-            <a:spAutoFit/>
+          <a:bodyPr vert="horz" lIns="91440" tIns="45720" rIns="91440" bIns="45720" rtlCol="0">
+            <a:noAutofit/>
           </a:bodyPr>
-          <a:lstStyle/>
-          <a:p>
-            <a:r>
-              <a:rPr lang="hr-HR" dirty="0"/>
-              <a:t>👉 </a:t>
-            </a:r>
-            <a:r>
-              <a:rPr lang="en-US" b="1" dirty="0" err="1"/>
-              <a:t>Koristimo</a:t>
-            </a:r>
-            <a:r>
-              <a:rPr lang="en-US" b="1" dirty="0"/>
-              <a:t> ga za </a:t>
-            </a:r>
-            <a:r>
-              <a:rPr lang="hr-HR" b="1" dirty="0"/>
-              <a:t>sprječavanje dodavanja određenih datoteka u </a:t>
-            </a:r>
-            <a:r>
-              <a:rPr lang="hr-HR" b="1" dirty="0" err="1"/>
-              <a:t>Git</a:t>
-            </a:r>
-            <a:r>
-              <a:rPr lang="hr-HR" b="1" dirty="0"/>
-              <a:t> repozitorij</a:t>
-            </a:r>
-            <a:r>
-              <a:rPr lang="hr-HR" dirty="0"/>
-              <a:t>. Ovo je izuzetno važno kako biste zaštitili </a:t>
-            </a:r>
-            <a:r>
-              <a:rPr lang="hr-HR" b="1" dirty="0"/>
-              <a:t>osjetljive podatke (API ključeve, lozinke, privatne postavke)</a:t>
-            </a:r>
-            <a:r>
-              <a:rPr lang="hr-HR" dirty="0"/>
-              <a:t> i izbjegli </a:t>
-            </a:r>
-            <a:r>
-              <a:rPr lang="hr-HR" b="1" dirty="0"/>
-              <a:t>bespotrebno dijeljenje lokalnih postavki</a:t>
-            </a:r>
-            <a:r>
-              <a:rPr lang="hr-HR" dirty="0"/>
-              <a:t> s ostatkom tima</a:t>
-            </a:r>
+          <a:lstStyle>
+            <a:lvl1pPr marL="368300" indent="-352425" algn="l" defTabSz="914400" rtl="0" eaLnBrk="1" latinLnBrk="0" hangingPunct="1">
+              <a:lnSpc>
+                <a:spcPct val="90000"/>
+              </a:lnSpc>
+              <a:spcBef>
+                <a:spcPts val="600"/>
+              </a:spcBef>
+              <a:spcAft>
+                <a:spcPts val="600"/>
+              </a:spcAft>
+              <a:buClr>
+                <a:schemeClr val="accent2"/>
+              </a:buClr>
+              <a:buFont typeface="Wingdings" pitchFamily="2" charset="2"/>
+              <a:buChar char="§"/>
+              <a:tabLst/>
+              <a:defRPr sz="2400" kern="1200">
+                <a:solidFill>
+                  <a:schemeClr val="tx1"/>
+                </a:solidFill>
+                <a:latin typeface="+mn-lt"/>
+                <a:ea typeface="Open Sans" panose="020B0606030504020204" pitchFamily="34" charset="0"/>
+                <a:cs typeface="Open Sans" panose="020B0606030504020204" pitchFamily="34" charset="0"/>
+              </a:defRPr>
+            </a:lvl1pPr>
+            <a:lvl2pPr marL="771525" indent="-274638" algn="l" defTabSz="914400" rtl="0" eaLnBrk="1" latinLnBrk="0" hangingPunct="1">
+              <a:lnSpc>
+                <a:spcPct val="90000"/>
+              </a:lnSpc>
+              <a:spcBef>
+                <a:spcPts val="600"/>
+              </a:spcBef>
+              <a:spcAft>
+                <a:spcPts val="600"/>
+              </a:spcAft>
+              <a:buClr>
+                <a:schemeClr val="accent2"/>
+              </a:buClr>
+              <a:buFont typeface="Wingdings" pitchFamily="2" charset="2"/>
+              <a:buChar char="§"/>
+              <a:tabLst/>
+              <a:defRPr sz="2200" kern="1200">
+                <a:solidFill>
+                  <a:schemeClr val="tx1"/>
+                </a:solidFill>
+                <a:latin typeface="+mn-lt"/>
+                <a:ea typeface="Open Sans" panose="020B0606030504020204" pitchFamily="34" charset="0"/>
+                <a:cs typeface="Open Sans" panose="020B0606030504020204" pitchFamily="34" charset="0"/>
+              </a:defRPr>
+            </a:lvl2pPr>
+            <a:lvl3pPr marL="1143000" indent="-228600" algn="l" defTabSz="914400" rtl="0" eaLnBrk="1" latinLnBrk="0" hangingPunct="1">
+              <a:lnSpc>
+                <a:spcPct val="90000"/>
+              </a:lnSpc>
+              <a:spcBef>
+                <a:spcPts val="600"/>
+              </a:spcBef>
+              <a:spcAft>
+                <a:spcPts val="600"/>
+              </a:spcAft>
+              <a:buClr>
+                <a:schemeClr val="accent2"/>
+              </a:buClr>
+              <a:buFont typeface="Wingdings" pitchFamily="2" charset="2"/>
+              <a:buChar char="§"/>
+              <a:defRPr sz="2000" kern="1200">
+                <a:solidFill>
+                  <a:schemeClr val="tx1"/>
+                </a:solidFill>
+                <a:latin typeface="+mn-lt"/>
+                <a:ea typeface="Open Sans" panose="020B0606030504020204" pitchFamily="34" charset="0"/>
+                <a:cs typeface="Open Sans" panose="020B0606030504020204" pitchFamily="34" charset="0"/>
+              </a:defRPr>
+            </a:lvl3pPr>
+            <a:lvl4pPr marL="1600200" indent="-228600" algn="l" defTabSz="914400" rtl="0" eaLnBrk="1" latinLnBrk="0" hangingPunct="1">
+              <a:lnSpc>
+                <a:spcPct val="90000"/>
+              </a:lnSpc>
+              <a:spcBef>
+                <a:spcPts val="600"/>
+              </a:spcBef>
+              <a:spcAft>
+                <a:spcPts val="600"/>
+              </a:spcAft>
+              <a:buClr>
+                <a:schemeClr val="accent2"/>
+              </a:buClr>
+              <a:buFont typeface="Wingdings" pitchFamily="2" charset="2"/>
+              <a:buChar char="§"/>
+              <a:defRPr sz="1800" kern="1200">
+                <a:solidFill>
+                  <a:schemeClr val="tx1"/>
+                </a:solidFill>
+                <a:latin typeface="+mn-lt"/>
+                <a:ea typeface="Open Sans" panose="020B0606030504020204" pitchFamily="34" charset="0"/>
+                <a:cs typeface="Open Sans" panose="020B0606030504020204" pitchFamily="34" charset="0"/>
+              </a:defRPr>
+            </a:lvl4pPr>
+            <a:lvl5pPr marL="1960563" indent="-225425" algn="l" defTabSz="914400" rtl="0" eaLnBrk="1" latinLnBrk="0" hangingPunct="1">
+              <a:lnSpc>
+                <a:spcPct val="90000"/>
+              </a:lnSpc>
+              <a:spcBef>
+                <a:spcPts val="600"/>
+              </a:spcBef>
+              <a:spcAft>
+                <a:spcPts val="600"/>
+              </a:spcAft>
+              <a:buClr>
+                <a:schemeClr val="accent2"/>
+              </a:buClr>
+              <a:buFont typeface="Wingdings" pitchFamily="2" charset="2"/>
+              <a:buChar char="§"/>
+              <a:tabLst/>
+              <a:defRPr sz="1600" kern="1200">
+                <a:solidFill>
+                  <a:schemeClr val="tx1"/>
+                </a:solidFill>
+                <a:latin typeface="+mn-lt"/>
+                <a:ea typeface="Open Sans" panose="020B0606030504020204" pitchFamily="34" charset="0"/>
+                <a:cs typeface="Open Sans" panose="020B0606030504020204" pitchFamily="34" charset="0"/>
+              </a:defRPr>
+            </a:lvl5pPr>
+            <a:lvl6pPr marL="2514600" indent="-228600" algn="l" defTabSz="914400" rtl="0" eaLnBrk="1" latinLnBrk="0" hangingPunct="1">
+              <a:lnSpc>
+                <a:spcPct val="90000"/>
+              </a:lnSpc>
+              <a:spcBef>
+                <a:spcPts val="500"/>
+              </a:spcBef>
+              <a:buFont typeface="Arial" panose="020B0604020202020204" pitchFamily="34" charset="0"/>
+              <a:buChar char="•"/>
+              <a:defRPr sz="1800" kern="1200">
+                <a:solidFill>
+                  <a:schemeClr val="tx1"/>
+                </a:solidFill>
+                <a:latin typeface="+mn-lt"/>
+                <a:ea typeface="+mn-ea"/>
+                <a:cs typeface="+mn-cs"/>
+              </a:defRPr>
+            </a:lvl6pPr>
+            <a:lvl7pPr marL="2971800" indent="-228600" algn="l" defTabSz="914400" rtl="0" eaLnBrk="1" latinLnBrk="0" hangingPunct="1">
+              <a:lnSpc>
+                <a:spcPct val="90000"/>
+              </a:lnSpc>
+              <a:spcBef>
+                <a:spcPts val="500"/>
+              </a:spcBef>
+              <a:buFont typeface="Arial" panose="020B0604020202020204" pitchFamily="34" charset="0"/>
+              <a:buChar char="•"/>
+              <a:defRPr sz="1800" kern="1200">
+                <a:solidFill>
+                  <a:schemeClr val="tx1"/>
+                </a:solidFill>
+                <a:latin typeface="+mn-lt"/>
+                <a:ea typeface="+mn-ea"/>
+                <a:cs typeface="+mn-cs"/>
+              </a:defRPr>
+            </a:lvl7pPr>
+            <a:lvl8pPr marL="3429000" indent="-228600" algn="l" defTabSz="914400" rtl="0" eaLnBrk="1" latinLnBrk="0" hangingPunct="1">
+              <a:lnSpc>
+                <a:spcPct val="90000"/>
+              </a:lnSpc>
+              <a:spcBef>
+                <a:spcPts val="500"/>
+              </a:spcBef>
+              <a:buFont typeface="Arial" panose="020B0604020202020204" pitchFamily="34" charset="0"/>
+              <a:buChar char="•"/>
+              <a:defRPr sz="1800" kern="1200">
+                <a:solidFill>
+                  <a:schemeClr val="tx1"/>
+                </a:solidFill>
+                <a:latin typeface="+mn-lt"/>
+                <a:ea typeface="+mn-ea"/>
+                <a:cs typeface="+mn-cs"/>
+              </a:defRPr>
+            </a:lvl8pPr>
+            <a:lvl9pPr marL="3886200" indent="-228600" algn="l" defTabSz="914400" rtl="0" eaLnBrk="1" latinLnBrk="0" hangingPunct="1">
+              <a:lnSpc>
+                <a:spcPct val="90000"/>
+              </a:lnSpc>
+              <a:spcBef>
+                <a:spcPts val="500"/>
+              </a:spcBef>
+              <a:buFont typeface="Arial" panose="020B0604020202020204" pitchFamily="34" charset="0"/>
+              <a:buChar char="•"/>
+              <a:defRPr sz="1800" kern="1200">
+                <a:solidFill>
+                  <a:schemeClr val="tx1"/>
+                </a:solidFill>
+                <a:latin typeface="+mn-lt"/>
+                <a:ea typeface="+mn-ea"/>
+                <a:cs typeface="+mn-cs"/>
+              </a:defRPr>
+            </a:lvl9pPr>
+          </a:lstStyle>
+          <a:p>
+            <a:pPr marL="15875" indent="0">
+              <a:buNone/>
+            </a:pPr>
+            <a:r>
+              <a:rPr lang="hr-HR" sz="1400" dirty="0"/>
+              <a:t>👉 U većini REST API-ja koristimo bazu podataka, ali za sada ćemo podatke spremiti u Python listi.</a:t>
+            </a:r>
+            <a:endParaRPr lang="en-US" sz="1400" dirty="0"/>
           </a:p>
         </p:txBody>
       </p:sp>
       <p:pic>
         <p:nvPicPr>
-          <p:cNvPr id="15" name="Picture 14">
-            <a:extLst>
-              <a:ext uri="{FF2B5EF4-FFF2-40B4-BE49-F238E27FC236}">
-                <a16:creationId xmlns:a16="http://schemas.microsoft.com/office/drawing/2014/main" id="{AF0746B1-CF0B-772F-F0A7-436E88CBB36B}"/>
+          <p:cNvPr id="6" name="Picture 5">
+            <a:extLst>
+              <a:ext uri="{FF2B5EF4-FFF2-40B4-BE49-F238E27FC236}">
+                <a16:creationId xmlns:a16="http://schemas.microsoft.com/office/drawing/2014/main" id="{E5AA4604-823D-8E37-9797-284138D02953}"/>
               </a:ext>
             </a:extLst>
           </p:cNvPr>
@@ -12804,20 +16106,256 @@
         </p:blipFill>
         <p:spPr>
           <a:xfrm>
-            <a:off x="7067883" y="1440519"/>
-            <a:ext cx="4230128" cy="2230289"/>
+            <a:off x="1160167" y="4746912"/>
+            <a:ext cx="1514475" cy="371475"/>
           </a:xfrm>
           <a:prstGeom prst="rect">
             <a:avLst/>
           </a:prstGeom>
         </p:spPr>
       </p:pic>
+      <p:sp>
+        <p:nvSpPr>
+          <p:cNvPr id="7" name="Content Placeholder 2">
+            <a:extLst>
+              <a:ext uri="{FF2B5EF4-FFF2-40B4-BE49-F238E27FC236}">
+                <a16:creationId xmlns:a16="http://schemas.microsoft.com/office/drawing/2014/main" id="{2DB8CEDC-42CA-5A51-39E4-40DA7AFF289B}"/>
+              </a:ext>
+            </a:extLst>
+          </p:cNvPr>
+          <p:cNvSpPr txBox="1">
+            <a:spLocks/>
+          </p:cNvSpPr>
+          <p:nvPr/>
+        </p:nvSpPr>
+        <p:spPr>
+          <a:xfrm>
+            <a:off x="1076564" y="4375438"/>
+            <a:ext cx="1113744" cy="297572"/>
+          </a:xfrm>
+          <a:prstGeom prst="rect">
+            <a:avLst/>
+          </a:prstGeom>
+        </p:spPr>
+        <p:txBody>
+          <a:bodyPr vert="horz" lIns="91440" tIns="45720" rIns="91440" bIns="45720" rtlCol="0">
+            <a:noAutofit/>
+          </a:bodyPr>
+          <a:lstStyle>
+            <a:lvl1pPr marL="368300" indent="-352425" algn="l" defTabSz="914400" rtl="0" eaLnBrk="1" latinLnBrk="0" hangingPunct="1">
+              <a:lnSpc>
+                <a:spcPct val="90000"/>
+              </a:lnSpc>
+              <a:spcBef>
+                <a:spcPts val="600"/>
+              </a:spcBef>
+              <a:spcAft>
+                <a:spcPts val="600"/>
+              </a:spcAft>
+              <a:buClr>
+                <a:schemeClr val="accent2"/>
+              </a:buClr>
+              <a:buFont typeface="Wingdings" pitchFamily="2" charset="2"/>
+              <a:buChar char="§"/>
+              <a:tabLst/>
+              <a:defRPr sz="2400" kern="1200">
+                <a:solidFill>
+                  <a:schemeClr val="tx1"/>
+                </a:solidFill>
+                <a:latin typeface="+mn-lt"/>
+                <a:ea typeface="Open Sans" panose="020B0606030504020204" pitchFamily="34" charset="0"/>
+                <a:cs typeface="Open Sans" panose="020B0606030504020204" pitchFamily="34" charset="0"/>
+              </a:defRPr>
+            </a:lvl1pPr>
+            <a:lvl2pPr marL="771525" indent="-274638" algn="l" defTabSz="914400" rtl="0" eaLnBrk="1" latinLnBrk="0" hangingPunct="1">
+              <a:lnSpc>
+                <a:spcPct val="90000"/>
+              </a:lnSpc>
+              <a:spcBef>
+                <a:spcPts val="600"/>
+              </a:spcBef>
+              <a:spcAft>
+                <a:spcPts val="600"/>
+              </a:spcAft>
+              <a:buClr>
+                <a:schemeClr val="accent2"/>
+              </a:buClr>
+              <a:buFont typeface="Wingdings" pitchFamily="2" charset="2"/>
+              <a:buChar char="§"/>
+              <a:tabLst/>
+              <a:defRPr sz="2200" kern="1200">
+                <a:solidFill>
+                  <a:schemeClr val="tx1"/>
+                </a:solidFill>
+                <a:latin typeface="+mn-lt"/>
+                <a:ea typeface="Open Sans" panose="020B0606030504020204" pitchFamily="34" charset="0"/>
+                <a:cs typeface="Open Sans" panose="020B0606030504020204" pitchFamily="34" charset="0"/>
+              </a:defRPr>
+            </a:lvl2pPr>
+            <a:lvl3pPr marL="1143000" indent="-228600" algn="l" defTabSz="914400" rtl="0" eaLnBrk="1" latinLnBrk="0" hangingPunct="1">
+              <a:lnSpc>
+                <a:spcPct val="90000"/>
+              </a:lnSpc>
+              <a:spcBef>
+                <a:spcPts val="600"/>
+              </a:spcBef>
+              <a:spcAft>
+                <a:spcPts val="600"/>
+              </a:spcAft>
+              <a:buClr>
+                <a:schemeClr val="accent2"/>
+              </a:buClr>
+              <a:buFont typeface="Wingdings" pitchFamily="2" charset="2"/>
+              <a:buChar char="§"/>
+              <a:defRPr sz="2000" kern="1200">
+                <a:solidFill>
+                  <a:schemeClr val="tx1"/>
+                </a:solidFill>
+                <a:latin typeface="+mn-lt"/>
+                <a:ea typeface="Open Sans" panose="020B0606030504020204" pitchFamily="34" charset="0"/>
+                <a:cs typeface="Open Sans" panose="020B0606030504020204" pitchFamily="34" charset="0"/>
+              </a:defRPr>
+            </a:lvl3pPr>
+            <a:lvl4pPr marL="1600200" indent="-228600" algn="l" defTabSz="914400" rtl="0" eaLnBrk="1" latinLnBrk="0" hangingPunct="1">
+              <a:lnSpc>
+                <a:spcPct val="90000"/>
+              </a:lnSpc>
+              <a:spcBef>
+                <a:spcPts val="600"/>
+              </a:spcBef>
+              <a:spcAft>
+                <a:spcPts val="600"/>
+              </a:spcAft>
+              <a:buClr>
+                <a:schemeClr val="accent2"/>
+              </a:buClr>
+              <a:buFont typeface="Wingdings" pitchFamily="2" charset="2"/>
+              <a:buChar char="§"/>
+              <a:defRPr sz="1800" kern="1200">
+                <a:solidFill>
+                  <a:schemeClr val="tx1"/>
+                </a:solidFill>
+                <a:latin typeface="+mn-lt"/>
+                <a:ea typeface="Open Sans" panose="020B0606030504020204" pitchFamily="34" charset="0"/>
+                <a:cs typeface="Open Sans" panose="020B0606030504020204" pitchFamily="34" charset="0"/>
+              </a:defRPr>
+            </a:lvl4pPr>
+            <a:lvl5pPr marL="1960563" indent="-225425" algn="l" defTabSz="914400" rtl="0" eaLnBrk="1" latinLnBrk="0" hangingPunct="1">
+              <a:lnSpc>
+                <a:spcPct val="90000"/>
+              </a:lnSpc>
+              <a:spcBef>
+                <a:spcPts val="600"/>
+              </a:spcBef>
+              <a:spcAft>
+                <a:spcPts val="600"/>
+              </a:spcAft>
+              <a:buClr>
+                <a:schemeClr val="accent2"/>
+              </a:buClr>
+              <a:buFont typeface="Wingdings" pitchFamily="2" charset="2"/>
+              <a:buChar char="§"/>
+              <a:tabLst/>
+              <a:defRPr sz="1600" kern="1200">
+                <a:solidFill>
+                  <a:schemeClr val="tx1"/>
+                </a:solidFill>
+                <a:latin typeface="+mn-lt"/>
+                <a:ea typeface="Open Sans" panose="020B0606030504020204" pitchFamily="34" charset="0"/>
+                <a:cs typeface="Open Sans" panose="020B0606030504020204" pitchFamily="34" charset="0"/>
+              </a:defRPr>
+            </a:lvl5pPr>
+            <a:lvl6pPr marL="2514600" indent="-228600" algn="l" defTabSz="914400" rtl="0" eaLnBrk="1" latinLnBrk="0" hangingPunct="1">
+              <a:lnSpc>
+                <a:spcPct val="90000"/>
+              </a:lnSpc>
+              <a:spcBef>
+                <a:spcPts val="500"/>
+              </a:spcBef>
+              <a:buFont typeface="Arial" panose="020B0604020202020204" pitchFamily="34" charset="0"/>
+              <a:buChar char="•"/>
+              <a:defRPr sz="1800" kern="1200">
+                <a:solidFill>
+                  <a:schemeClr val="tx1"/>
+                </a:solidFill>
+                <a:latin typeface="+mn-lt"/>
+                <a:ea typeface="+mn-ea"/>
+                <a:cs typeface="+mn-cs"/>
+              </a:defRPr>
+            </a:lvl6pPr>
+            <a:lvl7pPr marL="2971800" indent="-228600" algn="l" defTabSz="914400" rtl="0" eaLnBrk="1" latinLnBrk="0" hangingPunct="1">
+              <a:lnSpc>
+                <a:spcPct val="90000"/>
+              </a:lnSpc>
+              <a:spcBef>
+                <a:spcPts val="500"/>
+              </a:spcBef>
+              <a:buFont typeface="Arial" panose="020B0604020202020204" pitchFamily="34" charset="0"/>
+              <a:buChar char="•"/>
+              <a:defRPr sz="1800" kern="1200">
+                <a:solidFill>
+                  <a:schemeClr val="tx1"/>
+                </a:solidFill>
+                <a:latin typeface="+mn-lt"/>
+                <a:ea typeface="+mn-ea"/>
+                <a:cs typeface="+mn-cs"/>
+              </a:defRPr>
+            </a:lvl7pPr>
+            <a:lvl8pPr marL="3429000" indent="-228600" algn="l" defTabSz="914400" rtl="0" eaLnBrk="1" latinLnBrk="0" hangingPunct="1">
+              <a:lnSpc>
+                <a:spcPct val="90000"/>
+              </a:lnSpc>
+              <a:spcBef>
+                <a:spcPts val="500"/>
+              </a:spcBef>
+              <a:buFont typeface="Arial" panose="020B0604020202020204" pitchFamily="34" charset="0"/>
+              <a:buChar char="•"/>
+              <a:defRPr sz="1800" kern="1200">
+                <a:solidFill>
+                  <a:schemeClr val="tx1"/>
+                </a:solidFill>
+                <a:latin typeface="+mn-lt"/>
+                <a:ea typeface="+mn-ea"/>
+                <a:cs typeface="+mn-cs"/>
+              </a:defRPr>
+            </a:lvl8pPr>
+            <a:lvl9pPr marL="3886200" indent="-228600" algn="l" defTabSz="914400" rtl="0" eaLnBrk="1" latinLnBrk="0" hangingPunct="1">
+              <a:lnSpc>
+                <a:spcPct val="90000"/>
+              </a:lnSpc>
+              <a:spcBef>
+                <a:spcPts val="500"/>
+              </a:spcBef>
+              <a:buFont typeface="Arial" panose="020B0604020202020204" pitchFamily="34" charset="0"/>
+              <a:buChar char="•"/>
+              <a:defRPr sz="1800" kern="1200">
+                <a:solidFill>
+                  <a:schemeClr val="tx1"/>
+                </a:solidFill>
+                <a:latin typeface="+mn-lt"/>
+                <a:ea typeface="+mn-ea"/>
+                <a:cs typeface="+mn-cs"/>
+              </a:defRPr>
+            </a:lvl9pPr>
+          </a:lstStyle>
+          <a:p>
+            <a:pPr marL="15875" indent="0">
+              <a:buNone/>
+            </a:pPr>
+            <a:r>
+              <a:rPr lang="en-US" sz="1400" dirty="0" err="1"/>
+              <a:t>Testiranje</a:t>
+            </a:r>
+            <a:endParaRPr lang="en-US" sz="1400" dirty="0"/>
+          </a:p>
+        </p:txBody>
+      </p:sp>
       <p:pic>
         <p:nvPicPr>
-          <p:cNvPr id="17" name="Picture 16">
-            <a:extLst>
-              <a:ext uri="{FF2B5EF4-FFF2-40B4-BE49-F238E27FC236}">
-                <a16:creationId xmlns:a16="http://schemas.microsoft.com/office/drawing/2014/main" id="{BCF86CC8-A0AF-D912-2361-C2300E32AAEC}"/>
+          <p:cNvPr id="10" name="Picture 9">
+            <a:extLst>
+              <a:ext uri="{FF2B5EF4-FFF2-40B4-BE49-F238E27FC236}">
+                <a16:creationId xmlns:a16="http://schemas.microsoft.com/office/drawing/2014/main" id="{6063B384-26BF-40EC-2FBB-8EC695653D78}"/>
               </a:ext>
             </a:extLst>
           </p:cNvPr>
@@ -12834,8 +16372,68 @@
         </p:blipFill>
         <p:spPr>
           <a:xfrm>
-            <a:off x="1122399" y="3360251"/>
-            <a:ext cx="4248150" cy="1619250"/>
+            <a:off x="1160167" y="1704824"/>
+            <a:ext cx="3242485" cy="1309687"/>
+          </a:xfrm>
+          <a:prstGeom prst="rect">
+            <a:avLst/>
+          </a:prstGeom>
+        </p:spPr>
+      </p:pic>
+      <p:pic>
+        <p:nvPicPr>
+          <p:cNvPr id="18" name="Picture 17">
+            <a:extLst>
+              <a:ext uri="{FF2B5EF4-FFF2-40B4-BE49-F238E27FC236}">
+                <a16:creationId xmlns:a16="http://schemas.microsoft.com/office/drawing/2014/main" id="{38E65383-DEAE-95FC-5550-65D7E84F371F}"/>
+              </a:ext>
+            </a:extLst>
+          </p:cNvPr>
+          <p:cNvPicPr>
+            <a:picLocks noChangeAspect="1"/>
+          </p:cNvPicPr>
+          <p:nvPr/>
+        </p:nvPicPr>
+        <p:blipFill>
+          <a:blip r:embed="rId5"/>
+          <a:stretch>
+            <a:fillRect/>
+          </a:stretch>
+        </p:blipFill>
+        <p:spPr>
+          <a:xfrm>
+            <a:off x="1160167" y="3508946"/>
+            <a:ext cx="3242485" cy="451485"/>
+          </a:xfrm>
+          <a:prstGeom prst="rect">
+            <a:avLst/>
+          </a:prstGeom>
+        </p:spPr>
+      </p:pic>
+      <p:pic>
+        <p:nvPicPr>
+          <p:cNvPr id="22" name="Picture 21">
+            <a:extLst>
+              <a:ext uri="{FF2B5EF4-FFF2-40B4-BE49-F238E27FC236}">
+                <a16:creationId xmlns:a16="http://schemas.microsoft.com/office/drawing/2014/main" id="{18CF2A17-BE9E-0B74-4140-43CD0FCAFC8D}"/>
+              </a:ext>
+            </a:extLst>
+          </p:cNvPr>
+          <p:cNvPicPr>
+            <a:picLocks noChangeAspect="1"/>
+          </p:cNvPicPr>
+          <p:nvPr/>
+        </p:nvPicPr>
+        <p:blipFill>
+          <a:blip r:embed="rId6"/>
+          <a:stretch>
+            <a:fillRect/>
+          </a:stretch>
+        </p:blipFill>
+        <p:spPr>
+          <a:xfrm>
+            <a:off x="3171492" y="4704049"/>
+            <a:ext cx="5934075" cy="457200"/>
           </a:xfrm>
           <a:prstGeom prst="rect">
             <a:avLst/>
@@ -12845,7 +16443,7 @@
     </p:spTree>
     <p:extLst>
       <p:ext uri="{BB962C8B-B14F-4D97-AF65-F5344CB8AC3E}">
-        <p14:creationId xmlns:p14="http://schemas.microsoft.com/office/powerpoint/2010/main" val="452716800"/>
+        <p14:creationId xmlns:p14="http://schemas.microsoft.com/office/powerpoint/2010/main" val="3157036729"/>
       </p:ext>
     </p:extLst>
   </p:cSld>
@@ -12863,7 +16461,7 @@
         <p:cNvPr id="1" name="">
           <a:extLst>
             <a:ext uri="{FF2B5EF4-FFF2-40B4-BE49-F238E27FC236}">
-              <a16:creationId xmlns:a16="http://schemas.microsoft.com/office/drawing/2014/main" id="{AACCDD28-BD62-549E-613A-4F3530DD382F}"/>
+              <a16:creationId xmlns:a16="http://schemas.microsoft.com/office/drawing/2014/main" id="{2F905087-E03D-F3CD-DF8D-1084AB41AEC0}"/>
             </a:ext>
           </a:extLst>
         </p:cNvPr>
@@ -12883,7 +16481,7 @@
           <p:cNvPr id="4" name="Title 1">
             <a:extLst>
               <a:ext uri="{FF2B5EF4-FFF2-40B4-BE49-F238E27FC236}">
-                <a16:creationId xmlns:a16="http://schemas.microsoft.com/office/drawing/2014/main" id="{B40B06FE-46F2-0CBA-9EFE-1103911D8E19}"/>
+                <a16:creationId xmlns:a16="http://schemas.microsoft.com/office/drawing/2014/main" id="{C39321A4-3385-D421-7A25-D7A436D8D3DF}"/>
               </a:ext>
             </a:extLst>
           </p:cNvPr>
@@ -12927,18 +16525,747 @@
           <a:p>
             <a:r>
               <a:rPr lang="en-US" dirty="0"/>
-              <a:t>GIT - NAREDBE</a:t>
+              <a:t>FLASK – JSON</a:t>
             </a:r>
             <a:endParaRPr lang="hr-HR" dirty="0"/>
+          </a:p>
+        </p:txBody>
+      </p:sp>
+      <p:sp>
+        <p:nvSpPr>
+          <p:cNvPr id="2" name="Content Placeholder 2">
+            <a:extLst>
+              <a:ext uri="{FF2B5EF4-FFF2-40B4-BE49-F238E27FC236}">
+                <a16:creationId xmlns:a16="http://schemas.microsoft.com/office/drawing/2014/main" id="{4EEF3E55-6835-0E79-9573-799DA3F905A5}"/>
+              </a:ext>
+            </a:extLst>
+          </p:cNvPr>
+          <p:cNvSpPr txBox="1">
+            <a:spLocks/>
+          </p:cNvSpPr>
+          <p:nvPr/>
+        </p:nvSpPr>
+        <p:spPr>
+          <a:xfrm>
+            <a:off x="1021629" y="1193977"/>
+            <a:ext cx="6665711" cy="1193032"/>
+          </a:xfrm>
+          <a:prstGeom prst="rect">
+            <a:avLst/>
+          </a:prstGeom>
+        </p:spPr>
+        <p:txBody>
+          <a:bodyPr vert="horz" lIns="91440" tIns="45720" rIns="91440" bIns="45720" rtlCol="0">
+            <a:noAutofit/>
+          </a:bodyPr>
+          <a:lstStyle>
+            <a:lvl1pPr marL="368300" indent="-352425" algn="l" defTabSz="914400" rtl="0" eaLnBrk="1" latinLnBrk="0" hangingPunct="1">
+              <a:lnSpc>
+                <a:spcPct val="90000"/>
+              </a:lnSpc>
+              <a:spcBef>
+                <a:spcPts val="600"/>
+              </a:spcBef>
+              <a:spcAft>
+                <a:spcPts val="600"/>
+              </a:spcAft>
+              <a:buClr>
+                <a:schemeClr val="accent2"/>
+              </a:buClr>
+              <a:buFont typeface="Wingdings" pitchFamily="2" charset="2"/>
+              <a:buChar char="§"/>
+              <a:tabLst/>
+              <a:defRPr sz="2400" kern="1200">
+                <a:solidFill>
+                  <a:schemeClr val="tx1"/>
+                </a:solidFill>
+                <a:latin typeface="+mn-lt"/>
+                <a:ea typeface="Open Sans" panose="020B0606030504020204" pitchFamily="34" charset="0"/>
+                <a:cs typeface="Open Sans" panose="020B0606030504020204" pitchFamily="34" charset="0"/>
+              </a:defRPr>
+            </a:lvl1pPr>
+            <a:lvl2pPr marL="771525" indent="-274638" algn="l" defTabSz="914400" rtl="0" eaLnBrk="1" latinLnBrk="0" hangingPunct="1">
+              <a:lnSpc>
+                <a:spcPct val="90000"/>
+              </a:lnSpc>
+              <a:spcBef>
+                <a:spcPts val="600"/>
+              </a:spcBef>
+              <a:spcAft>
+                <a:spcPts val="600"/>
+              </a:spcAft>
+              <a:buClr>
+                <a:schemeClr val="accent2"/>
+              </a:buClr>
+              <a:buFont typeface="Wingdings" pitchFamily="2" charset="2"/>
+              <a:buChar char="§"/>
+              <a:tabLst/>
+              <a:defRPr sz="2200" kern="1200">
+                <a:solidFill>
+                  <a:schemeClr val="tx1"/>
+                </a:solidFill>
+                <a:latin typeface="+mn-lt"/>
+                <a:ea typeface="Open Sans" panose="020B0606030504020204" pitchFamily="34" charset="0"/>
+                <a:cs typeface="Open Sans" panose="020B0606030504020204" pitchFamily="34" charset="0"/>
+              </a:defRPr>
+            </a:lvl2pPr>
+            <a:lvl3pPr marL="1143000" indent="-228600" algn="l" defTabSz="914400" rtl="0" eaLnBrk="1" latinLnBrk="0" hangingPunct="1">
+              <a:lnSpc>
+                <a:spcPct val="90000"/>
+              </a:lnSpc>
+              <a:spcBef>
+                <a:spcPts val="600"/>
+              </a:spcBef>
+              <a:spcAft>
+                <a:spcPts val="600"/>
+              </a:spcAft>
+              <a:buClr>
+                <a:schemeClr val="accent2"/>
+              </a:buClr>
+              <a:buFont typeface="Wingdings" pitchFamily="2" charset="2"/>
+              <a:buChar char="§"/>
+              <a:defRPr sz="2000" kern="1200">
+                <a:solidFill>
+                  <a:schemeClr val="tx1"/>
+                </a:solidFill>
+                <a:latin typeface="+mn-lt"/>
+                <a:ea typeface="Open Sans" panose="020B0606030504020204" pitchFamily="34" charset="0"/>
+                <a:cs typeface="Open Sans" panose="020B0606030504020204" pitchFamily="34" charset="0"/>
+              </a:defRPr>
+            </a:lvl3pPr>
+            <a:lvl4pPr marL="1600200" indent="-228600" algn="l" defTabSz="914400" rtl="0" eaLnBrk="1" latinLnBrk="0" hangingPunct="1">
+              <a:lnSpc>
+                <a:spcPct val="90000"/>
+              </a:lnSpc>
+              <a:spcBef>
+                <a:spcPts val="600"/>
+              </a:spcBef>
+              <a:spcAft>
+                <a:spcPts val="600"/>
+              </a:spcAft>
+              <a:buClr>
+                <a:schemeClr val="accent2"/>
+              </a:buClr>
+              <a:buFont typeface="Wingdings" pitchFamily="2" charset="2"/>
+              <a:buChar char="§"/>
+              <a:defRPr sz="1800" kern="1200">
+                <a:solidFill>
+                  <a:schemeClr val="tx1"/>
+                </a:solidFill>
+                <a:latin typeface="+mn-lt"/>
+                <a:ea typeface="Open Sans" panose="020B0606030504020204" pitchFamily="34" charset="0"/>
+                <a:cs typeface="Open Sans" panose="020B0606030504020204" pitchFamily="34" charset="0"/>
+              </a:defRPr>
+            </a:lvl4pPr>
+            <a:lvl5pPr marL="1960563" indent="-225425" algn="l" defTabSz="914400" rtl="0" eaLnBrk="1" latinLnBrk="0" hangingPunct="1">
+              <a:lnSpc>
+                <a:spcPct val="90000"/>
+              </a:lnSpc>
+              <a:spcBef>
+                <a:spcPts val="600"/>
+              </a:spcBef>
+              <a:spcAft>
+                <a:spcPts val="600"/>
+              </a:spcAft>
+              <a:buClr>
+                <a:schemeClr val="accent2"/>
+              </a:buClr>
+              <a:buFont typeface="Wingdings" pitchFamily="2" charset="2"/>
+              <a:buChar char="§"/>
+              <a:tabLst/>
+              <a:defRPr sz="1600" kern="1200">
+                <a:solidFill>
+                  <a:schemeClr val="tx1"/>
+                </a:solidFill>
+                <a:latin typeface="+mn-lt"/>
+                <a:ea typeface="Open Sans" panose="020B0606030504020204" pitchFamily="34" charset="0"/>
+                <a:cs typeface="Open Sans" panose="020B0606030504020204" pitchFamily="34" charset="0"/>
+              </a:defRPr>
+            </a:lvl5pPr>
+            <a:lvl6pPr marL="2514600" indent="-228600" algn="l" defTabSz="914400" rtl="0" eaLnBrk="1" latinLnBrk="0" hangingPunct="1">
+              <a:lnSpc>
+                <a:spcPct val="90000"/>
+              </a:lnSpc>
+              <a:spcBef>
+                <a:spcPts val="500"/>
+              </a:spcBef>
+              <a:buFont typeface="Arial" panose="020B0604020202020204" pitchFamily="34" charset="0"/>
+              <a:buChar char="•"/>
+              <a:defRPr sz="1800" kern="1200">
+                <a:solidFill>
+                  <a:schemeClr val="tx1"/>
+                </a:solidFill>
+                <a:latin typeface="+mn-lt"/>
+                <a:ea typeface="+mn-ea"/>
+                <a:cs typeface="+mn-cs"/>
+              </a:defRPr>
+            </a:lvl6pPr>
+            <a:lvl7pPr marL="2971800" indent="-228600" algn="l" defTabSz="914400" rtl="0" eaLnBrk="1" latinLnBrk="0" hangingPunct="1">
+              <a:lnSpc>
+                <a:spcPct val="90000"/>
+              </a:lnSpc>
+              <a:spcBef>
+                <a:spcPts val="500"/>
+              </a:spcBef>
+              <a:buFont typeface="Arial" panose="020B0604020202020204" pitchFamily="34" charset="0"/>
+              <a:buChar char="•"/>
+              <a:defRPr sz="1800" kern="1200">
+                <a:solidFill>
+                  <a:schemeClr val="tx1"/>
+                </a:solidFill>
+                <a:latin typeface="+mn-lt"/>
+                <a:ea typeface="+mn-ea"/>
+                <a:cs typeface="+mn-cs"/>
+              </a:defRPr>
+            </a:lvl7pPr>
+            <a:lvl8pPr marL="3429000" indent="-228600" algn="l" defTabSz="914400" rtl="0" eaLnBrk="1" latinLnBrk="0" hangingPunct="1">
+              <a:lnSpc>
+                <a:spcPct val="90000"/>
+              </a:lnSpc>
+              <a:spcBef>
+                <a:spcPts val="500"/>
+              </a:spcBef>
+              <a:buFont typeface="Arial" panose="020B0604020202020204" pitchFamily="34" charset="0"/>
+              <a:buChar char="•"/>
+              <a:defRPr sz="1800" kern="1200">
+                <a:solidFill>
+                  <a:schemeClr val="tx1"/>
+                </a:solidFill>
+                <a:latin typeface="+mn-lt"/>
+                <a:ea typeface="+mn-ea"/>
+                <a:cs typeface="+mn-cs"/>
+              </a:defRPr>
+            </a:lvl8pPr>
+            <a:lvl9pPr marL="3886200" indent="-228600" algn="l" defTabSz="914400" rtl="0" eaLnBrk="1" latinLnBrk="0" hangingPunct="1">
+              <a:lnSpc>
+                <a:spcPct val="90000"/>
+              </a:lnSpc>
+              <a:spcBef>
+                <a:spcPts val="500"/>
+              </a:spcBef>
+              <a:buFont typeface="Arial" panose="020B0604020202020204" pitchFamily="34" charset="0"/>
+              <a:buChar char="•"/>
+              <a:defRPr sz="1800" kern="1200">
+                <a:solidFill>
+                  <a:schemeClr val="tx1"/>
+                </a:solidFill>
+                <a:latin typeface="+mn-lt"/>
+                <a:ea typeface="+mn-ea"/>
+                <a:cs typeface="+mn-cs"/>
+              </a:defRPr>
+            </a:lvl9pPr>
+          </a:lstStyle>
+          <a:p>
+            <a:pPr>
+              <a:buNone/>
+            </a:pPr>
+            <a:r>
+              <a:rPr lang="hr-HR" sz="1100" dirty="0"/>
+              <a:t>📜 </a:t>
+            </a:r>
+            <a:r>
+              <a:rPr lang="hr-HR" sz="1100" b="1" dirty="0"/>
+              <a:t>Što je JSON?</a:t>
+            </a:r>
+            <a:endParaRPr lang="hr-HR" sz="1100" dirty="0"/>
+          </a:p>
+          <a:p>
+            <a:pPr>
+              <a:buFont typeface="Arial" panose="020B0604020202020204" pitchFamily="34" charset="0"/>
+              <a:buChar char="•"/>
+            </a:pPr>
+            <a:r>
+              <a:rPr lang="hr-HR" sz="1100" b="1" dirty="0"/>
+              <a:t>JSON</a:t>
+            </a:r>
+            <a:r>
+              <a:rPr lang="hr-HR" sz="1100" dirty="0"/>
+              <a:t> je skraćenica za JavaScript </a:t>
+            </a:r>
+            <a:r>
+              <a:rPr lang="hr-HR" sz="1100" dirty="0" err="1"/>
+              <a:t>Object</a:t>
+            </a:r>
+            <a:r>
+              <a:rPr lang="hr-HR" sz="1100" dirty="0"/>
+              <a:t> </a:t>
+            </a:r>
+            <a:r>
+              <a:rPr lang="hr-HR" sz="1100" dirty="0" err="1"/>
+              <a:t>Notation</a:t>
+            </a:r>
+            <a:r>
+              <a:rPr lang="hr-HR" sz="1100" dirty="0"/>
+              <a:t> – to je dugačak niz podataka u obliku teksta</a:t>
+            </a:r>
+          </a:p>
+          <a:p>
+            <a:pPr>
+              <a:buFont typeface="Arial" panose="020B0604020202020204" pitchFamily="34" charset="0"/>
+              <a:buChar char="•"/>
+            </a:pPr>
+            <a:r>
+              <a:rPr lang="hr-HR" sz="1100" dirty="0"/>
+              <a:t>Sadržaj mora slijediti točno određeni format kako bi klijent mogao razumjeti podatke</a:t>
+            </a:r>
+          </a:p>
+          <a:p>
+            <a:pPr>
+              <a:buFont typeface="Arial" panose="020B0604020202020204" pitchFamily="34" charset="0"/>
+              <a:buChar char="•"/>
+            </a:pPr>
+            <a:r>
+              <a:rPr lang="hr-HR" sz="1100" dirty="0"/>
+              <a:t>U osnovi, JSON je tekstualna reprezentacija podataka</a:t>
+            </a:r>
+          </a:p>
+        </p:txBody>
+      </p:sp>
+      <p:sp>
+        <p:nvSpPr>
+          <p:cNvPr id="7" name="Content Placeholder 2">
+            <a:extLst>
+              <a:ext uri="{FF2B5EF4-FFF2-40B4-BE49-F238E27FC236}">
+                <a16:creationId xmlns:a16="http://schemas.microsoft.com/office/drawing/2014/main" id="{39B7CD55-0A1C-A66C-45B2-569AC5EBC507}"/>
+              </a:ext>
+            </a:extLst>
+          </p:cNvPr>
+          <p:cNvSpPr txBox="1">
+            <a:spLocks/>
+          </p:cNvSpPr>
+          <p:nvPr/>
+        </p:nvSpPr>
+        <p:spPr>
+          <a:xfrm>
+            <a:off x="990600" y="2399827"/>
+            <a:ext cx="6610776" cy="3264196"/>
+          </a:xfrm>
+          <a:prstGeom prst="rect">
+            <a:avLst/>
+          </a:prstGeom>
+        </p:spPr>
+        <p:txBody>
+          <a:bodyPr vert="horz" lIns="91440" tIns="45720" rIns="91440" bIns="45720" rtlCol="0">
+            <a:noAutofit/>
+          </a:bodyPr>
+          <a:lstStyle>
+            <a:lvl1pPr marL="368300" indent="-352425" algn="l" defTabSz="914400" rtl="0" eaLnBrk="1" latinLnBrk="0" hangingPunct="1">
+              <a:lnSpc>
+                <a:spcPct val="90000"/>
+              </a:lnSpc>
+              <a:spcBef>
+                <a:spcPts val="600"/>
+              </a:spcBef>
+              <a:spcAft>
+                <a:spcPts val="600"/>
+              </a:spcAft>
+              <a:buClr>
+                <a:schemeClr val="accent2"/>
+              </a:buClr>
+              <a:buFont typeface="Wingdings" pitchFamily="2" charset="2"/>
+              <a:buChar char="§"/>
+              <a:tabLst/>
+              <a:defRPr sz="2400" kern="1200">
+                <a:solidFill>
+                  <a:schemeClr val="tx1"/>
+                </a:solidFill>
+                <a:latin typeface="+mn-lt"/>
+                <a:ea typeface="Open Sans" panose="020B0606030504020204" pitchFamily="34" charset="0"/>
+                <a:cs typeface="Open Sans" panose="020B0606030504020204" pitchFamily="34" charset="0"/>
+              </a:defRPr>
+            </a:lvl1pPr>
+            <a:lvl2pPr marL="771525" indent="-274638" algn="l" defTabSz="914400" rtl="0" eaLnBrk="1" latinLnBrk="0" hangingPunct="1">
+              <a:lnSpc>
+                <a:spcPct val="90000"/>
+              </a:lnSpc>
+              <a:spcBef>
+                <a:spcPts val="600"/>
+              </a:spcBef>
+              <a:spcAft>
+                <a:spcPts val="600"/>
+              </a:spcAft>
+              <a:buClr>
+                <a:schemeClr val="accent2"/>
+              </a:buClr>
+              <a:buFont typeface="Wingdings" pitchFamily="2" charset="2"/>
+              <a:buChar char="§"/>
+              <a:tabLst/>
+              <a:defRPr sz="2200" kern="1200">
+                <a:solidFill>
+                  <a:schemeClr val="tx1"/>
+                </a:solidFill>
+                <a:latin typeface="+mn-lt"/>
+                <a:ea typeface="Open Sans" panose="020B0606030504020204" pitchFamily="34" charset="0"/>
+                <a:cs typeface="Open Sans" panose="020B0606030504020204" pitchFamily="34" charset="0"/>
+              </a:defRPr>
+            </a:lvl2pPr>
+            <a:lvl3pPr marL="1143000" indent="-228600" algn="l" defTabSz="914400" rtl="0" eaLnBrk="1" latinLnBrk="0" hangingPunct="1">
+              <a:lnSpc>
+                <a:spcPct val="90000"/>
+              </a:lnSpc>
+              <a:spcBef>
+                <a:spcPts val="600"/>
+              </a:spcBef>
+              <a:spcAft>
+                <a:spcPts val="600"/>
+              </a:spcAft>
+              <a:buClr>
+                <a:schemeClr val="accent2"/>
+              </a:buClr>
+              <a:buFont typeface="Wingdings" pitchFamily="2" charset="2"/>
+              <a:buChar char="§"/>
+              <a:defRPr sz="2000" kern="1200">
+                <a:solidFill>
+                  <a:schemeClr val="tx1"/>
+                </a:solidFill>
+                <a:latin typeface="+mn-lt"/>
+                <a:ea typeface="Open Sans" panose="020B0606030504020204" pitchFamily="34" charset="0"/>
+                <a:cs typeface="Open Sans" panose="020B0606030504020204" pitchFamily="34" charset="0"/>
+              </a:defRPr>
+            </a:lvl3pPr>
+            <a:lvl4pPr marL="1600200" indent="-228600" algn="l" defTabSz="914400" rtl="0" eaLnBrk="1" latinLnBrk="0" hangingPunct="1">
+              <a:lnSpc>
+                <a:spcPct val="90000"/>
+              </a:lnSpc>
+              <a:spcBef>
+                <a:spcPts val="600"/>
+              </a:spcBef>
+              <a:spcAft>
+                <a:spcPts val="600"/>
+              </a:spcAft>
+              <a:buClr>
+                <a:schemeClr val="accent2"/>
+              </a:buClr>
+              <a:buFont typeface="Wingdings" pitchFamily="2" charset="2"/>
+              <a:buChar char="§"/>
+              <a:defRPr sz="1800" kern="1200">
+                <a:solidFill>
+                  <a:schemeClr val="tx1"/>
+                </a:solidFill>
+                <a:latin typeface="+mn-lt"/>
+                <a:ea typeface="Open Sans" panose="020B0606030504020204" pitchFamily="34" charset="0"/>
+                <a:cs typeface="Open Sans" panose="020B0606030504020204" pitchFamily="34" charset="0"/>
+              </a:defRPr>
+            </a:lvl4pPr>
+            <a:lvl5pPr marL="1960563" indent="-225425" algn="l" defTabSz="914400" rtl="0" eaLnBrk="1" latinLnBrk="0" hangingPunct="1">
+              <a:lnSpc>
+                <a:spcPct val="90000"/>
+              </a:lnSpc>
+              <a:spcBef>
+                <a:spcPts val="600"/>
+              </a:spcBef>
+              <a:spcAft>
+                <a:spcPts val="600"/>
+              </a:spcAft>
+              <a:buClr>
+                <a:schemeClr val="accent2"/>
+              </a:buClr>
+              <a:buFont typeface="Wingdings" pitchFamily="2" charset="2"/>
+              <a:buChar char="§"/>
+              <a:tabLst/>
+              <a:defRPr sz="1600" kern="1200">
+                <a:solidFill>
+                  <a:schemeClr val="tx1"/>
+                </a:solidFill>
+                <a:latin typeface="+mn-lt"/>
+                <a:ea typeface="Open Sans" panose="020B0606030504020204" pitchFamily="34" charset="0"/>
+                <a:cs typeface="Open Sans" panose="020B0606030504020204" pitchFamily="34" charset="0"/>
+              </a:defRPr>
+            </a:lvl5pPr>
+            <a:lvl6pPr marL="2514600" indent="-228600" algn="l" defTabSz="914400" rtl="0" eaLnBrk="1" latinLnBrk="0" hangingPunct="1">
+              <a:lnSpc>
+                <a:spcPct val="90000"/>
+              </a:lnSpc>
+              <a:spcBef>
+                <a:spcPts val="500"/>
+              </a:spcBef>
+              <a:buFont typeface="Arial" panose="020B0604020202020204" pitchFamily="34" charset="0"/>
+              <a:buChar char="•"/>
+              <a:defRPr sz="1800" kern="1200">
+                <a:solidFill>
+                  <a:schemeClr val="tx1"/>
+                </a:solidFill>
+                <a:latin typeface="+mn-lt"/>
+                <a:ea typeface="+mn-ea"/>
+                <a:cs typeface="+mn-cs"/>
+              </a:defRPr>
+            </a:lvl6pPr>
+            <a:lvl7pPr marL="2971800" indent="-228600" algn="l" defTabSz="914400" rtl="0" eaLnBrk="1" latinLnBrk="0" hangingPunct="1">
+              <a:lnSpc>
+                <a:spcPct val="90000"/>
+              </a:lnSpc>
+              <a:spcBef>
+                <a:spcPts val="500"/>
+              </a:spcBef>
+              <a:buFont typeface="Arial" panose="020B0604020202020204" pitchFamily="34" charset="0"/>
+              <a:buChar char="•"/>
+              <a:defRPr sz="1800" kern="1200">
+                <a:solidFill>
+                  <a:schemeClr val="tx1"/>
+                </a:solidFill>
+                <a:latin typeface="+mn-lt"/>
+                <a:ea typeface="+mn-ea"/>
+                <a:cs typeface="+mn-cs"/>
+              </a:defRPr>
+            </a:lvl7pPr>
+            <a:lvl8pPr marL="3429000" indent="-228600" algn="l" defTabSz="914400" rtl="0" eaLnBrk="1" latinLnBrk="0" hangingPunct="1">
+              <a:lnSpc>
+                <a:spcPct val="90000"/>
+              </a:lnSpc>
+              <a:spcBef>
+                <a:spcPts val="500"/>
+              </a:spcBef>
+              <a:buFont typeface="Arial" panose="020B0604020202020204" pitchFamily="34" charset="0"/>
+              <a:buChar char="•"/>
+              <a:defRPr sz="1800" kern="1200">
+                <a:solidFill>
+                  <a:schemeClr val="tx1"/>
+                </a:solidFill>
+                <a:latin typeface="+mn-lt"/>
+                <a:ea typeface="+mn-ea"/>
+                <a:cs typeface="+mn-cs"/>
+              </a:defRPr>
+            </a:lvl8pPr>
+            <a:lvl9pPr marL="3886200" indent="-228600" algn="l" defTabSz="914400" rtl="0" eaLnBrk="1" latinLnBrk="0" hangingPunct="1">
+              <a:lnSpc>
+                <a:spcPct val="90000"/>
+              </a:lnSpc>
+              <a:spcBef>
+                <a:spcPts val="500"/>
+              </a:spcBef>
+              <a:buFont typeface="Arial" panose="020B0604020202020204" pitchFamily="34" charset="0"/>
+              <a:buChar char="•"/>
+              <a:defRPr sz="1800" kern="1200">
+                <a:solidFill>
+                  <a:schemeClr val="tx1"/>
+                </a:solidFill>
+                <a:latin typeface="+mn-lt"/>
+                <a:ea typeface="+mn-ea"/>
+                <a:cs typeface="+mn-cs"/>
+              </a:defRPr>
+            </a:lvl9pPr>
+          </a:lstStyle>
+          <a:p>
+            <a:pPr>
+              <a:buNone/>
+            </a:pPr>
+            <a:r>
+              <a:rPr lang="hr-HR" sz="1100" dirty="0"/>
+              <a:t>🔑 </a:t>
+            </a:r>
+            <a:r>
+              <a:rPr lang="hr-HR" sz="1100" b="1" dirty="0"/>
+              <a:t>Struktura JSON-a</a:t>
+            </a:r>
+            <a:endParaRPr lang="hr-HR" sz="1100" dirty="0"/>
+          </a:p>
+          <a:p>
+            <a:pPr>
+              <a:buFont typeface="Arial" panose="020B0604020202020204" pitchFamily="34" charset="0"/>
+              <a:buChar char="•"/>
+            </a:pPr>
+            <a:r>
+              <a:rPr lang="hr-HR" sz="1100" dirty="0"/>
+              <a:t>JSON sadrži </a:t>
+            </a:r>
+            <a:r>
+              <a:rPr lang="hr-HR" sz="1100" b="1" dirty="0"/>
+              <a:t>ključeve</a:t>
+            </a:r>
+            <a:r>
+              <a:rPr lang="hr-HR" sz="1100" dirty="0"/>
+              <a:t> i </a:t>
+            </a:r>
+            <a:r>
+              <a:rPr lang="hr-HR" sz="1100" b="1" dirty="0"/>
+              <a:t>vrijednosti</a:t>
+            </a:r>
+            <a:r>
+              <a:rPr lang="hr-HR" sz="1100" dirty="0"/>
+              <a:t> (slično Python </a:t>
+            </a:r>
+            <a:r>
+              <a:rPr lang="hr-HR" sz="1100" dirty="0" err="1"/>
+              <a:t>dictionary</a:t>
+            </a:r>
+            <a:r>
+              <a:rPr lang="hr-HR" sz="1100" dirty="0"/>
+              <a:t>-ju) </a:t>
+            </a:r>
+          </a:p>
+          <a:p>
+            <a:pPr marL="742950" lvl="1" indent="-285750">
+              <a:buFont typeface="Arial" panose="020B0604020202020204" pitchFamily="34" charset="0"/>
+              <a:buChar char="•"/>
+            </a:pPr>
+            <a:r>
+              <a:rPr lang="hr-HR" sz="1100" dirty="0"/>
+              <a:t>Ključevi su </a:t>
+            </a:r>
+            <a:r>
+              <a:rPr lang="hr-HR" sz="1100" dirty="0" err="1"/>
+              <a:t>stringovi</a:t>
+            </a:r>
+            <a:endParaRPr lang="hr-HR" sz="1100" dirty="0"/>
+          </a:p>
+          <a:p>
+            <a:pPr marL="742950" lvl="1" indent="-285750">
+              <a:buFont typeface="Arial" panose="020B0604020202020204" pitchFamily="34" charset="0"/>
+              <a:buChar char="•"/>
+            </a:pPr>
+            <a:r>
+              <a:rPr lang="hr-HR" sz="1100" dirty="0"/>
+              <a:t>Vrijednosti mogu biti: </a:t>
+            </a:r>
+          </a:p>
+          <a:p>
+            <a:pPr marL="1143000" lvl="2" indent="-228600">
+              <a:buFont typeface="Arial" panose="020B0604020202020204" pitchFamily="34" charset="0"/>
+              <a:buChar char="•"/>
+            </a:pPr>
+            <a:r>
+              <a:rPr lang="hr-HR" sz="1100" dirty="0" err="1"/>
+              <a:t>Stringovi</a:t>
+            </a:r>
+            <a:r>
+              <a:rPr lang="hr-HR" sz="1100" dirty="0"/>
+              <a:t> (npr. "</a:t>
+            </a:r>
+            <a:r>
+              <a:rPr lang="hr-HR" sz="1100" dirty="0" err="1"/>
+              <a:t>example</a:t>
+            </a:r>
+            <a:r>
+              <a:rPr lang="hr-HR" sz="1100" dirty="0"/>
+              <a:t>")</a:t>
+            </a:r>
+          </a:p>
+          <a:p>
+            <a:pPr marL="1143000" lvl="2" indent="-228600">
+              <a:buFont typeface="Arial" panose="020B0604020202020204" pitchFamily="34" charset="0"/>
+              <a:buChar char="•"/>
+            </a:pPr>
+            <a:r>
+              <a:rPr lang="hr-HR" sz="1100" dirty="0"/>
+              <a:t>Brojevi (cijeli ili decimalni)</a:t>
+            </a:r>
+          </a:p>
+          <a:p>
+            <a:pPr marL="1143000" lvl="2" indent="-228600">
+              <a:buFont typeface="Arial" panose="020B0604020202020204" pitchFamily="34" charset="0"/>
+              <a:buChar char="•"/>
+            </a:pPr>
+            <a:r>
+              <a:rPr lang="hr-HR" sz="1100" dirty="0" err="1"/>
+              <a:t>Booleans</a:t>
+            </a:r>
+            <a:r>
+              <a:rPr lang="hr-HR" sz="1100" dirty="0"/>
+              <a:t> (</a:t>
+            </a:r>
+            <a:r>
+              <a:rPr lang="hr-HR" sz="1100" dirty="0" err="1"/>
+              <a:t>true</a:t>
+            </a:r>
+            <a:r>
+              <a:rPr lang="hr-HR" sz="1100" dirty="0"/>
+              <a:t>, </a:t>
+            </a:r>
+            <a:r>
+              <a:rPr lang="hr-HR" sz="1100" dirty="0" err="1"/>
+              <a:t>false</a:t>
+            </a:r>
+            <a:r>
+              <a:rPr lang="hr-HR" sz="1100" dirty="0"/>
+              <a:t> – u JSON-u su pisani malim slovom)</a:t>
+            </a:r>
+          </a:p>
+          <a:p>
+            <a:pPr marL="1143000" lvl="2" indent="-228600">
+              <a:buFont typeface="Arial" panose="020B0604020202020204" pitchFamily="34" charset="0"/>
+              <a:buChar char="•"/>
+            </a:pPr>
+            <a:r>
+              <a:rPr lang="hr-HR" sz="1100" dirty="0"/>
+              <a:t>Liste (</a:t>
+            </a:r>
+            <a:r>
+              <a:rPr lang="hr-HR" sz="1100" dirty="0" err="1"/>
+              <a:t>arrays</a:t>
+            </a:r>
+            <a:r>
+              <a:rPr lang="hr-HR" sz="1100" dirty="0"/>
+              <a:t>)</a:t>
+            </a:r>
+          </a:p>
+          <a:p>
+            <a:pPr marL="1143000" lvl="2" indent="-228600">
+              <a:buFont typeface="Arial" panose="020B0604020202020204" pitchFamily="34" charset="0"/>
+              <a:buChar char="•"/>
+            </a:pPr>
+            <a:r>
+              <a:rPr lang="hr-HR" sz="1100" dirty="0"/>
+              <a:t>Objekti (</a:t>
+            </a:r>
+            <a:r>
+              <a:rPr lang="hr-HR" sz="1100" dirty="0" err="1"/>
+              <a:t>nested</a:t>
+            </a:r>
+            <a:r>
+              <a:rPr lang="hr-HR" sz="1100" dirty="0"/>
+              <a:t> </a:t>
+            </a:r>
+            <a:r>
+              <a:rPr lang="hr-HR" sz="1100" dirty="0" err="1"/>
+              <a:t>dictionaries</a:t>
+            </a:r>
+            <a:r>
+              <a:rPr lang="hr-HR" sz="1100" dirty="0"/>
+              <a:t>)</a:t>
+            </a:r>
+          </a:p>
+          <a:p>
+            <a:pPr>
+              <a:buFont typeface="Arial" panose="020B0604020202020204" pitchFamily="34" charset="0"/>
+              <a:buChar char="•"/>
+            </a:pPr>
+            <a:r>
+              <a:rPr lang="hr-HR" sz="1100" dirty="0"/>
+              <a:t>Elementi se međusobno odvajaju zarezima</a:t>
+            </a:r>
+          </a:p>
+          <a:p>
+            <a:pPr>
+              <a:buFont typeface="Arial" panose="020B0604020202020204" pitchFamily="34" charset="0"/>
+              <a:buChar char="•"/>
+            </a:pPr>
+            <a:r>
+              <a:rPr lang="hr-HR" sz="1100" dirty="0"/>
+              <a:t>Redoslijed ključeva nije bitan – nije nužno da "</a:t>
+            </a:r>
+            <a:r>
+              <a:rPr lang="hr-HR" sz="1100" dirty="0" err="1"/>
+              <a:t>name</a:t>
+            </a:r>
+            <a:r>
+              <a:rPr lang="hr-HR" sz="1100" dirty="0"/>
+              <a:t>" i "age" budu istim redoslijedom</a:t>
+            </a:r>
+          </a:p>
+          <a:p>
+            <a:pPr marL="15875" indent="0">
+              <a:buNone/>
+            </a:pPr>
+            <a:endParaRPr lang="en-US" sz="1100" dirty="0"/>
           </a:p>
         </p:txBody>
       </p:sp>
       <p:pic>
         <p:nvPicPr>
-          <p:cNvPr id="3" name="Picture 2">
-            <a:extLst>
-              <a:ext uri="{FF2B5EF4-FFF2-40B4-BE49-F238E27FC236}">
-                <a16:creationId xmlns:a16="http://schemas.microsoft.com/office/drawing/2014/main" id="{C6CF8930-A3A5-990C-3A13-B8350923F12C}"/>
+          <p:cNvPr id="9" name="Picture 8">
+            <a:extLst>
+              <a:ext uri="{FF2B5EF4-FFF2-40B4-BE49-F238E27FC236}">
+                <a16:creationId xmlns:a16="http://schemas.microsoft.com/office/drawing/2014/main" id="{863CEA6B-F4B5-F714-9195-F05A2338E8A6}"/>
               </a:ext>
             </a:extLst>
           </p:cNvPr>
@@ -12955,8 +17282,8 @@
         </p:blipFill>
         <p:spPr>
           <a:xfrm>
-            <a:off x="7002900" y="1898354"/>
-            <a:ext cx="4503300" cy="2141020"/>
+            <a:off x="8676720" y="810044"/>
+            <a:ext cx="2143125" cy="2676525"/>
           </a:xfrm>
           <a:prstGeom prst="rect">
             <a:avLst/>
@@ -12965,10 +17292,10 @@
       </p:pic>
       <p:pic>
         <p:nvPicPr>
-          <p:cNvPr id="7" name="Picture 6">
-            <a:extLst>
-              <a:ext uri="{FF2B5EF4-FFF2-40B4-BE49-F238E27FC236}">
-                <a16:creationId xmlns:a16="http://schemas.microsoft.com/office/drawing/2014/main" id="{7ACA41F2-851B-EC23-481F-CBFD615A72E5}"/>
+          <p:cNvPr id="12" name="Picture 11">
+            <a:extLst>
+              <a:ext uri="{FF2B5EF4-FFF2-40B4-BE49-F238E27FC236}">
+                <a16:creationId xmlns:a16="http://schemas.microsoft.com/office/drawing/2014/main" id="{A98F2B46-5E47-17D1-B6D4-AEB3B8297750}"/>
               </a:ext>
             </a:extLst>
           </p:cNvPr>
@@ -12985,18 +17312,488 @@
         </p:blipFill>
         <p:spPr>
           <a:xfrm>
-            <a:off x="1084743" y="1898354"/>
-            <a:ext cx="5334948" cy="2078222"/>
+            <a:off x="7728815" y="4363021"/>
+            <a:ext cx="4038933" cy="315857"/>
           </a:xfrm>
           <a:prstGeom prst="rect">
             <a:avLst/>
           </a:prstGeom>
         </p:spPr>
       </p:pic>
+      <p:sp>
+        <p:nvSpPr>
+          <p:cNvPr id="13" name="Content Placeholder 2">
+            <a:extLst>
+              <a:ext uri="{FF2B5EF4-FFF2-40B4-BE49-F238E27FC236}">
+                <a16:creationId xmlns:a16="http://schemas.microsoft.com/office/drawing/2014/main" id="{6CD3A7FB-BBFC-3900-992C-10B92FFBE47A}"/>
+              </a:ext>
+            </a:extLst>
+          </p:cNvPr>
+          <p:cNvSpPr txBox="1">
+            <a:spLocks/>
+          </p:cNvSpPr>
+          <p:nvPr/>
+        </p:nvSpPr>
+        <p:spPr>
+          <a:xfrm>
+            <a:off x="9233509" y="4004901"/>
+            <a:ext cx="1175765" cy="271574"/>
+          </a:xfrm>
+          <a:prstGeom prst="rect">
+            <a:avLst/>
+          </a:prstGeom>
+        </p:spPr>
+        <p:txBody>
+          <a:bodyPr vert="horz" lIns="91440" tIns="45720" rIns="91440" bIns="45720" rtlCol="0">
+            <a:normAutofit/>
+          </a:bodyPr>
+          <a:lstStyle>
+            <a:lvl1pPr marL="368300" indent="-352425" algn="l" defTabSz="914400" rtl="0" eaLnBrk="1" latinLnBrk="0" hangingPunct="1">
+              <a:lnSpc>
+                <a:spcPct val="90000"/>
+              </a:lnSpc>
+              <a:spcBef>
+                <a:spcPts val="600"/>
+              </a:spcBef>
+              <a:spcAft>
+                <a:spcPts val="600"/>
+              </a:spcAft>
+              <a:buClr>
+                <a:schemeClr val="accent2"/>
+              </a:buClr>
+              <a:buFont typeface="Wingdings" pitchFamily="2" charset="2"/>
+              <a:buChar char="§"/>
+              <a:tabLst/>
+              <a:defRPr sz="2400" kern="1200">
+                <a:solidFill>
+                  <a:schemeClr val="tx1"/>
+                </a:solidFill>
+                <a:latin typeface="+mn-lt"/>
+                <a:ea typeface="Open Sans" panose="020B0606030504020204" pitchFamily="34" charset="0"/>
+                <a:cs typeface="Open Sans" panose="020B0606030504020204" pitchFamily="34" charset="0"/>
+              </a:defRPr>
+            </a:lvl1pPr>
+            <a:lvl2pPr marL="771525" indent="-274638" algn="l" defTabSz="914400" rtl="0" eaLnBrk="1" latinLnBrk="0" hangingPunct="1">
+              <a:lnSpc>
+                <a:spcPct val="90000"/>
+              </a:lnSpc>
+              <a:spcBef>
+                <a:spcPts val="600"/>
+              </a:spcBef>
+              <a:spcAft>
+                <a:spcPts val="600"/>
+              </a:spcAft>
+              <a:buClr>
+                <a:schemeClr val="accent2"/>
+              </a:buClr>
+              <a:buFont typeface="Wingdings" pitchFamily="2" charset="2"/>
+              <a:buChar char="§"/>
+              <a:tabLst/>
+              <a:defRPr sz="2200" kern="1200">
+                <a:solidFill>
+                  <a:schemeClr val="tx1"/>
+                </a:solidFill>
+                <a:latin typeface="+mn-lt"/>
+                <a:ea typeface="Open Sans" panose="020B0606030504020204" pitchFamily="34" charset="0"/>
+                <a:cs typeface="Open Sans" panose="020B0606030504020204" pitchFamily="34" charset="0"/>
+              </a:defRPr>
+            </a:lvl2pPr>
+            <a:lvl3pPr marL="1143000" indent="-228600" algn="l" defTabSz="914400" rtl="0" eaLnBrk="1" latinLnBrk="0" hangingPunct="1">
+              <a:lnSpc>
+                <a:spcPct val="90000"/>
+              </a:lnSpc>
+              <a:spcBef>
+                <a:spcPts val="600"/>
+              </a:spcBef>
+              <a:spcAft>
+                <a:spcPts val="600"/>
+              </a:spcAft>
+              <a:buClr>
+                <a:schemeClr val="accent2"/>
+              </a:buClr>
+              <a:buFont typeface="Wingdings" pitchFamily="2" charset="2"/>
+              <a:buChar char="§"/>
+              <a:defRPr sz="2000" kern="1200">
+                <a:solidFill>
+                  <a:schemeClr val="tx1"/>
+                </a:solidFill>
+                <a:latin typeface="+mn-lt"/>
+                <a:ea typeface="Open Sans" panose="020B0606030504020204" pitchFamily="34" charset="0"/>
+                <a:cs typeface="Open Sans" panose="020B0606030504020204" pitchFamily="34" charset="0"/>
+              </a:defRPr>
+            </a:lvl3pPr>
+            <a:lvl4pPr marL="1600200" indent="-228600" algn="l" defTabSz="914400" rtl="0" eaLnBrk="1" latinLnBrk="0" hangingPunct="1">
+              <a:lnSpc>
+                <a:spcPct val="90000"/>
+              </a:lnSpc>
+              <a:spcBef>
+                <a:spcPts val="600"/>
+              </a:spcBef>
+              <a:spcAft>
+                <a:spcPts val="600"/>
+              </a:spcAft>
+              <a:buClr>
+                <a:schemeClr val="accent2"/>
+              </a:buClr>
+              <a:buFont typeface="Wingdings" pitchFamily="2" charset="2"/>
+              <a:buChar char="§"/>
+              <a:defRPr sz="1800" kern="1200">
+                <a:solidFill>
+                  <a:schemeClr val="tx1"/>
+                </a:solidFill>
+                <a:latin typeface="+mn-lt"/>
+                <a:ea typeface="Open Sans" panose="020B0606030504020204" pitchFamily="34" charset="0"/>
+                <a:cs typeface="Open Sans" panose="020B0606030504020204" pitchFamily="34" charset="0"/>
+              </a:defRPr>
+            </a:lvl4pPr>
+            <a:lvl5pPr marL="1960563" indent="-225425" algn="l" defTabSz="914400" rtl="0" eaLnBrk="1" latinLnBrk="0" hangingPunct="1">
+              <a:lnSpc>
+                <a:spcPct val="90000"/>
+              </a:lnSpc>
+              <a:spcBef>
+                <a:spcPts val="600"/>
+              </a:spcBef>
+              <a:spcAft>
+                <a:spcPts val="600"/>
+              </a:spcAft>
+              <a:buClr>
+                <a:schemeClr val="accent2"/>
+              </a:buClr>
+              <a:buFont typeface="Wingdings" pitchFamily="2" charset="2"/>
+              <a:buChar char="§"/>
+              <a:tabLst/>
+              <a:defRPr sz="1600" kern="1200">
+                <a:solidFill>
+                  <a:schemeClr val="tx1"/>
+                </a:solidFill>
+                <a:latin typeface="+mn-lt"/>
+                <a:ea typeface="Open Sans" panose="020B0606030504020204" pitchFamily="34" charset="0"/>
+                <a:cs typeface="Open Sans" panose="020B0606030504020204" pitchFamily="34" charset="0"/>
+              </a:defRPr>
+            </a:lvl5pPr>
+            <a:lvl6pPr marL="2514600" indent="-228600" algn="l" defTabSz="914400" rtl="0" eaLnBrk="1" latinLnBrk="0" hangingPunct="1">
+              <a:lnSpc>
+                <a:spcPct val="90000"/>
+              </a:lnSpc>
+              <a:spcBef>
+                <a:spcPts val="500"/>
+              </a:spcBef>
+              <a:buFont typeface="Arial" panose="020B0604020202020204" pitchFamily="34" charset="0"/>
+              <a:buChar char="•"/>
+              <a:defRPr sz="1800" kern="1200">
+                <a:solidFill>
+                  <a:schemeClr val="tx1"/>
+                </a:solidFill>
+                <a:latin typeface="+mn-lt"/>
+                <a:ea typeface="+mn-ea"/>
+                <a:cs typeface="+mn-cs"/>
+              </a:defRPr>
+            </a:lvl6pPr>
+            <a:lvl7pPr marL="2971800" indent="-228600" algn="l" defTabSz="914400" rtl="0" eaLnBrk="1" latinLnBrk="0" hangingPunct="1">
+              <a:lnSpc>
+                <a:spcPct val="90000"/>
+              </a:lnSpc>
+              <a:spcBef>
+                <a:spcPts val="500"/>
+              </a:spcBef>
+              <a:buFont typeface="Arial" panose="020B0604020202020204" pitchFamily="34" charset="0"/>
+              <a:buChar char="•"/>
+              <a:defRPr sz="1800" kern="1200">
+                <a:solidFill>
+                  <a:schemeClr val="tx1"/>
+                </a:solidFill>
+                <a:latin typeface="+mn-lt"/>
+                <a:ea typeface="+mn-ea"/>
+                <a:cs typeface="+mn-cs"/>
+              </a:defRPr>
+            </a:lvl7pPr>
+            <a:lvl8pPr marL="3429000" indent="-228600" algn="l" defTabSz="914400" rtl="0" eaLnBrk="1" latinLnBrk="0" hangingPunct="1">
+              <a:lnSpc>
+                <a:spcPct val="90000"/>
+              </a:lnSpc>
+              <a:spcBef>
+                <a:spcPts val="500"/>
+              </a:spcBef>
+              <a:buFont typeface="Arial" panose="020B0604020202020204" pitchFamily="34" charset="0"/>
+              <a:buChar char="•"/>
+              <a:defRPr sz="1800" kern="1200">
+                <a:solidFill>
+                  <a:schemeClr val="tx1"/>
+                </a:solidFill>
+                <a:latin typeface="+mn-lt"/>
+                <a:ea typeface="+mn-ea"/>
+                <a:cs typeface="+mn-cs"/>
+              </a:defRPr>
+            </a:lvl8pPr>
+            <a:lvl9pPr marL="3886200" indent="-228600" algn="l" defTabSz="914400" rtl="0" eaLnBrk="1" latinLnBrk="0" hangingPunct="1">
+              <a:lnSpc>
+                <a:spcPct val="90000"/>
+              </a:lnSpc>
+              <a:spcBef>
+                <a:spcPts val="500"/>
+              </a:spcBef>
+              <a:buFont typeface="Arial" panose="020B0604020202020204" pitchFamily="34" charset="0"/>
+              <a:buChar char="•"/>
+              <a:defRPr sz="1800" kern="1200">
+                <a:solidFill>
+                  <a:schemeClr val="tx1"/>
+                </a:solidFill>
+                <a:latin typeface="+mn-lt"/>
+                <a:ea typeface="+mn-ea"/>
+                <a:cs typeface="+mn-cs"/>
+              </a:defRPr>
+            </a:lvl9pPr>
+          </a:lstStyle>
+          <a:p>
+            <a:pPr marL="15875" indent="0">
+              <a:buNone/>
+            </a:pPr>
+            <a:r>
+              <a:rPr lang="en-US" sz="1100" dirty="0"/>
+              <a:t>Non-Prettified</a:t>
+            </a:r>
+          </a:p>
+        </p:txBody>
+      </p:sp>
+      <p:sp>
+        <p:nvSpPr>
+          <p:cNvPr id="14" name="Content Placeholder 2">
+            <a:extLst>
+              <a:ext uri="{FF2B5EF4-FFF2-40B4-BE49-F238E27FC236}">
+                <a16:creationId xmlns:a16="http://schemas.microsoft.com/office/drawing/2014/main" id="{01219C68-7FF8-2F8A-7C35-5D410D807D7A}"/>
+              </a:ext>
+            </a:extLst>
+          </p:cNvPr>
+          <p:cNvSpPr txBox="1">
+            <a:spLocks/>
+          </p:cNvSpPr>
+          <p:nvPr/>
+        </p:nvSpPr>
+        <p:spPr>
+          <a:xfrm>
+            <a:off x="9348695" y="415091"/>
+            <a:ext cx="1175765" cy="271574"/>
+          </a:xfrm>
+          <a:prstGeom prst="rect">
+            <a:avLst/>
+          </a:prstGeom>
+        </p:spPr>
+        <p:txBody>
+          <a:bodyPr vert="horz" lIns="91440" tIns="45720" rIns="91440" bIns="45720" rtlCol="0">
+            <a:normAutofit/>
+          </a:bodyPr>
+          <a:lstStyle>
+            <a:lvl1pPr marL="368300" indent="-352425" algn="l" defTabSz="914400" rtl="0" eaLnBrk="1" latinLnBrk="0" hangingPunct="1">
+              <a:lnSpc>
+                <a:spcPct val="90000"/>
+              </a:lnSpc>
+              <a:spcBef>
+                <a:spcPts val="600"/>
+              </a:spcBef>
+              <a:spcAft>
+                <a:spcPts val="600"/>
+              </a:spcAft>
+              <a:buClr>
+                <a:schemeClr val="accent2"/>
+              </a:buClr>
+              <a:buFont typeface="Wingdings" pitchFamily="2" charset="2"/>
+              <a:buChar char="§"/>
+              <a:tabLst/>
+              <a:defRPr sz="2400" kern="1200">
+                <a:solidFill>
+                  <a:schemeClr val="tx1"/>
+                </a:solidFill>
+                <a:latin typeface="+mn-lt"/>
+                <a:ea typeface="Open Sans" panose="020B0606030504020204" pitchFamily="34" charset="0"/>
+                <a:cs typeface="Open Sans" panose="020B0606030504020204" pitchFamily="34" charset="0"/>
+              </a:defRPr>
+            </a:lvl1pPr>
+            <a:lvl2pPr marL="771525" indent="-274638" algn="l" defTabSz="914400" rtl="0" eaLnBrk="1" latinLnBrk="0" hangingPunct="1">
+              <a:lnSpc>
+                <a:spcPct val="90000"/>
+              </a:lnSpc>
+              <a:spcBef>
+                <a:spcPts val="600"/>
+              </a:spcBef>
+              <a:spcAft>
+                <a:spcPts val="600"/>
+              </a:spcAft>
+              <a:buClr>
+                <a:schemeClr val="accent2"/>
+              </a:buClr>
+              <a:buFont typeface="Wingdings" pitchFamily="2" charset="2"/>
+              <a:buChar char="§"/>
+              <a:tabLst/>
+              <a:defRPr sz="2200" kern="1200">
+                <a:solidFill>
+                  <a:schemeClr val="tx1"/>
+                </a:solidFill>
+                <a:latin typeface="+mn-lt"/>
+                <a:ea typeface="Open Sans" panose="020B0606030504020204" pitchFamily="34" charset="0"/>
+                <a:cs typeface="Open Sans" panose="020B0606030504020204" pitchFamily="34" charset="0"/>
+              </a:defRPr>
+            </a:lvl2pPr>
+            <a:lvl3pPr marL="1143000" indent="-228600" algn="l" defTabSz="914400" rtl="0" eaLnBrk="1" latinLnBrk="0" hangingPunct="1">
+              <a:lnSpc>
+                <a:spcPct val="90000"/>
+              </a:lnSpc>
+              <a:spcBef>
+                <a:spcPts val="600"/>
+              </a:spcBef>
+              <a:spcAft>
+                <a:spcPts val="600"/>
+              </a:spcAft>
+              <a:buClr>
+                <a:schemeClr val="accent2"/>
+              </a:buClr>
+              <a:buFont typeface="Wingdings" pitchFamily="2" charset="2"/>
+              <a:buChar char="§"/>
+              <a:defRPr sz="2000" kern="1200">
+                <a:solidFill>
+                  <a:schemeClr val="tx1"/>
+                </a:solidFill>
+                <a:latin typeface="+mn-lt"/>
+                <a:ea typeface="Open Sans" panose="020B0606030504020204" pitchFamily="34" charset="0"/>
+                <a:cs typeface="Open Sans" panose="020B0606030504020204" pitchFamily="34" charset="0"/>
+              </a:defRPr>
+            </a:lvl3pPr>
+            <a:lvl4pPr marL="1600200" indent="-228600" algn="l" defTabSz="914400" rtl="0" eaLnBrk="1" latinLnBrk="0" hangingPunct="1">
+              <a:lnSpc>
+                <a:spcPct val="90000"/>
+              </a:lnSpc>
+              <a:spcBef>
+                <a:spcPts val="600"/>
+              </a:spcBef>
+              <a:spcAft>
+                <a:spcPts val="600"/>
+              </a:spcAft>
+              <a:buClr>
+                <a:schemeClr val="accent2"/>
+              </a:buClr>
+              <a:buFont typeface="Wingdings" pitchFamily="2" charset="2"/>
+              <a:buChar char="§"/>
+              <a:defRPr sz="1800" kern="1200">
+                <a:solidFill>
+                  <a:schemeClr val="tx1"/>
+                </a:solidFill>
+                <a:latin typeface="+mn-lt"/>
+                <a:ea typeface="Open Sans" panose="020B0606030504020204" pitchFamily="34" charset="0"/>
+                <a:cs typeface="Open Sans" panose="020B0606030504020204" pitchFamily="34" charset="0"/>
+              </a:defRPr>
+            </a:lvl4pPr>
+            <a:lvl5pPr marL="1960563" indent="-225425" algn="l" defTabSz="914400" rtl="0" eaLnBrk="1" latinLnBrk="0" hangingPunct="1">
+              <a:lnSpc>
+                <a:spcPct val="90000"/>
+              </a:lnSpc>
+              <a:spcBef>
+                <a:spcPts val="600"/>
+              </a:spcBef>
+              <a:spcAft>
+                <a:spcPts val="600"/>
+              </a:spcAft>
+              <a:buClr>
+                <a:schemeClr val="accent2"/>
+              </a:buClr>
+              <a:buFont typeface="Wingdings" pitchFamily="2" charset="2"/>
+              <a:buChar char="§"/>
+              <a:tabLst/>
+              <a:defRPr sz="1600" kern="1200">
+                <a:solidFill>
+                  <a:schemeClr val="tx1"/>
+                </a:solidFill>
+                <a:latin typeface="+mn-lt"/>
+                <a:ea typeface="Open Sans" panose="020B0606030504020204" pitchFamily="34" charset="0"/>
+                <a:cs typeface="Open Sans" panose="020B0606030504020204" pitchFamily="34" charset="0"/>
+              </a:defRPr>
+            </a:lvl5pPr>
+            <a:lvl6pPr marL="2514600" indent="-228600" algn="l" defTabSz="914400" rtl="0" eaLnBrk="1" latinLnBrk="0" hangingPunct="1">
+              <a:lnSpc>
+                <a:spcPct val="90000"/>
+              </a:lnSpc>
+              <a:spcBef>
+                <a:spcPts val="500"/>
+              </a:spcBef>
+              <a:buFont typeface="Arial" panose="020B0604020202020204" pitchFamily="34" charset="0"/>
+              <a:buChar char="•"/>
+              <a:defRPr sz="1800" kern="1200">
+                <a:solidFill>
+                  <a:schemeClr val="tx1"/>
+                </a:solidFill>
+                <a:latin typeface="+mn-lt"/>
+                <a:ea typeface="+mn-ea"/>
+                <a:cs typeface="+mn-cs"/>
+              </a:defRPr>
+            </a:lvl6pPr>
+            <a:lvl7pPr marL="2971800" indent="-228600" algn="l" defTabSz="914400" rtl="0" eaLnBrk="1" latinLnBrk="0" hangingPunct="1">
+              <a:lnSpc>
+                <a:spcPct val="90000"/>
+              </a:lnSpc>
+              <a:spcBef>
+                <a:spcPts val="500"/>
+              </a:spcBef>
+              <a:buFont typeface="Arial" panose="020B0604020202020204" pitchFamily="34" charset="0"/>
+              <a:buChar char="•"/>
+              <a:defRPr sz="1800" kern="1200">
+                <a:solidFill>
+                  <a:schemeClr val="tx1"/>
+                </a:solidFill>
+                <a:latin typeface="+mn-lt"/>
+                <a:ea typeface="+mn-ea"/>
+                <a:cs typeface="+mn-cs"/>
+              </a:defRPr>
+            </a:lvl7pPr>
+            <a:lvl8pPr marL="3429000" indent="-228600" algn="l" defTabSz="914400" rtl="0" eaLnBrk="1" latinLnBrk="0" hangingPunct="1">
+              <a:lnSpc>
+                <a:spcPct val="90000"/>
+              </a:lnSpc>
+              <a:spcBef>
+                <a:spcPts val="500"/>
+              </a:spcBef>
+              <a:buFont typeface="Arial" panose="020B0604020202020204" pitchFamily="34" charset="0"/>
+              <a:buChar char="•"/>
+              <a:defRPr sz="1800" kern="1200">
+                <a:solidFill>
+                  <a:schemeClr val="tx1"/>
+                </a:solidFill>
+                <a:latin typeface="+mn-lt"/>
+                <a:ea typeface="+mn-ea"/>
+                <a:cs typeface="+mn-cs"/>
+              </a:defRPr>
+            </a:lvl8pPr>
+            <a:lvl9pPr marL="3886200" indent="-228600" algn="l" defTabSz="914400" rtl="0" eaLnBrk="1" latinLnBrk="0" hangingPunct="1">
+              <a:lnSpc>
+                <a:spcPct val="90000"/>
+              </a:lnSpc>
+              <a:spcBef>
+                <a:spcPts val="500"/>
+              </a:spcBef>
+              <a:buFont typeface="Arial" panose="020B0604020202020204" pitchFamily="34" charset="0"/>
+              <a:buChar char="•"/>
+              <a:defRPr sz="1800" kern="1200">
+                <a:solidFill>
+                  <a:schemeClr val="tx1"/>
+                </a:solidFill>
+                <a:latin typeface="+mn-lt"/>
+                <a:ea typeface="+mn-ea"/>
+                <a:cs typeface="+mn-cs"/>
+              </a:defRPr>
+            </a:lvl9pPr>
+          </a:lstStyle>
+          <a:p>
+            <a:pPr marL="15875" indent="0">
+              <a:buNone/>
+            </a:pPr>
+            <a:r>
+              <a:rPr lang="en-US" sz="1100" dirty="0"/>
+              <a:t>Prettified</a:t>
+            </a:r>
+          </a:p>
+        </p:txBody>
+      </p:sp>
     </p:spTree>
     <p:extLst>
       <p:ext uri="{BB962C8B-B14F-4D97-AF65-F5344CB8AC3E}">
-        <p14:creationId xmlns:p14="http://schemas.microsoft.com/office/powerpoint/2010/main" val="3858692732"/>
+        <p14:creationId xmlns:p14="http://schemas.microsoft.com/office/powerpoint/2010/main" val="964795369"/>
       </p:ext>
     </p:extLst>
   </p:cSld>
@@ -13014,7 +17811,7 @@
         <p:cNvPr id="1" name="">
           <a:extLst>
             <a:ext uri="{FF2B5EF4-FFF2-40B4-BE49-F238E27FC236}">
-              <a16:creationId xmlns:a16="http://schemas.microsoft.com/office/drawing/2014/main" id="{AEFC9E75-FB03-4359-B4DA-07865648DD12}"/>
+              <a16:creationId xmlns:a16="http://schemas.microsoft.com/office/drawing/2014/main" id="{146C9A49-AE0C-3B4D-F76C-D7BEE8618A10}"/>
             </a:ext>
           </a:extLst>
         </p:cNvPr>
@@ -13031,40 +17828,54 @@
       </p:grpSpPr>
       <p:sp>
         <p:nvSpPr>
-          <p:cNvPr id="2" name="Title 1">
-            <a:extLst>
-              <a:ext uri="{FF2B5EF4-FFF2-40B4-BE49-F238E27FC236}">
-                <a16:creationId xmlns:a16="http://schemas.microsoft.com/office/drawing/2014/main" id="{3340B9D3-F8A7-6013-D8AF-3E8C962C6BA8}"/>
-              </a:ext>
-            </a:extLst>
-          </p:cNvPr>
-          <p:cNvSpPr>
-            <a:spLocks noGrp="1"/>
+          <p:cNvPr id="4" name="Title 1">
+            <a:extLst>
+              <a:ext uri="{FF2B5EF4-FFF2-40B4-BE49-F238E27FC236}">
+                <a16:creationId xmlns:a16="http://schemas.microsoft.com/office/drawing/2014/main" id="{36477730-0B0B-0F2C-8F52-815A41D29118}"/>
+              </a:ext>
+            </a:extLst>
+          </p:cNvPr>
+          <p:cNvSpPr txBox="1">
+            <a:spLocks/>
           </p:cNvSpPr>
-          <p:nvPr>
-            <p:ph type="title"/>
-          </p:nvPr>
+          <p:nvPr/>
         </p:nvSpPr>
-        <p:spPr/>
+        <p:spPr>
+          <a:xfrm>
+            <a:off x="990600" y="383056"/>
+            <a:ext cx="10515600" cy="853976"/>
+          </a:xfrm>
+          <a:prstGeom prst="rect">
+            <a:avLst/>
+          </a:prstGeom>
+        </p:spPr>
         <p:txBody>
-          <a:bodyPr/>
-          <a:lstStyle/>
+          <a:bodyPr vert="horz" lIns="91440" tIns="45720" rIns="91440" bIns="45720" rtlCol="0" anchor="ctr">
+            <a:normAutofit/>
+          </a:bodyPr>
+          <a:lstStyle>
+            <a:lvl1pPr algn="l" defTabSz="914400" rtl="0" eaLnBrk="1" latinLnBrk="0" hangingPunct="1">
+              <a:lnSpc>
+                <a:spcPct val="90000"/>
+              </a:lnSpc>
+              <a:spcBef>
+                <a:spcPct val="0"/>
+              </a:spcBef>
+              <a:buNone/>
+              <a:defRPr sz="3600" b="1" i="0" kern="1200" cap="all" baseline="0">
+                <a:solidFill>
+                  <a:schemeClr val="tx2"/>
+                </a:solidFill>
+                <a:latin typeface="+mj-lt"/>
+                <a:ea typeface="Open Sans Semibold" panose="020B0606030504020204" pitchFamily="34" charset="0"/>
+                <a:cs typeface="Open Sans Semibold" panose="020B0606030504020204" pitchFamily="34" charset="0"/>
+              </a:defRPr>
+            </a:lvl1pPr>
+          </a:lstStyle>
           <a:p>
             <a:r>
               <a:rPr lang="en-US" dirty="0"/>
-              <a:t>VJE</a:t>
-            </a:r>
-            <a:r>
-              <a:rPr lang="hr-HR" dirty="0"/>
-              <a:t>ž</a:t>
-            </a:r>
-            <a:r>
-              <a:rPr lang="en-US" dirty="0" err="1"/>
-              <a:t>ba</a:t>
-            </a:r>
-            <a:r>
-              <a:rPr lang="en-US" dirty="0"/>
-              <a:t> - FORK</a:t>
+              <a:t>FLASK – INSOMIA</a:t>
             </a:r>
             <a:endParaRPr lang="hr-HR" dirty="0"/>
           </a:p>
@@ -13072,95 +17883,308 @@
       </p:sp>
       <p:sp>
         <p:nvSpPr>
-          <p:cNvPr id="6" name="Text Placeholder 5">
-            <a:extLst>
-              <a:ext uri="{FF2B5EF4-FFF2-40B4-BE49-F238E27FC236}">
-                <a16:creationId xmlns:a16="http://schemas.microsoft.com/office/drawing/2014/main" id="{CE3F6313-82A8-99C0-047F-B098C246A07B}"/>
-              </a:ext>
-            </a:extLst>
-          </p:cNvPr>
-          <p:cNvSpPr>
-            <a:spLocks noGrp="1"/>
+          <p:cNvPr id="3" name="Content Placeholder 2">
+            <a:extLst>
+              <a:ext uri="{FF2B5EF4-FFF2-40B4-BE49-F238E27FC236}">
+                <a16:creationId xmlns:a16="http://schemas.microsoft.com/office/drawing/2014/main" id="{DAAC0674-AEB3-3CC5-0989-1ED14A6546DE}"/>
+              </a:ext>
+            </a:extLst>
+          </p:cNvPr>
+          <p:cNvSpPr txBox="1">
+            <a:spLocks/>
           </p:cNvSpPr>
-          <p:nvPr>
-            <p:ph type="body" sz="half" idx="2"/>
-          </p:nvPr>
+          <p:nvPr/>
         </p:nvSpPr>
-        <p:spPr/>
+        <p:spPr>
+          <a:xfrm>
+            <a:off x="1124836" y="2049847"/>
+            <a:ext cx="8262365" cy="1961707"/>
+          </a:xfrm>
+          <a:prstGeom prst="rect">
+            <a:avLst/>
+          </a:prstGeom>
+        </p:spPr>
         <p:txBody>
-          <a:bodyPr/>
-          <a:lstStyle/>
-          <a:p>
-            <a:r>
-              <a:rPr lang="hr-HR" dirty="0"/>
-              <a:t>✅ Kreirati lokalni </a:t>
-            </a:r>
-            <a:r>
-              <a:rPr lang="hr-HR" dirty="0" err="1"/>
-              <a:t>Git</a:t>
-            </a:r>
-            <a:r>
-              <a:rPr lang="hr-HR" dirty="0"/>
-              <a:t> repozitorij</a:t>
-            </a:r>
-            <a:br>
-              <a:rPr lang="hr-HR" dirty="0"/>
-            </a:br>
-            <a:r>
-              <a:rPr lang="hr-HR" dirty="0"/>
-              <a:t>✅ Dodavati i </a:t>
-            </a:r>
-            <a:r>
-              <a:rPr lang="hr-HR" dirty="0" err="1"/>
-              <a:t>commit</a:t>
-            </a:r>
-            <a:r>
-              <a:rPr lang="hr-HR" dirty="0"/>
-              <a:t>-ati promjene</a:t>
-            </a:r>
-            <a:br>
-              <a:rPr lang="hr-HR" dirty="0"/>
-            </a:br>
-            <a:r>
-              <a:rPr lang="hr-HR" dirty="0"/>
-              <a:t>✅ Pregledati povijest </a:t>
-            </a:r>
-            <a:r>
-              <a:rPr lang="hr-HR" dirty="0" err="1"/>
-              <a:t>commitova</a:t>
-            </a:r>
-            <a:br>
-              <a:rPr lang="hr-HR" dirty="0"/>
-            </a:br>
-            <a:r>
-              <a:rPr lang="hr-HR" dirty="0"/>
-              <a:t>✅ Vratiti se na prethodne verzije</a:t>
-            </a:r>
-            <a:br>
-              <a:rPr lang="hr-HR" dirty="0"/>
-            </a:br>
-            <a:r>
-              <a:rPr lang="hr-HR" dirty="0"/>
-              <a:t>✅ Raditi s udaljenim repozitorijem na </a:t>
-            </a:r>
-            <a:r>
-              <a:rPr lang="hr-HR" dirty="0" err="1"/>
-              <a:t>GitHub</a:t>
-            </a:r>
-            <a:r>
-              <a:rPr lang="hr-HR" dirty="0"/>
-              <a:t>-u</a:t>
-            </a:r>
-            <a:endParaRPr lang="en-US" dirty="0"/>
+          <a:bodyPr vert="horz" lIns="91440" tIns="45720" rIns="91440" bIns="45720" rtlCol="0">
+            <a:noAutofit/>
+          </a:bodyPr>
+          <a:lstStyle>
+            <a:lvl1pPr marL="368300" indent="-352425" algn="l" defTabSz="914400" rtl="0" eaLnBrk="1" latinLnBrk="0" hangingPunct="1">
+              <a:lnSpc>
+                <a:spcPct val="90000"/>
+              </a:lnSpc>
+              <a:spcBef>
+                <a:spcPts val="600"/>
+              </a:spcBef>
+              <a:spcAft>
+                <a:spcPts val="600"/>
+              </a:spcAft>
+              <a:buClr>
+                <a:schemeClr val="accent2"/>
+              </a:buClr>
+              <a:buFont typeface="Wingdings" pitchFamily="2" charset="2"/>
+              <a:buChar char="§"/>
+              <a:tabLst/>
+              <a:defRPr sz="2400" kern="1200">
+                <a:solidFill>
+                  <a:schemeClr val="tx1"/>
+                </a:solidFill>
+                <a:latin typeface="+mn-lt"/>
+                <a:ea typeface="Open Sans" panose="020B0606030504020204" pitchFamily="34" charset="0"/>
+                <a:cs typeface="Open Sans" panose="020B0606030504020204" pitchFamily="34" charset="0"/>
+              </a:defRPr>
+            </a:lvl1pPr>
+            <a:lvl2pPr marL="771525" indent="-274638" algn="l" defTabSz="914400" rtl="0" eaLnBrk="1" latinLnBrk="0" hangingPunct="1">
+              <a:lnSpc>
+                <a:spcPct val="90000"/>
+              </a:lnSpc>
+              <a:spcBef>
+                <a:spcPts val="600"/>
+              </a:spcBef>
+              <a:spcAft>
+                <a:spcPts val="600"/>
+              </a:spcAft>
+              <a:buClr>
+                <a:schemeClr val="accent2"/>
+              </a:buClr>
+              <a:buFont typeface="Wingdings" pitchFamily="2" charset="2"/>
+              <a:buChar char="§"/>
+              <a:tabLst/>
+              <a:defRPr sz="2200" kern="1200">
+                <a:solidFill>
+                  <a:schemeClr val="tx1"/>
+                </a:solidFill>
+                <a:latin typeface="+mn-lt"/>
+                <a:ea typeface="Open Sans" panose="020B0606030504020204" pitchFamily="34" charset="0"/>
+                <a:cs typeface="Open Sans" panose="020B0606030504020204" pitchFamily="34" charset="0"/>
+              </a:defRPr>
+            </a:lvl2pPr>
+            <a:lvl3pPr marL="1143000" indent="-228600" algn="l" defTabSz="914400" rtl="0" eaLnBrk="1" latinLnBrk="0" hangingPunct="1">
+              <a:lnSpc>
+                <a:spcPct val="90000"/>
+              </a:lnSpc>
+              <a:spcBef>
+                <a:spcPts val="600"/>
+              </a:spcBef>
+              <a:spcAft>
+                <a:spcPts val="600"/>
+              </a:spcAft>
+              <a:buClr>
+                <a:schemeClr val="accent2"/>
+              </a:buClr>
+              <a:buFont typeface="Wingdings" pitchFamily="2" charset="2"/>
+              <a:buChar char="§"/>
+              <a:defRPr sz="2000" kern="1200">
+                <a:solidFill>
+                  <a:schemeClr val="tx1"/>
+                </a:solidFill>
+                <a:latin typeface="+mn-lt"/>
+                <a:ea typeface="Open Sans" panose="020B0606030504020204" pitchFamily="34" charset="0"/>
+                <a:cs typeface="Open Sans" panose="020B0606030504020204" pitchFamily="34" charset="0"/>
+              </a:defRPr>
+            </a:lvl3pPr>
+            <a:lvl4pPr marL="1600200" indent="-228600" algn="l" defTabSz="914400" rtl="0" eaLnBrk="1" latinLnBrk="0" hangingPunct="1">
+              <a:lnSpc>
+                <a:spcPct val="90000"/>
+              </a:lnSpc>
+              <a:spcBef>
+                <a:spcPts val="600"/>
+              </a:spcBef>
+              <a:spcAft>
+                <a:spcPts val="600"/>
+              </a:spcAft>
+              <a:buClr>
+                <a:schemeClr val="accent2"/>
+              </a:buClr>
+              <a:buFont typeface="Wingdings" pitchFamily="2" charset="2"/>
+              <a:buChar char="§"/>
+              <a:defRPr sz="1800" kern="1200">
+                <a:solidFill>
+                  <a:schemeClr val="tx1"/>
+                </a:solidFill>
+                <a:latin typeface="+mn-lt"/>
+                <a:ea typeface="Open Sans" panose="020B0606030504020204" pitchFamily="34" charset="0"/>
+                <a:cs typeface="Open Sans" panose="020B0606030504020204" pitchFamily="34" charset="0"/>
+              </a:defRPr>
+            </a:lvl4pPr>
+            <a:lvl5pPr marL="1960563" indent="-225425" algn="l" defTabSz="914400" rtl="0" eaLnBrk="1" latinLnBrk="0" hangingPunct="1">
+              <a:lnSpc>
+                <a:spcPct val="90000"/>
+              </a:lnSpc>
+              <a:spcBef>
+                <a:spcPts val="600"/>
+              </a:spcBef>
+              <a:spcAft>
+                <a:spcPts val="600"/>
+              </a:spcAft>
+              <a:buClr>
+                <a:schemeClr val="accent2"/>
+              </a:buClr>
+              <a:buFont typeface="Wingdings" pitchFamily="2" charset="2"/>
+              <a:buChar char="§"/>
+              <a:tabLst/>
+              <a:defRPr sz="1600" kern="1200">
+                <a:solidFill>
+                  <a:schemeClr val="tx1"/>
+                </a:solidFill>
+                <a:latin typeface="+mn-lt"/>
+                <a:ea typeface="Open Sans" panose="020B0606030504020204" pitchFamily="34" charset="0"/>
+                <a:cs typeface="Open Sans" panose="020B0606030504020204" pitchFamily="34" charset="0"/>
+              </a:defRPr>
+            </a:lvl5pPr>
+            <a:lvl6pPr marL="2514600" indent="-228600" algn="l" defTabSz="914400" rtl="0" eaLnBrk="1" latinLnBrk="0" hangingPunct="1">
+              <a:lnSpc>
+                <a:spcPct val="90000"/>
+              </a:lnSpc>
+              <a:spcBef>
+                <a:spcPts val="500"/>
+              </a:spcBef>
+              <a:buFont typeface="Arial" panose="020B0604020202020204" pitchFamily="34" charset="0"/>
+              <a:buChar char="•"/>
+              <a:defRPr sz="1800" kern="1200">
+                <a:solidFill>
+                  <a:schemeClr val="tx1"/>
+                </a:solidFill>
+                <a:latin typeface="+mn-lt"/>
+                <a:ea typeface="+mn-ea"/>
+                <a:cs typeface="+mn-cs"/>
+              </a:defRPr>
+            </a:lvl6pPr>
+            <a:lvl7pPr marL="2971800" indent="-228600" algn="l" defTabSz="914400" rtl="0" eaLnBrk="1" latinLnBrk="0" hangingPunct="1">
+              <a:lnSpc>
+                <a:spcPct val="90000"/>
+              </a:lnSpc>
+              <a:spcBef>
+                <a:spcPts val="500"/>
+              </a:spcBef>
+              <a:buFont typeface="Arial" panose="020B0604020202020204" pitchFamily="34" charset="0"/>
+              <a:buChar char="•"/>
+              <a:defRPr sz="1800" kern="1200">
+                <a:solidFill>
+                  <a:schemeClr val="tx1"/>
+                </a:solidFill>
+                <a:latin typeface="+mn-lt"/>
+                <a:ea typeface="+mn-ea"/>
+                <a:cs typeface="+mn-cs"/>
+              </a:defRPr>
+            </a:lvl7pPr>
+            <a:lvl8pPr marL="3429000" indent="-228600" algn="l" defTabSz="914400" rtl="0" eaLnBrk="1" latinLnBrk="0" hangingPunct="1">
+              <a:lnSpc>
+                <a:spcPct val="90000"/>
+              </a:lnSpc>
+              <a:spcBef>
+                <a:spcPts val="500"/>
+              </a:spcBef>
+              <a:buFont typeface="Arial" panose="020B0604020202020204" pitchFamily="34" charset="0"/>
+              <a:buChar char="•"/>
+              <a:defRPr sz="1800" kern="1200">
+                <a:solidFill>
+                  <a:schemeClr val="tx1"/>
+                </a:solidFill>
+                <a:latin typeface="+mn-lt"/>
+                <a:ea typeface="+mn-ea"/>
+                <a:cs typeface="+mn-cs"/>
+              </a:defRPr>
+            </a:lvl8pPr>
+            <a:lvl9pPr marL="3886200" indent="-228600" algn="l" defTabSz="914400" rtl="0" eaLnBrk="1" latinLnBrk="0" hangingPunct="1">
+              <a:lnSpc>
+                <a:spcPct val="90000"/>
+              </a:lnSpc>
+              <a:spcBef>
+                <a:spcPts val="500"/>
+              </a:spcBef>
+              <a:buFont typeface="Arial" panose="020B0604020202020204" pitchFamily="34" charset="0"/>
+              <a:buChar char="•"/>
+              <a:defRPr sz="1800" kern="1200">
+                <a:solidFill>
+                  <a:schemeClr val="tx1"/>
+                </a:solidFill>
+                <a:latin typeface="+mn-lt"/>
+                <a:ea typeface="+mn-ea"/>
+                <a:cs typeface="+mn-cs"/>
+              </a:defRPr>
+            </a:lvl9pPr>
+          </a:lstStyle>
+          <a:p>
+            <a:pPr>
+              <a:buNone/>
+            </a:pPr>
+            <a:r>
+              <a:rPr lang="hr-HR" sz="1200" dirty="0"/>
+              <a:t>🧪 </a:t>
+            </a:r>
+            <a:r>
+              <a:rPr lang="hr-HR" sz="1200" b="1" dirty="0"/>
+              <a:t>Važnost testiranja</a:t>
+            </a:r>
+            <a:endParaRPr lang="hr-HR" sz="1200" dirty="0"/>
+          </a:p>
+          <a:p>
+            <a:pPr>
+              <a:buFont typeface="Arial" panose="020B0604020202020204" pitchFamily="34" charset="0"/>
+              <a:buChar char="•"/>
+            </a:pPr>
+            <a:r>
+              <a:rPr lang="hr-HR" sz="1200" dirty="0"/>
+              <a:t>Redovito testiranje API-ja je ključno za osiguranje ispravnog rada</a:t>
+            </a:r>
+          </a:p>
+          <a:p>
+            <a:pPr>
+              <a:buFont typeface="Arial" panose="020B0604020202020204" pitchFamily="34" charset="0"/>
+              <a:buChar char="•"/>
+            </a:pPr>
+            <a:r>
+              <a:rPr lang="hr-HR" sz="1200" dirty="0"/>
+              <a:t>Testiranje pomaže da provjerite da odgovori odgovaraju očekivanjima</a:t>
+            </a:r>
+          </a:p>
+          <a:p>
+            <a:pPr>
+              <a:buFont typeface="Arial" panose="020B0604020202020204" pitchFamily="34" charset="0"/>
+              <a:buChar char="•"/>
+            </a:pPr>
+            <a:r>
+              <a:rPr lang="hr-HR" sz="1200" dirty="0"/>
+              <a:t>Dva pristupa testiranju: </a:t>
+            </a:r>
+          </a:p>
+          <a:p>
+            <a:pPr marL="742950" lvl="1" indent="-285750">
+              <a:buFont typeface="Arial" panose="020B0604020202020204" pitchFamily="34" charset="0"/>
+              <a:buChar char="•"/>
+            </a:pPr>
+            <a:r>
+              <a:rPr lang="hr-HR" sz="1200" dirty="0"/>
+              <a:t>Automatizirani testovi (ne obrađujemo ih u ovom tečaju)</a:t>
+            </a:r>
+          </a:p>
+          <a:p>
+            <a:pPr marL="742950" lvl="1" indent="-285750">
+              <a:buFont typeface="Arial" panose="020B0604020202020204" pitchFamily="34" charset="0"/>
+              <a:buChar char="•"/>
+            </a:pPr>
+            <a:r>
+              <a:rPr lang="hr-HR" sz="1200" dirty="0"/>
+              <a:t>Ručno (</a:t>
+            </a:r>
+            <a:r>
+              <a:rPr lang="hr-HR" sz="1200" dirty="0" err="1"/>
+              <a:t>exploratory</a:t>
+            </a:r>
+            <a:r>
+              <a:rPr lang="hr-HR" sz="1200" dirty="0"/>
+              <a:t>) testiranje – prvo ručno, a zatim eventualno automatizirati</a:t>
+            </a:r>
           </a:p>
         </p:txBody>
       </p:sp>
       <p:pic>
         <p:nvPicPr>
-          <p:cNvPr id="5" name="Picture 4">
-            <a:extLst>
-              <a:ext uri="{FF2B5EF4-FFF2-40B4-BE49-F238E27FC236}">
-                <a16:creationId xmlns:a16="http://schemas.microsoft.com/office/drawing/2014/main" id="{F916E3A4-07CE-AA64-FCF2-51C6F3B04DEC}"/>
+          <p:cNvPr id="15" name="Picture 14">
+            <a:extLst>
+              <a:ext uri="{FF2B5EF4-FFF2-40B4-BE49-F238E27FC236}">
+                <a16:creationId xmlns:a16="http://schemas.microsoft.com/office/drawing/2014/main" id="{FA5DC9F3-C878-FE8A-A35D-EB4C92777555}"/>
               </a:ext>
             </a:extLst>
           </p:cNvPr>
@@ -13177,8 +18201,880 @@
         </p:blipFill>
         <p:spPr>
           <a:xfrm>
-            <a:off x="6574243" y="2252273"/>
-            <a:ext cx="4019550" cy="2295525"/>
+            <a:off x="3437417" y="4159752"/>
+            <a:ext cx="4122332" cy="1512984"/>
+          </a:xfrm>
+          <a:prstGeom prst="rect">
+            <a:avLst/>
+          </a:prstGeom>
+        </p:spPr>
+      </p:pic>
+      <p:sp>
+        <p:nvSpPr>
+          <p:cNvPr id="16" name="Content Placeholder 2">
+            <a:extLst>
+              <a:ext uri="{FF2B5EF4-FFF2-40B4-BE49-F238E27FC236}">
+                <a16:creationId xmlns:a16="http://schemas.microsoft.com/office/drawing/2014/main" id="{89CB5FF9-B982-7953-63CD-049DBE5DD632}"/>
+              </a:ext>
+            </a:extLst>
+          </p:cNvPr>
+          <p:cNvSpPr txBox="1">
+            <a:spLocks/>
+          </p:cNvSpPr>
+          <p:nvPr/>
+        </p:nvSpPr>
+        <p:spPr>
+          <a:xfrm>
+            <a:off x="1174029" y="1318276"/>
+            <a:ext cx="8262365" cy="438315"/>
+          </a:xfrm>
+          <a:prstGeom prst="rect">
+            <a:avLst/>
+          </a:prstGeom>
+        </p:spPr>
+        <p:txBody>
+          <a:bodyPr vert="horz" lIns="91440" tIns="45720" rIns="91440" bIns="45720" rtlCol="0">
+            <a:noAutofit/>
+          </a:bodyPr>
+          <a:lstStyle>
+            <a:lvl1pPr marL="368300" indent="-352425" algn="l" defTabSz="914400" rtl="0" eaLnBrk="1" latinLnBrk="0" hangingPunct="1">
+              <a:lnSpc>
+                <a:spcPct val="90000"/>
+              </a:lnSpc>
+              <a:spcBef>
+                <a:spcPts val="600"/>
+              </a:spcBef>
+              <a:spcAft>
+                <a:spcPts val="600"/>
+              </a:spcAft>
+              <a:buClr>
+                <a:schemeClr val="accent2"/>
+              </a:buClr>
+              <a:buFont typeface="Wingdings" pitchFamily="2" charset="2"/>
+              <a:buChar char="§"/>
+              <a:tabLst/>
+              <a:defRPr sz="2400" kern="1200">
+                <a:solidFill>
+                  <a:schemeClr val="tx1"/>
+                </a:solidFill>
+                <a:latin typeface="+mn-lt"/>
+                <a:ea typeface="Open Sans" panose="020B0606030504020204" pitchFamily="34" charset="0"/>
+                <a:cs typeface="Open Sans" panose="020B0606030504020204" pitchFamily="34" charset="0"/>
+              </a:defRPr>
+            </a:lvl1pPr>
+            <a:lvl2pPr marL="771525" indent="-274638" algn="l" defTabSz="914400" rtl="0" eaLnBrk="1" latinLnBrk="0" hangingPunct="1">
+              <a:lnSpc>
+                <a:spcPct val="90000"/>
+              </a:lnSpc>
+              <a:spcBef>
+                <a:spcPts val="600"/>
+              </a:spcBef>
+              <a:spcAft>
+                <a:spcPts val="600"/>
+              </a:spcAft>
+              <a:buClr>
+                <a:schemeClr val="accent2"/>
+              </a:buClr>
+              <a:buFont typeface="Wingdings" pitchFamily="2" charset="2"/>
+              <a:buChar char="§"/>
+              <a:tabLst/>
+              <a:defRPr sz="2200" kern="1200">
+                <a:solidFill>
+                  <a:schemeClr val="tx1"/>
+                </a:solidFill>
+                <a:latin typeface="+mn-lt"/>
+                <a:ea typeface="Open Sans" panose="020B0606030504020204" pitchFamily="34" charset="0"/>
+                <a:cs typeface="Open Sans" panose="020B0606030504020204" pitchFamily="34" charset="0"/>
+              </a:defRPr>
+            </a:lvl2pPr>
+            <a:lvl3pPr marL="1143000" indent="-228600" algn="l" defTabSz="914400" rtl="0" eaLnBrk="1" latinLnBrk="0" hangingPunct="1">
+              <a:lnSpc>
+                <a:spcPct val="90000"/>
+              </a:lnSpc>
+              <a:spcBef>
+                <a:spcPts val="600"/>
+              </a:spcBef>
+              <a:spcAft>
+                <a:spcPts val="600"/>
+              </a:spcAft>
+              <a:buClr>
+                <a:schemeClr val="accent2"/>
+              </a:buClr>
+              <a:buFont typeface="Wingdings" pitchFamily="2" charset="2"/>
+              <a:buChar char="§"/>
+              <a:defRPr sz="2000" kern="1200">
+                <a:solidFill>
+                  <a:schemeClr val="tx1"/>
+                </a:solidFill>
+                <a:latin typeface="+mn-lt"/>
+                <a:ea typeface="Open Sans" panose="020B0606030504020204" pitchFamily="34" charset="0"/>
+                <a:cs typeface="Open Sans" panose="020B0606030504020204" pitchFamily="34" charset="0"/>
+              </a:defRPr>
+            </a:lvl3pPr>
+            <a:lvl4pPr marL="1600200" indent="-228600" algn="l" defTabSz="914400" rtl="0" eaLnBrk="1" latinLnBrk="0" hangingPunct="1">
+              <a:lnSpc>
+                <a:spcPct val="90000"/>
+              </a:lnSpc>
+              <a:spcBef>
+                <a:spcPts val="600"/>
+              </a:spcBef>
+              <a:spcAft>
+                <a:spcPts val="600"/>
+              </a:spcAft>
+              <a:buClr>
+                <a:schemeClr val="accent2"/>
+              </a:buClr>
+              <a:buFont typeface="Wingdings" pitchFamily="2" charset="2"/>
+              <a:buChar char="§"/>
+              <a:defRPr sz="1800" kern="1200">
+                <a:solidFill>
+                  <a:schemeClr val="tx1"/>
+                </a:solidFill>
+                <a:latin typeface="+mn-lt"/>
+                <a:ea typeface="Open Sans" panose="020B0606030504020204" pitchFamily="34" charset="0"/>
+                <a:cs typeface="Open Sans" panose="020B0606030504020204" pitchFamily="34" charset="0"/>
+              </a:defRPr>
+            </a:lvl4pPr>
+            <a:lvl5pPr marL="1960563" indent="-225425" algn="l" defTabSz="914400" rtl="0" eaLnBrk="1" latinLnBrk="0" hangingPunct="1">
+              <a:lnSpc>
+                <a:spcPct val="90000"/>
+              </a:lnSpc>
+              <a:spcBef>
+                <a:spcPts val="600"/>
+              </a:spcBef>
+              <a:spcAft>
+                <a:spcPts val="600"/>
+              </a:spcAft>
+              <a:buClr>
+                <a:schemeClr val="accent2"/>
+              </a:buClr>
+              <a:buFont typeface="Wingdings" pitchFamily="2" charset="2"/>
+              <a:buChar char="§"/>
+              <a:tabLst/>
+              <a:defRPr sz="1600" kern="1200">
+                <a:solidFill>
+                  <a:schemeClr val="tx1"/>
+                </a:solidFill>
+                <a:latin typeface="+mn-lt"/>
+                <a:ea typeface="Open Sans" panose="020B0606030504020204" pitchFamily="34" charset="0"/>
+                <a:cs typeface="Open Sans" panose="020B0606030504020204" pitchFamily="34" charset="0"/>
+              </a:defRPr>
+            </a:lvl5pPr>
+            <a:lvl6pPr marL="2514600" indent="-228600" algn="l" defTabSz="914400" rtl="0" eaLnBrk="1" latinLnBrk="0" hangingPunct="1">
+              <a:lnSpc>
+                <a:spcPct val="90000"/>
+              </a:lnSpc>
+              <a:spcBef>
+                <a:spcPts val="500"/>
+              </a:spcBef>
+              <a:buFont typeface="Arial" panose="020B0604020202020204" pitchFamily="34" charset="0"/>
+              <a:buChar char="•"/>
+              <a:defRPr sz="1800" kern="1200">
+                <a:solidFill>
+                  <a:schemeClr val="tx1"/>
+                </a:solidFill>
+                <a:latin typeface="+mn-lt"/>
+                <a:ea typeface="+mn-ea"/>
+                <a:cs typeface="+mn-cs"/>
+              </a:defRPr>
+            </a:lvl6pPr>
+            <a:lvl7pPr marL="2971800" indent="-228600" algn="l" defTabSz="914400" rtl="0" eaLnBrk="1" latinLnBrk="0" hangingPunct="1">
+              <a:lnSpc>
+                <a:spcPct val="90000"/>
+              </a:lnSpc>
+              <a:spcBef>
+                <a:spcPts val="500"/>
+              </a:spcBef>
+              <a:buFont typeface="Arial" panose="020B0604020202020204" pitchFamily="34" charset="0"/>
+              <a:buChar char="•"/>
+              <a:defRPr sz="1800" kern="1200">
+                <a:solidFill>
+                  <a:schemeClr val="tx1"/>
+                </a:solidFill>
+                <a:latin typeface="+mn-lt"/>
+                <a:ea typeface="+mn-ea"/>
+                <a:cs typeface="+mn-cs"/>
+              </a:defRPr>
+            </a:lvl7pPr>
+            <a:lvl8pPr marL="3429000" indent="-228600" algn="l" defTabSz="914400" rtl="0" eaLnBrk="1" latinLnBrk="0" hangingPunct="1">
+              <a:lnSpc>
+                <a:spcPct val="90000"/>
+              </a:lnSpc>
+              <a:spcBef>
+                <a:spcPts val="500"/>
+              </a:spcBef>
+              <a:buFont typeface="Arial" panose="020B0604020202020204" pitchFamily="34" charset="0"/>
+              <a:buChar char="•"/>
+              <a:defRPr sz="1800" kern="1200">
+                <a:solidFill>
+                  <a:schemeClr val="tx1"/>
+                </a:solidFill>
+                <a:latin typeface="+mn-lt"/>
+                <a:ea typeface="+mn-ea"/>
+                <a:cs typeface="+mn-cs"/>
+              </a:defRPr>
+            </a:lvl8pPr>
+            <a:lvl9pPr marL="3886200" indent="-228600" algn="l" defTabSz="914400" rtl="0" eaLnBrk="1" latinLnBrk="0" hangingPunct="1">
+              <a:lnSpc>
+                <a:spcPct val="90000"/>
+              </a:lnSpc>
+              <a:spcBef>
+                <a:spcPts val="500"/>
+              </a:spcBef>
+              <a:buFont typeface="Arial" panose="020B0604020202020204" pitchFamily="34" charset="0"/>
+              <a:buChar char="•"/>
+              <a:defRPr sz="1800" kern="1200">
+                <a:solidFill>
+                  <a:schemeClr val="tx1"/>
+                </a:solidFill>
+                <a:latin typeface="+mn-lt"/>
+                <a:ea typeface="+mn-ea"/>
+                <a:cs typeface="+mn-cs"/>
+              </a:defRPr>
+            </a:lvl9pPr>
+          </a:lstStyle>
+          <a:p>
+            <a:pPr marL="15875" indent="0">
+              <a:buNone/>
+            </a:pPr>
+            <a:r>
+              <a:rPr lang="hr-HR" sz="1400" dirty="0"/>
+              <a:t>👉</a:t>
+            </a:r>
+            <a:r>
+              <a:rPr lang="en-US" sz="1400" dirty="0" err="1"/>
+              <a:t>Instalirajte</a:t>
+            </a:r>
+            <a:r>
+              <a:rPr lang="en-US" sz="1400" dirty="0"/>
+              <a:t> </a:t>
+            </a:r>
+            <a:r>
+              <a:rPr lang="en-US" sz="1400" dirty="0" err="1"/>
+              <a:t>Insomia</a:t>
+            </a:r>
+            <a:r>
+              <a:rPr lang="en-US" sz="1400" dirty="0"/>
+              <a:t> program za API </a:t>
+            </a:r>
+            <a:r>
+              <a:rPr lang="en-US" sz="1400" dirty="0" err="1"/>
+              <a:t>okruzenje</a:t>
+            </a:r>
+            <a:r>
+              <a:rPr lang="en-US" sz="1400" dirty="0"/>
+              <a:t> </a:t>
+            </a:r>
+            <a:r>
+              <a:rPr lang="en-US" sz="1400" dirty="0" err="1"/>
+              <a:t>na</a:t>
+            </a:r>
+            <a:r>
+              <a:rPr lang="en-US" sz="1400" dirty="0"/>
+              <a:t> </a:t>
+            </a:r>
+            <a:r>
+              <a:rPr lang="en-US" sz="1400" dirty="0" err="1"/>
+              <a:t>vasem</a:t>
+            </a:r>
+            <a:r>
+              <a:rPr lang="en-US" sz="1400" dirty="0"/>
+              <a:t> </a:t>
+            </a:r>
+            <a:r>
+              <a:rPr lang="en-US" sz="1400" dirty="0" err="1"/>
+              <a:t>lokalnom</a:t>
+            </a:r>
+            <a:r>
+              <a:rPr lang="en-US" sz="1400" dirty="0"/>
+              <a:t> </a:t>
+            </a:r>
+            <a:r>
+              <a:rPr lang="en-US" sz="1400" dirty="0" err="1"/>
+              <a:t>racunalu</a:t>
+            </a:r>
+            <a:r>
+              <a:rPr lang="en-US" sz="1400" dirty="0"/>
+              <a:t> https://insomnia.rest/</a:t>
+            </a:r>
+          </a:p>
+        </p:txBody>
+      </p:sp>
+    </p:spTree>
+    <p:extLst>
+      <p:ext uri="{BB962C8B-B14F-4D97-AF65-F5344CB8AC3E}">
+        <p14:creationId xmlns:p14="http://schemas.microsoft.com/office/powerpoint/2010/main" val="1950718895"/>
+      </p:ext>
+    </p:extLst>
+  </p:cSld>
+  <p:clrMapOvr>
+    <a:masterClrMapping/>
+  </p:clrMapOvr>
+</p:sld>
+</file>
+
+<file path=ppt/slides/slide7.xml><?xml version="1.0" encoding="utf-8"?>
+<p:sld xmlns:a="http://schemas.openxmlformats.org/drawingml/2006/main" xmlns:r="http://schemas.openxmlformats.org/officeDocument/2006/relationships" xmlns:p="http://schemas.openxmlformats.org/presentationml/2006/main">
+  <p:cSld>
+    <p:spTree>
+      <p:nvGrpSpPr>
+        <p:cNvPr id="1" name="">
+          <a:extLst>
+            <a:ext uri="{FF2B5EF4-FFF2-40B4-BE49-F238E27FC236}">
+              <a16:creationId xmlns:a16="http://schemas.microsoft.com/office/drawing/2014/main" id="{818CCA77-81D4-9D87-AF91-6E2B7C8E72EC}"/>
+            </a:ext>
+          </a:extLst>
+        </p:cNvPr>
+        <p:cNvGrpSpPr/>
+        <p:nvPr/>
+      </p:nvGrpSpPr>
+      <p:grpSpPr>
+        <a:xfrm>
+          <a:off x="0" y="0"/>
+          <a:ext cx="0" cy="0"/>
+          <a:chOff x="0" y="0"/>
+          <a:chExt cx="0" cy="0"/>
+        </a:xfrm>
+      </p:grpSpPr>
+      <p:sp>
+        <p:nvSpPr>
+          <p:cNvPr id="4" name="Title 1">
+            <a:extLst>
+              <a:ext uri="{FF2B5EF4-FFF2-40B4-BE49-F238E27FC236}">
+                <a16:creationId xmlns:a16="http://schemas.microsoft.com/office/drawing/2014/main" id="{6118603B-27D8-4D76-E541-60A1B49A2E88}"/>
+              </a:ext>
+            </a:extLst>
+          </p:cNvPr>
+          <p:cNvSpPr txBox="1">
+            <a:spLocks/>
+          </p:cNvSpPr>
+          <p:nvPr/>
+        </p:nvSpPr>
+        <p:spPr>
+          <a:xfrm>
+            <a:off x="990600" y="383056"/>
+            <a:ext cx="10515600" cy="853976"/>
+          </a:xfrm>
+          <a:prstGeom prst="rect">
+            <a:avLst/>
+          </a:prstGeom>
+        </p:spPr>
+        <p:txBody>
+          <a:bodyPr vert="horz" lIns="91440" tIns="45720" rIns="91440" bIns="45720" rtlCol="0" anchor="ctr">
+            <a:normAutofit/>
+          </a:bodyPr>
+          <a:lstStyle>
+            <a:lvl1pPr algn="l" defTabSz="914400" rtl="0" eaLnBrk="1" latinLnBrk="0" hangingPunct="1">
+              <a:lnSpc>
+                <a:spcPct val="90000"/>
+              </a:lnSpc>
+              <a:spcBef>
+                <a:spcPct val="0"/>
+              </a:spcBef>
+              <a:buNone/>
+              <a:defRPr sz="3600" b="1" i="0" kern="1200" cap="all" baseline="0">
+                <a:solidFill>
+                  <a:schemeClr val="tx2"/>
+                </a:solidFill>
+                <a:latin typeface="+mj-lt"/>
+                <a:ea typeface="Open Sans Semibold" panose="020B0606030504020204" pitchFamily="34" charset="0"/>
+                <a:cs typeface="Open Sans Semibold" panose="020B0606030504020204" pitchFamily="34" charset="0"/>
+              </a:defRPr>
+            </a:lvl1pPr>
+          </a:lstStyle>
+          <a:p>
+            <a:r>
+              <a:rPr lang="en-US" dirty="0"/>
+              <a:t>FLASK – DODAVANJE (CREATE)</a:t>
+            </a:r>
+            <a:endParaRPr lang="hr-HR" dirty="0"/>
+          </a:p>
+        </p:txBody>
+      </p:sp>
+      <p:sp>
+        <p:nvSpPr>
+          <p:cNvPr id="3" name="Content Placeholder 2">
+            <a:extLst>
+              <a:ext uri="{FF2B5EF4-FFF2-40B4-BE49-F238E27FC236}">
+                <a16:creationId xmlns:a16="http://schemas.microsoft.com/office/drawing/2014/main" id="{33FB5005-D133-BF3E-BAEF-990E97E6B5C5}"/>
+              </a:ext>
+            </a:extLst>
+          </p:cNvPr>
+          <p:cNvSpPr txBox="1">
+            <a:spLocks/>
+          </p:cNvSpPr>
+          <p:nvPr/>
+        </p:nvSpPr>
+        <p:spPr>
+          <a:xfrm>
+            <a:off x="1099915" y="4011554"/>
+            <a:ext cx="5855438" cy="1961707"/>
+          </a:xfrm>
+          <a:prstGeom prst="rect">
+            <a:avLst/>
+          </a:prstGeom>
+        </p:spPr>
+        <p:txBody>
+          <a:bodyPr vert="horz" lIns="91440" tIns="45720" rIns="91440" bIns="45720" rtlCol="0">
+            <a:noAutofit/>
+          </a:bodyPr>
+          <a:lstStyle>
+            <a:lvl1pPr marL="368300" indent="-352425" algn="l" defTabSz="914400" rtl="0" eaLnBrk="1" latinLnBrk="0" hangingPunct="1">
+              <a:lnSpc>
+                <a:spcPct val="90000"/>
+              </a:lnSpc>
+              <a:spcBef>
+                <a:spcPts val="600"/>
+              </a:spcBef>
+              <a:spcAft>
+                <a:spcPts val="600"/>
+              </a:spcAft>
+              <a:buClr>
+                <a:schemeClr val="accent2"/>
+              </a:buClr>
+              <a:buFont typeface="Wingdings" pitchFamily="2" charset="2"/>
+              <a:buChar char="§"/>
+              <a:tabLst/>
+              <a:defRPr sz="2400" kern="1200">
+                <a:solidFill>
+                  <a:schemeClr val="tx1"/>
+                </a:solidFill>
+                <a:latin typeface="+mn-lt"/>
+                <a:ea typeface="Open Sans" panose="020B0606030504020204" pitchFamily="34" charset="0"/>
+                <a:cs typeface="Open Sans" panose="020B0606030504020204" pitchFamily="34" charset="0"/>
+              </a:defRPr>
+            </a:lvl1pPr>
+            <a:lvl2pPr marL="771525" indent="-274638" algn="l" defTabSz="914400" rtl="0" eaLnBrk="1" latinLnBrk="0" hangingPunct="1">
+              <a:lnSpc>
+                <a:spcPct val="90000"/>
+              </a:lnSpc>
+              <a:spcBef>
+                <a:spcPts val="600"/>
+              </a:spcBef>
+              <a:spcAft>
+                <a:spcPts val="600"/>
+              </a:spcAft>
+              <a:buClr>
+                <a:schemeClr val="accent2"/>
+              </a:buClr>
+              <a:buFont typeface="Wingdings" pitchFamily="2" charset="2"/>
+              <a:buChar char="§"/>
+              <a:tabLst/>
+              <a:defRPr sz="2200" kern="1200">
+                <a:solidFill>
+                  <a:schemeClr val="tx1"/>
+                </a:solidFill>
+                <a:latin typeface="+mn-lt"/>
+                <a:ea typeface="Open Sans" panose="020B0606030504020204" pitchFamily="34" charset="0"/>
+                <a:cs typeface="Open Sans" panose="020B0606030504020204" pitchFamily="34" charset="0"/>
+              </a:defRPr>
+            </a:lvl2pPr>
+            <a:lvl3pPr marL="1143000" indent="-228600" algn="l" defTabSz="914400" rtl="0" eaLnBrk="1" latinLnBrk="0" hangingPunct="1">
+              <a:lnSpc>
+                <a:spcPct val="90000"/>
+              </a:lnSpc>
+              <a:spcBef>
+                <a:spcPts val="600"/>
+              </a:spcBef>
+              <a:spcAft>
+                <a:spcPts val="600"/>
+              </a:spcAft>
+              <a:buClr>
+                <a:schemeClr val="accent2"/>
+              </a:buClr>
+              <a:buFont typeface="Wingdings" pitchFamily="2" charset="2"/>
+              <a:buChar char="§"/>
+              <a:defRPr sz="2000" kern="1200">
+                <a:solidFill>
+                  <a:schemeClr val="tx1"/>
+                </a:solidFill>
+                <a:latin typeface="+mn-lt"/>
+                <a:ea typeface="Open Sans" panose="020B0606030504020204" pitchFamily="34" charset="0"/>
+                <a:cs typeface="Open Sans" panose="020B0606030504020204" pitchFamily="34" charset="0"/>
+              </a:defRPr>
+            </a:lvl3pPr>
+            <a:lvl4pPr marL="1600200" indent="-228600" algn="l" defTabSz="914400" rtl="0" eaLnBrk="1" latinLnBrk="0" hangingPunct="1">
+              <a:lnSpc>
+                <a:spcPct val="90000"/>
+              </a:lnSpc>
+              <a:spcBef>
+                <a:spcPts val="600"/>
+              </a:spcBef>
+              <a:spcAft>
+                <a:spcPts val="600"/>
+              </a:spcAft>
+              <a:buClr>
+                <a:schemeClr val="accent2"/>
+              </a:buClr>
+              <a:buFont typeface="Wingdings" pitchFamily="2" charset="2"/>
+              <a:buChar char="§"/>
+              <a:defRPr sz="1800" kern="1200">
+                <a:solidFill>
+                  <a:schemeClr val="tx1"/>
+                </a:solidFill>
+                <a:latin typeface="+mn-lt"/>
+                <a:ea typeface="Open Sans" panose="020B0606030504020204" pitchFamily="34" charset="0"/>
+                <a:cs typeface="Open Sans" panose="020B0606030504020204" pitchFamily="34" charset="0"/>
+              </a:defRPr>
+            </a:lvl4pPr>
+            <a:lvl5pPr marL="1960563" indent="-225425" algn="l" defTabSz="914400" rtl="0" eaLnBrk="1" latinLnBrk="0" hangingPunct="1">
+              <a:lnSpc>
+                <a:spcPct val="90000"/>
+              </a:lnSpc>
+              <a:spcBef>
+                <a:spcPts val="600"/>
+              </a:spcBef>
+              <a:spcAft>
+                <a:spcPts val="600"/>
+              </a:spcAft>
+              <a:buClr>
+                <a:schemeClr val="accent2"/>
+              </a:buClr>
+              <a:buFont typeface="Wingdings" pitchFamily="2" charset="2"/>
+              <a:buChar char="§"/>
+              <a:tabLst/>
+              <a:defRPr sz="1600" kern="1200">
+                <a:solidFill>
+                  <a:schemeClr val="tx1"/>
+                </a:solidFill>
+                <a:latin typeface="+mn-lt"/>
+                <a:ea typeface="Open Sans" panose="020B0606030504020204" pitchFamily="34" charset="0"/>
+                <a:cs typeface="Open Sans" panose="020B0606030504020204" pitchFamily="34" charset="0"/>
+              </a:defRPr>
+            </a:lvl5pPr>
+            <a:lvl6pPr marL="2514600" indent="-228600" algn="l" defTabSz="914400" rtl="0" eaLnBrk="1" latinLnBrk="0" hangingPunct="1">
+              <a:lnSpc>
+                <a:spcPct val="90000"/>
+              </a:lnSpc>
+              <a:spcBef>
+                <a:spcPts val="500"/>
+              </a:spcBef>
+              <a:buFont typeface="Arial" panose="020B0604020202020204" pitchFamily="34" charset="0"/>
+              <a:buChar char="•"/>
+              <a:defRPr sz="1800" kern="1200">
+                <a:solidFill>
+                  <a:schemeClr val="tx1"/>
+                </a:solidFill>
+                <a:latin typeface="+mn-lt"/>
+                <a:ea typeface="+mn-ea"/>
+                <a:cs typeface="+mn-cs"/>
+              </a:defRPr>
+            </a:lvl6pPr>
+            <a:lvl7pPr marL="2971800" indent="-228600" algn="l" defTabSz="914400" rtl="0" eaLnBrk="1" latinLnBrk="0" hangingPunct="1">
+              <a:lnSpc>
+                <a:spcPct val="90000"/>
+              </a:lnSpc>
+              <a:spcBef>
+                <a:spcPts val="500"/>
+              </a:spcBef>
+              <a:buFont typeface="Arial" panose="020B0604020202020204" pitchFamily="34" charset="0"/>
+              <a:buChar char="•"/>
+              <a:defRPr sz="1800" kern="1200">
+                <a:solidFill>
+                  <a:schemeClr val="tx1"/>
+                </a:solidFill>
+                <a:latin typeface="+mn-lt"/>
+                <a:ea typeface="+mn-ea"/>
+                <a:cs typeface="+mn-cs"/>
+              </a:defRPr>
+            </a:lvl7pPr>
+            <a:lvl8pPr marL="3429000" indent="-228600" algn="l" defTabSz="914400" rtl="0" eaLnBrk="1" latinLnBrk="0" hangingPunct="1">
+              <a:lnSpc>
+                <a:spcPct val="90000"/>
+              </a:lnSpc>
+              <a:spcBef>
+                <a:spcPts val="500"/>
+              </a:spcBef>
+              <a:buFont typeface="Arial" panose="020B0604020202020204" pitchFamily="34" charset="0"/>
+              <a:buChar char="•"/>
+              <a:defRPr sz="1800" kern="1200">
+                <a:solidFill>
+                  <a:schemeClr val="tx1"/>
+                </a:solidFill>
+                <a:latin typeface="+mn-lt"/>
+                <a:ea typeface="+mn-ea"/>
+                <a:cs typeface="+mn-cs"/>
+              </a:defRPr>
+            </a:lvl8pPr>
+            <a:lvl9pPr marL="3886200" indent="-228600" algn="l" defTabSz="914400" rtl="0" eaLnBrk="1" latinLnBrk="0" hangingPunct="1">
+              <a:lnSpc>
+                <a:spcPct val="90000"/>
+              </a:lnSpc>
+              <a:spcBef>
+                <a:spcPts val="500"/>
+              </a:spcBef>
+              <a:buFont typeface="Arial" panose="020B0604020202020204" pitchFamily="34" charset="0"/>
+              <a:buChar char="•"/>
+              <a:defRPr sz="1800" kern="1200">
+                <a:solidFill>
+                  <a:schemeClr val="tx1"/>
+                </a:solidFill>
+                <a:latin typeface="+mn-lt"/>
+                <a:ea typeface="+mn-ea"/>
+                <a:cs typeface="+mn-cs"/>
+              </a:defRPr>
+            </a:lvl9pPr>
+          </a:lstStyle>
+          <a:p>
+            <a:pPr marL="15875" indent="0">
+              <a:buNone/>
+            </a:pPr>
+            <a:r>
+              <a:rPr lang="hr-HR" sz="1050" b="1" dirty="0"/>
+              <a:t>Rješavanje grešaka:</a:t>
+            </a:r>
+            <a:r>
+              <a:rPr lang="hr-HR" sz="1050" dirty="0"/>
+              <a:t> </a:t>
+            </a:r>
+            <a:endParaRPr lang="en-US" sz="1050" dirty="0"/>
+          </a:p>
+          <a:p>
+            <a:pPr>
+              <a:buFont typeface="Arial" panose="020B0604020202020204" pitchFamily="34" charset="0"/>
+              <a:buChar char="•"/>
+            </a:pPr>
+            <a:r>
+              <a:rPr lang="hr-HR" sz="1050" dirty="0"/>
+              <a:t>Greška 405 (metoda nije dopuštena) javlja se kada </a:t>
+            </a:r>
+            <a:r>
+              <a:rPr lang="hr-HR" sz="1050" dirty="0" err="1"/>
+              <a:t>endpoint</a:t>
+            </a:r>
+            <a:r>
+              <a:rPr lang="hr-HR" sz="1050" dirty="0"/>
+              <a:t> ne podržava POST</a:t>
+            </a:r>
+          </a:p>
+          <a:p>
+            <a:pPr>
+              <a:buFont typeface="Arial" panose="020B0604020202020204" pitchFamily="34" charset="0"/>
+              <a:buChar char="•"/>
+            </a:pPr>
+            <a:r>
+              <a:rPr lang="hr-HR" sz="1050" dirty="0"/>
+              <a:t>Greška 500 (</a:t>
+            </a:r>
+            <a:r>
+              <a:rPr lang="hr-HR" sz="1050" dirty="0" err="1"/>
+              <a:t>internal</a:t>
+            </a:r>
+            <a:r>
+              <a:rPr lang="hr-HR" sz="1050" dirty="0"/>
+              <a:t> server </a:t>
+            </a:r>
+            <a:r>
+              <a:rPr lang="hr-HR" sz="1050" dirty="0" err="1"/>
+              <a:t>error</a:t>
+            </a:r>
+            <a:r>
+              <a:rPr lang="hr-HR" sz="1050" dirty="0"/>
+              <a:t>) se pojavljuje ako funkcija ne vraća valjani odgovor</a:t>
+            </a:r>
+          </a:p>
+          <a:p>
+            <a:pPr>
+              <a:buFont typeface="Arial" panose="020B0604020202020204" pitchFamily="34" charset="0"/>
+              <a:buChar char="•"/>
+            </a:pPr>
+            <a:r>
+              <a:rPr lang="hr-HR" sz="1050" dirty="0"/>
+              <a:t>Nakon implementacije, </a:t>
+            </a:r>
+            <a:r>
+              <a:rPr lang="hr-HR" sz="1050" dirty="0" err="1"/>
+              <a:t>endpoint</a:t>
+            </a:r>
+            <a:r>
+              <a:rPr lang="hr-HR" sz="1050" dirty="0"/>
+              <a:t> vraća status 201 (</a:t>
+            </a:r>
+            <a:r>
+              <a:rPr lang="hr-HR" sz="1050" dirty="0" err="1"/>
+              <a:t>Created</a:t>
+            </a:r>
+            <a:r>
+              <a:rPr lang="hr-HR" sz="1050" dirty="0"/>
+              <a:t>) uz novi objekt trgovine</a:t>
+            </a:r>
+          </a:p>
+        </p:txBody>
+      </p:sp>
+      <p:pic>
+        <p:nvPicPr>
+          <p:cNvPr id="5" name="Picture 4">
+            <a:extLst>
+              <a:ext uri="{FF2B5EF4-FFF2-40B4-BE49-F238E27FC236}">
+                <a16:creationId xmlns:a16="http://schemas.microsoft.com/office/drawing/2014/main" id="{85454BAC-0C16-E2A7-8208-32A6AF7EF10E}"/>
+              </a:ext>
+            </a:extLst>
+          </p:cNvPr>
+          <p:cNvPicPr>
+            <a:picLocks noChangeAspect="1"/>
+          </p:cNvPicPr>
+          <p:nvPr/>
+        </p:nvPicPr>
+        <p:blipFill>
+          <a:blip r:embed="rId3"/>
+          <a:stretch>
+            <a:fillRect/>
+          </a:stretch>
+        </p:blipFill>
+        <p:spPr>
+          <a:xfrm>
+            <a:off x="1099915" y="1279057"/>
+            <a:ext cx="2124075" cy="352425"/>
+          </a:xfrm>
+          <a:prstGeom prst="rect">
+            <a:avLst/>
+          </a:prstGeom>
+        </p:spPr>
+      </p:pic>
+      <p:pic>
+        <p:nvPicPr>
+          <p:cNvPr id="7" name="Picture 6">
+            <a:extLst>
+              <a:ext uri="{FF2B5EF4-FFF2-40B4-BE49-F238E27FC236}">
+                <a16:creationId xmlns:a16="http://schemas.microsoft.com/office/drawing/2014/main" id="{444FB29A-1560-1C50-49AC-507DDAD7FD68}"/>
+              </a:ext>
+            </a:extLst>
+          </p:cNvPr>
+          <p:cNvPicPr>
+            <a:picLocks noChangeAspect="1"/>
+          </p:cNvPicPr>
+          <p:nvPr/>
+        </p:nvPicPr>
+        <p:blipFill>
+          <a:blip r:embed="rId4"/>
+          <a:stretch>
+            <a:fillRect/>
+          </a:stretch>
+        </p:blipFill>
+        <p:spPr>
+          <a:xfrm>
+            <a:off x="1099915" y="1771939"/>
+            <a:ext cx="2838450" cy="361950"/>
+          </a:xfrm>
+          <a:prstGeom prst="rect">
+            <a:avLst/>
+          </a:prstGeom>
+        </p:spPr>
+      </p:pic>
+      <p:pic>
+        <p:nvPicPr>
+          <p:cNvPr id="9" name="Picture 8">
+            <a:extLst>
+              <a:ext uri="{FF2B5EF4-FFF2-40B4-BE49-F238E27FC236}">
+                <a16:creationId xmlns:a16="http://schemas.microsoft.com/office/drawing/2014/main" id="{BF281A9E-9244-A9A3-F096-322B83506BDB}"/>
+              </a:ext>
+            </a:extLst>
+          </p:cNvPr>
+          <p:cNvPicPr>
+            <a:picLocks noChangeAspect="1"/>
+          </p:cNvPicPr>
+          <p:nvPr/>
+        </p:nvPicPr>
+        <p:blipFill>
+          <a:blip r:embed="rId5"/>
+          <a:stretch>
+            <a:fillRect/>
+          </a:stretch>
+        </p:blipFill>
+        <p:spPr>
+          <a:xfrm>
+            <a:off x="1099915" y="2381960"/>
+            <a:ext cx="3114565" cy="1030916"/>
+          </a:xfrm>
+          <a:prstGeom prst="rect">
+            <a:avLst/>
+          </a:prstGeom>
+        </p:spPr>
+      </p:pic>
+      <p:pic>
+        <p:nvPicPr>
+          <p:cNvPr id="11" name="Picture 10">
+            <a:extLst>
+              <a:ext uri="{FF2B5EF4-FFF2-40B4-BE49-F238E27FC236}">
+                <a16:creationId xmlns:a16="http://schemas.microsoft.com/office/drawing/2014/main" id="{7E8ABCDA-FF84-9143-CADD-5C99A47EA0AE}"/>
+              </a:ext>
+            </a:extLst>
+          </p:cNvPr>
+          <p:cNvPicPr>
+            <a:picLocks noChangeAspect="1"/>
+          </p:cNvPicPr>
+          <p:nvPr/>
+        </p:nvPicPr>
+        <p:blipFill>
+          <a:blip r:embed="rId6"/>
+          <a:stretch>
+            <a:fillRect/>
+          </a:stretch>
+        </p:blipFill>
+        <p:spPr>
+          <a:xfrm>
+            <a:off x="1099915" y="3483615"/>
+            <a:ext cx="2781300" cy="228600"/>
+          </a:xfrm>
+          <a:prstGeom prst="rect">
+            <a:avLst/>
+          </a:prstGeom>
+        </p:spPr>
+      </p:pic>
+      <p:pic>
+        <p:nvPicPr>
+          <p:cNvPr id="13" name="Picture 12">
+            <a:extLst>
+              <a:ext uri="{FF2B5EF4-FFF2-40B4-BE49-F238E27FC236}">
+                <a16:creationId xmlns:a16="http://schemas.microsoft.com/office/drawing/2014/main" id="{D1063411-67BC-A1B7-12DC-0BDC93116623}"/>
+              </a:ext>
+            </a:extLst>
+          </p:cNvPr>
+          <p:cNvPicPr>
+            <a:picLocks noChangeAspect="1"/>
+          </p:cNvPicPr>
+          <p:nvPr/>
+        </p:nvPicPr>
+        <p:blipFill>
+          <a:blip r:embed="rId7"/>
+          <a:stretch>
+            <a:fillRect/>
+          </a:stretch>
+        </p:blipFill>
+        <p:spPr>
+          <a:xfrm>
+            <a:off x="8253637" y="1444167"/>
+            <a:ext cx="1778797" cy="1001540"/>
+          </a:xfrm>
+          <a:prstGeom prst="rect">
+            <a:avLst/>
+          </a:prstGeom>
+        </p:spPr>
+      </p:pic>
+      <p:pic>
+        <p:nvPicPr>
+          <p:cNvPr id="17" name="Picture 16">
+            <a:extLst>
+              <a:ext uri="{FF2B5EF4-FFF2-40B4-BE49-F238E27FC236}">
+                <a16:creationId xmlns:a16="http://schemas.microsoft.com/office/drawing/2014/main" id="{AA98754E-56E6-97E1-8B82-BF1FA0395D9B}"/>
+              </a:ext>
+            </a:extLst>
+          </p:cNvPr>
+          <p:cNvPicPr>
+            <a:picLocks noChangeAspect="1"/>
+          </p:cNvPicPr>
+          <p:nvPr/>
+        </p:nvPicPr>
+        <p:blipFill>
+          <a:blip r:embed="rId8"/>
+          <a:stretch>
+            <a:fillRect/>
+          </a:stretch>
+        </p:blipFill>
+        <p:spPr>
+          <a:xfrm>
+            <a:off x="8244441" y="2735309"/>
+            <a:ext cx="2728359" cy="1676985"/>
           </a:xfrm>
           <a:prstGeom prst="rect">
             <a:avLst/>
@@ -13188,7 +19084,1269 @@
     </p:spTree>
     <p:extLst>
       <p:ext uri="{BB962C8B-B14F-4D97-AF65-F5344CB8AC3E}">
-        <p14:creationId xmlns:p14="http://schemas.microsoft.com/office/powerpoint/2010/main" val="429608198"/>
+        <p14:creationId xmlns:p14="http://schemas.microsoft.com/office/powerpoint/2010/main" val="1009184501"/>
+      </p:ext>
+    </p:extLst>
+  </p:cSld>
+  <p:clrMapOvr>
+    <a:masterClrMapping/>
+  </p:clrMapOvr>
+</p:sld>
+</file>
+
+<file path=ppt/slides/slide8.xml><?xml version="1.0" encoding="utf-8"?>
+<p:sld xmlns:a="http://schemas.openxmlformats.org/drawingml/2006/main" xmlns:r="http://schemas.openxmlformats.org/officeDocument/2006/relationships" xmlns:p="http://schemas.openxmlformats.org/presentationml/2006/main">
+  <p:cSld>
+    <p:spTree>
+      <p:nvGrpSpPr>
+        <p:cNvPr id="1" name="">
+          <a:extLst>
+            <a:ext uri="{FF2B5EF4-FFF2-40B4-BE49-F238E27FC236}">
+              <a16:creationId xmlns:a16="http://schemas.microsoft.com/office/drawing/2014/main" id="{CFE63401-4725-579C-1607-3C39652D6496}"/>
+            </a:ext>
+          </a:extLst>
+        </p:cNvPr>
+        <p:cNvGrpSpPr/>
+        <p:nvPr/>
+      </p:nvGrpSpPr>
+      <p:grpSpPr>
+        <a:xfrm>
+          <a:off x="0" y="0"/>
+          <a:ext cx="0" cy="0"/>
+          <a:chOff x="0" y="0"/>
+          <a:chExt cx="0" cy="0"/>
+        </a:xfrm>
+      </p:grpSpPr>
+      <p:sp>
+        <p:nvSpPr>
+          <p:cNvPr id="4" name="Title 1">
+            <a:extLst>
+              <a:ext uri="{FF2B5EF4-FFF2-40B4-BE49-F238E27FC236}">
+                <a16:creationId xmlns:a16="http://schemas.microsoft.com/office/drawing/2014/main" id="{F6C10DB2-D897-072F-D61F-61E1AE14B97E}"/>
+              </a:ext>
+            </a:extLst>
+          </p:cNvPr>
+          <p:cNvSpPr txBox="1">
+            <a:spLocks/>
+          </p:cNvSpPr>
+          <p:nvPr/>
+        </p:nvSpPr>
+        <p:spPr>
+          <a:xfrm>
+            <a:off x="990600" y="383056"/>
+            <a:ext cx="10515600" cy="853976"/>
+          </a:xfrm>
+          <a:prstGeom prst="rect">
+            <a:avLst/>
+          </a:prstGeom>
+        </p:spPr>
+        <p:txBody>
+          <a:bodyPr vert="horz" lIns="91440" tIns="45720" rIns="91440" bIns="45720" rtlCol="0" anchor="ctr">
+            <a:normAutofit/>
+          </a:bodyPr>
+          <a:lstStyle>
+            <a:lvl1pPr algn="l" defTabSz="914400" rtl="0" eaLnBrk="1" latinLnBrk="0" hangingPunct="1">
+              <a:lnSpc>
+                <a:spcPct val="90000"/>
+              </a:lnSpc>
+              <a:spcBef>
+                <a:spcPct val="0"/>
+              </a:spcBef>
+              <a:buNone/>
+              <a:defRPr sz="3600" b="1" i="0" kern="1200" cap="all" baseline="0">
+                <a:solidFill>
+                  <a:schemeClr val="tx2"/>
+                </a:solidFill>
+                <a:latin typeface="+mj-lt"/>
+                <a:ea typeface="Open Sans Semibold" panose="020B0606030504020204" pitchFamily="34" charset="0"/>
+                <a:cs typeface="Open Sans Semibold" panose="020B0606030504020204" pitchFamily="34" charset="0"/>
+              </a:defRPr>
+            </a:lvl1pPr>
+          </a:lstStyle>
+          <a:p>
+            <a:r>
+              <a:rPr lang="en-US" dirty="0"/>
+              <a:t>FLASK – DODAVANJE ARTIKALA DINAMICKI</a:t>
+            </a:r>
+            <a:endParaRPr lang="hr-HR" dirty="0"/>
+          </a:p>
+        </p:txBody>
+      </p:sp>
+      <p:sp>
+        <p:nvSpPr>
+          <p:cNvPr id="3" name="Content Placeholder 2">
+            <a:extLst>
+              <a:ext uri="{FF2B5EF4-FFF2-40B4-BE49-F238E27FC236}">
+                <a16:creationId xmlns:a16="http://schemas.microsoft.com/office/drawing/2014/main" id="{EE88D9B7-89FC-4CE4-A934-93D026FD474D}"/>
+              </a:ext>
+            </a:extLst>
+          </p:cNvPr>
+          <p:cNvSpPr txBox="1">
+            <a:spLocks/>
+          </p:cNvSpPr>
+          <p:nvPr/>
+        </p:nvSpPr>
+        <p:spPr>
+          <a:xfrm>
+            <a:off x="990600" y="1374680"/>
+            <a:ext cx="5855438" cy="1961707"/>
+          </a:xfrm>
+          <a:prstGeom prst="rect">
+            <a:avLst/>
+          </a:prstGeom>
+        </p:spPr>
+        <p:txBody>
+          <a:bodyPr vert="horz" lIns="91440" tIns="45720" rIns="91440" bIns="45720" rtlCol="0">
+            <a:noAutofit/>
+          </a:bodyPr>
+          <a:lstStyle>
+            <a:lvl1pPr marL="368300" indent="-352425" algn="l" defTabSz="914400" rtl="0" eaLnBrk="1" latinLnBrk="0" hangingPunct="1">
+              <a:lnSpc>
+                <a:spcPct val="90000"/>
+              </a:lnSpc>
+              <a:spcBef>
+                <a:spcPts val="600"/>
+              </a:spcBef>
+              <a:spcAft>
+                <a:spcPts val="600"/>
+              </a:spcAft>
+              <a:buClr>
+                <a:schemeClr val="accent2"/>
+              </a:buClr>
+              <a:buFont typeface="Wingdings" pitchFamily="2" charset="2"/>
+              <a:buChar char="§"/>
+              <a:tabLst/>
+              <a:defRPr sz="2400" kern="1200">
+                <a:solidFill>
+                  <a:schemeClr val="tx1"/>
+                </a:solidFill>
+                <a:latin typeface="+mn-lt"/>
+                <a:ea typeface="Open Sans" panose="020B0606030504020204" pitchFamily="34" charset="0"/>
+                <a:cs typeface="Open Sans" panose="020B0606030504020204" pitchFamily="34" charset="0"/>
+              </a:defRPr>
+            </a:lvl1pPr>
+            <a:lvl2pPr marL="771525" indent="-274638" algn="l" defTabSz="914400" rtl="0" eaLnBrk="1" latinLnBrk="0" hangingPunct="1">
+              <a:lnSpc>
+                <a:spcPct val="90000"/>
+              </a:lnSpc>
+              <a:spcBef>
+                <a:spcPts val="600"/>
+              </a:spcBef>
+              <a:spcAft>
+                <a:spcPts val="600"/>
+              </a:spcAft>
+              <a:buClr>
+                <a:schemeClr val="accent2"/>
+              </a:buClr>
+              <a:buFont typeface="Wingdings" pitchFamily="2" charset="2"/>
+              <a:buChar char="§"/>
+              <a:tabLst/>
+              <a:defRPr sz="2200" kern="1200">
+                <a:solidFill>
+                  <a:schemeClr val="tx1"/>
+                </a:solidFill>
+                <a:latin typeface="+mn-lt"/>
+                <a:ea typeface="Open Sans" panose="020B0606030504020204" pitchFamily="34" charset="0"/>
+                <a:cs typeface="Open Sans" panose="020B0606030504020204" pitchFamily="34" charset="0"/>
+              </a:defRPr>
+            </a:lvl2pPr>
+            <a:lvl3pPr marL="1143000" indent="-228600" algn="l" defTabSz="914400" rtl="0" eaLnBrk="1" latinLnBrk="0" hangingPunct="1">
+              <a:lnSpc>
+                <a:spcPct val="90000"/>
+              </a:lnSpc>
+              <a:spcBef>
+                <a:spcPts val="600"/>
+              </a:spcBef>
+              <a:spcAft>
+                <a:spcPts val="600"/>
+              </a:spcAft>
+              <a:buClr>
+                <a:schemeClr val="accent2"/>
+              </a:buClr>
+              <a:buFont typeface="Wingdings" pitchFamily="2" charset="2"/>
+              <a:buChar char="§"/>
+              <a:defRPr sz="2000" kern="1200">
+                <a:solidFill>
+                  <a:schemeClr val="tx1"/>
+                </a:solidFill>
+                <a:latin typeface="+mn-lt"/>
+                <a:ea typeface="Open Sans" panose="020B0606030504020204" pitchFamily="34" charset="0"/>
+                <a:cs typeface="Open Sans" panose="020B0606030504020204" pitchFamily="34" charset="0"/>
+              </a:defRPr>
+            </a:lvl3pPr>
+            <a:lvl4pPr marL="1600200" indent="-228600" algn="l" defTabSz="914400" rtl="0" eaLnBrk="1" latinLnBrk="0" hangingPunct="1">
+              <a:lnSpc>
+                <a:spcPct val="90000"/>
+              </a:lnSpc>
+              <a:spcBef>
+                <a:spcPts val="600"/>
+              </a:spcBef>
+              <a:spcAft>
+                <a:spcPts val="600"/>
+              </a:spcAft>
+              <a:buClr>
+                <a:schemeClr val="accent2"/>
+              </a:buClr>
+              <a:buFont typeface="Wingdings" pitchFamily="2" charset="2"/>
+              <a:buChar char="§"/>
+              <a:defRPr sz="1800" kern="1200">
+                <a:solidFill>
+                  <a:schemeClr val="tx1"/>
+                </a:solidFill>
+                <a:latin typeface="+mn-lt"/>
+                <a:ea typeface="Open Sans" panose="020B0606030504020204" pitchFamily="34" charset="0"/>
+                <a:cs typeface="Open Sans" panose="020B0606030504020204" pitchFamily="34" charset="0"/>
+              </a:defRPr>
+            </a:lvl4pPr>
+            <a:lvl5pPr marL="1960563" indent="-225425" algn="l" defTabSz="914400" rtl="0" eaLnBrk="1" latinLnBrk="0" hangingPunct="1">
+              <a:lnSpc>
+                <a:spcPct val="90000"/>
+              </a:lnSpc>
+              <a:spcBef>
+                <a:spcPts val="600"/>
+              </a:spcBef>
+              <a:spcAft>
+                <a:spcPts val="600"/>
+              </a:spcAft>
+              <a:buClr>
+                <a:schemeClr val="accent2"/>
+              </a:buClr>
+              <a:buFont typeface="Wingdings" pitchFamily="2" charset="2"/>
+              <a:buChar char="§"/>
+              <a:tabLst/>
+              <a:defRPr sz="1600" kern="1200">
+                <a:solidFill>
+                  <a:schemeClr val="tx1"/>
+                </a:solidFill>
+                <a:latin typeface="+mn-lt"/>
+                <a:ea typeface="Open Sans" panose="020B0606030504020204" pitchFamily="34" charset="0"/>
+                <a:cs typeface="Open Sans" panose="020B0606030504020204" pitchFamily="34" charset="0"/>
+              </a:defRPr>
+            </a:lvl5pPr>
+            <a:lvl6pPr marL="2514600" indent="-228600" algn="l" defTabSz="914400" rtl="0" eaLnBrk="1" latinLnBrk="0" hangingPunct="1">
+              <a:lnSpc>
+                <a:spcPct val="90000"/>
+              </a:lnSpc>
+              <a:spcBef>
+                <a:spcPts val="500"/>
+              </a:spcBef>
+              <a:buFont typeface="Arial" panose="020B0604020202020204" pitchFamily="34" charset="0"/>
+              <a:buChar char="•"/>
+              <a:defRPr sz="1800" kern="1200">
+                <a:solidFill>
+                  <a:schemeClr val="tx1"/>
+                </a:solidFill>
+                <a:latin typeface="+mn-lt"/>
+                <a:ea typeface="+mn-ea"/>
+                <a:cs typeface="+mn-cs"/>
+              </a:defRPr>
+            </a:lvl6pPr>
+            <a:lvl7pPr marL="2971800" indent="-228600" algn="l" defTabSz="914400" rtl="0" eaLnBrk="1" latinLnBrk="0" hangingPunct="1">
+              <a:lnSpc>
+                <a:spcPct val="90000"/>
+              </a:lnSpc>
+              <a:spcBef>
+                <a:spcPts val="500"/>
+              </a:spcBef>
+              <a:buFont typeface="Arial" panose="020B0604020202020204" pitchFamily="34" charset="0"/>
+              <a:buChar char="•"/>
+              <a:defRPr sz="1800" kern="1200">
+                <a:solidFill>
+                  <a:schemeClr val="tx1"/>
+                </a:solidFill>
+                <a:latin typeface="+mn-lt"/>
+                <a:ea typeface="+mn-ea"/>
+                <a:cs typeface="+mn-cs"/>
+              </a:defRPr>
+            </a:lvl7pPr>
+            <a:lvl8pPr marL="3429000" indent="-228600" algn="l" defTabSz="914400" rtl="0" eaLnBrk="1" latinLnBrk="0" hangingPunct="1">
+              <a:lnSpc>
+                <a:spcPct val="90000"/>
+              </a:lnSpc>
+              <a:spcBef>
+                <a:spcPts val="500"/>
+              </a:spcBef>
+              <a:buFont typeface="Arial" panose="020B0604020202020204" pitchFamily="34" charset="0"/>
+              <a:buChar char="•"/>
+              <a:defRPr sz="1800" kern="1200">
+                <a:solidFill>
+                  <a:schemeClr val="tx1"/>
+                </a:solidFill>
+                <a:latin typeface="+mn-lt"/>
+                <a:ea typeface="+mn-ea"/>
+                <a:cs typeface="+mn-cs"/>
+              </a:defRPr>
+            </a:lvl8pPr>
+            <a:lvl9pPr marL="3886200" indent="-228600" algn="l" defTabSz="914400" rtl="0" eaLnBrk="1" latinLnBrk="0" hangingPunct="1">
+              <a:lnSpc>
+                <a:spcPct val="90000"/>
+              </a:lnSpc>
+              <a:spcBef>
+                <a:spcPts val="500"/>
+              </a:spcBef>
+              <a:buFont typeface="Arial" panose="020B0604020202020204" pitchFamily="34" charset="0"/>
+              <a:buChar char="•"/>
+              <a:defRPr sz="1800" kern="1200">
+                <a:solidFill>
+                  <a:schemeClr val="tx1"/>
+                </a:solidFill>
+                <a:latin typeface="+mn-lt"/>
+                <a:ea typeface="+mn-ea"/>
+                <a:cs typeface="+mn-cs"/>
+              </a:defRPr>
+            </a:lvl9pPr>
+          </a:lstStyle>
+          <a:p>
+            <a:pPr marL="15875" indent="0">
+              <a:buNone/>
+            </a:pPr>
+            <a:r>
+              <a:rPr lang="hr-HR" sz="1400" dirty="0"/>
+              <a:t>✔ Kako primiti podatke od klijenta (</a:t>
+            </a:r>
+            <a:r>
+              <a:rPr lang="hr-HR" sz="1400" dirty="0" err="1"/>
+              <a:t>store</a:t>
+            </a:r>
+            <a:r>
+              <a:rPr lang="hr-HR" sz="1400" dirty="0"/>
+              <a:t> ime iz URL-a i </a:t>
+            </a:r>
+            <a:r>
+              <a:rPr lang="hr-HR" sz="1400" dirty="0" err="1"/>
+              <a:t>item</a:t>
+            </a:r>
+            <a:r>
+              <a:rPr lang="hr-HR" sz="1400" dirty="0"/>
+              <a:t> podatke iz JSON-a)</a:t>
+            </a:r>
+            <a:br>
+              <a:rPr lang="hr-HR" sz="1400" dirty="0"/>
+            </a:br>
+            <a:r>
+              <a:rPr lang="hr-HR" sz="1400" dirty="0"/>
+              <a:t>✔ Kako pretraživati listu trgovina i dodati novi artikl u odgovarajuću trgovinu</a:t>
+            </a:r>
+            <a:br>
+              <a:rPr lang="hr-HR" sz="1400" dirty="0"/>
+            </a:br>
+            <a:r>
+              <a:rPr lang="hr-HR" sz="1400" dirty="0"/>
+              <a:t>✔ Kako rukovati greškama (npr. ako trgovina ne postoji)</a:t>
+            </a:r>
+          </a:p>
+        </p:txBody>
+      </p:sp>
+      <p:pic>
+        <p:nvPicPr>
+          <p:cNvPr id="12" name="Picture 11">
+            <a:extLst>
+              <a:ext uri="{FF2B5EF4-FFF2-40B4-BE49-F238E27FC236}">
+                <a16:creationId xmlns:a16="http://schemas.microsoft.com/office/drawing/2014/main" id="{64C40683-FFBF-901B-0D5C-9FE6DB6D0F7E}"/>
+              </a:ext>
+            </a:extLst>
+          </p:cNvPr>
+          <p:cNvPicPr>
+            <a:picLocks noChangeAspect="1"/>
+          </p:cNvPicPr>
+          <p:nvPr/>
+        </p:nvPicPr>
+        <p:blipFill>
+          <a:blip r:embed="rId3"/>
+          <a:stretch>
+            <a:fillRect/>
+          </a:stretch>
+        </p:blipFill>
+        <p:spPr>
+          <a:xfrm>
+            <a:off x="1145215" y="2735309"/>
+            <a:ext cx="4633580" cy="242150"/>
+          </a:xfrm>
+          <a:prstGeom prst="rect">
+            <a:avLst/>
+          </a:prstGeom>
+        </p:spPr>
+      </p:pic>
+      <p:pic>
+        <p:nvPicPr>
+          <p:cNvPr id="15" name="Picture 14">
+            <a:extLst>
+              <a:ext uri="{FF2B5EF4-FFF2-40B4-BE49-F238E27FC236}">
+                <a16:creationId xmlns:a16="http://schemas.microsoft.com/office/drawing/2014/main" id="{3DDDC65E-92F2-26C9-8F91-4FAA870218EB}"/>
+              </a:ext>
+            </a:extLst>
+          </p:cNvPr>
+          <p:cNvPicPr>
+            <a:picLocks noChangeAspect="1"/>
+          </p:cNvPicPr>
+          <p:nvPr/>
+        </p:nvPicPr>
+        <p:blipFill>
+          <a:blip r:embed="rId4"/>
+          <a:stretch>
+            <a:fillRect/>
+          </a:stretch>
+        </p:blipFill>
+        <p:spPr>
+          <a:xfrm>
+            <a:off x="1139953" y="3711357"/>
+            <a:ext cx="4270191" cy="1253462"/>
+          </a:xfrm>
+          <a:prstGeom prst="rect">
+            <a:avLst/>
+          </a:prstGeom>
+        </p:spPr>
+      </p:pic>
+      <p:pic>
+        <p:nvPicPr>
+          <p:cNvPr id="18" name="Picture 17">
+            <a:extLst>
+              <a:ext uri="{FF2B5EF4-FFF2-40B4-BE49-F238E27FC236}">
+                <a16:creationId xmlns:a16="http://schemas.microsoft.com/office/drawing/2014/main" id="{F372E04D-9797-FF8A-D031-1F3696290809}"/>
+              </a:ext>
+            </a:extLst>
+          </p:cNvPr>
+          <p:cNvPicPr>
+            <a:picLocks noChangeAspect="1"/>
+          </p:cNvPicPr>
+          <p:nvPr/>
+        </p:nvPicPr>
+        <p:blipFill>
+          <a:blip r:embed="rId5"/>
+          <a:stretch>
+            <a:fillRect/>
+          </a:stretch>
+        </p:blipFill>
+        <p:spPr>
+          <a:xfrm>
+            <a:off x="1160886" y="3079212"/>
+            <a:ext cx="3352800" cy="514350"/>
+          </a:xfrm>
+          <a:prstGeom prst="rect">
+            <a:avLst/>
+          </a:prstGeom>
+        </p:spPr>
+      </p:pic>
+      <p:pic>
+        <p:nvPicPr>
+          <p:cNvPr id="20" name="Picture 19">
+            <a:extLst>
+              <a:ext uri="{FF2B5EF4-FFF2-40B4-BE49-F238E27FC236}">
+                <a16:creationId xmlns:a16="http://schemas.microsoft.com/office/drawing/2014/main" id="{DC547F19-825C-0261-A581-CC2A7D6BCD3E}"/>
+              </a:ext>
+            </a:extLst>
+          </p:cNvPr>
+          <p:cNvPicPr>
+            <a:picLocks noChangeAspect="1"/>
+          </p:cNvPicPr>
+          <p:nvPr/>
+        </p:nvPicPr>
+        <p:blipFill>
+          <a:blip r:embed="rId6"/>
+          <a:stretch>
+            <a:fillRect/>
+          </a:stretch>
+        </p:blipFill>
+        <p:spPr>
+          <a:xfrm>
+            <a:off x="6040899" y="3336387"/>
+            <a:ext cx="5911079" cy="1352910"/>
+          </a:xfrm>
+          <a:prstGeom prst="rect">
+            <a:avLst/>
+          </a:prstGeom>
+        </p:spPr>
+      </p:pic>
+    </p:spTree>
+    <p:extLst>
+      <p:ext uri="{BB962C8B-B14F-4D97-AF65-F5344CB8AC3E}">
+        <p14:creationId xmlns:p14="http://schemas.microsoft.com/office/powerpoint/2010/main" val="2028703642"/>
+      </p:ext>
+    </p:extLst>
+  </p:cSld>
+  <p:clrMapOvr>
+    <a:masterClrMapping/>
+  </p:clrMapOvr>
+</p:sld>
+</file>
+
+<file path=ppt/slides/slide9.xml><?xml version="1.0" encoding="utf-8"?>
+<p:sld xmlns:a="http://schemas.openxmlformats.org/drawingml/2006/main" xmlns:r="http://schemas.openxmlformats.org/officeDocument/2006/relationships" xmlns:p="http://schemas.openxmlformats.org/presentationml/2006/main">
+  <p:cSld>
+    <p:spTree>
+      <p:nvGrpSpPr>
+        <p:cNvPr id="1" name="">
+          <a:extLst>
+            <a:ext uri="{FF2B5EF4-FFF2-40B4-BE49-F238E27FC236}">
+              <a16:creationId xmlns:a16="http://schemas.microsoft.com/office/drawing/2014/main" id="{3FD823D7-2446-A056-178F-E2FEE8A72D2B}"/>
+            </a:ext>
+          </a:extLst>
+        </p:cNvPr>
+        <p:cNvGrpSpPr/>
+        <p:nvPr/>
+      </p:nvGrpSpPr>
+      <p:grpSpPr>
+        <a:xfrm>
+          <a:off x="0" y="0"/>
+          <a:ext cx="0" cy="0"/>
+          <a:chOff x="0" y="0"/>
+          <a:chExt cx="0" cy="0"/>
+        </a:xfrm>
+      </p:grpSpPr>
+      <p:sp>
+        <p:nvSpPr>
+          <p:cNvPr id="4" name="Title 1">
+            <a:extLst>
+              <a:ext uri="{FF2B5EF4-FFF2-40B4-BE49-F238E27FC236}">
+                <a16:creationId xmlns:a16="http://schemas.microsoft.com/office/drawing/2014/main" id="{BBD7C318-74D8-6EDC-BD9E-DF4E3818FC51}"/>
+              </a:ext>
+            </a:extLst>
+          </p:cNvPr>
+          <p:cNvSpPr txBox="1">
+            <a:spLocks/>
+          </p:cNvSpPr>
+          <p:nvPr/>
+        </p:nvSpPr>
+        <p:spPr>
+          <a:xfrm>
+            <a:off x="990600" y="383056"/>
+            <a:ext cx="10515600" cy="853976"/>
+          </a:xfrm>
+          <a:prstGeom prst="rect">
+            <a:avLst/>
+          </a:prstGeom>
+        </p:spPr>
+        <p:txBody>
+          <a:bodyPr vert="horz" lIns="91440" tIns="45720" rIns="91440" bIns="45720" rtlCol="0" anchor="ctr">
+            <a:normAutofit/>
+          </a:bodyPr>
+          <a:lstStyle>
+            <a:lvl1pPr algn="l" defTabSz="914400" rtl="0" eaLnBrk="1" latinLnBrk="0" hangingPunct="1">
+              <a:lnSpc>
+                <a:spcPct val="90000"/>
+              </a:lnSpc>
+              <a:spcBef>
+                <a:spcPct val="0"/>
+              </a:spcBef>
+              <a:buNone/>
+              <a:defRPr sz="3600" b="1" i="0" kern="1200" cap="all" baseline="0">
+                <a:solidFill>
+                  <a:schemeClr val="tx2"/>
+                </a:solidFill>
+                <a:latin typeface="+mj-lt"/>
+                <a:ea typeface="Open Sans Semibold" panose="020B0606030504020204" pitchFamily="34" charset="0"/>
+                <a:cs typeface="Open Sans Semibold" panose="020B0606030504020204" pitchFamily="34" charset="0"/>
+              </a:defRPr>
+            </a:lvl1pPr>
+          </a:lstStyle>
+          <a:p>
+            <a:r>
+              <a:rPr lang="en-US" dirty="0"/>
+              <a:t>FLASK – DODAVANJE (CREATE)</a:t>
+            </a:r>
+            <a:endParaRPr lang="hr-HR" dirty="0"/>
+          </a:p>
+        </p:txBody>
+      </p:sp>
+      <p:pic>
+        <p:nvPicPr>
+          <p:cNvPr id="6" name="Picture 5">
+            <a:extLst>
+              <a:ext uri="{FF2B5EF4-FFF2-40B4-BE49-F238E27FC236}">
+                <a16:creationId xmlns:a16="http://schemas.microsoft.com/office/drawing/2014/main" id="{1EAC4CF5-E4D6-B258-41B9-CE8399B337DD}"/>
+              </a:ext>
+            </a:extLst>
+          </p:cNvPr>
+          <p:cNvPicPr>
+            <a:picLocks noChangeAspect="1"/>
+          </p:cNvPicPr>
+          <p:nvPr/>
+        </p:nvPicPr>
+        <p:blipFill>
+          <a:blip r:embed="rId3"/>
+          <a:stretch>
+            <a:fillRect/>
+          </a:stretch>
+        </p:blipFill>
+        <p:spPr>
+          <a:xfrm>
+            <a:off x="1089504" y="2290887"/>
+            <a:ext cx="4572333" cy="737636"/>
+          </a:xfrm>
+          <a:prstGeom prst="rect">
+            <a:avLst/>
+          </a:prstGeom>
+        </p:spPr>
+      </p:pic>
+      <p:pic>
+        <p:nvPicPr>
+          <p:cNvPr id="10" name="Picture 9">
+            <a:extLst>
+              <a:ext uri="{FF2B5EF4-FFF2-40B4-BE49-F238E27FC236}">
+                <a16:creationId xmlns:a16="http://schemas.microsoft.com/office/drawing/2014/main" id="{41765BCD-0139-A966-28C4-8DDA3E39908C}"/>
+              </a:ext>
+            </a:extLst>
+          </p:cNvPr>
+          <p:cNvPicPr>
+            <a:picLocks noChangeAspect="1"/>
+          </p:cNvPicPr>
+          <p:nvPr/>
+        </p:nvPicPr>
+        <p:blipFill>
+          <a:blip r:embed="rId4"/>
+          <a:stretch>
+            <a:fillRect/>
+          </a:stretch>
+        </p:blipFill>
+        <p:spPr>
+          <a:xfrm>
+            <a:off x="1089503" y="3281472"/>
+            <a:ext cx="4572333" cy="724577"/>
+          </a:xfrm>
+          <a:prstGeom prst="rect">
+            <a:avLst/>
+          </a:prstGeom>
+        </p:spPr>
+      </p:pic>
+      <p:sp>
+        <p:nvSpPr>
+          <p:cNvPr id="12" name="Content Placeholder 2">
+            <a:extLst>
+              <a:ext uri="{FF2B5EF4-FFF2-40B4-BE49-F238E27FC236}">
+                <a16:creationId xmlns:a16="http://schemas.microsoft.com/office/drawing/2014/main" id="{BCFB7DD9-5131-8539-A430-F9E434015736}"/>
+              </a:ext>
+            </a:extLst>
+          </p:cNvPr>
+          <p:cNvSpPr txBox="1">
+            <a:spLocks/>
+          </p:cNvSpPr>
+          <p:nvPr/>
+        </p:nvSpPr>
+        <p:spPr>
+          <a:xfrm>
+            <a:off x="1172241" y="1404933"/>
+            <a:ext cx="5855438" cy="1961707"/>
+          </a:xfrm>
+          <a:prstGeom prst="rect">
+            <a:avLst/>
+          </a:prstGeom>
+        </p:spPr>
+        <p:txBody>
+          <a:bodyPr vert="horz" lIns="91440" tIns="45720" rIns="91440" bIns="45720" rtlCol="0">
+            <a:noAutofit/>
+          </a:bodyPr>
+          <a:lstStyle>
+            <a:lvl1pPr marL="368300" indent="-352425" algn="l" defTabSz="914400" rtl="0" eaLnBrk="1" latinLnBrk="0" hangingPunct="1">
+              <a:lnSpc>
+                <a:spcPct val="90000"/>
+              </a:lnSpc>
+              <a:spcBef>
+                <a:spcPts val="600"/>
+              </a:spcBef>
+              <a:spcAft>
+                <a:spcPts val="600"/>
+              </a:spcAft>
+              <a:buClr>
+                <a:schemeClr val="accent2"/>
+              </a:buClr>
+              <a:buFont typeface="Wingdings" pitchFamily="2" charset="2"/>
+              <a:buChar char="§"/>
+              <a:tabLst/>
+              <a:defRPr sz="2400" kern="1200">
+                <a:solidFill>
+                  <a:schemeClr val="tx1"/>
+                </a:solidFill>
+                <a:latin typeface="+mn-lt"/>
+                <a:ea typeface="Open Sans" panose="020B0606030504020204" pitchFamily="34" charset="0"/>
+                <a:cs typeface="Open Sans" panose="020B0606030504020204" pitchFamily="34" charset="0"/>
+              </a:defRPr>
+            </a:lvl1pPr>
+            <a:lvl2pPr marL="771525" indent="-274638" algn="l" defTabSz="914400" rtl="0" eaLnBrk="1" latinLnBrk="0" hangingPunct="1">
+              <a:lnSpc>
+                <a:spcPct val="90000"/>
+              </a:lnSpc>
+              <a:spcBef>
+                <a:spcPts val="600"/>
+              </a:spcBef>
+              <a:spcAft>
+                <a:spcPts val="600"/>
+              </a:spcAft>
+              <a:buClr>
+                <a:schemeClr val="accent2"/>
+              </a:buClr>
+              <a:buFont typeface="Wingdings" pitchFamily="2" charset="2"/>
+              <a:buChar char="§"/>
+              <a:tabLst/>
+              <a:defRPr sz="2200" kern="1200">
+                <a:solidFill>
+                  <a:schemeClr val="tx1"/>
+                </a:solidFill>
+                <a:latin typeface="+mn-lt"/>
+                <a:ea typeface="Open Sans" panose="020B0606030504020204" pitchFamily="34" charset="0"/>
+                <a:cs typeface="Open Sans" panose="020B0606030504020204" pitchFamily="34" charset="0"/>
+              </a:defRPr>
+            </a:lvl2pPr>
+            <a:lvl3pPr marL="1143000" indent="-228600" algn="l" defTabSz="914400" rtl="0" eaLnBrk="1" latinLnBrk="0" hangingPunct="1">
+              <a:lnSpc>
+                <a:spcPct val="90000"/>
+              </a:lnSpc>
+              <a:spcBef>
+                <a:spcPts val="600"/>
+              </a:spcBef>
+              <a:spcAft>
+                <a:spcPts val="600"/>
+              </a:spcAft>
+              <a:buClr>
+                <a:schemeClr val="accent2"/>
+              </a:buClr>
+              <a:buFont typeface="Wingdings" pitchFamily="2" charset="2"/>
+              <a:buChar char="§"/>
+              <a:defRPr sz="2000" kern="1200">
+                <a:solidFill>
+                  <a:schemeClr val="tx1"/>
+                </a:solidFill>
+                <a:latin typeface="+mn-lt"/>
+                <a:ea typeface="Open Sans" panose="020B0606030504020204" pitchFamily="34" charset="0"/>
+                <a:cs typeface="Open Sans" panose="020B0606030504020204" pitchFamily="34" charset="0"/>
+              </a:defRPr>
+            </a:lvl3pPr>
+            <a:lvl4pPr marL="1600200" indent="-228600" algn="l" defTabSz="914400" rtl="0" eaLnBrk="1" latinLnBrk="0" hangingPunct="1">
+              <a:lnSpc>
+                <a:spcPct val="90000"/>
+              </a:lnSpc>
+              <a:spcBef>
+                <a:spcPts val="600"/>
+              </a:spcBef>
+              <a:spcAft>
+                <a:spcPts val="600"/>
+              </a:spcAft>
+              <a:buClr>
+                <a:schemeClr val="accent2"/>
+              </a:buClr>
+              <a:buFont typeface="Wingdings" pitchFamily="2" charset="2"/>
+              <a:buChar char="§"/>
+              <a:defRPr sz="1800" kern="1200">
+                <a:solidFill>
+                  <a:schemeClr val="tx1"/>
+                </a:solidFill>
+                <a:latin typeface="+mn-lt"/>
+                <a:ea typeface="Open Sans" panose="020B0606030504020204" pitchFamily="34" charset="0"/>
+                <a:cs typeface="Open Sans" panose="020B0606030504020204" pitchFamily="34" charset="0"/>
+              </a:defRPr>
+            </a:lvl4pPr>
+            <a:lvl5pPr marL="1960563" indent="-225425" algn="l" defTabSz="914400" rtl="0" eaLnBrk="1" latinLnBrk="0" hangingPunct="1">
+              <a:lnSpc>
+                <a:spcPct val="90000"/>
+              </a:lnSpc>
+              <a:spcBef>
+                <a:spcPts val="600"/>
+              </a:spcBef>
+              <a:spcAft>
+                <a:spcPts val="600"/>
+              </a:spcAft>
+              <a:buClr>
+                <a:schemeClr val="accent2"/>
+              </a:buClr>
+              <a:buFont typeface="Wingdings" pitchFamily="2" charset="2"/>
+              <a:buChar char="§"/>
+              <a:tabLst/>
+              <a:defRPr sz="1600" kern="1200">
+                <a:solidFill>
+                  <a:schemeClr val="tx1"/>
+                </a:solidFill>
+                <a:latin typeface="+mn-lt"/>
+                <a:ea typeface="Open Sans" panose="020B0606030504020204" pitchFamily="34" charset="0"/>
+                <a:cs typeface="Open Sans" panose="020B0606030504020204" pitchFamily="34" charset="0"/>
+              </a:defRPr>
+            </a:lvl5pPr>
+            <a:lvl6pPr marL="2514600" indent="-228600" algn="l" defTabSz="914400" rtl="0" eaLnBrk="1" latinLnBrk="0" hangingPunct="1">
+              <a:lnSpc>
+                <a:spcPct val="90000"/>
+              </a:lnSpc>
+              <a:spcBef>
+                <a:spcPts val="500"/>
+              </a:spcBef>
+              <a:buFont typeface="Arial" panose="020B0604020202020204" pitchFamily="34" charset="0"/>
+              <a:buChar char="•"/>
+              <a:defRPr sz="1800" kern="1200">
+                <a:solidFill>
+                  <a:schemeClr val="tx1"/>
+                </a:solidFill>
+                <a:latin typeface="+mn-lt"/>
+                <a:ea typeface="+mn-ea"/>
+                <a:cs typeface="+mn-cs"/>
+              </a:defRPr>
+            </a:lvl6pPr>
+            <a:lvl7pPr marL="2971800" indent="-228600" algn="l" defTabSz="914400" rtl="0" eaLnBrk="1" latinLnBrk="0" hangingPunct="1">
+              <a:lnSpc>
+                <a:spcPct val="90000"/>
+              </a:lnSpc>
+              <a:spcBef>
+                <a:spcPts val="500"/>
+              </a:spcBef>
+              <a:buFont typeface="Arial" panose="020B0604020202020204" pitchFamily="34" charset="0"/>
+              <a:buChar char="•"/>
+              <a:defRPr sz="1800" kern="1200">
+                <a:solidFill>
+                  <a:schemeClr val="tx1"/>
+                </a:solidFill>
+                <a:latin typeface="+mn-lt"/>
+                <a:ea typeface="+mn-ea"/>
+                <a:cs typeface="+mn-cs"/>
+              </a:defRPr>
+            </a:lvl7pPr>
+            <a:lvl8pPr marL="3429000" indent="-228600" algn="l" defTabSz="914400" rtl="0" eaLnBrk="1" latinLnBrk="0" hangingPunct="1">
+              <a:lnSpc>
+                <a:spcPct val="90000"/>
+              </a:lnSpc>
+              <a:spcBef>
+                <a:spcPts val="500"/>
+              </a:spcBef>
+              <a:buFont typeface="Arial" panose="020B0604020202020204" pitchFamily="34" charset="0"/>
+              <a:buChar char="•"/>
+              <a:defRPr sz="1800" kern="1200">
+                <a:solidFill>
+                  <a:schemeClr val="tx1"/>
+                </a:solidFill>
+                <a:latin typeface="+mn-lt"/>
+                <a:ea typeface="+mn-ea"/>
+                <a:cs typeface="+mn-cs"/>
+              </a:defRPr>
+            </a:lvl8pPr>
+            <a:lvl9pPr marL="3886200" indent="-228600" algn="l" defTabSz="914400" rtl="0" eaLnBrk="1" latinLnBrk="0" hangingPunct="1">
+              <a:lnSpc>
+                <a:spcPct val="90000"/>
+              </a:lnSpc>
+              <a:spcBef>
+                <a:spcPts val="500"/>
+              </a:spcBef>
+              <a:buFont typeface="Arial" panose="020B0604020202020204" pitchFamily="34" charset="0"/>
+              <a:buChar char="•"/>
+              <a:defRPr sz="1800" kern="1200">
+                <a:solidFill>
+                  <a:schemeClr val="tx1"/>
+                </a:solidFill>
+                <a:latin typeface="+mn-lt"/>
+                <a:ea typeface="+mn-ea"/>
+                <a:cs typeface="+mn-cs"/>
+              </a:defRPr>
+            </a:lvl9pPr>
+          </a:lstStyle>
+          <a:p>
+            <a:pPr marL="15875" indent="0">
+              <a:buNone/>
+            </a:pPr>
+            <a:r>
+              <a:rPr lang="hr-HR" sz="1400" dirty="0"/>
+              <a:t>✔ Kako dohvatiti podatke o specifičnoj trgovini</a:t>
+            </a:r>
+            <a:br>
+              <a:rPr lang="hr-HR" sz="1400" dirty="0"/>
+            </a:br>
+            <a:r>
+              <a:rPr lang="hr-HR" sz="1400" dirty="0"/>
+              <a:t>✔ Kako dohvatiti samo artikle iz specifične trgovine</a:t>
+            </a:r>
+            <a:br>
+              <a:rPr lang="hr-HR" sz="1400" dirty="0"/>
+            </a:br>
+            <a:r>
+              <a:rPr lang="hr-HR" sz="1400" dirty="0"/>
+              <a:t>✔ Zašto je preporučljivo vraćati </a:t>
+            </a:r>
+            <a:r>
+              <a:rPr lang="hr-HR" sz="1400" dirty="0" err="1"/>
+              <a:t>dictionary</a:t>
+            </a:r>
+            <a:r>
+              <a:rPr lang="hr-HR" sz="1400" dirty="0"/>
+              <a:t> umjesto liste</a:t>
+            </a:r>
+          </a:p>
+        </p:txBody>
+      </p:sp>
+      <p:sp>
+        <p:nvSpPr>
+          <p:cNvPr id="18" name="Content Placeholder 2">
+            <a:extLst>
+              <a:ext uri="{FF2B5EF4-FFF2-40B4-BE49-F238E27FC236}">
+                <a16:creationId xmlns:a16="http://schemas.microsoft.com/office/drawing/2014/main" id="{2049D4C5-810B-DEF1-7F22-9ED36EBCA883}"/>
+              </a:ext>
+            </a:extLst>
+          </p:cNvPr>
+          <p:cNvSpPr txBox="1">
+            <a:spLocks/>
+          </p:cNvSpPr>
+          <p:nvPr/>
+        </p:nvSpPr>
+        <p:spPr>
+          <a:xfrm>
+            <a:off x="6578009" y="1404933"/>
+            <a:ext cx="5505893" cy="1614723"/>
+          </a:xfrm>
+          <a:prstGeom prst="rect">
+            <a:avLst/>
+          </a:prstGeom>
+        </p:spPr>
+        <p:txBody>
+          <a:bodyPr vert="horz" lIns="91440" tIns="45720" rIns="91440" bIns="45720" rtlCol="0">
+            <a:noAutofit/>
+          </a:bodyPr>
+          <a:lstStyle>
+            <a:lvl1pPr marL="368300" indent="-352425" algn="l" defTabSz="914400" rtl="0" eaLnBrk="1" latinLnBrk="0" hangingPunct="1">
+              <a:lnSpc>
+                <a:spcPct val="90000"/>
+              </a:lnSpc>
+              <a:spcBef>
+                <a:spcPts val="600"/>
+              </a:spcBef>
+              <a:spcAft>
+                <a:spcPts val="600"/>
+              </a:spcAft>
+              <a:buClr>
+                <a:schemeClr val="accent2"/>
+              </a:buClr>
+              <a:buFont typeface="Wingdings" pitchFamily="2" charset="2"/>
+              <a:buChar char="§"/>
+              <a:tabLst/>
+              <a:defRPr sz="2400" kern="1200">
+                <a:solidFill>
+                  <a:schemeClr val="tx1"/>
+                </a:solidFill>
+                <a:latin typeface="+mn-lt"/>
+                <a:ea typeface="Open Sans" panose="020B0606030504020204" pitchFamily="34" charset="0"/>
+                <a:cs typeface="Open Sans" panose="020B0606030504020204" pitchFamily="34" charset="0"/>
+              </a:defRPr>
+            </a:lvl1pPr>
+            <a:lvl2pPr marL="771525" indent="-274638" algn="l" defTabSz="914400" rtl="0" eaLnBrk="1" latinLnBrk="0" hangingPunct="1">
+              <a:lnSpc>
+                <a:spcPct val="90000"/>
+              </a:lnSpc>
+              <a:spcBef>
+                <a:spcPts val="600"/>
+              </a:spcBef>
+              <a:spcAft>
+                <a:spcPts val="600"/>
+              </a:spcAft>
+              <a:buClr>
+                <a:schemeClr val="accent2"/>
+              </a:buClr>
+              <a:buFont typeface="Wingdings" pitchFamily="2" charset="2"/>
+              <a:buChar char="§"/>
+              <a:tabLst/>
+              <a:defRPr sz="2200" kern="1200">
+                <a:solidFill>
+                  <a:schemeClr val="tx1"/>
+                </a:solidFill>
+                <a:latin typeface="+mn-lt"/>
+                <a:ea typeface="Open Sans" panose="020B0606030504020204" pitchFamily="34" charset="0"/>
+                <a:cs typeface="Open Sans" panose="020B0606030504020204" pitchFamily="34" charset="0"/>
+              </a:defRPr>
+            </a:lvl2pPr>
+            <a:lvl3pPr marL="1143000" indent="-228600" algn="l" defTabSz="914400" rtl="0" eaLnBrk="1" latinLnBrk="0" hangingPunct="1">
+              <a:lnSpc>
+                <a:spcPct val="90000"/>
+              </a:lnSpc>
+              <a:spcBef>
+                <a:spcPts val="600"/>
+              </a:spcBef>
+              <a:spcAft>
+                <a:spcPts val="600"/>
+              </a:spcAft>
+              <a:buClr>
+                <a:schemeClr val="accent2"/>
+              </a:buClr>
+              <a:buFont typeface="Wingdings" pitchFamily="2" charset="2"/>
+              <a:buChar char="§"/>
+              <a:defRPr sz="2000" kern="1200">
+                <a:solidFill>
+                  <a:schemeClr val="tx1"/>
+                </a:solidFill>
+                <a:latin typeface="+mn-lt"/>
+                <a:ea typeface="Open Sans" panose="020B0606030504020204" pitchFamily="34" charset="0"/>
+                <a:cs typeface="Open Sans" panose="020B0606030504020204" pitchFamily="34" charset="0"/>
+              </a:defRPr>
+            </a:lvl3pPr>
+            <a:lvl4pPr marL="1600200" indent="-228600" algn="l" defTabSz="914400" rtl="0" eaLnBrk="1" latinLnBrk="0" hangingPunct="1">
+              <a:lnSpc>
+                <a:spcPct val="90000"/>
+              </a:lnSpc>
+              <a:spcBef>
+                <a:spcPts val="600"/>
+              </a:spcBef>
+              <a:spcAft>
+                <a:spcPts val="600"/>
+              </a:spcAft>
+              <a:buClr>
+                <a:schemeClr val="accent2"/>
+              </a:buClr>
+              <a:buFont typeface="Wingdings" pitchFamily="2" charset="2"/>
+              <a:buChar char="§"/>
+              <a:defRPr sz="1800" kern="1200">
+                <a:solidFill>
+                  <a:schemeClr val="tx1"/>
+                </a:solidFill>
+                <a:latin typeface="+mn-lt"/>
+                <a:ea typeface="Open Sans" panose="020B0606030504020204" pitchFamily="34" charset="0"/>
+                <a:cs typeface="Open Sans" panose="020B0606030504020204" pitchFamily="34" charset="0"/>
+              </a:defRPr>
+            </a:lvl4pPr>
+            <a:lvl5pPr marL="1960563" indent="-225425" algn="l" defTabSz="914400" rtl="0" eaLnBrk="1" latinLnBrk="0" hangingPunct="1">
+              <a:lnSpc>
+                <a:spcPct val="90000"/>
+              </a:lnSpc>
+              <a:spcBef>
+                <a:spcPts val="600"/>
+              </a:spcBef>
+              <a:spcAft>
+                <a:spcPts val="600"/>
+              </a:spcAft>
+              <a:buClr>
+                <a:schemeClr val="accent2"/>
+              </a:buClr>
+              <a:buFont typeface="Wingdings" pitchFamily="2" charset="2"/>
+              <a:buChar char="§"/>
+              <a:tabLst/>
+              <a:defRPr sz="1600" kern="1200">
+                <a:solidFill>
+                  <a:schemeClr val="tx1"/>
+                </a:solidFill>
+                <a:latin typeface="+mn-lt"/>
+                <a:ea typeface="Open Sans" panose="020B0606030504020204" pitchFamily="34" charset="0"/>
+                <a:cs typeface="Open Sans" panose="020B0606030504020204" pitchFamily="34" charset="0"/>
+              </a:defRPr>
+            </a:lvl5pPr>
+            <a:lvl6pPr marL="2514600" indent="-228600" algn="l" defTabSz="914400" rtl="0" eaLnBrk="1" latinLnBrk="0" hangingPunct="1">
+              <a:lnSpc>
+                <a:spcPct val="90000"/>
+              </a:lnSpc>
+              <a:spcBef>
+                <a:spcPts val="500"/>
+              </a:spcBef>
+              <a:buFont typeface="Arial" panose="020B0604020202020204" pitchFamily="34" charset="0"/>
+              <a:buChar char="•"/>
+              <a:defRPr sz="1800" kern="1200">
+                <a:solidFill>
+                  <a:schemeClr val="tx1"/>
+                </a:solidFill>
+                <a:latin typeface="+mn-lt"/>
+                <a:ea typeface="+mn-ea"/>
+                <a:cs typeface="+mn-cs"/>
+              </a:defRPr>
+            </a:lvl6pPr>
+            <a:lvl7pPr marL="2971800" indent="-228600" algn="l" defTabSz="914400" rtl="0" eaLnBrk="1" latinLnBrk="0" hangingPunct="1">
+              <a:lnSpc>
+                <a:spcPct val="90000"/>
+              </a:lnSpc>
+              <a:spcBef>
+                <a:spcPts val="500"/>
+              </a:spcBef>
+              <a:buFont typeface="Arial" panose="020B0604020202020204" pitchFamily="34" charset="0"/>
+              <a:buChar char="•"/>
+              <a:defRPr sz="1800" kern="1200">
+                <a:solidFill>
+                  <a:schemeClr val="tx1"/>
+                </a:solidFill>
+                <a:latin typeface="+mn-lt"/>
+                <a:ea typeface="+mn-ea"/>
+                <a:cs typeface="+mn-cs"/>
+              </a:defRPr>
+            </a:lvl7pPr>
+            <a:lvl8pPr marL="3429000" indent="-228600" algn="l" defTabSz="914400" rtl="0" eaLnBrk="1" latinLnBrk="0" hangingPunct="1">
+              <a:lnSpc>
+                <a:spcPct val="90000"/>
+              </a:lnSpc>
+              <a:spcBef>
+                <a:spcPts val="500"/>
+              </a:spcBef>
+              <a:buFont typeface="Arial" panose="020B0604020202020204" pitchFamily="34" charset="0"/>
+              <a:buChar char="•"/>
+              <a:defRPr sz="1800" kern="1200">
+                <a:solidFill>
+                  <a:schemeClr val="tx1"/>
+                </a:solidFill>
+                <a:latin typeface="+mn-lt"/>
+                <a:ea typeface="+mn-ea"/>
+                <a:cs typeface="+mn-cs"/>
+              </a:defRPr>
+            </a:lvl8pPr>
+            <a:lvl9pPr marL="3886200" indent="-228600" algn="l" defTabSz="914400" rtl="0" eaLnBrk="1" latinLnBrk="0" hangingPunct="1">
+              <a:lnSpc>
+                <a:spcPct val="90000"/>
+              </a:lnSpc>
+              <a:spcBef>
+                <a:spcPts val="500"/>
+              </a:spcBef>
+              <a:buFont typeface="Arial" panose="020B0604020202020204" pitchFamily="34" charset="0"/>
+              <a:buChar char="•"/>
+              <a:defRPr sz="1800" kern="1200">
+                <a:solidFill>
+                  <a:schemeClr val="tx1"/>
+                </a:solidFill>
+                <a:latin typeface="+mn-lt"/>
+                <a:ea typeface="+mn-ea"/>
+                <a:cs typeface="+mn-cs"/>
+              </a:defRPr>
+            </a:lvl9pPr>
+          </a:lstStyle>
+          <a:p>
+            <a:pPr>
+              <a:buNone/>
+            </a:pPr>
+            <a:r>
+              <a:rPr lang="hr-HR" sz="1100" dirty="0"/>
+              <a:t>Zašto vraćati </a:t>
+            </a:r>
+            <a:r>
+              <a:rPr lang="hr-HR" sz="1100" dirty="0" err="1"/>
+              <a:t>dictionary</a:t>
+            </a:r>
+            <a:r>
+              <a:rPr lang="hr-HR" sz="1100" dirty="0"/>
+              <a:t> umjesto liste?</a:t>
+            </a:r>
+          </a:p>
+          <a:p>
+            <a:pPr>
+              <a:buNone/>
+            </a:pPr>
+            <a:r>
+              <a:rPr lang="hr-HR" sz="1100" dirty="0"/>
+              <a:t>Fleksibilnost:</a:t>
+            </a:r>
+            <a:br>
+              <a:rPr lang="hr-HR" sz="1100" dirty="0"/>
+            </a:br>
+            <a:r>
+              <a:rPr lang="hr-HR" sz="1100" dirty="0"/>
+              <a:t>Vraćanjem </a:t>
+            </a:r>
+            <a:r>
+              <a:rPr lang="hr-HR" sz="1100" dirty="0" err="1"/>
+              <a:t>dictionary</a:t>
+            </a:r>
+            <a:r>
+              <a:rPr lang="hr-HR" sz="1100" dirty="0"/>
+              <a:t>-ja (npr. {'</a:t>
+            </a:r>
+            <a:r>
+              <a:rPr lang="hr-HR" sz="1100" dirty="0" err="1"/>
+              <a:t>items</a:t>
+            </a:r>
+            <a:r>
+              <a:rPr lang="hr-HR" sz="1100" dirty="0"/>
+              <a:t>': [...]}) lako možete proširiti odgovor dodavanjem dodatnih podataka (npr. poruka, tagova, statusa) bez potrebe za promjenom formata koji klijent očekuje</a:t>
+            </a:r>
+          </a:p>
+          <a:p>
+            <a:r>
+              <a:rPr lang="hr-HR" sz="1100" dirty="0"/>
+              <a:t>Kompatibilnost:</a:t>
+            </a:r>
+            <a:br>
+              <a:rPr lang="hr-HR" sz="1100" dirty="0"/>
+            </a:br>
+            <a:r>
+              <a:rPr lang="hr-HR" sz="1100" dirty="0"/>
+              <a:t>Ako se kasnije odlučite promijeniti strukturu odgovora, klijenti neće morati mijenjati svoju logiku ako je JSON objekt konzistentan</a:t>
+            </a:r>
+          </a:p>
+        </p:txBody>
+      </p:sp>
+      <p:pic>
+        <p:nvPicPr>
+          <p:cNvPr id="22" name="Picture 21">
+            <a:extLst>
+              <a:ext uri="{FF2B5EF4-FFF2-40B4-BE49-F238E27FC236}">
+                <a16:creationId xmlns:a16="http://schemas.microsoft.com/office/drawing/2014/main" id="{F509526F-D129-5D8B-A7FD-B2FE3B5676A6}"/>
+              </a:ext>
+            </a:extLst>
+          </p:cNvPr>
+          <p:cNvPicPr>
+            <a:picLocks noChangeAspect="1"/>
+          </p:cNvPicPr>
+          <p:nvPr/>
+        </p:nvPicPr>
+        <p:blipFill>
+          <a:blip r:embed="rId5"/>
+          <a:stretch>
+            <a:fillRect/>
+          </a:stretch>
+        </p:blipFill>
+        <p:spPr>
+          <a:xfrm>
+            <a:off x="1089503" y="4420495"/>
+            <a:ext cx="2200275" cy="666750"/>
+          </a:xfrm>
+          <a:prstGeom prst="rect">
+            <a:avLst/>
+          </a:prstGeom>
+        </p:spPr>
+      </p:pic>
+      <p:pic>
+        <p:nvPicPr>
+          <p:cNvPr id="24" name="Picture 23">
+            <a:extLst>
+              <a:ext uri="{FF2B5EF4-FFF2-40B4-BE49-F238E27FC236}">
+                <a16:creationId xmlns:a16="http://schemas.microsoft.com/office/drawing/2014/main" id="{5F10C158-FC9D-1491-79F0-606F1D898C41}"/>
+              </a:ext>
+            </a:extLst>
+          </p:cNvPr>
+          <p:cNvPicPr>
+            <a:picLocks noChangeAspect="1"/>
+          </p:cNvPicPr>
+          <p:nvPr/>
+        </p:nvPicPr>
+        <p:blipFill>
+          <a:blip r:embed="rId6"/>
+          <a:stretch>
+            <a:fillRect/>
+          </a:stretch>
+        </p:blipFill>
+        <p:spPr>
+          <a:xfrm>
+            <a:off x="6578009" y="3288104"/>
+            <a:ext cx="3975911" cy="1099172"/>
+          </a:xfrm>
+          <a:prstGeom prst="rect">
+            <a:avLst/>
+          </a:prstGeom>
+        </p:spPr>
+      </p:pic>
+      <p:pic>
+        <p:nvPicPr>
+          <p:cNvPr id="26" name="Picture 25">
+            <a:extLst>
+              <a:ext uri="{FF2B5EF4-FFF2-40B4-BE49-F238E27FC236}">
+                <a16:creationId xmlns:a16="http://schemas.microsoft.com/office/drawing/2014/main" id="{AE2B55A4-159F-749C-CC85-81EC44776DCF}"/>
+              </a:ext>
+            </a:extLst>
+          </p:cNvPr>
+          <p:cNvPicPr>
+            <a:picLocks noChangeAspect="1"/>
+          </p:cNvPicPr>
+          <p:nvPr/>
+        </p:nvPicPr>
+        <p:blipFill>
+          <a:blip r:embed="rId7"/>
+          <a:stretch>
+            <a:fillRect/>
+          </a:stretch>
+        </p:blipFill>
+        <p:spPr>
+          <a:xfrm>
+            <a:off x="6578009" y="4407213"/>
+            <a:ext cx="3696789" cy="1233935"/>
+          </a:xfrm>
+          <a:prstGeom prst="rect">
+            <a:avLst/>
+          </a:prstGeom>
+        </p:spPr>
+      </p:pic>
+    </p:spTree>
+    <p:extLst>
+      <p:ext uri="{BB962C8B-B14F-4D97-AF65-F5344CB8AC3E}">
+        <p14:creationId xmlns:p14="http://schemas.microsoft.com/office/powerpoint/2010/main" val="3629795370"/>
       </p:ext>
     </p:extLst>
   </p:cSld>
@@ -13912,15 +21070,6 @@
 </file>
 
 <file path=customXml/item2.xml><?xml version="1.0" encoding="utf-8"?>
-<?mso-contentType ?>
-<FormTemplates xmlns="http://schemas.microsoft.com/sharepoint/v3/contenttype/forms">
-  <Display>DocumentLibraryForm</Display>
-  <Edit>DocumentLibraryForm</Edit>
-  <New>DocumentLibraryForm</New>
-</FormTemplates>
-</file>
-
-<file path=customXml/item3.xml><?xml version="1.0" encoding="utf-8"?>
 <p:properties xmlns:p="http://schemas.microsoft.com/office/2006/metadata/properties" xmlns:xsi="http://www.w3.org/2001/XMLSchema-instance" xmlns:pc="http://schemas.microsoft.com/office/infopath/2007/PartnerControls">
   <documentManagement>
     <lcf76f155ced4ddcb4097134ff3c332f xmlns="40806f44-bc4a-4ea4-b660-c6da93f8f179">
@@ -13929,6 +21078,15 @@
     <TaxCatchAll xmlns="758d0d8f-b783-4c78-ab73-9740c97b97cf" xsi:nil="true"/>
   </documentManagement>
 </p:properties>
+</file>
+
+<file path=customXml/item3.xml><?xml version="1.0" encoding="utf-8"?>
+<?mso-contentType ?>
+<FormTemplates xmlns="http://schemas.microsoft.com/sharepoint/v3/contenttype/forms">
+  <Display>DocumentLibraryForm</Display>
+  <Edit>DocumentLibraryForm</Edit>
+  <New>DocumentLibraryForm</New>
+</FormTemplates>
 </file>
 
 <file path=customXml/itemProps1.xml><?xml version="1.0" encoding="utf-8"?>
@@ -13951,14 +21109,6 @@
 </file>
 
 <file path=customXml/itemProps2.xml><?xml version="1.0" encoding="utf-8"?>
-<ds:datastoreItem xmlns:ds="http://schemas.openxmlformats.org/officeDocument/2006/customXml" ds:itemID="{46915D30-CAA6-465E-907F-1770D4E3B01D}">
-  <ds:schemaRefs>
-    <ds:schemaRef ds:uri="http://schemas.microsoft.com/sharepoint/v3/contenttype/forms"/>
-  </ds:schemaRefs>
-</ds:datastoreItem>
-</file>
-
-<file path=customXml/itemProps3.xml><?xml version="1.0" encoding="utf-8"?>
 <ds:datastoreItem xmlns:ds="http://schemas.openxmlformats.org/officeDocument/2006/customXml" ds:itemID="{61E72F81-8533-461E-8E71-A6D77294CFEF}">
   <ds:schemaRefs>
     <ds:schemaRef ds:uri="http://purl.org/dc/elements/1.1/"/>
@@ -13973,4 +21123,12 @@
     <ds:schemaRef ds:uri="http://schemas.microsoft.com/office/2006/metadata/properties"/>
   </ds:schemaRefs>
 </ds:datastoreItem>
+</file>
+
+<file path=customXml/itemProps3.xml><?xml version="1.0" encoding="utf-8"?>
+<ds:datastoreItem xmlns:ds="http://schemas.openxmlformats.org/officeDocument/2006/customXml" ds:itemID="{46915D30-CAA6-465E-907F-1770D4E3B01D}">
+  <ds:schemaRefs>
+    <ds:schemaRef ds:uri="http://schemas.microsoft.com/sharepoint/v3/contenttype/forms"/>
+  </ds:schemaRefs>
+</ds:datastoreItem>
 </file>
--- a/Bootcamp/flask/flask.pptx
+++ b/Bootcamp/flask/flask.pptx
@@ -5,7 +5,7 @@
     <p:sldMasterId id="2147483648" r:id="rId4"/>
   </p:sldMasterIdLst>
   <p:notesMasterIdLst>
-    <p:notesMasterId r:id="rId18"/>
+    <p:notesMasterId r:id="rId16"/>
   </p:notesMasterIdLst>
   <p:sldIdLst>
     <p:sldId id="282" r:id="rId5"/>
@@ -17,10 +17,8 @@
     <p:sldId id="415" r:id="rId11"/>
     <p:sldId id="416" r:id="rId12"/>
     <p:sldId id="417" r:id="rId13"/>
-    <p:sldId id="378" r:id="rId14"/>
-    <p:sldId id="381" r:id="rId15"/>
-    <p:sldId id="382" r:id="rId16"/>
-    <p:sldId id="410" r:id="rId17"/>
+    <p:sldId id="418" r:id="rId14"/>
+    <p:sldId id="378" r:id="rId15"/>
   </p:sldIdLst>
   <p:sldSz cx="12192000" cy="6858000"/>
   <p:notesSz cx="6858000" cy="9144000"/>
@@ -137,10 +135,8 @@
             <p14:sldId id="415"/>
             <p14:sldId id="416"/>
             <p14:sldId id="417"/>
+            <p14:sldId id="418"/>
             <p14:sldId id="378"/>
-            <p14:sldId id="381"/>
-            <p14:sldId id="382"/>
-            <p14:sldId id="410"/>
           </p14:sldIdLst>
         </p14:section>
       </p14:sectionLst>
@@ -245,7 +241,7 @@
           <a:p>
             <a:fld id="{B2A70591-2E3C-5F42-A4E1-C0F5A0F4E5DB}" type="datetimeFigureOut">
               <a:rPr lang="en-US" smtClean="0"/>
-              <a:t>3/14/2025</a:t>
+              <a:t>3/15/2025</a:t>
             </a:fld>
             <a:endParaRPr lang="en-US"/>
           </a:p>
@@ -629,7 +625,7 @@
         <p:cNvPr id="1" name="">
           <a:extLst>
             <a:ext uri="{FF2B5EF4-FFF2-40B4-BE49-F238E27FC236}">
-              <a16:creationId xmlns:a16="http://schemas.microsoft.com/office/drawing/2014/main" id="{79A80698-9A03-8C37-B72B-F0243E9EC1E3}"/>
+              <a16:creationId xmlns:a16="http://schemas.microsoft.com/office/drawing/2014/main" id="{4F32F5CD-A2DA-DD60-9A45-CC97E0363F9A}"/>
             </a:ext>
           </a:extLst>
         </p:cNvPr>
@@ -649,7 +645,7 @@
           <p:cNvPr id="2" name="Slide Image Placeholder 1">
             <a:extLst>
               <a:ext uri="{FF2B5EF4-FFF2-40B4-BE49-F238E27FC236}">
-                <a16:creationId xmlns:a16="http://schemas.microsoft.com/office/drawing/2014/main" id="{4CF7059B-13E9-BE0E-2C30-527AF686E46D}"/>
+                <a16:creationId xmlns:a16="http://schemas.microsoft.com/office/drawing/2014/main" id="{F74C1F54-F75E-E6EF-02BB-6B7640CF52AF}"/>
               </a:ext>
             </a:extLst>
           </p:cNvPr>
@@ -667,7 +663,7 @@
           <p:cNvPr id="3" name="Notes Placeholder 2">
             <a:extLst>
               <a:ext uri="{FF2B5EF4-FFF2-40B4-BE49-F238E27FC236}">
-                <a16:creationId xmlns:a16="http://schemas.microsoft.com/office/drawing/2014/main" id="{45325F76-D5D1-9151-F020-AA0FA7FF6553}"/>
+                <a16:creationId xmlns:a16="http://schemas.microsoft.com/office/drawing/2014/main" id="{74EDBDA2-31AB-B8AC-5E4B-BFEBC5570DD6}"/>
               </a:ext>
             </a:extLst>
           </p:cNvPr>
@@ -692,7 +688,7 @@
           <p:cNvPr id="4" name="Slide Number Placeholder 3">
             <a:extLst>
               <a:ext uri="{FF2B5EF4-FFF2-40B4-BE49-F238E27FC236}">
-                <a16:creationId xmlns:a16="http://schemas.microsoft.com/office/drawing/2014/main" id="{27F2B251-E1F4-C9E7-09C2-92E7B5008481}"/>
+                <a16:creationId xmlns:a16="http://schemas.microsoft.com/office/drawing/2014/main" id="{122A1C05-6BC9-2947-A3F1-2736F5A627D8}"/>
               </a:ext>
             </a:extLst>
           </p:cNvPr>
@@ -719,223 +715,7 @@
     </p:spTree>
     <p:extLst>
       <p:ext uri="{BB962C8B-B14F-4D97-AF65-F5344CB8AC3E}">
-        <p14:creationId xmlns:p14="http://schemas.microsoft.com/office/powerpoint/2010/main" val="739244900"/>
-      </p:ext>
-    </p:extLst>
-  </p:cSld>
-  <p:clrMapOvr>
-    <a:masterClrMapping/>
-  </p:clrMapOvr>
-</p:notes>
-</file>
-
-<file path=ppt/notesSlides/notesSlide11.xml><?xml version="1.0" encoding="utf-8"?>
-<p:notes xmlns:a="http://schemas.openxmlformats.org/drawingml/2006/main" xmlns:r="http://schemas.openxmlformats.org/officeDocument/2006/relationships" xmlns:p="http://schemas.openxmlformats.org/presentationml/2006/main">
-  <p:cSld>
-    <p:spTree>
-      <p:nvGrpSpPr>
-        <p:cNvPr id="1" name="">
-          <a:extLst>
-            <a:ext uri="{FF2B5EF4-FFF2-40B4-BE49-F238E27FC236}">
-              <a16:creationId xmlns:a16="http://schemas.microsoft.com/office/drawing/2014/main" id="{B9C6B58C-9B13-BE82-AAA7-B1BF22792D2F}"/>
-            </a:ext>
-          </a:extLst>
-        </p:cNvPr>
-        <p:cNvGrpSpPr/>
-        <p:nvPr/>
-      </p:nvGrpSpPr>
-      <p:grpSpPr>
-        <a:xfrm>
-          <a:off x="0" y="0"/>
-          <a:ext cx="0" cy="0"/>
-          <a:chOff x="0" y="0"/>
-          <a:chExt cx="0" cy="0"/>
-        </a:xfrm>
-      </p:grpSpPr>
-      <p:sp>
-        <p:nvSpPr>
-          <p:cNvPr id="2" name="Slide Image Placeholder 1">
-            <a:extLst>
-              <a:ext uri="{FF2B5EF4-FFF2-40B4-BE49-F238E27FC236}">
-                <a16:creationId xmlns:a16="http://schemas.microsoft.com/office/drawing/2014/main" id="{9D8C17E5-EFB5-B539-7C5B-657BDBE0C839}"/>
-              </a:ext>
-            </a:extLst>
-          </p:cNvPr>
-          <p:cNvSpPr>
-            <a:spLocks noGrp="1" noRot="1" noChangeAspect="1"/>
-          </p:cNvSpPr>
-          <p:nvPr>
-            <p:ph type="sldImg"/>
-          </p:nvPr>
-        </p:nvSpPr>
-        <p:spPr/>
-      </p:sp>
-      <p:sp>
-        <p:nvSpPr>
-          <p:cNvPr id="3" name="Notes Placeholder 2">
-            <a:extLst>
-              <a:ext uri="{FF2B5EF4-FFF2-40B4-BE49-F238E27FC236}">
-                <a16:creationId xmlns:a16="http://schemas.microsoft.com/office/drawing/2014/main" id="{E26EB323-CD1C-C7B8-DC90-A8A84843FEBC}"/>
-              </a:ext>
-            </a:extLst>
-          </p:cNvPr>
-          <p:cNvSpPr>
-            <a:spLocks noGrp="1"/>
-          </p:cNvSpPr>
-          <p:nvPr>
-            <p:ph type="body" idx="1"/>
-          </p:nvPr>
-        </p:nvSpPr>
-        <p:spPr/>
-        <p:txBody>
-          <a:bodyPr/>
-          <a:lstStyle/>
-          <a:p>
-            <a:endParaRPr lang="hr-HR" dirty="0"/>
-          </a:p>
-        </p:txBody>
-      </p:sp>
-      <p:sp>
-        <p:nvSpPr>
-          <p:cNvPr id="4" name="Slide Number Placeholder 3">
-            <a:extLst>
-              <a:ext uri="{FF2B5EF4-FFF2-40B4-BE49-F238E27FC236}">
-                <a16:creationId xmlns:a16="http://schemas.microsoft.com/office/drawing/2014/main" id="{DFEF5C96-CF65-6E2C-87B2-0422C3B6D207}"/>
-              </a:ext>
-            </a:extLst>
-          </p:cNvPr>
-          <p:cNvSpPr>
-            <a:spLocks noGrp="1"/>
-          </p:cNvSpPr>
-          <p:nvPr>
-            <p:ph type="sldNum" sz="quarter" idx="5"/>
-          </p:nvPr>
-        </p:nvSpPr>
-        <p:spPr/>
-        <p:txBody>
-          <a:bodyPr/>
-          <a:lstStyle/>
-          <a:p>
-            <a:fld id="{343B951A-A665-1949-AEDB-B62DC9BE7F13}" type="slidenum">
-              <a:rPr lang="en-US" smtClean="0"/>
-              <a:t>12</a:t>
-            </a:fld>
-            <a:endParaRPr lang="en-US"/>
-          </a:p>
-        </p:txBody>
-      </p:sp>
-    </p:spTree>
-    <p:extLst>
-      <p:ext uri="{BB962C8B-B14F-4D97-AF65-F5344CB8AC3E}">
-        <p14:creationId xmlns:p14="http://schemas.microsoft.com/office/powerpoint/2010/main" val="3044125037"/>
-      </p:ext>
-    </p:extLst>
-  </p:cSld>
-  <p:clrMapOvr>
-    <a:masterClrMapping/>
-  </p:clrMapOvr>
-</p:notes>
-</file>
-
-<file path=ppt/notesSlides/notesSlide12.xml><?xml version="1.0" encoding="utf-8"?>
-<p:notes xmlns:a="http://schemas.openxmlformats.org/drawingml/2006/main" xmlns:r="http://schemas.openxmlformats.org/officeDocument/2006/relationships" xmlns:p="http://schemas.openxmlformats.org/presentationml/2006/main">
-  <p:cSld>
-    <p:spTree>
-      <p:nvGrpSpPr>
-        <p:cNvPr id="1" name="">
-          <a:extLst>
-            <a:ext uri="{FF2B5EF4-FFF2-40B4-BE49-F238E27FC236}">
-              <a16:creationId xmlns:a16="http://schemas.microsoft.com/office/drawing/2014/main" id="{1D7B5311-A11E-2D05-F3DF-DE880AFD7926}"/>
-            </a:ext>
-          </a:extLst>
-        </p:cNvPr>
-        <p:cNvGrpSpPr/>
-        <p:nvPr/>
-      </p:nvGrpSpPr>
-      <p:grpSpPr>
-        <a:xfrm>
-          <a:off x="0" y="0"/>
-          <a:ext cx="0" cy="0"/>
-          <a:chOff x="0" y="0"/>
-          <a:chExt cx="0" cy="0"/>
-        </a:xfrm>
-      </p:grpSpPr>
-      <p:sp>
-        <p:nvSpPr>
-          <p:cNvPr id="2" name="Slide Image Placeholder 1">
-            <a:extLst>
-              <a:ext uri="{FF2B5EF4-FFF2-40B4-BE49-F238E27FC236}">
-                <a16:creationId xmlns:a16="http://schemas.microsoft.com/office/drawing/2014/main" id="{D6D9FACF-F1A1-08DC-09A2-4637F3A457C7}"/>
-              </a:ext>
-            </a:extLst>
-          </p:cNvPr>
-          <p:cNvSpPr>
-            <a:spLocks noGrp="1" noRot="1" noChangeAspect="1"/>
-          </p:cNvSpPr>
-          <p:nvPr>
-            <p:ph type="sldImg"/>
-          </p:nvPr>
-        </p:nvSpPr>
-        <p:spPr/>
-      </p:sp>
-      <p:sp>
-        <p:nvSpPr>
-          <p:cNvPr id="3" name="Notes Placeholder 2">
-            <a:extLst>
-              <a:ext uri="{FF2B5EF4-FFF2-40B4-BE49-F238E27FC236}">
-                <a16:creationId xmlns:a16="http://schemas.microsoft.com/office/drawing/2014/main" id="{FB2D9268-0AB0-70BE-6CC7-E5E6CE05E16A}"/>
-              </a:ext>
-            </a:extLst>
-          </p:cNvPr>
-          <p:cNvSpPr>
-            <a:spLocks noGrp="1"/>
-          </p:cNvSpPr>
-          <p:nvPr>
-            <p:ph type="body" idx="1"/>
-          </p:nvPr>
-        </p:nvSpPr>
-        <p:spPr/>
-        <p:txBody>
-          <a:bodyPr/>
-          <a:lstStyle/>
-          <a:p>
-            <a:endParaRPr lang="hr-HR" dirty="0"/>
-          </a:p>
-        </p:txBody>
-      </p:sp>
-      <p:sp>
-        <p:nvSpPr>
-          <p:cNvPr id="4" name="Slide Number Placeholder 3">
-            <a:extLst>
-              <a:ext uri="{FF2B5EF4-FFF2-40B4-BE49-F238E27FC236}">
-                <a16:creationId xmlns:a16="http://schemas.microsoft.com/office/drawing/2014/main" id="{CA76A95D-ADFB-3F21-A9B9-6CE11FD00986}"/>
-              </a:ext>
-            </a:extLst>
-          </p:cNvPr>
-          <p:cNvSpPr>
-            <a:spLocks noGrp="1"/>
-          </p:cNvSpPr>
-          <p:nvPr>
-            <p:ph type="sldNum" sz="quarter" idx="5"/>
-          </p:nvPr>
-        </p:nvSpPr>
-        <p:spPr/>
-        <p:txBody>
-          <a:bodyPr/>
-          <a:lstStyle/>
-          <a:p>
-            <a:fld id="{343B951A-A665-1949-AEDB-B62DC9BE7F13}" type="slidenum">
-              <a:rPr lang="en-US" smtClean="0"/>
-              <a:t>13</a:t>
-            </a:fld>
-            <a:endParaRPr lang="en-US"/>
-          </a:p>
-        </p:txBody>
-      </p:sp>
-    </p:spTree>
-    <p:extLst>
-      <p:ext uri="{BB962C8B-B14F-4D97-AF65-F5344CB8AC3E}">
-        <p14:creationId xmlns:p14="http://schemas.microsoft.com/office/powerpoint/2010/main" val="3248549462"/>
+        <p14:creationId xmlns:p14="http://schemas.microsoft.com/office/powerpoint/2010/main" val="978507786"/>
       </p:ext>
     </p:extLst>
   </p:cSld>
@@ -2178,7 +1958,7 @@
         <p:cNvPr id="1" name="">
           <a:extLst>
             <a:ext uri="{FF2B5EF4-FFF2-40B4-BE49-F238E27FC236}">
-              <a16:creationId xmlns:a16="http://schemas.microsoft.com/office/drawing/2014/main" id="{4F32F5CD-A2DA-DD60-9A45-CC97E0363F9A}"/>
+              <a16:creationId xmlns:a16="http://schemas.microsoft.com/office/drawing/2014/main" id="{24C6EC26-D244-3BDC-1474-9C314BBC9772}"/>
             </a:ext>
           </a:extLst>
         </p:cNvPr>
@@ -2198,7 +1978,7 @@
           <p:cNvPr id="2" name="Slide Image Placeholder 1">
             <a:extLst>
               <a:ext uri="{FF2B5EF4-FFF2-40B4-BE49-F238E27FC236}">
-                <a16:creationId xmlns:a16="http://schemas.microsoft.com/office/drawing/2014/main" id="{F74C1F54-F75E-E6EF-02BB-6B7640CF52AF}"/>
+                <a16:creationId xmlns:a16="http://schemas.microsoft.com/office/drawing/2014/main" id="{403D9357-8BBA-8DF3-3F26-1F8E2ECB0053}"/>
               </a:ext>
             </a:extLst>
           </p:cNvPr>
@@ -2216,7 +1996,7 @@
           <p:cNvPr id="3" name="Notes Placeholder 2">
             <a:extLst>
               <a:ext uri="{FF2B5EF4-FFF2-40B4-BE49-F238E27FC236}">
-                <a16:creationId xmlns:a16="http://schemas.microsoft.com/office/drawing/2014/main" id="{74EDBDA2-31AB-B8AC-5E4B-BFEBC5570DD6}"/>
+                <a16:creationId xmlns:a16="http://schemas.microsoft.com/office/drawing/2014/main" id="{98EBB5E7-A1AB-642A-C450-8BA794DEC8D4}"/>
               </a:ext>
             </a:extLst>
           </p:cNvPr>
@@ -2241,7 +2021,7 @@
           <p:cNvPr id="4" name="Slide Number Placeholder 3">
             <a:extLst>
               <a:ext uri="{FF2B5EF4-FFF2-40B4-BE49-F238E27FC236}">
-                <a16:creationId xmlns:a16="http://schemas.microsoft.com/office/drawing/2014/main" id="{122A1C05-6BC9-2947-A3F1-2736F5A627D8}"/>
+                <a16:creationId xmlns:a16="http://schemas.microsoft.com/office/drawing/2014/main" id="{8D64FAA0-45AD-B15E-2E98-2DE9895A1BA8}"/>
               </a:ext>
             </a:extLst>
           </p:cNvPr>
@@ -2268,7 +2048,7 @@
     </p:spTree>
     <p:extLst>
       <p:ext uri="{BB962C8B-B14F-4D97-AF65-F5344CB8AC3E}">
-        <p14:creationId xmlns:p14="http://schemas.microsoft.com/office/powerpoint/2010/main" val="978507786"/>
+        <p14:creationId xmlns:p14="http://schemas.microsoft.com/office/powerpoint/2010/main" val="3391273579"/>
       </p:ext>
     </p:extLst>
   </p:cSld>
@@ -2970,7 +2750,7 @@
                 <a:ea typeface="Open Sans" panose="020B0606030504020204" pitchFamily="34" charset="0"/>
                 <a:cs typeface="Open Sans" panose="020B0606030504020204" pitchFamily="34" charset="0"/>
               </a:rPr>
-              <a:t>14/03/2025</a:t>
+              <a:t>15/03/2025</a:t>
             </a:fld>
             <a:endParaRPr lang="en-GB" sz="1800" b="0" i="0" kern="1200" dirty="0">
               <a:solidFill>
@@ -3715,7 +3495,7 @@
                 <a:ea typeface="Open Sans" panose="020B0606030504020204" pitchFamily="34" charset="0"/>
                 <a:cs typeface="Open Sans" panose="020B0606030504020204" pitchFamily="34" charset="0"/>
               </a:rPr>
-              <a:t>14/03/2025</a:t>
+              <a:t>15/03/2025</a:t>
             </a:fld>
             <a:endParaRPr lang="en-GB" sz="1800" b="0" i="0" kern="1200" dirty="0">
               <a:solidFill>
@@ -4238,7 +4018,7 @@
                 <a:ea typeface="Open Sans" panose="020B0606030504020204" pitchFamily="34" charset="0"/>
                 <a:cs typeface="Open Sans" panose="020B0606030504020204" pitchFamily="34" charset="0"/>
               </a:rPr>
-              <a:t>14/03/2025</a:t>
+              <a:t>15/03/2025</a:t>
             </a:fld>
             <a:endParaRPr lang="en-GB" sz="1800" b="0" i="0" kern="1200" dirty="0">
               <a:solidFill>
@@ -5204,7 +4984,7 @@
                 <a:ea typeface="Open Sans" panose="020B0606030504020204" pitchFamily="34" charset="0"/>
                 <a:cs typeface="Open Sans" panose="020B0606030504020204" pitchFamily="34" charset="0"/>
               </a:rPr>
-              <a:t>14/03/2025</a:t>
+              <a:t>15/03/2025</a:t>
             </a:fld>
             <a:endParaRPr lang="en-GB" sz="1800" b="0" i="0" kern="1200" dirty="0">
               <a:solidFill>
@@ -5643,7 +5423,7 @@
                 <a:ea typeface="Open Sans" panose="020B0606030504020204" pitchFamily="34" charset="0"/>
                 <a:cs typeface="Open Sans" panose="020B0606030504020204" pitchFamily="34" charset="0"/>
               </a:rPr>
-              <a:t>14/03/2025</a:t>
+              <a:t>15/03/2025</a:t>
             </a:fld>
             <a:endParaRPr lang="en-GB" sz="1800" b="0" i="0" kern="1200" dirty="0">
               <a:solidFill>
@@ -7413,7 +7193,7 @@
                 <a:ea typeface="Open Sans" pitchFamily="2" charset="0"/>
                 <a:cs typeface="Open Sans" pitchFamily="2" charset="0"/>
               </a:rPr>
-              <a:t>14/03/2025</a:t>
+              <a:t>15/03/2025</a:t>
             </a:fld>
             <a:endParaRPr lang="en-GB" sz="1800" b="0" i="0" kern="1200" dirty="0">
               <a:solidFill>
@@ -9163,7 +8943,7 @@
                 <a:ea typeface="Open Sans" pitchFamily="2" charset="0"/>
                 <a:cs typeface="Open Sans" pitchFamily="2" charset="0"/>
               </a:rPr>
-              <a:t>14/03/2025</a:t>
+              <a:t>15/03/2025</a:t>
             </a:fld>
             <a:endParaRPr lang="en-GB" sz="1800" b="0" i="0" kern="1200" dirty="0">
               <a:solidFill>
@@ -9680,7 +9460,7 @@
                 <a:ea typeface="Open Sans" panose="020B0606030504020204" pitchFamily="34" charset="0"/>
                 <a:cs typeface="Open Sans" panose="020B0606030504020204" pitchFamily="34" charset="0"/>
               </a:rPr>
-              <a:t>14/03/2025</a:t>
+              <a:t>15/03/2025</a:t>
             </a:fld>
             <a:endParaRPr lang="en-GB" sz="1800" b="0" i="0" kern="1200" dirty="0">
               <a:solidFill>
@@ -10277,7 +10057,7 @@
                 <a:ea typeface="Open Sans" pitchFamily="2" charset="0"/>
                 <a:cs typeface="Open Sans" pitchFamily="2" charset="0"/>
               </a:rPr>
-              <a:t>14/03/2025</a:t>
+              <a:t>15/03/2025</a:t>
             </a:fld>
             <a:endParaRPr lang="en-GB" sz="1800" b="0" i="0" kern="1200" dirty="0">
               <a:solidFill>
@@ -10817,7 +10597,7 @@
                 <a:ea typeface="Open Sans" panose="020B0606030504020204" pitchFamily="34" charset="0"/>
                 <a:cs typeface="Open Sans" panose="020B0606030504020204" pitchFamily="34" charset="0"/>
               </a:rPr>
-              <a:t>14/03/2025</a:t>
+              <a:t>15/03/2025</a:t>
             </a:fld>
             <a:endParaRPr lang="en-GB" sz="1800" b="0" i="0" kern="1200" dirty="0">
               <a:solidFill>
@@ -11518,7 +11298,7 @@
                 <a:ea typeface="Open Sans" panose="020B0606030504020204" pitchFamily="34" charset="0"/>
                 <a:cs typeface="Open Sans" panose="020B0606030504020204" pitchFamily="34" charset="0"/>
               </a:rPr>
-              <a:t>14/03/2025</a:t>
+              <a:t>15/03/2025</a:t>
             </a:fld>
             <a:endParaRPr lang="en-GB" sz="1800" b="0" i="0" kern="1200" dirty="0">
               <a:solidFill>
@@ -11881,7 +11661,7 @@
                 <a:ea typeface="Open Sans" pitchFamily="2" charset="0"/>
                 <a:cs typeface="Open Sans" pitchFamily="2" charset="0"/>
               </a:rPr>
-              <a:t>14/03/2025</a:t>
+              <a:t>15/03/2025</a:t>
             </a:fld>
             <a:endParaRPr lang="en-GB" sz="1800" b="0" i="0" kern="1200" dirty="0">
               <a:solidFill>
@@ -12276,7 +12056,7 @@
                 <a:ea typeface="Open Sans" pitchFamily="2" charset="0"/>
                 <a:cs typeface="Open Sans" pitchFamily="2" charset="0"/>
               </a:rPr>
-              <a:t>14/03/2025</a:t>
+              <a:t>15/03/2025</a:t>
             </a:fld>
             <a:endParaRPr lang="en-GB" sz="1800" b="0" i="0" kern="1200" dirty="0">
               <a:solidFill>
@@ -12958,6 +12738,357 @@
         <p:cNvPr id="1" name="">
           <a:extLst>
             <a:ext uri="{FF2B5EF4-FFF2-40B4-BE49-F238E27FC236}">
+              <a16:creationId xmlns:a16="http://schemas.microsoft.com/office/drawing/2014/main" id="{D77159D8-9252-1365-3106-D2B0C7937DB5}"/>
+            </a:ext>
+          </a:extLst>
+        </p:cNvPr>
+        <p:cNvGrpSpPr/>
+        <p:nvPr/>
+      </p:nvGrpSpPr>
+      <p:grpSpPr>
+        <a:xfrm>
+          <a:off x="0" y="0"/>
+          <a:ext cx="0" cy="0"/>
+          <a:chOff x="0" y="0"/>
+          <a:chExt cx="0" cy="0"/>
+        </a:xfrm>
+      </p:grpSpPr>
+      <p:sp>
+        <p:nvSpPr>
+          <p:cNvPr id="4" name="Title 1">
+            <a:extLst>
+              <a:ext uri="{FF2B5EF4-FFF2-40B4-BE49-F238E27FC236}">
+                <a16:creationId xmlns:a16="http://schemas.microsoft.com/office/drawing/2014/main" id="{62A565A6-BDE9-3842-51E2-05C69229C380}"/>
+              </a:ext>
+            </a:extLst>
+          </p:cNvPr>
+          <p:cNvSpPr txBox="1">
+            <a:spLocks/>
+          </p:cNvSpPr>
+          <p:nvPr/>
+        </p:nvSpPr>
+        <p:spPr>
+          <a:xfrm>
+            <a:off x="990600" y="383056"/>
+            <a:ext cx="10515600" cy="853976"/>
+          </a:xfrm>
+          <a:prstGeom prst="rect">
+            <a:avLst/>
+          </a:prstGeom>
+        </p:spPr>
+        <p:txBody>
+          <a:bodyPr vert="horz" lIns="91440" tIns="45720" rIns="91440" bIns="45720" rtlCol="0" anchor="ctr">
+            <a:normAutofit/>
+          </a:bodyPr>
+          <a:lstStyle>
+            <a:lvl1pPr algn="l" defTabSz="914400" rtl="0" eaLnBrk="1" latinLnBrk="0" hangingPunct="1">
+              <a:lnSpc>
+                <a:spcPct val="90000"/>
+              </a:lnSpc>
+              <a:spcBef>
+                <a:spcPct val="0"/>
+              </a:spcBef>
+              <a:buNone/>
+              <a:defRPr sz="3600" b="1" i="0" kern="1200" cap="all" baseline="0">
+                <a:solidFill>
+                  <a:schemeClr val="tx2"/>
+                </a:solidFill>
+                <a:latin typeface="+mj-lt"/>
+                <a:ea typeface="Open Sans Semibold" panose="020B0606030504020204" pitchFamily="34" charset="0"/>
+                <a:cs typeface="Open Sans Semibold" panose="020B0606030504020204" pitchFamily="34" charset="0"/>
+              </a:defRPr>
+            </a:lvl1pPr>
+          </a:lstStyle>
+          <a:p>
+            <a:r>
+              <a:rPr lang="en-US" dirty="0"/>
+              <a:t>FLASK – </a:t>
+            </a:r>
+            <a:r>
+              <a:rPr lang="hr-HR" dirty="0"/>
+              <a:t>Smorest</a:t>
+            </a:r>
+          </a:p>
+        </p:txBody>
+      </p:sp>
+      <p:sp>
+        <p:nvSpPr>
+          <p:cNvPr id="12" name="Content Placeholder 2">
+            <a:extLst>
+              <a:ext uri="{FF2B5EF4-FFF2-40B4-BE49-F238E27FC236}">
+                <a16:creationId xmlns:a16="http://schemas.microsoft.com/office/drawing/2014/main" id="{CE60C61F-7659-2C1A-9CD7-BF20C40977F6}"/>
+              </a:ext>
+            </a:extLst>
+          </p:cNvPr>
+          <p:cNvSpPr txBox="1">
+            <a:spLocks/>
+          </p:cNvSpPr>
+          <p:nvPr/>
+        </p:nvSpPr>
+        <p:spPr>
+          <a:xfrm>
+            <a:off x="1172241" y="1404933"/>
+            <a:ext cx="5855438" cy="1961707"/>
+          </a:xfrm>
+          <a:prstGeom prst="rect">
+            <a:avLst/>
+          </a:prstGeom>
+        </p:spPr>
+        <p:txBody>
+          <a:bodyPr vert="horz" lIns="91440" tIns="45720" rIns="91440" bIns="45720" rtlCol="0">
+            <a:noAutofit/>
+          </a:bodyPr>
+          <a:lstStyle>
+            <a:lvl1pPr marL="368300" indent="-352425" algn="l" defTabSz="914400" rtl="0" eaLnBrk="1" latinLnBrk="0" hangingPunct="1">
+              <a:lnSpc>
+                <a:spcPct val="90000"/>
+              </a:lnSpc>
+              <a:spcBef>
+                <a:spcPts val="600"/>
+              </a:spcBef>
+              <a:spcAft>
+                <a:spcPts val="600"/>
+              </a:spcAft>
+              <a:buClr>
+                <a:schemeClr val="accent2"/>
+              </a:buClr>
+              <a:buFont typeface="Wingdings" pitchFamily="2" charset="2"/>
+              <a:buChar char="§"/>
+              <a:tabLst/>
+              <a:defRPr sz="2400" kern="1200">
+                <a:solidFill>
+                  <a:schemeClr val="tx1"/>
+                </a:solidFill>
+                <a:latin typeface="+mn-lt"/>
+                <a:ea typeface="Open Sans" panose="020B0606030504020204" pitchFamily="34" charset="0"/>
+                <a:cs typeface="Open Sans" panose="020B0606030504020204" pitchFamily="34" charset="0"/>
+              </a:defRPr>
+            </a:lvl1pPr>
+            <a:lvl2pPr marL="771525" indent="-274638" algn="l" defTabSz="914400" rtl="0" eaLnBrk="1" latinLnBrk="0" hangingPunct="1">
+              <a:lnSpc>
+                <a:spcPct val="90000"/>
+              </a:lnSpc>
+              <a:spcBef>
+                <a:spcPts val="600"/>
+              </a:spcBef>
+              <a:spcAft>
+                <a:spcPts val="600"/>
+              </a:spcAft>
+              <a:buClr>
+                <a:schemeClr val="accent2"/>
+              </a:buClr>
+              <a:buFont typeface="Wingdings" pitchFamily="2" charset="2"/>
+              <a:buChar char="§"/>
+              <a:tabLst/>
+              <a:defRPr sz="2200" kern="1200">
+                <a:solidFill>
+                  <a:schemeClr val="tx1"/>
+                </a:solidFill>
+                <a:latin typeface="+mn-lt"/>
+                <a:ea typeface="Open Sans" panose="020B0606030504020204" pitchFamily="34" charset="0"/>
+                <a:cs typeface="Open Sans" panose="020B0606030504020204" pitchFamily="34" charset="0"/>
+              </a:defRPr>
+            </a:lvl2pPr>
+            <a:lvl3pPr marL="1143000" indent="-228600" algn="l" defTabSz="914400" rtl="0" eaLnBrk="1" latinLnBrk="0" hangingPunct="1">
+              <a:lnSpc>
+                <a:spcPct val="90000"/>
+              </a:lnSpc>
+              <a:spcBef>
+                <a:spcPts val="600"/>
+              </a:spcBef>
+              <a:spcAft>
+                <a:spcPts val="600"/>
+              </a:spcAft>
+              <a:buClr>
+                <a:schemeClr val="accent2"/>
+              </a:buClr>
+              <a:buFont typeface="Wingdings" pitchFamily="2" charset="2"/>
+              <a:buChar char="§"/>
+              <a:defRPr sz="2000" kern="1200">
+                <a:solidFill>
+                  <a:schemeClr val="tx1"/>
+                </a:solidFill>
+                <a:latin typeface="+mn-lt"/>
+                <a:ea typeface="Open Sans" panose="020B0606030504020204" pitchFamily="34" charset="0"/>
+                <a:cs typeface="Open Sans" panose="020B0606030504020204" pitchFamily="34" charset="0"/>
+              </a:defRPr>
+            </a:lvl3pPr>
+            <a:lvl4pPr marL="1600200" indent="-228600" algn="l" defTabSz="914400" rtl="0" eaLnBrk="1" latinLnBrk="0" hangingPunct="1">
+              <a:lnSpc>
+                <a:spcPct val="90000"/>
+              </a:lnSpc>
+              <a:spcBef>
+                <a:spcPts val="600"/>
+              </a:spcBef>
+              <a:spcAft>
+                <a:spcPts val="600"/>
+              </a:spcAft>
+              <a:buClr>
+                <a:schemeClr val="accent2"/>
+              </a:buClr>
+              <a:buFont typeface="Wingdings" pitchFamily="2" charset="2"/>
+              <a:buChar char="§"/>
+              <a:defRPr sz="1800" kern="1200">
+                <a:solidFill>
+                  <a:schemeClr val="tx1"/>
+                </a:solidFill>
+                <a:latin typeface="+mn-lt"/>
+                <a:ea typeface="Open Sans" panose="020B0606030504020204" pitchFamily="34" charset="0"/>
+                <a:cs typeface="Open Sans" panose="020B0606030504020204" pitchFamily="34" charset="0"/>
+              </a:defRPr>
+            </a:lvl4pPr>
+            <a:lvl5pPr marL="1960563" indent="-225425" algn="l" defTabSz="914400" rtl="0" eaLnBrk="1" latinLnBrk="0" hangingPunct="1">
+              <a:lnSpc>
+                <a:spcPct val="90000"/>
+              </a:lnSpc>
+              <a:spcBef>
+                <a:spcPts val="600"/>
+              </a:spcBef>
+              <a:spcAft>
+                <a:spcPts val="600"/>
+              </a:spcAft>
+              <a:buClr>
+                <a:schemeClr val="accent2"/>
+              </a:buClr>
+              <a:buFont typeface="Wingdings" pitchFamily="2" charset="2"/>
+              <a:buChar char="§"/>
+              <a:tabLst/>
+              <a:defRPr sz="1600" kern="1200">
+                <a:solidFill>
+                  <a:schemeClr val="tx1"/>
+                </a:solidFill>
+                <a:latin typeface="+mn-lt"/>
+                <a:ea typeface="Open Sans" panose="020B0606030504020204" pitchFamily="34" charset="0"/>
+                <a:cs typeface="Open Sans" panose="020B0606030504020204" pitchFamily="34" charset="0"/>
+              </a:defRPr>
+            </a:lvl5pPr>
+            <a:lvl6pPr marL="2514600" indent="-228600" algn="l" defTabSz="914400" rtl="0" eaLnBrk="1" latinLnBrk="0" hangingPunct="1">
+              <a:lnSpc>
+                <a:spcPct val="90000"/>
+              </a:lnSpc>
+              <a:spcBef>
+                <a:spcPts val="500"/>
+              </a:spcBef>
+              <a:buFont typeface="Arial" panose="020B0604020202020204" pitchFamily="34" charset="0"/>
+              <a:buChar char="•"/>
+              <a:defRPr sz="1800" kern="1200">
+                <a:solidFill>
+                  <a:schemeClr val="tx1"/>
+                </a:solidFill>
+                <a:latin typeface="+mn-lt"/>
+                <a:ea typeface="+mn-ea"/>
+                <a:cs typeface="+mn-cs"/>
+              </a:defRPr>
+            </a:lvl6pPr>
+            <a:lvl7pPr marL="2971800" indent="-228600" algn="l" defTabSz="914400" rtl="0" eaLnBrk="1" latinLnBrk="0" hangingPunct="1">
+              <a:lnSpc>
+                <a:spcPct val="90000"/>
+              </a:lnSpc>
+              <a:spcBef>
+                <a:spcPts val="500"/>
+              </a:spcBef>
+              <a:buFont typeface="Arial" panose="020B0604020202020204" pitchFamily="34" charset="0"/>
+              <a:buChar char="•"/>
+              <a:defRPr sz="1800" kern="1200">
+                <a:solidFill>
+                  <a:schemeClr val="tx1"/>
+                </a:solidFill>
+                <a:latin typeface="+mn-lt"/>
+                <a:ea typeface="+mn-ea"/>
+                <a:cs typeface="+mn-cs"/>
+              </a:defRPr>
+            </a:lvl7pPr>
+            <a:lvl8pPr marL="3429000" indent="-228600" algn="l" defTabSz="914400" rtl="0" eaLnBrk="1" latinLnBrk="0" hangingPunct="1">
+              <a:lnSpc>
+                <a:spcPct val="90000"/>
+              </a:lnSpc>
+              <a:spcBef>
+                <a:spcPts val="500"/>
+              </a:spcBef>
+              <a:buFont typeface="Arial" panose="020B0604020202020204" pitchFamily="34" charset="0"/>
+              <a:buChar char="•"/>
+              <a:defRPr sz="1800" kern="1200">
+                <a:solidFill>
+                  <a:schemeClr val="tx1"/>
+                </a:solidFill>
+                <a:latin typeface="+mn-lt"/>
+                <a:ea typeface="+mn-ea"/>
+                <a:cs typeface="+mn-cs"/>
+              </a:defRPr>
+            </a:lvl8pPr>
+            <a:lvl9pPr marL="3886200" indent="-228600" algn="l" defTabSz="914400" rtl="0" eaLnBrk="1" latinLnBrk="0" hangingPunct="1">
+              <a:lnSpc>
+                <a:spcPct val="90000"/>
+              </a:lnSpc>
+              <a:spcBef>
+                <a:spcPts val="500"/>
+              </a:spcBef>
+              <a:buFont typeface="Arial" panose="020B0604020202020204" pitchFamily="34" charset="0"/>
+              <a:buChar char="•"/>
+              <a:defRPr sz="1800" kern="1200">
+                <a:solidFill>
+                  <a:schemeClr val="tx1"/>
+                </a:solidFill>
+                <a:latin typeface="+mn-lt"/>
+                <a:ea typeface="+mn-ea"/>
+                <a:cs typeface="+mn-cs"/>
+              </a:defRPr>
+            </a:lvl9pPr>
+          </a:lstStyle>
+          <a:p>
+            <a:pPr marL="15875" indent="0">
+              <a:buNone/>
+            </a:pPr>
+            <a:r>
+              <a:rPr lang="hr-HR" sz="1100" dirty="0"/>
+              <a:t>✔ Prelazak s imena na unique IDs za trgovine i artikle</a:t>
+            </a:r>
+            <a:br>
+              <a:rPr lang="hr-HR" sz="1100" dirty="0"/>
+            </a:br>
+            <a:r>
+              <a:rPr lang="hr-HR" sz="1100" dirty="0"/>
+              <a:t>✔ Razdvajanje artikala od trgovina – prelazak s listi na dictionary za pohranu podataka</a:t>
+            </a:r>
+            <a:br>
+              <a:rPr lang="hr-HR" sz="1100" dirty="0"/>
+            </a:br>
+            <a:r>
+              <a:rPr lang="hr-HR" sz="1100" dirty="0"/>
+              <a:t>✔ Kreiranje novih konfiguracijskih fajlova (requirements.txt, .flaskenv, db.py)</a:t>
+            </a:r>
+            <a:br>
+              <a:rPr lang="hr-HR" sz="1100" dirty="0"/>
+            </a:br>
+            <a:r>
+              <a:rPr lang="hr-HR" sz="1100" dirty="0"/>
+              <a:t>✔ Unapređenje endpointa za direktan pristup podacima koristeći unique IDs</a:t>
+            </a:r>
+            <a:endParaRPr lang="hr-HR" sz="1400" dirty="0"/>
+          </a:p>
+        </p:txBody>
+      </p:sp>
+    </p:spTree>
+    <p:extLst>
+      <p:ext uri="{BB962C8B-B14F-4D97-AF65-F5344CB8AC3E}">
+        <p14:creationId xmlns:p14="http://schemas.microsoft.com/office/powerpoint/2010/main" val="3063800781"/>
+      </p:ext>
+    </p:extLst>
+  </p:cSld>
+  <p:clrMapOvr>
+    <a:masterClrMapping/>
+  </p:clrMapOvr>
+</p:sld>
+</file>
+
+<file path=ppt/slides/slide11.xml><?xml version="1.0" encoding="utf-8"?>
+<p:sld xmlns:a="http://schemas.openxmlformats.org/drawingml/2006/main" xmlns:r="http://schemas.openxmlformats.org/officeDocument/2006/relationships" xmlns:p="http://schemas.openxmlformats.org/presentationml/2006/main">
+  <p:cSld>
+    <p:spTree>
+      <p:nvGrpSpPr>
+        <p:cNvPr id="1" name="">
+          <a:extLst>
+            <a:ext uri="{FF2B5EF4-FFF2-40B4-BE49-F238E27FC236}">
               <a16:creationId xmlns:a16="http://schemas.microsoft.com/office/drawing/2014/main" id="{41D8D391-E500-51BA-E7FD-06C8D5BADE27}"/>
             </a:ext>
           </a:extLst>
@@ -13138,587 +13269,6 @@
     <p:extLst>
       <p:ext uri="{BB962C8B-B14F-4D97-AF65-F5344CB8AC3E}">
         <p14:creationId xmlns:p14="http://schemas.microsoft.com/office/powerpoint/2010/main" val="4076044860"/>
-      </p:ext>
-    </p:extLst>
-  </p:cSld>
-  <p:clrMapOvr>
-    <a:masterClrMapping/>
-  </p:clrMapOvr>
-</p:sld>
-</file>
-
-<file path=ppt/slides/slide11.xml><?xml version="1.0" encoding="utf-8"?>
-<p:sld xmlns:a="http://schemas.openxmlformats.org/drawingml/2006/main" xmlns:r="http://schemas.openxmlformats.org/officeDocument/2006/relationships" xmlns:p="http://schemas.openxmlformats.org/presentationml/2006/main">
-  <p:cSld>
-    <p:spTree>
-      <p:nvGrpSpPr>
-        <p:cNvPr id="1" name="">
-          <a:extLst>
-            <a:ext uri="{FF2B5EF4-FFF2-40B4-BE49-F238E27FC236}">
-              <a16:creationId xmlns:a16="http://schemas.microsoft.com/office/drawing/2014/main" id="{8A3BB671-DE0C-69DA-7D50-7B520318E890}"/>
-            </a:ext>
-          </a:extLst>
-        </p:cNvPr>
-        <p:cNvGrpSpPr/>
-        <p:nvPr/>
-      </p:nvGrpSpPr>
-      <p:grpSpPr>
-        <a:xfrm>
-          <a:off x="0" y="0"/>
-          <a:ext cx="0" cy="0"/>
-          <a:chOff x="0" y="0"/>
-          <a:chExt cx="0" cy="0"/>
-        </a:xfrm>
-      </p:grpSpPr>
-      <p:sp>
-        <p:nvSpPr>
-          <p:cNvPr id="4" name="Title 1">
-            <a:extLst>
-              <a:ext uri="{FF2B5EF4-FFF2-40B4-BE49-F238E27FC236}">
-                <a16:creationId xmlns:a16="http://schemas.microsoft.com/office/drawing/2014/main" id="{46514EAA-86A0-ABD2-5692-FA150F3943FE}"/>
-              </a:ext>
-            </a:extLst>
-          </p:cNvPr>
-          <p:cNvSpPr txBox="1">
-            <a:spLocks/>
-          </p:cNvSpPr>
-          <p:nvPr/>
-        </p:nvSpPr>
-        <p:spPr>
-          <a:xfrm>
-            <a:off x="990600" y="383056"/>
-            <a:ext cx="10515600" cy="853976"/>
-          </a:xfrm>
-          <a:prstGeom prst="rect">
-            <a:avLst/>
-          </a:prstGeom>
-        </p:spPr>
-        <p:txBody>
-          <a:bodyPr vert="horz" lIns="91440" tIns="45720" rIns="91440" bIns="45720" rtlCol="0" anchor="ctr">
-            <a:normAutofit/>
-          </a:bodyPr>
-          <a:lstStyle>
-            <a:lvl1pPr algn="l" defTabSz="914400" rtl="0" eaLnBrk="1" latinLnBrk="0" hangingPunct="1">
-              <a:lnSpc>
-                <a:spcPct val="90000"/>
-              </a:lnSpc>
-              <a:spcBef>
-                <a:spcPct val="0"/>
-              </a:spcBef>
-              <a:buNone/>
-              <a:defRPr sz="3600" b="1" i="0" kern="1200" cap="all" baseline="0">
-                <a:solidFill>
-                  <a:schemeClr val="tx2"/>
-                </a:solidFill>
-                <a:latin typeface="+mj-lt"/>
-                <a:ea typeface="Open Sans Semibold" panose="020B0606030504020204" pitchFamily="34" charset="0"/>
-                <a:cs typeface="Open Sans Semibold" panose="020B0606030504020204" pitchFamily="34" charset="0"/>
-              </a:defRPr>
-            </a:lvl1pPr>
-          </a:lstStyle>
-          <a:p>
-            <a:r>
-              <a:rPr lang="en-US" dirty="0"/>
-              <a:t>GIT - .</a:t>
-            </a:r>
-            <a:r>
-              <a:rPr lang="en-US" dirty="0" err="1"/>
-              <a:t>gitignore</a:t>
-            </a:r>
-            <a:r>
-              <a:rPr lang="en-US" dirty="0"/>
-              <a:t> </a:t>
-            </a:r>
-            <a:r>
-              <a:rPr lang="en-US" dirty="0" err="1"/>
-              <a:t>fajl</a:t>
-            </a:r>
-            <a:endParaRPr lang="hr-HR" dirty="0"/>
-          </a:p>
-        </p:txBody>
-      </p:sp>
-      <p:sp>
-        <p:nvSpPr>
-          <p:cNvPr id="13" name="TextBox 12">
-            <a:extLst>
-              <a:ext uri="{FF2B5EF4-FFF2-40B4-BE49-F238E27FC236}">
-                <a16:creationId xmlns:a16="http://schemas.microsoft.com/office/drawing/2014/main" id="{14EC9AB8-C46A-A884-86EA-785B3DE7B9AC}"/>
-              </a:ext>
-            </a:extLst>
-          </p:cNvPr>
-          <p:cNvSpPr txBox="1"/>
-          <p:nvPr/>
-        </p:nvSpPr>
-        <p:spPr>
-          <a:xfrm>
-            <a:off x="1038449" y="1348892"/>
-            <a:ext cx="5495258" cy="1754326"/>
-          </a:xfrm>
-          <a:prstGeom prst="rect">
-            <a:avLst/>
-          </a:prstGeom>
-          <a:noFill/>
-        </p:spPr>
-        <p:txBody>
-          <a:bodyPr wrap="square">
-            <a:spAutoFit/>
-          </a:bodyPr>
-          <a:lstStyle/>
-          <a:p>
-            <a:r>
-              <a:rPr lang="hr-HR" dirty="0"/>
-              <a:t>👉 </a:t>
-            </a:r>
-            <a:r>
-              <a:rPr lang="en-US" b="1" dirty="0" err="1"/>
-              <a:t>Koristimo</a:t>
-            </a:r>
-            <a:r>
-              <a:rPr lang="en-US" b="1" dirty="0"/>
-              <a:t> ga za </a:t>
-            </a:r>
-            <a:r>
-              <a:rPr lang="hr-HR" b="1" dirty="0"/>
-              <a:t>sprječavanje dodavanja određenih datoteka u </a:t>
-            </a:r>
-            <a:r>
-              <a:rPr lang="hr-HR" b="1" dirty="0" err="1"/>
-              <a:t>Git</a:t>
-            </a:r>
-            <a:r>
-              <a:rPr lang="hr-HR" b="1" dirty="0"/>
-              <a:t> repozitorij</a:t>
-            </a:r>
-            <a:r>
-              <a:rPr lang="hr-HR" dirty="0"/>
-              <a:t>. Ovo je izuzetno važno kako biste zaštitili </a:t>
-            </a:r>
-            <a:r>
-              <a:rPr lang="hr-HR" b="1" dirty="0"/>
-              <a:t>osjetljive podatke (API ključeve, lozinke, privatne postavke)</a:t>
-            </a:r>
-            <a:r>
-              <a:rPr lang="hr-HR" dirty="0"/>
-              <a:t> i izbjegli </a:t>
-            </a:r>
-            <a:r>
-              <a:rPr lang="hr-HR" b="1" dirty="0"/>
-              <a:t>bespotrebno dijeljenje lokalnih postavki</a:t>
-            </a:r>
-            <a:r>
-              <a:rPr lang="hr-HR" dirty="0"/>
-              <a:t> s ostatkom tima</a:t>
-            </a:r>
-          </a:p>
-        </p:txBody>
-      </p:sp>
-      <p:pic>
-        <p:nvPicPr>
-          <p:cNvPr id="15" name="Picture 14">
-            <a:extLst>
-              <a:ext uri="{FF2B5EF4-FFF2-40B4-BE49-F238E27FC236}">
-                <a16:creationId xmlns:a16="http://schemas.microsoft.com/office/drawing/2014/main" id="{AF0746B1-CF0B-772F-F0A7-436E88CBB36B}"/>
-              </a:ext>
-            </a:extLst>
-          </p:cNvPr>
-          <p:cNvPicPr>
-            <a:picLocks noChangeAspect="1"/>
-          </p:cNvPicPr>
-          <p:nvPr/>
-        </p:nvPicPr>
-        <p:blipFill>
-          <a:blip r:embed="rId3"/>
-          <a:stretch>
-            <a:fillRect/>
-          </a:stretch>
-        </p:blipFill>
-        <p:spPr>
-          <a:xfrm>
-            <a:off x="7067883" y="1440519"/>
-            <a:ext cx="4230128" cy="2230289"/>
-          </a:xfrm>
-          <a:prstGeom prst="rect">
-            <a:avLst/>
-          </a:prstGeom>
-        </p:spPr>
-      </p:pic>
-      <p:pic>
-        <p:nvPicPr>
-          <p:cNvPr id="17" name="Picture 16">
-            <a:extLst>
-              <a:ext uri="{FF2B5EF4-FFF2-40B4-BE49-F238E27FC236}">
-                <a16:creationId xmlns:a16="http://schemas.microsoft.com/office/drawing/2014/main" id="{BCF86CC8-A0AF-D912-2361-C2300E32AAEC}"/>
-              </a:ext>
-            </a:extLst>
-          </p:cNvPr>
-          <p:cNvPicPr>
-            <a:picLocks noChangeAspect="1"/>
-          </p:cNvPicPr>
-          <p:nvPr/>
-        </p:nvPicPr>
-        <p:blipFill>
-          <a:blip r:embed="rId4"/>
-          <a:stretch>
-            <a:fillRect/>
-          </a:stretch>
-        </p:blipFill>
-        <p:spPr>
-          <a:xfrm>
-            <a:off x="1122399" y="3360251"/>
-            <a:ext cx="4248150" cy="1619250"/>
-          </a:xfrm>
-          <a:prstGeom prst="rect">
-            <a:avLst/>
-          </a:prstGeom>
-        </p:spPr>
-      </p:pic>
-    </p:spTree>
-    <p:extLst>
-      <p:ext uri="{BB962C8B-B14F-4D97-AF65-F5344CB8AC3E}">
-        <p14:creationId xmlns:p14="http://schemas.microsoft.com/office/powerpoint/2010/main" val="452716800"/>
-      </p:ext>
-    </p:extLst>
-  </p:cSld>
-  <p:clrMapOvr>
-    <a:masterClrMapping/>
-  </p:clrMapOvr>
-</p:sld>
-</file>
-
-<file path=ppt/slides/slide12.xml><?xml version="1.0" encoding="utf-8"?>
-<p:sld xmlns:a="http://schemas.openxmlformats.org/drawingml/2006/main" xmlns:r="http://schemas.openxmlformats.org/officeDocument/2006/relationships" xmlns:p="http://schemas.openxmlformats.org/presentationml/2006/main">
-  <p:cSld>
-    <p:spTree>
-      <p:nvGrpSpPr>
-        <p:cNvPr id="1" name="">
-          <a:extLst>
-            <a:ext uri="{FF2B5EF4-FFF2-40B4-BE49-F238E27FC236}">
-              <a16:creationId xmlns:a16="http://schemas.microsoft.com/office/drawing/2014/main" id="{AACCDD28-BD62-549E-613A-4F3530DD382F}"/>
-            </a:ext>
-          </a:extLst>
-        </p:cNvPr>
-        <p:cNvGrpSpPr/>
-        <p:nvPr/>
-      </p:nvGrpSpPr>
-      <p:grpSpPr>
-        <a:xfrm>
-          <a:off x="0" y="0"/>
-          <a:ext cx="0" cy="0"/>
-          <a:chOff x="0" y="0"/>
-          <a:chExt cx="0" cy="0"/>
-        </a:xfrm>
-      </p:grpSpPr>
-      <p:sp>
-        <p:nvSpPr>
-          <p:cNvPr id="4" name="Title 1">
-            <a:extLst>
-              <a:ext uri="{FF2B5EF4-FFF2-40B4-BE49-F238E27FC236}">
-                <a16:creationId xmlns:a16="http://schemas.microsoft.com/office/drawing/2014/main" id="{B40B06FE-46F2-0CBA-9EFE-1103911D8E19}"/>
-              </a:ext>
-            </a:extLst>
-          </p:cNvPr>
-          <p:cNvSpPr txBox="1">
-            <a:spLocks/>
-          </p:cNvSpPr>
-          <p:nvPr/>
-        </p:nvSpPr>
-        <p:spPr>
-          <a:xfrm>
-            <a:off x="990600" y="383056"/>
-            <a:ext cx="10515600" cy="853976"/>
-          </a:xfrm>
-          <a:prstGeom prst="rect">
-            <a:avLst/>
-          </a:prstGeom>
-        </p:spPr>
-        <p:txBody>
-          <a:bodyPr vert="horz" lIns="91440" tIns="45720" rIns="91440" bIns="45720" rtlCol="0" anchor="ctr">
-            <a:normAutofit/>
-          </a:bodyPr>
-          <a:lstStyle>
-            <a:lvl1pPr algn="l" defTabSz="914400" rtl="0" eaLnBrk="1" latinLnBrk="0" hangingPunct="1">
-              <a:lnSpc>
-                <a:spcPct val="90000"/>
-              </a:lnSpc>
-              <a:spcBef>
-                <a:spcPct val="0"/>
-              </a:spcBef>
-              <a:buNone/>
-              <a:defRPr sz="3600" b="1" i="0" kern="1200" cap="all" baseline="0">
-                <a:solidFill>
-                  <a:schemeClr val="tx2"/>
-                </a:solidFill>
-                <a:latin typeface="+mj-lt"/>
-                <a:ea typeface="Open Sans Semibold" panose="020B0606030504020204" pitchFamily="34" charset="0"/>
-                <a:cs typeface="Open Sans Semibold" panose="020B0606030504020204" pitchFamily="34" charset="0"/>
-              </a:defRPr>
-            </a:lvl1pPr>
-          </a:lstStyle>
-          <a:p>
-            <a:r>
-              <a:rPr lang="en-US" dirty="0"/>
-              <a:t>GIT - NAREDBE</a:t>
-            </a:r>
-            <a:endParaRPr lang="hr-HR" dirty="0"/>
-          </a:p>
-        </p:txBody>
-      </p:sp>
-      <p:pic>
-        <p:nvPicPr>
-          <p:cNvPr id="3" name="Picture 2">
-            <a:extLst>
-              <a:ext uri="{FF2B5EF4-FFF2-40B4-BE49-F238E27FC236}">
-                <a16:creationId xmlns:a16="http://schemas.microsoft.com/office/drawing/2014/main" id="{C6CF8930-A3A5-990C-3A13-B8350923F12C}"/>
-              </a:ext>
-            </a:extLst>
-          </p:cNvPr>
-          <p:cNvPicPr>
-            <a:picLocks noChangeAspect="1"/>
-          </p:cNvPicPr>
-          <p:nvPr/>
-        </p:nvPicPr>
-        <p:blipFill>
-          <a:blip r:embed="rId3"/>
-          <a:stretch>
-            <a:fillRect/>
-          </a:stretch>
-        </p:blipFill>
-        <p:spPr>
-          <a:xfrm>
-            <a:off x="7002900" y="1898354"/>
-            <a:ext cx="4503300" cy="2141020"/>
-          </a:xfrm>
-          <a:prstGeom prst="rect">
-            <a:avLst/>
-          </a:prstGeom>
-        </p:spPr>
-      </p:pic>
-      <p:pic>
-        <p:nvPicPr>
-          <p:cNvPr id="7" name="Picture 6">
-            <a:extLst>
-              <a:ext uri="{FF2B5EF4-FFF2-40B4-BE49-F238E27FC236}">
-                <a16:creationId xmlns:a16="http://schemas.microsoft.com/office/drawing/2014/main" id="{7ACA41F2-851B-EC23-481F-CBFD615A72E5}"/>
-              </a:ext>
-            </a:extLst>
-          </p:cNvPr>
-          <p:cNvPicPr>
-            <a:picLocks noChangeAspect="1"/>
-          </p:cNvPicPr>
-          <p:nvPr/>
-        </p:nvPicPr>
-        <p:blipFill>
-          <a:blip r:embed="rId4"/>
-          <a:stretch>
-            <a:fillRect/>
-          </a:stretch>
-        </p:blipFill>
-        <p:spPr>
-          <a:xfrm>
-            <a:off x="1084743" y="1898354"/>
-            <a:ext cx="5334948" cy="2078222"/>
-          </a:xfrm>
-          <a:prstGeom prst="rect">
-            <a:avLst/>
-          </a:prstGeom>
-        </p:spPr>
-      </p:pic>
-    </p:spTree>
-    <p:extLst>
-      <p:ext uri="{BB962C8B-B14F-4D97-AF65-F5344CB8AC3E}">
-        <p14:creationId xmlns:p14="http://schemas.microsoft.com/office/powerpoint/2010/main" val="3858692732"/>
-      </p:ext>
-    </p:extLst>
-  </p:cSld>
-  <p:clrMapOvr>
-    <a:masterClrMapping/>
-  </p:clrMapOvr>
-</p:sld>
-</file>
-
-<file path=ppt/slides/slide13.xml><?xml version="1.0" encoding="utf-8"?>
-<p:sld xmlns:a="http://schemas.openxmlformats.org/drawingml/2006/main" xmlns:r="http://schemas.openxmlformats.org/officeDocument/2006/relationships" xmlns:p="http://schemas.openxmlformats.org/presentationml/2006/main">
-  <p:cSld>
-    <p:spTree>
-      <p:nvGrpSpPr>
-        <p:cNvPr id="1" name="">
-          <a:extLst>
-            <a:ext uri="{FF2B5EF4-FFF2-40B4-BE49-F238E27FC236}">
-              <a16:creationId xmlns:a16="http://schemas.microsoft.com/office/drawing/2014/main" id="{AEFC9E75-FB03-4359-B4DA-07865648DD12}"/>
-            </a:ext>
-          </a:extLst>
-        </p:cNvPr>
-        <p:cNvGrpSpPr/>
-        <p:nvPr/>
-      </p:nvGrpSpPr>
-      <p:grpSpPr>
-        <a:xfrm>
-          <a:off x="0" y="0"/>
-          <a:ext cx="0" cy="0"/>
-          <a:chOff x="0" y="0"/>
-          <a:chExt cx="0" cy="0"/>
-        </a:xfrm>
-      </p:grpSpPr>
-      <p:sp>
-        <p:nvSpPr>
-          <p:cNvPr id="2" name="Title 1">
-            <a:extLst>
-              <a:ext uri="{FF2B5EF4-FFF2-40B4-BE49-F238E27FC236}">
-                <a16:creationId xmlns:a16="http://schemas.microsoft.com/office/drawing/2014/main" id="{3340B9D3-F8A7-6013-D8AF-3E8C962C6BA8}"/>
-              </a:ext>
-            </a:extLst>
-          </p:cNvPr>
-          <p:cNvSpPr>
-            <a:spLocks noGrp="1"/>
-          </p:cNvSpPr>
-          <p:nvPr>
-            <p:ph type="title"/>
-          </p:nvPr>
-        </p:nvSpPr>
-        <p:spPr/>
-        <p:txBody>
-          <a:bodyPr/>
-          <a:lstStyle/>
-          <a:p>
-            <a:r>
-              <a:rPr lang="en-US" dirty="0"/>
-              <a:t>VJE</a:t>
-            </a:r>
-            <a:r>
-              <a:rPr lang="hr-HR" dirty="0"/>
-              <a:t>ž</a:t>
-            </a:r>
-            <a:r>
-              <a:rPr lang="en-US" dirty="0" err="1"/>
-              <a:t>ba</a:t>
-            </a:r>
-            <a:r>
-              <a:rPr lang="en-US" dirty="0"/>
-              <a:t> - FORK</a:t>
-            </a:r>
-            <a:endParaRPr lang="hr-HR" dirty="0"/>
-          </a:p>
-        </p:txBody>
-      </p:sp>
-      <p:sp>
-        <p:nvSpPr>
-          <p:cNvPr id="6" name="Text Placeholder 5">
-            <a:extLst>
-              <a:ext uri="{FF2B5EF4-FFF2-40B4-BE49-F238E27FC236}">
-                <a16:creationId xmlns:a16="http://schemas.microsoft.com/office/drawing/2014/main" id="{CE3F6313-82A8-99C0-047F-B098C246A07B}"/>
-              </a:ext>
-            </a:extLst>
-          </p:cNvPr>
-          <p:cNvSpPr>
-            <a:spLocks noGrp="1"/>
-          </p:cNvSpPr>
-          <p:nvPr>
-            <p:ph type="body" sz="half" idx="2"/>
-          </p:nvPr>
-        </p:nvSpPr>
-        <p:spPr/>
-        <p:txBody>
-          <a:bodyPr/>
-          <a:lstStyle/>
-          <a:p>
-            <a:r>
-              <a:rPr lang="hr-HR" dirty="0"/>
-              <a:t>✅ Kreirati lokalni </a:t>
-            </a:r>
-            <a:r>
-              <a:rPr lang="hr-HR" dirty="0" err="1"/>
-              <a:t>Git</a:t>
-            </a:r>
-            <a:r>
-              <a:rPr lang="hr-HR" dirty="0"/>
-              <a:t> repozitorij</a:t>
-            </a:r>
-            <a:br>
-              <a:rPr lang="hr-HR" dirty="0"/>
-            </a:br>
-            <a:r>
-              <a:rPr lang="hr-HR" dirty="0"/>
-              <a:t>✅ Dodavati i </a:t>
-            </a:r>
-            <a:r>
-              <a:rPr lang="hr-HR" dirty="0" err="1"/>
-              <a:t>commit</a:t>
-            </a:r>
-            <a:r>
-              <a:rPr lang="hr-HR" dirty="0"/>
-              <a:t>-ati promjene</a:t>
-            </a:r>
-            <a:br>
-              <a:rPr lang="hr-HR" dirty="0"/>
-            </a:br>
-            <a:r>
-              <a:rPr lang="hr-HR" dirty="0"/>
-              <a:t>✅ Pregledati povijest </a:t>
-            </a:r>
-            <a:r>
-              <a:rPr lang="hr-HR" dirty="0" err="1"/>
-              <a:t>commitova</a:t>
-            </a:r>
-            <a:br>
-              <a:rPr lang="hr-HR" dirty="0"/>
-            </a:br>
-            <a:r>
-              <a:rPr lang="hr-HR" dirty="0"/>
-              <a:t>✅ Vratiti se na prethodne verzije</a:t>
-            </a:r>
-            <a:br>
-              <a:rPr lang="hr-HR" dirty="0"/>
-            </a:br>
-            <a:r>
-              <a:rPr lang="hr-HR" dirty="0"/>
-              <a:t>✅ Raditi s udaljenim repozitorijem na </a:t>
-            </a:r>
-            <a:r>
-              <a:rPr lang="hr-HR" dirty="0" err="1"/>
-              <a:t>GitHub</a:t>
-            </a:r>
-            <a:r>
-              <a:rPr lang="hr-HR" dirty="0"/>
-              <a:t>-u</a:t>
-            </a:r>
-            <a:endParaRPr lang="en-US" dirty="0"/>
-          </a:p>
-        </p:txBody>
-      </p:sp>
-      <p:pic>
-        <p:nvPicPr>
-          <p:cNvPr id="5" name="Picture 4">
-            <a:extLst>
-              <a:ext uri="{FF2B5EF4-FFF2-40B4-BE49-F238E27FC236}">
-                <a16:creationId xmlns:a16="http://schemas.microsoft.com/office/drawing/2014/main" id="{F916E3A4-07CE-AA64-FCF2-51C6F3B04DEC}"/>
-              </a:ext>
-            </a:extLst>
-          </p:cNvPr>
-          <p:cNvPicPr>
-            <a:picLocks noChangeAspect="1"/>
-          </p:cNvPicPr>
-          <p:nvPr/>
-        </p:nvPicPr>
-        <p:blipFill>
-          <a:blip r:embed="rId3"/>
-          <a:stretch>
-            <a:fillRect/>
-          </a:stretch>
-        </p:blipFill>
-        <p:spPr>
-          <a:xfrm>
-            <a:off x="6574243" y="2252273"/>
-            <a:ext cx="4019550" cy="2295525"/>
-          </a:xfrm>
-          <a:prstGeom prst="rect">
-            <a:avLst/>
-          </a:prstGeom>
-        </p:spPr>
-      </p:pic>
-    </p:spTree>
-    <p:extLst>
-      <p:ext uri="{BB962C8B-B14F-4D97-AF65-F5344CB8AC3E}">
-        <p14:creationId xmlns:p14="http://schemas.microsoft.com/office/powerpoint/2010/main" val="429608198"/>
       </p:ext>
     </p:extLst>
   </p:cSld>
@@ -20853,6 +20403,17 @@
 </file>
 
 <file path=customXml/item1.xml><?xml version="1.0" encoding="utf-8"?>
+<p:properties xmlns:p="http://schemas.microsoft.com/office/2006/metadata/properties" xmlns:xsi="http://www.w3.org/2001/XMLSchema-instance" xmlns:pc="http://schemas.microsoft.com/office/infopath/2007/PartnerControls">
+  <documentManagement>
+    <lcf76f155ced4ddcb4097134ff3c332f xmlns="40806f44-bc4a-4ea4-b660-c6da93f8f179">
+      <Terms xmlns="http://schemas.microsoft.com/office/infopath/2007/PartnerControls"/>
+    </lcf76f155ced4ddcb4097134ff3c332f>
+    <TaxCatchAll xmlns="758d0d8f-b783-4c78-ab73-9740c97b97cf" xsi:nil="true"/>
+  </documentManagement>
+</p:properties>
+</file>
+
+<file path=customXml/item2.xml><?xml version="1.0" encoding="utf-8"?>
 <ct:contentTypeSchema xmlns:ct="http://schemas.microsoft.com/office/2006/metadata/contentType" xmlns:ma="http://schemas.microsoft.com/office/2006/metadata/properties/metaAttributes" ct:_="" ma:_="" ma:contentTypeName="Document" ma:contentTypeID="0x010100E4F55D9EF0BF0A44B819E681FCAC00B7" ma:contentTypeVersion="12" ma:contentTypeDescription="Create a new document." ma:contentTypeScope="" ma:versionID="068ce121a7a7a0aebcb89dd601c4f0a2">
   <xsd:schema xmlns:xsd="http://www.w3.org/2001/XMLSchema" xmlns:xs="http://www.w3.org/2001/XMLSchema" xmlns:p="http://schemas.microsoft.com/office/2006/metadata/properties" xmlns:ns2="40806f44-bc4a-4ea4-b660-c6da93f8f179" xmlns:ns3="758d0d8f-b783-4c78-ab73-9740c97b97cf" targetNamespace="http://schemas.microsoft.com/office/2006/metadata/properties" ma:root="true" ma:fieldsID="67c58e6c5c8ea9af0822acd84d25e1a2" ns2:_="" ns3:_="">
     <xsd:import namespace="40806f44-bc4a-4ea4-b660-c6da93f8f179"/>
@@ -21069,17 +20630,6 @@
 </ct:contentTypeSchema>
 </file>
 
-<file path=customXml/item2.xml><?xml version="1.0" encoding="utf-8"?>
-<p:properties xmlns:p="http://schemas.microsoft.com/office/2006/metadata/properties" xmlns:xsi="http://www.w3.org/2001/XMLSchema-instance" xmlns:pc="http://schemas.microsoft.com/office/infopath/2007/PartnerControls">
-  <documentManagement>
-    <lcf76f155ced4ddcb4097134ff3c332f xmlns="40806f44-bc4a-4ea4-b660-c6da93f8f179">
-      <Terms xmlns="http://schemas.microsoft.com/office/infopath/2007/PartnerControls"/>
-    </lcf76f155ced4ddcb4097134ff3c332f>
-    <TaxCatchAll xmlns="758d0d8f-b783-4c78-ab73-9740c97b97cf" xsi:nil="true"/>
-  </documentManagement>
-</p:properties>
-</file>
-
 <file path=customXml/item3.xml><?xml version="1.0" encoding="utf-8"?>
 <?mso-contentType ?>
 <FormTemplates xmlns="http://schemas.microsoft.com/sharepoint/v3/contenttype/forms">
@@ -21090,6 +20640,23 @@
 </file>
 
 <file path=customXml/itemProps1.xml><?xml version="1.0" encoding="utf-8"?>
+<ds:datastoreItem xmlns:ds="http://schemas.openxmlformats.org/officeDocument/2006/customXml" ds:itemID="{61E72F81-8533-461E-8E71-A6D77294CFEF}">
+  <ds:schemaRefs>
+    <ds:schemaRef ds:uri="http://purl.org/dc/elements/1.1/"/>
+    <ds:schemaRef ds:uri="http://www.w3.org/XML/1998/namespace"/>
+    <ds:schemaRef ds:uri="http://purl.org/dc/terms/"/>
+    <ds:schemaRef ds:uri="http://schemas.microsoft.com/office/2006/documentManagement/types"/>
+    <ds:schemaRef ds:uri="40806f44-bc4a-4ea4-b660-c6da93f8f179"/>
+    <ds:schemaRef ds:uri="http://schemas.openxmlformats.org/package/2006/metadata/core-properties"/>
+    <ds:schemaRef ds:uri="http://purl.org/dc/dcmitype/"/>
+    <ds:schemaRef ds:uri="http://schemas.microsoft.com/office/infopath/2007/PartnerControls"/>
+    <ds:schemaRef ds:uri="758d0d8f-b783-4c78-ab73-9740c97b97cf"/>
+    <ds:schemaRef ds:uri="http://schemas.microsoft.com/office/2006/metadata/properties"/>
+  </ds:schemaRefs>
+</ds:datastoreItem>
+</file>
+
+<file path=customXml/itemProps2.xml><?xml version="1.0" encoding="utf-8"?>
 <ds:datastoreItem xmlns:ds="http://schemas.openxmlformats.org/officeDocument/2006/customXml" ds:itemID="{4E6AED0F-96FF-4C7F-8AC9-672C91BFCDFE}">
   <ds:schemaRefs>
     <ds:schemaRef ds:uri="http://schemas.microsoft.com/office/2006/metadata/contentType"/>
@@ -21108,23 +20675,6 @@
 </ds:datastoreItem>
 </file>
 
-<file path=customXml/itemProps2.xml><?xml version="1.0" encoding="utf-8"?>
-<ds:datastoreItem xmlns:ds="http://schemas.openxmlformats.org/officeDocument/2006/customXml" ds:itemID="{61E72F81-8533-461E-8E71-A6D77294CFEF}">
-  <ds:schemaRefs>
-    <ds:schemaRef ds:uri="http://purl.org/dc/elements/1.1/"/>
-    <ds:schemaRef ds:uri="http://www.w3.org/XML/1998/namespace"/>
-    <ds:schemaRef ds:uri="http://purl.org/dc/terms/"/>
-    <ds:schemaRef ds:uri="http://schemas.microsoft.com/office/2006/documentManagement/types"/>
-    <ds:schemaRef ds:uri="40806f44-bc4a-4ea4-b660-c6da93f8f179"/>
-    <ds:schemaRef ds:uri="http://schemas.openxmlformats.org/package/2006/metadata/core-properties"/>
-    <ds:schemaRef ds:uri="http://purl.org/dc/dcmitype/"/>
-    <ds:schemaRef ds:uri="http://schemas.microsoft.com/office/infopath/2007/PartnerControls"/>
-    <ds:schemaRef ds:uri="758d0d8f-b783-4c78-ab73-9740c97b97cf"/>
-    <ds:schemaRef ds:uri="http://schemas.microsoft.com/office/2006/metadata/properties"/>
-  </ds:schemaRefs>
-</ds:datastoreItem>
-</file>
-
 <file path=customXml/itemProps3.xml><?xml version="1.0" encoding="utf-8"?>
 <ds:datastoreItem xmlns:ds="http://schemas.openxmlformats.org/officeDocument/2006/customXml" ds:itemID="{46915D30-CAA6-465E-907F-1770D4E3B01D}">
   <ds:schemaRefs>

--- a/Bootcamp/flask/flask.pptx
+++ b/Bootcamp/flask/flask.pptx
@@ -5,7 +5,7 @@
     <p:sldMasterId id="2147483648" r:id="rId4"/>
   </p:sldMasterIdLst>
   <p:notesMasterIdLst>
-    <p:notesMasterId r:id="rId16"/>
+    <p:notesMasterId r:id="rId17"/>
   </p:notesMasterIdLst>
   <p:sldIdLst>
     <p:sldId id="282" r:id="rId5"/>
@@ -18,7 +18,8 @@
     <p:sldId id="416" r:id="rId12"/>
     <p:sldId id="417" r:id="rId13"/>
     <p:sldId id="418" r:id="rId14"/>
-    <p:sldId id="378" r:id="rId15"/>
+    <p:sldId id="419" r:id="rId15"/>
+    <p:sldId id="378" r:id="rId16"/>
   </p:sldIdLst>
   <p:sldSz cx="12192000" cy="6858000"/>
   <p:notesSz cx="6858000" cy="9144000"/>
@@ -136,6 +137,7 @@
             <p14:sldId id="416"/>
             <p14:sldId id="417"/>
             <p14:sldId id="418"/>
+            <p14:sldId id="419"/>
             <p14:sldId id="378"/>
           </p14:sldIdLst>
         </p14:section>
@@ -241,7 +243,7 @@
           <a:p>
             <a:fld id="{B2A70591-2E3C-5F42-A4E1-C0F5A0F4E5DB}" type="datetimeFigureOut">
               <a:rPr lang="en-US" smtClean="0"/>
-              <a:t>3/15/2025</a:t>
+              <a:t>3/16/2025</a:t>
             </a:fld>
             <a:endParaRPr lang="en-US"/>
           </a:p>
@@ -625,6 +627,114 @@
         <p:cNvPr id="1" name="">
           <a:extLst>
             <a:ext uri="{FF2B5EF4-FFF2-40B4-BE49-F238E27FC236}">
+              <a16:creationId xmlns:a16="http://schemas.microsoft.com/office/drawing/2014/main" id="{51281CDD-90EE-FFEF-E218-69A33EAAF7CC}"/>
+            </a:ext>
+          </a:extLst>
+        </p:cNvPr>
+        <p:cNvGrpSpPr/>
+        <p:nvPr/>
+      </p:nvGrpSpPr>
+      <p:grpSpPr>
+        <a:xfrm>
+          <a:off x="0" y="0"/>
+          <a:ext cx="0" cy="0"/>
+          <a:chOff x="0" y="0"/>
+          <a:chExt cx="0" cy="0"/>
+        </a:xfrm>
+      </p:grpSpPr>
+      <p:sp>
+        <p:nvSpPr>
+          <p:cNvPr id="2" name="Slide Image Placeholder 1">
+            <a:extLst>
+              <a:ext uri="{FF2B5EF4-FFF2-40B4-BE49-F238E27FC236}">
+                <a16:creationId xmlns:a16="http://schemas.microsoft.com/office/drawing/2014/main" id="{8BF0D57F-66F3-FEF8-C3F3-2A27843A2F9F}"/>
+              </a:ext>
+            </a:extLst>
+          </p:cNvPr>
+          <p:cNvSpPr>
+            <a:spLocks noGrp="1" noRot="1" noChangeAspect="1"/>
+          </p:cNvSpPr>
+          <p:nvPr>
+            <p:ph type="sldImg"/>
+          </p:nvPr>
+        </p:nvSpPr>
+        <p:spPr/>
+      </p:sp>
+      <p:sp>
+        <p:nvSpPr>
+          <p:cNvPr id="3" name="Notes Placeholder 2">
+            <a:extLst>
+              <a:ext uri="{FF2B5EF4-FFF2-40B4-BE49-F238E27FC236}">
+                <a16:creationId xmlns:a16="http://schemas.microsoft.com/office/drawing/2014/main" id="{1102881D-1EF2-7FDF-69A8-0B6A0ED19A64}"/>
+              </a:ext>
+            </a:extLst>
+          </p:cNvPr>
+          <p:cNvSpPr>
+            <a:spLocks noGrp="1"/>
+          </p:cNvSpPr>
+          <p:nvPr>
+            <p:ph type="body" idx="1"/>
+          </p:nvPr>
+        </p:nvSpPr>
+        <p:spPr/>
+        <p:txBody>
+          <a:bodyPr/>
+          <a:lstStyle/>
+          <a:p>
+            <a:endParaRPr lang="hr-HR" dirty="0"/>
+          </a:p>
+        </p:txBody>
+      </p:sp>
+      <p:sp>
+        <p:nvSpPr>
+          <p:cNvPr id="4" name="Slide Number Placeholder 3">
+            <a:extLst>
+              <a:ext uri="{FF2B5EF4-FFF2-40B4-BE49-F238E27FC236}">
+                <a16:creationId xmlns:a16="http://schemas.microsoft.com/office/drawing/2014/main" id="{BB561EDE-969C-0105-568E-7FAE6B75A51D}"/>
+              </a:ext>
+            </a:extLst>
+          </p:cNvPr>
+          <p:cNvSpPr>
+            <a:spLocks noGrp="1"/>
+          </p:cNvSpPr>
+          <p:nvPr>
+            <p:ph type="sldNum" sz="quarter" idx="5"/>
+          </p:nvPr>
+        </p:nvSpPr>
+        <p:spPr/>
+        <p:txBody>
+          <a:bodyPr/>
+          <a:lstStyle/>
+          <a:p>
+            <a:fld id="{343B951A-A665-1949-AEDB-B62DC9BE7F13}" type="slidenum">
+              <a:rPr lang="en-US" smtClean="0"/>
+              <a:t>11</a:t>
+            </a:fld>
+            <a:endParaRPr lang="en-US"/>
+          </a:p>
+        </p:txBody>
+      </p:sp>
+    </p:spTree>
+    <p:extLst>
+      <p:ext uri="{BB962C8B-B14F-4D97-AF65-F5344CB8AC3E}">
+        <p14:creationId xmlns:p14="http://schemas.microsoft.com/office/powerpoint/2010/main" val="1458983382"/>
+      </p:ext>
+    </p:extLst>
+  </p:cSld>
+  <p:clrMapOvr>
+    <a:masterClrMapping/>
+  </p:clrMapOvr>
+</p:notes>
+</file>
+
+<file path=ppt/notesSlides/notesSlide11.xml><?xml version="1.0" encoding="utf-8"?>
+<p:notes xmlns:a="http://schemas.openxmlformats.org/drawingml/2006/main" xmlns:r="http://schemas.openxmlformats.org/officeDocument/2006/relationships" xmlns:p="http://schemas.openxmlformats.org/presentationml/2006/main">
+  <p:cSld>
+    <p:spTree>
+      <p:nvGrpSpPr>
+        <p:cNvPr id="1" name="">
+          <a:extLst>
+            <a:ext uri="{FF2B5EF4-FFF2-40B4-BE49-F238E27FC236}">
               <a16:creationId xmlns:a16="http://schemas.microsoft.com/office/drawing/2014/main" id="{4F32F5CD-A2DA-DD60-9A45-CC97E0363F9A}"/>
             </a:ext>
           </a:extLst>
@@ -706,7 +816,7 @@
           <a:p>
             <a:fld id="{343B951A-A665-1949-AEDB-B62DC9BE7F13}" type="slidenum">
               <a:rPr lang="en-US" smtClean="0"/>
-              <a:t>11</a:t>
+              <a:t>12</a:t>
             </a:fld>
             <a:endParaRPr lang="en-US"/>
           </a:p>
@@ -2750,7 +2860,7 @@
                 <a:ea typeface="Open Sans" panose="020B0606030504020204" pitchFamily="34" charset="0"/>
                 <a:cs typeface="Open Sans" panose="020B0606030504020204" pitchFamily="34" charset="0"/>
               </a:rPr>
-              <a:t>15/03/2025</a:t>
+              <a:t>16/03/2025</a:t>
             </a:fld>
             <a:endParaRPr lang="en-GB" sz="1800" b="0" i="0" kern="1200" dirty="0">
               <a:solidFill>
@@ -3495,7 +3605,7 @@
                 <a:ea typeface="Open Sans" panose="020B0606030504020204" pitchFamily="34" charset="0"/>
                 <a:cs typeface="Open Sans" panose="020B0606030504020204" pitchFamily="34" charset="0"/>
               </a:rPr>
-              <a:t>15/03/2025</a:t>
+              <a:t>16/03/2025</a:t>
             </a:fld>
             <a:endParaRPr lang="en-GB" sz="1800" b="0" i="0" kern="1200" dirty="0">
               <a:solidFill>
@@ -4018,7 +4128,7 @@
                 <a:ea typeface="Open Sans" panose="020B0606030504020204" pitchFamily="34" charset="0"/>
                 <a:cs typeface="Open Sans" panose="020B0606030504020204" pitchFamily="34" charset="0"/>
               </a:rPr>
-              <a:t>15/03/2025</a:t>
+              <a:t>16/03/2025</a:t>
             </a:fld>
             <a:endParaRPr lang="en-GB" sz="1800" b="0" i="0" kern="1200" dirty="0">
               <a:solidFill>
@@ -4984,7 +5094,7 @@
                 <a:ea typeface="Open Sans" panose="020B0606030504020204" pitchFamily="34" charset="0"/>
                 <a:cs typeface="Open Sans" panose="020B0606030504020204" pitchFamily="34" charset="0"/>
               </a:rPr>
-              <a:t>15/03/2025</a:t>
+              <a:t>16/03/2025</a:t>
             </a:fld>
             <a:endParaRPr lang="en-GB" sz="1800" b="0" i="0" kern="1200" dirty="0">
               <a:solidFill>
@@ -5423,7 +5533,7 @@
                 <a:ea typeface="Open Sans" panose="020B0606030504020204" pitchFamily="34" charset="0"/>
                 <a:cs typeface="Open Sans" panose="020B0606030504020204" pitchFamily="34" charset="0"/>
               </a:rPr>
-              <a:t>15/03/2025</a:t>
+              <a:t>16/03/2025</a:t>
             </a:fld>
             <a:endParaRPr lang="en-GB" sz="1800" b="0" i="0" kern="1200" dirty="0">
               <a:solidFill>
@@ -7193,7 +7303,7 @@
                 <a:ea typeface="Open Sans" pitchFamily="2" charset="0"/>
                 <a:cs typeface="Open Sans" pitchFamily="2" charset="0"/>
               </a:rPr>
-              <a:t>15/03/2025</a:t>
+              <a:t>16/03/2025</a:t>
             </a:fld>
             <a:endParaRPr lang="en-GB" sz="1800" b="0" i="0" kern="1200" dirty="0">
               <a:solidFill>
@@ -8943,7 +9053,7 @@
                 <a:ea typeface="Open Sans" pitchFamily="2" charset="0"/>
                 <a:cs typeface="Open Sans" pitchFamily="2" charset="0"/>
               </a:rPr>
-              <a:t>15/03/2025</a:t>
+              <a:t>16/03/2025</a:t>
             </a:fld>
             <a:endParaRPr lang="en-GB" sz="1800" b="0" i="0" kern="1200" dirty="0">
               <a:solidFill>
@@ -9460,7 +9570,7 @@
                 <a:ea typeface="Open Sans" panose="020B0606030504020204" pitchFamily="34" charset="0"/>
                 <a:cs typeface="Open Sans" panose="020B0606030504020204" pitchFamily="34" charset="0"/>
               </a:rPr>
-              <a:t>15/03/2025</a:t>
+              <a:t>16/03/2025</a:t>
             </a:fld>
             <a:endParaRPr lang="en-GB" sz="1800" b="0" i="0" kern="1200" dirty="0">
               <a:solidFill>
@@ -10057,7 +10167,7 @@
                 <a:ea typeface="Open Sans" pitchFamily="2" charset="0"/>
                 <a:cs typeface="Open Sans" pitchFamily="2" charset="0"/>
               </a:rPr>
-              <a:t>15/03/2025</a:t>
+              <a:t>16/03/2025</a:t>
             </a:fld>
             <a:endParaRPr lang="en-GB" sz="1800" b="0" i="0" kern="1200" dirty="0">
               <a:solidFill>
@@ -10597,7 +10707,7 @@
                 <a:ea typeface="Open Sans" panose="020B0606030504020204" pitchFamily="34" charset="0"/>
                 <a:cs typeface="Open Sans" panose="020B0606030504020204" pitchFamily="34" charset="0"/>
               </a:rPr>
-              <a:t>15/03/2025</a:t>
+              <a:t>16/03/2025</a:t>
             </a:fld>
             <a:endParaRPr lang="en-GB" sz="1800" b="0" i="0" kern="1200" dirty="0">
               <a:solidFill>
@@ -11298,7 +11408,7 @@
                 <a:ea typeface="Open Sans" panose="020B0606030504020204" pitchFamily="34" charset="0"/>
                 <a:cs typeface="Open Sans" panose="020B0606030504020204" pitchFamily="34" charset="0"/>
               </a:rPr>
-              <a:t>15/03/2025</a:t>
+              <a:t>16/03/2025</a:t>
             </a:fld>
             <a:endParaRPr lang="en-GB" sz="1800" b="0" i="0" kern="1200" dirty="0">
               <a:solidFill>
@@ -11661,7 +11771,7 @@
                 <a:ea typeface="Open Sans" pitchFamily="2" charset="0"/>
                 <a:cs typeface="Open Sans" pitchFamily="2" charset="0"/>
               </a:rPr>
-              <a:t>15/03/2025</a:t>
+              <a:t>16/03/2025</a:t>
             </a:fld>
             <a:endParaRPr lang="en-GB" sz="1800" b="0" i="0" kern="1200" dirty="0">
               <a:solidFill>
@@ -12056,7 +12166,7 @@
                 <a:ea typeface="Open Sans" pitchFamily="2" charset="0"/>
                 <a:cs typeface="Open Sans" pitchFamily="2" charset="0"/>
               </a:rPr>
-              <a:t>15/03/2025</a:t>
+              <a:t>16/03/2025</a:t>
             </a:fld>
             <a:endParaRPr lang="en-GB" sz="1800" b="0" i="0" kern="1200" dirty="0">
               <a:solidFill>
@@ -12802,21 +12912,18 @@
           <a:p>
             <a:r>
               <a:rPr lang="en-US" dirty="0"/>
-              <a:t>FLASK – </a:t>
-            </a:r>
-            <a:r>
-              <a:rPr lang="hr-HR" dirty="0"/>
-              <a:t>Smorest</a:t>
-            </a:r>
+              <a:t>FLASK – KONFIGURACIJSKI FAJLOVI</a:t>
+            </a:r>
+            <a:endParaRPr lang="hr-HR" dirty="0"/>
           </a:p>
         </p:txBody>
       </p:sp>
       <p:sp>
         <p:nvSpPr>
-          <p:cNvPr id="12" name="Content Placeholder 2">
-            <a:extLst>
-              <a:ext uri="{FF2B5EF4-FFF2-40B4-BE49-F238E27FC236}">
-                <a16:creationId xmlns:a16="http://schemas.microsoft.com/office/drawing/2014/main" id="{CE60C61F-7659-2C1A-9CD7-BF20C40977F6}"/>
+          <p:cNvPr id="2" name="Content Placeholder 2">
+            <a:extLst>
+              <a:ext uri="{FF2B5EF4-FFF2-40B4-BE49-F238E27FC236}">
+                <a16:creationId xmlns:a16="http://schemas.microsoft.com/office/drawing/2014/main" id="{CCACA243-019A-3022-A0B2-879B2BFDB07C}"/>
               </a:ext>
             </a:extLst>
           </p:cNvPr>
@@ -12827,8 +12934,8 @@
         </p:nvSpPr>
         <p:spPr>
           <a:xfrm>
-            <a:off x="1172241" y="1404933"/>
-            <a:ext cx="5855438" cy="1961707"/>
+            <a:off x="1028700" y="1476034"/>
+            <a:ext cx="2730499" cy="928207"/>
           </a:xfrm>
           <a:prstGeom prst="rect">
             <a:avLst/>
@@ -13040,34 +13147,371 @@
               <a:buNone/>
             </a:pPr>
             <a:r>
-              <a:rPr lang="hr-HR" sz="1100" dirty="0"/>
-              <a:t>✔ Prelazak s imena na unique IDs za trgovine i artikle</a:t>
+              <a:rPr lang="en-US" sz="1400" dirty="0"/>
+              <a:t>.</a:t>
+            </a:r>
+            <a:r>
+              <a:rPr lang="en-US" sz="1400" dirty="0" err="1"/>
+              <a:t>flaskenv</a:t>
             </a:r>
             <a:br>
-              <a:rPr lang="hr-HR" sz="1100" dirty="0"/>
+              <a:rPr lang="en-US" sz="1400" dirty="0"/>
             </a:br>
-            <a:r>
-              <a:rPr lang="hr-HR" sz="1100" dirty="0"/>
-              <a:t>✔ Razdvajanje artikala od trgovina – prelazak s listi na dictionary za pohranu podataka</a:t>
-            </a:r>
             <a:br>
-              <a:rPr lang="hr-HR" sz="1100" dirty="0"/>
+              <a:rPr lang="en-US" sz="1400" dirty="0"/>
             </a:br>
             <a:r>
-              <a:rPr lang="hr-HR" sz="1100" dirty="0"/>
-              <a:t>✔ Kreiranje novih konfiguracijskih fajlova (requirements.txt, .flaskenv, db.py)</a:t>
-            </a:r>
-            <a:br>
-              <a:rPr lang="hr-HR" sz="1100" dirty="0"/>
-            </a:br>
-            <a:r>
-              <a:rPr lang="hr-HR" sz="1100" dirty="0"/>
-              <a:t>✔ Unapređenje endpointa za direktan pristup podacima koristeći unique IDs</a:t>
-            </a:r>
-            <a:endParaRPr lang="hr-HR" sz="1400" dirty="0"/>
+              <a:rPr lang="pl-PL" sz="1100" dirty="0"/>
+              <a:t>Sadrži varijable za pokretanje Flask aplikacije</a:t>
+            </a:r>
+            <a:endParaRPr lang="en-US" sz="1400" dirty="0"/>
           </a:p>
         </p:txBody>
       </p:sp>
+      <p:sp>
+        <p:nvSpPr>
+          <p:cNvPr id="3" name="Content Placeholder 2">
+            <a:extLst>
+              <a:ext uri="{FF2B5EF4-FFF2-40B4-BE49-F238E27FC236}">
+                <a16:creationId xmlns:a16="http://schemas.microsoft.com/office/drawing/2014/main" id="{D9145086-EB31-A784-344B-F78CCFCFA6C5}"/>
+              </a:ext>
+            </a:extLst>
+          </p:cNvPr>
+          <p:cNvSpPr txBox="1">
+            <a:spLocks/>
+          </p:cNvSpPr>
+          <p:nvPr/>
+        </p:nvSpPr>
+        <p:spPr>
+          <a:xfrm>
+            <a:off x="4673601" y="1399834"/>
+            <a:ext cx="2412999" cy="438315"/>
+          </a:xfrm>
+          <a:prstGeom prst="rect">
+            <a:avLst/>
+          </a:prstGeom>
+        </p:spPr>
+        <p:txBody>
+          <a:bodyPr vert="horz" lIns="91440" tIns="45720" rIns="91440" bIns="45720" rtlCol="0">
+            <a:noAutofit/>
+          </a:bodyPr>
+          <a:lstStyle>
+            <a:lvl1pPr marL="368300" indent="-352425" algn="l" defTabSz="914400" rtl="0" eaLnBrk="1" latinLnBrk="0" hangingPunct="1">
+              <a:lnSpc>
+                <a:spcPct val="90000"/>
+              </a:lnSpc>
+              <a:spcBef>
+                <a:spcPts val="600"/>
+              </a:spcBef>
+              <a:spcAft>
+                <a:spcPts val="600"/>
+              </a:spcAft>
+              <a:buClr>
+                <a:schemeClr val="accent2"/>
+              </a:buClr>
+              <a:buFont typeface="Wingdings" pitchFamily="2" charset="2"/>
+              <a:buChar char="§"/>
+              <a:tabLst/>
+              <a:defRPr sz="2400" kern="1200">
+                <a:solidFill>
+                  <a:schemeClr val="tx1"/>
+                </a:solidFill>
+                <a:latin typeface="+mn-lt"/>
+                <a:ea typeface="Open Sans" panose="020B0606030504020204" pitchFamily="34" charset="0"/>
+                <a:cs typeface="Open Sans" panose="020B0606030504020204" pitchFamily="34" charset="0"/>
+              </a:defRPr>
+            </a:lvl1pPr>
+            <a:lvl2pPr marL="771525" indent="-274638" algn="l" defTabSz="914400" rtl="0" eaLnBrk="1" latinLnBrk="0" hangingPunct="1">
+              <a:lnSpc>
+                <a:spcPct val="90000"/>
+              </a:lnSpc>
+              <a:spcBef>
+                <a:spcPts val="600"/>
+              </a:spcBef>
+              <a:spcAft>
+                <a:spcPts val="600"/>
+              </a:spcAft>
+              <a:buClr>
+                <a:schemeClr val="accent2"/>
+              </a:buClr>
+              <a:buFont typeface="Wingdings" pitchFamily="2" charset="2"/>
+              <a:buChar char="§"/>
+              <a:tabLst/>
+              <a:defRPr sz="2200" kern="1200">
+                <a:solidFill>
+                  <a:schemeClr val="tx1"/>
+                </a:solidFill>
+                <a:latin typeface="+mn-lt"/>
+                <a:ea typeface="Open Sans" panose="020B0606030504020204" pitchFamily="34" charset="0"/>
+                <a:cs typeface="Open Sans" panose="020B0606030504020204" pitchFamily="34" charset="0"/>
+              </a:defRPr>
+            </a:lvl2pPr>
+            <a:lvl3pPr marL="1143000" indent="-228600" algn="l" defTabSz="914400" rtl="0" eaLnBrk="1" latinLnBrk="0" hangingPunct="1">
+              <a:lnSpc>
+                <a:spcPct val="90000"/>
+              </a:lnSpc>
+              <a:spcBef>
+                <a:spcPts val="600"/>
+              </a:spcBef>
+              <a:spcAft>
+                <a:spcPts val="600"/>
+              </a:spcAft>
+              <a:buClr>
+                <a:schemeClr val="accent2"/>
+              </a:buClr>
+              <a:buFont typeface="Wingdings" pitchFamily="2" charset="2"/>
+              <a:buChar char="§"/>
+              <a:defRPr sz="2000" kern="1200">
+                <a:solidFill>
+                  <a:schemeClr val="tx1"/>
+                </a:solidFill>
+                <a:latin typeface="+mn-lt"/>
+                <a:ea typeface="Open Sans" panose="020B0606030504020204" pitchFamily="34" charset="0"/>
+                <a:cs typeface="Open Sans" panose="020B0606030504020204" pitchFamily="34" charset="0"/>
+              </a:defRPr>
+            </a:lvl3pPr>
+            <a:lvl4pPr marL="1600200" indent="-228600" algn="l" defTabSz="914400" rtl="0" eaLnBrk="1" latinLnBrk="0" hangingPunct="1">
+              <a:lnSpc>
+                <a:spcPct val="90000"/>
+              </a:lnSpc>
+              <a:spcBef>
+                <a:spcPts val="600"/>
+              </a:spcBef>
+              <a:spcAft>
+                <a:spcPts val="600"/>
+              </a:spcAft>
+              <a:buClr>
+                <a:schemeClr val="accent2"/>
+              </a:buClr>
+              <a:buFont typeface="Wingdings" pitchFamily="2" charset="2"/>
+              <a:buChar char="§"/>
+              <a:defRPr sz="1800" kern="1200">
+                <a:solidFill>
+                  <a:schemeClr val="tx1"/>
+                </a:solidFill>
+                <a:latin typeface="+mn-lt"/>
+                <a:ea typeface="Open Sans" panose="020B0606030504020204" pitchFamily="34" charset="0"/>
+                <a:cs typeface="Open Sans" panose="020B0606030504020204" pitchFamily="34" charset="0"/>
+              </a:defRPr>
+            </a:lvl4pPr>
+            <a:lvl5pPr marL="1960563" indent="-225425" algn="l" defTabSz="914400" rtl="0" eaLnBrk="1" latinLnBrk="0" hangingPunct="1">
+              <a:lnSpc>
+                <a:spcPct val="90000"/>
+              </a:lnSpc>
+              <a:spcBef>
+                <a:spcPts val="600"/>
+              </a:spcBef>
+              <a:spcAft>
+                <a:spcPts val="600"/>
+              </a:spcAft>
+              <a:buClr>
+                <a:schemeClr val="accent2"/>
+              </a:buClr>
+              <a:buFont typeface="Wingdings" pitchFamily="2" charset="2"/>
+              <a:buChar char="§"/>
+              <a:tabLst/>
+              <a:defRPr sz="1600" kern="1200">
+                <a:solidFill>
+                  <a:schemeClr val="tx1"/>
+                </a:solidFill>
+                <a:latin typeface="+mn-lt"/>
+                <a:ea typeface="Open Sans" panose="020B0606030504020204" pitchFamily="34" charset="0"/>
+                <a:cs typeface="Open Sans" panose="020B0606030504020204" pitchFamily="34" charset="0"/>
+              </a:defRPr>
+            </a:lvl5pPr>
+            <a:lvl6pPr marL="2514600" indent="-228600" algn="l" defTabSz="914400" rtl="0" eaLnBrk="1" latinLnBrk="0" hangingPunct="1">
+              <a:lnSpc>
+                <a:spcPct val="90000"/>
+              </a:lnSpc>
+              <a:spcBef>
+                <a:spcPts val="500"/>
+              </a:spcBef>
+              <a:buFont typeface="Arial" panose="020B0604020202020204" pitchFamily="34" charset="0"/>
+              <a:buChar char="•"/>
+              <a:defRPr sz="1800" kern="1200">
+                <a:solidFill>
+                  <a:schemeClr val="tx1"/>
+                </a:solidFill>
+                <a:latin typeface="+mn-lt"/>
+                <a:ea typeface="+mn-ea"/>
+                <a:cs typeface="+mn-cs"/>
+              </a:defRPr>
+            </a:lvl6pPr>
+            <a:lvl7pPr marL="2971800" indent="-228600" algn="l" defTabSz="914400" rtl="0" eaLnBrk="1" latinLnBrk="0" hangingPunct="1">
+              <a:lnSpc>
+                <a:spcPct val="90000"/>
+              </a:lnSpc>
+              <a:spcBef>
+                <a:spcPts val="500"/>
+              </a:spcBef>
+              <a:buFont typeface="Arial" panose="020B0604020202020204" pitchFamily="34" charset="0"/>
+              <a:buChar char="•"/>
+              <a:defRPr sz="1800" kern="1200">
+                <a:solidFill>
+                  <a:schemeClr val="tx1"/>
+                </a:solidFill>
+                <a:latin typeface="+mn-lt"/>
+                <a:ea typeface="+mn-ea"/>
+                <a:cs typeface="+mn-cs"/>
+              </a:defRPr>
+            </a:lvl7pPr>
+            <a:lvl8pPr marL="3429000" indent="-228600" algn="l" defTabSz="914400" rtl="0" eaLnBrk="1" latinLnBrk="0" hangingPunct="1">
+              <a:lnSpc>
+                <a:spcPct val="90000"/>
+              </a:lnSpc>
+              <a:spcBef>
+                <a:spcPts val="500"/>
+              </a:spcBef>
+              <a:buFont typeface="Arial" panose="020B0604020202020204" pitchFamily="34" charset="0"/>
+              <a:buChar char="•"/>
+              <a:defRPr sz="1800" kern="1200">
+                <a:solidFill>
+                  <a:schemeClr val="tx1"/>
+                </a:solidFill>
+                <a:latin typeface="+mn-lt"/>
+                <a:ea typeface="+mn-ea"/>
+                <a:cs typeface="+mn-cs"/>
+              </a:defRPr>
+            </a:lvl8pPr>
+            <a:lvl9pPr marL="3886200" indent="-228600" algn="l" defTabSz="914400" rtl="0" eaLnBrk="1" latinLnBrk="0" hangingPunct="1">
+              <a:lnSpc>
+                <a:spcPct val="90000"/>
+              </a:lnSpc>
+              <a:spcBef>
+                <a:spcPts val="500"/>
+              </a:spcBef>
+              <a:buFont typeface="Arial" panose="020B0604020202020204" pitchFamily="34" charset="0"/>
+              <a:buChar char="•"/>
+              <a:defRPr sz="1800" kern="1200">
+                <a:solidFill>
+                  <a:schemeClr val="tx1"/>
+                </a:solidFill>
+                <a:latin typeface="+mn-lt"/>
+                <a:ea typeface="+mn-ea"/>
+                <a:cs typeface="+mn-cs"/>
+              </a:defRPr>
+            </a:lvl9pPr>
+          </a:lstStyle>
+          <a:p>
+            <a:pPr marL="15875" indent="0">
+              <a:buNone/>
+            </a:pPr>
+            <a:r>
+              <a:rPr lang="hr-HR" sz="1100" dirty="0"/>
+              <a:t> </a:t>
+            </a:r>
+            <a:r>
+              <a:rPr lang="hr-HR" sz="1400" dirty="0"/>
+              <a:t>requirements</a:t>
+            </a:r>
+            <a:r>
+              <a:rPr lang="hr-HR" sz="1100" dirty="0"/>
+              <a:t>.txt</a:t>
+            </a:r>
+            <a:br>
+              <a:rPr lang="en-US" sz="1100" dirty="0"/>
+            </a:br>
+            <a:br>
+              <a:rPr lang="en-US" sz="1100" dirty="0"/>
+            </a:br>
+            <a:r>
+              <a:rPr lang="hr-HR" sz="1100" dirty="0"/>
+              <a:t>Sadrži sve potrebne biblioteke</a:t>
+            </a:r>
+            <a:endParaRPr lang="en-US" sz="1400" dirty="0"/>
+          </a:p>
+        </p:txBody>
+      </p:sp>
+      <p:pic>
+        <p:nvPicPr>
+          <p:cNvPr id="6" name="Picture 5">
+            <a:extLst>
+              <a:ext uri="{FF2B5EF4-FFF2-40B4-BE49-F238E27FC236}">
+                <a16:creationId xmlns:a16="http://schemas.microsoft.com/office/drawing/2014/main" id="{B67B5701-8E68-35A5-242E-F659C06D307E}"/>
+              </a:ext>
+            </a:extLst>
+          </p:cNvPr>
+          <p:cNvPicPr>
+            <a:picLocks noChangeAspect="1"/>
+          </p:cNvPicPr>
+          <p:nvPr/>
+        </p:nvPicPr>
+        <p:blipFill>
+          <a:blip r:embed="rId3"/>
+          <a:stretch>
+            <a:fillRect/>
+          </a:stretch>
+        </p:blipFill>
+        <p:spPr>
+          <a:xfrm>
+            <a:off x="1210341" y="2505075"/>
+            <a:ext cx="1524000" cy="628650"/>
+          </a:xfrm>
+          <a:prstGeom prst="rect">
+            <a:avLst/>
+          </a:prstGeom>
+        </p:spPr>
+      </p:pic>
+      <p:pic>
+        <p:nvPicPr>
+          <p:cNvPr id="8" name="Picture 7">
+            <a:extLst>
+              <a:ext uri="{FF2B5EF4-FFF2-40B4-BE49-F238E27FC236}">
+                <a16:creationId xmlns:a16="http://schemas.microsoft.com/office/drawing/2014/main" id="{68A2B644-6AAF-9E93-9483-F72F1CA71DE7}"/>
+              </a:ext>
+            </a:extLst>
+          </p:cNvPr>
+          <p:cNvPicPr>
+            <a:picLocks noChangeAspect="1"/>
+          </p:cNvPicPr>
+          <p:nvPr/>
+        </p:nvPicPr>
+        <p:blipFill>
+          <a:blip r:embed="rId4"/>
+          <a:stretch>
+            <a:fillRect/>
+          </a:stretch>
+        </p:blipFill>
+        <p:spPr>
+          <a:xfrm>
+            <a:off x="4851400" y="2352675"/>
+            <a:ext cx="1676400" cy="781050"/>
+          </a:xfrm>
+          <a:prstGeom prst="rect">
+            <a:avLst/>
+          </a:prstGeom>
+        </p:spPr>
+      </p:pic>
+      <p:pic>
+        <p:nvPicPr>
+          <p:cNvPr id="10" name="Picture 9">
+            <a:extLst>
+              <a:ext uri="{FF2B5EF4-FFF2-40B4-BE49-F238E27FC236}">
+                <a16:creationId xmlns:a16="http://schemas.microsoft.com/office/drawing/2014/main" id="{0EAF23F5-8CF2-F2F5-7966-97B71B54F8C4}"/>
+              </a:ext>
+            </a:extLst>
+          </p:cNvPr>
+          <p:cNvPicPr>
+            <a:picLocks noChangeAspect="1"/>
+          </p:cNvPicPr>
+          <p:nvPr/>
+        </p:nvPicPr>
+        <p:blipFill>
+          <a:blip r:embed="rId5"/>
+          <a:stretch>
+            <a:fillRect/>
+          </a:stretch>
+        </p:blipFill>
+        <p:spPr>
+          <a:xfrm>
+            <a:off x="1210341" y="3992562"/>
+            <a:ext cx="2971800" cy="295275"/>
+          </a:xfrm>
+          <a:prstGeom prst="rect">
+            <a:avLst/>
+          </a:prstGeom>
+        </p:spPr>
+      </p:pic>
     </p:spTree>
     <p:extLst>
       <p:ext uri="{BB962C8B-B14F-4D97-AF65-F5344CB8AC3E}">
@@ -13082,6 +13526,830 @@
 </file>
 
 <file path=ppt/slides/slide11.xml><?xml version="1.0" encoding="utf-8"?>
+<p:sld xmlns:a="http://schemas.openxmlformats.org/drawingml/2006/main" xmlns:r="http://schemas.openxmlformats.org/officeDocument/2006/relationships" xmlns:p="http://schemas.openxmlformats.org/presentationml/2006/main">
+  <p:cSld>
+    <p:spTree>
+      <p:nvGrpSpPr>
+        <p:cNvPr id="1" name="">
+          <a:extLst>
+            <a:ext uri="{FF2B5EF4-FFF2-40B4-BE49-F238E27FC236}">
+              <a16:creationId xmlns:a16="http://schemas.microsoft.com/office/drawing/2014/main" id="{72F20492-FB4D-BE63-488F-C5C25372C7BD}"/>
+            </a:ext>
+          </a:extLst>
+        </p:cNvPr>
+        <p:cNvGrpSpPr/>
+        <p:nvPr/>
+      </p:nvGrpSpPr>
+      <p:grpSpPr>
+        <a:xfrm>
+          <a:off x="0" y="0"/>
+          <a:ext cx="0" cy="0"/>
+          <a:chOff x="0" y="0"/>
+          <a:chExt cx="0" cy="0"/>
+        </a:xfrm>
+      </p:grpSpPr>
+      <p:sp>
+        <p:nvSpPr>
+          <p:cNvPr id="4" name="Title 1">
+            <a:extLst>
+              <a:ext uri="{FF2B5EF4-FFF2-40B4-BE49-F238E27FC236}">
+                <a16:creationId xmlns:a16="http://schemas.microsoft.com/office/drawing/2014/main" id="{CB81400E-71A5-DF46-DBDA-93420D98AC9A}"/>
+              </a:ext>
+            </a:extLst>
+          </p:cNvPr>
+          <p:cNvSpPr txBox="1">
+            <a:spLocks/>
+          </p:cNvSpPr>
+          <p:nvPr/>
+        </p:nvSpPr>
+        <p:spPr>
+          <a:xfrm>
+            <a:off x="990600" y="383056"/>
+            <a:ext cx="10515600" cy="853976"/>
+          </a:xfrm>
+          <a:prstGeom prst="rect">
+            <a:avLst/>
+          </a:prstGeom>
+        </p:spPr>
+        <p:txBody>
+          <a:bodyPr vert="horz" lIns="91440" tIns="45720" rIns="91440" bIns="45720" rtlCol="0" anchor="ctr">
+            <a:normAutofit/>
+          </a:bodyPr>
+          <a:lstStyle>
+            <a:lvl1pPr algn="l" defTabSz="914400" rtl="0" eaLnBrk="1" latinLnBrk="0" hangingPunct="1">
+              <a:lnSpc>
+                <a:spcPct val="90000"/>
+              </a:lnSpc>
+              <a:spcBef>
+                <a:spcPct val="0"/>
+              </a:spcBef>
+              <a:buNone/>
+              <a:defRPr sz="3600" b="1" i="0" kern="1200" cap="all" baseline="0">
+                <a:solidFill>
+                  <a:schemeClr val="tx2"/>
+                </a:solidFill>
+                <a:latin typeface="+mj-lt"/>
+                <a:ea typeface="Open Sans Semibold" panose="020B0606030504020204" pitchFamily="34" charset="0"/>
+                <a:cs typeface="Open Sans Semibold" panose="020B0606030504020204" pitchFamily="34" charset="0"/>
+              </a:defRPr>
+            </a:lvl1pPr>
+          </a:lstStyle>
+          <a:p>
+            <a:r>
+              <a:rPr lang="en-US" dirty="0"/>
+              <a:t>FLASK – SMOREST</a:t>
+            </a:r>
+            <a:endParaRPr lang="hr-HR" dirty="0"/>
+          </a:p>
+        </p:txBody>
+      </p:sp>
+      <p:sp>
+        <p:nvSpPr>
+          <p:cNvPr id="2" name="Content Placeholder 2">
+            <a:extLst>
+              <a:ext uri="{FF2B5EF4-FFF2-40B4-BE49-F238E27FC236}">
+                <a16:creationId xmlns:a16="http://schemas.microsoft.com/office/drawing/2014/main" id="{3D62F4CB-C448-A46A-C815-BF32CFF9A601}"/>
+              </a:ext>
+            </a:extLst>
+          </p:cNvPr>
+          <p:cNvSpPr txBox="1">
+            <a:spLocks/>
+          </p:cNvSpPr>
+          <p:nvPr/>
+        </p:nvSpPr>
+        <p:spPr>
+          <a:xfrm>
+            <a:off x="812800" y="1124301"/>
+            <a:ext cx="2730499" cy="928207"/>
+          </a:xfrm>
+          <a:prstGeom prst="rect">
+            <a:avLst/>
+          </a:prstGeom>
+        </p:spPr>
+        <p:txBody>
+          <a:bodyPr vert="horz" lIns="91440" tIns="45720" rIns="91440" bIns="45720" rtlCol="0">
+            <a:noAutofit/>
+          </a:bodyPr>
+          <a:lstStyle>
+            <a:lvl1pPr marL="368300" indent="-352425" algn="l" defTabSz="914400" rtl="0" eaLnBrk="1" latinLnBrk="0" hangingPunct="1">
+              <a:lnSpc>
+                <a:spcPct val="90000"/>
+              </a:lnSpc>
+              <a:spcBef>
+                <a:spcPts val="600"/>
+              </a:spcBef>
+              <a:spcAft>
+                <a:spcPts val="600"/>
+              </a:spcAft>
+              <a:buClr>
+                <a:schemeClr val="accent2"/>
+              </a:buClr>
+              <a:buFont typeface="Wingdings" pitchFamily="2" charset="2"/>
+              <a:buChar char="§"/>
+              <a:tabLst/>
+              <a:defRPr sz="2400" kern="1200">
+                <a:solidFill>
+                  <a:schemeClr val="tx1"/>
+                </a:solidFill>
+                <a:latin typeface="+mn-lt"/>
+                <a:ea typeface="Open Sans" panose="020B0606030504020204" pitchFamily="34" charset="0"/>
+                <a:cs typeface="Open Sans" panose="020B0606030504020204" pitchFamily="34" charset="0"/>
+              </a:defRPr>
+            </a:lvl1pPr>
+            <a:lvl2pPr marL="771525" indent="-274638" algn="l" defTabSz="914400" rtl="0" eaLnBrk="1" latinLnBrk="0" hangingPunct="1">
+              <a:lnSpc>
+                <a:spcPct val="90000"/>
+              </a:lnSpc>
+              <a:spcBef>
+                <a:spcPts val="600"/>
+              </a:spcBef>
+              <a:spcAft>
+                <a:spcPts val="600"/>
+              </a:spcAft>
+              <a:buClr>
+                <a:schemeClr val="accent2"/>
+              </a:buClr>
+              <a:buFont typeface="Wingdings" pitchFamily="2" charset="2"/>
+              <a:buChar char="§"/>
+              <a:tabLst/>
+              <a:defRPr sz="2200" kern="1200">
+                <a:solidFill>
+                  <a:schemeClr val="tx1"/>
+                </a:solidFill>
+                <a:latin typeface="+mn-lt"/>
+                <a:ea typeface="Open Sans" panose="020B0606030504020204" pitchFamily="34" charset="0"/>
+                <a:cs typeface="Open Sans" panose="020B0606030504020204" pitchFamily="34" charset="0"/>
+              </a:defRPr>
+            </a:lvl2pPr>
+            <a:lvl3pPr marL="1143000" indent="-228600" algn="l" defTabSz="914400" rtl="0" eaLnBrk="1" latinLnBrk="0" hangingPunct="1">
+              <a:lnSpc>
+                <a:spcPct val="90000"/>
+              </a:lnSpc>
+              <a:spcBef>
+                <a:spcPts val="600"/>
+              </a:spcBef>
+              <a:spcAft>
+                <a:spcPts val="600"/>
+              </a:spcAft>
+              <a:buClr>
+                <a:schemeClr val="accent2"/>
+              </a:buClr>
+              <a:buFont typeface="Wingdings" pitchFamily="2" charset="2"/>
+              <a:buChar char="§"/>
+              <a:defRPr sz="2000" kern="1200">
+                <a:solidFill>
+                  <a:schemeClr val="tx1"/>
+                </a:solidFill>
+                <a:latin typeface="+mn-lt"/>
+                <a:ea typeface="Open Sans" panose="020B0606030504020204" pitchFamily="34" charset="0"/>
+                <a:cs typeface="Open Sans" panose="020B0606030504020204" pitchFamily="34" charset="0"/>
+              </a:defRPr>
+            </a:lvl3pPr>
+            <a:lvl4pPr marL="1600200" indent="-228600" algn="l" defTabSz="914400" rtl="0" eaLnBrk="1" latinLnBrk="0" hangingPunct="1">
+              <a:lnSpc>
+                <a:spcPct val="90000"/>
+              </a:lnSpc>
+              <a:spcBef>
+                <a:spcPts val="600"/>
+              </a:spcBef>
+              <a:spcAft>
+                <a:spcPts val="600"/>
+              </a:spcAft>
+              <a:buClr>
+                <a:schemeClr val="accent2"/>
+              </a:buClr>
+              <a:buFont typeface="Wingdings" pitchFamily="2" charset="2"/>
+              <a:buChar char="§"/>
+              <a:defRPr sz="1800" kern="1200">
+                <a:solidFill>
+                  <a:schemeClr val="tx1"/>
+                </a:solidFill>
+                <a:latin typeface="+mn-lt"/>
+                <a:ea typeface="Open Sans" panose="020B0606030504020204" pitchFamily="34" charset="0"/>
+                <a:cs typeface="Open Sans" panose="020B0606030504020204" pitchFamily="34" charset="0"/>
+              </a:defRPr>
+            </a:lvl4pPr>
+            <a:lvl5pPr marL="1960563" indent="-225425" algn="l" defTabSz="914400" rtl="0" eaLnBrk="1" latinLnBrk="0" hangingPunct="1">
+              <a:lnSpc>
+                <a:spcPct val="90000"/>
+              </a:lnSpc>
+              <a:spcBef>
+                <a:spcPts val="600"/>
+              </a:spcBef>
+              <a:spcAft>
+                <a:spcPts val="600"/>
+              </a:spcAft>
+              <a:buClr>
+                <a:schemeClr val="accent2"/>
+              </a:buClr>
+              <a:buFont typeface="Wingdings" pitchFamily="2" charset="2"/>
+              <a:buChar char="§"/>
+              <a:tabLst/>
+              <a:defRPr sz="1600" kern="1200">
+                <a:solidFill>
+                  <a:schemeClr val="tx1"/>
+                </a:solidFill>
+                <a:latin typeface="+mn-lt"/>
+                <a:ea typeface="Open Sans" panose="020B0606030504020204" pitchFamily="34" charset="0"/>
+                <a:cs typeface="Open Sans" panose="020B0606030504020204" pitchFamily="34" charset="0"/>
+              </a:defRPr>
+            </a:lvl5pPr>
+            <a:lvl6pPr marL="2514600" indent="-228600" algn="l" defTabSz="914400" rtl="0" eaLnBrk="1" latinLnBrk="0" hangingPunct="1">
+              <a:lnSpc>
+                <a:spcPct val="90000"/>
+              </a:lnSpc>
+              <a:spcBef>
+                <a:spcPts val="500"/>
+              </a:spcBef>
+              <a:buFont typeface="Arial" panose="020B0604020202020204" pitchFamily="34" charset="0"/>
+              <a:buChar char="•"/>
+              <a:defRPr sz="1800" kern="1200">
+                <a:solidFill>
+                  <a:schemeClr val="tx1"/>
+                </a:solidFill>
+                <a:latin typeface="+mn-lt"/>
+                <a:ea typeface="+mn-ea"/>
+                <a:cs typeface="+mn-cs"/>
+              </a:defRPr>
+            </a:lvl6pPr>
+            <a:lvl7pPr marL="2971800" indent="-228600" algn="l" defTabSz="914400" rtl="0" eaLnBrk="1" latinLnBrk="0" hangingPunct="1">
+              <a:lnSpc>
+                <a:spcPct val="90000"/>
+              </a:lnSpc>
+              <a:spcBef>
+                <a:spcPts val="500"/>
+              </a:spcBef>
+              <a:buFont typeface="Arial" panose="020B0604020202020204" pitchFamily="34" charset="0"/>
+              <a:buChar char="•"/>
+              <a:defRPr sz="1800" kern="1200">
+                <a:solidFill>
+                  <a:schemeClr val="tx1"/>
+                </a:solidFill>
+                <a:latin typeface="+mn-lt"/>
+                <a:ea typeface="+mn-ea"/>
+                <a:cs typeface="+mn-cs"/>
+              </a:defRPr>
+            </a:lvl7pPr>
+            <a:lvl8pPr marL="3429000" indent="-228600" algn="l" defTabSz="914400" rtl="0" eaLnBrk="1" latinLnBrk="0" hangingPunct="1">
+              <a:lnSpc>
+                <a:spcPct val="90000"/>
+              </a:lnSpc>
+              <a:spcBef>
+                <a:spcPts val="500"/>
+              </a:spcBef>
+              <a:buFont typeface="Arial" panose="020B0604020202020204" pitchFamily="34" charset="0"/>
+              <a:buChar char="•"/>
+              <a:defRPr sz="1800" kern="1200">
+                <a:solidFill>
+                  <a:schemeClr val="tx1"/>
+                </a:solidFill>
+                <a:latin typeface="+mn-lt"/>
+                <a:ea typeface="+mn-ea"/>
+                <a:cs typeface="+mn-cs"/>
+              </a:defRPr>
+            </a:lvl8pPr>
+            <a:lvl9pPr marL="3886200" indent="-228600" algn="l" defTabSz="914400" rtl="0" eaLnBrk="1" latinLnBrk="0" hangingPunct="1">
+              <a:lnSpc>
+                <a:spcPct val="90000"/>
+              </a:lnSpc>
+              <a:spcBef>
+                <a:spcPts val="500"/>
+              </a:spcBef>
+              <a:buFont typeface="Arial" panose="020B0604020202020204" pitchFamily="34" charset="0"/>
+              <a:buChar char="•"/>
+              <a:defRPr sz="1800" kern="1200">
+                <a:solidFill>
+                  <a:schemeClr val="tx1"/>
+                </a:solidFill>
+                <a:latin typeface="+mn-lt"/>
+                <a:ea typeface="+mn-ea"/>
+                <a:cs typeface="+mn-cs"/>
+              </a:defRPr>
+            </a:lvl9pPr>
+          </a:lstStyle>
+          <a:p>
+            <a:pPr marL="15875" indent="0">
+              <a:buNone/>
+            </a:pPr>
+            <a:r>
+              <a:rPr lang="en-US" sz="1400" dirty="0"/>
+              <a:t>.db.py</a:t>
+            </a:r>
+            <a:br>
+              <a:rPr lang="en-US" sz="1400" dirty="0"/>
+            </a:br>
+            <a:br>
+              <a:rPr lang="en-US" sz="1400" dirty="0"/>
+            </a:br>
+            <a:r>
+              <a:rPr lang="en-US" sz="1100" dirty="0" err="1"/>
+              <a:t>Prebacujemo</a:t>
+            </a:r>
+            <a:r>
+              <a:rPr lang="en-US" sz="1100" dirty="0"/>
+              <a:t> </a:t>
+            </a:r>
+            <a:r>
+              <a:rPr lang="en-US" sz="1100" dirty="0" err="1"/>
+              <a:t>podatke</a:t>
+            </a:r>
+            <a:r>
+              <a:rPr lang="en-US" sz="1100" dirty="0"/>
+              <a:t> u </a:t>
+            </a:r>
+            <a:r>
+              <a:rPr lang="en-US" sz="1100" dirty="0" err="1"/>
+              <a:t>poseban</a:t>
+            </a:r>
+            <a:r>
+              <a:rPr lang="en-US" sz="1100" dirty="0"/>
+              <a:t> </a:t>
+            </a:r>
+            <a:r>
+              <a:rPr lang="en-US" sz="1100" dirty="0" err="1"/>
+              <a:t>fajl</a:t>
+            </a:r>
+            <a:endParaRPr lang="en-US" sz="1400" dirty="0"/>
+          </a:p>
+        </p:txBody>
+      </p:sp>
+      <p:pic>
+        <p:nvPicPr>
+          <p:cNvPr id="14" name="Picture 13">
+            <a:extLst>
+              <a:ext uri="{FF2B5EF4-FFF2-40B4-BE49-F238E27FC236}">
+                <a16:creationId xmlns:a16="http://schemas.microsoft.com/office/drawing/2014/main" id="{C9F17A23-6A08-CD92-F376-8DB4F9CC1545}"/>
+              </a:ext>
+            </a:extLst>
+          </p:cNvPr>
+          <p:cNvPicPr>
+            <a:picLocks noChangeAspect="1"/>
+          </p:cNvPicPr>
+          <p:nvPr/>
+        </p:nvPicPr>
+        <p:blipFill>
+          <a:blip r:embed="rId3"/>
+          <a:stretch>
+            <a:fillRect/>
+          </a:stretch>
+        </p:blipFill>
+        <p:spPr>
+          <a:xfrm>
+            <a:off x="990600" y="4424651"/>
+            <a:ext cx="2374900" cy="822882"/>
+          </a:xfrm>
+          <a:prstGeom prst="rect">
+            <a:avLst/>
+          </a:prstGeom>
+        </p:spPr>
+      </p:pic>
+      <p:pic>
+        <p:nvPicPr>
+          <p:cNvPr id="24" name="Picture 23">
+            <a:extLst>
+              <a:ext uri="{FF2B5EF4-FFF2-40B4-BE49-F238E27FC236}">
+                <a16:creationId xmlns:a16="http://schemas.microsoft.com/office/drawing/2014/main" id="{4555ADAB-CFAB-265C-1E1F-B85B3B35A5BF}"/>
+              </a:ext>
+            </a:extLst>
+          </p:cNvPr>
+          <p:cNvPicPr>
+            <a:picLocks noChangeAspect="1"/>
+          </p:cNvPicPr>
+          <p:nvPr/>
+        </p:nvPicPr>
+        <p:blipFill>
+          <a:blip r:embed="rId4"/>
+          <a:stretch>
+            <a:fillRect/>
+          </a:stretch>
+        </p:blipFill>
+        <p:spPr>
+          <a:xfrm>
+            <a:off x="6248400" y="2875953"/>
+            <a:ext cx="1933575" cy="1106094"/>
+          </a:xfrm>
+          <a:prstGeom prst="rect">
+            <a:avLst/>
+          </a:prstGeom>
+        </p:spPr>
+      </p:pic>
+      <p:pic>
+        <p:nvPicPr>
+          <p:cNvPr id="26" name="Picture 25">
+            <a:extLst>
+              <a:ext uri="{FF2B5EF4-FFF2-40B4-BE49-F238E27FC236}">
+                <a16:creationId xmlns:a16="http://schemas.microsoft.com/office/drawing/2014/main" id="{EB3ADC80-6999-3B95-C88A-9BCC055D4675}"/>
+              </a:ext>
+            </a:extLst>
+          </p:cNvPr>
+          <p:cNvPicPr>
+            <a:picLocks noChangeAspect="1"/>
+          </p:cNvPicPr>
+          <p:nvPr/>
+        </p:nvPicPr>
+        <p:blipFill>
+          <a:blip r:embed="rId5"/>
+          <a:stretch>
+            <a:fillRect/>
+          </a:stretch>
+        </p:blipFill>
+        <p:spPr>
+          <a:xfrm>
+            <a:off x="6248400" y="4424651"/>
+            <a:ext cx="3697286" cy="1122090"/>
+          </a:xfrm>
+          <a:prstGeom prst="rect">
+            <a:avLst/>
+          </a:prstGeom>
+        </p:spPr>
+      </p:pic>
+      <p:sp>
+        <p:nvSpPr>
+          <p:cNvPr id="8" name="Content Placeholder 2">
+            <a:extLst>
+              <a:ext uri="{FF2B5EF4-FFF2-40B4-BE49-F238E27FC236}">
+                <a16:creationId xmlns:a16="http://schemas.microsoft.com/office/drawing/2014/main" id="{BEAD3586-A669-2D43-BC2D-0DE484F53CA5}"/>
+              </a:ext>
+            </a:extLst>
+          </p:cNvPr>
+          <p:cNvSpPr txBox="1">
+            <a:spLocks/>
+          </p:cNvSpPr>
+          <p:nvPr/>
+        </p:nvSpPr>
+        <p:spPr>
+          <a:xfrm>
+            <a:off x="812800" y="3050338"/>
+            <a:ext cx="2412999" cy="438315"/>
+          </a:xfrm>
+          <a:prstGeom prst="rect">
+            <a:avLst/>
+          </a:prstGeom>
+        </p:spPr>
+        <p:txBody>
+          <a:bodyPr vert="horz" lIns="91440" tIns="45720" rIns="91440" bIns="45720" rtlCol="0">
+            <a:noAutofit/>
+          </a:bodyPr>
+          <a:lstStyle>
+            <a:lvl1pPr marL="368300" indent="-352425" algn="l" defTabSz="914400" rtl="0" eaLnBrk="1" latinLnBrk="0" hangingPunct="1">
+              <a:lnSpc>
+                <a:spcPct val="90000"/>
+              </a:lnSpc>
+              <a:spcBef>
+                <a:spcPts val="600"/>
+              </a:spcBef>
+              <a:spcAft>
+                <a:spcPts val="600"/>
+              </a:spcAft>
+              <a:buClr>
+                <a:schemeClr val="accent2"/>
+              </a:buClr>
+              <a:buFont typeface="Wingdings" pitchFamily="2" charset="2"/>
+              <a:buChar char="§"/>
+              <a:tabLst/>
+              <a:defRPr sz="2400" kern="1200">
+                <a:solidFill>
+                  <a:schemeClr val="tx1"/>
+                </a:solidFill>
+                <a:latin typeface="+mn-lt"/>
+                <a:ea typeface="Open Sans" panose="020B0606030504020204" pitchFamily="34" charset="0"/>
+                <a:cs typeface="Open Sans" panose="020B0606030504020204" pitchFamily="34" charset="0"/>
+              </a:defRPr>
+            </a:lvl1pPr>
+            <a:lvl2pPr marL="771525" indent="-274638" algn="l" defTabSz="914400" rtl="0" eaLnBrk="1" latinLnBrk="0" hangingPunct="1">
+              <a:lnSpc>
+                <a:spcPct val="90000"/>
+              </a:lnSpc>
+              <a:spcBef>
+                <a:spcPts val="600"/>
+              </a:spcBef>
+              <a:spcAft>
+                <a:spcPts val="600"/>
+              </a:spcAft>
+              <a:buClr>
+                <a:schemeClr val="accent2"/>
+              </a:buClr>
+              <a:buFont typeface="Wingdings" pitchFamily="2" charset="2"/>
+              <a:buChar char="§"/>
+              <a:tabLst/>
+              <a:defRPr sz="2200" kern="1200">
+                <a:solidFill>
+                  <a:schemeClr val="tx1"/>
+                </a:solidFill>
+                <a:latin typeface="+mn-lt"/>
+                <a:ea typeface="Open Sans" panose="020B0606030504020204" pitchFamily="34" charset="0"/>
+                <a:cs typeface="Open Sans" panose="020B0606030504020204" pitchFamily="34" charset="0"/>
+              </a:defRPr>
+            </a:lvl2pPr>
+            <a:lvl3pPr marL="1143000" indent="-228600" algn="l" defTabSz="914400" rtl="0" eaLnBrk="1" latinLnBrk="0" hangingPunct="1">
+              <a:lnSpc>
+                <a:spcPct val="90000"/>
+              </a:lnSpc>
+              <a:spcBef>
+                <a:spcPts val="600"/>
+              </a:spcBef>
+              <a:spcAft>
+                <a:spcPts val="600"/>
+              </a:spcAft>
+              <a:buClr>
+                <a:schemeClr val="accent2"/>
+              </a:buClr>
+              <a:buFont typeface="Wingdings" pitchFamily="2" charset="2"/>
+              <a:buChar char="§"/>
+              <a:defRPr sz="2000" kern="1200">
+                <a:solidFill>
+                  <a:schemeClr val="tx1"/>
+                </a:solidFill>
+                <a:latin typeface="+mn-lt"/>
+                <a:ea typeface="Open Sans" panose="020B0606030504020204" pitchFamily="34" charset="0"/>
+                <a:cs typeface="Open Sans" panose="020B0606030504020204" pitchFamily="34" charset="0"/>
+              </a:defRPr>
+            </a:lvl3pPr>
+            <a:lvl4pPr marL="1600200" indent="-228600" algn="l" defTabSz="914400" rtl="0" eaLnBrk="1" latinLnBrk="0" hangingPunct="1">
+              <a:lnSpc>
+                <a:spcPct val="90000"/>
+              </a:lnSpc>
+              <a:spcBef>
+                <a:spcPts val="600"/>
+              </a:spcBef>
+              <a:spcAft>
+                <a:spcPts val="600"/>
+              </a:spcAft>
+              <a:buClr>
+                <a:schemeClr val="accent2"/>
+              </a:buClr>
+              <a:buFont typeface="Wingdings" pitchFamily="2" charset="2"/>
+              <a:buChar char="§"/>
+              <a:defRPr sz="1800" kern="1200">
+                <a:solidFill>
+                  <a:schemeClr val="tx1"/>
+                </a:solidFill>
+                <a:latin typeface="+mn-lt"/>
+                <a:ea typeface="Open Sans" panose="020B0606030504020204" pitchFamily="34" charset="0"/>
+                <a:cs typeface="Open Sans" panose="020B0606030504020204" pitchFamily="34" charset="0"/>
+              </a:defRPr>
+            </a:lvl4pPr>
+            <a:lvl5pPr marL="1960563" indent="-225425" algn="l" defTabSz="914400" rtl="0" eaLnBrk="1" latinLnBrk="0" hangingPunct="1">
+              <a:lnSpc>
+                <a:spcPct val="90000"/>
+              </a:lnSpc>
+              <a:spcBef>
+                <a:spcPts val="600"/>
+              </a:spcBef>
+              <a:spcAft>
+                <a:spcPts val="600"/>
+              </a:spcAft>
+              <a:buClr>
+                <a:schemeClr val="accent2"/>
+              </a:buClr>
+              <a:buFont typeface="Wingdings" pitchFamily="2" charset="2"/>
+              <a:buChar char="§"/>
+              <a:tabLst/>
+              <a:defRPr sz="1600" kern="1200">
+                <a:solidFill>
+                  <a:schemeClr val="tx1"/>
+                </a:solidFill>
+                <a:latin typeface="+mn-lt"/>
+                <a:ea typeface="Open Sans" panose="020B0606030504020204" pitchFamily="34" charset="0"/>
+                <a:cs typeface="Open Sans" panose="020B0606030504020204" pitchFamily="34" charset="0"/>
+              </a:defRPr>
+            </a:lvl5pPr>
+            <a:lvl6pPr marL="2514600" indent="-228600" algn="l" defTabSz="914400" rtl="0" eaLnBrk="1" latinLnBrk="0" hangingPunct="1">
+              <a:lnSpc>
+                <a:spcPct val="90000"/>
+              </a:lnSpc>
+              <a:spcBef>
+                <a:spcPts val="500"/>
+              </a:spcBef>
+              <a:buFont typeface="Arial" panose="020B0604020202020204" pitchFamily="34" charset="0"/>
+              <a:buChar char="•"/>
+              <a:defRPr sz="1800" kern="1200">
+                <a:solidFill>
+                  <a:schemeClr val="tx1"/>
+                </a:solidFill>
+                <a:latin typeface="+mn-lt"/>
+                <a:ea typeface="+mn-ea"/>
+                <a:cs typeface="+mn-cs"/>
+              </a:defRPr>
+            </a:lvl6pPr>
+            <a:lvl7pPr marL="2971800" indent="-228600" algn="l" defTabSz="914400" rtl="0" eaLnBrk="1" latinLnBrk="0" hangingPunct="1">
+              <a:lnSpc>
+                <a:spcPct val="90000"/>
+              </a:lnSpc>
+              <a:spcBef>
+                <a:spcPts val="500"/>
+              </a:spcBef>
+              <a:buFont typeface="Arial" panose="020B0604020202020204" pitchFamily="34" charset="0"/>
+              <a:buChar char="•"/>
+              <a:defRPr sz="1800" kern="1200">
+                <a:solidFill>
+                  <a:schemeClr val="tx1"/>
+                </a:solidFill>
+                <a:latin typeface="+mn-lt"/>
+                <a:ea typeface="+mn-ea"/>
+                <a:cs typeface="+mn-cs"/>
+              </a:defRPr>
+            </a:lvl7pPr>
+            <a:lvl8pPr marL="3429000" indent="-228600" algn="l" defTabSz="914400" rtl="0" eaLnBrk="1" latinLnBrk="0" hangingPunct="1">
+              <a:lnSpc>
+                <a:spcPct val="90000"/>
+              </a:lnSpc>
+              <a:spcBef>
+                <a:spcPts val="500"/>
+              </a:spcBef>
+              <a:buFont typeface="Arial" panose="020B0604020202020204" pitchFamily="34" charset="0"/>
+              <a:buChar char="•"/>
+              <a:defRPr sz="1800" kern="1200">
+                <a:solidFill>
+                  <a:schemeClr val="tx1"/>
+                </a:solidFill>
+                <a:latin typeface="+mn-lt"/>
+                <a:ea typeface="+mn-ea"/>
+                <a:cs typeface="+mn-cs"/>
+              </a:defRPr>
+            </a:lvl8pPr>
+            <a:lvl9pPr marL="3886200" indent="-228600" algn="l" defTabSz="914400" rtl="0" eaLnBrk="1" latinLnBrk="0" hangingPunct="1">
+              <a:lnSpc>
+                <a:spcPct val="90000"/>
+              </a:lnSpc>
+              <a:spcBef>
+                <a:spcPts val="500"/>
+              </a:spcBef>
+              <a:buFont typeface="Arial" panose="020B0604020202020204" pitchFamily="34" charset="0"/>
+              <a:buChar char="•"/>
+              <a:defRPr sz="1800" kern="1200">
+                <a:solidFill>
+                  <a:schemeClr val="tx1"/>
+                </a:solidFill>
+                <a:latin typeface="+mn-lt"/>
+                <a:ea typeface="+mn-ea"/>
+                <a:cs typeface="+mn-cs"/>
+              </a:defRPr>
+            </a:lvl9pPr>
+          </a:lstStyle>
+          <a:p>
+            <a:pPr marL="15875" indent="0">
+              <a:buNone/>
+            </a:pPr>
+            <a:r>
+              <a:rPr lang="en-US" sz="1100" dirty="0" err="1"/>
+              <a:t>Updejtujemo</a:t>
+            </a:r>
+            <a:r>
+              <a:rPr lang="en-US" sz="1100" dirty="0"/>
+              <a:t> </a:t>
+            </a:r>
+            <a:r>
+              <a:rPr lang="en-US" sz="1100" dirty="0" err="1"/>
+              <a:t>pozive</a:t>
+            </a:r>
+            <a:endParaRPr lang="en-US" sz="1400" dirty="0"/>
+          </a:p>
+        </p:txBody>
+      </p:sp>
+      <p:pic>
+        <p:nvPicPr>
+          <p:cNvPr id="11" name="Picture 10">
+            <a:extLst>
+              <a:ext uri="{FF2B5EF4-FFF2-40B4-BE49-F238E27FC236}">
+                <a16:creationId xmlns:a16="http://schemas.microsoft.com/office/drawing/2014/main" id="{42B3F38B-F7C1-9ADA-BC8F-A6B0F0E4DE9D}"/>
+              </a:ext>
+            </a:extLst>
+          </p:cNvPr>
+          <p:cNvPicPr>
+            <a:picLocks noChangeAspect="1"/>
+          </p:cNvPicPr>
+          <p:nvPr/>
+        </p:nvPicPr>
+        <p:blipFill>
+          <a:blip r:embed="rId6"/>
+          <a:stretch>
+            <a:fillRect/>
+          </a:stretch>
+        </p:blipFill>
+        <p:spPr>
+          <a:xfrm>
+            <a:off x="990600" y="3421757"/>
+            <a:ext cx="4127500" cy="438547"/>
+          </a:xfrm>
+          <a:prstGeom prst="rect">
+            <a:avLst/>
+          </a:prstGeom>
+        </p:spPr>
+      </p:pic>
+      <p:pic>
+        <p:nvPicPr>
+          <p:cNvPr id="19" name="Picture 18">
+            <a:extLst>
+              <a:ext uri="{FF2B5EF4-FFF2-40B4-BE49-F238E27FC236}">
+                <a16:creationId xmlns:a16="http://schemas.microsoft.com/office/drawing/2014/main" id="{D466362F-F7F5-34A0-2F8D-A9C0F13F84FE}"/>
+              </a:ext>
+            </a:extLst>
+          </p:cNvPr>
+          <p:cNvPicPr>
+            <a:picLocks noChangeAspect="1"/>
+          </p:cNvPicPr>
+          <p:nvPr/>
+        </p:nvPicPr>
+        <p:blipFill>
+          <a:blip r:embed="rId7"/>
+          <a:stretch>
+            <a:fillRect/>
+          </a:stretch>
+        </p:blipFill>
+        <p:spPr>
+          <a:xfrm>
+            <a:off x="990600" y="1906409"/>
+            <a:ext cx="1292225" cy="1035035"/>
+          </a:xfrm>
+          <a:prstGeom prst="rect">
+            <a:avLst/>
+          </a:prstGeom>
+        </p:spPr>
+      </p:pic>
+      <p:pic>
+        <p:nvPicPr>
+          <p:cNvPr id="21" name="Picture 20">
+            <a:extLst>
+              <a:ext uri="{FF2B5EF4-FFF2-40B4-BE49-F238E27FC236}">
+                <a16:creationId xmlns:a16="http://schemas.microsoft.com/office/drawing/2014/main" id="{A7945A29-6083-613D-220E-AD3A4D84E356}"/>
+              </a:ext>
+            </a:extLst>
+          </p:cNvPr>
+          <p:cNvPicPr>
+            <a:picLocks noChangeAspect="1"/>
+          </p:cNvPicPr>
+          <p:nvPr/>
+        </p:nvPicPr>
+        <p:blipFill>
+          <a:blip r:embed="rId8"/>
+          <a:stretch>
+            <a:fillRect/>
+          </a:stretch>
+        </p:blipFill>
+        <p:spPr>
+          <a:xfrm>
+            <a:off x="6248400" y="1588404"/>
+            <a:ext cx="2789873" cy="933389"/>
+          </a:xfrm>
+          <a:prstGeom prst="rect">
+            <a:avLst/>
+          </a:prstGeom>
+        </p:spPr>
+      </p:pic>
+      <p:sp>
+        <p:nvSpPr>
+          <p:cNvPr id="25" name="TextBox 24">
+            <a:extLst>
+              <a:ext uri="{FF2B5EF4-FFF2-40B4-BE49-F238E27FC236}">
+                <a16:creationId xmlns:a16="http://schemas.microsoft.com/office/drawing/2014/main" id="{C4391475-48B8-5EB3-7FD6-9BA4B3CFACA2}"/>
+              </a:ext>
+            </a:extLst>
+          </p:cNvPr>
+          <p:cNvSpPr txBox="1"/>
+          <p:nvPr/>
+        </p:nvSpPr>
+        <p:spPr>
+          <a:xfrm>
+            <a:off x="6124575" y="4014836"/>
+            <a:ext cx="6149974" cy="369332"/>
+          </a:xfrm>
+          <a:prstGeom prst="rect">
+            <a:avLst/>
+          </a:prstGeom>
+          <a:noFill/>
+        </p:spPr>
+        <p:txBody>
+          <a:bodyPr wrap="square">
+            <a:spAutoFit/>
+          </a:bodyPr>
+          <a:lstStyle/>
+          <a:p>
+            <a:pPr marL="15875" indent="0">
+              <a:buNone/>
+            </a:pPr>
+            <a:r>
+              <a:rPr lang="en-US" dirty="0"/>
+              <a:t>Why is this not working??</a:t>
+            </a:r>
+            <a:endParaRPr lang="en-US" sz="2400" dirty="0"/>
+          </a:p>
+        </p:txBody>
+      </p:sp>
+    </p:spTree>
+    <p:extLst>
+      <p:ext uri="{BB962C8B-B14F-4D97-AF65-F5344CB8AC3E}">
+        <p14:creationId xmlns:p14="http://schemas.microsoft.com/office/powerpoint/2010/main" val="245567204"/>
+      </p:ext>
+    </p:extLst>
+  </p:cSld>
+  <p:clrMapOvr>
+    <a:masterClrMapping/>
+  </p:clrMapOvr>
+</p:sld>
+</file>
+
+<file path=ppt/slides/slide12.xml><?xml version="1.0" encoding="utf-8"?>
 <p:sld xmlns:a="http://schemas.openxmlformats.org/drawingml/2006/main" xmlns:r="http://schemas.openxmlformats.org/officeDocument/2006/relationships" xmlns:p="http://schemas.openxmlformats.org/presentationml/2006/main">
   <p:cSld>
     <p:spTree>
@@ -13162,6 +14430,17 @@
           <a:bodyPr/>
           <a:lstStyle/>
           <a:p>
+            <a:r>
+              <a:rPr lang="en-US" dirty="0"/>
+              <a:t> - </a:t>
+            </a:r>
+            <a:r>
+              <a:rPr lang="hr-HR" dirty="0"/>
+              <a:t>Kreirajte endpoint koji vraća listu svih artikala</a:t>
+            </a:r>
+            <a:endParaRPr lang="en-US" dirty="0"/>
+          </a:p>
+          <a:p>
             <a:pPr>
               <a:buFontTx/>
               <a:buChar char="-"/>
@@ -13171,65 +14450,16 @@
               <a:t>- </a:t>
             </a:r>
             <a:r>
-              <a:rPr lang="en-US" dirty="0" err="1"/>
-              <a:t>Kreirajte</a:t>
-            </a:r>
-            <a:r>
-              <a:rPr lang="en-US" dirty="0"/>
-              <a:t> </a:t>
-            </a:r>
-            <a:r>
-              <a:rPr lang="en-US" dirty="0" err="1"/>
-              <a:t>racun</a:t>
-            </a:r>
-            <a:r>
-              <a:rPr lang="en-US" dirty="0"/>
-              <a:t> </a:t>
-            </a:r>
-            <a:r>
-              <a:rPr lang="en-US" dirty="0" err="1"/>
-              <a:t>na</a:t>
-            </a:r>
-            <a:r>
-              <a:rPr lang="en-US" dirty="0"/>
-              <a:t> GitHub-u</a:t>
-            </a:r>
-          </a:p>
-          <a:p>
-            <a:pPr marL="15875" indent="0">
-              <a:buNone/>
-            </a:pPr>
-            <a:r>
-              <a:rPr lang="en-US" dirty="0"/>
-              <a:t>- </a:t>
-            </a:r>
-            <a:r>
-              <a:rPr lang="en-US" dirty="0" err="1"/>
-              <a:t>Instalirajte</a:t>
-            </a:r>
-            <a:r>
-              <a:rPr lang="en-US" dirty="0"/>
-              <a:t> git </a:t>
-            </a:r>
-            <a:r>
-              <a:rPr lang="en-US" dirty="0" err="1"/>
-              <a:t>na</a:t>
-            </a:r>
-            <a:r>
-              <a:rPr lang="en-US" dirty="0"/>
-              <a:t> </a:t>
-            </a:r>
-            <a:r>
-              <a:rPr lang="en-US" dirty="0" err="1"/>
-              <a:t>svom</a:t>
-            </a:r>
-            <a:r>
-              <a:rPr lang="en-US" dirty="0"/>
-              <a:t> </a:t>
-            </a:r>
-            <a:r>
-              <a:rPr lang="en-US" dirty="0" err="1"/>
-              <a:t>racunalu</a:t>
+              <a:rPr lang="hr-HR" dirty="0"/>
+              <a:t>Dohvatite pojedinačni artikl koristeći </a:t>
+            </a:r>
+            <a:r>
+              <a:rPr lang="hr-HR" b="1" dirty="0"/>
+              <a:t>item_id</a:t>
+            </a:r>
+            <a:r>
+              <a:rPr lang="hr-HR" dirty="0"/>
+              <a:t> iz URL-a</a:t>
             </a:r>
             <a:endParaRPr lang="en-US" dirty="0"/>
           </a:p>
@@ -13237,10 +14467,10 @@
       </p:sp>
       <p:pic>
         <p:nvPicPr>
-          <p:cNvPr id="5" name="Picture 4">
-            <a:extLst>
-              <a:ext uri="{FF2B5EF4-FFF2-40B4-BE49-F238E27FC236}">
-                <a16:creationId xmlns:a16="http://schemas.microsoft.com/office/drawing/2014/main" id="{149D2121-0469-EF77-AB60-A477B976EA9A}"/>
+          <p:cNvPr id="4" name="Picture 3">
+            <a:extLst>
+              <a:ext uri="{FF2B5EF4-FFF2-40B4-BE49-F238E27FC236}">
+                <a16:creationId xmlns:a16="http://schemas.microsoft.com/office/drawing/2014/main" id="{3D96D2E9-13CC-3A12-42FB-722D8F951725}"/>
               </a:ext>
             </a:extLst>
           </p:cNvPr>
@@ -13257,8 +14487,38 @@
         </p:blipFill>
         <p:spPr>
           <a:xfrm>
-            <a:off x="6011345" y="2120917"/>
-            <a:ext cx="5340867" cy="2047819"/>
+            <a:off x="6521450" y="1206953"/>
+            <a:ext cx="4229100" cy="1657350"/>
+          </a:xfrm>
+          <a:prstGeom prst="rect">
+            <a:avLst/>
+          </a:prstGeom>
+        </p:spPr>
+      </p:pic>
+      <p:pic>
+        <p:nvPicPr>
+          <p:cNvPr id="7" name="Picture 6">
+            <a:extLst>
+              <a:ext uri="{FF2B5EF4-FFF2-40B4-BE49-F238E27FC236}">
+                <a16:creationId xmlns:a16="http://schemas.microsoft.com/office/drawing/2014/main" id="{33F525BC-B9C7-468F-1E75-33F297FE54BB}"/>
+              </a:ext>
+            </a:extLst>
+          </p:cNvPr>
+          <p:cNvPicPr>
+            <a:picLocks noChangeAspect="1"/>
+          </p:cNvPicPr>
+          <p:nvPr/>
+        </p:nvPicPr>
+        <p:blipFill>
+          <a:blip r:embed="rId4"/>
+          <a:stretch>
+            <a:fillRect/>
+          </a:stretch>
+        </p:blipFill>
+        <p:spPr>
+          <a:xfrm>
+            <a:off x="7145565" y="3354403"/>
+            <a:ext cx="3054804" cy="2605994"/>
           </a:xfrm>
           <a:prstGeom prst="rect">
             <a:avLst/>
@@ -14065,12 +15325,255 @@
           </a:p>
         </p:txBody>
       </p:sp>
+      <p:sp>
+        <p:nvSpPr>
+          <p:cNvPr id="5" name="Content Placeholder 2">
+            <a:extLst>
+              <a:ext uri="{FF2B5EF4-FFF2-40B4-BE49-F238E27FC236}">
+                <a16:creationId xmlns:a16="http://schemas.microsoft.com/office/drawing/2014/main" id="{7C4047C5-4C85-D4C1-8254-FF08A18CC1BA}"/>
+              </a:ext>
+            </a:extLst>
+          </p:cNvPr>
+          <p:cNvSpPr txBox="1">
+            <a:spLocks/>
+          </p:cNvSpPr>
+          <p:nvPr/>
+        </p:nvSpPr>
+        <p:spPr>
+          <a:xfrm>
+            <a:off x="1073021" y="1672773"/>
+            <a:ext cx="2988616" cy="438315"/>
+          </a:xfrm>
+          <a:prstGeom prst="rect">
+            <a:avLst/>
+          </a:prstGeom>
+        </p:spPr>
+        <p:txBody>
+          <a:bodyPr vert="horz" lIns="91440" tIns="45720" rIns="91440" bIns="45720" rtlCol="0">
+            <a:normAutofit/>
+          </a:bodyPr>
+          <a:lstStyle>
+            <a:lvl1pPr marL="368300" indent="-352425" algn="l" defTabSz="914400" rtl="0" eaLnBrk="1" latinLnBrk="0" hangingPunct="1">
+              <a:lnSpc>
+                <a:spcPct val="90000"/>
+              </a:lnSpc>
+              <a:spcBef>
+                <a:spcPts val="600"/>
+              </a:spcBef>
+              <a:spcAft>
+                <a:spcPts val="600"/>
+              </a:spcAft>
+              <a:buClr>
+                <a:schemeClr val="accent2"/>
+              </a:buClr>
+              <a:buFont typeface="Wingdings" pitchFamily="2" charset="2"/>
+              <a:buChar char="§"/>
+              <a:tabLst/>
+              <a:defRPr sz="2400" kern="1200">
+                <a:solidFill>
+                  <a:schemeClr val="tx1"/>
+                </a:solidFill>
+                <a:latin typeface="+mn-lt"/>
+                <a:ea typeface="Open Sans" panose="020B0606030504020204" pitchFamily="34" charset="0"/>
+                <a:cs typeface="Open Sans" panose="020B0606030504020204" pitchFamily="34" charset="0"/>
+              </a:defRPr>
+            </a:lvl1pPr>
+            <a:lvl2pPr marL="771525" indent="-274638" algn="l" defTabSz="914400" rtl="0" eaLnBrk="1" latinLnBrk="0" hangingPunct="1">
+              <a:lnSpc>
+                <a:spcPct val="90000"/>
+              </a:lnSpc>
+              <a:spcBef>
+                <a:spcPts val="600"/>
+              </a:spcBef>
+              <a:spcAft>
+                <a:spcPts val="600"/>
+              </a:spcAft>
+              <a:buClr>
+                <a:schemeClr val="accent2"/>
+              </a:buClr>
+              <a:buFont typeface="Wingdings" pitchFamily="2" charset="2"/>
+              <a:buChar char="§"/>
+              <a:tabLst/>
+              <a:defRPr sz="2200" kern="1200">
+                <a:solidFill>
+                  <a:schemeClr val="tx1"/>
+                </a:solidFill>
+                <a:latin typeface="+mn-lt"/>
+                <a:ea typeface="Open Sans" panose="020B0606030504020204" pitchFamily="34" charset="0"/>
+                <a:cs typeface="Open Sans" panose="020B0606030504020204" pitchFamily="34" charset="0"/>
+              </a:defRPr>
+            </a:lvl2pPr>
+            <a:lvl3pPr marL="1143000" indent="-228600" algn="l" defTabSz="914400" rtl="0" eaLnBrk="1" latinLnBrk="0" hangingPunct="1">
+              <a:lnSpc>
+                <a:spcPct val="90000"/>
+              </a:lnSpc>
+              <a:spcBef>
+                <a:spcPts val="600"/>
+              </a:spcBef>
+              <a:spcAft>
+                <a:spcPts val="600"/>
+              </a:spcAft>
+              <a:buClr>
+                <a:schemeClr val="accent2"/>
+              </a:buClr>
+              <a:buFont typeface="Wingdings" pitchFamily="2" charset="2"/>
+              <a:buChar char="§"/>
+              <a:defRPr sz="2000" kern="1200">
+                <a:solidFill>
+                  <a:schemeClr val="tx1"/>
+                </a:solidFill>
+                <a:latin typeface="+mn-lt"/>
+                <a:ea typeface="Open Sans" panose="020B0606030504020204" pitchFamily="34" charset="0"/>
+                <a:cs typeface="Open Sans" panose="020B0606030504020204" pitchFamily="34" charset="0"/>
+              </a:defRPr>
+            </a:lvl3pPr>
+            <a:lvl4pPr marL="1600200" indent="-228600" algn="l" defTabSz="914400" rtl="0" eaLnBrk="1" latinLnBrk="0" hangingPunct="1">
+              <a:lnSpc>
+                <a:spcPct val="90000"/>
+              </a:lnSpc>
+              <a:spcBef>
+                <a:spcPts val="600"/>
+              </a:spcBef>
+              <a:spcAft>
+                <a:spcPts val="600"/>
+              </a:spcAft>
+              <a:buClr>
+                <a:schemeClr val="accent2"/>
+              </a:buClr>
+              <a:buFont typeface="Wingdings" pitchFamily="2" charset="2"/>
+              <a:buChar char="§"/>
+              <a:defRPr sz="1800" kern="1200">
+                <a:solidFill>
+                  <a:schemeClr val="tx1"/>
+                </a:solidFill>
+                <a:latin typeface="+mn-lt"/>
+                <a:ea typeface="Open Sans" panose="020B0606030504020204" pitchFamily="34" charset="0"/>
+                <a:cs typeface="Open Sans" panose="020B0606030504020204" pitchFamily="34" charset="0"/>
+              </a:defRPr>
+            </a:lvl4pPr>
+            <a:lvl5pPr marL="1960563" indent="-225425" algn="l" defTabSz="914400" rtl="0" eaLnBrk="1" latinLnBrk="0" hangingPunct="1">
+              <a:lnSpc>
+                <a:spcPct val="90000"/>
+              </a:lnSpc>
+              <a:spcBef>
+                <a:spcPts val="600"/>
+              </a:spcBef>
+              <a:spcAft>
+                <a:spcPts val="600"/>
+              </a:spcAft>
+              <a:buClr>
+                <a:schemeClr val="accent2"/>
+              </a:buClr>
+              <a:buFont typeface="Wingdings" pitchFamily="2" charset="2"/>
+              <a:buChar char="§"/>
+              <a:tabLst/>
+              <a:defRPr sz="1600" kern="1200">
+                <a:solidFill>
+                  <a:schemeClr val="tx1"/>
+                </a:solidFill>
+                <a:latin typeface="+mn-lt"/>
+                <a:ea typeface="Open Sans" panose="020B0606030504020204" pitchFamily="34" charset="0"/>
+                <a:cs typeface="Open Sans" panose="020B0606030504020204" pitchFamily="34" charset="0"/>
+              </a:defRPr>
+            </a:lvl5pPr>
+            <a:lvl6pPr marL="2514600" indent="-228600" algn="l" defTabSz="914400" rtl="0" eaLnBrk="1" latinLnBrk="0" hangingPunct="1">
+              <a:lnSpc>
+                <a:spcPct val="90000"/>
+              </a:lnSpc>
+              <a:spcBef>
+                <a:spcPts val="500"/>
+              </a:spcBef>
+              <a:buFont typeface="Arial" panose="020B0604020202020204" pitchFamily="34" charset="0"/>
+              <a:buChar char="•"/>
+              <a:defRPr sz="1800" kern="1200">
+                <a:solidFill>
+                  <a:schemeClr val="tx1"/>
+                </a:solidFill>
+                <a:latin typeface="+mn-lt"/>
+                <a:ea typeface="+mn-ea"/>
+                <a:cs typeface="+mn-cs"/>
+              </a:defRPr>
+            </a:lvl6pPr>
+            <a:lvl7pPr marL="2971800" indent="-228600" algn="l" defTabSz="914400" rtl="0" eaLnBrk="1" latinLnBrk="0" hangingPunct="1">
+              <a:lnSpc>
+                <a:spcPct val="90000"/>
+              </a:lnSpc>
+              <a:spcBef>
+                <a:spcPts val="500"/>
+              </a:spcBef>
+              <a:buFont typeface="Arial" panose="020B0604020202020204" pitchFamily="34" charset="0"/>
+              <a:buChar char="•"/>
+              <a:defRPr sz="1800" kern="1200">
+                <a:solidFill>
+                  <a:schemeClr val="tx1"/>
+                </a:solidFill>
+                <a:latin typeface="+mn-lt"/>
+                <a:ea typeface="+mn-ea"/>
+                <a:cs typeface="+mn-cs"/>
+              </a:defRPr>
+            </a:lvl7pPr>
+            <a:lvl8pPr marL="3429000" indent="-228600" algn="l" defTabSz="914400" rtl="0" eaLnBrk="1" latinLnBrk="0" hangingPunct="1">
+              <a:lnSpc>
+                <a:spcPct val="90000"/>
+              </a:lnSpc>
+              <a:spcBef>
+                <a:spcPts val="500"/>
+              </a:spcBef>
+              <a:buFont typeface="Arial" panose="020B0604020202020204" pitchFamily="34" charset="0"/>
+              <a:buChar char="•"/>
+              <a:defRPr sz="1800" kern="1200">
+                <a:solidFill>
+                  <a:schemeClr val="tx1"/>
+                </a:solidFill>
+                <a:latin typeface="+mn-lt"/>
+                <a:ea typeface="+mn-ea"/>
+                <a:cs typeface="+mn-cs"/>
+              </a:defRPr>
+            </a:lvl8pPr>
+            <a:lvl9pPr marL="3886200" indent="-228600" algn="l" defTabSz="914400" rtl="0" eaLnBrk="1" latinLnBrk="0" hangingPunct="1">
+              <a:lnSpc>
+                <a:spcPct val="90000"/>
+              </a:lnSpc>
+              <a:spcBef>
+                <a:spcPts val="500"/>
+              </a:spcBef>
+              <a:buFont typeface="Arial" panose="020B0604020202020204" pitchFamily="34" charset="0"/>
+              <a:buChar char="•"/>
+              <a:defRPr sz="1800" kern="1200">
+                <a:solidFill>
+                  <a:schemeClr val="tx1"/>
+                </a:solidFill>
+                <a:latin typeface="+mn-lt"/>
+                <a:ea typeface="+mn-ea"/>
+                <a:cs typeface="+mn-cs"/>
+              </a:defRPr>
+            </a:lvl9pPr>
+          </a:lstStyle>
+          <a:p>
+            <a:pPr>
+              <a:buAutoNum type="arabicPeriod"/>
+            </a:pPr>
+            <a:r>
+              <a:rPr lang="hr-HR" sz="1100" dirty="0"/>
+              <a:t>Kreiranje virtualnog </a:t>
+            </a:r>
+            <a:r>
+              <a:rPr lang="hr-HR" sz="1100" dirty="0" err="1"/>
+              <a:t>okruženj</a:t>
+            </a:r>
+            <a:r>
+              <a:rPr lang="en-US" sz="1100" dirty="0"/>
+              <a:t>a</a:t>
+            </a:r>
+          </a:p>
+        </p:txBody>
+      </p:sp>
       <p:pic>
         <p:nvPicPr>
-          <p:cNvPr id="3" name="Picture 2">
-            <a:extLst>
-              <a:ext uri="{FF2B5EF4-FFF2-40B4-BE49-F238E27FC236}">
-                <a16:creationId xmlns:a16="http://schemas.microsoft.com/office/drawing/2014/main" id="{1ECA5A68-D28D-321A-0C52-BB0EC7C0C20F}"/>
+          <p:cNvPr id="9" name="Picture 8">
+            <a:extLst>
+              <a:ext uri="{FF2B5EF4-FFF2-40B4-BE49-F238E27FC236}">
+                <a16:creationId xmlns:a16="http://schemas.microsoft.com/office/drawing/2014/main" id="{B98C735F-1836-8375-AD15-5802EC1AF5C9}"/>
               </a:ext>
             </a:extLst>
           </p:cNvPr>
@@ -14087,20 +15590,80 @@
         </p:blipFill>
         <p:spPr>
           <a:xfrm>
-            <a:off x="1160831" y="2052084"/>
-            <a:ext cx="2714625" cy="542925"/>
+            <a:off x="1142276" y="3076573"/>
+            <a:ext cx="2495661" cy="725807"/>
           </a:xfrm>
           <a:prstGeom prst="rect">
             <a:avLst/>
           </a:prstGeom>
         </p:spPr>
       </p:pic>
+      <p:pic>
+        <p:nvPicPr>
+          <p:cNvPr id="11" name="Picture 10">
+            <a:extLst>
+              <a:ext uri="{FF2B5EF4-FFF2-40B4-BE49-F238E27FC236}">
+                <a16:creationId xmlns:a16="http://schemas.microsoft.com/office/drawing/2014/main" id="{6AFA9348-1BE6-E385-AE7C-807272FF4A8F}"/>
+              </a:ext>
+            </a:extLst>
+          </p:cNvPr>
+          <p:cNvPicPr>
+            <a:picLocks noChangeAspect="1"/>
+          </p:cNvPicPr>
+          <p:nvPr/>
+        </p:nvPicPr>
+        <p:blipFill>
+          <a:blip r:embed="rId4"/>
+          <a:stretch>
+            <a:fillRect/>
+          </a:stretch>
+        </p:blipFill>
+        <p:spPr>
+          <a:xfrm>
+            <a:off x="6376100" y="2003940"/>
+            <a:ext cx="2838450" cy="590550"/>
+          </a:xfrm>
+          <a:prstGeom prst="rect">
+            <a:avLst/>
+          </a:prstGeom>
+        </p:spPr>
+      </p:pic>
+      <p:pic>
+        <p:nvPicPr>
+          <p:cNvPr id="13" name="Picture 12">
+            <a:extLst>
+              <a:ext uri="{FF2B5EF4-FFF2-40B4-BE49-F238E27FC236}">
+                <a16:creationId xmlns:a16="http://schemas.microsoft.com/office/drawing/2014/main" id="{1389012F-2329-90A5-1083-7A6CDED0CC92}"/>
+              </a:ext>
+            </a:extLst>
+          </p:cNvPr>
+          <p:cNvPicPr>
+            <a:picLocks noChangeAspect="1"/>
+          </p:cNvPicPr>
+          <p:nvPr/>
+        </p:nvPicPr>
+        <p:blipFill>
+          <a:blip r:embed="rId5"/>
+          <a:stretch>
+            <a:fillRect/>
+          </a:stretch>
+        </p:blipFill>
+        <p:spPr>
+          <a:xfrm>
+            <a:off x="6376100" y="2666999"/>
+            <a:ext cx="2733675" cy="1066800"/>
+          </a:xfrm>
+          <a:prstGeom prst="rect">
+            <a:avLst/>
+          </a:prstGeom>
+        </p:spPr>
+      </p:pic>
       <p:sp>
         <p:nvSpPr>
-          <p:cNvPr id="5" name="Content Placeholder 2">
-            <a:extLst>
-              <a:ext uri="{FF2B5EF4-FFF2-40B4-BE49-F238E27FC236}">
-                <a16:creationId xmlns:a16="http://schemas.microsoft.com/office/drawing/2014/main" id="{7C4047C5-4C85-D4C1-8254-FF08A18CC1BA}"/>
+          <p:cNvPr id="16" name="Content Placeholder 2">
+            <a:extLst>
+              <a:ext uri="{FF2B5EF4-FFF2-40B4-BE49-F238E27FC236}">
+                <a16:creationId xmlns:a16="http://schemas.microsoft.com/office/drawing/2014/main" id="{A147631B-2C10-4019-5CDE-C016C02959B4}"/>
               </a:ext>
             </a:extLst>
           </p:cNvPr>
@@ -14111,7 +15674,7 @@
         </p:nvSpPr>
         <p:spPr>
           <a:xfrm>
-            <a:off x="1073021" y="1672773"/>
+            <a:off x="6301017" y="1672772"/>
             <a:ext cx="2988616" cy="438315"/>
           </a:xfrm>
           <a:prstGeom prst="rect">
@@ -14320,90 +15883,331 @@
             </a:lvl9pPr>
           </a:lstStyle>
           <a:p>
-            <a:pPr>
-              <a:buAutoNum type="arabicPeriod"/>
+            <a:pPr marL="15875" indent="0">
+              <a:buNone/>
             </a:pPr>
             <a:r>
-              <a:rPr lang="hr-HR" sz="1100" dirty="0"/>
-              <a:t>Kreiranje virtualnog </a:t>
-            </a:r>
-            <a:r>
-              <a:rPr lang="hr-HR" sz="1100" dirty="0" err="1"/>
-              <a:t>okruženj</a:t>
-            </a:r>
-            <a:r>
               <a:rPr lang="en-US" sz="1100" dirty="0"/>
-              <a:t>a</a:t>
-            </a:r>
+              <a:t>2. </a:t>
+            </a:r>
+            <a:r>
+              <a:rPr lang="en-US" sz="1100" dirty="0" err="1"/>
+              <a:t>Instalacija</a:t>
+            </a:r>
+            <a:r>
+              <a:rPr lang="en-US" sz="1100" dirty="0"/>
+              <a:t> flask-a</a:t>
+            </a:r>
+          </a:p>
+        </p:txBody>
+      </p:sp>
+      <p:sp>
+        <p:nvSpPr>
+          <p:cNvPr id="17" name="Content Placeholder 2">
+            <a:extLst>
+              <a:ext uri="{FF2B5EF4-FFF2-40B4-BE49-F238E27FC236}">
+                <a16:creationId xmlns:a16="http://schemas.microsoft.com/office/drawing/2014/main" id="{F144E1D8-66D8-62AB-3BD3-011C2919A986}"/>
+              </a:ext>
+            </a:extLst>
+          </p:cNvPr>
+          <p:cNvSpPr txBox="1">
+            <a:spLocks/>
+          </p:cNvSpPr>
+          <p:nvPr/>
+        </p:nvSpPr>
+        <p:spPr>
+          <a:xfrm>
+            <a:off x="1073021" y="4116488"/>
+            <a:ext cx="2988616" cy="438315"/>
+          </a:xfrm>
+          <a:prstGeom prst="rect">
+            <a:avLst/>
+          </a:prstGeom>
+        </p:spPr>
+        <p:txBody>
+          <a:bodyPr vert="horz" lIns="91440" tIns="45720" rIns="91440" bIns="45720" rtlCol="0">
+            <a:normAutofit/>
+          </a:bodyPr>
+          <a:lstStyle>
+            <a:lvl1pPr marL="368300" indent="-352425" algn="l" defTabSz="914400" rtl="0" eaLnBrk="1" latinLnBrk="0" hangingPunct="1">
+              <a:lnSpc>
+                <a:spcPct val="90000"/>
+              </a:lnSpc>
+              <a:spcBef>
+                <a:spcPts val="600"/>
+              </a:spcBef>
+              <a:spcAft>
+                <a:spcPts val="600"/>
+              </a:spcAft>
+              <a:buClr>
+                <a:schemeClr val="accent2"/>
+              </a:buClr>
+              <a:buFont typeface="Wingdings" pitchFamily="2" charset="2"/>
+              <a:buChar char="§"/>
+              <a:tabLst/>
+              <a:defRPr sz="2400" kern="1200">
+                <a:solidFill>
+                  <a:schemeClr val="tx1"/>
+                </a:solidFill>
+                <a:latin typeface="+mn-lt"/>
+                <a:ea typeface="Open Sans" panose="020B0606030504020204" pitchFamily="34" charset="0"/>
+                <a:cs typeface="Open Sans" panose="020B0606030504020204" pitchFamily="34" charset="0"/>
+              </a:defRPr>
+            </a:lvl1pPr>
+            <a:lvl2pPr marL="771525" indent="-274638" algn="l" defTabSz="914400" rtl="0" eaLnBrk="1" latinLnBrk="0" hangingPunct="1">
+              <a:lnSpc>
+                <a:spcPct val="90000"/>
+              </a:lnSpc>
+              <a:spcBef>
+                <a:spcPts val="600"/>
+              </a:spcBef>
+              <a:spcAft>
+                <a:spcPts val="600"/>
+              </a:spcAft>
+              <a:buClr>
+                <a:schemeClr val="accent2"/>
+              </a:buClr>
+              <a:buFont typeface="Wingdings" pitchFamily="2" charset="2"/>
+              <a:buChar char="§"/>
+              <a:tabLst/>
+              <a:defRPr sz="2200" kern="1200">
+                <a:solidFill>
+                  <a:schemeClr val="tx1"/>
+                </a:solidFill>
+                <a:latin typeface="+mn-lt"/>
+                <a:ea typeface="Open Sans" panose="020B0606030504020204" pitchFamily="34" charset="0"/>
+                <a:cs typeface="Open Sans" panose="020B0606030504020204" pitchFamily="34" charset="0"/>
+              </a:defRPr>
+            </a:lvl2pPr>
+            <a:lvl3pPr marL="1143000" indent="-228600" algn="l" defTabSz="914400" rtl="0" eaLnBrk="1" latinLnBrk="0" hangingPunct="1">
+              <a:lnSpc>
+                <a:spcPct val="90000"/>
+              </a:lnSpc>
+              <a:spcBef>
+                <a:spcPts val="600"/>
+              </a:spcBef>
+              <a:spcAft>
+                <a:spcPts val="600"/>
+              </a:spcAft>
+              <a:buClr>
+                <a:schemeClr val="accent2"/>
+              </a:buClr>
+              <a:buFont typeface="Wingdings" pitchFamily="2" charset="2"/>
+              <a:buChar char="§"/>
+              <a:defRPr sz="2000" kern="1200">
+                <a:solidFill>
+                  <a:schemeClr val="tx1"/>
+                </a:solidFill>
+                <a:latin typeface="+mn-lt"/>
+                <a:ea typeface="Open Sans" panose="020B0606030504020204" pitchFamily="34" charset="0"/>
+                <a:cs typeface="Open Sans" panose="020B0606030504020204" pitchFamily="34" charset="0"/>
+              </a:defRPr>
+            </a:lvl3pPr>
+            <a:lvl4pPr marL="1600200" indent="-228600" algn="l" defTabSz="914400" rtl="0" eaLnBrk="1" latinLnBrk="0" hangingPunct="1">
+              <a:lnSpc>
+                <a:spcPct val="90000"/>
+              </a:lnSpc>
+              <a:spcBef>
+                <a:spcPts val="600"/>
+              </a:spcBef>
+              <a:spcAft>
+                <a:spcPts val="600"/>
+              </a:spcAft>
+              <a:buClr>
+                <a:schemeClr val="accent2"/>
+              </a:buClr>
+              <a:buFont typeface="Wingdings" pitchFamily="2" charset="2"/>
+              <a:buChar char="§"/>
+              <a:defRPr sz="1800" kern="1200">
+                <a:solidFill>
+                  <a:schemeClr val="tx1"/>
+                </a:solidFill>
+                <a:latin typeface="+mn-lt"/>
+                <a:ea typeface="Open Sans" panose="020B0606030504020204" pitchFamily="34" charset="0"/>
+                <a:cs typeface="Open Sans" panose="020B0606030504020204" pitchFamily="34" charset="0"/>
+              </a:defRPr>
+            </a:lvl4pPr>
+            <a:lvl5pPr marL="1960563" indent="-225425" algn="l" defTabSz="914400" rtl="0" eaLnBrk="1" latinLnBrk="0" hangingPunct="1">
+              <a:lnSpc>
+                <a:spcPct val="90000"/>
+              </a:lnSpc>
+              <a:spcBef>
+                <a:spcPts val="600"/>
+              </a:spcBef>
+              <a:spcAft>
+                <a:spcPts val="600"/>
+              </a:spcAft>
+              <a:buClr>
+                <a:schemeClr val="accent2"/>
+              </a:buClr>
+              <a:buFont typeface="Wingdings" pitchFamily="2" charset="2"/>
+              <a:buChar char="§"/>
+              <a:tabLst/>
+              <a:defRPr sz="1600" kern="1200">
+                <a:solidFill>
+                  <a:schemeClr val="tx1"/>
+                </a:solidFill>
+                <a:latin typeface="+mn-lt"/>
+                <a:ea typeface="Open Sans" panose="020B0606030504020204" pitchFamily="34" charset="0"/>
+                <a:cs typeface="Open Sans" panose="020B0606030504020204" pitchFamily="34" charset="0"/>
+              </a:defRPr>
+            </a:lvl5pPr>
+            <a:lvl6pPr marL="2514600" indent="-228600" algn="l" defTabSz="914400" rtl="0" eaLnBrk="1" latinLnBrk="0" hangingPunct="1">
+              <a:lnSpc>
+                <a:spcPct val="90000"/>
+              </a:lnSpc>
+              <a:spcBef>
+                <a:spcPts val="500"/>
+              </a:spcBef>
+              <a:buFont typeface="Arial" panose="020B0604020202020204" pitchFamily="34" charset="0"/>
+              <a:buChar char="•"/>
+              <a:defRPr sz="1800" kern="1200">
+                <a:solidFill>
+                  <a:schemeClr val="tx1"/>
+                </a:solidFill>
+                <a:latin typeface="+mn-lt"/>
+                <a:ea typeface="+mn-ea"/>
+                <a:cs typeface="+mn-cs"/>
+              </a:defRPr>
+            </a:lvl6pPr>
+            <a:lvl7pPr marL="2971800" indent="-228600" algn="l" defTabSz="914400" rtl="0" eaLnBrk="1" latinLnBrk="0" hangingPunct="1">
+              <a:lnSpc>
+                <a:spcPct val="90000"/>
+              </a:lnSpc>
+              <a:spcBef>
+                <a:spcPts val="500"/>
+              </a:spcBef>
+              <a:buFont typeface="Arial" panose="020B0604020202020204" pitchFamily="34" charset="0"/>
+              <a:buChar char="•"/>
+              <a:defRPr sz="1800" kern="1200">
+                <a:solidFill>
+                  <a:schemeClr val="tx1"/>
+                </a:solidFill>
+                <a:latin typeface="+mn-lt"/>
+                <a:ea typeface="+mn-ea"/>
+                <a:cs typeface="+mn-cs"/>
+              </a:defRPr>
+            </a:lvl7pPr>
+            <a:lvl8pPr marL="3429000" indent="-228600" algn="l" defTabSz="914400" rtl="0" eaLnBrk="1" latinLnBrk="0" hangingPunct="1">
+              <a:lnSpc>
+                <a:spcPct val="90000"/>
+              </a:lnSpc>
+              <a:spcBef>
+                <a:spcPts val="500"/>
+              </a:spcBef>
+              <a:buFont typeface="Arial" panose="020B0604020202020204" pitchFamily="34" charset="0"/>
+              <a:buChar char="•"/>
+              <a:defRPr sz="1800" kern="1200">
+                <a:solidFill>
+                  <a:schemeClr val="tx1"/>
+                </a:solidFill>
+                <a:latin typeface="+mn-lt"/>
+                <a:ea typeface="+mn-ea"/>
+                <a:cs typeface="+mn-cs"/>
+              </a:defRPr>
+            </a:lvl8pPr>
+            <a:lvl9pPr marL="3886200" indent="-228600" algn="l" defTabSz="914400" rtl="0" eaLnBrk="1" latinLnBrk="0" hangingPunct="1">
+              <a:lnSpc>
+                <a:spcPct val="90000"/>
+              </a:lnSpc>
+              <a:spcBef>
+                <a:spcPts val="500"/>
+              </a:spcBef>
+              <a:buFont typeface="Arial" panose="020B0604020202020204" pitchFamily="34" charset="0"/>
+              <a:buChar char="•"/>
+              <a:defRPr sz="1800" kern="1200">
+                <a:solidFill>
+                  <a:schemeClr val="tx1"/>
+                </a:solidFill>
+                <a:latin typeface="+mn-lt"/>
+                <a:ea typeface="+mn-ea"/>
+                <a:cs typeface="+mn-cs"/>
+              </a:defRPr>
+            </a:lvl9pPr>
+          </a:lstStyle>
+          <a:p>
+            <a:pPr marL="15875" indent="0">
+              <a:buNone/>
+            </a:pPr>
+            <a:r>
+              <a:rPr lang="en-US" sz="1100" dirty="0"/>
+              <a:t>3. </a:t>
+            </a:r>
+            <a:r>
+              <a:rPr kumimoji="0" lang="sr-Latn-RS" altLang="sr-Latn-RS" sz="1100" b="0" i="0" u="none" strike="noStrike" cap="none" normalizeH="0" baseline="0" dirty="0">
+                <a:ln>
+                  <a:noFill/>
+                </a:ln>
+                <a:solidFill>
+                  <a:schemeClr val="tx1"/>
+                </a:solidFill>
+                <a:effectLst/>
+                <a:latin typeface="Arial" panose="020B0604020202020204" pitchFamily="34" charset="0"/>
+              </a:rPr>
+              <a:t>Kreirajte datoteku </a:t>
+            </a:r>
+            <a:r>
+              <a:rPr kumimoji="0" lang="en-US" altLang="sr-Latn-RS" sz="1100" b="0" i="0" u="none" strike="noStrike" cap="none" normalizeH="0" baseline="0" dirty="0">
+                <a:ln>
+                  <a:noFill/>
+                </a:ln>
+                <a:solidFill>
+                  <a:schemeClr val="tx1"/>
+                </a:solidFill>
+                <a:effectLst/>
+                <a:latin typeface="Arial" panose="020B0604020202020204" pitchFamily="34" charset="0"/>
+              </a:rPr>
+              <a:t>app.py I </a:t>
+            </a:r>
+            <a:r>
+              <a:rPr kumimoji="0" lang="en-US" altLang="sr-Latn-RS" sz="1100" b="0" i="0" u="none" strike="noStrike" cap="none" normalizeH="0" baseline="0" dirty="0" err="1">
+                <a:ln>
+                  <a:noFill/>
+                </a:ln>
+                <a:solidFill>
+                  <a:schemeClr val="tx1"/>
+                </a:solidFill>
+                <a:effectLst/>
+                <a:latin typeface="Arial" panose="020B0604020202020204" pitchFamily="34" charset="0"/>
+              </a:rPr>
+              <a:t>unesite</a:t>
+            </a:r>
+            <a:r>
+              <a:rPr kumimoji="0" lang="en-US" altLang="sr-Latn-RS" sz="1100" b="0" i="0" u="none" strike="noStrike" cap="none" normalizeH="0" baseline="0" dirty="0">
+                <a:ln>
+                  <a:noFill/>
+                </a:ln>
+                <a:solidFill>
+                  <a:schemeClr val="tx1"/>
+                </a:solidFill>
+                <a:effectLst/>
+                <a:latin typeface="Arial" panose="020B0604020202020204" pitchFamily="34" charset="0"/>
+              </a:rPr>
+              <a:t> </a:t>
+            </a:r>
+            <a:r>
+              <a:rPr kumimoji="0" lang="en-US" altLang="sr-Latn-RS" sz="1100" b="0" i="0" u="none" strike="noStrike" cap="none" normalizeH="0" baseline="0" dirty="0" err="1">
+                <a:ln>
+                  <a:noFill/>
+                </a:ln>
+                <a:solidFill>
+                  <a:schemeClr val="tx1"/>
+                </a:solidFill>
+                <a:effectLst/>
+                <a:latin typeface="Arial" panose="020B0604020202020204" pitchFamily="34" charset="0"/>
+              </a:rPr>
+              <a:t>kod</a:t>
+            </a:r>
+            <a:endParaRPr lang="en-US" sz="1100" dirty="0"/>
           </a:p>
         </p:txBody>
       </p:sp>
       <p:pic>
         <p:nvPicPr>
-          <p:cNvPr id="9" name="Picture 8">
-            <a:extLst>
-              <a:ext uri="{FF2B5EF4-FFF2-40B4-BE49-F238E27FC236}">
-                <a16:creationId xmlns:a16="http://schemas.microsoft.com/office/drawing/2014/main" id="{B98C735F-1836-8375-AD15-5802EC1AF5C9}"/>
-              </a:ext>
-            </a:extLst>
-          </p:cNvPr>
-          <p:cNvPicPr>
-            <a:picLocks noChangeAspect="1"/>
-          </p:cNvPicPr>
-          <p:nvPr/>
-        </p:nvPicPr>
-        <p:blipFill>
-          <a:blip r:embed="rId4"/>
-          <a:stretch>
-            <a:fillRect/>
-          </a:stretch>
-        </p:blipFill>
-        <p:spPr>
-          <a:xfrm>
-            <a:off x="1160831" y="2771748"/>
-            <a:ext cx="2495661" cy="725807"/>
-          </a:xfrm>
-          <a:prstGeom prst="rect">
-            <a:avLst/>
-          </a:prstGeom>
-        </p:spPr>
-      </p:pic>
-      <p:pic>
-        <p:nvPicPr>
-          <p:cNvPr id="11" name="Picture 10">
-            <a:extLst>
-              <a:ext uri="{FF2B5EF4-FFF2-40B4-BE49-F238E27FC236}">
-                <a16:creationId xmlns:a16="http://schemas.microsoft.com/office/drawing/2014/main" id="{6AFA9348-1BE6-E385-AE7C-807272FF4A8F}"/>
-              </a:ext>
-            </a:extLst>
-          </p:cNvPr>
-          <p:cNvPicPr>
-            <a:picLocks noChangeAspect="1"/>
-          </p:cNvPicPr>
-          <p:nvPr/>
-        </p:nvPicPr>
-        <p:blipFill>
-          <a:blip r:embed="rId5"/>
-          <a:stretch>
-            <a:fillRect/>
-          </a:stretch>
-        </p:blipFill>
-        <p:spPr>
-          <a:xfrm>
-            <a:off x="6376100" y="2003940"/>
-            <a:ext cx="2838450" cy="590550"/>
-          </a:xfrm>
-          <a:prstGeom prst="rect">
-            <a:avLst/>
-          </a:prstGeom>
-        </p:spPr>
-      </p:pic>
-      <p:pic>
-        <p:nvPicPr>
-          <p:cNvPr id="13" name="Picture 12">
-            <a:extLst>
-              <a:ext uri="{FF2B5EF4-FFF2-40B4-BE49-F238E27FC236}">
-                <a16:creationId xmlns:a16="http://schemas.microsoft.com/office/drawing/2014/main" id="{1389012F-2329-90A5-1083-7A6CDED0CC92}"/>
+          <p:cNvPr id="20" name="Picture 19">
+            <a:extLst>
+              <a:ext uri="{FF2B5EF4-FFF2-40B4-BE49-F238E27FC236}">
+                <a16:creationId xmlns:a16="http://schemas.microsoft.com/office/drawing/2014/main" id="{4E6F6720-FA1B-AD3B-A9AB-0028BAAD29C1}"/>
               </a:ext>
             </a:extLst>
           </p:cNvPr>
@@ -14420,8 +16224,8 @@
         </p:blipFill>
         <p:spPr>
           <a:xfrm>
-            <a:off x="6376100" y="2666999"/>
-            <a:ext cx="2733675" cy="1066800"/>
+            <a:off x="1160831" y="4549486"/>
+            <a:ext cx="2114550" cy="600075"/>
           </a:xfrm>
           <a:prstGeom prst="rect">
             <a:avLst/>
@@ -14430,10 +16234,10 @@
       </p:pic>
       <p:sp>
         <p:nvSpPr>
-          <p:cNvPr id="16" name="Content Placeholder 2">
-            <a:extLst>
-              <a:ext uri="{FF2B5EF4-FFF2-40B4-BE49-F238E27FC236}">
-                <a16:creationId xmlns:a16="http://schemas.microsoft.com/office/drawing/2014/main" id="{A147631B-2C10-4019-5CDE-C016C02959B4}"/>
+          <p:cNvPr id="21" name="Content Placeholder 2">
+            <a:extLst>
+              <a:ext uri="{FF2B5EF4-FFF2-40B4-BE49-F238E27FC236}">
+                <a16:creationId xmlns:a16="http://schemas.microsoft.com/office/drawing/2014/main" id="{C43B82C5-E717-77EF-2660-7687721BD5DA}"/>
               </a:ext>
             </a:extLst>
           </p:cNvPr>
@@ -14444,7 +16248,7 @@
         </p:nvSpPr>
         <p:spPr>
           <a:xfrm>
-            <a:off x="6301017" y="1672772"/>
+            <a:off x="6315194" y="4049730"/>
             <a:ext cx="2988616" cy="438315"/>
           </a:xfrm>
           <a:prstGeom prst="rect">
@@ -14658,253 +16462,10 @@
             </a:pPr>
             <a:r>
               <a:rPr lang="en-US" sz="1100" dirty="0"/>
-              <a:t>2. </a:t>
-            </a:r>
-            <a:r>
-              <a:rPr lang="en-US" sz="1100" dirty="0" err="1"/>
-              <a:t>Instalacija</a:t>
-            </a:r>
-            <a:r>
-              <a:rPr lang="en-US" sz="1100" dirty="0"/>
-              <a:t> flask-a</a:t>
-            </a:r>
-          </a:p>
-        </p:txBody>
-      </p:sp>
-      <p:sp>
-        <p:nvSpPr>
-          <p:cNvPr id="17" name="Content Placeholder 2">
-            <a:extLst>
-              <a:ext uri="{FF2B5EF4-FFF2-40B4-BE49-F238E27FC236}">
-                <a16:creationId xmlns:a16="http://schemas.microsoft.com/office/drawing/2014/main" id="{F144E1D8-66D8-62AB-3BD3-011C2919A986}"/>
-              </a:ext>
-            </a:extLst>
-          </p:cNvPr>
-          <p:cNvSpPr txBox="1">
-            <a:spLocks/>
-          </p:cNvSpPr>
-          <p:nvPr/>
-        </p:nvSpPr>
-        <p:spPr>
-          <a:xfrm>
-            <a:off x="1073021" y="4116488"/>
-            <a:ext cx="2988616" cy="438315"/>
-          </a:xfrm>
-          <a:prstGeom prst="rect">
-            <a:avLst/>
-          </a:prstGeom>
-        </p:spPr>
-        <p:txBody>
-          <a:bodyPr vert="horz" lIns="91440" tIns="45720" rIns="91440" bIns="45720" rtlCol="0">
-            <a:normAutofit/>
-          </a:bodyPr>
-          <a:lstStyle>
-            <a:lvl1pPr marL="368300" indent="-352425" algn="l" defTabSz="914400" rtl="0" eaLnBrk="1" latinLnBrk="0" hangingPunct="1">
-              <a:lnSpc>
-                <a:spcPct val="90000"/>
-              </a:lnSpc>
-              <a:spcBef>
-                <a:spcPts val="600"/>
-              </a:spcBef>
-              <a:spcAft>
-                <a:spcPts val="600"/>
-              </a:spcAft>
-              <a:buClr>
-                <a:schemeClr val="accent2"/>
-              </a:buClr>
-              <a:buFont typeface="Wingdings" pitchFamily="2" charset="2"/>
-              <a:buChar char="§"/>
-              <a:tabLst/>
-              <a:defRPr sz="2400" kern="1200">
-                <a:solidFill>
-                  <a:schemeClr val="tx1"/>
-                </a:solidFill>
-                <a:latin typeface="+mn-lt"/>
-                <a:ea typeface="Open Sans" panose="020B0606030504020204" pitchFamily="34" charset="0"/>
-                <a:cs typeface="Open Sans" panose="020B0606030504020204" pitchFamily="34" charset="0"/>
-              </a:defRPr>
-            </a:lvl1pPr>
-            <a:lvl2pPr marL="771525" indent="-274638" algn="l" defTabSz="914400" rtl="0" eaLnBrk="1" latinLnBrk="0" hangingPunct="1">
-              <a:lnSpc>
-                <a:spcPct val="90000"/>
-              </a:lnSpc>
-              <a:spcBef>
-                <a:spcPts val="600"/>
-              </a:spcBef>
-              <a:spcAft>
-                <a:spcPts val="600"/>
-              </a:spcAft>
-              <a:buClr>
-                <a:schemeClr val="accent2"/>
-              </a:buClr>
-              <a:buFont typeface="Wingdings" pitchFamily="2" charset="2"/>
-              <a:buChar char="§"/>
-              <a:tabLst/>
-              <a:defRPr sz="2200" kern="1200">
-                <a:solidFill>
-                  <a:schemeClr val="tx1"/>
-                </a:solidFill>
-                <a:latin typeface="+mn-lt"/>
-                <a:ea typeface="Open Sans" panose="020B0606030504020204" pitchFamily="34" charset="0"/>
-                <a:cs typeface="Open Sans" panose="020B0606030504020204" pitchFamily="34" charset="0"/>
-              </a:defRPr>
-            </a:lvl2pPr>
-            <a:lvl3pPr marL="1143000" indent="-228600" algn="l" defTabSz="914400" rtl="0" eaLnBrk="1" latinLnBrk="0" hangingPunct="1">
-              <a:lnSpc>
-                <a:spcPct val="90000"/>
-              </a:lnSpc>
-              <a:spcBef>
-                <a:spcPts val="600"/>
-              </a:spcBef>
-              <a:spcAft>
-                <a:spcPts val="600"/>
-              </a:spcAft>
-              <a:buClr>
-                <a:schemeClr val="accent2"/>
-              </a:buClr>
-              <a:buFont typeface="Wingdings" pitchFamily="2" charset="2"/>
-              <a:buChar char="§"/>
-              <a:defRPr sz="2000" kern="1200">
-                <a:solidFill>
-                  <a:schemeClr val="tx1"/>
-                </a:solidFill>
-                <a:latin typeface="+mn-lt"/>
-                <a:ea typeface="Open Sans" panose="020B0606030504020204" pitchFamily="34" charset="0"/>
-                <a:cs typeface="Open Sans" panose="020B0606030504020204" pitchFamily="34" charset="0"/>
-              </a:defRPr>
-            </a:lvl3pPr>
-            <a:lvl4pPr marL="1600200" indent="-228600" algn="l" defTabSz="914400" rtl="0" eaLnBrk="1" latinLnBrk="0" hangingPunct="1">
-              <a:lnSpc>
-                <a:spcPct val="90000"/>
-              </a:lnSpc>
-              <a:spcBef>
-                <a:spcPts val="600"/>
-              </a:spcBef>
-              <a:spcAft>
-                <a:spcPts val="600"/>
-              </a:spcAft>
-              <a:buClr>
-                <a:schemeClr val="accent2"/>
-              </a:buClr>
-              <a:buFont typeface="Wingdings" pitchFamily="2" charset="2"/>
-              <a:buChar char="§"/>
-              <a:defRPr sz="1800" kern="1200">
-                <a:solidFill>
-                  <a:schemeClr val="tx1"/>
-                </a:solidFill>
-                <a:latin typeface="+mn-lt"/>
-                <a:ea typeface="Open Sans" panose="020B0606030504020204" pitchFamily="34" charset="0"/>
-                <a:cs typeface="Open Sans" panose="020B0606030504020204" pitchFamily="34" charset="0"/>
-              </a:defRPr>
-            </a:lvl4pPr>
-            <a:lvl5pPr marL="1960563" indent="-225425" algn="l" defTabSz="914400" rtl="0" eaLnBrk="1" latinLnBrk="0" hangingPunct="1">
-              <a:lnSpc>
-                <a:spcPct val="90000"/>
-              </a:lnSpc>
-              <a:spcBef>
-                <a:spcPts val="600"/>
-              </a:spcBef>
-              <a:spcAft>
-                <a:spcPts val="600"/>
-              </a:spcAft>
-              <a:buClr>
-                <a:schemeClr val="accent2"/>
-              </a:buClr>
-              <a:buFont typeface="Wingdings" pitchFamily="2" charset="2"/>
-              <a:buChar char="§"/>
-              <a:tabLst/>
-              <a:defRPr sz="1600" kern="1200">
-                <a:solidFill>
-                  <a:schemeClr val="tx1"/>
-                </a:solidFill>
-                <a:latin typeface="+mn-lt"/>
-                <a:ea typeface="Open Sans" panose="020B0606030504020204" pitchFamily="34" charset="0"/>
-                <a:cs typeface="Open Sans" panose="020B0606030504020204" pitchFamily="34" charset="0"/>
-              </a:defRPr>
-            </a:lvl5pPr>
-            <a:lvl6pPr marL="2514600" indent="-228600" algn="l" defTabSz="914400" rtl="0" eaLnBrk="1" latinLnBrk="0" hangingPunct="1">
-              <a:lnSpc>
-                <a:spcPct val="90000"/>
-              </a:lnSpc>
-              <a:spcBef>
-                <a:spcPts val="500"/>
-              </a:spcBef>
-              <a:buFont typeface="Arial" panose="020B0604020202020204" pitchFamily="34" charset="0"/>
-              <a:buChar char="•"/>
-              <a:defRPr sz="1800" kern="1200">
-                <a:solidFill>
-                  <a:schemeClr val="tx1"/>
-                </a:solidFill>
-                <a:latin typeface="+mn-lt"/>
-                <a:ea typeface="+mn-ea"/>
-                <a:cs typeface="+mn-cs"/>
-              </a:defRPr>
-            </a:lvl6pPr>
-            <a:lvl7pPr marL="2971800" indent="-228600" algn="l" defTabSz="914400" rtl="0" eaLnBrk="1" latinLnBrk="0" hangingPunct="1">
-              <a:lnSpc>
-                <a:spcPct val="90000"/>
-              </a:lnSpc>
-              <a:spcBef>
-                <a:spcPts val="500"/>
-              </a:spcBef>
-              <a:buFont typeface="Arial" panose="020B0604020202020204" pitchFamily="34" charset="0"/>
-              <a:buChar char="•"/>
-              <a:defRPr sz="1800" kern="1200">
-                <a:solidFill>
-                  <a:schemeClr val="tx1"/>
-                </a:solidFill>
-                <a:latin typeface="+mn-lt"/>
-                <a:ea typeface="+mn-ea"/>
-                <a:cs typeface="+mn-cs"/>
-              </a:defRPr>
-            </a:lvl7pPr>
-            <a:lvl8pPr marL="3429000" indent="-228600" algn="l" defTabSz="914400" rtl="0" eaLnBrk="1" latinLnBrk="0" hangingPunct="1">
-              <a:lnSpc>
-                <a:spcPct val="90000"/>
-              </a:lnSpc>
-              <a:spcBef>
-                <a:spcPts val="500"/>
-              </a:spcBef>
-              <a:buFont typeface="Arial" panose="020B0604020202020204" pitchFamily="34" charset="0"/>
-              <a:buChar char="•"/>
-              <a:defRPr sz="1800" kern="1200">
-                <a:solidFill>
-                  <a:schemeClr val="tx1"/>
-                </a:solidFill>
-                <a:latin typeface="+mn-lt"/>
-                <a:ea typeface="+mn-ea"/>
-                <a:cs typeface="+mn-cs"/>
-              </a:defRPr>
-            </a:lvl8pPr>
-            <a:lvl9pPr marL="3886200" indent="-228600" algn="l" defTabSz="914400" rtl="0" eaLnBrk="1" latinLnBrk="0" hangingPunct="1">
-              <a:lnSpc>
-                <a:spcPct val="90000"/>
-              </a:lnSpc>
-              <a:spcBef>
-                <a:spcPts val="500"/>
-              </a:spcBef>
-              <a:buFont typeface="Arial" panose="020B0604020202020204" pitchFamily="34" charset="0"/>
-              <a:buChar char="•"/>
-              <a:defRPr sz="1800" kern="1200">
-                <a:solidFill>
-                  <a:schemeClr val="tx1"/>
-                </a:solidFill>
-                <a:latin typeface="+mn-lt"/>
-                <a:ea typeface="+mn-ea"/>
-                <a:cs typeface="+mn-cs"/>
-              </a:defRPr>
-            </a:lvl9pPr>
-          </a:lstStyle>
-          <a:p>
-            <a:pPr marL="15875" indent="0">
-              <a:buNone/>
-            </a:pPr>
-            <a:r>
-              <a:rPr lang="en-US" sz="1100" dirty="0"/>
-              <a:t>3. </a:t>
-            </a:r>
-            <a:r>
-              <a:rPr kumimoji="0" lang="sr-Latn-RS" altLang="sr-Latn-RS" sz="1100" b="0" i="0" u="none" strike="noStrike" cap="none" normalizeH="0" baseline="0" dirty="0">
+              <a:t>4. </a:t>
+            </a:r>
+            <a:r>
+              <a:rPr kumimoji="0" lang="en-US" altLang="sr-Latn-RS" sz="1100" b="0" i="0" u="none" strike="noStrike" cap="none" normalizeH="0" baseline="0" dirty="0" err="1">
                 <a:ln>
                   <a:noFill/>
                 </a:ln>
@@ -14914,7 +16475,7 @@
                 <a:effectLst/>
                 <a:latin typeface="Arial" panose="020B0604020202020204" pitchFamily="34" charset="0"/>
               </a:rPr>
-              <a:t>Kreirajte datoteku </a:t>
+              <a:t>Pokrenite</a:t>
             </a:r>
             <a:r>
               <a:rPr kumimoji="0" lang="en-US" altLang="sr-Latn-RS" sz="1100" b="0" i="0" u="none" strike="noStrike" cap="none" normalizeH="0" baseline="0" dirty="0">
@@ -14927,7 +16488,7 @@
                 <a:effectLst/>
                 <a:latin typeface="Arial" panose="020B0604020202020204" pitchFamily="34" charset="0"/>
               </a:rPr>
-              <a:t>app.py I </a:t>
+              <a:t> </a:t>
             </a:r>
             <a:r>
               <a:rPr kumimoji="0" lang="en-US" altLang="sr-Latn-RS" sz="1100" b="0" i="0" u="none" strike="noStrike" cap="none" normalizeH="0" baseline="0" dirty="0" err="1">
@@ -14940,33 +16501,7 @@
                 <a:effectLst/>
                 <a:latin typeface="Arial" panose="020B0604020202020204" pitchFamily="34" charset="0"/>
               </a:rPr>
-              <a:t>unesite</a:t>
-            </a:r>
-            <a:r>
-              <a:rPr kumimoji="0" lang="en-US" altLang="sr-Latn-RS" sz="1100" b="0" i="0" u="none" strike="noStrike" cap="none" normalizeH="0" baseline="0" dirty="0">
-                <a:ln>
-                  <a:noFill/>
-                </a:ln>
-                <a:solidFill>
-                  <a:schemeClr val="tx1"/>
-                </a:solidFill>
-                <a:effectLst/>
-                <a:latin typeface="Arial" panose="020B0604020202020204" pitchFamily="34" charset="0"/>
-              </a:rPr>
-              <a:t> </a:t>
-            </a:r>
-            <a:r>
-              <a:rPr kumimoji="0" lang="en-US" altLang="sr-Latn-RS" sz="1100" b="0" i="0" u="none" strike="noStrike" cap="none" normalizeH="0" baseline="0" dirty="0" err="1">
-                <a:ln>
-                  <a:noFill/>
-                </a:ln>
-                <a:solidFill>
-                  <a:schemeClr val="tx1"/>
-                </a:solidFill>
-                <a:effectLst/>
-                <a:latin typeface="Arial" panose="020B0604020202020204" pitchFamily="34" charset="0"/>
-              </a:rPr>
-              <a:t>kod</a:t>
+              <a:t>aplikaciju</a:t>
             </a:r>
             <a:endParaRPr lang="en-US" sz="1100" dirty="0"/>
           </a:p>
@@ -14974,10 +16509,10 @@
       </p:sp>
       <p:pic>
         <p:nvPicPr>
-          <p:cNvPr id="20" name="Picture 19">
-            <a:extLst>
-              <a:ext uri="{FF2B5EF4-FFF2-40B4-BE49-F238E27FC236}">
-                <a16:creationId xmlns:a16="http://schemas.microsoft.com/office/drawing/2014/main" id="{4E6F6720-FA1B-AD3B-A9AB-0028BAAD29C1}"/>
+          <p:cNvPr id="23" name="Picture 22">
+            <a:extLst>
+              <a:ext uri="{FF2B5EF4-FFF2-40B4-BE49-F238E27FC236}">
+                <a16:creationId xmlns:a16="http://schemas.microsoft.com/office/drawing/2014/main" id="{8B460A86-1F05-ECAC-DBCE-3A052F04A636}"/>
               </a:ext>
             </a:extLst>
           </p:cNvPr>
@@ -14994,295 +16529,20 @@
         </p:blipFill>
         <p:spPr>
           <a:xfrm>
-            <a:off x="1160831" y="4549486"/>
-            <a:ext cx="2114550" cy="600075"/>
+            <a:off x="6376100" y="4608713"/>
+            <a:ext cx="1209675" cy="390525"/>
           </a:xfrm>
           <a:prstGeom prst="rect">
             <a:avLst/>
           </a:prstGeom>
         </p:spPr>
       </p:pic>
-      <p:sp>
-        <p:nvSpPr>
-          <p:cNvPr id="21" name="Content Placeholder 2">
-            <a:extLst>
-              <a:ext uri="{FF2B5EF4-FFF2-40B4-BE49-F238E27FC236}">
-                <a16:creationId xmlns:a16="http://schemas.microsoft.com/office/drawing/2014/main" id="{C43B82C5-E717-77EF-2660-7687721BD5DA}"/>
-              </a:ext>
-            </a:extLst>
-          </p:cNvPr>
-          <p:cNvSpPr txBox="1">
-            <a:spLocks/>
-          </p:cNvSpPr>
-          <p:nvPr/>
-        </p:nvSpPr>
-        <p:spPr>
-          <a:xfrm>
-            <a:off x="6315194" y="4049730"/>
-            <a:ext cx="2988616" cy="438315"/>
-          </a:xfrm>
-          <a:prstGeom prst="rect">
-            <a:avLst/>
-          </a:prstGeom>
-        </p:spPr>
-        <p:txBody>
-          <a:bodyPr vert="horz" lIns="91440" tIns="45720" rIns="91440" bIns="45720" rtlCol="0">
-            <a:normAutofit/>
-          </a:bodyPr>
-          <a:lstStyle>
-            <a:lvl1pPr marL="368300" indent="-352425" algn="l" defTabSz="914400" rtl="0" eaLnBrk="1" latinLnBrk="0" hangingPunct="1">
-              <a:lnSpc>
-                <a:spcPct val="90000"/>
-              </a:lnSpc>
-              <a:spcBef>
-                <a:spcPts val="600"/>
-              </a:spcBef>
-              <a:spcAft>
-                <a:spcPts val="600"/>
-              </a:spcAft>
-              <a:buClr>
-                <a:schemeClr val="accent2"/>
-              </a:buClr>
-              <a:buFont typeface="Wingdings" pitchFamily="2" charset="2"/>
-              <a:buChar char="§"/>
-              <a:tabLst/>
-              <a:defRPr sz="2400" kern="1200">
-                <a:solidFill>
-                  <a:schemeClr val="tx1"/>
-                </a:solidFill>
-                <a:latin typeface="+mn-lt"/>
-                <a:ea typeface="Open Sans" panose="020B0606030504020204" pitchFamily="34" charset="0"/>
-                <a:cs typeface="Open Sans" panose="020B0606030504020204" pitchFamily="34" charset="0"/>
-              </a:defRPr>
-            </a:lvl1pPr>
-            <a:lvl2pPr marL="771525" indent="-274638" algn="l" defTabSz="914400" rtl="0" eaLnBrk="1" latinLnBrk="0" hangingPunct="1">
-              <a:lnSpc>
-                <a:spcPct val="90000"/>
-              </a:lnSpc>
-              <a:spcBef>
-                <a:spcPts val="600"/>
-              </a:spcBef>
-              <a:spcAft>
-                <a:spcPts val="600"/>
-              </a:spcAft>
-              <a:buClr>
-                <a:schemeClr val="accent2"/>
-              </a:buClr>
-              <a:buFont typeface="Wingdings" pitchFamily="2" charset="2"/>
-              <a:buChar char="§"/>
-              <a:tabLst/>
-              <a:defRPr sz="2200" kern="1200">
-                <a:solidFill>
-                  <a:schemeClr val="tx1"/>
-                </a:solidFill>
-                <a:latin typeface="+mn-lt"/>
-                <a:ea typeface="Open Sans" panose="020B0606030504020204" pitchFamily="34" charset="0"/>
-                <a:cs typeface="Open Sans" panose="020B0606030504020204" pitchFamily="34" charset="0"/>
-              </a:defRPr>
-            </a:lvl2pPr>
-            <a:lvl3pPr marL="1143000" indent="-228600" algn="l" defTabSz="914400" rtl="0" eaLnBrk="1" latinLnBrk="0" hangingPunct="1">
-              <a:lnSpc>
-                <a:spcPct val="90000"/>
-              </a:lnSpc>
-              <a:spcBef>
-                <a:spcPts val="600"/>
-              </a:spcBef>
-              <a:spcAft>
-                <a:spcPts val="600"/>
-              </a:spcAft>
-              <a:buClr>
-                <a:schemeClr val="accent2"/>
-              </a:buClr>
-              <a:buFont typeface="Wingdings" pitchFamily="2" charset="2"/>
-              <a:buChar char="§"/>
-              <a:defRPr sz="2000" kern="1200">
-                <a:solidFill>
-                  <a:schemeClr val="tx1"/>
-                </a:solidFill>
-                <a:latin typeface="+mn-lt"/>
-                <a:ea typeface="Open Sans" panose="020B0606030504020204" pitchFamily="34" charset="0"/>
-                <a:cs typeface="Open Sans" panose="020B0606030504020204" pitchFamily="34" charset="0"/>
-              </a:defRPr>
-            </a:lvl3pPr>
-            <a:lvl4pPr marL="1600200" indent="-228600" algn="l" defTabSz="914400" rtl="0" eaLnBrk="1" latinLnBrk="0" hangingPunct="1">
-              <a:lnSpc>
-                <a:spcPct val="90000"/>
-              </a:lnSpc>
-              <a:spcBef>
-                <a:spcPts val="600"/>
-              </a:spcBef>
-              <a:spcAft>
-                <a:spcPts val="600"/>
-              </a:spcAft>
-              <a:buClr>
-                <a:schemeClr val="accent2"/>
-              </a:buClr>
-              <a:buFont typeface="Wingdings" pitchFamily="2" charset="2"/>
-              <a:buChar char="§"/>
-              <a:defRPr sz="1800" kern="1200">
-                <a:solidFill>
-                  <a:schemeClr val="tx1"/>
-                </a:solidFill>
-                <a:latin typeface="+mn-lt"/>
-                <a:ea typeface="Open Sans" panose="020B0606030504020204" pitchFamily="34" charset="0"/>
-                <a:cs typeface="Open Sans" panose="020B0606030504020204" pitchFamily="34" charset="0"/>
-              </a:defRPr>
-            </a:lvl4pPr>
-            <a:lvl5pPr marL="1960563" indent="-225425" algn="l" defTabSz="914400" rtl="0" eaLnBrk="1" latinLnBrk="0" hangingPunct="1">
-              <a:lnSpc>
-                <a:spcPct val="90000"/>
-              </a:lnSpc>
-              <a:spcBef>
-                <a:spcPts val="600"/>
-              </a:spcBef>
-              <a:spcAft>
-                <a:spcPts val="600"/>
-              </a:spcAft>
-              <a:buClr>
-                <a:schemeClr val="accent2"/>
-              </a:buClr>
-              <a:buFont typeface="Wingdings" pitchFamily="2" charset="2"/>
-              <a:buChar char="§"/>
-              <a:tabLst/>
-              <a:defRPr sz="1600" kern="1200">
-                <a:solidFill>
-                  <a:schemeClr val="tx1"/>
-                </a:solidFill>
-                <a:latin typeface="+mn-lt"/>
-                <a:ea typeface="Open Sans" panose="020B0606030504020204" pitchFamily="34" charset="0"/>
-                <a:cs typeface="Open Sans" panose="020B0606030504020204" pitchFamily="34" charset="0"/>
-              </a:defRPr>
-            </a:lvl5pPr>
-            <a:lvl6pPr marL="2514600" indent="-228600" algn="l" defTabSz="914400" rtl="0" eaLnBrk="1" latinLnBrk="0" hangingPunct="1">
-              <a:lnSpc>
-                <a:spcPct val="90000"/>
-              </a:lnSpc>
-              <a:spcBef>
-                <a:spcPts val="500"/>
-              </a:spcBef>
-              <a:buFont typeface="Arial" panose="020B0604020202020204" pitchFamily="34" charset="0"/>
-              <a:buChar char="•"/>
-              <a:defRPr sz="1800" kern="1200">
-                <a:solidFill>
-                  <a:schemeClr val="tx1"/>
-                </a:solidFill>
-                <a:latin typeface="+mn-lt"/>
-                <a:ea typeface="+mn-ea"/>
-                <a:cs typeface="+mn-cs"/>
-              </a:defRPr>
-            </a:lvl6pPr>
-            <a:lvl7pPr marL="2971800" indent="-228600" algn="l" defTabSz="914400" rtl="0" eaLnBrk="1" latinLnBrk="0" hangingPunct="1">
-              <a:lnSpc>
-                <a:spcPct val="90000"/>
-              </a:lnSpc>
-              <a:spcBef>
-                <a:spcPts val="500"/>
-              </a:spcBef>
-              <a:buFont typeface="Arial" panose="020B0604020202020204" pitchFamily="34" charset="0"/>
-              <a:buChar char="•"/>
-              <a:defRPr sz="1800" kern="1200">
-                <a:solidFill>
-                  <a:schemeClr val="tx1"/>
-                </a:solidFill>
-                <a:latin typeface="+mn-lt"/>
-                <a:ea typeface="+mn-ea"/>
-                <a:cs typeface="+mn-cs"/>
-              </a:defRPr>
-            </a:lvl7pPr>
-            <a:lvl8pPr marL="3429000" indent="-228600" algn="l" defTabSz="914400" rtl="0" eaLnBrk="1" latinLnBrk="0" hangingPunct="1">
-              <a:lnSpc>
-                <a:spcPct val="90000"/>
-              </a:lnSpc>
-              <a:spcBef>
-                <a:spcPts val="500"/>
-              </a:spcBef>
-              <a:buFont typeface="Arial" panose="020B0604020202020204" pitchFamily="34" charset="0"/>
-              <a:buChar char="•"/>
-              <a:defRPr sz="1800" kern="1200">
-                <a:solidFill>
-                  <a:schemeClr val="tx1"/>
-                </a:solidFill>
-                <a:latin typeface="+mn-lt"/>
-                <a:ea typeface="+mn-ea"/>
-                <a:cs typeface="+mn-cs"/>
-              </a:defRPr>
-            </a:lvl8pPr>
-            <a:lvl9pPr marL="3886200" indent="-228600" algn="l" defTabSz="914400" rtl="0" eaLnBrk="1" latinLnBrk="0" hangingPunct="1">
-              <a:lnSpc>
-                <a:spcPct val="90000"/>
-              </a:lnSpc>
-              <a:spcBef>
-                <a:spcPts val="500"/>
-              </a:spcBef>
-              <a:buFont typeface="Arial" panose="020B0604020202020204" pitchFamily="34" charset="0"/>
-              <a:buChar char="•"/>
-              <a:defRPr sz="1800" kern="1200">
-                <a:solidFill>
-                  <a:schemeClr val="tx1"/>
-                </a:solidFill>
-                <a:latin typeface="+mn-lt"/>
-                <a:ea typeface="+mn-ea"/>
-                <a:cs typeface="+mn-cs"/>
-              </a:defRPr>
-            </a:lvl9pPr>
-          </a:lstStyle>
-          <a:p>
-            <a:pPr marL="15875" indent="0">
-              <a:buNone/>
-            </a:pPr>
-            <a:r>
-              <a:rPr lang="en-US" sz="1100" dirty="0"/>
-              <a:t>4. </a:t>
-            </a:r>
-            <a:r>
-              <a:rPr kumimoji="0" lang="en-US" altLang="sr-Latn-RS" sz="1100" b="0" i="0" u="none" strike="noStrike" cap="none" normalizeH="0" baseline="0" dirty="0" err="1">
-                <a:ln>
-                  <a:noFill/>
-                </a:ln>
-                <a:solidFill>
-                  <a:schemeClr val="tx1"/>
-                </a:solidFill>
-                <a:effectLst/>
-                <a:latin typeface="Arial" panose="020B0604020202020204" pitchFamily="34" charset="0"/>
-              </a:rPr>
-              <a:t>Pokrenite</a:t>
-            </a:r>
-            <a:r>
-              <a:rPr kumimoji="0" lang="en-US" altLang="sr-Latn-RS" sz="1100" b="0" i="0" u="none" strike="noStrike" cap="none" normalizeH="0" baseline="0" dirty="0">
-                <a:ln>
-                  <a:noFill/>
-                </a:ln>
-                <a:solidFill>
-                  <a:schemeClr val="tx1"/>
-                </a:solidFill>
-                <a:effectLst/>
-                <a:latin typeface="Arial" panose="020B0604020202020204" pitchFamily="34" charset="0"/>
-              </a:rPr>
-              <a:t> </a:t>
-            </a:r>
-            <a:r>
-              <a:rPr kumimoji="0" lang="en-US" altLang="sr-Latn-RS" sz="1100" b="0" i="0" u="none" strike="noStrike" cap="none" normalizeH="0" baseline="0" dirty="0" err="1">
-                <a:ln>
-                  <a:noFill/>
-                </a:ln>
-                <a:solidFill>
-                  <a:schemeClr val="tx1"/>
-                </a:solidFill>
-                <a:effectLst/>
-                <a:latin typeface="Arial" panose="020B0604020202020204" pitchFamily="34" charset="0"/>
-              </a:rPr>
-              <a:t>aplikaciju</a:t>
-            </a:r>
-            <a:endParaRPr lang="en-US" sz="1100" dirty="0"/>
-          </a:p>
-        </p:txBody>
-      </p:sp>
       <p:pic>
         <p:nvPicPr>
-          <p:cNvPr id="23" name="Picture 22">
-            <a:extLst>
-              <a:ext uri="{FF2B5EF4-FFF2-40B4-BE49-F238E27FC236}">
-                <a16:creationId xmlns:a16="http://schemas.microsoft.com/office/drawing/2014/main" id="{8B460A86-1F05-ECAC-DBCE-3A052F04A636}"/>
+          <p:cNvPr id="8" name="Picture 7">
+            <a:extLst>
+              <a:ext uri="{FF2B5EF4-FFF2-40B4-BE49-F238E27FC236}">
+                <a16:creationId xmlns:a16="http://schemas.microsoft.com/office/drawing/2014/main" id="{B521A982-47FD-E6B1-6865-003CB5408C3F}"/>
               </a:ext>
             </a:extLst>
           </p:cNvPr>
@@ -15299,8 +16559,8 @@
         </p:blipFill>
         <p:spPr>
           <a:xfrm>
-            <a:off x="6376100" y="4608713"/>
-            <a:ext cx="1209675" cy="390525"/>
+            <a:off x="1142276" y="2111087"/>
+            <a:ext cx="2019300" cy="819150"/>
           </a:xfrm>
           <a:prstGeom prst="rect">
             <a:avLst/>
@@ -17425,7 +18685,7 @@
           <a:p>
             <a:r>
               <a:rPr lang="en-US" dirty="0"/>
-              <a:t>FLASK – INSOMIA</a:t>
+              <a:t>FLASK – POSTMAN</a:t>
             </a:r>
             <a:endParaRPr lang="hr-HR" dirty="0"/>
           </a:p>
@@ -17729,12 +18989,303 @@
           </a:p>
         </p:txBody>
       </p:sp>
+      <p:sp>
+        <p:nvSpPr>
+          <p:cNvPr id="16" name="Content Placeholder 2">
+            <a:extLst>
+              <a:ext uri="{FF2B5EF4-FFF2-40B4-BE49-F238E27FC236}">
+                <a16:creationId xmlns:a16="http://schemas.microsoft.com/office/drawing/2014/main" id="{89CB5FF9-B982-7953-63CD-049DBE5DD632}"/>
+              </a:ext>
+            </a:extLst>
+          </p:cNvPr>
+          <p:cNvSpPr txBox="1">
+            <a:spLocks/>
+          </p:cNvSpPr>
+          <p:nvPr/>
+        </p:nvSpPr>
+        <p:spPr>
+          <a:xfrm>
+            <a:off x="1174029" y="1318276"/>
+            <a:ext cx="8262365" cy="438315"/>
+          </a:xfrm>
+          <a:prstGeom prst="rect">
+            <a:avLst/>
+          </a:prstGeom>
+        </p:spPr>
+        <p:txBody>
+          <a:bodyPr vert="horz" lIns="91440" tIns="45720" rIns="91440" bIns="45720" rtlCol="0">
+            <a:noAutofit/>
+          </a:bodyPr>
+          <a:lstStyle>
+            <a:lvl1pPr marL="368300" indent="-352425" algn="l" defTabSz="914400" rtl="0" eaLnBrk="1" latinLnBrk="0" hangingPunct="1">
+              <a:lnSpc>
+                <a:spcPct val="90000"/>
+              </a:lnSpc>
+              <a:spcBef>
+                <a:spcPts val="600"/>
+              </a:spcBef>
+              <a:spcAft>
+                <a:spcPts val="600"/>
+              </a:spcAft>
+              <a:buClr>
+                <a:schemeClr val="accent2"/>
+              </a:buClr>
+              <a:buFont typeface="Wingdings" pitchFamily="2" charset="2"/>
+              <a:buChar char="§"/>
+              <a:tabLst/>
+              <a:defRPr sz="2400" kern="1200">
+                <a:solidFill>
+                  <a:schemeClr val="tx1"/>
+                </a:solidFill>
+                <a:latin typeface="+mn-lt"/>
+                <a:ea typeface="Open Sans" panose="020B0606030504020204" pitchFamily="34" charset="0"/>
+                <a:cs typeface="Open Sans" panose="020B0606030504020204" pitchFamily="34" charset="0"/>
+              </a:defRPr>
+            </a:lvl1pPr>
+            <a:lvl2pPr marL="771525" indent="-274638" algn="l" defTabSz="914400" rtl="0" eaLnBrk="1" latinLnBrk="0" hangingPunct="1">
+              <a:lnSpc>
+                <a:spcPct val="90000"/>
+              </a:lnSpc>
+              <a:spcBef>
+                <a:spcPts val="600"/>
+              </a:spcBef>
+              <a:spcAft>
+                <a:spcPts val="600"/>
+              </a:spcAft>
+              <a:buClr>
+                <a:schemeClr val="accent2"/>
+              </a:buClr>
+              <a:buFont typeface="Wingdings" pitchFamily="2" charset="2"/>
+              <a:buChar char="§"/>
+              <a:tabLst/>
+              <a:defRPr sz="2200" kern="1200">
+                <a:solidFill>
+                  <a:schemeClr val="tx1"/>
+                </a:solidFill>
+                <a:latin typeface="+mn-lt"/>
+                <a:ea typeface="Open Sans" panose="020B0606030504020204" pitchFamily="34" charset="0"/>
+                <a:cs typeface="Open Sans" panose="020B0606030504020204" pitchFamily="34" charset="0"/>
+              </a:defRPr>
+            </a:lvl2pPr>
+            <a:lvl3pPr marL="1143000" indent="-228600" algn="l" defTabSz="914400" rtl="0" eaLnBrk="1" latinLnBrk="0" hangingPunct="1">
+              <a:lnSpc>
+                <a:spcPct val="90000"/>
+              </a:lnSpc>
+              <a:spcBef>
+                <a:spcPts val="600"/>
+              </a:spcBef>
+              <a:spcAft>
+                <a:spcPts val="600"/>
+              </a:spcAft>
+              <a:buClr>
+                <a:schemeClr val="accent2"/>
+              </a:buClr>
+              <a:buFont typeface="Wingdings" pitchFamily="2" charset="2"/>
+              <a:buChar char="§"/>
+              <a:defRPr sz="2000" kern="1200">
+                <a:solidFill>
+                  <a:schemeClr val="tx1"/>
+                </a:solidFill>
+                <a:latin typeface="+mn-lt"/>
+                <a:ea typeface="Open Sans" panose="020B0606030504020204" pitchFamily="34" charset="0"/>
+                <a:cs typeface="Open Sans" panose="020B0606030504020204" pitchFamily="34" charset="0"/>
+              </a:defRPr>
+            </a:lvl3pPr>
+            <a:lvl4pPr marL="1600200" indent="-228600" algn="l" defTabSz="914400" rtl="0" eaLnBrk="1" latinLnBrk="0" hangingPunct="1">
+              <a:lnSpc>
+                <a:spcPct val="90000"/>
+              </a:lnSpc>
+              <a:spcBef>
+                <a:spcPts val="600"/>
+              </a:spcBef>
+              <a:spcAft>
+                <a:spcPts val="600"/>
+              </a:spcAft>
+              <a:buClr>
+                <a:schemeClr val="accent2"/>
+              </a:buClr>
+              <a:buFont typeface="Wingdings" pitchFamily="2" charset="2"/>
+              <a:buChar char="§"/>
+              <a:defRPr sz="1800" kern="1200">
+                <a:solidFill>
+                  <a:schemeClr val="tx1"/>
+                </a:solidFill>
+                <a:latin typeface="+mn-lt"/>
+                <a:ea typeface="Open Sans" panose="020B0606030504020204" pitchFamily="34" charset="0"/>
+                <a:cs typeface="Open Sans" panose="020B0606030504020204" pitchFamily="34" charset="0"/>
+              </a:defRPr>
+            </a:lvl4pPr>
+            <a:lvl5pPr marL="1960563" indent="-225425" algn="l" defTabSz="914400" rtl="0" eaLnBrk="1" latinLnBrk="0" hangingPunct="1">
+              <a:lnSpc>
+                <a:spcPct val="90000"/>
+              </a:lnSpc>
+              <a:spcBef>
+                <a:spcPts val="600"/>
+              </a:spcBef>
+              <a:spcAft>
+                <a:spcPts val="600"/>
+              </a:spcAft>
+              <a:buClr>
+                <a:schemeClr val="accent2"/>
+              </a:buClr>
+              <a:buFont typeface="Wingdings" pitchFamily="2" charset="2"/>
+              <a:buChar char="§"/>
+              <a:tabLst/>
+              <a:defRPr sz="1600" kern="1200">
+                <a:solidFill>
+                  <a:schemeClr val="tx1"/>
+                </a:solidFill>
+                <a:latin typeface="+mn-lt"/>
+                <a:ea typeface="Open Sans" panose="020B0606030504020204" pitchFamily="34" charset="0"/>
+                <a:cs typeface="Open Sans" panose="020B0606030504020204" pitchFamily="34" charset="0"/>
+              </a:defRPr>
+            </a:lvl5pPr>
+            <a:lvl6pPr marL="2514600" indent="-228600" algn="l" defTabSz="914400" rtl="0" eaLnBrk="1" latinLnBrk="0" hangingPunct="1">
+              <a:lnSpc>
+                <a:spcPct val="90000"/>
+              </a:lnSpc>
+              <a:spcBef>
+                <a:spcPts val="500"/>
+              </a:spcBef>
+              <a:buFont typeface="Arial" panose="020B0604020202020204" pitchFamily="34" charset="0"/>
+              <a:buChar char="•"/>
+              <a:defRPr sz="1800" kern="1200">
+                <a:solidFill>
+                  <a:schemeClr val="tx1"/>
+                </a:solidFill>
+                <a:latin typeface="+mn-lt"/>
+                <a:ea typeface="+mn-ea"/>
+                <a:cs typeface="+mn-cs"/>
+              </a:defRPr>
+            </a:lvl6pPr>
+            <a:lvl7pPr marL="2971800" indent="-228600" algn="l" defTabSz="914400" rtl="0" eaLnBrk="1" latinLnBrk="0" hangingPunct="1">
+              <a:lnSpc>
+                <a:spcPct val="90000"/>
+              </a:lnSpc>
+              <a:spcBef>
+                <a:spcPts val="500"/>
+              </a:spcBef>
+              <a:buFont typeface="Arial" panose="020B0604020202020204" pitchFamily="34" charset="0"/>
+              <a:buChar char="•"/>
+              <a:defRPr sz="1800" kern="1200">
+                <a:solidFill>
+                  <a:schemeClr val="tx1"/>
+                </a:solidFill>
+                <a:latin typeface="+mn-lt"/>
+                <a:ea typeface="+mn-ea"/>
+                <a:cs typeface="+mn-cs"/>
+              </a:defRPr>
+            </a:lvl7pPr>
+            <a:lvl8pPr marL="3429000" indent="-228600" algn="l" defTabSz="914400" rtl="0" eaLnBrk="1" latinLnBrk="0" hangingPunct="1">
+              <a:lnSpc>
+                <a:spcPct val="90000"/>
+              </a:lnSpc>
+              <a:spcBef>
+                <a:spcPts val="500"/>
+              </a:spcBef>
+              <a:buFont typeface="Arial" panose="020B0604020202020204" pitchFamily="34" charset="0"/>
+              <a:buChar char="•"/>
+              <a:defRPr sz="1800" kern="1200">
+                <a:solidFill>
+                  <a:schemeClr val="tx1"/>
+                </a:solidFill>
+                <a:latin typeface="+mn-lt"/>
+                <a:ea typeface="+mn-ea"/>
+                <a:cs typeface="+mn-cs"/>
+              </a:defRPr>
+            </a:lvl8pPr>
+            <a:lvl9pPr marL="3886200" indent="-228600" algn="l" defTabSz="914400" rtl="0" eaLnBrk="1" latinLnBrk="0" hangingPunct="1">
+              <a:lnSpc>
+                <a:spcPct val="90000"/>
+              </a:lnSpc>
+              <a:spcBef>
+                <a:spcPts val="500"/>
+              </a:spcBef>
+              <a:buFont typeface="Arial" panose="020B0604020202020204" pitchFamily="34" charset="0"/>
+              <a:buChar char="•"/>
+              <a:defRPr sz="1800" kern="1200">
+                <a:solidFill>
+                  <a:schemeClr val="tx1"/>
+                </a:solidFill>
+                <a:latin typeface="+mn-lt"/>
+                <a:ea typeface="+mn-ea"/>
+                <a:cs typeface="+mn-cs"/>
+              </a:defRPr>
+            </a:lvl9pPr>
+          </a:lstStyle>
+          <a:p>
+            <a:pPr marL="15875" indent="0">
+              <a:buNone/>
+            </a:pPr>
+            <a:r>
+              <a:rPr lang="hr-HR" sz="1400" dirty="0"/>
+              <a:t>👉</a:t>
+            </a:r>
+            <a:r>
+              <a:rPr lang="en-US" sz="1400" dirty="0" err="1"/>
+              <a:t>Instalirajte</a:t>
+            </a:r>
+            <a:r>
+              <a:rPr lang="en-US" sz="1400" dirty="0"/>
+              <a:t> </a:t>
+            </a:r>
+            <a:r>
+              <a:rPr lang="en-US" sz="1400" dirty="0" err="1"/>
+              <a:t>Insomia</a:t>
+            </a:r>
+            <a:r>
+              <a:rPr lang="en-US" sz="1400" dirty="0"/>
+              <a:t> program za API </a:t>
+            </a:r>
+            <a:r>
+              <a:rPr lang="en-US" sz="1400" dirty="0" err="1"/>
+              <a:t>okruzenje</a:t>
+            </a:r>
+            <a:r>
+              <a:rPr lang="en-US" sz="1400" dirty="0"/>
+              <a:t> </a:t>
+            </a:r>
+            <a:r>
+              <a:rPr lang="en-US" sz="1400" dirty="0" err="1"/>
+              <a:t>na</a:t>
+            </a:r>
+            <a:r>
+              <a:rPr lang="en-US" sz="1400" dirty="0"/>
+              <a:t> </a:t>
+            </a:r>
+            <a:r>
+              <a:rPr lang="en-US" sz="1400" dirty="0" err="1"/>
+              <a:t>vasem</a:t>
+            </a:r>
+            <a:r>
+              <a:rPr lang="en-US" sz="1400" dirty="0"/>
+              <a:t> </a:t>
+            </a:r>
+            <a:r>
+              <a:rPr lang="en-US" sz="1400" dirty="0" err="1"/>
+              <a:t>lokalnom</a:t>
+            </a:r>
+            <a:r>
+              <a:rPr lang="en-US" sz="1400" dirty="0"/>
+              <a:t> </a:t>
+            </a:r>
+            <a:r>
+              <a:rPr lang="en-US" sz="1400" dirty="0" err="1"/>
+              <a:t>racunalu</a:t>
+            </a:r>
+            <a:r>
+              <a:rPr lang="en-US" sz="1400" dirty="0"/>
+              <a:t> https://www.postman.com/</a:t>
+            </a:r>
+          </a:p>
+        </p:txBody>
+      </p:sp>
       <p:pic>
         <p:nvPicPr>
-          <p:cNvPr id="15" name="Picture 14">
-            <a:extLst>
-              <a:ext uri="{FF2B5EF4-FFF2-40B4-BE49-F238E27FC236}">
-                <a16:creationId xmlns:a16="http://schemas.microsoft.com/office/drawing/2014/main" id="{FA5DC9F3-C878-FE8A-A35D-EB4C92777555}"/>
+          <p:cNvPr id="5" name="Picture 4">
+            <a:extLst>
+              <a:ext uri="{FF2B5EF4-FFF2-40B4-BE49-F238E27FC236}">
+                <a16:creationId xmlns:a16="http://schemas.microsoft.com/office/drawing/2014/main" id="{9468C437-D133-E7C2-6FDF-41A1B9C59770}"/>
               </a:ext>
             </a:extLst>
           </p:cNvPr>
@@ -17751,305 +19302,44 @@
         </p:blipFill>
         <p:spPr>
           <a:xfrm>
-            <a:off x="3437417" y="4159752"/>
-            <a:ext cx="4122332" cy="1512984"/>
+            <a:off x="2293226" y="4562431"/>
+            <a:ext cx="1943100" cy="523875"/>
           </a:xfrm>
           <a:prstGeom prst="rect">
             <a:avLst/>
           </a:prstGeom>
         </p:spPr>
       </p:pic>
-      <p:sp>
-        <p:nvSpPr>
-          <p:cNvPr id="16" name="Content Placeholder 2">
-            <a:extLst>
-              <a:ext uri="{FF2B5EF4-FFF2-40B4-BE49-F238E27FC236}">
-                <a16:creationId xmlns:a16="http://schemas.microsoft.com/office/drawing/2014/main" id="{89CB5FF9-B982-7953-63CD-049DBE5DD632}"/>
-              </a:ext>
-            </a:extLst>
-          </p:cNvPr>
-          <p:cNvSpPr txBox="1">
-            <a:spLocks/>
-          </p:cNvSpPr>
+      <p:pic>
+        <p:nvPicPr>
+          <p:cNvPr id="7" name="Picture 6">
+            <a:extLst>
+              <a:ext uri="{FF2B5EF4-FFF2-40B4-BE49-F238E27FC236}">
+                <a16:creationId xmlns:a16="http://schemas.microsoft.com/office/drawing/2014/main" id="{236D1A6D-A810-5584-85C6-3CF5A576A084}"/>
+              </a:ext>
+            </a:extLst>
+          </p:cNvPr>
+          <p:cNvPicPr>
+            <a:picLocks noChangeAspect="1"/>
+          </p:cNvPicPr>
           <p:nvPr/>
-        </p:nvSpPr>
-        <p:spPr>
-          <a:xfrm>
-            <a:off x="1174029" y="1318276"/>
-            <a:ext cx="8262365" cy="438315"/>
+        </p:nvPicPr>
+        <p:blipFill>
+          <a:blip r:embed="rId4"/>
+          <a:stretch>
+            <a:fillRect/>
+          </a:stretch>
+        </p:blipFill>
+        <p:spPr>
+          <a:xfrm>
+            <a:off x="5166373" y="4115912"/>
+            <a:ext cx="1859253" cy="1576752"/>
           </a:xfrm>
           <a:prstGeom prst="rect">
             <a:avLst/>
           </a:prstGeom>
         </p:spPr>
-        <p:txBody>
-          <a:bodyPr vert="horz" lIns="91440" tIns="45720" rIns="91440" bIns="45720" rtlCol="0">
-            <a:noAutofit/>
-          </a:bodyPr>
-          <a:lstStyle>
-            <a:lvl1pPr marL="368300" indent="-352425" algn="l" defTabSz="914400" rtl="0" eaLnBrk="1" latinLnBrk="0" hangingPunct="1">
-              <a:lnSpc>
-                <a:spcPct val="90000"/>
-              </a:lnSpc>
-              <a:spcBef>
-                <a:spcPts val="600"/>
-              </a:spcBef>
-              <a:spcAft>
-                <a:spcPts val="600"/>
-              </a:spcAft>
-              <a:buClr>
-                <a:schemeClr val="accent2"/>
-              </a:buClr>
-              <a:buFont typeface="Wingdings" pitchFamily="2" charset="2"/>
-              <a:buChar char="§"/>
-              <a:tabLst/>
-              <a:defRPr sz="2400" kern="1200">
-                <a:solidFill>
-                  <a:schemeClr val="tx1"/>
-                </a:solidFill>
-                <a:latin typeface="+mn-lt"/>
-                <a:ea typeface="Open Sans" panose="020B0606030504020204" pitchFamily="34" charset="0"/>
-                <a:cs typeface="Open Sans" panose="020B0606030504020204" pitchFamily="34" charset="0"/>
-              </a:defRPr>
-            </a:lvl1pPr>
-            <a:lvl2pPr marL="771525" indent="-274638" algn="l" defTabSz="914400" rtl="0" eaLnBrk="1" latinLnBrk="0" hangingPunct="1">
-              <a:lnSpc>
-                <a:spcPct val="90000"/>
-              </a:lnSpc>
-              <a:spcBef>
-                <a:spcPts val="600"/>
-              </a:spcBef>
-              <a:spcAft>
-                <a:spcPts val="600"/>
-              </a:spcAft>
-              <a:buClr>
-                <a:schemeClr val="accent2"/>
-              </a:buClr>
-              <a:buFont typeface="Wingdings" pitchFamily="2" charset="2"/>
-              <a:buChar char="§"/>
-              <a:tabLst/>
-              <a:defRPr sz="2200" kern="1200">
-                <a:solidFill>
-                  <a:schemeClr val="tx1"/>
-                </a:solidFill>
-                <a:latin typeface="+mn-lt"/>
-                <a:ea typeface="Open Sans" panose="020B0606030504020204" pitchFamily="34" charset="0"/>
-                <a:cs typeface="Open Sans" panose="020B0606030504020204" pitchFamily="34" charset="0"/>
-              </a:defRPr>
-            </a:lvl2pPr>
-            <a:lvl3pPr marL="1143000" indent="-228600" algn="l" defTabSz="914400" rtl="0" eaLnBrk="1" latinLnBrk="0" hangingPunct="1">
-              <a:lnSpc>
-                <a:spcPct val="90000"/>
-              </a:lnSpc>
-              <a:spcBef>
-                <a:spcPts val="600"/>
-              </a:spcBef>
-              <a:spcAft>
-                <a:spcPts val="600"/>
-              </a:spcAft>
-              <a:buClr>
-                <a:schemeClr val="accent2"/>
-              </a:buClr>
-              <a:buFont typeface="Wingdings" pitchFamily="2" charset="2"/>
-              <a:buChar char="§"/>
-              <a:defRPr sz="2000" kern="1200">
-                <a:solidFill>
-                  <a:schemeClr val="tx1"/>
-                </a:solidFill>
-                <a:latin typeface="+mn-lt"/>
-                <a:ea typeface="Open Sans" panose="020B0606030504020204" pitchFamily="34" charset="0"/>
-                <a:cs typeface="Open Sans" panose="020B0606030504020204" pitchFamily="34" charset="0"/>
-              </a:defRPr>
-            </a:lvl3pPr>
-            <a:lvl4pPr marL="1600200" indent="-228600" algn="l" defTabSz="914400" rtl="0" eaLnBrk="1" latinLnBrk="0" hangingPunct="1">
-              <a:lnSpc>
-                <a:spcPct val="90000"/>
-              </a:lnSpc>
-              <a:spcBef>
-                <a:spcPts val="600"/>
-              </a:spcBef>
-              <a:spcAft>
-                <a:spcPts val="600"/>
-              </a:spcAft>
-              <a:buClr>
-                <a:schemeClr val="accent2"/>
-              </a:buClr>
-              <a:buFont typeface="Wingdings" pitchFamily="2" charset="2"/>
-              <a:buChar char="§"/>
-              <a:defRPr sz="1800" kern="1200">
-                <a:solidFill>
-                  <a:schemeClr val="tx1"/>
-                </a:solidFill>
-                <a:latin typeface="+mn-lt"/>
-                <a:ea typeface="Open Sans" panose="020B0606030504020204" pitchFamily="34" charset="0"/>
-                <a:cs typeface="Open Sans" panose="020B0606030504020204" pitchFamily="34" charset="0"/>
-              </a:defRPr>
-            </a:lvl4pPr>
-            <a:lvl5pPr marL="1960563" indent="-225425" algn="l" defTabSz="914400" rtl="0" eaLnBrk="1" latinLnBrk="0" hangingPunct="1">
-              <a:lnSpc>
-                <a:spcPct val="90000"/>
-              </a:lnSpc>
-              <a:spcBef>
-                <a:spcPts val="600"/>
-              </a:spcBef>
-              <a:spcAft>
-                <a:spcPts val="600"/>
-              </a:spcAft>
-              <a:buClr>
-                <a:schemeClr val="accent2"/>
-              </a:buClr>
-              <a:buFont typeface="Wingdings" pitchFamily="2" charset="2"/>
-              <a:buChar char="§"/>
-              <a:tabLst/>
-              <a:defRPr sz="1600" kern="1200">
-                <a:solidFill>
-                  <a:schemeClr val="tx1"/>
-                </a:solidFill>
-                <a:latin typeface="+mn-lt"/>
-                <a:ea typeface="Open Sans" panose="020B0606030504020204" pitchFamily="34" charset="0"/>
-                <a:cs typeface="Open Sans" panose="020B0606030504020204" pitchFamily="34" charset="0"/>
-              </a:defRPr>
-            </a:lvl5pPr>
-            <a:lvl6pPr marL="2514600" indent="-228600" algn="l" defTabSz="914400" rtl="0" eaLnBrk="1" latinLnBrk="0" hangingPunct="1">
-              <a:lnSpc>
-                <a:spcPct val="90000"/>
-              </a:lnSpc>
-              <a:spcBef>
-                <a:spcPts val="500"/>
-              </a:spcBef>
-              <a:buFont typeface="Arial" panose="020B0604020202020204" pitchFamily="34" charset="0"/>
-              <a:buChar char="•"/>
-              <a:defRPr sz="1800" kern="1200">
-                <a:solidFill>
-                  <a:schemeClr val="tx1"/>
-                </a:solidFill>
-                <a:latin typeface="+mn-lt"/>
-                <a:ea typeface="+mn-ea"/>
-                <a:cs typeface="+mn-cs"/>
-              </a:defRPr>
-            </a:lvl6pPr>
-            <a:lvl7pPr marL="2971800" indent="-228600" algn="l" defTabSz="914400" rtl="0" eaLnBrk="1" latinLnBrk="0" hangingPunct="1">
-              <a:lnSpc>
-                <a:spcPct val="90000"/>
-              </a:lnSpc>
-              <a:spcBef>
-                <a:spcPts val="500"/>
-              </a:spcBef>
-              <a:buFont typeface="Arial" panose="020B0604020202020204" pitchFamily="34" charset="0"/>
-              <a:buChar char="•"/>
-              <a:defRPr sz="1800" kern="1200">
-                <a:solidFill>
-                  <a:schemeClr val="tx1"/>
-                </a:solidFill>
-                <a:latin typeface="+mn-lt"/>
-                <a:ea typeface="+mn-ea"/>
-                <a:cs typeface="+mn-cs"/>
-              </a:defRPr>
-            </a:lvl7pPr>
-            <a:lvl8pPr marL="3429000" indent="-228600" algn="l" defTabSz="914400" rtl="0" eaLnBrk="1" latinLnBrk="0" hangingPunct="1">
-              <a:lnSpc>
-                <a:spcPct val="90000"/>
-              </a:lnSpc>
-              <a:spcBef>
-                <a:spcPts val="500"/>
-              </a:spcBef>
-              <a:buFont typeface="Arial" panose="020B0604020202020204" pitchFamily="34" charset="0"/>
-              <a:buChar char="•"/>
-              <a:defRPr sz="1800" kern="1200">
-                <a:solidFill>
-                  <a:schemeClr val="tx1"/>
-                </a:solidFill>
-                <a:latin typeface="+mn-lt"/>
-                <a:ea typeface="+mn-ea"/>
-                <a:cs typeface="+mn-cs"/>
-              </a:defRPr>
-            </a:lvl8pPr>
-            <a:lvl9pPr marL="3886200" indent="-228600" algn="l" defTabSz="914400" rtl="0" eaLnBrk="1" latinLnBrk="0" hangingPunct="1">
-              <a:lnSpc>
-                <a:spcPct val="90000"/>
-              </a:lnSpc>
-              <a:spcBef>
-                <a:spcPts val="500"/>
-              </a:spcBef>
-              <a:buFont typeface="Arial" panose="020B0604020202020204" pitchFamily="34" charset="0"/>
-              <a:buChar char="•"/>
-              <a:defRPr sz="1800" kern="1200">
-                <a:solidFill>
-                  <a:schemeClr val="tx1"/>
-                </a:solidFill>
-                <a:latin typeface="+mn-lt"/>
-                <a:ea typeface="+mn-ea"/>
-                <a:cs typeface="+mn-cs"/>
-              </a:defRPr>
-            </a:lvl9pPr>
-          </a:lstStyle>
-          <a:p>
-            <a:pPr marL="15875" indent="0">
-              <a:buNone/>
-            </a:pPr>
-            <a:r>
-              <a:rPr lang="hr-HR" sz="1400" dirty="0"/>
-              <a:t>👉</a:t>
-            </a:r>
-            <a:r>
-              <a:rPr lang="en-US" sz="1400" dirty="0" err="1"/>
-              <a:t>Instalirajte</a:t>
-            </a:r>
-            <a:r>
-              <a:rPr lang="en-US" sz="1400" dirty="0"/>
-              <a:t> </a:t>
-            </a:r>
-            <a:r>
-              <a:rPr lang="en-US" sz="1400" dirty="0" err="1"/>
-              <a:t>Insomia</a:t>
-            </a:r>
-            <a:r>
-              <a:rPr lang="en-US" sz="1400" dirty="0"/>
-              <a:t> program za API </a:t>
-            </a:r>
-            <a:r>
-              <a:rPr lang="en-US" sz="1400" dirty="0" err="1"/>
-              <a:t>okruzenje</a:t>
-            </a:r>
-            <a:r>
-              <a:rPr lang="en-US" sz="1400" dirty="0"/>
-              <a:t> </a:t>
-            </a:r>
-            <a:r>
-              <a:rPr lang="en-US" sz="1400" dirty="0" err="1"/>
-              <a:t>na</a:t>
-            </a:r>
-            <a:r>
-              <a:rPr lang="en-US" sz="1400" dirty="0"/>
-              <a:t> </a:t>
-            </a:r>
-            <a:r>
-              <a:rPr lang="en-US" sz="1400" dirty="0" err="1"/>
-              <a:t>vasem</a:t>
-            </a:r>
-            <a:r>
-              <a:rPr lang="en-US" sz="1400" dirty="0"/>
-              <a:t> </a:t>
-            </a:r>
-            <a:r>
-              <a:rPr lang="en-US" sz="1400" dirty="0" err="1"/>
-              <a:t>lokalnom</a:t>
-            </a:r>
-            <a:r>
-              <a:rPr lang="en-US" sz="1400" dirty="0"/>
-              <a:t> </a:t>
-            </a:r>
-            <a:r>
-              <a:rPr lang="en-US" sz="1400" dirty="0" err="1"/>
-              <a:t>racunalu</a:t>
-            </a:r>
-            <a:r>
-              <a:rPr lang="en-US" sz="1400" dirty="0"/>
-              <a:t> https://insomnia.rest/</a:t>
-            </a:r>
-          </a:p>
-        </p:txBody>
-      </p:sp>
+      </p:pic>
     </p:spTree>
     <p:extLst>
       <p:ext uri="{BB962C8B-B14F-4D97-AF65-F5344CB8AC3E}">
@@ -18603,10 +19893,10 @@
       </p:pic>
       <p:pic>
         <p:nvPicPr>
-          <p:cNvPr id="17" name="Picture 16">
-            <a:extLst>
-              <a:ext uri="{FF2B5EF4-FFF2-40B4-BE49-F238E27FC236}">
-                <a16:creationId xmlns:a16="http://schemas.microsoft.com/office/drawing/2014/main" id="{AA98754E-56E6-97E1-8B82-BF1FA0395D9B}"/>
+          <p:cNvPr id="6" name="Picture 5">
+            <a:extLst>
+              <a:ext uri="{FF2B5EF4-FFF2-40B4-BE49-F238E27FC236}">
+                <a16:creationId xmlns:a16="http://schemas.microsoft.com/office/drawing/2014/main" id="{C77F9886-CBD4-265E-DED6-C11DB6F8BDD9}"/>
               </a:ext>
             </a:extLst>
           </p:cNvPr>
@@ -18623,8 +19913,8 @@
         </p:blipFill>
         <p:spPr>
           <a:xfrm>
-            <a:off x="8244441" y="2735309"/>
-            <a:ext cx="2728359" cy="1676985"/>
+            <a:off x="8253637" y="2713011"/>
+            <a:ext cx="3114565" cy="2700822"/>
           </a:xfrm>
           <a:prstGeom prst="rect">
             <a:avLst/>

--- a/Bootcamp/flask/flask.pptx
+++ b/Bootcamp/flask/flask.pptx
@@ -5,7 +5,7 @@
     <p:sldMasterId id="2147483648" r:id="rId4"/>
   </p:sldMasterIdLst>
   <p:notesMasterIdLst>
-    <p:notesMasterId r:id="rId17"/>
+    <p:notesMasterId r:id="rId18"/>
   </p:notesMasterIdLst>
   <p:sldIdLst>
     <p:sldId id="282" r:id="rId5"/>
@@ -20,6 +20,7 @@
     <p:sldId id="418" r:id="rId14"/>
     <p:sldId id="419" r:id="rId15"/>
     <p:sldId id="378" r:id="rId16"/>
+    <p:sldId id="420" r:id="rId17"/>
   </p:sldIdLst>
   <p:sldSz cx="12192000" cy="6858000"/>
   <p:notesSz cx="6858000" cy="9144000"/>
@@ -139,6 +140,7 @@
             <p14:sldId id="418"/>
             <p14:sldId id="419"/>
             <p14:sldId id="378"/>
+            <p14:sldId id="420"/>
           </p14:sldIdLst>
         </p14:section>
       </p14:sectionLst>
@@ -826,6 +828,114 @@
     <p:extLst>
       <p:ext uri="{BB962C8B-B14F-4D97-AF65-F5344CB8AC3E}">
         <p14:creationId xmlns:p14="http://schemas.microsoft.com/office/powerpoint/2010/main" val="978507786"/>
+      </p:ext>
+    </p:extLst>
+  </p:cSld>
+  <p:clrMapOvr>
+    <a:masterClrMapping/>
+  </p:clrMapOvr>
+</p:notes>
+</file>
+
+<file path=ppt/notesSlides/notesSlide12.xml><?xml version="1.0" encoding="utf-8"?>
+<p:notes xmlns:a="http://schemas.openxmlformats.org/drawingml/2006/main" xmlns:r="http://schemas.openxmlformats.org/officeDocument/2006/relationships" xmlns:p="http://schemas.openxmlformats.org/presentationml/2006/main">
+  <p:cSld>
+    <p:spTree>
+      <p:nvGrpSpPr>
+        <p:cNvPr id="1" name="">
+          <a:extLst>
+            <a:ext uri="{FF2B5EF4-FFF2-40B4-BE49-F238E27FC236}">
+              <a16:creationId xmlns:a16="http://schemas.microsoft.com/office/drawing/2014/main" id="{92ED6293-CD00-CE0F-29E0-057637E878FF}"/>
+            </a:ext>
+          </a:extLst>
+        </p:cNvPr>
+        <p:cNvGrpSpPr/>
+        <p:nvPr/>
+      </p:nvGrpSpPr>
+      <p:grpSpPr>
+        <a:xfrm>
+          <a:off x="0" y="0"/>
+          <a:ext cx="0" cy="0"/>
+          <a:chOff x="0" y="0"/>
+          <a:chExt cx="0" cy="0"/>
+        </a:xfrm>
+      </p:grpSpPr>
+      <p:sp>
+        <p:nvSpPr>
+          <p:cNvPr id="2" name="Slide Image Placeholder 1">
+            <a:extLst>
+              <a:ext uri="{FF2B5EF4-FFF2-40B4-BE49-F238E27FC236}">
+                <a16:creationId xmlns:a16="http://schemas.microsoft.com/office/drawing/2014/main" id="{50C36EEE-62BC-2A8F-A641-790A2FEA39B0}"/>
+              </a:ext>
+            </a:extLst>
+          </p:cNvPr>
+          <p:cNvSpPr>
+            <a:spLocks noGrp="1" noRot="1" noChangeAspect="1"/>
+          </p:cNvSpPr>
+          <p:nvPr>
+            <p:ph type="sldImg"/>
+          </p:nvPr>
+        </p:nvSpPr>
+        <p:spPr/>
+      </p:sp>
+      <p:sp>
+        <p:nvSpPr>
+          <p:cNvPr id="3" name="Notes Placeholder 2">
+            <a:extLst>
+              <a:ext uri="{FF2B5EF4-FFF2-40B4-BE49-F238E27FC236}">
+                <a16:creationId xmlns:a16="http://schemas.microsoft.com/office/drawing/2014/main" id="{FDE35C08-BDDA-355C-9531-017563BA3C69}"/>
+              </a:ext>
+            </a:extLst>
+          </p:cNvPr>
+          <p:cNvSpPr>
+            <a:spLocks noGrp="1"/>
+          </p:cNvSpPr>
+          <p:nvPr>
+            <p:ph type="body" idx="1"/>
+          </p:nvPr>
+        </p:nvSpPr>
+        <p:spPr/>
+        <p:txBody>
+          <a:bodyPr/>
+          <a:lstStyle/>
+          <a:p>
+            <a:endParaRPr lang="hr-HR" dirty="0"/>
+          </a:p>
+        </p:txBody>
+      </p:sp>
+      <p:sp>
+        <p:nvSpPr>
+          <p:cNvPr id="4" name="Slide Number Placeholder 3">
+            <a:extLst>
+              <a:ext uri="{FF2B5EF4-FFF2-40B4-BE49-F238E27FC236}">
+                <a16:creationId xmlns:a16="http://schemas.microsoft.com/office/drawing/2014/main" id="{0108D25C-D1AA-608E-809C-CA34A9650DB6}"/>
+              </a:ext>
+            </a:extLst>
+          </p:cNvPr>
+          <p:cNvSpPr>
+            <a:spLocks noGrp="1"/>
+          </p:cNvSpPr>
+          <p:nvPr>
+            <p:ph type="sldNum" sz="quarter" idx="5"/>
+          </p:nvPr>
+        </p:nvSpPr>
+        <p:spPr/>
+        <p:txBody>
+          <a:bodyPr/>
+          <a:lstStyle/>
+          <a:p>
+            <a:fld id="{343B951A-A665-1949-AEDB-B62DC9BE7F13}" type="slidenum">
+              <a:rPr lang="en-US" smtClean="0"/>
+              <a:t>13</a:t>
+            </a:fld>
+            <a:endParaRPr lang="en-US"/>
+          </a:p>
+        </p:txBody>
+      </p:sp>
+    </p:spTree>
+    <p:extLst>
+      <p:ext uri="{BB962C8B-B14F-4D97-AF65-F5344CB8AC3E}">
+        <p14:creationId xmlns:p14="http://schemas.microsoft.com/office/powerpoint/2010/main" val="2872532536"/>
       </p:ext>
     </p:extLst>
   </p:cSld>
@@ -14529,6 +14639,1084 @@
     <p:extLst>
       <p:ext uri="{BB962C8B-B14F-4D97-AF65-F5344CB8AC3E}">
         <p14:creationId xmlns:p14="http://schemas.microsoft.com/office/powerpoint/2010/main" val="4076044860"/>
+      </p:ext>
+    </p:extLst>
+  </p:cSld>
+  <p:clrMapOvr>
+    <a:masterClrMapping/>
+  </p:clrMapOvr>
+</p:sld>
+</file>
+
+<file path=ppt/slides/slide13.xml><?xml version="1.0" encoding="utf-8"?>
+<p:sld xmlns:a="http://schemas.openxmlformats.org/drawingml/2006/main" xmlns:r="http://schemas.openxmlformats.org/officeDocument/2006/relationships" xmlns:p="http://schemas.openxmlformats.org/presentationml/2006/main">
+  <p:cSld>
+    <p:spTree>
+      <p:nvGrpSpPr>
+        <p:cNvPr id="1" name="">
+          <a:extLst>
+            <a:ext uri="{FF2B5EF4-FFF2-40B4-BE49-F238E27FC236}">
+              <a16:creationId xmlns:a16="http://schemas.microsoft.com/office/drawing/2014/main" id="{153ABA7F-8D57-6B00-F5DD-8120B23DCC0D}"/>
+            </a:ext>
+          </a:extLst>
+        </p:cNvPr>
+        <p:cNvGrpSpPr/>
+        <p:nvPr/>
+      </p:nvGrpSpPr>
+      <p:grpSpPr>
+        <a:xfrm>
+          <a:off x="0" y="0"/>
+          <a:ext cx="0" cy="0"/>
+          <a:chOff x="0" y="0"/>
+          <a:chExt cx="0" cy="0"/>
+        </a:xfrm>
+      </p:grpSpPr>
+      <p:sp>
+        <p:nvSpPr>
+          <p:cNvPr id="4" name="Title 1">
+            <a:extLst>
+              <a:ext uri="{FF2B5EF4-FFF2-40B4-BE49-F238E27FC236}">
+                <a16:creationId xmlns:a16="http://schemas.microsoft.com/office/drawing/2014/main" id="{D0A37CEB-7E86-3467-BF06-50E622CE1B48}"/>
+              </a:ext>
+            </a:extLst>
+          </p:cNvPr>
+          <p:cNvSpPr txBox="1">
+            <a:spLocks/>
+          </p:cNvSpPr>
+          <p:nvPr/>
+        </p:nvSpPr>
+        <p:spPr>
+          <a:xfrm>
+            <a:off x="990600" y="383056"/>
+            <a:ext cx="10515600" cy="853976"/>
+          </a:xfrm>
+          <a:prstGeom prst="rect">
+            <a:avLst/>
+          </a:prstGeom>
+        </p:spPr>
+        <p:txBody>
+          <a:bodyPr vert="horz" lIns="91440" tIns="45720" rIns="91440" bIns="45720" rtlCol="0" anchor="ctr">
+            <a:normAutofit/>
+          </a:bodyPr>
+          <a:lstStyle>
+            <a:lvl1pPr algn="l" defTabSz="914400" rtl="0" eaLnBrk="1" latinLnBrk="0" hangingPunct="1">
+              <a:lnSpc>
+                <a:spcPct val="90000"/>
+              </a:lnSpc>
+              <a:spcBef>
+                <a:spcPct val="0"/>
+              </a:spcBef>
+              <a:buNone/>
+              <a:defRPr sz="3600" b="1" i="0" kern="1200" cap="all" baseline="0">
+                <a:solidFill>
+                  <a:schemeClr val="tx2"/>
+                </a:solidFill>
+                <a:latin typeface="+mj-lt"/>
+                <a:ea typeface="Open Sans Semibold" panose="020B0606030504020204" pitchFamily="34" charset="0"/>
+                <a:cs typeface="Open Sans Semibold" panose="020B0606030504020204" pitchFamily="34" charset="0"/>
+              </a:defRPr>
+            </a:lvl1pPr>
+          </a:lstStyle>
+          <a:p>
+            <a:r>
+              <a:rPr lang="en-US" dirty="0"/>
+              <a:t>FLASK – UPDATE AND DELETE</a:t>
+            </a:r>
+            <a:endParaRPr lang="hr-HR" dirty="0"/>
+          </a:p>
+        </p:txBody>
+      </p:sp>
+      <p:sp>
+        <p:nvSpPr>
+          <p:cNvPr id="2" name="Content Placeholder 2">
+            <a:extLst>
+              <a:ext uri="{FF2B5EF4-FFF2-40B4-BE49-F238E27FC236}">
+                <a16:creationId xmlns:a16="http://schemas.microsoft.com/office/drawing/2014/main" id="{A0F9FF11-51B4-A181-2697-C8EAF80B833C}"/>
+              </a:ext>
+            </a:extLst>
+          </p:cNvPr>
+          <p:cNvSpPr txBox="1">
+            <a:spLocks/>
+          </p:cNvSpPr>
+          <p:nvPr/>
+        </p:nvSpPr>
+        <p:spPr>
+          <a:xfrm>
+            <a:off x="990600" y="1237032"/>
+            <a:ext cx="1974646" cy="369895"/>
+          </a:xfrm>
+          <a:prstGeom prst="rect">
+            <a:avLst/>
+          </a:prstGeom>
+        </p:spPr>
+        <p:txBody>
+          <a:bodyPr vert="horz" lIns="91440" tIns="45720" rIns="91440" bIns="45720" rtlCol="0">
+            <a:noAutofit/>
+          </a:bodyPr>
+          <a:lstStyle>
+            <a:lvl1pPr marL="368300" indent="-352425" algn="l" defTabSz="914400" rtl="0" eaLnBrk="1" latinLnBrk="0" hangingPunct="1">
+              <a:lnSpc>
+                <a:spcPct val="90000"/>
+              </a:lnSpc>
+              <a:spcBef>
+                <a:spcPts val="600"/>
+              </a:spcBef>
+              <a:spcAft>
+                <a:spcPts val="600"/>
+              </a:spcAft>
+              <a:buClr>
+                <a:schemeClr val="accent2"/>
+              </a:buClr>
+              <a:buFont typeface="Wingdings" pitchFamily="2" charset="2"/>
+              <a:buChar char="§"/>
+              <a:tabLst/>
+              <a:defRPr sz="2400" kern="1200">
+                <a:solidFill>
+                  <a:schemeClr val="tx1"/>
+                </a:solidFill>
+                <a:latin typeface="+mn-lt"/>
+                <a:ea typeface="Open Sans" panose="020B0606030504020204" pitchFamily="34" charset="0"/>
+                <a:cs typeface="Open Sans" panose="020B0606030504020204" pitchFamily="34" charset="0"/>
+              </a:defRPr>
+            </a:lvl1pPr>
+            <a:lvl2pPr marL="771525" indent="-274638" algn="l" defTabSz="914400" rtl="0" eaLnBrk="1" latinLnBrk="0" hangingPunct="1">
+              <a:lnSpc>
+                <a:spcPct val="90000"/>
+              </a:lnSpc>
+              <a:spcBef>
+                <a:spcPts val="600"/>
+              </a:spcBef>
+              <a:spcAft>
+                <a:spcPts val="600"/>
+              </a:spcAft>
+              <a:buClr>
+                <a:schemeClr val="accent2"/>
+              </a:buClr>
+              <a:buFont typeface="Wingdings" pitchFamily="2" charset="2"/>
+              <a:buChar char="§"/>
+              <a:tabLst/>
+              <a:defRPr sz="2200" kern="1200">
+                <a:solidFill>
+                  <a:schemeClr val="tx1"/>
+                </a:solidFill>
+                <a:latin typeface="+mn-lt"/>
+                <a:ea typeface="Open Sans" panose="020B0606030504020204" pitchFamily="34" charset="0"/>
+                <a:cs typeface="Open Sans" panose="020B0606030504020204" pitchFamily="34" charset="0"/>
+              </a:defRPr>
+            </a:lvl2pPr>
+            <a:lvl3pPr marL="1143000" indent="-228600" algn="l" defTabSz="914400" rtl="0" eaLnBrk="1" latinLnBrk="0" hangingPunct="1">
+              <a:lnSpc>
+                <a:spcPct val="90000"/>
+              </a:lnSpc>
+              <a:spcBef>
+                <a:spcPts val="600"/>
+              </a:spcBef>
+              <a:spcAft>
+                <a:spcPts val="600"/>
+              </a:spcAft>
+              <a:buClr>
+                <a:schemeClr val="accent2"/>
+              </a:buClr>
+              <a:buFont typeface="Wingdings" pitchFamily="2" charset="2"/>
+              <a:buChar char="§"/>
+              <a:defRPr sz="2000" kern="1200">
+                <a:solidFill>
+                  <a:schemeClr val="tx1"/>
+                </a:solidFill>
+                <a:latin typeface="+mn-lt"/>
+                <a:ea typeface="Open Sans" panose="020B0606030504020204" pitchFamily="34" charset="0"/>
+                <a:cs typeface="Open Sans" panose="020B0606030504020204" pitchFamily="34" charset="0"/>
+              </a:defRPr>
+            </a:lvl3pPr>
+            <a:lvl4pPr marL="1600200" indent="-228600" algn="l" defTabSz="914400" rtl="0" eaLnBrk="1" latinLnBrk="0" hangingPunct="1">
+              <a:lnSpc>
+                <a:spcPct val="90000"/>
+              </a:lnSpc>
+              <a:spcBef>
+                <a:spcPts val="600"/>
+              </a:spcBef>
+              <a:spcAft>
+                <a:spcPts val="600"/>
+              </a:spcAft>
+              <a:buClr>
+                <a:schemeClr val="accent2"/>
+              </a:buClr>
+              <a:buFont typeface="Wingdings" pitchFamily="2" charset="2"/>
+              <a:buChar char="§"/>
+              <a:defRPr sz="1800" kern="1200">
+                <a:solidFill>
+                  <a:schemeClr val="tx1"/>
+                </a:solidFill>
+                <a:latin typeface="+mn-lt"/>
+                <a:ea typeface="Open Sans" panose="020B0606030504020204" pitchFamily="34" charset="0"/>
+                <a:cs typeface="Open Sans" panose="020B0606030504020204" pitchFamily="34" charset="0"/>
+              </a:defRPr>
+            </a:lvl4pPr>
+            <a:lvl5pPr marL="1960563" indent="-225425" algn="l" defTabSz="914400" rtl="0" eaLnBrk="1" latinLnBrk="0" hangingPunct="1">
+              <a:lnSpc>
+                <a:spcPct val="90000"/>
+              </a:lnSpc>
+              <a:spcBef>
+                <a:spcPts val="600"/>
+              </a:spcBef>
+              <a:spcAft>
+                <a:spcPts val="600"/>
+              </a:spcAft>
+              <a:buClr>
+                <a:schemeClr val="accent2"/>
+              </a:buClr>
+              <a:buFont typeface="Wingdings" pitchFamily="2" charset="2"/>
+              <a:buChar char="§"/>
+              <a:tabLst/>
+              <a:defRPr sz="1600" kern="1200">
+                <a:solidFill>
+                  <a:schemeClr val="tx1"/>
+                </a:solidFill>
+                <a:latin typeface="+mn-lt"/>
+                <a:ea typeface="Open Sans" panose="020B0606030504020204" pitchFamily="34" charset="0"/>
+                <a:cs typeface="Open Sans" panose="020B0606030504020204" pitchFamily="34" charset="0"/>
+              </a:defRPr>
+            </a:lvl5pPr>
+            <a:lvl6pPr marL="2514600" indent="-228600" algn="l" defTabSz="914400" rtl="0" eaLnBrk="1" latinLnBrk="0" hangingPunct="1">
+              <a:lnSpc>
+                <a:spcPct val="90000"/>
+              </a:lnSpc>
+              <a:spcBef>
+                <a:spcPts val="500"/>
+              </a:spcBef>
+              <a:buFont typeface="Arial" panose="020B0604020202020204" pitchFamily="34" charset="0"/>
+              <a:buChar char="•"/>
+              <a:defRPr sz="1800" kern="1200">
+                <a:solidFill>
+                  <a:schemeClr val="tx1"/>
+                </a:solidFill>
+                <a:latin typeface="+mn-lt"/>
+                <a:ea typeface="+mn-ea"/>
+                <a:cs typeface="+mn-cs"/>
+              </a:defRPr>
+            </a:lvl6pPr>
+            <a:lvl7pPr marL="2971800" indent="-228600" algn="l" defTabSz="914400" rtl="0" eaLnBrk="1" latinLnBrk="0" hangingPunct="1">
+              <a:lnSpc>
+                <a:spcPct val="90000"/>
+              </a:lnSpc>
+              <a:spcBef>
+                <a:spcPts val="500"/>
+              </a:spcBef>
+              <a:buFont typeface="Arial" panose="020B0604020202020204" pitchFamily="34" charset="0"/>
+              <a:buChar char="•"/>
+              <a:defRPr sz="1800" kern="1200">
+                <a:solidFill>
+                  <a:schemeClr val="tx1"/>
+                </a:solidFill>
+                <a:latin typeface="+mn-lt"/>
+                <a:ea typeface="+mn-ea"/>
+                <a:cs typeface="+mn-cs"/>
+              </a:defRPr>
+            </a:lvl7pPr>
+            <a:lvl8pPr marL="3429000" indent="-228600" algn="l" defTabSz="914400" rtl="0" eaLnBrk="1" latinLnBrk="0" hangingPunct="1">
+              <a:lnSpc>
+                <a:spcPct val="90000"/>
+              </a:lnSpc>
+              <a:spcBef>
+                <a:spcPts val="500"/>
+              </a:spcBef>
+              <a:buFont typeface="Arial" panose="020B0604020202020204" pitchFamily="34" charset="0"/>
+              <a:buChar char="•"/>
+              <a:defRPr sz="1800" kern="1200">
+                <a:solidFill>
+                  <a:schemeClr val="tx1"/>
+                </a:solidFill>
+                <a:latin typeface="+mn-lt"/>
+                <a:ea typeface="+mn-ea"/>
+                <a:cs typeface="+mn-cs"/>
+              </a:defRPr>
+            </a:lvl8pPr>
+            <a:lvl9pPr marL="3886200" indent="-228600" algn="l" defTabSz="914400" rtl="0" eaLnBrk="1" latinLnBrk="0" hangingPunct="1">
+              <a:lnSpc>
+                <a:spcPct val="90000"/>
+              </a:lnSpc>
+              <a:spcBef>
+                <a:spcPts val="500"/>
+              </a:spcBef>
+              <a:buFont typeface="Arial" panose="020B0604020202020204" pitchFamily="34" charset="0"/>
+              <a:buChar char="•"/>
+              <a:defRPr sz="1800" kern="1200">
+                <a:solidFill>
+                  <a:schemeClr val="tx1"/>
+                </a:solidFill>
+                <a:latin typeface="+mn-lt"/>
+                <a:ea typeface="+mn-ea"/>
+                <a:cs typeface="+mn-cs"/>
+              </a:defRPr>
+            </a:lvl9pPr>
+          </a:lstStyle>
+          <a:p>
+            <a:pPr marL="15875" indent="0">
+              <a:buNone/>
+            </a:pPr>
+            <a:r>
+              <a:rPr lang="en-US" sz="1400" dirty="0" err="1"/>
+              <a:t>Uredimo</a:t>
+            </a:r>
+            <a:r>
+              <a:rPr lang="en-US" sz="1400" dirty="0"/>
+              <a:t> </a:t>
+            </a:r>
+            <a:r>
+              <a:rPr lang="en-US" sz="1400" dirty="0" err="1"/>
+              <a:t>strukturu</a:t>
+            </a:r>
+            <a:endParaRPr lang="en-US" sz="1400" dirty="0"/>
+          </a:p>
+        </p:txBody>
+      </p:sp>
+      <p:pic>
+        <p:nvPicPr>
+          <p:cNvPr id="5" name="Picture 4">
+            <a:extLst>
+              <a:ext uri="{FF2B5EF4-FFF2-40B4-BE49-F238E27FC236}">
+                <a16:creationId xmlns:a16="http://schemas.microsoft.com/office/drawing/2014/main" id="{497E69F2-B837-3548-7236-C0162C322ADF}"/>
+              </a:ext>
+            </a:extLst>
+          </p:cNvPr>
+          <p:cNvPicPr>
+            <a:picLocks noChangeAspect="1"/>
+          </p:cNvPicPr>
+          <p:nvPr/>
+        </p:nvPicPr>
+        <p:blipFill>
+          <a:blip r:embed="rId3"/>
+          <a:stretch>
+            <a:fillRect/>
+          </a:stretch>
+        </p:blipFill>
+        <p:spPr>
+          <a:xfrm>
+            <a:off x="1146995" y="1622322"/>
+            <a:ext cx="973425" cy="1069104"/>
+          </a:xfrm>
+          <a:prstGeom prst="rect">
+            <a:avLst/>
+          </a:prstGeom>
+        </p:spPr>
+      </p:pic>
+      <p:grpSp>
+        <p:nvGrpSpPr>
+          <p:cNvPr id="27" name="Group 26">
+            <a:extLst>
+              <a:ext uri="{FF2B5EF4-FFF2-40B4-BE49-F238E27FC236}">
+                <a16:creationId xmlns:a16="http://schemas.microsoft.com/office/drawing/2014/main" id="{69D00DE7-6BB1-ABA4-BA24-A4E75A17410B}"/>
+              </a:ext>
+            </a:extLst>
+          </p:cNvPr>
+          <p:cNvGrpSpPr/>
+          <p:nvPr/>
+        </p:nvGrpSpPr>
+        <p:grpSpPr>
+          <a:xfrm>
+            <a:off x="1146995" y="3223115"/>
+            <a:ext cx="3377826" cy="1111660"/>
+            <a:chOff x="1146995" y="3038168"/>
+            <a:chExt cx="3377826" cy="1111660"/>
+          </a:xfrm>
+        </p:grpSpPr>
+        <p:pic>
+          <p:nvPicPr>
+            <p:cNvPr id="7" name="Picture 6">
+              <a:extLst>
+                <a:ext uri="{FF2B5EF4-FFF2-40B4-BE49-F238E27FC236}">
+                  <a16:creationId xmlns:a16="http://schemas.microsoft.com/office/drawing/2014/main" id="{F65F448D-E094-C72D-165D-2670425E8DA1}"/>
+                </a:ext>
+              </a:extLst>
+            </p:cNvPr>
+            <p:cNvPicPr>
+              <a:picLocks noChangeAspect="1"/>
+            </p:cNvPicPr>
+            <p:nvPr/>
+          </p:nvPicPr>
+          <p:blipFill>
+            <a:blip r:embed="rId4"/>
+            <a:stretch>
+              <a:fillRect/>
+            </a:stretch>
+          </p:blipFill>
+          <p:spPr>
+            <a:xfrm>
+              <a:off x="3568188" y="3038168"/>
+              <a:ext cx="956633" cy="1111660"/>
+            </a:xfrm>
+            <a:prstGeom prst="rect">
+              <a:avLst/>
+            </a:prstGeom>
+          </p:spPr>
+        </p:pic>
+        <p:pic>
+          <p:nvPicPr>
+            <p:cNvPr id="10" name="Picture 9">
+              <a:extLst>
+                <a:ext uri="{FF2B5EF4-FFF2-40B4-BE49-F238E27FC236}">
+                  <a16:creationId xmlns:a16="http://schemas.microsoft.com/office/drawing/2014/main" id="{03B2D524-E318-079F-F431-490F13B2C7B7}"/>
+                </a:ext>
+              </a:extLst>
+            </p:cNvPr>
+            <p:cNvPicPr>
+              <a:picLocks noChangeAspect="1"/>
+            </p:cNvPicPr>
+            <p:nvPr/>
+          </p:nvPicPr>
+          <p:blipFill>
+            <a:blip r:embed="rId5"/>
+            <a:stretch>
+              <a:fillRect/>
+            </a:stretch>
+          </p:blipFill>
+          <p:spPr>
+            <a:xfrm>
+              <a:off x="1146995" y="3133289"/>
+              <a:ext cx="1914525" cy="921418"/>
+            </a:xfrm>
+            <a:prstGeom prst="rect">
+              <a:avLst/>
+            </a:prstGeom>
+          </p:spPr>
+        </p:pic>
+      </p:grpSp>
+      <p:grpSp>
+        <p:nvGrpSpPr>
+          <p:cNvPr id="28" name="Group 27">
+            <a:extLst>
+              <a:ext uri="{FF2B5EF4-FFF2-40B4-BE49-F238E27FC236}">
+                <a16:creationId xmlns:a16="http://schemas.microsoft.com/office/drawing/2014/main" id="{0B50AEB8-978B-2490-25BB-9CCE75420761}"/>
+              </a:ext>
+            </a:extLst>
+          </p:cNvPr>
+          <p:cNvGrpSpPr/>
+          <p:nvPr/>
+        </p:nvGrpSpPr>
+        <p:grpSpPr>
+          <a:xfrm>
+            <a:off x="6582152" y="3469910"/>
+            <a:ext cx="3377826" cy="1016807"/>
+            <a:chOff x="6660361" y="4464676"/>
+            <a:chExt cx="3377826" cy="1016807"/>
+          </a:xfrm>
+        </p:grpSpPr>
+        <p:pic>
+          <p:nvPicPr>
+            <p:cNvPr id="13" name="Picture 12">
+              <a:extLst>
+                <a:ext uri="{FF2B5EF4-FFF2-40B4-BE49-F238E27FC236}">
+                  <a16:creationId xmlns:a16="http://schemas.microsoft.com/office/drawing/2014/main" id="{8B8757F3-FAA9-BAC8-F6B2-BE1836E91611}"/>
+                </a:ext>
+              </a:extLst>
+            </p:cNvPr>
+            <p:cNvPicPr>
+              <a:picLocks noChangeAspect="1"/>
+            </p:cNvPicPr>
+            <p:nvPr/>
+          </p:nvPicPr>
+          <p:blipFill>
+            <a:blip r:embed="rId6"/>
+            <a:stretch>
+              <a:fillRect/>
+            </a:stretch>
+          </p:blipFill>
+          <p:spPr>
+            <a:xfrm>
+              <a:off x="9151916" y="4464676"/>
+              <a:ext cx="886271" cy="1016807"/>
+            </a:xfrm>
+            <a:prstGeom prst="rect">
+              <a:avLst/>
+            </a:prstGeom>
+          </p:spPr>
+        </p:pic>
+        <p:pic>
+          <p:nvPicPr>
+            <p:cNvPr id="16" name="Picture 15">
+              <a:extLst>
+                <a:ext uri="{FF2B5EF4-FFF2-40B4-BE49-F238E27FC236}">
+                  <a16:creationId xmlns:a16="http://schemas.microsoft.com/office/drawing/2014/main" id="{F1DB6581-39E9-1DA7-92DE-C9B762E9D6E6}"/>
+                </a:ext>
+              </a:extLst>
+            </p:cNvPr>
+            <p:cNvPicPr>
+              <a:picLocks noChangeAspect="1"/>
+            </p:cNvPicPr>
+            <p:nvPr/>
+          </p:nvPicPr>
+          <p:blipFill>
+            <a:blip r:embed="rId7"/>
+            <a:stretch>
+              <a:fillRect/>
+            </a:stretch>
+          </p:blipFill>
+          <p:spPr>
+            <a:xfrm>
+              <a:off x="6660361" y="4557186"/>
+              <a:ext cx="2161560" cy="867500"/>
+            </a:xfrm>
+            <a:prstGeom prst="rect">
+              <a:avLst/>
+            </a:prstGeom>
+          </p:spPr>
+        </p:pic>
+      </p:grpSp>
+      <p:grpSp>
+        <p:nvGrpSpPr>
+          <p:cNvPr id="29" name="Group 28">
+            <a:extLst>
+              <a:ext uri="{FF2B5EF4-FFF2-40B4-BE49-F238E27FC236}">
+                <a16:creationId xmlns:a16="http://schemas.microsoft.com/office/drawing/2014/main" id="{FD8EF1E7-0C79-DC68-EB2F-FC694F08DC56}"/>
+              </a:ext>
+            </a:extLst>
+          </p:cNvPr>
+          <p:cNvGrpSpPr/>
+          <p:nvPr/>
+        </p:nvGrpSpPr>
+        <p:grpSpPr>
+          <a:xfrm>
+            <a:off x="6582152" y="1445282"/>
+            <a:ext cx="3789787" cy="1753475"/>
+            <a:chOff x="6248400" y="1384422"/>
+            <a:chExt cx="3789787" cy="1753475"/>
+          </a:xfrm>
+        </p:grpSpPr>
+        <p:pic>
+          <p:nvPicPr>
+            <p:cNvPr id="18" name="Picture 17">
+              <a:extLst>
+                <a:ext uri="{FF2B5EF4-FFF2-40B4-BE49-F238E27FC236}">
+                  <a16:creationId xmlns:a16="http://schemas.microsoft.com/office/drawing/2014/main" id="{5BFDBAD2-815F-C55B-582F-63E7D18359AA}"/>
+                </a:ext>
+              </a:extLst>
+            </p:cNvPr>
+            <p:cNvPicPr>
+              <a:picLocks noChangeAspect="1"/>
+            </p:cNvPicPr>
+            <p:nvPr/>
+          </p:nvPicPr>
+          <p:blipFill>
+            <a:blip r:embed="rId8"/>
+            <a:stretch>
+              <a:fillRect/>
+            </a:stretch>
+          </p:blipFill>
+          <p:spPr>
+            <a:xfrm>
+              <a:off x="6248400" y="1840523"/>
+              <a:ext cx="2027289" cy="850903"/>
+            </a:xfrm>
+            <a:prstGeom prst="rect">
+              <a:avLst/>
+            </a:prstGeom>
+          </p:spPr>
+        </p:pic>
+        <p:pic>
+          <p:nvPicPr>
+            <p:cNvPr id="22" name="Picture 21">
+              <a:extLst>
+                <a:ext uri="{FF2B5EF4-FFF2-40B4-BE49-F238E27FC236}">
+                  <a16:creationId xmlns:a16="http://schemas.microsoft.com/office/drawing/2014/main" id="{C97C24E0-8A27-B1A8-DAA1-A091D20D6225}"/>
+                </a:ext>
+              </a:extLst>
+            </p:cNvPr>
+            <p:cNvPicPr>
+              <a:picLocks noChangeAspect="1"/>
+            </p:cNvPicPr>
+            <p:nvPr/>
+          </p:nvPicPr>
+          <p:blipFill>
+            <a:blip r:embed="rId9"/>
+            <a:stretch>
+              <a:fillRect/>
+            </a:stretch>
+          </p:blipFill>
+          <p:spPr>
+            <a:xfrm>
+              <a:off x="8749527" y="1384422"/>
+              <a:ext cx="1288660" cy="1753475"/>
+            </a:xfrm>
+            <a:prstGeom prst="rect">
+              <a:avLst/>
+            </a:prstGeom>
+          </p:spPr>
+        </p:pic>
+      </p:grpSp>
+      <p:sp>
+        <p:nvSpPr>
+          <p:cNvPr id="23" name="Content Placeholder 2">
+            <a:extLst>
+              <a:ext uri="{FF2B5EF4-FFF2-40B4-BE49-F238E27FC236}">
+                <a16:creationId xmlns:a16="http://schemas.microsoft.com/office/drawing/2014/main" id="{B56F8366-E62A-042D-04B1-DA172A8C9309}"/>
+              </a:ext>
+            </a:extLst>
+          </p:cNvPr>
+          <p:cNvSpPr txBox="1">
+            <a:spLocks/>
+          </p:cNvSpPr>
+          <p:nvPr/>
+        </p:nvSpPr>
+        <p:spPr>
+          <a:xfrm>
+            <a:off x="1086874" y="3038167"/>
+            <a:ext cx="1974646" cy="369895"/>
+          </a:xfrm>
+          <a:prstGeom prst="rect">
+            <a:avLst/>
+          </a:prstGeom>
+        </p:spPr>
+        <p:txBody>
+          <a:bodyPr vert="horz" lIns="91440" tIns="45720" rIns="91440" bIns="45720" rtlCol="0">
+            <a:noAutofit/>
+          </a:bodyPr>
+          <a:lstStyle>
+            <a:lvl1pPr marL="368300" indent="-352425" algn="l" defTabSz="914400" rtl="0" eaLnBrk="1" latinLnBrk="0" hangingPunct="1">
+              <a:lnSpc>
+                <a:spcPct val="90000"/>
+              </a:lnSpc>
+              <a:spcBef>
+                <a:spcPts val="600"/>
+              </a:spcBef>
+              <a:spcAft>
+                <a:spcPts val="600"/>
+              </a:spcAft>
+              <a:buClr>
+                <a:schemeClr val="accent2"/>
+              </a:buClr>
+              <a:buFont typeface="Wingdings" pitchFamily="2" charset="2"/>
+              <a:buChar char="§"/>
+              <a:tabLst/>
+              <a:defRPr sz="2400" kern="1200">
+                <a:solidFill>
+                  <a:schemeClr val="tx1"/>
+                </a:solidFill>
+                <a:latin typeface="+mn-lt"/>
+                <a:ea typeface="Open Sans" panose="020B0606030504020204" pitchFamily="34" charset="0"/>
+                <a:cs typeface="Open Sans" panose="020B0606030504020204" pitchFamily="34" charset="0"/>
+              </a:defRPr>
+            </a:lvl1pPr>
+            <a:lvl2pPr marL="771525" indent="-274638" algn="l" defTabSz="914400" rtl="0" eaLnBrk="1" latinLnBrk="0" hangingPunct="1">
+              <a:lnSpc>
+                <a:spcPct val="90000"/>
+              </a:lnSpc>
+              <a:spcBef>
+                <a:spcPts val="600"/>
+              </a:spcBef>
+              <a:spcAft>
+                <a:spcPts val="600"/>
+              </a:spcAft>
+              <a:buClr>
+                <a:schemeClr val="accent2"/>
+              </a:buClr>
+              <a:buFont typeface="Wingdings" pitchFamily="2" charset="2"/>
+              <a:buChar char="§"/>
+              <a:tabLst/>
+              <a:defRPr sz="2200" kern="1200">
+                <a:solidFill>
+                  <a:schemeClr val="tx1"/>
+                </a:solidFill>
+                <a:latin typeface="+mn-lt"/>
+                <a:ea typeface="Open Sans" panose="020B0606030504020204" pitchFamily="34" charset="0"/>
+                <a:cs typeface="Open Sans" panose="020B0606030504020204" pitchFamily="34" charset="0"/>
+              </a:defRPr>
+            </a:lvl2pPr>
+            <a:lvl3pPr marL="1143000" indent="-228600" algn="l" defTabSz="914400" rtl="0" eaLnBrk="1" latinLnBrk="0" hangingPunct="1">
+              <a:lnSpc>
+                <a:spcPct val="90000"/>
+              </a:lnSpc>
+              <a:spcBef>
+                <a:spcPts val="600"/>
+              </a:spcBef>
+              <a:spcAft>
+                <a:spcPts val="600"/>
+              </a:spcAft>
+              <a:buClr>
+                <a:schemeClr val="accent2"/>
+              </a:buClr>
+              <a:buFont typeface="Wingdings" pitchFamily="2" charset="2"/>
+              <a:buChar char="§"/>
+              <a:defRPr sz="2000" kern="1200">
+                <a:solidFill>
+                  <a:schemeClr val="tx1"/>
+                </a:solidFill>
+                <a:latin typeface="+mn-lt"/>
+                <a:ea typeface="Open Sans" panose="020B0606030504020204" pitchFamily="34" charset="0"/>
+                <a:cs typeface="Open Sans" panose="020B0606030504020204" pitchFamily="34" charset="0"/>
+              </a:defRPr>
+            </a:lvl3pPr>
+            <a:lvl4pPr marL="1600200" indent="-228600" algn="l" defTabSz="914400" rtl="0" eaLnBrk="1" latinLnBrk="0" hangingPunct="1">
+              <a:lnSpc>
+                <a:spcPct val="90000"/>
+              </a:lnSpc>
+              <a:spcBef>
+                <a:spcPts val="600"/>
+              </a:spcBef>
+              <a:spcAft>
+                <a:spcPts val="600"/>
+              </a:spcAft>
+              <a:buClr>
+                <a:schemeClr val="accent2"/>
+              </a:buClr>
+              <a:buFont typeface="Wingdings" pitchFamily="2" charset="2"/>
+              <a:buChar char="§"/>
+              <a:defRPr sz="1800" kern="1200">
+                <a:solidFill>
+                  <a:schemeClr val="tx1"/>
+                </a:solidFill>
+                <a:latin typeface="+mn-lt"/>
+                <a:ea typeface="Open Sans" panose="020B0606030504020204" pitchFamily="34" charset="0"/>
+                <a:cs typeface="Open Sans" panose="020B0606030504020204" pitchFamily="34" charset="0"/>
+              </a:defRPr>
+            </a:lvl4pPr>
+            <a:lvl5pPr marL="1960563" indent="-225425" algn="l" defTabSz="914400" rtl="0" eaLnBrk="1" latinLnBrk="0" hangingPunct="1">
+              <a:lnSpc>
+                <a:spcPct val="90000"/>
+              </a:lnSpc>
+              <a:spcBef>
+                <a:spcPts val="600"/>
+              </a:spcBef>
+              <a:spcAft>
+                <a:spcPts val="600"/>
+              </a:spcAft>
+              <a:buClr>
+                <a:schemeClr val="accent2"/>
+              </a:buClr>
+              <a:buFont typeface="Wingdings" pitchFamily="2" charset="2"/>
+              <a:buChar char="§"/>
+              <a:tabLst/>
+              <a:defRPr sz="1600" kern="1200">
+                <a:solidFill>
+                  <a:schemeClr val="tx1"/>
+                </a:solidFill>
+                <a:latin typeface="+mn-lt"/>
+                <a:ea typeface="Open Sans" panose="020B0606030504020204" pitchFamily="34" charset="0"/>
+                <a:cs typeface="Open Sans" panose="020B0606030504020204" pitchFamily="34" charset="0"/>
+              </a:defRPr>
+            </a:lvl5pPr>
+            <a:lvl6pPr marL="2514600" indent="-228600" algn="l" defTabSz="914400" rtl="0" eaLnBrk="1" latinLnBrk="0" hangingPunct="1">
+              <a:lnSpc>
+                <a:spcPct val="90000"/>
+              </a:lnSpc>
+              <a:spcBef>
+                <a:spcPts val="500"/>
+              </a:spcBef>
+              <a:buFont typeface="Arial" panose="020B0604020202020204" pitchFamily="34" charset="0"/>
+              <a:buChar char="•"/>
+              <a:defRPr sz="1800" kern="1200">
+                <a:solidFill>
+                  <a:schemeClr val="tx1"/>
+                </a:solidFill>
+                <a:latin typeface="+mn-lt"/>
+                <a:ea typeface="+mn-ea"/>
+                <a:cs typeface="+mn-cs"/>
+              </a:defRPr>
+            </a:lvl6pPr>
+            <a:lvl7pPr marL="2971800" indent="-228600" algn="l" defTabSz="914400" rtl="0" eaLnBrk="1" latinLnBrk="0" hangingPunct="1">
+              <a:lnSpc>
+                <a:spcPct val="90000"/>
+              </a:lnSpc>
+              <a:spcBef>
+                <a:spcPts val="500"/>
+              </a:spcBef>
+              <a:buFont typeface="Arial" panose="020B0604020202020204" pitchFamily="34" charset="0"/>
+              <a:buChar char="•"/>
+              <a:defRPr sz="1800" kern="1200">
+                <a:solidFill>
+                  <a:schemeClr val="tx1"/>
+                </a:solidFill>
+                <a:latin typeface="+mn-lt"/>
+                <a:ea typeface="+mn-ea"/>
+                <a:cs typeface="+mn-cs"/>
+              </a:defRPr>
+            </a:lvl7pPr>
+            <a:lvl8pPr marL="3429000" indent="-228600" algn="l" defTabSz="914400" rtl="0" eaLnBrk="1" latinLnBrk="0" hangingPunct="1">
+              <a:lnSpc>
+                <a:spcPct val="90000"/>
+              </a:lnSpc>
+              <a:spcBef>
+                <a:spcPts val="500"/>
+              </a:spcBef>
+              <a:buFont typeface="Arial" panose="020B0604020202020204" pitchFamily="34" charset="0"/>
+              <a:buChar char="•"/>
+              <a:defRPr sz="1800" kern="1200">
+                <a:solidFill>
+                  <a:schemeClr val="tx1"/>
+                </a:solidFill>
+                <a:latin typeface="+mn-lt"/>
+                <a:ea typeface="+mn-ea"/>
+                <a:cs typeface="+mn-cs"/>
+              </a:defRPr>
+            </a:lvl8pPr>
+            <a:lvl9pPr marL="3886200" indent="-228600" algn="l" defTabSz="914400" rtl="0" eaLnBrk="1" latinLnBrk="0" hangingPunct="1">
+              <a:lnSpc>
+                <a:spcPct val="90000"/>
+              </a:lnSpc>
+              <a:spcBef>
+                <a:spcPts val="500"/>
+              </a:spcBef>
+              <a:buFont typeface="Arial" panose="020B0604020202020204" pitchFamily="34" charset="0"/>
+              <a:buChar char="•"/>
+              <a:defRPr sz="1800" kern="1200">
+                <a:solidFill>
+                  <a:schemeClr val="tx1"/>
+                </a:solidFill>
+                <a:latin typeface="+mn-lt"/>
+                <a:ea typeface="+mn-ea"/>
+                <a:cs typeface="+mn-cs"/>
+              </a:defRPr>
+            </a:lvl9pPr>
+          </a:lstStyle>
+          <a:p>
+            <a:pPr marL="15875" indent="0">
+              <a:buNone/>
+            </a:pPr>
+            <a:r>
+              <a:rPr lang="en-US" sz="1400" dirty="0"/>
+              <a:t>UPDATE (PUT)</a:t>
+            </a:r>
+          </a:p>
+        </p:txBody>
+      </p:sp>
+      <p:sp>
+        <p:nvSpPr>
+          <p:cNvPr id="30" name="Content Placeholder 2">
+            <a:extLst>
+              <a:ext uri="{FF2B5EF4-FFF2-40B4-BE49-F238E27FC236}">
+                <a16:creationId xmlns:a16="http://schemas.microsoft.com/office/drawing/2014/main" id="{9EE4A228-A0D8-7340-F7CE-CEAA64B1583C}"/>
+              </a:ext>
+            </a:extLst>
+          </p:cNvPr>
+          <p:cNvSpPr txBox="1">
+            <a:spLocks/>
+          </p:cNvSpPr>
+          <p:nvPr/>
+        </p:nvSpPr>
+        <p:spPr>
+          <a:xfrm>
+            <a:off x="6502400" y="1260335"/>
+            <a:ext cx="1974646" cy="369895"/>
+          </a:xfrm>
+          <a:prstGeom prst="rect">
+            <a:avLst/>
+          </a:prstGeom>
+        </p:spPr>
+        <p:txBody>
+          <a:bodyPr vert="horz" lIns="91440" tIns="45720" rIns="91440" bIns="45720" rtlCol="0">
+            <a:noAutofit/>
+          </a:bodyPr>
+          <a:lstStyle>
+            <a:lvl1pPr marL="368300" indent="-352425" algn="l" defTabSz="914400" rtl="0" eaLnBrk="1" latinLnBrk="0" hangingPunct="1">
+              <a:lnSpc>
+                <a:spcPct val="90000"/>
+              </a:lnSpc>
+              <a:spcBef>
+                <a:spcPts val="600"/>
+              </a:spcBef>
+              <a:spcAft>
+                <a:spcPts val="600"/>
+              </a:spcAft>
+              <a:buClr>
+                <a:schemeClr val="accent2"/>
+              </a:buClr>
+              <a:buFont typeface="Wingdings" pitchFamily="2" charset="2"/>
+              <a:buChar char="§"/>
+              <a:tabLst/>
+              <a:defRPr sz="2400" kern="1200">
+                <a:solidFill>
+                  <a:schemeClr val="tx1"/>
+                </a:solidFill>
+                <a:latin typeface="+mn-lt"/>
+                <a:ea typeface="Open Sans" panose="020B0606030504020204" pitchFamily="34" charset="0"/>
+                <a:cs typeface="Open Sans" panose="020B0606030504020204" pitchFamily="34" charset="0"/>
+              </a:defRPr>
+            </a:lvl1pPr>
+            <a:lvl2pPr marL="771525" indent="-274638" algn="l" defTabSz="914400" rtl="0" eaLnBrk="1" latinLnBrk="0" hangingPunct="1">
+              <a:lnSpc>
+                <a:spcPct val="90000"/>
+              </a:lnSpc>
+              <a:spcBef>
+                <a:spcPts val="600"/>
+              </a:spcBef>
+              <a:spcAft>
+                <a:spcPts val="600"/>
+              </a:spcAft>
+              <a:buClr>
+                <a:schemeClr val="accent2"/>
+              </a:buClr>
+              <a:buFont typeface="Wingdings" pitchFamily="2" charset="2"/>
+              <a:buChar char="§"/>
+              <a:tabLst/>
+              <a:defRPr sz="2200" kern="1200">
+                <a:solidFill>
+                  <a:schemeClr val="tx1"/>
+                </a:solidFill>
+                <a:latin typeface="+mn-lt"/>
+                <a:ea typeface="Open Sans" panose="020B0606030504020204" pitchFamily="34" charset="0"/>
+                <a:cs typeface="Open Sans" panose="020B0606030504020204" pitchFamily="34" charset="0"/>
+              </a:defRPr>
+            </a:lvl2pPr>
+            <a:lvl3pPr marL="1143000" indent="-228600" algn="l" defTabSz="914400" rtl="0" eaLnBrk="1" latinLnBrk="0" hangingPunct="1">
+              <a:lnSpc>
+                <a:spcPct val="90000"/>
+              </a:lnSpc>
+              <a:spcBef>
+                <a:spcPts val="600"/>
+              </a:spcBef>
+              <a:spcAft>
+                <a:spcPts val="600"/>
+              </a:spcAft>
+              <a:buClr>
+                <a:schemeClr val="accent2"/>
+              </a:buClr>
+              <a:buFont typeface="Wingdings" pitchFamily="2" charset="2"/>
+              <a:buChar char="§"/>
+              <a:defRPr sz="2000" kern="1200">
+                <a:solidFill>
+                  <a:schemeClr val="tx1"/>
+                </a:solidFill>
+                <a:latin typeface="+mn-lt"/>
+                <a:ea typeface="Open Sans" panose="020B0606030504020204" pitchFamily="34" charset="0"/>
+                <a:cs typeface="Open Sans" panose="020B0606030504020204" pitchFamily="34" charset="0"/>
+              </a:defRPr>
+            </a:lvl3pPr>
+            <a:lvl4pPr marL="1600200" indent="-228600" algn="l" defTabSz="914400" rtl="0" eaLnBrk="1" latinLnBrk="0" hangingPunct="1">
+              <a:lnSpc>
+                <a:spcPct val="90000"/>
+              </a:lnSpc>
+              <a:spcBef>
+                <a:spcPts val="600"/>
+              </a:spcBef>
+              <a:spcAft>
+                <a:spcPts val="600"/>
+              </a:spcAft>
+              <a:buClr>
+                <a:schemeClr val="accent2"/>
+              </a:buClr>
+              <a:buFont typeface="Wingdings" pitchFamily="2" charset="2"/>
+              <a:buChar char="§"/>
+              <a:defRPr sz="1800" kern="1200">
+                <a:solidFill>
+                  <a:schemeClr val="tx1"/>
+                </a:solidFill>
+                <a:latin typeface="+mn-lt"/>
+                <a:ea typeface="Open Sans" panose="020B0606030504020204" pitchFamily="34" charset="0"/>
+                <a:cs typeface="Open Sans" panose="020B0606030504020204" pitchFamily="34" charset="0"/>
+              </a:defRPr>
+            </a:lvl4pPr>
+            <a:lvl5pPr marL="1960563" indent="-225425" algn="l" defTabSz="914400" rtl="0" eaLnBrk="1" latinLnBrk="0" hangingPunct="1">
+              <a:lnSpc>
+                <a:spcPct val="90000"/>
+              </a:lnSpc>
+              <a:spcBef>
+                <a:spcPts val="600"/>
+              </a:spcBef>
+              <a:spcAft>
+                <a:spcPts val="600"/>
+              </a:spcAft>
+              <a:buClr>
+                <a:schemeClr val="accent2"/>
+              </a:buClr>
+              <a:buFont typeface="Wingdings" pitchFamily="2" charset="2"/>
+              <a:buChar char="§"/>
+              <a:tabLst/>
+              <a:defRPr sz="1600" kern="1200">
+                <a:solidFill>
+                  <a:schemeClr val="tx1"/>
+                </a:solidFill>
+                <a:latin typeface="+mn-lt"/>
+                <a:ea typeface="Open Sans" panose="020B0606030504020204" pitchFamily="34" charset="0"/>
+                <a:cs typeface="Open Sans" panose="020B0606030504020204" pitchFamily="34" charset="0"/>
+              </a:defRPr>
+            </a:lvl5pPr>
+            <a:lvl6pPr marL="2514600" indent="-228600" algn="l" defTabSz="914400" rtl="0" eaLnBrk="1" latinLnBrk="0" hangingPunct="1">
+              <a:lnSpc>
+                <a:spcPct val="90000"/>
+              </a:lnSpc>
+              <a:spcBef>
+                <a:spcPts val="500"/>
+              </a:spcBef>
+              <a:buFont typeface="Arial" panose="020B0604020202020204" pitchFamily="34" charset="0"/>
+              <a:buChar char="•"/>
+              <a:defRPr sz="1800" kern="1200">
+                <a:solidFill>
+                  <a:schemeClr val="tx1"/>
+                </a:solidFill>
+                <a:latin typeface="+mn-lt"/>
+                <a:ea typeface="+mn-ea"/>
+                <a:cs typeface="+mn-cs"/>
+              </a:defRPr>
+            </a:lvl6pPr>
+            <a:lvl7pPr marL="2971800" indent="-228600" algn="l" defTabSz="914400" rtl="0" eaLnBrk="1" latinLnBrk="0" hangingPunct="1">
+              <a:lnSpc>
+                <a:spcPct val="90000"/>
+              </a:lnSpc>
+              <a:spcBef>
+                <a:spcPts val="500"/>
+              </a:spcBef>
+              <a:buFont typeface="Arial" panose="020B0604020202020204" pitchFamily="34" charset="0"/>
+              <a:buChar char="•"/>
+              <a:defRPr sz="1800" kern="1200">
+                <a:solidFill>
+                  <a:schemeClr val="tx1"/>
+                </a:solidFill>
+                <a:latin typeface="+mn-lt"/>
+                <a:ea typeface="+mn-ea"/>
+                <a:cs typeface="+mn-cs"/>
+              </a:defRPr>
+            </a:lvl7pPr>
+            <a:lvl8pPr marL="3429000" indent="-228600" algn="l" defTabSz="914400" rtl="0" eaLnBrk="1" latinLnBrk="0" hangingPunct="1">
+              <a:lnSpc>
+                <a:spcPct val="90000"/>
+              </a:lnSpc>
+              <a:spcBef>
+                <a:spcPts val="500"/>
+              </a:spcBef>
+              <a:buFont typeface="Arial" panose="020B0604020202020204" pitchFamily="34" charset="0"/>
+              <a:buChar char="•"/>
+              <a:defRPr sz="1800" kern="1200">
+                <a:solidFill>
+                  <a:schemeClr val="tx1"/>
+                </a:solidFill>
+                <a:latin typeface="+mn-lt"/>
+                <a:ea typeface="+mn-ea"/>
+                <a:cs typeface="+mn-cs"/>
+              </a:defRPr>
+            </a:lvl8pPr>
+            <a:lvl9pPr marL="3886200" indent="-228600" algn="l" defTabSz="914400" rtl="0" eaLnBrk="1" latinLnBrk="0" hangingPunct="1">
+              <a:lnSpc>
+                <a:spcPct val="90000"/>
+              </a:lnSpc>
+              <a:spcBef>
+                <a:spcPts val="500"/>
+              </a:spcBef>
+              <a:buFont typeface="Arial" panose="020B0604020202020204" pitchFamily="34" charset="0"/>
+              <a:buChar char="•"/>
+              <a:defRPr sz="1800" kern="1200">
+                <a:solidFill>
+                  <a:schemeClr val="tx1"/>
+                </a:solidFill>
+                <a:latin typeface="+mn-lt"/>
+                <a:ea typeface="+mn-ea"/>
+                <a:cs typeface="+mn-cs"/>
+              </a:defRPr>
+            </a:lvl9pPr>
+          </a:lstStyle>
+          <a:p>
+            <a:pPr marL="15875" indent="0">
+              <a:buNone/>
+            </a:pPr>
+            <a:r>
+              <a:rPr lang="en-US" sz="1400" dirty="0"/>
+              <a:t>DELETE</a:t>
+            </a:r>
+          </a:p>
+        </p:txBody>
+      </p:sp>
+    </p:spTree>
+    <p:extLst>
+      <p:ext uri="{BB962C8B-B14F-4D97-AF65-F5344CB8AC3E}">
+        <p14:creationId xmlns:p14="http://schemas.microsoft.com/office/powerpoint/2010/main" val="1011301594"/>
       </p:ext>
     </p:extLst>
   </p:cSld>
@@ -21693,17 +22881,6 @@
 </file>
 
 <file path=customXml/item1.xml><?xml version="1.0" encoding="utf-8"?>
-<p:properties xmlns:p="http://schemas.microsoft.com/office/2006/metadata/properties" xmlns:xsi="http://www.w3.org/2001/XMLSchema-instance" xmlns:pc="http://schemas.microsoft.com/office/infopath/2007/PartnerControls">
-  <documentManagement>
-    <lcf76f155ced4ddcb4097134ff3c332f xmlns="40806f44-bc4a-4ea4-b660-c6da93f8f179">
-      <Terms xmlns="http://schemas.microsoft.com/office/infopath/2007/PartnerControls"/>
-    </lcf76f155ced4ddcb4097134ff3c332f>
-    <TaxCatchAll xmlns="758d0d8f-b783-4c78-ab73-9740c97b97cf" xsi:nil="true"/>
-  </documentManagement>
-</p:properties>
-</file>
-
-<file path=customXml/item2.xml><?xml version="1.0" encoding="utf-8"?>
 <ct:contentTypeSchema xmlns:ct="http://schemas.microsoft.com/office/2006/metadata/contentType" xmlns:ma="http://schemas.microsoft.com/office/2006/metadata/properties/metaAttributes" ct:_="" ma:_="" ma:contentTypeName="Document" ma:contentTypeID="0x010100E4F55D9EF0BF0A44B819E681FCAC00B7" ma:contentTypeVersion="12" ma:contentTypeDescription="Create a new document." ma:contentTypeScope="" ma:versionID="068ce121a7a7a0aebcb89dd601c4f0a2">
   <xsd:schema xmlns:xsd="http://www.w3.org/2001/XMLSchema" xmlns:xs="http://www.w3.org/2001/XMLSchema" xmlns:p="http://schemas.microsoft.com/office/2006/metadata/properties" xmlns:ns2="40806f44-bc4a-4ea4-b660-c6da93f8f179" xmlns:ns3="758d0d8f-b783-4c78-ab73-9740c97b97cf" targetNamespace="http://schemas.microsoft.com/office/2006/metadata/properties" ma:root="true" ma:fieldsID="67c58e6c5c8ea9af0822acd84d25e1a2" ns2:_="" ns3:_="">
     <xsd:import namespace="40806f44-bc4a-4ea4-b660-c6da93f8f179"/>
@@ -21920,6 +23097,17 @@
 </ct:contentTypeSchema>
 </file>
 
+<file path=customXml/item2.xml><?xml version="1.0" encoding="utf-8"?>
+<p:properties xmlns:p="http://schemas.microsoft.com/office/2006/metadata/properties" xmlns:xsi="http://www.w3.org/2001/XMLSchema-instance" xmlns:pc="http://schemas.microsoft.com/office/infopath/2007/PartnerControls">
+  <documentManagement>
+    <lcf76f155ced4ddcb4097134ff3c332f xmlns="40806f44-bc4a-4ea4-b660-c6da93f8f179">
+      <Terms xmlns="http://schemas.microsoft.com/office/infopath/2007/PartnerControls"/>
+    </lcf76f155ced4ddcb4097134ff3c332f>
+    <TaxCatchAll xmlns="758d0d8f-b783-4c78-ab73-9740c97b97cf" xsi:nil="true"/>
+  </documentManagement>
+</p:properties>
+</file>
+
 <file path=customXml/item3.xml><?xml version="1.0" encoding="utf-8"?>
 <?mso-contentType ?>
 <FormTemplates xmlns="http://schemas.microsoft.com/sharepoint/v3/contenttype/forms">
@@ -21930,23 +23118,6 @@
 </file>
 
 <file path=customXml/itemProps1.xml><?xml version="1.0" encoding="utf-8"?>
-<ds:datastoreItem xmlns:ds="http://schemas.openxmlformats.org/officeDocument/2006/customXml" ds:itemID="{61E72F81-8533-461E-8E71-A6D77294CFEF}">
-  <ds:schemaRefs>
-    <ds:schemaRef ds:uri="http://purl.org/dc/elements/1.1/"/>
-    <ds:schemaRef ds:uri="http://www.w3.org/XML/1998/namespace"/>
-    <ds:schemaRef ds:uri="http://purl.org/dc/terms/"/>
-    <ds:schemaRef ds:uri="http://schemas.microsoft.com/office/2006/documentManagement/types"/>
-    <ds:schemaRef ds:uri="40806f44-bc4a-4ea4-b660-c6da93f8f179"/>
-    <ds:schemaRef ds:uri="http://schemas.openxmlformats.org/package/2006/metadata/core-properties"/>
-    <ds:schemaRef ds:uri="http://purl.org/dc/dcmitype/"/>
-    <ds:schemaRef ds:uri="http://schemas.microsoft.com/office/infopath/2007/PartnerControls"/>
-    <ds:schemaRef ds:uri="758d0d8f-b783-4c78-ab73-9740c97b97cf"/>
-    <ds:schemaRef ds:uri="http://schemas.microsoft.com/office/2006/metadata/properties"/>
-  </ds:schemaRefs>
-</ds:datastoreItem>
-</file>
-
-<file path=customXml/itemProps2.xml><?xml version="1.0" encoding="utf-8"?>
 <ds:datastoreItem xmlns:ds="http://schemas.openxmlformats.org/officeDocument/2006/customXml" ds:itemID="{4E6AED0F-96FF-4C7F-8AC9-672C91BFCDFE}">
   <ds:schemaRefs>
     <ds:schemaRef ds:uri="http://schemas.microsoft.com/office/2006/metadata/contentType"/>
@@ -21965,6 +23136,23 @@
 </ds:datastoreItem>
 </file>
 
+<file path=customXml/itemProps2.xml><?xml version="1.0" encoding="utf-8"?>
+<ds:datastoreItem xmlns:ds="http://schemas.openxmlformats.org/officeDocument/2006/customXml" ds:itemID="{61E72F81-8533-461E-8E71-A6D77294CFEF}">
+  <ds:schemaRefs>
+    <ds:schemaRef ds:uri="http://purl.org/dc/elements/1.1/"/>
+    <ds:schemaRef ds:uri="http://www.w3.org/XML/1998/namespace"/>
+    <ds:schemaRef ds:uri="http://purl.org/dc/terms/"/>
+    <ds:schemaRef ds:uri="http://schemas.microsoft.com/office/2006/documentManagement/types"/>
+    <ds:schemaRef ds:uri="40806f44-bc4a-4ea4-b660-c6da93f8f179"/>
+    <ds:schemaRef ds:uri="http://schemas.openxmlformats.org/package/2006/metadata/core-properties"/>
+    <ds:schemaRef ds:uri="http://purl.org/dc/dcmitype/"/>
+    <ds:schemaRef ds:uri="http://schemas.microsoft.com/office/infopath/2007/PartnerControls"/>
+    <ds:schemaRef ds:uri="758d0d8f-b783-4c78-ab73-9740c97b97cf"/>
+    <ds:schemaRef ds:uri="http://schemas.microsoft.com/office/2006/metadata/properties"/>
+  </ds:schemaRefs>
+</ds:datastoreItem>
+</file>
+
 <file path=customXml/itemProps3.xml><?xml version="1.0" encoding="utf-8"?>
 <ds:datastoreItem xmlns:ds="http://schemas.openxmlformats.org/officeDocument/2006/customXml" ds:itemID="{46915D30-CAA6-465E-907F-1770D4E3B01D}">
   <ds:schemaRefs>

--- a/Bootcamp/flask/flask.pptx
+++ b/Bootcamp/flask/flask.pptx
@@ -5,7 +5,7 @@
     <p:sldMasterId id="2147483648" r:id="rId4"/>
   </p:sldMasterIdLst>
   <p:notesMasterIdLst>
-    <p:notesMasterId r:id="rId18"/>
+    <p:notesMasterId r:id="rId22"/>
   </p:notesMasterIdLst>
   <p:sldIdLst>
     <p:sldId id="282" r:id="rId5"/>
@@ -21,6 +21,10 @@
     <p:sldId id="419" r:id="rId15"/>
     <p:sldId id="378" r:id="rId16"/>
     <p:sldId id="420" r:id="rId17"/>
+    <p:sldId id="421" r:id="rId18"/>
+    <p:sldId id="422" r:id="rId19"/>
+    <p:sldId id="423" r:id="rId20"/>
+    <p:sldId id="424" r:id="rId21"/>
   </p:sldIdLst>
   <p:sldSz cx="12192000" cy="6858000"/>
   <p:notesSz cx="6858000" cy="9144000"/>
@@ -141,6 +145,10 @@
             <p14:sldId id="419"/>
             <p14:sldId id="378"/>
             <p14:sldId id="420"/>
+            <p14:sldId id="421"/>
+            <p14:sldId id="422"/>
+            <p14:sldId id="423"/>
+            <p14:sldId id="424"/>
           </p14:sldIdLst>
         </p14:section>
       </p14:sectionLst>
@@ -936,6 +944,438 @@
     <p:extLst>
       <p:ext uri="{BB962C8B-B14F-4D97-AF65-F5344CB8AC3E}">
         <p14:creationId xmlns:p14="http://schemas.microsoft.com/office/powerpoint/2010/main" val="2872532536"/>
+      </p:ext>
+    </p:extLst>
+  </p:cSld>
+  <p:clrMapOvr>
+    <a:masterClrMapping/>
+  </p:clrMapOvr>
+</p:notes>
+</file>
+
+<file path=ppt/notesSlides/notesSlide13.xml><?xml version="1.0" encoding="utf-8"?>
+<p:notes xmlns:a="http://schemas.openxmlformats.org/drawingml/2006/main" xmlns:r="http://schemas.openxmlformats.org/officeDocument/2006/relationships" xmlns:p="http://schemas.openxmlformats.org/presentationml/2006/main">
+  <p:cSld>
+    <p:spTree>
+      <p:nvGrpSpPr>
+        <p:cNvPr id="1" name="">
+          <a:extLst>
+            <a:ext uri="{FF2B5EF4-FFF2-40B4-BE49-F238E27FC236}">
+              <a16:creationId xmlns:a16="http://schemas.microsoft.com/office/drawing/2014/main" id="{8860BB6E-9308-6A04-76A4-A50CFA57D400}"/>
+            </a:ext>
+          </a:extLst>
+        </p:cNvPr>
+        <p:cNvGrpSpPr/>
+        <p:nvPr/>
+      </p:nvGrpSpPr>
+      <p:grpSpPr>
+        <a:xfrm>
+          <a:off x="0" y="0"/>
+          <a:ext cx="0" cy="0"/>
+          <a:chOff x="0" y="0"/>
+          <a:chExt cx="0" cy="0"/>
+        </a:xfrm>
+      </p:grpSpPr>
+      <p:sp>
+        <p:nvSpPr>
+          <p:cNvPr id="2" name="Slide Image Placeholder 1">
+            <a:extLst>
+              <a:ext uri="{FF2B5EF4-FFF2-40B4-BE49-F238E27FC236}">
+                <a16:creationId xmlns:a16="http://schemas.microsoft.com/office/drawing/2014/main" id="{F423C2DA-12E8-AD67-FE76-8F38B8DE5E39}"/>
+              </a:ext>
+            </a:extLst>
+          </p:cNvPr>
+          <p:cNvSpPr>
+            <a:spLocks noGrp="1" noRot="1" noChangeAspect="1"/>
+          </p:cNvSpPr>
+          <p:nvPr>
+            <p:ph type="sldImg"/>
+          </p:nvPr>
+        </p:nvSpPr>
+        <p:spPr/>
+      </p:sp>
+      <p:sp>
+        <p:nvSpPr>
+          <p:cNvPr id="3" name="Notes Placeholder 2">
+            <a:extLst>
+              <a:ext uri="{FF2B5EF4-FFF2-40B4-BE49-F238E27FC236}">
+                <a16:creationId xmlns:a16="http://schemas.microsoft.com/office/drawing/2014/main" id="{96212969-D8FE-E81C-25C7-CCBBE9B3CB5D}"/>
+              </a:ext>
+            </a:extLst>
+          </p:cNvPr>
+          <p:cNvSpPr>
+            <a:spLocks noGrp="1"/>
+          </p:cNvSpPr>
+          <p:nvPr>
+            <p:ph type="body" idx="1"/>
+          </p:nvPr>
+        </p:nvSpPr>
+        <p:spPr/>
+        <p:txBody>
+          <a:bodyPr/>
+          <a:lstStyle/>
+          <a:p>
+            <a:endParaRPr lang="hr-HR" dirty="0"/>
+          </a:p>
+        </p:txBody>
+      </p:sp>
+      <p:sp>
+        <p:nvSpPr>
+          <p:cNvPr id="4" name="Slide Number Placeholder 3">
+            <a:extLst>
+              <a:ext uri="{FF2B5EF4-FFF2-40B4-BE49-F238E27FC236}">
+                <a16:creationId xmlns:a16="http://schemas.microsoft.com/office/drawing/2014/main" id="{A34067B1-1B41-7CDE-88E1-82DAB220F4AA}"/>
+              </a:ext>
+            </a:extLst>
+          </p:cNvPr>
+          <p:cNvSpPr>
+            <a:spLocks noGrp="1"/>
+          </p:cNvSpPr>
+          <p:nvPr>
+            <p:ph type="sldNum" sz="quarter" idx="5"/>
+          </p:nvPr>
+        </p:nvSpPr>
+        <p:spPr/>
+        <p:txBody>
+          <a:bodyPr/>
+          <a:lstStyle/>
+          <a:p>
+            <a:fld id="{343B951A-A665-1949-AEDB-B62DC9BE7F13}" type="slidenum">
+              <a:rPr lang="en-US" smtClean="0"/>
+              <a:t>14</a:t>
+            </a:fld>
+            <a:endParaRPr lang="en-US"/>
+          </a:p>
+        </p:txBody>
+      </p:sp>
+    </p:spTree>
+    <p:extLst>
+      <p:ext uri="{BB962C8B-B14F-4D97-AF65-F5344CB8AC3E}">
+        <p14:creationId xmlns:p14="http://schemas.microsoft.com/office/powerpoint/2010/main" val="4111851945"/>
+      </p:ext>
+    </p:extLst>
+  </p:cSld>
+  <p:clrMapOvr>
+    <a:masterClrMapping/>
+  </p:clrMapOvr>
+</p:notes>
+</file>
+
+<file path=ppt/notesSlides/notesSlide14.xml><?xml version="1.0" encoding="utf-8"?>
+<p:notes xmlns:a="http://schemas.openxmlformats.org/drawingml/2006/main" xmlns:r="http://schemas.openxmlformats.org/officeDocument/2006/relationships" xmlns:p="http://schemas.openxmlformats.org/presentationml/2006/main">
+  <p:cSld>
+    <p:spTree>
+      <p:nvGrpSpPr>
+        <p:cNvPr id="1" name="">
+          <a:extLst>
+            <a:ext uri="{FF2B5EF4-FFF2-40B4-BE49-F238E27FC236}">
+              <a16:creationId xmlns:a16="http://schemas.microsoft.com/office/drawing/2014/main" id="{6A25077C-23AD-FC7D-1C74-E2AF44168C05}"/>
+            </a:ext>
+          </a:extLst>
+        </p:cNvPr>
+        <p:cNvGrpSpPr/>
+        <p:nvPr/>
+      </p:nvGrpSpPr>
+      <p:grpSpPr>
+        <a:xfrm>
+          <a:off x="0" y="0"/>
+          <a:ext cx="0" cy="0"/>
+          <a:chOff x="0" y="0"/>
+          <a:chExt cx="0" cy="0"/>
+        </a:xfrm>
+      </p:grpSpPr>
+      <p:sp>
+        <p:nvSpPr>
+          <p:cNvPr id="2" name="Slide Image Placeholder 1">
+            <a:extLst>
+              <a:ext uri="{FF2B5EF4-FFF2-40B4-BE49-F238E27FC236}">
+                <a16:creationId xmlns:a16="http://schemas.microsoft.com/office/drawing/2014/main" id="{21E35EE9-B272-6066-9AEC-4D23D9316B95}"/>
+              </a:ext>
+            </a:extLst>
+          </p:cNvPr>
+          <p:cNvSpPr>
+            <a:spLocks noGrp="1" noRot="1" noChangeAspect="1"/>
+          </p:cNvSpPr>
+          <p:nvPr>
+            <p:ph type="sldImg"/>
+          </p:nvPr>
+        </p:nvSpPr>
+        <p:spPr/>
+      </p:sp>
+      <p:sp>
+        <p:nvSpPr>
+          <p:cNvPr id="3" name="Notes Placeholder 2">
+            <a:extLst>
+              <a:ext uri="{FF2B5EF4-FFF2-40B4-BE49-F238E27FC236}">
+                <a16:creationId xmlns:a16="http://schemas.microsoft.com/office/drawing/2014/main" id="{0024D492-E9D0-82FD-18D5-59067E0F5D48}"/>
+              </a:ext>
+            </a:extLst>
+          </p:cNvPr>
+          <p:cNvSpPr>
+            <a:spLocks noGrp="1"/>
+          </p:cNvSpPr>
+          <p:nvPr>
+            <p:ph type="body" idx="1"/>
+          </p:nvPr>
+        </p:nvSpPr>
+        <p:spPr/>
+        <p:txBody>
+          <a:bodyPr/>
+          <a:lstStyle/>
+          <a:p>
+            <a:endParaRPr lang="hr-HR" dirty="0"/>
+          </a:p>
+        </p:txBody>
+      </p:sp>
+      <p:sp>
+        <p:nvSpPr>
+          <p:cNvPr id="4" name="Slide Number Placeholder 3">
+            <a:extLst>
+              <a:ext uri="{FF2B5EF4-FFF2-40B4-BE49-F238E27FC236}">
+                <a16:creationId xmlns:a16="http://schemas.microsoft.com/office/drawing/2014/main" id="{1FF0A75D-FD16-00F3-87B3-36916D24AF36}"/>
+              </a:ext>
+            </a:extLst>
+          </p:cNvPr>
+          <p:cNvSpPr>
+            <a:spLocks noGrp="1"/>
+          </p:cNvSpPr>
+          <p:nvPr>
+            <p:ph type="sldNum" sz="quarter" idx="5"/>
+          </p:nvPr>
+        </p:nvSpPr>
+        <p:spPr/>
+        <p:txBody>
+          <a:bodyPr/>
+          <a:lstStyle/>
+          <a:p>
+            <a:fld id="{343B951A-A665-1949-AEDB-B62DC9BE7F13}" type="slidenum">
+              <a:rPr lang="en-US" smtClean="0"/>
+              <a:t>15</a:t>
+            </a:fld>
+            <a:endParaRPr lang="en-US"/>
+          </a:p>
+        </p:txBody>
+      </p:sp>
+    </p:spTree>
+    <p:extLst>
+      <p:ext uri="{BB962C8B-B14F-4D97-AF65-F5344CB8AC3E}">
+        <p14:creationId xmlns:p14="http://schemas.microsoft.com/office/powerpoint/2010/main" val="2923490592"/>
+      </p:ext>
+    </p:extLst>
+  </p:cSld>
+  <p:clrMapOvr>
+    <a:masterClrMapping/>
+  </p:clrMapOvr>
+</p:notes>
+</file>
+
+<file path=ppt/notesSlides/notesSlide15.xml><?xml version="1.0" encoding="utf-8"?>
+<p:notes xmlns:a="http://schemas.openxmlformats.org/drawingml/2006/main" xmlns:r="http://schemas.openxmlformats.org/officeDocument/2006/relationships" xmlns:p="http://schemas.openxmlformats.org/presentationml/2006/main">
+  <p:cSld>
+    <p:spTree>
+      <p:nvGrpSpPr>
+        <p:cNvPr id="1" name="">
+          <a:extLst>
+            <a:ext uri="{FF2B5EF4-FFF2-40B4-BE49-F238E27FC236}">
+              <a16:creationId xmlns:a16="http://schemas.microsoft.com/office/drawing/2014/main" id="{11D0EE57-1469-42E4-B8B0-82C5C1C7EF2B}"/>
+            </a:ext>
+          </a:extLst>
+        </p:cNvPr>
+        <p:cNvGrpSpPr/>
+        <p:nvPr/>
+      </p:nvGrpSpPr>
+      <p:grpSpPr>
+        <a:xfrm>
+          <a:off x="0" y="0"/>
+          <a:ext cx="0" cy="0"/>
+          <a:chOff x="0" y="0"/>
+          <a:chExt cx="0" cy="0"/>
+        </a:xfrm>
+      </p:grpSpPr>
+      <p:sp>
+        <p:nvSpPr>
+          <p:cNvPr id="2" name="Slide Image Placeholder 1">
+            <a:extLst>
+              <a:ext uri="{FF2B5EF4-FFF2-40B4-BE49-F238E27FC236}">
+                <a16:creationId xmlns:a16="http://schemas.microsoft.com/office/drawing/2014/main" id="{CA5C2866-F12E-CF97-7F72-37BC60B552E3}"/>
+              </a:ext>
+            </a:extLst>
+          </p:cNvPr>
+          <p:cNvSpPr>
+            <a:spLocks noGrp="1" noRot="1" noChangeAspect="1"/>
+          </p:cNvSpPr>
+          <p:nvPr>
+            <p:ph type="sldImg"/>
+          </p:nvPr>
+        </p:nvSpPr>
+        <p:spPr/>
+      </p:sp>
+      <p:sp>
+        <p:nvSpPr>
+          <p:cNvPr id="3" name="Notes Placeholder 2">
+            <a:extLst>
+              <a:ext uri="{FF2B5EF4-FFF2-40B4-BE49-F238E27FC236}">
+                <a16:creationId xmlns:a16="http://schemas.microsoft.com/office/drawing/2014/main" id="{24282659-7A33-D7A1-8E11-2C096D8C67F3}"/>
+              </a:ext>
+            </a:extLst>
+          </p:cNvPr>
+          <p:cNvSpPr>
+            <a:spLocks noGrp="1"/>
+          </p:cNvSpPr>
+          <p:nvPr>
+            <p:ph type="body" idx="1"/>
+          </p:nvPr>
+        </p:nvSpPr>
+        <p:spPr/>
+        <p:txBody>
+          <a:bodyPr/>
+          <a:lstStyle/>
+          <a:p>
+            <a:endParaRPr lang="hr-HR" dirty="0"/>
+          </a:p>
+        </p:txBody>
+      </p:sp>
+      <p:sp>
+        <p:nvSpPr>
+          <p:cNvPr id="4" name="Slide Number Placeholder 3">
+            <a:extLst>
+              <a:ext uri="{FF2B5EF4-FFF2-40B4-BE49-F238E27FC236}">
+                <a16:creationId xmlns:a16="http://schemas.microsoft.com/office/drawing/2014/main" id="{FB85F7B2-C611-E31D-78F2-1F270AC7EB0D}"/>
+              </a:ext>
+            </a:extLst>
+          </p:cNvPr>
+          <p:cNvSpPr>
+            <a:spLocks noGrp="1"/>
+          </p:cNvSpPr>
+          <p:nvPr>
+            <p:ph type="sldNum" sz="quarter" idx="5"/>
+          </p:nvPr>
+        </p:nvSpPr>
+        <p:spPr/>
+        <p:txBody>
+          <a:bodyPr/>
+          <a:lstStyle/>
+          <a:p>
+            <a:fld id="{343B951A-A665-1949-AEDB-B62DC9BE7F13}" type="slidenum">
+              <a:rPr lang="en-US" smtClean="0"/>
+              <a:t>16</a:t>
+            </a:fld>
+            <a:endParaRPr lang="en-US"/>
+          </a:p>
+        </p:txBody>
+      </p:sp>
+    </p:spTree>
+    <p:extLst>
+      <p:ext uri="{BB962C8B-B14F-4D97-AF65-F5344CB8AC3E}">
+        <p14:creationId xmlns:p14="http://schemas.microsoft.com/office/powerpoint/2010/main" val="3812790686"/>
+      </p:ext>
+    </p:extLst>
+  </p:cSld>
+  <p:clrMapOvr>
+    <a:masterClrMapping/>
+  </p:clrMapOvr>
+</p:notes>
+</file>
+
+<file path=ppt/notesSlides/notesSlide16.xml><?xml version="1.0" encoding="utf-8"?>
+<p:notes xmlns:a="http://schemas.openxmlformats.org/drawingml/2006/main" xmlns:r="http://schemas.openxmlformats.org/officeDocument/2006/relationships" xmlns:p="http://schemas.openxmlformats.org/presentationml/2006/main">
+  <p:cSld>
+    <p:spTree>
+      <p:nvGrpSpPr>
+        <p:cNvPr id="1" name="">
+          <a:extLst>
+            <a:ext uri="{FF2B5EF4-FFF2-40B4-BE49-F238E27FC236}">
+              <a16:creationId xmlns:a16="http://schemas.microsoft.com/office/drawing/2014/main" id="{5CB01FF0-3014-7B91-A15D-C75C0FE0E259}"/>
+            </a:ext>
+          </a:extLst>
+        </p:cNvPr>
+        <p:cNvGrpSpPr/>
+        <p:nvPr/>
+      </p:nvGrpSpPr>
+      <p:grpSpPr>
+        <a:xfrm>
+          <a:off x="0" y="0"/>
+          <a:ext cx="0" cy="0"/>
+          <a:chOff x="0" y="0"/>
+          <a:chExt cx="0" cy="0"/>
+        </a:xfrm>
+      </p:grpSpPr>
+      <p:sp>
+        <p:nvSpPr>
+          <p:cNvPr id="2" name="Slide Image Placeholder 1">
+            <a:extLst>
+              <a:ext uri="{FF2B5EF4-FFF2-40B4-BE49-F238E27FC236}">
+                <a16:creationId xmlns:a16="http://schemas.microsoft.com/office/drawing/2014/main" id="{1DFAC205-B3AC-DE72-000C-2CC71C6CA907}"/>
+              </a:ext>
+            </a:extLst>
+          </p:cNvPr>
+          <p:cNvSpPr>
+            <a:spLocks noGrp="1" noRot="1" noChangeAspect="1"/>
+          </p:cNvSpPr>
+          <p:nvPr>
+            <p:ph type="sldImg"/>
+          </p:nvPr>
+        </p:nvSpPr>
+        <p:spPr/>
+      </p:sp>
+      <p:sp>
+        <p:nvSpPr>
+          <p:cNvPr id="3" name="Notes Placeholder 2">
+            <a:extLst>
+              <a:ext uri="{FF2B5EF4-FFF2-40B4-BE49-F238E27FC236}">
+                <a16:creationId xmlns:a16="http://schemas.microsoft.com/office/drawing/2014/main" id="{EF726921-FB41-BE5F-FFDF-3A0DAD8D5AEF}"/>
+              </a:ext>
+            </a:extLst>
+          </p:cNvPr>
+          <p:cNvSpPr>
+            <a:spLocks noGrp="1"/>
+          </p:cNvSpPr>
+          <p:nvPr>
+            <p:ph type="body" idx="1"/>
+          </p:nvPr>
+        </p:nvSpPr>
+        <p:spPr/>
+        <p:txBody>
+          <a:bodyPr/>
+          <a:lstStyle/>
+          <a:p>
+            <a:endParaRPr lang="hr-HR" dirty="0"/>
+          </a:p>
+        </p:txBody>
+      </p:sp>
+      <p:sp>
+        <p:nvSpPr>
+          <p:cNvPr id="4" name="Slide Number Placeholder 3">
+            <a:extLst>
+              <a:ext uri="{FF2B5EF4-FFF2-40B4-BE49-F238E27FC236}">
+                <a16:creationId xmlns:a16="http://schemas.microsoft.com/office/drawing/2014/main" id="{AB77738D-6CB3-C506-F8B7-67FD3F76AA28}"/>
+              </a:ext>
+            </a:extLst>
+          </p:cNvPr>
+          <p:cNvSpPr>
+            <a:spLocks noGrp="1"/>
+          </p:cNvSpPr>
+          <p:nvPr>
+            <p:ph type="sldNum" sz="quarter" idx="5"/>
+          </p:nvPr>
+        </p:nvSpPr>
+        <p:spPr/>
+        <p:txBody>
+          <a:bodyPr/>
+          <a:lstStyle/>
+          <a:p>
+            <a:fld id="{343B951A-A665-1949-AEDB-B62DC9BE7F13}" type="slidenum">
+              <a:rPr lang="en-US" smtClean="0"/>
+              <a:t>17</a:t>
+            </a:fld>
+            <a:endParaRPr lang="en-US"/>
+          </a:p>
+        </p:txBody>
+      </p:sp>
+    </p:spTree>
+    <p:extLst>
+      <p:ext uri="{BB962C8B-B14F-4D97-AF65-F5344CB8AC3E}">
+        <p14:creationId xmlns:p14="http://schemas.microsoft.com/office/powerpoint/2010/main" val="1899707593"/>
       </p:ext>
     </p:extLst>
   </p:cSld>
@@ -15717,6 +16157,2077 @@
     <p:extLst>
       <p:ext uri="{BB962C8B-B14F-4D97-AF65-F5344CB8AC3E}">
         <p14:creationId xmlns:p14="http://schemas.microsoft.com/office/powerpoint/2010/main" val="1011301594"/>
+      </p:ext>
+    </p:extLst>
+  </p:cSld>
+  <p:clrMapOvr>
+    <a:masterClrMapping/>
+  </p:clrMapOvr>
+</p:sld>
+</file>
+
+<file path=ppt/slides/slide14.xml><?xml version="1.0" encoding="utf-8"?>
+<p:sld xmlns:a="http://schemas.openxmlformats.org/drawingml/2006/main" xmlns:r="http://schemas.openxmlformats.org/officeDocument/2006/relationships" xmlns:p="http://schemas.openxmlformats.org/presentationml/2006/main">
+  <p:cSld>
+    <p:spTree>
+      <p:nvGrpSpPr>
+        <p:cNvPr id="1" name="">
+          <a:extLst>
+            <a:ext uri="{FF2B5EF4-FFF2-40B4-BE49-F238E27FC236}">
+              <a16:creationId xmlns:a16="http://schemas.microsoft.com/office/drawing/2014/main" id="{9E4C767B-08A7-B4A6-1A37-BED6255F70B4}"/>
+            </a:ext>
+          </a:extLst>
+        </p:cNvPr>
+        <p:cNvGrpSpPr/>
+        <p:nvPr/>
+      </p:nvGrpSpPr>
+      <p:grpSpPr>
+        <a:xfrm>
+          <a:off x="0" y="0"/>
+          <a:ext cx="0" cy="0"/>
+          <a:chOff x="0" y="0"/>
+          <a:chExt cx="0" cy="0"/>
+        </a:xfrm>
+      </p:grpSpPr>
+      <p:sp>
+        <p:nvSpPr>
+          <p:cNvPr id="4" name="Title 1">
+            <a:extLst>
+              <a:ext uri="{FF2B5EF4-FFF2-40B4-BE49-F238E27FC236}">
+                <a16:creationId xmlns:a16="http://schemas.microsoft.com/office/drawing/2014/main" id="{63587055-B9A6-A2F7-3370-6A8901F2ED04}"/>
+              </a:ext>
+            </a:extLst>
+          </p:cNvPr>
+          <p:cNvSpPr txBox="1">
+            <a:spLocks/>
+          </p:cNvSpPr>
+          <p:nvPr/>
+        </p:nvSpPr>
+        <p:spPr>
+          <a:xfrm>
+            <a:off x="990600" y="383056"/>
+            <a:ext cx="10515600" cy="853976"/>
+          </a:xfrm>
+          <a:prstGeom prst="rect">
+            <a:avLst/>
+          </a:prstGeom>
+        </p:spPr>
+        <p:txBody>
+          <a:bodyPr vert="horz" lIns="91440" tIns="45720" rIns="91440" bIns="45720" rtlCol="0" anchor="ctr">
+            <a:normAutofit/>
+          </a:bodyPr>
+          <a:lstStyle>
+            <a:lvl1pPr algn="l" defTabSz="914400" rtl="0" eaLnBrk="1" latinLnBrk="0" hangingPunct="1">
+              <a:lnSpc>
+                <a:spcPct val="90000"/>
+              </a:lnSpc>
+              <a:spcBef>
+                <a:spcPct val="0"/>
+              </a:spcBef>
+              <a:buNone/>
+              <a:defRPr sz="3600" b="1" i="0" kern="1200" cap="all" baseline="0">
+                <a:solidFill>
+                  <a:schemeClr val="tx2"/>
+                </a:solidFill>
+                <a:latin typeface="+mj-lt"/>
+                <a:ea typeface="Open Sans Semibold" panose="020B0606030504020204" pitchFamily="34" charset="0"/>
+                <a:cs typeface="Open Sans Semibold" panose="020B0606030504020204" pitchFamily="34" charset="0"/>
+              </a:defRPr>
+            </a:lvl1pPr>
+          </a:lstStyle>
+          <a:p>
+            <a:r>
+              <a:rPr lang="en-US" dirty="0"/>
+              <a:t>FLASK – BLUEPRINTS</a:t>
+            </a:r>
+            <a:endParaRPr lang="hr-HR" dirty="0"/>
+          </a:p>
+        </p:txBody>
+      </p:sp>
+      <p:sp>
+        <p:nvSpPr>
+          <p:cNvPr id="2" name="Content Placeholder 2">
+            <a:extLst>
+              <a:ext uri="{FF2B5EF4-FFF2-40B4-BE49-F238E27FC236}">
+                <a16:creationId xmlns:a16="http://schemas.microsoft.com/office/drawing/2014/main" id="{049B90D7-1A99-BC35-158E-10B0C188EF3D}"/>
+              </a:ext>
+            </a:extLst>
+          </p:cNvPr>
+          <p:cNvSpPr txBox="1">
+            <a:spLocks/>
+          </p:cNvSpPr>
+          <p:nvPr/>
+        </p:nvSpPr>
+        <p:spPr>
+          <a:xfrm>
+            <a:off x="990600" y="1237032"/>
+            <a:ext cx="1974646" cy="369895"/>
+          </a:xfrm>
+          <a:prstGeom prst="rect">
+            <a:avLst/>
+          </a:prstGeom>
+        </p:spPr>
+        <p:txBody>
+          <a:bodyPr vert="horz" lIns="91440" tIns="45720" rIns="91440" bIns="45720" rtlCol="0">
+            <a:noAutofit/>
+          </a:bodyPr>
+          <a:lstStyle>
+            <a:lvl1pPr marL="368300" indent="-352425" algn="l" defTabSz="914400" rtl="0" eaLnBrk="1" latinLnBrk="0" hangingPunct="1">
+              <a:lnSpc>
+                <a:spcPct val="90000"/>
+              </a:lnSpc>
+              <a:spcBef>
+                <a:spcPts val="600"/>
+              </a:spcBef>
+              <a:spcAft>
+                <a:spcPts val="600"/>
+              </a:spcAft>
+              <a:buClr>
+                <a:schemeClr val="accent2"/>
+              </a:buClr>
+              <a:buFont typeface="Wingdings" pitchFamily="2" charset="2"/>
+              <a:buChar char="§"/>
+              <a:tabLst/>
+              <a:defRPr sz="2400" kern="1200">
+                <a:solidFill>
+                  <a:schemeClr val="tx1"/>
+                </a:solidFill>
+                <a:latin typeface="+mn-lt"/>
+                <a:ea typeface="Open Sans" panose="020B0606030504020204" pitchFamily="34" charset="0"/>
+                <a:cs typeface="Open Sans" panose="020B0606030504020204" pitchFamily="34" charset="0"/>
+              </a:defRPr>
+            </a:lvl1pPr>
+            <a:lvl2pPr marL="771525" indent="-274638" algn="l" defTabSz="914400" rtl="0" eaLnBrk="1" latinLnBrk="0" hangingPunct="1">
+              <a:lnSpc>
+                <a:spcPct val="90000"/>
+              </a:lnSpc>
+              <a:spcBef>
+                <a:spcPts val="600"/>
+              </a:spcBef>
+              <a:spcAft>
+                <a:spcPts val="600"/>
+              </a:spcAft>
+              <a:buClr>
+                <a:schemeClr val="accent2"/>
+              </a:buClr>
+              <a:buFont typeface="Wingdings" pitchFamily="2" charset="2"/>
+              <a:buChar char="§"/>
+              <a:tabLst/>
+              <a:defRPr sz="2200" kern="1200">
+                <a:solidFill>
+                  <a:schemeClr val="tx1"/>
+                </a:solidFill>
+                <a:latin typeface="+mn-lt"/>
+                <a:ea typeface="Open Sans" panose="020B0606030504020204" pitchFamily="34" charset="0"/>
+                <a:cs typeface="Open Sans" panose="020B0606030504020204" pitchFamily="34" charset="0"/>
+              </a:defRPr>
+            </a:lvl2pPr>
+            <a:lvl3pPr marL="1143000" indent="-228600" algn="l" defTabSz="914400" rtl="0" eaLnBrk="1" latinLnBrk="0" hangingPunct="1">
+              <a:lnSpc>
+                <a:spcPct val="90000"/>
+              </a:lnSpc>
+              <a:spcBef>
+                <a:spcPts val="600"/>
+              </a:spcBef>
+              <a:spcAft>
+                <a:spcPts val="600"/>
+              </a:spcAft>
+              <a:buClr>
+                <a:schemeClr val="accent2"/>
+              </a:buClr>
+              <a:buFont typeface="Wingdings" pitchFamily="2" charset="2"/>
+              <a:buChar char="§"/>
+              <a:defRPr sz="2000" kern="1200">
+                <a:solidFill>
+                  <a:schemeClr val="tx1"/>
+                </a:solidFill>
+                <a:latin typeface="+mn-lt"/>
+                <a:ea typeface="Open Sans" panose="020B0606030504020204" pitchFamily="34" charset="0"/>
+                <a:cs typeface="Open Sans" panose="020B0606030504020204" pitchFamily="34" charset="0"/>
+              </a:defRPr>
+            </a:lvl3pPr>
+            <a:lvl4pPr marL="1600200" indent="-228600" algn="l" defTabSz="914400" rtl="0" eaLnBrk="1" latinLnBrk="0" hangingPunct="1">
+              <a:lnSpc>
+                <a:spcPct val="90000"/>
+              </a:lnSpc>
+              <a:spcBef>
+                <a:spcPts val="600"/>
+              </a:spcBef>
+              <a:spcAft>
+                <a:spcPts val="600"/>
+              </a:spcAft>
+              <a:buClr>
+                <a:schemeClr val="accent2"/>
+              </a:buClr>
+              <a:buFont typeface="Wingdings" pitchFamily="2" charset="2"/>
+              <a:buChar char="§"/>
+              <a:defRPr sz="1800" kern="1200">
+                <a:solidFill>
+                  <a:schemeClr val="tx1"/>
+                </a:solidFill>
+                <a:latin typeface="+mn-lt"/>
+                <a:ea typeface="Open Sans" panose="020B0606030504020204" pitchFamily="34" charset="0"/>
+                <a:cs typeface="Open Sans" panose="020B0606030504020204" pitchFamily="34" charset="0"/>
+              </a:defRPr>
+            </a:lvl4pPr>
+            <a:lvl5pPr marL="1960563" indent="-225425" algn="l" defTabSz="914400" rtl="0" eaLnBrk="1" latinLnBrk="0" hangingPunct="1">
+              <a:lnSpc>
+                <a:spcPct val="90000"/>
+              </a:lnSpc>
+              <a:spcBef>
+                <a:spcPts val="600"/>
+              </a:spcBef>
+              <a:spcAft>
+                <a:spcPts val="600"/>
+              </a:spcAft>
+              <a:buClr>
+                <a:schemeClr val="accent2"/>
+              </a:buClr>
+              <a:buFont typeface="Wingdings" pitchFamily="2" charset="2"/>
+              <a:buChar char="§"/>
+              <a:tabLst/>
+              <a:defRPr sz="1600" kern="1200">
+                <a:solidFill>
+                  <a:schemeClr val="tx1"/>
+                </a:solidFill>
+                <a:latin typeface="+mn-lt"/>
+                <a:ea typeface="Open Sans" panose="020B0606030504020204" pitchFamily="34" charset="0"/>
+                <a:cs typeface="Open Sans" panose="020B0606030504020204" pitchFamily="34" charset="0"/>
+              </a:defRPr>
+            </a:lvl5pPr>
+            <a:lvl6pPr marL="2514600" indent="-228600" algn="l" defTabSz="914400" rtl="0" eaLnBrk="1" latinLnBrk="0" hangingPunct="1">
+              <a:lnSpc>
+                <a:spcPct val="90000"/>
+              </a:lnSpc>
+              <a:spcBef>
+                <a:spcPts val="500"/>
+              </a:spcBef>
+              <a:buFont typeface="Arial" panose="020B0604020202020204" pitchFamily="34" charset="0"/>
+              <a:buChar char="•"/>
+              <a:defRPr sz="1800" kern="1200">
+                <a:solidFill>
+                  <a:schemeClr val="tx1"/>
+                </a:solidFill>
+                <a:latin typeface="+mn-lt"/>
+                <a:ea typeface="+mn-ea"/>
+                <a:cs typeface="+mn-cs"/>
+              </a:defRPr>
+            </a:lvl6pPr>
+            <a:lvl7pPr marL="2971800" indent="-228600" algn="l" defTabSz="914400" rtl="0" eaLnBrk="1" latinLnBrk="0" hangingPunct="1">
+              <a:lnSpc>
+                <a:spcPct val="90000"/>
+              </a:lnSpc>
+              <a:spcBef>
+                <a:spcPts val="500"/>
+              </a:spcBef>
+              <a:buFont typeface="Arial" panose="020B0604020202020204" pitchFamily="34" charset="0"/>
+              <a:buChar char="•"/>
+              <a:defRPr sz="1800" kern="1200">
+                <a:solidFill>
+                  <a:schemeClr val="tx1"/>
+                </a:solidFill>
+                <a:latin typeface="+mn-lt"/>
+                <a:ea typeface="+mn-ea"/>
+                <a:cs typeface="+mn-cs"/>
+              </a:defRPr>
+            </a:lvl7pPr>
+            <a:lvl8pPr marL="3429000" indent="-228600" algn="l" defTabSz="914400" rtl="0" eaLnBrk="1" latinLnBrk="0" hangingPunct="1">
+              <a:lnSpc>
+                <a:spcPct val="90000"/>
+              </a:lnSpc>
+              <a:spcBef>
+                <a:spcPts val="500"/>
+              </a:spcBef>
+              <a:buFont typeface="Arial" panose="020B0604020202020204" pitchFamily="34" charset="0"/>
+              <a:buChar char="•"/>
+              <a:defRPr sz="1800" kern="1200">
+                <a:solidFill>
+                  <a:schemeClr val="tx1"/>
+                </a:solidFill>
+                <a:latin typeface="+mn-lt"/>
+                <a:ea typeface="+mn-ea"/>
+                <a:cs typeface="+mn-cs"/>
+              </a:defRPr>
+            </a:lvl8pPr>
+            <a:lvl9pPr marL="3886200" indent="-228600" algn="l" defTabSz="914400" rtl="0" eaLnBrk="1" latinLnBrk="0" hangingPunct="1">
+              <a:lnSpc>
+                <a:spcPct val="90000"/>
+              </a:lnSpc>
+              <a:spcBef>
+                <a:spcPts val="500"/>
+              </a:spcBef>
+              <a:buFont typeface="Arial" panose="020B0604020202020204" pitchFamily="34" charset="0"/>
+              <a:buChar char="•"/>
+              <a:defRPr sz="1800" kern="1200">
+                <a:solidFill>
+                  <a:schemeClr val="tx1"/>
+                </a:solidFill>
+                <a:latin typeface="+mn-lt"/>
+                <a:ea typeface="+mn-ea"/>
+                <a:cs typeface="+mn-cs"/>
+              </a:defRPr>
+            </a:lvl9pPr>
+          </a:lstStyle>
+          <a:p>
+            <a:pPr marL="15875" indent="0">
+              <a:buNone/>
+            </a:pPr>
+            <a:r>
+              <a:rPr lang="en-US" sz="1400" dirty="0" err="1"/>
+              <a:t>Uredimo</a:t>
+            </a:r>
+            <a:r>
+              <a:rPr lang="en-US" sz="1400" dirty="0"/>
+              <a:t> </a:t>
+            </a:r>
+            <a:r>
+              <a:rPr lang="en-US" sz="1400" dirty="0" err="1"/>
+              <a:t>strukturu</a:t>
+            </a:r>
+            <a:endParaRPr lang="en-US" sz="1400" dirty="0"/>
+          </a:p>
+        </p:txBody>
+      </p:sp>
+      <p:sp>
+        <p:nvSpPr>
+          <p:cNvPr id="30" name="Content Placeholder 2">
+            <a:extLst>
+              <a:ext uri="{FF2B5EF4-FFF2-40B4-BE49-F238E27FC236}">
+                <a16:creationId xmlns:a16="http://schemas.microsoft.com/office/drawing/2014/main" id="{544E039A-BE9B-DC0A-0EDC-A0E06E18C00F}"/>
+              </a:ext>
+            </a:extLst>
+          </p:cNvPr>
+          <p:cNvSpPr txBox="1">
+            <a:spLocks/>
+          </p:cNvSpPr>
+          <p:nvPr/>
+        </p:nvSpPr>
+        <p:spPr>
+          <a:xfrm>
+            <a:off x="1109663" y="2857655"/>
+            <a:ext cx="1974646" cy="369895"/>
+          </a:xfrm>
+          <a:prstGeom prst="rect">
+            <a:avLst/>
+          </a:prstGeom>
+        </p:spPr>
+        <p:txBody>
+          <a:bodyPr vert="horz" lIns="91440" tIns="45720" rIns="91440" bIns="45720" rtlCol="0">
+            <a:noAutofit/>
+          </a:bodyPr>
+          <a:lstStyle>
+            <a:lvl1pPr marL="368300" indent="-352425" algn="l" defTabSz="914400" rtl="0" eaLnBrk="1" latinLnBrk="0" hangingPunct="1">
+              <a:lnSpc>
+                <a:spcPct val="90000"/>
+              </a:lnSpc>
+              <a:spcBef>
+                <a:spcPts val="600"/>
+              </a:spcBef>
+              <a:spcAft>
+                <a:spcPts val="600"/>
+              </a:spcAft>
+              <a:buClr>
+                <a:schemeClr val="accent2"/>
+              </a:buClr>
+              <a:buFont typeface="Wingdings" pitchFamily="2" charset="2"/>
+              <a:buChar char="§"/>
+              <a:tabLst/>
+              <a:defRPr sz="2400" kern="1200">
+                <a:solidFill>
+                  <a:schemeClr val="tx1"/>
+                </a:solidFill>
+                <a:latin typeface="+mn-lt"/>
+                <a:ea typeface="Open Sans" panose="020B0606030504020204" pitchFamily="34" charset="0"/>
+                <a:cs typeface="Open Sans" panose="020B0606030504020204" pitchFamily="34" charset="0"/>
+              </a:defRPr>
+            </a:lvl1pPr>
+            <a:lvl2pPr marL="771525" indent="-274638" algn="l" defTabSz="914400" rtl="0" eaLnBrk="1" latinLnBrk="0" hangingPunct="1">
+              <a:lnSpc>
+                <a:spcPct val="90000"/>
+              </a:lnSpc>
+              <a:spcBef>
+                <a:spcPts val="600"/>
+              </a:spcBef>
+              <a:spcAft>
+                <a:spcPts val="600"/>
+              </a:spcAft>
+              <a:buClr>
+                <a:schemeClr val="accent2"/>
+              </a:buClr>
+              <a:buFont typeface="Wingdings" pitchFamily="2" charset="2"/>
+              <a:buChar char="§"/>
+              <a:tabLst/>
+              <a:defRPr sz="2200" kern="1200">
+                <a:solidFill>
+                  <a:schemeClr val="tx1"/>
+                </a:solidFill>
+                <a:latin typeface="+mn-lt"/>
+                <a:ea typeface="Open Sans" panose="020B0606030504020204" pitchFamily="34" charset="0"/>
+                <a:cs typeface="Open Sans" panose="020B0606030504020204" pitchFamily="34" charset="0"/>
+              </a:defRPr>
+            </a:lvl2pPr>
+            <a:lvl3pPr marL="1143000" indent="-228600" algn="l" defTabSz="914400" rtl="0" eaLnBrk="1" latinLnBrk="0" hangingPunct="1">
+              <a:lnSpc>
+                <a:spcPct val="90000"/>
+              </a:lnSpc>
+              <a:spcBef>
+                <a:spcPts val="600"/>
+              </a:spcBef>
+              <a:spcAft>
+                <a:spcPts val="600"/>
+              </a:spcAft>
+              <a:buClr>
+                <a:schemeClr val="accent2"/>
+              </a:buClr>
+              <a:buFont typeface="Wingdings" pitchFamily="2" charset="2"/>
+              <a:buChar char="§"/>
+              <a:defRPr sz="2000" kern="1200">
+                <a:solidFill>
+                  <a:schemeClr val="tx1"/>
+                </a:solidFill>
+                <a:latin typeface="+mn-lt"/>
+                <a:ea typeface="Open Sans" panose="020B0606030504020204" pitchFamily="34" charset="0"/>
+                <a:cs typeface="Open Sans" panose="020B0606030504020204" pitchFamily="34" charset="0"/>
+              </a:defRPr>
+            </a:lvl3pPr>
+            <a:lvl4pPr marL="1600200" indent="-228600" algn="l" defTabSz="914400" rtl="0" eaLnBrk="1" latinLnBrk="0" hangingPunct="1">
+              <a:lnSpc>
+                <a:spcPct val="90000"/>
+              </a:lnSpc>
+              <a:spcBef>
+                <a:spcPts val="600"/>
+              </a:spcBef>
+              <a:spcAft>
+                <a:spcPts val="600"/>
+              </a:spcAft>
+              <a:buClr>
+                <a:schemeClr val="accent2"/>
+              </a:buClr>
+              <a:buFont typeface="Wingdings" pitchFamily="2" charset="2"/>
+              <a:buChar char="§"/>
+              <a:defRPr sz="1800" kern="1200">
+                <a:solidFill>
+                  <a:schemeClr val="tx1"/>
+                </a:solidFill>
+                <a:latin typeface="+mn-lt"/>
+                <a:ea typeface="Open Sans" panose="020B0606030504020204" pitchFamily="34" charset="0"/>
+                <a:cs typeface="Open Sans" panose="020B0606030504020204" pitchFamily="34" charset="0"/>
+              </a:defRPr>
+            </a:lvl4pPr>
+            <a:lvl5pPr marL="1960563" indent="-225425" algn="l" defTabSz="914400" rtl="0" eaLnBrk="1" latinLnBrk="0" hangingPunct="1">
+              <a:lnSpc>
+                <a:spcPct val="90000"/>
+              </a:lnSpc>
+              <a:spcBef>
+                <a:spcPts val="600"/>
+              </a:spcBef>
+              <a:spcAft>
+                <a:spcPts val="600"/>
+              </a:spcAft>
+              <a:buClr>
+                <a:schemeClr val="accent2"/>
+              </a:buClr>
+              <a:buFont typeface="Wingdings" pitchFamily="2" charset="2"/>
+              <a:buChar char="§"/>
+              <a:tabLst/>
+              <a:defRPr sz="1600" kern="1200">
+                <a:solidFill>
+                  <a:schemeClr val="tx1"/>
+                </a:solidFill>
+                <a:latin typeface="+mn-lt"/>
+                <a:ea typeface="Open Sans" panose="020B0606030504020204" pitchFamily="34" charset="0"/>
+                <a:cs typeface="Open Sans" panose="020B0606030504020204" pitchFamily="34" charset="0"/>
+              </a:defRPr>
+            </a:lvl5pPr>
+            <a:lvl6pPr marL="2514600" indent="-228600" algn="l" defTabSz="914400" rtl="0" eaLnBrk="1" latinLnBrk="0" hangingPunct="1">
+              <a:lnSpc>
+                <a:spcPct val="90000"/>
+              </a:lnSpc>
+              <a:spcBef>
+                <a:spcPts val="500"/>
+              </a:spcBef>
+              <a:buFont typeface="Arial" panose="020B0604020202020204" pitchFamily="34" charset="0"/>
+              <a:buChar char="•"/>
+              <a:defRPr sz="1800" kern="1200">
+                <a:solidFill>
+                  <a:schemeClr val="tx1"/>
+                </a:solidFill>
+                <a:latin typeface="+mn-lt"/>
+                <a:ea typeface="+mn-ea"/>
+                <a:cs typeface="+mn-cs"/>
+              </a:defRPr>
+            </a:lvl6pPr>
+            <a:lvl7pPr marL="2971800" indent="-228600" algn="l" defTabSz="914400" rtl="0" eaLnBrk="1" latinLnBrk="0" hangingPunct="1">
+              <a:lnSpc>
+                <a:spcPct val="90000"/>
+              </a:lnSpc>
+              <a:spcBef>
+                <a:spcPts val="500"/>
+              </a:spcBef>
+              <a:buFont typeface="Arial" panose="020B0604020202020204" pitchFamily="34" charset="0"/>
+              <a:buChar char="•"/>
+              <a:defRPr sz="1800" kern="1200">
+                <a:solidFill>
+                  <a:schemeClr val="tx1"/>
+                </a:solidFill>
+                <a:latin typeface="+mn-lt"/>
+                <a:ea typeface="+mn-ea"/>
+                <a:cs typeface="+mn-cs"/>
+              </a:defRPr>
+            </a:lvl7pPr>
+            <a:lvl8pPr marL="3429000" indent="-228600" algn="l" defTabSz="914400" rtl="0" eaLnBrk="1" latinLnBrk="0" hangingPunct="1">
+              <a:lnSpc>
+                <a:spcPct val="90000"/>
+              </a:lnSpc>
+              <a:spcBef>
+                <a:spcPts val="500"/>
+              </a:spcBef>
+              <a:buFont typeface="Arial" panose="020B0604020202020204" pitchFamily="34" charset="0"/>
+              <a:buChar char="•"/>
+              <a:defRPr sz="1800" kern="1200">
+                <a:solidFill>
+                  <a:schemeClr val="tx1"/>
+                </a:solidFill>
+                <a:latin typeface="+mn-lt"/>
+                <a:ea typeface="+mn-ea"/>
+                <a:cs typeface="+mn-cs"/>
+              </a:defRPr>
+            </a:lvl8pPr>
+            <a:lvl9pPr marL="3886200" indent="-228600" algn="l" defTabSz="914400" rtl="0" eaLnBrk="1" latinLnBrk="0" hangingPunct="1">
+              <a:lnSpc>
+                <a:spcPct val="90000"/>
+              </a:lnSpc>
+              <a:spcBef>
+                <a:spcPts val="500"/>
+              </a:spcBef>
+              <a:buFont typeface="Arial" panose="020B0604020202020204" pitchFamily="34" charset="0"/>
+              <a:buChar char="•"/>
+              <a:defRPr sz="1800" kern="1200">
+                <a:solidFill>
+                  <a:schemeClr val="tx1"/>
+                </a:solidFill>
+                <a:latin typeface="+mn-lt"/>
+                <a:ea typeface="+mn-ea"/>
+                <a:cs typeface="+mn-cs"/>
+              </a:defRPr>
+            </a:lvl9pPr>
+          </a:lstStyle>
+          <a:p>
+            <a:pPr marL="15875" indent="0">
+              <a:buNone/>
+            </a:pPr>
+            <a:r>
+              <a:rPr lang="en-US" sz="1400" dirty="0"/>
+              <a:t>Item.py</a:t>
+            </a:r>
+          </a:p>
+        </p:txBody>
+      </p:sp>
+      <p:pic>
+        <p:nvPicPr>
+          <p:cNvPr id="6" name="Picture 5">
+            <a:extLst>
+              <a:ext uri="{FF2B5EF4-FFF2-40B4-BE49-F238E27FC236}">
+                <a16:creationId xmlns:a16="http://schemas.microsoft.com/office/drawing/2014/main" id="{12754B51-D422-AD0E-AC73-B67E21BA2C68}"/>
+              </a:ext>
+            </a:extLst>
+          </p:cNvPr>
+          <p:cNvPicPr>
+            <a:picLocks noChangeAspect="1"/>
+          </p:cNvPicPr>
+          <p:nvPr/>
+        </p:nvPicPr>
+        <p:blipFill>
+          <a:blip r:embed="rId3"/>
+          <a:stretch>
+            <a:fillRect/>
+          </a:stretch>
+        </p:blipFill>
+        <p:spPr>
+          <a:xfrm>
+            <a:off x="1109662" y="1630230"/>
+            <a:ext cx="3324225" cy="1019175"/>
+          </a:xfrm>
+          <a:prstGeom prst="rect">
+            <a:avLst/>
+          </a:prstGeom>
+        </p:spPr>
+      </p:pic>
+      <p:pic>
+        <p:nvPicPr>
+          <p:cNvPr id="9" name="Picture 8">
+            <a:extLst>
+              <a:ext uri="{FF2B5EF4-FFF2-40B4-BE49-F238E27FC236}">
+                <a16:creationId xmlns:a16="http://schemas.microsoft.com/office/drawing/2014/main" id="{1F19439C-6CE8-5139-AFC0-A472AD90E386}"/>
+              </a:ext>
+            </a:extLst>
+          </p:cNvPr>
+          <p:cNvPicPr>
+            <a:picLocks noChangeAspect="1"/>
+          </p:cNvPicPr>
+          <p:nvPr/>
+        </p:nvPicPr>
+        <p:blipFill>
+          <a:blip r:embed="rId4"/>
+          <a:stretch>
+            <a:fillRect/>
+          </a:stretch>
+        </p:blipFill>
+        <p:spPr>
+          <a:xfrm>
+            <a:off x="1141209" y="3227550"/>
+            <a:ext cx="2878138" cy="2386895"/>
+          </a:xfrm>
+          <a:prstGeom prst="rect">
+            <a:avLst/>
+          </a:prstGeom>
+        </p:spPr>
+      </p:pic>
+      <p:pic>
+        <p:nvPicPr>
+          <p:cNvPr id="12" name="Picture 11">
+            <a:extLst>
+              <a:ext uri="{FF2B5EF4-FFF2-40B4-BE49-F238E27FC236}">
+                <a16:creationId xmlns:a16="http://schemas.microsoft.com/office/drawing/2014/main" id="{F75647DD-8BC9-6ABC-8428-9FD4CB68B59A}"/>
+              </a:ext>
+            </a:extLst>
+          </p:cNvPr>
+          <p:cNvPicPr>
+            <a:picLocks noChangeAspect="1"/>
+          </p:cNvPicPr>
+          <p:nvPr/>
+        </p:nvPicPr>
+        <p:blipFill>
+          <a:blip r:embed="rId5"/>
+          <a:stretch>
+            <a:fillRect/>
+          </a:stretch>
+        </p:blipFill>
+        <p:spPr>
+          <a:xfrm>
+            <a:off x="5778652" y="2469977"/>
+            <a:ext cx="4597098" cy="3144468"/>
+          </a:xfrm>
+          <a:prstGeom prst="rect">
+            <a:avLst/>
+          </a:prstGeom>
+        </p:spPr>
+      </p:pic>
+      <p:pic>
+        <p:nvPicPr>
+          <p:cNvPr id="15" name="Picture 14">
+            <a:extLst>
+              <a:ext uri="{FF2B5EF4-FFF2-40B4-BE49-F238E27FC236}">
+                <a16:creationId xmlns:a16="http://schemas.microsoft.com/office/drawing/2014/main" id="{9651F6B8-6358-CA8C-7EF9-9AF93EF01D10}"/>
+              </a:ext>
+            </a:extLst>
+          </p:cNvPr>
+          <p:cNvPicPr>
+            <a:picLocks noChangeAspect="1"/>
+          </p:cNvPicPr>
+          <p:nvPr/>
+        </p:nvPicPr>
+        <p:blipFill>
+          <a:blip r:embed="rId6"/>
+          <a:stretch>
+            <a:fillRect/>
+          </a:stretch>
+        </p:blipFill>
+        <p:spPr>
+          <a:xfrm>
+            <a:off x="5778652" y="1398328"/>
+            <a:ext cx="3324226" cy="891642"/>
+          </a:xfrm>
+          <a:prstGeom prst="rect">
+            <a:avLst/>
+          </a:prstGeom>
+        </p:spPr>
+      </p:pic>
+    </p:spTree>
+    <p:extLst>
+      <p:ext uri="{BB962C8B-B14F-4D97-AF65-F5344CB8AC3E}">
+        <p14:creationId xmlns:p14="http://schemas.microsoft.com/office/powerpoint/2010/main" val="1796937192"/>
+      </p:ext>
+    </p:extLst>
+  </p:cSld>
+  <p:clrMapOvr>
+    <a:masterClrMapping/>
+  </p:clrMapOvr>
+</p:sld>
+</file>
+
+<file path=ppt/slides/slide15.xml><?xml version="1.0" encoding="utf-8"?>
+<p:sld xmlns:a="http://schemas.openxmlformats.org/drawingml/2006/main" xmlns:r="http://schemas.openxmlformats.org/officeDocument/2006/relationships" xmlns:p="http://schemas.openxmlformats.org/presentationml/2006/main">
+  <p:cSld>
+    <p:spTree>
+      <p:nvGrpSpPr>
+        <p:cNvPr id="1" name="">
+          <a:extLst>
+            <a:ext uri="{FF2B5EF4-FFF2-40B4-BE49-F238E27FC236}">
+              <a16:creationId xmlns:a16="http://schemas.microsoft.com/office/drawing/2014/main" id="{407D9962-0842-C2FC-7F95-045189584D6C}"/>
+            </a:ext>
+          </a:extLst>
+        </p:cNvPr>
+        <p:cNvGrpSpPr/>
+        <p:nvPr/>
+      </p:nvGrpSpPr>
+      <p:grpSpPr>
+        <a:xfrm>
+          <a:off x="0" y="0"/>
+          <a:ext cx="0" cy="0"/>
+          <a:chOff x="0" y="0"/>
+          <a:chExt cx="0" cy="0"/>
+        </a:xfrm>
+      </p:grpSpPr>
+      <p:sp>
+        <p:nvSpPr>
+          <p:cNvPr id="4" name="Title 1">
+            <a:extLst>
+              <a:ext uri="{FF2B5EF4-FFF2-40B4-BE49-F238E27FC236}">
+                <a16:creationId xmlns:a16="http://schemas.microsoft.com/office/drawing/2014/main" id="{6AB90817-0E21-0A12-C90B-44099475EA4F}"/>
+              </a:ext>
+            </a:extLst>
+          </p:cNvPr>
+          <p:cNvSpPr txBox="1">
+            <a:spLocks/>
+          </p:cNvSpPr>
+          <p:nvPr/>
+        </p:nvSpPr>
+        <p:spPr>
+          <a:xfrm>
+            <a:off x="990600" y="383056"/>
+            <a:ext cx="10515600" cy="853976"/>
+          </a:xfrm>
+          <a:prstGeom prst="rect">
+            <a:avLst/>
+          </a:prstGeom>
+        </p:spPr>
+        <p:txBody>
+          <a:bodyPr vert="horz" lIns="91440" tIns="45720" rIns="91440" bIns="45720" rtlCol="0" anchor="ctr">
+            <a:normAutofit/>
+          </a:bodyPr>
+          <a:lstStyle>
+            <a:lvl1pPr algn="l" defTabSz="914400" rtl="0" eaLnBrk="1" latinLnBrk="0" hangingPunct="1">
+              <a:lnSpc>
+                <a:spcPct val="90000"/>
+              </a:lnSpc>
+              <a:spcBef>
+                <a:spcPct val="0"/>
+              </a:spcBef>
+              <a:buNone/>
+              <a:defRPr sz="3600" b="1" i="0" kern="1200" cap="all" baseline="0">
+                <a:solidFill>
+                  <a:schemeClr val="tx2"/>
+                </a:solidFill>
+                <a:latin typeface="+mj-lt"/>
+                <a:ea typeface="Open Sans Semibold" panose="020B0606030504020204" pitchFamily="34" charset="0"/>
+                <a:cs typeface="Open Sans Semibold" panose="020B0606030504020204" pitchFamily="34" charset="0"/>
+              </a:defRPr>
+            </a:lvl1pPr>
+          </a:lstStyle>
+          <a:p>
+            <a:r>
+              <a:rPr lang="en-US" dirty="0"/>
+              <a:t>FLASK – BLUEPRINTS</a:t>
+            </a:r>
+            <a:endParaRPr lang="hr-HR" dirty="0"/>
+          </a:p>
+        </p:txBody>
+      </p:sp>
+      <p:sp>
+        <p:nvSpPr>
+          <p:cNvPr id="30" name="Content Placeholder 2">
+            <a:extLst>
+              <a:ext uri="{FF2B5EF4-FFF2-40B4-BE49-F238E27FC236}">
+                <a16:creationId xmlns:a16="http://schemas.microsoft.com/office/drawing/2014/main" id="{D5CE8044-481D-E416-61E7-9F8804D7B641}"/>
+              </a:ext>
+            </a:extLst>
+          </p:cNvPr>
+          <p:cNvSpPr txBox="1">
+            <a:spLocks/>
+          </p:cNvSpPr>
+          <p:nvPr/>
+        </p:nvSpPr>
+        <p:spPr>
+          <a:xfrm>
+            <a:off x="990600" y="1264621"/>
+            <a:ext cx="1974646" cy="369895"/>
+          </a:xfrm>
+          <a:prstGeom prst="rect">
+            <a:avLst/>
+          </a:prstGeom>
+        </p:spPr>
+        <p:txBody>
+          <a:bodyPr vert="horz" lIns="91440" tIns="45720" rIns="91440" bIns="45720" rtlCol="0">
+            <a:noAutofit/>
+          </a:bodyPr>
+          <a:lstStyle>
+            <a:lvl1pPr marL="368300" indent="-352425" algn="l" defTabSz="914400" rtl="0" eaLnBrk="1" latinLnBrk="0" hangingPunct="1">
+              <a:lnSpc>
+                <a:spcPct val="90000"/>
+              </a:lnSpc>
+              <a:spcBef>
+                <a:spcPts val="600"/>
+              </a:spcBef>
+              <a:spcAft>
+                <a:spcPts val="600"/>
+              </a:spcAft>
+              <a:buClr>
+                <a:schemeClr val="accent2"/>
+              </a:buClr>
+              <a:buFont typeface="Wingdings" pitchFamily="2" charset="2"/>
+              <a:buChar char="§"/>
+              <a:tabLst/>
+              <a:defRPr sz="2400" kern="1200">
+                <a:solidFill>
+                  <a:schemeClr val="tx1"/>
+                </a:solidFill>
+                <a:latin typeface="+mn-lt"/>
+                <a:ea typeface="Open Sans" panose="020B0606030504020204" pitchFamily="34" charset="0"/>
+                <a:cs typeface="Open Sans" panose="020B0606030504020204" pitchFamily="34" charset="0"/>
+              </a:defRPr>
+            </a:lvl1pPr>
+            <a:lvl2pPr marL="771525" indent="-274638" algn="l" defTabSz="914400" rtl="0" eaLnBrk="1" latinLnBrk="0" hangingPunct="1">
+              <a:lnSpc>
+                <a:spcPct val="90000"/>
+              </a:lnSpc>
+              <a:spcBef>
+                <a:spcPts val="600"/>
+              </a:spcBef>
+              <a:spcAft>
+                <a:spcPts val="600"/>
+              </a:spcAft>
+              <a:buClr>
+                <a:schemeClr val="accent2"/>
+              </a:buClr>
+              <a:buFont typeface="Wingdings" pitchFamily="2" charset="2"/>
+              <a:buChar char="§"/>
+              <a:tabLst/>
+              <a:defRPr sz="2200" kern="1200">
+                <a:solidFill>
+                  <a:schemeClr val="tx1"/>
+                </a:solidFill>
+                <a:latin typeface="+mn-lt"/>
+                <a:ea typeface="Open Sans" panose="020B0606030504020204" pitchFamily="34" charset="0"/>
+                <a:cs typeface="Open Sans" panose="020B0606030504020204" pitchFamily="34" charset="0"/>
+              </a:defRPr>
+            </a:lvl2pPr>
+            <a:lvl3pPr marL="1143000" indent="-228600" algn="l" defTabSz="914400" rtl="0" eaLnBrk="1" latinLnBrk="0" hangingPunct="1">
+              <a:lnSpc>
+                <a:spcPct val="90000"/>
+              </a:lnSpc>
+              <a:spcBef>
+                <a:spcPts val="600"/>
+              </a:spcBef>
+              <a:spcAft>
+                <a:spcPts val="600"/>
+              </a:spcAft>
+              <a:buClr>
+                <a:schemeClr val="accent2"/>
+              </a:buClr>
+              <a:buFont typeface="Wingdings" pitchFamily="2" charset="2"/>
+              <a:buChar char="§"/>
+              <a:defRPr sz="2000" kern="1200">
+                <a:solidFill>
+                  <a:schemeClr val="tx1"/>
+                </a:solidFill>
+                <a:latin typeface="+mn-lt"/>
+                <a:ea typeface="Open Sans" panose="020B0606030504020204" pitchFamily="34" charset="0"/>
+                <a:cs typeface="Open Sans" panose="020B0606030504020204" pitchFamily="34" charset="0"/>
+              </a:defRPr>
+            </a:lvl3pPr>
+            <a:lvl4pPr marL="1600200" indent="-228600" algn="l" defTabSz="914400" rtl="0" eaLnBrk="1" latinLnBrk="0" hangingPunct="1">
+              <a:lnSpc>
+                <a:spcPct val="90000"/>
+              </a:lnSpc>
+              <a:spcBef>
+                <a:spcPts val="600"/>
+              </a:spcBef>
+              <a:spcAft>
+                <a:spcPts val="600"/>
+              </a:spcAft>
+              <a:buClr>
+                <a:schemeClr val="accent2"/>
+              </a:buClr>
+              <a:buFont typeface="Wingdings" pitchFamily="2" charset="2"/>
+              <a:buChar char="§"/>
+              <a:defRPr sz="1800" kern="1200">
+                <a:solidFill>
+                  <a:schemeClr val="tx1"/>
+                </a:solidFill>
+                <a:latin typeface="+mn-lt"/>
+                <a:ea typeface="Open Sans" panose="020B0606030504020204" pitchFamily="34" charset="0"/>
+                <a:cs typeface="Open Sans" panose="020B0606030504020204" pitchFamily="34" charset="0"/>
+              </a:defRPr>
+            </a:lvl4pPr>
+            <a:lvl5pPr marL="1960563" indent="-225425" algn="l" defTabSz="914400" rtl="0" eaLnBrk="1" latinLnBrk="0" hangingPunct="1">
+              <a:lnSpc>
+                <a:spcPct val="90000"/>
+              </a:lnSpc>
+              <a:spcBef>
+                <a:spcPts val="600"/>
+              </a:spcBef>
+              <a:spcAft>
+                <a:spcPts val="600"/>
+              </a:spcAft>
+              <a:buClr>
+                <a:schemeClr val="accent2"/>
+              </a:buClr>
+              <a:buFont typeface="Wingdings" pitchFamily="2" charset="2"/>
+              <a:buChar char="§"/>
+              <a:tabLst/>
+              <a:defRPr sz="1600" kern="1200">
+                <a:solidFill>
+                  <a:schemeClr val="tx1"/>
+                </a:solidFill>
+                <a:latin typeface="+mn-lt"/>
+                <a:ea typeface="Open Sans" panose="020B0606030504020204" pitchFamily="34" charset="0"/>
+                <a:cs typeface="Open Sans" panose="020B0606030504020204" pitchFamily="34" charset="0"/>
+              </a:defRPr>
+            </a:lvl5pPr>
+            <a:lvl6pPr marL="2514600" indent="-228600" algn="l" defTabSz="914400" rtl="0" eaLnBrk="1" latinLnBrk="0" hangingPunct="1">
+              <a:lnSpc>
+                <a:spcPct val="90000"/>
+              </a:lnSpc>
+              <a:spcBef>
+                <a:spcPts val="500"/>
+              </a:spcBef>
+              <a:buFont typeface="Arial" panose="020B0604020202020204" pitchFamily="34" charset="0"/>
+              <a:buChar char="•"/>
+              <a:defRPr sz="1800" kern="1200">
+                <a:solidFill>
+                  <a:schemeClr val="tx1"/>
+                </a:solidFill>
+                <a:latin typeface="+mn-lt"/>
+                <a:ea typeface="+mn-ea"/>
+                <a:cs typeface="+mn-cs"/>
+              </a:defRPr>
+            </a:lvl6pPr>
+            <a:lvl7pPr marL="2971800" indent="-228600" algn="l" defTabSz="914400" rtl="0" eaLnBrk="1" latinLnBrk="0" hangingPunct="1">
+              <a:lnSpc>
+                <a:spcPct val="90000"/>
+              </a:lnSpc>
+              <a:spcBef>
+                <a:spcPts val="500"/>
+              </a:spcBef>
+              <a:buFont typeface="Arial" panose="020B0604020202020204" pitchFamily="34" charset="0"/>
+              <a:buChar char="•"/>
+              <a:defRPr sz="1800" kern="1200">
+                <a:solidFill>
+                  <a:schemeClr val="tx1"/>
+                </a:solidFill>
+                <a:latin typeface="+mn-lt"/>
+                <a:ea typeface="+mn-ea"/>
+                <a:cs typeface="+mn-cs"/>
+              </a:defRPr>
+            </a:lvl7pPr>
+            <a:lvl8pPr marL="3429000" indent="-228600" algn="l" defTabSz="914400" rtl="0" eaLnBrk="1" latinLnBrk="0" hangingPunct="1">
+              <a:lnSpc>
+                <a:spcPct val="90000"/>
+              </a:lnSpc>
+              <a:spcBef>
+                <a:spcPts val="500"/>
+              </a:spcBef>
+              <a:buFont typeface="Arial" panose="020B0604020202020204" pitchFamily="34" charset="0"/>
+              <a:buChar char="•"/>
+              <a:defRPr sz="1800" kern="1200">
+                <a:solidFill>
+                  <a:schemeClr val="tx1"/>
+                </a:solidFill>
+                <a:latin typeface="+mn-lt"/>
+                <a:ea typeface="+mn-ea"/>
+                <a:cs typeface="+mn-cs"/>
+              </a:defRPr>
+            </a:lvl8pPr>
+            <a:lvl9pPr marL="3886200" indent="-228600" algn="l" defTabSz="914400" rtl="0" eaLnBrk="1" latinLnBrk="0" hangingPunct="1">
+              <a:lnSpc>
+                <a:spcPct val="90000"/>
+              </a:lnSpc>
+              <a:spcBef>
+                <a:spcPts val="500"/>
+              </a:spcBef>
+              <a:buFont typeface="Arial" panose="020B0604020202020204" pitchFamily="34" charset="0"/>
+              <a:buChar char="•"/>
+              <a:defRPr sz="1800" kern="1200">
+                <a:solidFill>
+                  <a:schemeClr val="tx1"/>
+                </a:solidFill>
+                <a:latin typeface="+mn-lt"/>
+                <a:ea typeface="+mn-ea"/>
+                <a:cs typeface="+mn-cs"/>
+              </a:defRPr>
+            </a:lvl9pPr>
+          </a:lstStyle>
+          <a:p>
+            <a:pPr marL="15875" indent="0">
+              <a:buNone/>
+            </a:pPr>
+            <a:r>
+              <a:rPr lang="en-US" sz="1400" dirty="0"/>
+              <a:t>store.py</a:t>
+            </a:r>
+          </a:p>
+        </p:txBody>
+      </p:sp>
+      <p:pic>
+        <p:nvPicPr>
+          <p:cNvPr id="5" name="Picture 4">
+            <a:extLst>
+              <a:ext uri="{FF2B5EF4-FFF2-40B4-BE49-F238E27FC236}">
+                <a16:creationId xmlns:a16="http://schemas.microsoft.com/office/drawing/2014/main" id="{8E438BD5-CAF1-1A4E-3688-20B887850D52}"/>
+              </a:ext>
+            </a:extLst>
+          </p:cNvPr>
+          <p:cNvPicPr>
+            <a:picLocks noChangeAspect="1"/>
+          </p:cNvPicPr>
+          <p:nvPr/>
+        </p:nvPicPr>
+        <p:blipFill>
+          <a:blip r:embed="rId3"/>
+          <a:stretch>
+            <a:fillRect/>
+          </a:stretch>
+        </p:blipFill>
+        <p:spPr>
+          <a:xfrm>
+            <a:off x="5461000" y="1748440"/>
+            <a:ext cx="4787900" cy="2899469"/>
+          </a:xfrm>
+          <a:prstGeom prst="rect">
+            <a:avLst/>
+          </a:prstGeom>
+        </p:spPr>
+      </p:pic>
+      <p:pic>
+        <p:nvPicPr>
+          <p:cNvPr id="8" name="Picture 7">
+            <a:extLst>
+              <a:ext uri="{FF2B5EF4-FFF2-40B4-BE49-F238E27FC236}">
+                <a16:creationId xmlns:a16="http://schemas.microsoft.com/office/drawing/2014/main" id="{7CD21CEF-B118-6815-9565-AA8D6AD2647E}"/>
+              </a:ext>
+            </a:extLst>
+          </p:cNvPr>
+          <p:cNvPicPr>
+            <a:picLocks noChangeAspect="1"/>
+          </p:cNvPicPr>
+          <p:nvPr/>
+        </p:nvPicPr>
+        <p:blipFill>
+          <a:blip r:embed="rId4"/>
+          <a:stretch>
+            <a:fillRect/>
+          </a:stretch>
+        </p:blipFill>
+        <p:spPr>
+          <a:xfrm>
+            <a:off x="1099933" y="1729656"/>
+            <a:ext cx="4238625" cy="3398688"/>
+          </a:xfrm>
+          <a:prstGeom prst="rect">
+            <a:avLst/>
+          </a:prstGeom>
+        </p:spPr>
+      </p:pic>
+    </p:spTree>
+    <p:extLst>
+      <p:ext uri="{BB962C8B-B14F-4D97-AF65-F5344CB8AC3E}">
+        <p14:creationId xmlns:p14="http://schemas.microsoft.com/office/powerpoint/2010/main" val="1390835625"/>
+      </p:ext>
+    </p:extLst>
+  </p:cSld>
+  <p:clrMapOvr>
+    <a:masterClrMapping/>
+  </p:clrMapOvr>
+</p:sld>
+</file>
+
+<file path=ppt/slides/slide16.xml><?xml version="1.0" encoding="utf-8"?>
+<p:sld xmlns:a="http://schemas.openxmlformats.org/drawingml/2006/main" xmlns:r="http://schemas.openxmlformats.org/officeDocument/2006/relationships" xmlns:p="http://schemas.openxmlformats.org/presentationml/2006/main">
+  <p:cSld>
+    <p:spTree>
+      <p:nvGrpSpPr>
+        <p:cNvPr id="1" name="">
+          <a:extLst>
+            <a:ext uri="{FF2B5EF4-FFF2-40B4-BE49-F238E27FC236}">
+              <a16:creationId xmlns:a16="http://schemas.microsoft.com/office/drawing/2014/main" id="{BB1FBC1D-E4D0-9079-D377-102A5DE979CC}"/>
+            </a:ext>
+          </a:extLst>
+        </p:cNvPr>
+        <p:cNvGrpSpPr/>
+        <p:nvPr/>
+      </p:nvGrpSpPr>
+      <p:grpSpPr>
+        <a:xfrm>
+          <a:off x="0" y="0"/>
+          <a:ext cx="0" cy="0"/>
+          <a:chOff x="0" y="0"/>
+          <a:chExt cx="0" cy="0"/>
+        </a:xfrm>
+      </p:grpSpPr>
+      <p:sp>
+        <p:nvSpPr>
+          <p:cNvPr id="4" name="Title 1">
+            <a:extLst>
+              <a:ext uri="{FF2B5EF4-FFF2-40B4-BE49-F238E27FC236}">
+                <a16:creationId xmlns:a16="http://schemas.microsoft.com/office/drawing/2014/main" id="{87DE4432-ACCC-E7D2-5849-5A02BB544F9E}"/>
+              </a:ext>
+            </a:extLst>
+          </p:cNvPr>
+          <p:cNvSpPr txBox="1">
+            <a:spLocks/>
+          </p:cNvSpPr>
+          <p:nvPr/>
+        </p:nvSpPr>
+        <p:spPr>
+          <a:xfrm>
+            <a:off x="990600" y="383056"/>
+            <a:ext cx="10515600" cy="853976"/>
+          </a:xfrm>
+          <a:prstGeom prst="rect">
+            <a:avLst/>
+          </a:prstGeom>
+        </p:spPr>
+        <p:txBody>
+          <a:bodyPr vert="horz" lIns="91440" tIns="45720" rIns="91440" bIns="45720" rtlCol="0" anchor="ctr">
+            <a:normAutofit/>
+          </a:bodyPr>
+          <a:lstStyle>
+            <a:lvl1pPr algn="l" defTabSz="914400" rtl="0" eaLnBrk="1" latinLnBrk="0" hangingPunct="1">
+              <a:lnSpc>
+                <a:spcPct val="90000"/>
+              </a:lnSpc>
+              <a:spcBef>
+                <a:spcPct val="0"/>
+              </a:spcBef>
+              <a:buNone/>
+              <a:defRPr sz="3600" b="1" i="0" kern="1200" cap="all" baseline="0">
+                <a:solidFill>
+                  <a:schemeClr val="tx2"/>
+                </a:solidFill>
+                <a:latin typeface="+mj-lt"/>
+                <a:ea typeface="Open Sans Semibold" panose="020B0606030504020204" pitchFamily="34" charset="0"/>
+                <a:cs typeface="Open Sans Semibold" panose="020B0606030504020204" pitchFamily="34" charset="0"/>
+              </a:defRPr>
+            </a:lvl1pPr>
+          </a:lstStyle>
+          <a:p>
+            <a:r>
+              <a:rPr lang="en-US" dirty="0"/>
+              <a:t>FLASK – BLUEPRINTS</a:t>
+            </a:r>
+            <a:endParaRPr lang="hr-HR" dirty="0"/>
+          </a:p>
+        </p:txBody>
+      </p:sp>
+      <p:sp>
+        <p:nvSpPr>
+          <p:cNvPr id="30" name="Content Placeholder 2">
+            <a:extLst>
+              <a:ext uri="{FF2B5EF4-FFF2-40B4-BE49-F238E27FC236}">
+                <a16:creationId xmlns:a16="http://schemas.microsoft.com/office/drawing/2014/main" id="{66D5A5D4-7778-BC0E-F52C-CFE0D3F3E8AA}"/>
+              </a:ext>
+            </a:extLst>
+          </p:cNvPr>
+          <p:cNvSpPr txBox="1">
+            <a:spLocks/>
+          </p:cNvSpPr>
+          <p:nvPr/>
+        </p:nvSpPr>
+        <p:spPr>
+          <a:xfrm>
+            <a:off x="990600" y="1264621"/>
+            <a:ext cx="1974646" cy="369895"/>
+          </a:xfrm>
+          <a:prstGeom prst="rect">
+            <a:avLst/>
+          </a:prstGeom>
+        </p:spPr>
+        <p:txBody>
+          <a:bodyPr vert="horz" lIns="91440" tIns="45720" rIns="91440" bIns="45720" rtlCol="0">
+            <a:noAutofit/>
+          </a:bodyPr>
+          <a:lstStyle>
+            <a:lvl1pPr marL="368300" indent="-352425" algn="l" defTabSz="914400" rtl="0" eaLnBrk="1" latinLnBrk="0" hangingPunct="1">
+              <a:lnSpc>
+                <a:spcPct val="90000"/>
+              </a:lnSpc>
+              <a:spcBef>
+                <a:spcPts val="600"/>
+              </a:spcBef>
+              <a:spcAft>
+                <a:spcPts val="600"/>
+              </a:spcAft>
+              <a:buClr>
+                <a:schemeClr val="accent2"/>
+              </a:buClr>
+              <a:buFont typeface="Wingdings" pitchFamily="2" charset="2"/>
+              <a:buChar char="§"/>
+              <a:tabLst/>
+              <a:defRPr sz="2400" kern="1200">
+                <a:solidFill>
+                  <a:schemeClr val="tx1"/>
+                </a:solidFill>
+                <a:latin typeface="+mn-lt"/>
+                <a:ea typeface="Open Sans" panose="020B0606030504020204" pitchFamily="34" charset="0"/>
+                <a:cs typeface="Open Sans" panose="020B0606030504020204" pitchFamily="34" charset="0"/>
+              </a:defRPr>
+            </a:lvl1pPr>
+            <a:lvl2pPr marL="771525" indent="-274638" algn="l" defTabSz="914400" rtl="0" eaLnBrk="1" latinLnBrk="0" hangingPunct="1">
+              <a:lnSpc>
+                <a:spcPct val="90000"/>
+              </a:lnSpc>
+              <a:spcBef>
+                <a:spcPts val="600"/>
+              </a:spcBef>
+              <a:spcAft>
+                <a:spcPts val="600"/>
+              </a:spcAft>
+              <a:buClr>
+                <a:schemeClr val="accent2"/>
+              </a:buClr>
+              <a:buFont typeface="Wingdings" pitchFamily="2" charset="2"/>
+              <a:buChar char="§"/>
+              <a:tabLst/>
+              <a:defRPr sz="2200" kern="1200">
+                <a:solidFill>
+                  <a:schemeClr val="tx1"/>
+                </a:solidFill>
+                <a:latin typeface="+mn-lt"/>
+                <a:ea typeface="Open Sans" panose="020B0606030504020204" pitchFamily="34" charset="0"/>
+                <a:cs typeface="Open Sans" panose="020B0606030504020204" pitchFamily="34" charset="0"/>
+              </a:defRPr>
+            </a:lvl2pPr>
+            <a:lvl3pPr marL="1143000" indent="-228600" algn="l" defTabSz="914400" rtl="0" eaLnBrk="1" latinLnBrk="0" hangingPunct="1">
+              <a:lnSpc>
+                <a:spcPct val="90000"/>
+              </a:lnSpc>
+              <a:spcBef>
+                <a:spcPts val="600"/>
+              </a:spcBef>
+              <a:spcAft>
+                <a:spcPts val="600"/>
+              </a:spcAft>
+              <a:buClr>
+                <a:schemeClr val="accent2"/>
+              </a:buClr>
+              <a:buFont typeface="Wingdings" pitchFamily="2" charset="2"/>
+              <a:buChar char="§"/>
+              <a:defRPr sz="2000" kern="1200">
+                <a:solidFill>
+                  <a:schemeClr val="tx1"/>
+                </a:solidFill>
+                <a:latin typeface="+mn-lt"/>
+                <a:ea typeface="Open Sans" panose="020B0606030504020204" pitchFamily="34" charset="0"/>
+                <a:cs typeface="Open Sans" panose="020B0606030504020204" pitchFamily="34" charset="0"/>
+              </a:defRPr>
+            </a:lvl3pPr>
+            <a:lvl4pPr marL="1600200" indent="-228600" algn="l" defTabSz="914400" rtl="0" eaLnBrk="1" latinLnBrk="0" hangingPunct="1">
+              <a:lnSpc>
+                <a:spcPct val="90000"/>
+              </a:lnSpc>
+              <a:spcBef>
+                <a:spcPts val="600"/>
+              </a:spcBef>
+              <a:spcAft>
+                <a:spcPts val="600"/>
+              </a:spcAft>
+              <a:buClr>
+                <a:schemeClr val="accent2"/>
+              </a:buClr>
+              <a:buFont typeface="Wingdings" pitchFamily="2" charset="2"/>
+              <a:buChar char="§"/>
+              <a:defRPr sz="1800" kern="1200">
+                <a:solidFill>
+                  <a:schemeClr val="tx1"/>
+                </a:solidFill>
+                <a:latin typeface="+mn-lt"/>
+                <a:ea typeface="Open Sans" panose="020B0606030504020204" pitchFamily="34" charset="0"/>
+                <a:cs typeface="Open Sans" panose="020B0606030504020204" pitchFamily="34" charset="0"/>
+              </a:defRPr>
+            </a:lvl4pPr>
+            <a:lvl5pPr marL="1960563" indent="-225425" algn="l" defTabSz="914400" rtl="0" eaLnBrk="1" latinLnBrk="0" hangingPunct="1">
+              <a:lnSpc>
+                <a:spcPct val="90000"/>
+              </a:lnSpc>
+              <a:spcBef>
+                <a:spcPts val="600"/>
+              </a:spcBef>
+              <a:spcAft>
+                <a:spcPts val="600"/>
+              </a:spcAft>
+              <a:buClr>
+                <a:schemeClr val="accent2"/>
+              </a:buClr>
+              <a:buFont typeface="Wingdings" pitchFamily="2" charset="2"/>
+              <a:buChar char="§"/>
+              <a:tabLst/>
+              <a:defRPr sz="1600" kern="1200">
+                <a:solidFill>
+                  <a:schemeClr val="tx1"/>
+                </a:solidFill>
+                <a:latin typeface="+mn-lt"/>
+                <a:ea typeface="Open Sans" panose="020B0606030504020204" pitchFamily="34" charset="0"/>
+                <a:cs typeface="Open Sans" panose="020B0606030504020204" pitchFamily="34" charset="0"/>
+              </a:defRPr>
+            </a:lvl5pPr>
+            <a:lvl6pPr marL="2514600" indent="-228600" algn="l" defTabSz="914400" rtl="0" eaLnBrk="1" latinLnBrk="0" hangingPunct="1">
+              <a:lnSpc>
+                <a:spcPct val="90000"/>
+              </a:lnSpc>
+              <a:spcBef>
+                <a:spcPts val="500"/>
+              </a:spcBef>
+              <a:buFont typeface="Arial" panose="020B0604020202020204" pitchFamily="34" charset="0"/>
+              <a:buChar char="•"/>
+              <a:defRPr sz="1800" kern="1200">
+                <a:solidFill>
+                  <a:schemeClr val="tx1"/>
+                </a:solidFill>
+                <a:latin typeface="+mn-lt"/>
+                <a:ea typeface="+mn-ea"/>
+                <a:cs typeface="+mn-cs"/>
+              </a:defRPr>
+            </a:lvl6pPr>
+            <a:lvl7pPr marL="2971800" indent="-228600" algn="l" defTabSz="914400" rtl="0" eaLnBrk="1" latinLnBrk="0" hangingPunct="1">
+              <a:lnSpc>
+                <a:spcPct val="90000"/>
+              </a:lnSpc>
+              <a:spcBef>
+                <a:spcPts val="500"/>
+              </a:spcBef>
+              <a:buFont typeface="Arial" panose="020B0604020202020204" pitchFamily="34" charset="0"/>
+              <a:buChar char="•"/>
+              <a:defRPr sz="1800" kern="1200">
+                <a:solidFill>
+                  <a:schemeClr val="tx1"/>
+                </a:solidFill>
+                <a:latin typeface="+mn-lt"/>
+                <a:ea typeface="+mn-ea"/>
+                <a:cs typeface="+mn-cs"/>
+              </a:defRPr>
+            </a:lvl7pPr>
+            <a:lvl8pPr marL="3429000" indent="-228600" algn="l" defTabSz="914400" rtl="0" eaLnBrk="1" latinLnBrk="0" hangingPunct="1">
+              <a:lnSpc>
+                <a:spcPct val="90000"/>
+              </a:lnSpc>
+              <a:spcBef>
+                <a:spcPts val="500"/>
+              </a:spcBef>
+              <a:buFont typeface="Arial" panose="020B0604020202020204" pitchFamily="34" charset="0"/>
+              <a:buChar char="•"/>
+              <a:defRPr sz="1800" kern="1200">
+                <a:solidFill>
+                  <a:schemeClr val="tx1"/>
+                </a:solidFill>
+                <a:latin typeface="+mn-lt"/>
+                <a:ea typeface="+mn-ea"/>
+                <a:cs typeface="+mn-cs"/>
+              </a:defRPr>
+            </a:lvl8pPr>
+            <a:lvl9pPr marL="3886200" indent="-228600" algn="l" defTabSz="914400" rtl="0" eaLnBrk="1" latinLnBrk="0" hangingPunct="1">
+              <a:lnSpc>
+                <a:spcPct val="90000"/>
+              </a:lnSpc>
+              <a:spcBef>
+                <a:spcPts val="500"/>
+              </a:spcBef>
+              <a:buFont typeface="Arial" panose="020B0604020202020204" pitchFamily="34" charset="0"/>
+              <a:buChar char="•"/>
+              <a:defRPr sz="1800" kern="1200">
+                <a:solidFill>
+                  <a:schemeClr val="tx1"/>
+                </a:solidFill>
+                <a:latin typeface="+mn-lt"/>
+                <a:ea typeface="+mn-ea"/>
+                <a:cs typeface="+mn-cs"/>
+              </a:defRPr>
+            </a:lvl9pPr>
+          </a:lstStyle>
+          <a:p>
+            <a:pPr marL="15875" indent="0">
+              <a:buNone/>
+            </a:pPr>
+            <a:r>
+              <a:rPr lang="en-US" sz="1400" dirty="0"/>
+              <a:t>app.py</a:t>
+            </a:r>
+          </a:p>
+        </p:txBody>
+      </p:sp>
+      <p:pic>
+        <p:nvPicPr>
+          <p:cNvPr id="3" name="Picture 2">
+            <a:extLst>
+              <a:ext uri="{FF2B5EF4-FFF2-40B4-BE49-F238E27FC236}">
+                <a16:creationId xmlns:a16="http://schemas.microsoft.com/office/drawing/2014/main" id="{63F197A8-5E26-59FB-2A72-AF92D665174D}"/>
+              </a:ext>
+            </a:extLst>
+          </p:cNvPr>
+          <p:cNvPicPr>
+            <a:picLocks noChangeAspect="1"/>
+          </p:cNvPicPr>
+          <p:nvPr/>
+        </p:nvPicPr>
+        <p:blipFill>
+          <a:blip r:embed="rId3"/>
+          <a:stretch>
+            <a:fillRect/>
+          </a:stretch>
+        </p:blipFill>
+        <p:spPr>
+          <a:xfrm>
+            <a:off x="1117600" y="1724826"/>
+            <a:ext cx="5262138" cy="2776537"/>
+          </a:xfrm>
+          <a:prstGeom prst="rect">
+            <a:avLst/>
+          </a:prstGeom>
+        </p:spPr>
+      </p:pic>
+    </p:spTree>
+    <p:extLst>
+      <p:ext uri="{BB962C8B-B14F-4D97-AF65-F5344CB8AC3E}">
+        <p14:creationId xmlns:p14="http://schemas.microsoft.com/office/powerpoint/2010/main" val="356203663"/>
+      </p:ext>
+    </p:extLst>
+  </p:cSld>
+  <p:clrMapOvr>
+    <a:masterClrMapping/>
+  </p:clrMapOvr>
+</p:sld>
+</file>
+
+<file path=ppt/slides/slide17.xml><?xml version="1.0" encoding="utf-8"?>
+<p:sld xmlns:a="http://schemas.openxmlformats.org/drawingml/2006/main" xmlns:r="http://schemas.openxmlformats.org/officeDocument/2006/relationships" xmlns:p="http://schemas.openxmlformats.org/presentationml/2006/main">
+  <p:cSld>
+    <p:spTree>
+      <p:nvGrpSpPr>
+        <p:cNvPr id="1" name="">
+          <a:extLst>
+            <a:ext uri="{FF2B5EF4-FFF2-40B4-BE49-F238E27FC236}">
+              <a16:creationId xmlns:a16="http://schemas.microsoft.com/office/drawing/2014/main" id="{63DFC997-CBA9-F464-B9CA-91D971FC30C2}"/>
+            </a:ext>
+          </a:extLst>
+        </p:cNvPr>
+        <p:cNvGrpSpPr/>
+        <p:nvPr/>
+      </p:nvGrpSpPr>
+      <p:grpSpPr>
+        <a:xfrm>
+          <a:off x="0" y="0"/>
+          <a:ext cx="0" cy="0"/>
+          <a:chOff x="0" y="0"/>
+          <a:chExt cx="0" cy="0"/>
+        </a:xfrm>
+      </p:grpSpPr>
+      <p:sp>
+        <p:nvSpPr>
+          <p:cNvPr id="4" name="Title 1">
+            <a:extLst>
+              <a:ext uri="{FF2B5EF4-FFF2-40B4-BE49-F238E27FC236}">
+                <a16:creationId xmlns:a16="http://schemas.microsoft.com/office/drawing/2014/main" id="{067F7721-1C17-14CE-47F0-8A8252FB6C78}"/>
+              </a:ext>
+            </a:extLst>
+          </p:cNvPr>
+          <p:cNvSpPr txBox="1">
+            <a:spLocks/>
+          </p:cNvSpPr>
+          <p:nvPr/>
+        </p:nvSpPr>
+        <p:spPr>
+          <a:xfrm>
+            <a:off x="990600" y="383056"/>
+            <a:ext cx="10515600" cy="853976"/>
+          </a:xfrm>
+          <a:prstGeom prst="rect">
+            <a:avLst/>
+          </a:prstGeom>
+        </p:spPr>
+        <p:txBody>
+          <a:bodyPr vert="horz" lIns="91440" tIns="45720" rIns="91440" bIns="45720" rtlCol="0" anchor="ctr">
+            <a:normAutofit/>
+          </a:bodyPr>
+          <a:lstStyle>
+            <a:lvl1pPr algn="l" defTabSz="914400" rtl="0" eaLnBrk="1" latinLnBrk="0" hangingPunct="1">
+              <a:lnSpc>
+                <a:spcPct val="90000"/>
+              </a:lnSpc>
+              <a:spcBef>
+                <a:spcPct val="0"/>
+              </a:spcBef>
+              <a:buNone/>
+              <a:defRPr sz="3600" b="1" i="0" kern="1200" cap="all" baseline="0">
+                <a:solidFill>
+                  <a:schemeClr val="tx2"/>
+                </a:solidFill>
+                <a:latin typeface="+mj-lt"/>
+                <a:ea typeface="Open Sans Semibold" panose="020B0606030504020204" pitchFamily="34" charset="0"/>
+                <a:cs typeface="Open Sans Semibold" panose="020B0606030504020204" pitchFamily="34" charset="0"/>
+              </a:defRPr>
+            </a:lvl1pPr>
+          </a:lstStyle>
+          <a:p>
+            <a:r>
+              <a:rPr lang="en-US" dirty="0"/>
+              <a:t>FLASK – SWAGGER</a:t>
+            </a:r>
+            <a:endParaRPr lang="hr-HR" dirty="0"/>
+          </a:p>
+        </p:txBody>
+      </p:sp>
+      <p:sp>
+        <p:nvSpPr>
+          <p:cNvPr id="30" name="Content Placeholder 2">
+            <a:extLst>
+              <a:ext uri="{FF2B5EF4-FFF2-40B4-BE49-F238E27FC236}">
+                <a16:creationId xmlns:a16="http://schemas.microsoft.com/office/drawing/2014/main" id="{CC14F7DB-A6CB-14EF-48AF-BBC7377F6B6C}"/>
+              </a:ext>
+            </a:extLst>
+          </p:cNvPr>
+          <p:cNvSpPr txBox="1">
+            <a:spLocks/>
+          </p:cNvSpPr>
+          <p:nvPr/>
+        </p:nvSpPr>
+        <p:spPr>
+          <a:xfrm>
+            <a:off x="990600" y="1264621"/>
+            <a:ext cx="1974646" cy="369895"/>
+          </a:xfrm>
+          <a:prstGeom prst="rect">
+            <a:avLst/>
+          </a:prstGeom>
+        </p:spPr>
+        <p:txBody>
+          <a:bodyPr vert="horz" lIns="91440" tIns="45720" rIns="91440" bIns="45720" rtlCol="0">
+            <a:noAutofit/>
+          </a:bodyPr>
+          <a:lstStyle>
+            <a:lvl1pPr marL="368300" indent="-352425" algn="l" defTabSz="914400" rtl="0" eaLnBrk="1" latinLnBrk="0" hangingPunct="1">
+              <a:lnSpc>
+                <a:spcPct val="90000"/>
+              </a:lnSpc>
+              <a:spcBef>
+                <a:spcPts val="600"/>
+              </a:spcBef>
+              <a:spcAft>
+                <a:spcPts val="600"/>
+              </a:spcAft>
+              <a:buClr>
+                <a:schemeClr val="accent2"/>
+              </a:buClr>
+              <a:buFont typeface="Wingdings" pitchFamily="2" charset="2"/>
+              <a:buChar char="§"/>
+              <a:tabLst/>
+              <a:defRPr sz="2400" kern="1200">
+                <a:solidFill>
+                  <a:schemeClr val="tx1"/>
+                </a:solidFill>
+                <a:latin typeface="+mn-lt"/>
+                <a:ea typeface="Open Sans" panose="020B0606030504020204" pitchFamily="34" charset="0"/>
+                <a:cs typeface="Open Sans" panose="020B0606030504020204" pitchFamily="34" charset="0"/>
+              </a:defRPr>
+            </a:lvl1pPr>
+            <a:lvl2pPr marL="771525" indent="-274638" algn="l" defTabSz="914400" rtl="0" eaLnBrk="1" latinLnBrk="0" hangingPunct="1">
+              <a:lnSpc>
+                <a:spcPct val="90000"/>
+              </a:lnSpc>
+              <a:spcBef>
+                <a:spcPts val="600"/>
+              </a:spcBef>
+              <a:spcAft>
+                <a:spcPts val="600"/>
+              </a:spcAft>
+              <a:buClr>
+                <a:schemeClr val="accent2"/>
+              </a:buClr>
+              <a:buFont typeface="Wingdings" pitchFamily="2" charset="2"/>
+              <a:buChar char="§"/>
+              <a:tabLst/>
+              <a:defRPr sz="2200" kern="1200">
+                <a:solidFill>
+                  <a:schemeClr val="tx1"/>
+                </a:solidFill>
+                <a:latin typeface="+mn-lt"/>
+                <a:ea typeface="Open Sans" panose="020B0606030504020204" pitchFamily="34" charset="0"/>
+                <a:cs typeface="Open Sans" panose="020B0606030504020204" pitchFamily="34" charset="0"/>
+              </a:defRPr>
+            </a:lvl2pPr>
+            <a:lvl3pPr marL="1143000" indent="-228600" algn="l" defTabSz="914400" rtl="0" eaLnBrk="1" latinLnBrk="0" hangingPunct="1">
+              <a:lnSpc>
+                <a:spcPct val="90000"/>
+              </a:lnSpc>
+              <a:spcBef>
+                <a:spcPts val="600"/>
+              </a:spcBef>
+              <a:spcAft>
+                <a:spcPts val="600"/>
+              </a:spcAft>
+              <a:buClr>
+                <a:schemeClr val="accent2"/>
+              </a:buClr>
+              <a:buFont typeface="Wingdings" pitchFamily="2" charset="2"/>
+              <a:buChar char="§"/>
+              <a:defRPr sz="2000" kern="1200">
+                <a:solidFill>
+                  <a:schemeClr val="tx1"/>
+                </a:solidFill>
+                <a:latin typeface="+mn-lt"/>
+                <a:ea typeface="Open Sans" panose="020B0606030504020204" pitchFamily="34" charset="0"/>
+                <a:cs typeface="Open Sans" panose="020B0606030504020204" pitchFamily="34" charset="0"/>
+              </a:defRPr>
+            </a:lvl3pPr>
+            <a:lvl4pPr marL="1600200" indent="-228600" algn="l" defTabSz="914400" rtl="0" eaLnBrk="1" latinLnBrk="0" hangingPunct="1">
+              <a:lnSpc>
+                <a:spcPct val="90000"/>
+              </a:lnSpc>
+              <a:spcBef>
+                <a:spcPts val="600"/>
+              </a:spcBef>
+              <a:spcAft>
+                <a:spcPts val="600"/>
+              </a:spcAft>
+              <a:buClr>
+                <a:schemeClr val="accent2"/>
+              </a:buClr>
+              <a:buFont typeface="Wingdings" pitchFamily="2" charset="2"/>
+              <a:buChar char="§"/>
+              <a:defRPr sz="1800" kern="1200">
+                <a:solidFill>
+                  <a:schemeClr val="tx1"/>
+                </a:solidFill>
+                <a:latin typeface="+mn-lt"/>
+                <a:ea typeface="Open Sans" panose="020B0606030504020204" pitchFamily="34" charset="0"/>
+                <a:cs typeface="Open Sans" panose="020B0606030504020204" pitchFamily="34" charset="0"/>
+              </a:defRPr>
+            </a:lvl4pPr>
+            <a:lvl5pPr marL="1960563" indent="-225425" algn="l" defTabSz="914400" rtl="0" eaLnBrk="1" latinLnBrk="0" hangingPunct="1">
+              <a:lnSpc>
+                <a:spcPct val="90000"/>
+              </a:lnSpc>
+              <a:spcBef>
+                <a:spcPts val="600"/>
+              </a:spcBef>
+              <a:spcAft>
+                <a:spcPts val="600"/>
+              </a:spcAft>
+              <a:buClr>
+                <a:schemeClr val="accent2"/>
+              </a:buClr>
+              <a:buFont typeface="Wingdings" pitchFamily="2" charset="2"/>
+              <a:buChar char="§"/>
+              <a:tabLst/>
+              <a:defRPr sz="1600" kern="1200">
+                <a:solidFill>
+                  <a:schemeClr val="tx1"/>
+                </a:solidFill>
+                <a:latin typeface="+mn-lt"/>
+                <a:ea typeface="Open Sans" panose="020B0606030504020204" pitchFamily="34" charset="0"/>
+                <a:cs typeface="Open Sans" panose="020B0606030504020204" pitchFamily="34" charset="0"/>
+              </a:defRPr>
+            </a:lvl5pPr>
+            <a:lvl6pPr marL="2514600" indent="-228600" algn="l" defTabSz="914400" rtl="0" eaLnBrk="1" latinLnBrk="0" hangingPunct="1">
+              <a:lnSpc>
+                <a:spcPct val="90000"/>
+              </a:lnSpc>
+              <a:spcBef>
+                <a:spcPts val="500"/>
+              </a:spcBef>
+              <a:buFont typeface="Arial" panose="020B0604020202020204" pitchFamily="34" charset="0"/>
+              <a:buChar char="•"/>
+              <a:defRPr sz="1800" kern="1200">
+                <a:solidFill>
+                  <a:schemeClr val="tx1"/>
+                </a:solidFill>
+                <a:latin typeface="+mn-lt"/>
+                <a:ea typeface="+mn-ea"/>
+                <a:cs typeface="+mn-cs"/>
+              </a:defRPr>
+            </a:lvl6pPr>
+            <a:lvl7pPr marL="2971800" indent="-228600" algn="l" defTabSz="914400" rtl="0" eaLnBrk="1" latinLnBrk="0" hangingPunct="1">
+              <a:lnSpc>
+                <a:spcPct val="90000"/>
+              </a:lnSpc>
+              <a:spcBef>
+                <a:spcPts val="500"/>
+              </a:spcBef>
+              <a:buFont typeface="Arial" panose="020B0604020202020204" pitchFamily="34" charset="0"/>
+              <a:buChar char="•"/>
+              <a:defRPr sz="1800" kern="1200">
+                <a:solidFill>
+                  <a:schemeClr val="tx1"/>
+                </a:solidFill>
+                <a:latin typeface="+mn-lt"/>
+                <a:ea typeface="+mn-ea"/>
+                <a:cs typeface="+mn-cs"/>
+              </a:defRPr>
+            </a:lvl7pPr>
+            <a:lvl8pPr marL="3429000" indent="-228600" algn="l" defTabSz="914400" rtl="0" eaLnBrk="1" latinLnBrk="0" hangingPunct="1">
+              <a:lnSpc>
+                <a:spcPct val="90000"/>
+              </a:lnSpc>
+              <a:spcBef>
+                <a:spcPts val="500"/>
+              </a:spcBef>
+              <a:buFont typeface="Arial" panose="020B0604020202020204" pitchFamily="34" charset="0"/>
+              <a:buChar char="•"/>
+              <a:defRPr sz="1800" kern="1200">
+                <a:solidFill>
+                  <a:schemeClr val="tx1"/>
+                </a:solidFill>
+                <a:latin typeface="+mn-lt"/>
+                <a:ea typeface="+mn-ea"/>
+                <a:cs typeface="+mn-cs"/>
+              </a:defRPr>
+            </a:lvl8pPr>
+            <a:lvl9pPr marL="3886200" indent="-228600" algn="l" defTabSz="914400" rtl="0" eaLnBrk="1" latinLnBrk="0" hangingPunct="1">
+              <a:lnSpc>
+                <a:spcPct val="90000"/>
+              </a:lnSpc>
+              <a:spcBef>
+                <a:spcPts val="500"/>
+              </a:spcBef>
+              <a:buFont typeface="Arial" panose="020B0604020202020204" pitchFamily="34" charset="0"/>
+              <a:buChar char="•"/>
+              <a:defRPr sz="1800" kern="1200">
+                <a:solidFill>
+                  <a:schemeClr val="tx1"/>
+                </a:solidFill>
+                <a:latin typeface="+mn-lt"/>
+                <a:ea typeface="+mn-ea"/>
+                <a:cs typeface="+mn-cs"/>
+              </a:defRPr>
+            </a:lvl9pPr>
+          </a:lstStyle>
+          <a:p>
+            <a:pPr marL="15875" indent="0">
+              <a:buNone/>
+            </a:pPr>
+            <a:r>
+              <a:rPr lang="en-US" sz="1400" dirty="0"/>
+              <a:t>app.py</a:t>
+            </a:r>
+          </a:p>
+        </p:txBody>
+      </p:sp>
+      <p:pic>
+        <p:nvPicPr>
+          <p:cNvPr id="5" name="Picture 4">
+            <a:extLst>
+              <a:ext uri="{FF2B5EF4-FFF2-40B4-BE49-F238E27FC236}">
+                <a16:creationId xmlns:a16="http://schemas.microsoft.com/office/drawing/2014/main" id="{C2C045CB-873A-E001-7E63-B812FBFB9B79}"/>
+              </a:ext>
+            </a:extLst>
+          </p:cNvPr>
+          <p:cNvPicPr>
+            <a:picLocks noChangeAspect="1"/>
+          </p:cNvPicPr>
+          <p:nvPr/>
+        </p:nvPicPr>
+        <p:blipFill>
+          <a:blip r:embed="rId3"/>
+          <a:stretch>
+            <a:fillRect/>
+          </a:stretch>
+        </p:blipFill>
+        <p:spPr>
+          <a:xfrm>
+            <a:off x="1125435" y="1758950"/>
+            <a:ext cx="1704975" cy="419100"/>
+          </a:xfrm>
+          <a:prstGeom prst="rect">
+            <a:avLst/>
+          </a:prstGeom>
+        </p:spPr>
+      </p:pic>
+      <p:pic>
+        <p:nvPicPr>
+          <p:cNvPr id="7" name="Picture 6">
+            <a:extLst>
+              <a:ext uri="{FF2B5EF4-FFF2-40B4-BE49-F238E27FC236}">
+                <a16:creationId xmlns:a16="http://schemas.microsoft.com/office/drawing/2014/main" id="{239EEE51-2166-06C3-C1F7-B17FC72B172C}"/>
+              </a:ext>
+            </a:extLst>
+          </p:cNvPr>
+          <p:cNvPicPr>
+            <a:picLocks noChangeAspect="1"/>
+          </p:cNvPicPr>
+          <p:nvPr/>
+        </p:nvPicPr>
+        <p:blipFill>
+          <a:blip r:embed="rId4"/>
+          <a:stretch>
+            <a:fillRect/>
+          </a:stretch>
+        </p:blipFill>
+        <p:spPr>
+          <a:xfrm>
+            <a:off x="1125435" y="2500467"/>
+            <a:ext cx="6530195" cy="2292055"/>
+          </a:xfrm>
+          <a:prstGeom prst="rect">
+            <a:avLst/>
+          </a:prstGeom>
+        </p:spPr>
+      </p:pic>
+      <p:sp>
+        <p:nvSpPr>
+          <p:cNvPr id="8" name="Content Placeholder 2">
+            <a:extLst>
+              <a:ext uri="{FF2B5EF4-FFF2-40B4-BE49-F238E27FC236}">
+                <a16:creationId xmlns:a16="http://schemas.microsoft.com/office/drawing/2014/main" id="{8606ACE3-0F95-54B9-9DD6-4F251A12C93F}"/>
+              </a:ext>
+            </a:extLst>
+          </p:cNvPr>
+          <p:cNvSpPr txBox="1">
+            <a:spLocks/>
+          </p:cNvSpPr>
+          <p:nvPr/>
+        </p:nvSpPr>
+        <p:spPr>
+          <a:xfrm>
+            <a:off x="5227382" y="1449568"/>
+            <a:ext cx="6727159" cy="1458732"/>
+          </a:xfrm>
+          <a:prstGeom prst="rect">
+            <a:avLst/>
+          </a:prstGeom>
+        </p:spPr>
+        <p:txBody>
+          <a:bodyPr vert="horz" lIns="91440" tIns="45720" rIns="91440" bIns="45720" rtlCol="0">
+            <a:noAutofit/>
+          </a:bodyPr>
+          <a:lstStyle>
+            <a:lvl1pPr marL="368300" indent="-352425" algn="l" defTabSz="914400" rtl="0" eaLnBrk="1" latinLnBrk="0" hangingPunct="1">
+              <a:lnSpc>
+                <a:spcPct val="90000"/>
+              </a:lnSpc>
+              <a:spcBef>
+                <a:spcPts val="600"/>
+              </a:spcBef>
+              <a:spcAft>
+                <a:spcPts val="600"/>
+              </a:spcAft>
+              <a:buClr>
+                <a:schemeClr val="accent2"/>
+              </a:buClr>
+              <a:buFont typeface="Wingdings" pitchFamily="2" charset="2"/>
+              <a:buChar char="§"/>
+              <a:tabLst/>
+              <a:defRPr sz="2400" kern="1200">
+                <a:solidFill>
+                  <a:schemeClr val="tx1"/>
+                </a:solidFill>
+                <a:latin typeface="+mn-lt"/>
+                <a:ea typeface="Open Sans" panose="020B0606030504020204" pitchFamily="34" charset="0"/>
+                <a:cs typeface="Open Sans" panose="020B0606030504020204" pitchFamily="34" charset="0"/>
+              </a:defRPr>
+            </a:lvl1pPr>
+            <a:lvl2pPr marL="771525" indent="-274638" algn="l" defTabSz="914400" rtl="0" eaLnBrk="1" latinLnBrk="0" hangingPunct="1">
+              <a:lnSpc>
+                <a:spcPct val="90000"/>
+              </a:lnSpc>
+              <a:spcBef>
+                <a:spcPts val="600"/>
+              </a:spcBef>
+              <a:spcAft>
+                <a:spcPts val="600"/>
+              </a:spcAft>
+              <a:buClr>
+                <a:schemeClr val="accent2"/>
+              </a:buClr>
+              <a:buFont typeface="Wingdings" pitchFamily="2" charset="2"/>
+              <a:buChar char="§"/>
+              <a:tabLst/>
+              <a:defRPr sz="2200" kern="1200">
+                <a:solidFill>
+                  <a:schemeClr val="tx1"/>
+                </a:solidFill>
+                <a:latin typeface="+mn-lt"/>
+                <a:ea typeface="Open Sans" panose="020B0606030504020204" pitchFamily="34" charset="0"/>
+                <a:cs typeface="Open Sans" panose="020B0606030504020204" pitchFamily="34" charset="0"/>
+              </a:defRPr>
+            </a:lvl2pPr>
+            <a:lvl3pPr marL="1143000" indent="-228600" algn="l" defTabSz="914400" rtl="0" eaLnBrk="1" latinLnBrk="0" hangingPunct="1">
+              <a:lnSpc>
+                <a:spcPct val="90000"/>
+              </a:lnSpc>
+              <a:spcBef>
+                <a:spcPts val="600"/>
+              </a:spcBef>
+              <a:spcAft>
+                <a:spcPts val="600"/>
+              </a:spcAft>
+              <a:buClr>
+                <a:schemeClr val="accent2"/>
+              </a:buClr>
+              <a:buFont typeface="Wingdings" pitchFamily="2" charset="2"/>
+              <a:buChar char="§"/>
+              <a:defRPr sz="2000" kern="1200">
+                <a:solidFill>
+                  <a:schemeClr val="tx1"/>
+                </a:solidFill>
+                <a:latin typeface="+mn-lt"/>
+                <a:ea typeface="Open Sans" panose="020B0606030504020204" pitchFamily="34" charset="0"/>
+                <a:cs typeface="Open Sans" panose="020B0606030504020204" pitchFamily="34" charset="0"/>
+              </a:defRPr>
+            </a:lvl3pPr>
+            <a:lvl4pPr marL="1600200" indent="-228600" algn="l" defTabSz="914400" rtl="0" eaLnBrk="1" latinLnBrk="0" hangingPunct="1">
+              <a:lnSpc>
+                <a:spcPct val="90000"/>
+              </a:lnSpc>
+              <a:spcBef>
+                <a:spcPts val="600"/>
+              </a:spcBef>
+              <a:spcAft>
+                <a:spcPts val="600"/>
+              </a:spcAft>
+              <a:buClr>
+                <a:schemeClr val="accent2"/>
+              </a:buClr>
+              <a:buFont typeface="Wingdings" pitchFamily="2" charset="2"/>
+              <a:buChar char="§"/>
+              <a:defRPr sz="1800" kern="1200">
+                <a:solidFill>
+                  <a:schemeClr val="tx1"/>
+                </a:solidFill>
+                <a:latin typeface="+mn-lt"/>
+                <a:ea typeface="Open Sans" panose="020B0606030504020204" pitchFamily="34" charset="0"/>
+                <a:cs typeface="Open Sans" panose="020B0606030504020204" pitchFamily="34" charset="0"/>
+              </a:defRPr>
+            </a:lvl4pPr>
+            <a:lvl5pPr marL="1960563" indent="-225425" algn="l" defTabSz="914400" rtl="0" eaLnBrk="1" latinLnBrk="0" hangingPunct="1">
+              <a:lnSpc>
+                <a:spcPct val="90000"/>
+              </a:lnSpc>
+              <a:spcBef>
+                <a:spcPts val="600"/>
+              </a:spcBef>
+              <a:spcAft>
+                <a:spcPts val="600"/>
+              </a:spcAft>
+              <a:buClr>
+                <a:schemeClr val="accent2"/>
+              </a:buClr>
+              <a:buFont typeface="Wingdings" pitchFamily="2" charset="2"/>
+              <a:buChar char="§"/>
+              <a:tabLst/>
+              <a:defRPr sz="1600" kern="1200">
+                <a:solidFill>
+                  <a:schemeClr val="tx1"/>
+                </a:solidFill>
+                <a:latin typeface="+mn-lt"/>
+                <a:ea typeface="Open Sans" panose="020B0606030504020204" pitchFamily="34" charset="0"/>
+                <a:cs typeface="Open Sans" panose="020B0606030504020204" pitchFamily="34" charset="0"/>
+              </a:defRPr>
+            </a:lvl5pPr>
+            <a:lvl6pPr marL="2514600" indent="-228600" algn="l" defTabSz="914400" rtl="0" eaLnBrk="1" latinLnBrk="0" hangingPunct="1">
+              <a:lnSpc>
+                <a:spcPct val="90000"/>
+              </a:lnSpc>
+              <a:spcBef>
+                <a:spcPts val="500"/>
+              </a:spcBef>
+              <a:buFont typeface="Arial" panose="020B0604020202020204" pitchFamily="34" charset="0"/>
+              <a:buChar char="•"/>
+              <a:defRPr sz="1800" kern="1200">
+                <a:solidFill>
+                  <a:schemeClr val="tx1"/>
+                </a:solidFill>
+                <a:latin typeface="+mn-lt"/>
+                <a:ea typeface="+mn-ea"/>
+                <a:cs typeface="+mn-cs"/>
+              </a:defRPr>
+            </a:lvl6pPr>
+            <a:lvl7pPr marL="2971800" indent="-228600" algn="l" defTabSz="914400" rtl="0" eaLnBrk="1" latinLnBrk="0" hangingPunct="1">
+              <a:lnSpc>
+                <a:spcPct val="90000"/>
+              </a:lnSpc>
+              <a:spcBef>
+                <a:spcPts val="500"/>
+              </a:spcBef>
+              <a:buFont typeface="Arial" panose="020B0604020202020204" pitchFamily="34" charset="0"/>
+              <a:buChar char="•"/>
+              <a:defRPr sz="1800" kern="1200">
+                <a:solidFill>
+                  <a:schemeClr val="tx1"/>
+                </a:solidFill>
+                <a:latin typeface="+mn-lt"/>
+                <a:ea typeface="+mn-ea"/>
+                <a:cs typeface="+mn-cs"/>
+              </a:defRPr>
+            </a:lvl7pPr>
+            <a:lvl8pPr marL="3429000" indent="-228600" algn="l" defTabSz="914400" rtl="0" eaLnBrk="1" latinLnBrk="0" hangingPunct="1">
+              <a:lnSpc>
+                <a:spcPct val="90000"/>
+              </a:lnSpc>
+              <a:spcBef>
+                <a:spcPts val="500"/>
+              </a:spcBef>
+              <a:buFont typeface="Arial" panose="020B0604020202020204" pitchFamily="34" charset="0"/>
+              <a:buChar char="•"/>
+              <a:defRPr sz="1800" kern="1200">
+                <a:solidFill>
+                  <a:schemeClr val="tx1"/>
+                </a:solidFill>
+                <a:latin typeface="+mn-lt"/>
+                <a:ea typeface="+mn-ea"/>
+                <a:cs typeface="+mn-cs"/>
+              </a:defRPr>
+            </a:lvl8pPr>
+            <a:lvl9pPr marL="3886200" indent="-228600" algn="l" defTabSz="914400" rtl="0" eaLnBrk="1" latinLnBrk="0" hangingPunct="1">
+              <a:lnSpc>
+                <a:spcPct val="90000"/>
+              </a:lnSpc>
+              <a:spcBef>
+                <a:spcPts val="500"/>
+              </a:spcBef>
+              <a:buFont typeface="Arial" panose="020B0604020202020204" pitchFamily="34" charset="0"/>
+              <a:buChar char="•"/>
+              <a:defRPr sz="1800" kern="1200">
+                <a:solidFill>
+                  <a:schemeClr val="tx1"/>
+                </a:solidFill>
+                <a:latin typeface="+mn-lt"/>
+                <a:ea typeface="+mn-ea"/>
+                <a:cs typeface="+mn-cs"/>
+              </a:defRPr>
+            </a:lvl9pPr>
+          </a:lstStyle>
+          <a:p>
+            <a:pPr marL="15875" indent="0">
+              <a:buNone/>
+            </a:pPr>
+            <a:r>
+              <a:rPr lang="hr-HR" sz="1400" dirty="0"/>
+              <a:t>Organizacija koda u više fajlova (i foldera) poboljšava održavanje i čitljivost projekta</a:t>
+            </a:r>
+          </a:p>
+          <a:p>
+            <a:pPr marL="15875" indent="0">
+              <a:buNone/>
+            </a:pPr>
+            <a:r>
+              <a:rPr lang="hr-HR" sz="1400" dirty="0"/>
+              <a:t>Korištenje flask-smorest pruža automatsku dokumentaciju putem swagger-ui</a:t>
+            </a:r>
+          </a:p>
+          <a:p>
+            <a:pPr marL="15875" indent="0">
+              <a:buNone/>
+            </a:pPr>
+            <a:r>
+              <a:rPr lang="hr-HR" sz="1400" dirty="0"/>
+              <a:t>Blueprints i MethodViews omogućavaju modularan pristup, što olakšava proširenje i skaliranje</a:t>
+            </a:r>
+          </a:p>
+        </p:txBody>
+      </p:sp>
+    </p:spTree>
+    <p:extLst>
+      <p:ext uri="{BB962C8B-B14F-4D97-AF65-F5344CB8AC3E}">
+        <p14:creationId xmlns:p14="http://schemas.microsoft.com/office/powerpoint/2010/main" val="2194294010"/>
       </p:ext>
     </p:extLst>
   </p:cSld>
@@ -22881,6 +25392,17 @@
 </file>
 
 <file path=customXml/item1.xml><?xml version="1.0" encoding="utf-8"?>
+<p:properties xmlns:p="http://schemas.microsoft.com/office/2006/metadata/properties" xmlns:xsi="http://www.w3.org/2001/XMLSchema-instance" xmlns:pc="http://schemas.microsoft.com/office/infopath/2007/PartnerControls">
+  <documentManagement>
+    <lcf76f155ced4ddcb4097134ff3c332f xmlns="40806f44-bc4a-4ea4-b660-c6da93f8f179">
+      <Terms xmlns="http://schemas.microsoft.com/office/infopath/2007/PartnerControls"/>
+    </lcf76f155ced4ddcb4097134ff3c332f>
+    <TaxCatchAll xmlns="758d0d8f-b783-4c78-ab73-9740c97b97cf" xsi:nil="true"/>
+  </documentManagement>
+</p:properties>
+</file>
+
+<file path=customXml/item2.xml><?xml version="1.0" encoding="utf-8"?>
 <ct:contentTypeSchema xmlns:ct="http://schemas.microsoft.com/office/2006/metadata/contentType" xmlns:ma="http://schemas.microsoft.com/office/2006/metadata/properties/metaAttributes" ct:_="" ma:_="" ma:contentTypeName="Document" ma:contentTypeID="0x010100E4F55D9EF0BF0A44B819E681FCAC00B7" ma:contentTypeVersion="12" ma:contentTypeDescription="Create a new document." ma:contentTypeScope="" ma:versionID="068ce121a7a7a0aebcb89dd601c4f0a2">
   <xsd:schema xmlns:xsd="http://www.w3.org/2001/XMLSchema" xmlns:xs="http://www.w3.org/2001/XMLSchema" xmlns:p="http://schemas.microsoft.com/office/2006/metadata/properties" xmlns:ns2="40806f44-bc4a-4ea4-b660-c6da93f8f179" xmlns:ns3="758d0d8f-b783-4c78-ab73-9740c97b97cf" targetNamespace="http://schemas.microsoft.com/office/2006/metadata/properties" ma:root="true" ma:fieldsID="67c58e6c5c8ea9af0822acd84d25e1a2" ns2:_="" ns3:_="">
     <xsd:import namespace="40806f44-bc4a-4ea4-b660-c6da93f8f179"/>
@@ -23097,17 +25619,6 @@
 </ct:contentTypeSchema>
 </file>
 
-<file path=customXml/item2.xml><?xml version="1.0" encoding="utf-8"?>
-<p:properties xmlns:p="http://schemas.microsoft.com/office/2006/metadata/properties" xmlns:xsi="http://www.w3.org/2001/XMLSchema-instance" xmlns:pc="http://schemas.microsoft.com/office/infopath/2007/PartnerControls">
-  <documentManagement>
-    <lcf76f155ced4ddcb4097134ff3c332f xmlns="40806f44-bc4a-4ea4-b660-c6da93f8f179">
-      <Terms xmlns="http://schemas.microsoft.com/office/infopath/2007/PartnerControls"/>
-    </lcf76f155ced4ddcb4097134ff3c332f>
-    <TaxCatchAll xmlns="758d0d8f-b783-4c78-ab73-9740c97b97cf" xsi:nil="true"/>
-  </documentManagement>
-</p:properties>
-</file>
-
 <file path=customXml/item3.xml><?xml version="1.0" encoding="utf-8"?>
 <?mso-contentType ?>
 <FormTemplates xmlns="http://schemas.microsoft.com/sharepoint/v3/contenttype/forms">
@@ -23118,6 +25629,23 @@
 </file>
 
 <file path=customXml/itemProps1.xml><?xml version="1.0" encoding="utf-8"?>
+<ds:datastoreItem xmlns:ds="http://schemas.openxmlformats.org/officeDocument/2006/customXml" ds:itemID="{61E72F81-8533-461E-8E71-A6D77294CFEF}">
+  <ds:schemaRefs>
+    <ds:schemaRef ds:uri="http://purl.org/dc/elements/1.1/"/>
+    <ds:schemaRef ds:uri="http://www.w3.org/XML/1998/namespace"/>
+    <ds:schemaRef ds:uri="http://purl.org/dc/terms/"/>
+    <ds:schemaRef ds:uri="http://schemas.microsoft.com/office/2006/documentManagement/types"/>
+    <ds:schemaRef ds:uri="40806f44-bc4a-4ea4-b660-c6da93f8f179"/>
+    <ds:schemaRef ds:uri="http://schemas.openxmlformats.org/package/2006/metadata/core-properties"/>
+    <ds:schemaRef ds:uri="http://purl.org/dc/dcmitype/"/>
+    <ds:schemaRef ds:uri="http://schemas.microsoft.com/office/infopath/2007/PartnerControls"/>
+    <ds:schemaRef ds:uri="758d0d8f-b783-4c78-ab73-9740c97b97cf"/>
+    <ds:schemaRef ds:uri="http://schemas.microsoft.com/office/2006/metadata/properties"/>
+  </ds:schemaRefs>
+</ds:datastoreItem>
+</file>
+
+<file path=customXml/itemProps2.xml><?xml version="1.0" encoding="utf-8"?>
 <ds:datastoreItem xmlns:ds="http://schemas.openxmlformats.org/officeDocument/2006/customXml" ds:itemID="{4E6AED0F-96FF-4C7F-8AC9-672C91BFCDFE}">
   <ds:schemaRefs>
     <ds:schemaRef ds:uri="http://schemas.microsoft.com/office/2006/metadata/contentType"/>
@@ -23136,23 +25664,6 @@
 </ds:datastoreItem>
 </file>
 
-<file path=customXml/itemProps2.xml><?xml version="1.0" encoding="utf-8"?>
-<ds:datastoreItem xmlns:ds="http://schemas.openxmlformats.org/officeDocument/2006/customXml" ds:itemID="{61E72F81-8533-461E-8E71-A6D77294CFEF}">
-  <ds:schemaRefs>
-    <ds:schemaRef ds:uri="http://purl.org/dc/elements/1.1/"/>
-    <ds:schemaRef ds:uri="http://www.w3.org/XML/1998/namespace"/>
-    <ds:schemaRef ds:uri="http://purl.org/dc/terms/"/>
-    <ds:schemaRef ds:uri="http://schemas.microsoft.com/office/2006/documentManagement/types"/>
-    <ds:schemaRef ds:uri="40806f44-bc4a-4ea4-b660-c6da93f8f179"/>
-    <ds:schemaRef ds:uri="http://schemas.openxmlformats.org/package/2006/metadata/core-properties"/>
-    <ds:schemaRef ds:uri="http://purl.org/dc/dcmitype/"/>
-    <ds:schemaRef ds:uri="http://schemas.microsoft.com/office/infopath/2007/PartnerControls"/>
-    <ds:schemaRef ds:uri="758d0d8f-b783-4c78-ab73-9740c97b97cf"/>
-    <ds:schemaRef ds:uri="http://schemas.microsoft.com/office/2006/metadata/properties"/>
-  </ds:schemaRefs>
-</ds:datastoreItem>
-</file>
-
 <file path=customXml/itemProps3.xml><?xml version="1.0" encoding="utf-8"?>
 <ds:datastoreItem xmlns:ds="http://schemas.openxmlformats.org/officeDocument/2006/customXml" ds:itemID="{46915D30-CAA6-465E-907F-1770D4E3B01D}">
   <ds:schemaRefs>

--- a/Bootcamp/flask/flask.pptx
+++ b/Bootcamp/flask/flask.pptx
@@ -5,7 +5,7 @@
     <p:sldMasterId id="2147483648" r:id="rId4"/>
   </p:sldMasterIdLst>
   <p:notesMasterIdLst>
-    <p:notesMasterId r:id="rId22"/>
+    <p:notesMasterId r:id="rId24"/>
   </p:notesMasterIdLst>
   <p:sldIdLst>
     <p:sldId id="282" r:id="rId5"/>
@@ -25,6 +25,8 @@
     <p:sldId id="422" r:id="rId19"/>
     <p:sldId id="423" r:id="rId20"/>
     <p:sldId id="424" r:id="rId21"/>
+    <p:sldId id="425" r:id="rId22"/>
+    <p:sldId id="426" r:id="rId23"/>
   </p:sldIdLst>
   <p:sldSz cx="12192000" cy="6858000"/>
   <p:notesSz cx="6858000" cy="9144000"/>
@@ -149,6 +151,8 @@
             <p14:sldId id="422"/>
             <p14:sldId id="423"/>
             <p14:sldId id="424"/>
+            <p14:sldId id="425"/>
+            <p14:sldId id="426"/>
           </p14:sldIdLst>
         </p14:section>
       </p14:sectionLst>
@@ -253,7 +257,7 @@
           <a:p>
             <a:fld id="{B2A70591-2E3C-5F42-A4E1-C0F5A0F4E5DB}" type="datetimeFigureOut">
               <a:rPr lang="en-US" smtClean="0"/>
-              <a:t>3/16/2025</a:t>
+              <a:t>3/17/2025</a:t>
             </a:fld>
             <a:endParaRPr lang="en-US"/>
           </a:p>
@@ -1385,6 +1389,222 @@
 </p:notes>
 </file>
 
+<file path=ppt/notesSlides/notesSlide17.xml><?xml version="1.0" encoding="utf-8"?>
+<p:notes xmlns:a="http://schemas.openxmlformats.org/drawingml/2006/main" xmlns:r="http://schemas.openxmlformats.org/officeDocument/2006/relationships" xmlns:p="http://schemas.openxmlformats.org/presentationml/2006/main">
+  <p:cSld>
+    <p:spTree>
+      <p:nvGrpSpPr>
+        <p:cNvPr id="1" name="">
+          <a:extLst>
+            <a:ext uri="{FF2B5EF4-FFF2-40B4-BE49-F238E27FC236}">
+              <a16:creationId xmlns:a16="http://schemas.microsoft.com/office/drawing/2014/main" id="{D86D4463-F6F9-F32D-B8DE-BF1D0FFFC120}"/>
+            </a:ext>
+          </a:extLst>
+        </p:cNvPr>
+        <p:cNvGrpSpPr/>
+        <p:nvPr/>
+      </p:nvGrpSpPr>
+      <p:grpSpPr>
+        <a:xfrm>
+          <a:off x="0" y="0"/>
+          <a:ext cx="0" cy="0"/>
+          <a:chOff x="0" y="0"/>
+          <a:chExt cx="0" cy="0"/>
+        </a:xfrm>
+      </p:grpSpPr>
+      <p:sp>
+        <p:nvSpPr>
+          <p:cNvPr id="2" name="Slide Image Placeholder 1">
+            <a:extLst>
+              <a:ext uri="{FF2B5EF4-FFF2-40B4-BE49-F238E27FC236}">
+                <a16:creationId xmlns:a16="http://schemas.microsoft.com/office/drawing/2014/main" id="{8E6CC856-0180-0FD0-984B-06CF5C2FB5D1}"/>
+              </a:ext>
+            </a:extLst>
+          </p:cNvPr>
+          <p:cNvSpPr>
+            <a:spLocks noGrp="1" noRot="1" noChangeAspect="1"/>
+          </p:cNvSpPr>
+          <p:nvPr>
+            <p:ph type="sldImg"/>
+          </p:nvPr>
+        </p:nvSpPr>
+        <p:spPr/>
+      </p:sp>
+      <p:sp>
+        <p:nvSpPr>
+          <p:cNvPr id="3" name="Notes Placeholder 2">
+            <a:extLst>
+              <a:ext uri="{FF2B5EF4-FFF2-40B4-BE49-F238E27FC236}">
+                <a16:creationId xmlns:a16="http://schemas.microsoft.com/office/drawing/2014/main" id="{BBEFEDDF-FC24-692B-5D5F-C1177B25BC1F}"/>
+              </a:ext>
+            </a:extLst>
+          </p:cNvPr>
+          <p:cNvSpPr>
+            <a:spLocks noGrp="1"/>
+          </p:cNvSpPr>
+          <p:nvPr>
+            <p:ph type="body" idx="1"/>
+          </p:nvPr>
+        </p:nvSpPr>
+        <p:spPr/>
+        <p:txBody>
+          <a:bodyPr/>
+          <a:lstStyle/>
+          <a:p>
+            <a:endParaRPr lang="hr-HR" dirty="0"/>
+          </a:p>
+        </p:txBody>
+      </p:sp>
+      <p:sp>
+        <p:nvSpPr>
+          <p:cNvPr id="4" name="Slide Number Placeholder 3">
+            <a:extLst>
+              <a:ext uri="{FF2B5EF4-FFF2-40B4-BE49-F238E27FC236}">
+                <a16:creationId xmlns:a16="http://schemas.microsoft.com/office/drawing/2014/main" id="{89051E0E-C050-D26E-F078-C3B549F7E79B}"/>
+              </a:ext>
+            </a:extLst>
+          </p:cNvPr>
+          <p:cNvSpPr>
+            <a:spLocks noGrp="1"/>
+          </p:cNvSpPr>
+          <p:nvPr>
+            <p:ph type="sldNum" sz="quarter" idx="5"/>
+          </p:nvPr>
+        </p:nvSpPr>
+        <p:spPr/>
+        <p:txBody>
+          <a:bodyPr/>
+          <a:lstStyle/>
+          <a:p>
+            <a:fld id="{343B951A-A665-1949-AEDB-B62DC9BE7F13}" type="slidenum">
+              <a:rPr lang="en-US" smtClean="0"/>
+              <a:t>18</a:t>
+            </a:fld>
+            <a:endParaRPr lang="en-US"/>
+          </a:p>
+        </p:txBody>
+      </p:sp>
+    </p:spTree>
+    <p:extLst>
+      <p:ext uri="{BB962C8B-B14F-4D97-AF65-F5344CB8AC3E}">
+        <p14:creationId xmlns:p14="http://schemas.microsoft.com/office/powerpoint/2010/main" val="778464795"/>
+      </p:ext>
+    </p:extLst>
+  </p:cSld>
+  <p:clrMapOvr>
+    <a:masterClrMapping/>
+  </p:clrMapOvr>
+</p:notes>
+</file>
+
+<file path=ppt/notesSlides/notesSlide18.xml><?xml version="1.0" encoding="utf-8"?>
+<p:notes xmlns:a="http://schemas.openxmlformats.org/drawingml/2006/main" xmlns:r="http://schemas.openxmlformats.org/officeDocument/2006/relationships" xmlns:p="http://schemas.openxmlformats.org/presentationml/2006/main">
+  <p:cSld>
+    <p:spTree>
+      <p:nvGrpSpPr>
+        <p:cNvPr id="1" name="">
+          <a:extLst>
+            <a:ext uri="{FF2B5EF4-FFF2-40B4-BE49-F238E27FC236}">
+              <a16:creationId xmlns:a16="http://schemas.microsoft.com/office/drawing/2014/main" id="{1CED3D73-2766-6825-5C3C-B14ACCDF2493}"/>
+            </a:ext>
+          </a:extLst>
+        </p:cNvPr>
+        <p:cNvGrpSpPr/>
+        <p:nvPr/>
+      </p:nvGrpSpPr>
+      <p:grpSpPr>
+        <a:xfrm>
+          <a:off x="0" y="0"/>
+          <a:ext cx="0" cy="0"/>
+          <a:chOff x="0" y="0"/>
+          <a:chExt cx="0" cy="0"/>
+        </a:xfrm>
+      </p:grpSpPr>
+      <p:sp>
+        <p:nvSpPr>
+          <p:cNvPr id="2" name="Slide Image Placeholder 1">
+            <a:extLst>
+              <a:ext uri="{FF2B5EF4-FFF2-40B4-BE49-F238E27FC236}">
+                <a16:creationId xmlns:a16="http://schemas.microsoft.com/office/drawing/2014/main" id="{BBCF92D8-6DD7-29D8-3516-870AA75DCC8C}"/>
+              </a:ext>
+            </a:extLst>
+          </p:cNvPr>
+          <p:cNvSpPr>
+            <a:spLocks noGrp="1" noRot="1" noChangeAspect="1"/>
+          </p:cNvSpPr>
+          <p:nvPr>
+            <p:ph type="sldImg"/>
+          </p:nvPr>
+        </p:nvSpPr>
+        <p:spPr/>
+      </p:sp>
+      <p:sp>
+        <p:nvSpPr>
+          <p:cNvPr id="3" name="Notes Placeholder 2">
+            <a:extLst>
+              <a:ext uri="{FF2B5EF4-FFF2-40B4-BE49-F238E27FC236}">
+                <a16:creationId xmlns:a16="http://schemas.microsoft.com/office/drawing/2014/main" id="{121CB458-DB6C-7187-0766-133D331B44C4}"/>
+              </a:ext>
+            </a:extLst>
+          </p:cNvPr>
+          <p:cNvSpPr>
+            <a:spLocks noGrp="1"/>
+          </p:cNvSpPr>
+          <p:nvPr>
+            <p:ph type="body" idx="1"/>
+          </p:nvPr>
+        </p:nvSpPr>
+        <p:spPr/>
+        <p:txBody>
+          <a:bodyPr/>
+          <a:lstStyle/>
+          <a:p>
+            <a:endParaRPr lang="hr-HR" dirty="0"/>
+          </a:p>
+        </p:txBody>
+      </p:sp>
+      <p:sp>
+        <p:nvSpPr>
+          <p:cNvPr id="4" name="Slide Number Placeholder 3">
+            <a:extLst>
+              <a:ext uri="{FF2B5EF4-FFF2-40B4-BE49-F238E27FC236}">
+                <a16:creationId xmlns:a16="http://schemas.microsoft.com/office/drawing/2014/main" id="{44CC161B-34C1-366A-444E-4BDA5DEAD1A9}"/>
+              </a:ext>
+            </a:extLst>
+          </p:cNvPr>
+          <p:cNvSpPr>
+            <a:spLocks noGrp="1"/>
+          </p:cNvSpPr>
+          <p:nvPr>
+            <p:ph type="sldNum" sz="quarter" idx="5"/>
+          </p:nvPr>
+        </p:nvSpPr>
+        <p:spPr/>
+        <p:txBody>
+          <a:bodyPr/>
+          <a:lstStyle/>
+          <a:p>
+            <a:fld id="{343B951A-A665-1949-AEDB-B62DC9BE7F13}" type="slidenum">
+              <a:rPr lang="en-US" smtClean="0"/>
+              <a:t>19</a:t>
+            </a:fld>
+            <a:endParaRPr lang="en-US"/>
+          </a:p>
+        </p:txBody>
+      </p:sp>
+    </p:spTree>
+    <p:extLst>
+      <p:ext uri="{BB962C8B-B14F-4D97-AF65-F5344CB8AC3E}">
+        <p14:creationId xmlns:p14="http://schemas.microsoft.com/office/powerpoint/2010/main" val="2614369882"/>
+      </p:ext>
+    </p:extLst>
+  </p:cSld>
+  <p:clrMapOvr>
+    <a:masterClrMapping/>
+  </p:clrMapOvr>
+</p:notes>
+</file>
+
 <file path=ppt/notesSlides/notesSlide2.xml><?xml version="1.0" encoding="utf-8"?>
 <p:notes xmlns:a="http://schemas.openxmlformats.org/drawingml/2006/main" xmlns:r="http://schemas.openxmlformats.org/officeDocument/2006/relationships" xmlns:p="http://schemas.openxmlformats.org/presentationml/2006/main">
   <p:cSld>
@@ -3410,7 +3630,7 @@
                 <a:ea typeface="Open Sans" panose="020B0606030504020204" pitchFamily="34" charset="0"/>
                 <a:cs typeface="Open Sans" panose="020B0606030504020204" pitchFamily="34" charset="0"/>
               </a:rPr>
-              <a:t>16/03/2025</a:t>
+              <a:t>17/03/2025</a:t>
             </a:fld>
             <a:endParaRPr lang="en-GB" sz="1800" b="0" i="0" kern="1200" dirty="0">
               <a:solidFill>
@@ -4155,7 +4375,7 @@
                 <a:ea typeface="Open Sans" panose="020B0606030504020204" pitchFamily="34" charset="0"/>
                 <a:cs typeface="Open Sans" panose="020B0606030504020204" pitchFamily="34" charset="0"/>
               </a:rPr>
-              <a:t>16/03/2025</a:t>
+              <a:t>17/03/2025</a:t>
             </a:fld>
             <a:endParaRPr lang="en-GB" sz="1800" b="0" i="0" kern="1200" dirty="0">
               <a:solidFill>
@@ -4678,7 +4898,7 @@
                 <a:ea typeface="Open Sans" panose="020B0606030504020204" pitchFamily="34" charset="0"/>
                 <a:cs typeface="Open Sans" panose="020B0606030504020204" pitchFamily="34" charset="0"/>
               </a:rPr>
-              <a:t>16/03/2025</a:t>
+              <a:t>17/03/2025</a:t>
             </a:fld>
             <a:endParaRPr lang="en-GB" sz="1800" b="0" i="0" kern="1200" dirty="0">
               <a:solidFill>
@@ -5644,7 +5864,7 @@
                 <a:ea typeface="Open Sans" panose="020B0606030504020204" pitchFamily="34" charset="0"/>
                 <a:cs typeface="Open Sans" panose="020B0606030504020204" pitchFamily="34" charset="0"/>
               </a:rPr>
-              <a:t>16/03/2025</a:t>
+              <a:t>17/03/2025</a:t>
             </a:fld>
             <a:endParaRPr lang="en-GB" sz="1800" b="0" i="0" kern="1200" dirty="0">
               <a:solidFill>
@@ -6083,7 +6303,7 @@
                 <a:ea typeface="Open Sans" panose="020B0606030504020204" pitchFamily="34" charset="0"/>
                 <a:cs typeface="Open Sans" panose="020B0606030504020204" pitchFamily="34" charset="0"/>
               </a:rPr>
-              <a:t>16/03/2025</a:t>
+              <a:t>17/03/2025</a:t>
             </a:fld>
             <a:endParaRPr lang="en-GB" sz="1800" b="0" i="0" kern="1200" dirty="0">
               <a:solidFill>
@@ -7853,7 +8073,7 @@
                 <a:ea typeface="Open Sans" pitchFamily="2" charset="0"/>
                 <a:cs typeface="Open Sans" pitchFamily="2" charset="0"/>
               </a:rPr>
-              <a:t>16/03/2025</a:t>
+              <a:t>17/03/2025</a:t>
             </a:fld>
             <a:endParaRPr lang="en-GB" sz="1800" b="0" i="0" kern="1200" dirty="0">
               <a:solidFill>
@@ -9603,7 +9823,7 @@
                 <a:ea typeface="Open Sans" pitchFamily="2" charset="0"/>
                 <a:cs typeface="Open Sans" pitchFamily="2" charset="0"/>
               </a:rPr>
-              <a:t>16/03/2025</a:t>
+              <a:t>17/03/2025</a:t>
             </a:fld>
             <a:endParaRPr lang="en-GB" sz="1800" b="0" i="0" kern="1200" dirty="0">
               <a:solidFill>
@@ -10120,7 +10340,7 @@
                 <a:ea typeface="Open Sans" panose="020B0606030504020204" pitchFamily="34" charset="0"/>
                 <a:cs typeface="Open Sans" panose="020B0606030504020204" pitchFamily="34" charset="0"/>
               </a:rPr>
-              <a:t>16/03/2025</a:t>
+              <a:t>17/03/2025</a:t>
             </a:fld>
             <a:endParaRPr lang="en-GB" sz="1800" b="0" i="0" kern="1200" dirty="0">
               <a:solidFill>
@@ -10717,7 +10937,7 @@
                 <a:ea typeface="Open Sans" pitchFamily="2" charset="0"/>
                 <a:cs typeface="Open Sans" pitchFamily="2" charset="0"/>
               </a:rPr>
-              <a:t>16/03/2025</a:t>
+              <a:t>17/03/2025</a:t>
             </a:fld>
             <a:endParaRPr lang="en-GB" sz="1800" b="0" i="0" kern="1200" dirty="0">
               <a:solidFill>
@@ -11257,7 +11477,7 @@
                 <a:ea typeface="Open Sans" panose="020B0606030504020204" pitchFamily="34" charset="0"/>
                 <a:cs typeface="Open Sans" panose="020B0606030504020204" pitchFamily="34" charset="0"/>
               </a:rPr>
-              <a:t>16/03/2025</a:t>
+              <a:t>17/03/2025</a:t>
             </a:fld>
             <a:endParaRPr lang="en-GB" sz="1800" b="0" i="0" kern="1200" dirty="0">
               <a:solidFill>
@@ -11958,7 +12178,7 @@
                 <a:ea typeface="Open Sans" panose="020B0606030504020204" pitchFamily="34" charset="0"/>
                 <a:cs typeface="Open Sans" panose="020B0606030504020204" pitchFamily="34" charset="0"/>
               </a:rPr>
-              <a:t>16/03/2025</a:t>
+              <a:t>17/03/2025</a:t>
             </a:fld>
             <a:endParaRPr lang="en-GB" sz="1800" b="0" i="0" kern="1200" dirty="0">
               <a:solidFill>
@@ -12321,7 +12541,7 @@
                 <a:ea typeface="Open Sans" pitchFamily="2" charset="0"/>
                 <a:cs typeface="Open Sans" pitchFamily="2" charset="0"/>
               </a:rPr>
-              <a:t>16/03/2025</a:t>
+              <a:t>17/03/2025</a:t>
             </a:fld>
             <a:endParaRPr lang="en-GB" sz="1800" b="0" i="0" kern="1200" dirty="0">
               <a:solidFill>
@@ -12716,7 +12936,7 @@
                 <a:ea typeface="Open Sans" pitchFamily="2" charset="0"/>
                 <a:cs typeface="Open Sans" pitchFamily="2" charset="0"/>
               </a:rPr>
-              <a:t>16/03/2025</a:t>
+              <a:t>17/03/2025</a:t>
             </a:fld>
             <a:endParaRPr lang="en-GB" sz="1800" b="0" i="0" kern="1200" dirty="0">
               <a:solidFill>
@@ -18228,6 +18448,1364 @@
     <p:extLst>
       <p:ext uri="{BB962C8B-B14F-4D97-AF65-F5344CB8AC3E}">
         <p14:creationId xmlns:p14="http://schemas.microsoft.com/office/powerpoint/2010/main" val="2194294010"/>
+      </p:ext>
+    </p:extLst>
+  </p:cSld>
+  <p:clrMapOvr>
+    <a:masterClrMapping/>
+  </p:clrMapOvr>
+</p:sld>
+</file>
+
+<file path=ppt/slides/slide18.xml><?xml version="1.0" encoding="utf-8"?>
+<p:sld xmlns:a="http://schemas.openxmlformats.org/drawingml/2006/main" xmlns:r="http://schemas.openxmlformats.org/officeDocument/2006/relationships" xmlns:p="http://schemas.openxmlformats.org/presentationml/2006/main">
+  <p:cSld>
+    <p:spTree>
+      <p:nvGrpSpPr>
+        <p:cNvPr id="1" name="">
+          <a:extLst>
+            <a:ext uri="{FF2B5EF4-FFF2-40B4-BE49-F238E27FC236}">
+              <a16:creationId xmlns:a16="http://schemas.microsoft.com/office/drawing/2014/main" id="{D604EBA4-5133-DD97-FB93-D3BA63C34C12}"/>
+            </a:ext>
+          </a:extLst>
+        </p:cNvPr>
+        <p:cNvGrpSpPr/>
+        <p:nvPr/>
+      </p:nvGrpSpPr>
+      <p:grpSpPr>
+        <a:xfrm>
+          <a:off x="0" y="0"/>
+          <a:ext cx="0" cy="0"/>
+          <a:chOff x="0" y="0"/>
+          <a:chExt cx="0" cy="0"/>
+        </a:xfrm>
+      </p:grpSpPr>
+      <p:sp>
+        <p:nvSpPr>
+          <p:cNvPr id="4" name="Title 1">
+            <a:extLst>
+              <a:ext uri="{FF2B5EF4-FFF2-40B4-BE49-F238E27FC236}">
+                <a16:creationId xmlns:a16="http://schemas.microsoft.com/office/drawing/2014/main" id="{228EEDD2-86C4-8FB9-41E5-DED254179914}"/>
+              </a:ext>
+            </a:extLst>
+          </p:cNvPr>
+          <p:cNvSpPr txBox="1">
+            <a:spLocks/>
+          </p:cNvSpPr>
+          <p:nvPr/>
+        </p:nvSpPr>
+        <p:spPr>
+          <a:xfrm>
+            <a:off x="990600" y="383056"/>
+            <a:ext cx="10515600" cy="853976"/>
+          </a:xfrm>
+          <a:prstGeom prst="rect">
+            <a:avLst/>
+          </a:prstGeom>
+        </p:spPr>
+        <p:txBody>
+          <a:bodyPr vert="horz" lIns="91440" tIns="45720" rIns="91440" bIns="45720" rtlCol="0" anchor="ctr">
+            <a:normAutofit/>
+          </a:bodyPr>
+          <a:lstStyle>
+            <a:lvl1pPr algn="l" defTabSz="914400" rtl="0" eaLnBrk="1" latinLnBrk="0" hangingPunct="1">
+              <a:lnSpc>
+                <a:spcPct val="90000"/>
+              </a:lnSpc>
+              <a:spcBef>
+                <a:spcPct val="0"/>
+              </a:spcBef>
+              <a:buNone/>
+              <a:defRPr sz="3600" b="1" i="0" kern="1200" cap="all" baseline="0">
+                <a:solidFill>
+                  <a:schemeClr val="tx2"/>
+                </a:solidFill>
+                <a:latin typeface="+mj-lt"/>
+                <a:ea typeface="Open Sans Semibold" panose="020B0606030504020204" pitchFamily="34" charset="0"/>
+                <a:cs typeface="Open Sans Semibold" panose="020B0606030504020204" pitchFamily="34" charset="0"/>
+              </a:defRPr>
+            </a:lvl1pPr>
+          </a:lstStyle>
+          <a:p>
+            <a:r>
+              <a:rPr lang="en-US" dirty="0"/>
+              <a:t>FLASK – VALIDACIJA (</a:t>
+            </a:r>
+            <a:r>
+              <a:rPr lang="hr-HR" dirty="0"/>
+              <a:t>Marshmallow</a:t>
+            </a:r>
+            <a:r>
+              <a:rPr lang="en-US" dirty="0"/>
+              <a:t>)</a:t>
+            </a:r>
+            <a:endParaRPr lang="hr-HR" dirty="0"/>
+          </a:p>
+        </p:txBody>
+      </p:sp>
+      <p:sp>
+        <p:nvSpPr>
+          <p:cNvPr id="30" name="Content Placeholder 2">
+            <a:extLst>
+              <a:ext uri="{FF2B5EF4-FFF2-40B4-BE49-F238E27FC236}">
+                <a16:creationId xmlns:a16="http://schemas.microsoft.com/office/drawing/2014/main" id="{1621AC1E-D52B-9CCA-C2E4-99C438E0F242}"/>
+              </a:ext>
+            </a:extLst>
+          </p:cNvPr>
+          <p:cNvSpPr txBox="1">
+            <a:spLocks/>
+          </p:cNvSpPr>
+          <p:nvPr/>
+        </p:nvSpPr>
+        <p:spPr>
+          <a:xfrm>
+            <a:off x="1022555" y="1258491"/>
+            <a:ext cx="2357284" cy="369895"/>
+          </a:xfrm>
+          <a:prstGeom prst="rect">
+            <a:avLst/>
+          </a:prstGeom>
+        </p:spPr>
+        <p:txBody>
+          <a:bodyPr vert="horz" lIns="91440" tIns="45720" rIns="91440" bIns="45720" rtlCol="0">
+            <a:noAutofit/>
+          </a:bodyPr>
+          <a:lstStyle>
+            <a:lvl1pPr marL="368300" indent="-352425" algn="l" defTabSz="914400" rtl="0" eaLnBrk="1" latinLnBrk="0" hangingPunct="1">
+              <a:lnSpc>
+                <a:spcPct val="90000"/>
+              </a:lnSpc>
+              <a:spcBef>
+                <a:spcPts val="600"/>
+              </a:spcBef>
+              <a:spcAft>
+                <a:spcPts val="600"/>
+              </a:spcAft>
+              <a:buClr>
+                <a:schemeClr val="accent2"/>
+              </a:buClr>
+              <a:buFont typeface="Wingdings" pitchFamily="2" charset="2"/>
+              <a:buChar char="§"/>
+              <a:tabLst/>
+              <a:defRPr sz="2400" kern="1200">
+                <a:solidFill>
+                  <a:schemeClr val="tx1"/>
+                </a:solidFill>
+                <a:latin typeface="+mn-lt"/>
+                <a:ea typeface="Open Sans" panose="020B0606030504020204" pitchFamily="34" charset="0"/>
+                <a:cs typeface="Open Sans" panose="020B0606030504020204" pitchFamily="34" charset="0"/>
+              </a:defRPr>
+            </a:lvl1pPr>
+            <a:lvl2pPr marL="771525" indent="-274638" algn="l" defTabSz="914400" rtl="0" eaLnBrk="1" latinLnBrk="0" hangingPunct="1">
+              <a:lnSpc>
+                <a:spcPct val="90000"/>
+              </a:lnSpc>
+              <a:spcBef>
+                <a:spcPts val="600"/>
+              </a:spcBef>
+              <a:spcAft>
+                <a:spcPts val="600"/>
+              </a:spcAft>
+              <a:buClr>
+                <a:schemeClr val="accent2"/>
+              </a:buClr>
+              <a:buFont typeface="Wingdings" pitchFamily="2" charset="2"/>
+              <a:buChar char="§"/>
+              <a:tabLst/>
+              <a:defRPr sz="2200" kern="1200">
+                <a:solidFill>
+                  <a:schemeClr val="tx1"/>
+                </a:solidFill>
+                <a:latin typeface="+mn-lt"/>
+                <a:ea typeface="Open Sans" panose="020B0606030504020204" pitchFamily="34" charset="0"/>
+                <a:cs typeface="Open Sans" panose="020B0606030504020204" pitchFamily="34" charset="0"/>
+              </a:defRPr>
+            </a:lvl2pPr>
+            <a:lvl3pPr marL="1143000" indent="-228600" algn="l" defTabSz="914400" rtl="0" eaLnBrk="1" latinLnBrk="0" hangingPunct="1">
+              <a:lnSpc>
+                <a:spcPct val="90000"/>
+              </a:lnSpc>
+              <a:spcBef>
+                <a:spcPts val="600"/>
+              </a:spcBef>
+              <a:spcAft>
+                <a:spcPts val="600"/>
+              </a:spcAft>
+              <a:buClr>
+                <a:schemeClr val="accent2"/>
+              </a:buClr>
+              <a:buFont typeface="Wingdings" pitchFamily="2" charset="2"/>
+              <a:buChar char="§"/>
+              <a:defRPr sz="2000" kern="1200">
+                <a:solidFill>
+                  <a:schemeClr val="tx1"/>
+                </a:solidFill>
+                <a:latin typeface="+mn-lt"/>
+                <a:ea typeface="Open Sans" panose="020B0606030504020204" pitchFamily="34" charset="0"/>
+                <a:cs typeface="Open Sans" panose="020B0606030504020204" pitchFamily="34" charset="0"/>
+              </a:defRPr>
+            </a:lvl3pPr>
+            <a:lvl4pPr marL="1600200" indent="-228600" algn="l" defTabSz="914400" rtl="0" eaLnBrk="1" latinLnBrk="0" hangingPunct="1">
+              <a:lnSpc>
+                <a:spcPct val="90000"/>
+              </a:lnSpc>
+              <a:spcBef>
+                <a:spcPts val="600"/>
+              </a:spcBef>
+              <a:spcAft>
+                <a:spcPts val="600"/>
+              </a:spcAft>
+              <a:buClr>
+                <a:schemeClr val="accent2"/>
+              </a:buClr>
+              <a:buFont typeface="Wingdings" pitchFamily="2" charset="2"/>
+              <a:buChar char="§"/>
+              <a:defRPr sz="1800" kern="1200">
+                <a:solidFill>
+                  <a:schemeClr val="tx1"/>
+                </a:solidFill>
+                <a:latin typeface="+mn-lt"/>
+                <a:ea typeface="Open Sans" panose="020B0606030504020204" pitchFamily="34" charset="0"/>
+                <a:cs typeface="Open Sans" panose="020B0606030504020204" pitchFamily="34" charset="0"/>
+              </a:defRPr>
+            </a:lvl4pPr>
+            <a:lvl5pPr marL="1960563" indent="-225425" algn="l" defTabSz="914400" rtl="0" eaLnBrk="1" latinLnBrk="0" hangingPunct="1">
+              <a:lnSpc>
+                <a:spcPct val="90000"/>
+              </a:lnSpc>
+              <a:spcBef>
+                <a:spcPts val="600"/>
+              </a:spcBef>
+              <a:spcAft>
+                <a:spcPts val="600"/>
+              </a:spcAft>
+              <a:buClr>
+                <a:schemeClr val="accent2"/>
+              </a:buClr>
+              <a:buFont typeface="Wingdings" pitchFamily="2" charset="2"/>
+              <a:buChar char="§"/>
+              <a:tabLst/>
+              <a:defRPr sz="1600" kern="1200">
+                <a:solidFill>
+                  <a:schemeClr val="tx1"/>
+                </a:solidFill>
+                <a:latin typeface="+mn-lt"/>
+                <a:ea typeface="Open Sans" panose="020B0606030504020204" pitchFamily="34" charset="0"/>
+                <a:cs typeface="Open Sans" panose="020B0606030504020204" pitchFamily="34" charset="0"/>
+              </a:defRPr>
+            </a:lvl5pPr>
+            <a:lvl6pPr marL="2514600" indent="-228600" algn="l" defTabSz="914400" rtl="0" eaLnBrk="1" latinLnBrk="0" hangingPunct="1">
+              <a:lnSpc>
+                <a:spcPct val="90000"/>
+              </a:lnSpc>
+              <a:spcBef>
+                <a:spcPts val="500"/>
+              </a:spcBef>
+              <a:buFont typeface="Arial" panose="020B0604020202020204" pitchFamily="34" charset="0"/>
+              <a:buChar char="•"/>
+              <a:defRPr sz="1800" kern="1200">
+                <a:solidFill>
+                  <a:schemeClr val="tx1"/>
+                </a:solidFill>
+                <a:latin typeface="+mn-lt"/>
+                <a:ea typeface="+mn-ea"/>
+                <a:cs typeface="+mn-cs"/>
+              </a:defRPr>
+            </a:lvl6pPr>
+            <a:lvl7pPr marL="2971800" indent="-228600" algn="l" defTabSz="914400" rtl="0" eaLnBrk="1" latinLnBrk="0" hangingPunct="1">
+              <a:lnSpc>
+                <a:spcPct val="90000"/>
+              </a:lnSpc>
+              <a:spcBef>
+                <a:spcPts val="500"/>
+              </a:spcBef>
+              <a:buFont typeface="Arial" panose="020B0604020202020204" pitchFamily="34" charset="0"/>
+              <a:buChar char="•"/>
+              <a:defRPr sz="1800" kern="1200">
+                <a:solidFill>
+                  <a:schemeClr val="tx1"/>
+                </a:solidFill>
+                <a:latin typeface="+mn-lt"/>
+                <a:ea typeface="+mn-ea"/>
+                <a:cs typeface="+mn-cs"/>
+              </a:defRPr>
+            </a:lvl7pPr>
+            <a:lvl8pPr marL="3429000" indent="-228600" algn="l" defTabSz="914400" rtl="0" eaLnBrk="1" latinLnBrk="0" hangingPunct="1">
+              <a:lnSpc>
+                <a:spcPct val="90000"/>
+              </a:lnSpc>
+              <a:spcBef>
+                <a:spcPts val="500"/>
+              </a:spcBef>
+              <a:buFont typeface="Arial" panose="020B0604020202020204" pitchFamily="34" charset="0"/>
+              <a:buChar char="•"/>
+              <a:defRPr sz="1800" kern="1200">
+                <a:solidFill>
+                  <a:schemeClr val="tx1"/>
+                </a:solidFill>
+                <a:latin typeface="+mn-lt"/>
+                <a:ea typeface="+mn-ea"/>
+                <a:cs typeface="+mn-cs"/>
+              </a:defRPr>
+            </a:lvl8pPr>
+            <a:lvl9pPr marL="3886200" indent="-228600" algn="l" defTabSz="914400" rtl="0" eaLnBrk="1" latinLnBrk="0" hangingPunct="1">
+              <a:lnSpc>
+                <a:spcPct val="90000"/>
+              </a:lnSpc>
+              <a:spcBef>
+                <a:spcPts val="500"/>
+              </a:spcBef>
+              <a:buFont typeface="Arial" panose="020B0604020202020204" pitchFamily="34" charset="0"/>
+              <a:buChar char="•"/>
+              <a:defRPr sz="1800" kern="1200">
+                <a:solidFill>
+                  <a:schemeClr val="tx1"/>
+                </a:solidFill>
+                <a:latin typeface="+mn-lt"/>
+                <a:ea typeface="+mn-ea"/>
+                <a:cs typeface="+mn-cs"/>
+              </a:defRPr>
+            </a:lvl9pPr>
+          </a:lstStyle>
+          <a:p>
+            <a:pPr marL="15875" indent="0">
+              <a:buNone/>
+            </a:pPr>
+            <a:r>
+              <a:rPr lang="hr-HR" sz="1100" dirty="0"/>
+              <a:t>📂 </a:t>
+            </a:r>
+            <a:r>
+              <a:rPr lang="hr-HR" sz="1100" b="1" dirty="0"/>
+              <a:t>Kreirajte </a:t>
+            </a:r>
+            <a:r>
+              <a:rPr lang="en-US" sz="1100" b="1" dirty="0"/>
+              <a:t>file </a:t>
+            </a:r>
+            <a:r>
+              <a:rPr lang="hr-HR" sz="1100" b="1" dirty="0"/>
+              <a:t>schemas.py</a:t>
+            </a:r>
+            <a:endParaRPr lang="en-US" sz="1400" dirty="0"/>
+          </a:p>
+        </p:txBody>
+      </p:sp>
+      <p:sp>
+        <p:nvSpPr>
+          <p:cNvPr id="8" name="Content Placeholder 2">
+            <a:extLst>
+              <a:ext uri="{FF2B5EF4-FFF2-40B4-BE49-F238E27FC236}">
+                <a16:creationId xmlns:a16="http://schemas.microsoft.com/office/drawing/2014/main" id="{FC57198D-8232-E966-5355-5FD8E01B1F8C}"/>
+              </a:ext>
+            </a:extLst>
+          </p:cNvPr>
+          <p:cNvSpPr txBox="1">
+            <a:spLocks/>
+          </p:cNvSpPr>
+          <p:nvPr/>
+        </p:nvSpPr>
+        <p:spPr>
+          <a:xfrm>
+            <a:off x="1201995" y="3440298"/>
+            <a:ext cx="10515600" cy="1812199"/>
+          </a:xfrm>
+          <a:prstGeom prst="rect">
+            <a:avLst/>
+          </a:prstGeom>
+        </p:spPr>
+        <p:txBody>
+          <a:bodyPr vert="horz" lIns="91440" tIns="45720" rIns="91440" bIns="45720" rtlCol="0">
+            <a:noAutofit/>
+          </a:bodyPr>
+          <a:lstStyle>
+            <a:lvl1pPr marL="368300" indent="-352425" algn="l" defTabSz="914400" rtl="0" eaLnBrk="1" latinLnBrk="0" hangingPunct="1">
+              <a:lnSpc>
+                <a:spcPct val="90000"/>
+              </a:lnSpc>
+              <a:spcBef>
+                <a:spcPts val="600"/>
+              </a:spcBef>
+              <a:spcAft>
+                <a:spcPts val="600"/>
+              </a:spcAft>
+              <a:buClr>
+                <a:schemeClr val="accent2"/>
+              </a:buClr>
+              <a:buFont typeface="Wingdings" pitchFamily="2" charset="2"/>
+              <a:buChar char="§"/>
+              <a:tabLst/>
+              <a:defRPr sz="2400" kern="1200">
+                <a:solidFill>
+                  <a:schemeClr val="tx1"/>
+                </a:solidFill>
+                <a:latin typeface="+mn-lt"/>
+                <a:ea typeface="Open Sans" panose="020B0606030504020204" pitchFamily="34" charset="0"/>
+                <a:cs typeface="Open Sans" panose="020B0606030504020204" pitchFamily="34" charset="0"/>
+              </a:defRPr>
+            </a:lvl1pPr>
+            <a:lvl2pPr marL="771525" indent="-274638" algn="l" defTabSz="914400" rtl="0" eaLnBrk="1" latinLnBrk="0" hangingPunct="1">
+              <a:lnSpc>
+                <a:spcPct val="90000"/>
+              </a:lnSpc>
+              <a:spcBef>
+                <a:spcPts val="600"/>
+              </a:spcBef>
+              <a:spcAft>
+                <a:spcPts val="600"/>
+              </a:spcAft>
+              <a:buClr>
+                <a:schemeClr val="accent2"/>
+              </a:buClr>
+              <a:buFont typeface="Wingdings" pitchFamily="2" charset="2"/>
+              <a:buChar char="§"/>
+              <a:tabLst/>
+              <a:defRPr sz="2200" kern="1200">
+                <a:solidFill>
+                  <a:schemeClr val="tx1"/>
+                </a:solidFill>
+                <a:latin typeface="+mn-lt"/>
+                <a:ea typeface="Open Sans" panose="020B0606030504020204" pitchFamily="34" charset="0"/>
+                <a:cs typeface="Open Sans" panose="020B0606030504020204" pitchFamily="34" charset="0"/>
+              </a:defRPr>
+            </a:lvl2pPr>
+            <a:lvl3pPr marL="1143000" indent="-228600" algn="l" defTabSz="914400" rtl="0" eaLnBrk="1" latinLnBrk="0" hangingPunct="1">
+              <a:lnSpc>
+                <a:spcPct val="90000"/>
+              </a:lnSpc>
+              <a:spcBef>
+                <a:spcPts val="600"/>
+              </a:spcBef>
+              <a:spcAft>
+                <a:spcPts val="600"/>
+              </a:spcAft>
+              <a:buClr>
+                <a:schemeClr val="accent2"/>
+              </a:buClr>
+              <a:buFont typeface="Wingdings" pitchFamily="2" charset="2"/>
+              <a:buChar char="§"/>
+              <a:defRPr sz="2000" kern="1200">
+                <a:solidFill>
+                  <a:schemeClr val="tx1"/>
+                </a:solidFill>
+                <a:latin typeface="+mn-lt"/>
+                <a:ea typeface="Open Sans" panose="020B0606030504020204" pitchFamily="34" charset="0"/>
+                <a:cs typeface="Open Sans" panose="020B0606030504020204" pitchFamily="34" charset="0"/>
+              </a:defRPr>
+            </a:lvl3pPr>
+            <a:lvl4pPr marL="1600200" indent="-228600" algn="l" defTabSz="914400" rtl="0" eaLnBrk="1" latinLnBrk="0" hangingPunct="1">
+              <a:lnSpc>
+                <a:spcPct val="90000"/>
+              </a:lnSpc>
+              <a:spcBef>
+                <a:spcPts val="600"/>
+              </a:spcBef>
+              <a:spcAft>
+                <a:spcPts val="600"/>
+              </a:spcAft>
+              <a:buClr>
+                <a:schemeClr val="accent2"/>
+              </a:buClr>
+              <a:buFont typeface="Wingdings" pitchFamily="2" charset="2"/>
+              <a:buChar char="§"/>
+              <a:defRPr sz="1800" kern="1200">
+                <a:solidFill>
+                  <a:schemeClr val="tx1"/>
+                </a:solidFill>
+                <a:latin typeface="+mn-lt"/>
+                <a:ea typeface="Open Sans" panose="020B0606030504020204" pitchFamily="34" charset="0"/>
+                <a:cs typeface="Open Sans" panose="020B0606030504020204" pitchFamily="34" charset="0"/>
+              </a:defRPr>
+            </a:lvl4pPr>
+            <a:lvl5pPr marL="1960563" indent="-225425" algn="l" defTabSz="914400" rtl="0" eaLnBrk="1" latinLnBrk="0" hangingPunct="1">
+              <a:lnSpc>
+                <a:spcPct val="90000"/>
+              </a:lnSpc>
+              <a:spcBef>
+                <a:spcPts val="600"/>
+              </a:spcBef>
+              <a:spcAft>
+                <a:spcPts val="600"/>
+              </a:spcAft>
+              <a:buClr>
+                <a:schemeClr val="accent2"/>
+              </a:buClr>
+              <a:buFont typeface="Wingdings" pitchFamily="2" charset="2"/>
+              <a:buChar char="§"/>
+              <a:tabLst/>
+              <a:defRPr sz="1600" kern="1200">
+                <a:solidFill>
+                  <a:schemeClr val="tx1"/>
+                </a:solidFill>
+                <a:latin typeface="+mn-lt"/>
+                <a:ea typeface="Open Sans" panose="020B0606030504020204" pitchFamily="34" charset="0"/>
+                <a:cs typeface="Open Sans" panose="020B0606030504020204" pitchFamily="34" charset="0"/>
+              </a:defRPr>
+            </a:lvl5pPr>
+            <a:lvl6pPr marL="2514600" indent="-228600" algn="l" defTabSz="914400" rtl="0" eaLnBrk="1" latinLnBrk="0" hangingPunct="1">
+              <a:lnSpc>
+                <a:spcPct val="90000"/>
+              </a:lnSpc>
+              <a:spcBef>
+                <a:spcPts val="500"/>
+              </a:spcBef>
+              <a:buFont typeface="Arial" panose="020B0604020202020204" pitchFamily="34" charset="0"/>
+              <a:buChar char="•"/>
+              <a:defRPr sz="1800" kern="1200">
+                <a:solidFill>
+                  <a:schemeClr val="tx1"/>
+                </a:solidFill>
+                <a:latin typeface="+mn-lt"/>
+                <a:ea typeface="+mn-ea"/>
+                <a:cs typeface="+mn-cs"/>
+              </a:defRPr>
+            </a:lvl6pPr>
+            <a:lvl7pPr marL="2971800" indent="-228600" algn="l" defTabSz="914400" rtl="0" eaLnBrk="1" latinLnBrk="0" hangingPunct="1">
+              <a:lnSpc>
+                <a:spcPct val="90000"/>
+              </a:lnSpc>
+              <a:spcBef>
+                <a:spcPts val="500"/>
+              </a:spcBef>
+              <a:buFont typeface="Arial" panose="020B0604020202020204" pitchFamily="34" charset="0"/>
+              <a:buChar char="•"/>
+              <a:defRPr sz="1800" kern="1200">
+                <a:solidFill>
+                  <a:schemeClr val="tx1"/>
+                </a:solidFill>
+                <a:latin typeface="+mn-lt"/>
+                <a:ea typeface="+mn-ea"/>
+                <a:cs typeface="+mn-cs"/>
+              </a:defRPr>
+            </a:lvl7pPr>
+            <a:lvl8pPr marL="3429000" indent="-228600" algn="l" defTabSz="914400" rtl="0" eaLnBrk="1" latinLnBrk="0" hangingPunct="1">
+              <a:lnSpc>
+                <a:spcPct val="90000"/>
+              </a:lnSpc>
+              <a:spcBef>
+                <a:spcPts val="500"/>
+              </a:spcBef>
+              <a:buFont typeface="Arial" panose="020B0604020202020204" pitchFamily="34" charset="0"/>
+              <a:buChar char="•"/>
+              <a:defRPr sz="1800" kern="1200">
+                <a:solidFill>
+                  <a:schemeClr val="tx1"/>
+                </a:solidFill>
+                <a:latin typeface="+mn-lt"/>
+                <a:ea typeface="+mn-ea"/>
+                <a:cs typeface="+mn-cs"/>
+              </a:defRPr>
+            </a:lvl8pPr>
+            <a:lvl9pPr marL="3886200" indent="-228600" algn="l" defTabSz="914400" rtl="0" eaLnBrk="1" latinLnBrk="0" hangingPunct="1">
+              <a:lnSpc>
+                <a:spcPct val="90000"/>
+              </a:lnSpc>
+              <a:spcBef>
+                <a:spcPts val="500"/>
+              </a:spcBef>
+              <a:buFont typeface="Arial" panose="020B0604020202020204" pitchFamily="34" charset="0"/>
+              <a:buChar char="•"/>
+              <a:defRPr sz="1800" kern="1200">
+                <a:solidFill>
+                  <a:schemeClr val="tx1"/>
+                </a:solidFill>
+                <a:latin typeface="+mn-lt"/>
+                <a:ea typeface="+mn-ea"/>
+                <a:cs typeface="+mn-cs"/>
+              </a:defRPr>
+            </a:lvl9pPr>
+          </a:lstStyle>
+          <a:p>
+            <a:pPr marL="15875" indent="0">
+              <a:buNone/>
+            </a:pPr>
+            <a:r>
+              <a:rPr lang="hr-HR" sz="1200" dirty="0"/>
+              <a:t>Benefiti primjene Marshmallow schema</a:t>
+            </a:r>
+          </a:p>
+          <a:p>
+            <a:pPr marL="15875" indent="0">
+              <a:buNone/>
+            </a:pPr>
+            <a:r>
+              <a:rPr lang="en-US" sz="1200" dirty="0"/>
+              <a:t>- </a:t>
+            </a:r>
+            <a:r>
+              <a:rPr lang="hr-HR" sz="1200" dirty="0"/>
+              <a:t>Jasnoća i konzistentnost:</a:t>
+            </a:r>
+          </a:p>
+          <a:p>
+            <a:pPr marL="15875" indent="0">
+              <a:buNone/>
+            </a:pPr>
+            <a:r>
+              <a:rPr lang="en-US" sz="1200" dirty="0"/>
+              <a:t>- </a:t>
+            </a:r>
+            <a:r>
+              <a:rPr lang="hr-HR" sz="1200" dirty="0"/>
+              <a:t>Definiramo što se očekuje u svakom zahtjevu na jednom mjestu (u schemas.py)</a:t>
+            </a:r>
+          </a:p>
+          <a:p>
+            <a:pPr marL="15875" indent="0">
+              <a:buNone/>
+            </a:pPr>
+            <a:r>
+              <a:rPr lang="en-US" sz="1200" dirty="0"/>
+              <a:t>- </a:t>
+            </a:r>
+            <a:r>
+              <a:rPr lang="hr-HR" sz="1200" dirty="0"/>
+              <a:t>Dokumentacija u Swagger UI sada sadrži primjer vrijednosti (sample value schema)</a:t>
+            </a:r>
+            <a:r>
+              <a:rPr lang="en-US" sz="1200" dirty="0"/>
+              <a:t>- </a:t>
+            </a:r>
+            <a:endParaRPr lang="hr-HR" sz="1200" dirty="0"/>
+          </a:p>
+          <a:p>
+            <a:pPr marL="15875" indent="0">
+              <a:buNone/>
+            </a:pPr>
+            <a:r>
+              <a:rPr lang="hr-HR" sz="1200" dirty="0"/>
+              <a:t>Automatizirana validacija:</a:t>
+            </a:r>
+          </a:p>
+          <a:p>
+            <a:pPr marL="15875" indent="0">
+              <a:buNone/>
+            </a:pPr>
+            <a:r>
+              <a:rPr lang="en-US" sz="1200" dirty="0"/>
+              <a:t>- </a:t>
+            </a:r>
+            <a:r>
+              <a:rPr lang="hr-HR" sz="1200" dirty="0"/>
+              <a:t>Validacija ulaznih podataka postaje jednostavnija i održivija</a:t>
+            </a:r>
+          </a:p>
+          <a:p>
+            <a:pPr marL="15875" indent="0">
+              <a:buNone/>
+            </a:pPr>
+            <a:r>
+              <a:rPr lang="en-US" sz="1200" dirty="0"/>
+              <a:t>- </a:t>
+            </a:r>
+            <a:r>
+              <a:rPr lang="hr-HR" sz="1200" dirty="0"/>
+              <a:t>Smanjuje se potreba za ručnim provjerama u kodu</a:t>
+            </a:r>
+          </a:p>
+        </p:txBody>
+      </p:sp>
+      <p:pic>
+        <p:nvPicPr>
+          <p:cNvPr id="3" name="Picture 2">
+            <a:extLst>
+              <a:ext uri="{FF2B5EF4-FFF2-40B4-BE49-F238E27FC236}">
+                <a16:creationId xmlns:a16="http://schemas.microsoft.com/office/drawing/2014/main" id="{6C00BF1E-89BC-A818-BB11-CE7B60157BAA}"/>
+              </a:ext>
+            </a:extLst>
+          </p:cNvPr>
+          <p:cNvPicPr>
+            <a:picLocks noChangeAspect="1"/>
+          </p:cNvPicPr>
+          <p:nvPr/>
+        </p:nvPicPr>
+        <p:blipFill>
+          <a:blip r:embed="rId3"/>
+          <a:stretch>
+            <a:fillRect/>
+          </a:stretch>
+        </p:blipFill>
+        <p:spPr>
+          <a:xfrm>
+            <a:off x="1265596" y="1649846"/>
+            <a:ext cx="3793101" cy="1650554"/>
+          </a:xfrm>
+          <a:prstGeom prst="rect">
+            <a:avLst/>
+          </a:prstGeom>
+        </p:spPr>
+      </p:pic>
+    </p:spTree>
+    <p:extLst>
+      <p:ext uri="{BB962C8B-B14F-4D97-AF65-F5344CB8AC3E}">
+        <p14:creationId xmlns:p14="http://schemas.microsoft.com/office/powerpoint/2010/main" val="413466495"/>
+      </p:ext>
+    </p:extLst>
+  </p:cSld>
+  <p:clrMapOvr>
+    <a:masterClrMapping/>
+  </p:clrMapOvr>
+</p:sld>
+</file>
+
+<file path=ppt/slides/slide19.xml><?xml version="1.0" encoding="utf-8"?>
+<p:sld xmlns:a="http://schemas.openxmlformats.org/drawingml/2006/main" xmlns:r="http://schemas.openxmlformats.org/officeDocument/2006/relationships" xmlns:p="http://schemas.openxmlformats.org/presentationml/2006/main">
+  <p:cSld>
+    <p:spTree>
+      <p:nvGrpSpPr>
+        <p:cNvPr id="1" name="">
+          <a:extLst>
+            <a:ext uri="{FF2B5EF4-FFF2-40B4-BE49-F238E27FC236}">
+              <a16:creationId xmlns:a16="http://schemas.microsoft.com/office/drawing/2014/main" id="{1B15278A-93EA-D0FB-A1E5-978AA026762A}"/>
+            </a:ext>
+          </a:extLst>
+        </p:cNvPr>
+        <p:cNvGrpSpPr/>
+        <p:nvPr/>
+      </p:nvGrpSpPr>
+      <p:grpSpPr>
+        <a:xfrm>
+          <a:off x="0" y="0"/>
+          <a:ext cx="0" cy="0"/>
+          <a:chOff x="0" y="0"/>
+          <a:chExt cx="0" cy="0"/>
+        </a:xfrm>
+      </p:grpSpPr>
+      <p:sp>
+        <p:nvSpPr>
+          <p:cNvPr id="4" name="Title 1">
+            <a:extLst>
+              <a:ext uri="{FF2B5EF4-FFF2-40B4-BE49-F238E27FC236}">
+                <a16:creationId xmlns:a16="http://schemas.microsoft.com/office/drawing/2014/main" id="{C73E255D-2CBC-427C-F381-648486BDD509}"/>
+              </a:ext>
+            </a:extLst>
+          </p:cNvPr>
+          <p:cNvSpPr txBox="1">
+            <a:spLocks/>
+          </p:cNvSpPr>
+          <p:nvPr/>
+        </p:nvSpPr>
+        <p:spPr>
+          <a:xfrm>
+            <a:off x="990600" y="383056"/>
+            <a:ext cx="10515600" cy="853976"/>
+          </a:xfrm>
+          <a:prstGeom prst="rect">
+            <a:avLst/>
+          </a:prstGeom>
+        </p:spPr>
+        <p:txBody>
+          <a:bodyPr vert="horz" lIns="91440" tIns="45720" rIns="91440" bIns="45720" rtlCol="0" anchor="ctr">
+            <a:normAutofit/>
+          </a:bodyPr>
+          <a:lstStyle>
+            <a:lvl1pPr algn="l" defTabSz="914400" rtl="0" eaLnBrk="1" latinLnBrk="0" hangingPunct="1">
+              <a:lnSpc>
+                <a:spcPct val="90000"/>
+              </a:lnSpc>
+              <a:spcBef>
+                <a:spcPct val="0"/>
+              </a:spcBef>
+              <a:buNone/>
+              <a:defRPr sz="3600" b="1" i="0" kern="1200" cap="all" baseline="0">
+                <a:solidFill>
+                  <a:schemeClr val="tx2"/>
+                </a:solidFill>
+                <a:latin typeface="+mj-lt"/>
+                <a:ea typeface="Open Sans Semibold" panose="020B0606030504020204" pitchFamily="34" charset="0"/>
+                <a:cs typeface="Open Sans Semibold" panose="020B0606030504020204" pitchFamily="34" charset="0"/>
+              </a:defRPr>
+            </a:lvl1pPr>
+          </a:lstStyle>
+          <a:p>
+            <a:r>
+              <a:rPr lang="en-US" dirty="0"/>
+              <a:t>FLASK – VALIDACIJA (</a:t>
+            </a:r>
+            <a:r>
+              <a:rPr lang="hr-HR" dirty="0"/>
+              <a:t>Marshmallow</a:t>
+            </a:r>
+            <a:r>
+              <a:rPr lang="en-US" dirty="0"/>
+              <a:t>)</a:t>
+            </a:r>
+            <a:endParaRPr lang="hr-HR" dirty="0"/>
+          </a:p>
+        </p:txBody>
+      </p:sp>
+      <p:sp>
+        <p:nvSpPr>
+          <p:cNvPr id="30" name="Content Placeholder 2">
+            <a:extLst>
+              <a:ext uri="{FF2B5EF4-FFF2-40B4-BE49-F238E27FC236}">
+                <a16:creationId xmlns:a16="http://schemas.microsoft.com/office/drawing/2014/main" id="{0E2503B2-D7FF-7314-EBF5-323024E52672}"/>
+              </a:ext>
+            </a:extLst>
+          </p:cNvPr>
+          <p:cNvSpPr txBox="1">
+            <a:spLocks/>
+          </p:cNvSpPr>
+          <p:nvPr/>
+        </p:nvSpPr>
+        <p:spPr>
+          <a:xfrm>
+            <a:off x="990599" y="1264621"/>
+            <a:ext cx="3330677" cy="369895"/>
+          </a:xfrm>
+          <a:prstGeom prst="rect">
+            <a:avLst/>
+          </a:prstGeom>
+        </p:spPr>
+        <p:txBody>
+          <a:bodyPr vert="horz" lIns="91440" tIns="45720" rIns="91440" bIns="45720" rtlCol="0">
+            <a:noAutofit/>
+          </a:bodyPr>
+          <a:lstStyle>
+            <a:lvl1pPr marL="368300" indent="-352425" algn="l" defTabSz="914400" rtl="0" eaLnBrk="1" latinLnBrk="0" hangingPunct="1">
+              <a:lnSpc>
+                <a:spcPct val="90000"/>
+              </a:lnSpc>
+              <a:spcBef>
+                <a:spcPts val="600"/>
+              </a:spcBef>
+              <a:spcAft>
+                <a:spcPts val="600"/>
+              </a:spcAft>
+              <a:buClr>
+                <a:schemeClr val="accent2"/>
+              </a:buClr>
+              <a:buFont typeface="Wingdings" pitchFamily="2" charset="2"/>
+              <a:buChar char="§"/>
+              <a:tabLst/>
+              <a:defRPr sz="2400" kern="1200">
+                <a:solidFill>
+                  <a:schemeClr val="tx1"/>
+                </a:solidFill>
+                <a:latin typeface="+mn-lt"/>
+                <a:ea typeface="Open Sans" panose="020B0606030504020204" pitchFamily="34" charset="0"/>
+                <a:cs typeface="Open Sans" panose="020B0606030504020204" pitchFamily="34" charset="0"/>
+              </a:defRPr>
+            </a:lvl1pPr>
+            <a:lvl2pPr marL="771525" indent="-274638" algn="l" defTabSz="914400" rtl="0" eaLnBrk="1" latinLnBrk="0" hangingPunct="1">
+              <a:lnSpc>
+                <a:spcPct val="90000"/>
+              </a:lnSpc>
+              <a:spcBef>
+                <a:spcPts val="600"/>
+              </a:spcBef>
+              <a:spcAft>
+                <a:spcPts val="600"/>
+              </a:spcAft>
+              <a:buClr>
+                <a:schemeClr val="accent2"/>
+              </a:buClr>
+              <a:buFont typeface="Wingdings" pitchFamily="2" charset="2"/>
+              <a:buChar char="§"/>
+              <a:tabLst/>
+              <a:defRPr sz="2200" kern="1200">
+                <a:solidFill>
+                  <a:schemeClr val="tx1"/>
+                </a:solidFill>
+                <a:latin typeface="+mn-lt"/>
+                <a:ea typeface="Open Sans" panose="020B0606030504020204" pitchFamily="34" charset="0"/>
+                <a:cs typeface="Open Sans" panose="020B0606030504020204" pitchFamily="34" charset="0"/>
+              </a:defRPr>
+            </a:lvl2pPr>
+            <a:lvl3pPr marL="1143000" indent="-228600" algn="l" defTabSz="914400" rtl="0" eaLnBrk="1" latinLnBrk="0" hangingPunct="1">
+              <a:lnSpc>
+                <a:spcPct val="90000"/>
+              </a:lnSpc>
+              <a:spcBef>
+                <a:spcPts val="600"/>
+              </a:spcBef>
+              <a:spcAft>
+                <a:spcPts val="600"/>
+              </a:spcAft>
+              <a:buClr>
+                <a:schemeClr val="accent2"/>
+              </a:buClr>
+              <a:buFont typeface="Wingdings" pitchFamily="2" charset="2"/>
+              <a:buChar char="§"/>
+              <a:defRPr sz="2000" kern="1200">
+                <a:solidFill>
+                  <a:schemeClr val="tx1"/>
+                </a:solidFill>
+                <a:latin typeface="+mn-lt"/>
+                <a:ea typeface="Open Sans" panose="020B0606030504020204" pitchFamily="34" charset="0"/>
+                <a:cs typeface="Open Sans" panose="020B0606030504020204" pitchFamily="34" charset="0"/>
+              </a:defRPr>
+            </a:lvl3pPr>
+            <a:lvl4pPr marL="1600200" indent="-228600" algn="l" defTabSz="914400" rtl="0" eaLnBrk="1" latinLnBrk="0" hangingPunct="1">
+              <a:lnSpc>
+                <a:spcPct val="90000"/>
+              </a:lnSpc>
+              <a:spcBef>
+                <a:spcPts val="600"/>
+              </a:spcBef>
+              <a:spcAft>
+                <a:spcPts val="600"/>
+              </a:spcAft>
+              <a:buClr>
+                <a:schemeClr val="accent2"/>
+              </a:buClr>
+              <a:buFont typeface="Wingdings" pitchFamily="2" charset="2"/>
+              <a:buChar char="§"/>
+              <a:defRPr sz="1800" kern="1200">
+                <a:solidFill>
+                  <a:schemeClr val="tx1"/>
+                </a:solidFill>
+                <a:latin typeface="+mn-lt"/>
+                <a:ea typeface="Open Sans" panose="020B0606030504020204" pitchFamily="34" charset="0"/>
+                <a:cs typeface="Open Sans" panose="020B0606030504020204" pitchFamily="34" charset="0"/>
+              </a:defRPr>
+            </a:lvl4pPr>
+            <a:lvl5pPr marL="1960563" indent="-225425" algn="l" defTabSz="914400" rtl="0" eaLnBrk="1" latinLnBrk="0" hangingPunct="1">
+              <a:lnSpc>
+                <a:spcPct val="90000"/>
+              </a:lnSpc>
+              <a:spcBef>
+                <a:spcPts val="600"/>
+              </a:spcBef>
+              <a:spcAft>
+                <a:spcPts val="600"/>
+              </a:spcAft>
+              <a:buClr>
+                <a:schemeClr val="accent2"/>
+              </a:buClr>
+              <a:buFont typeface="Wingdings" pitchFamily="2" charset="2"/>
+              <a:buChar char="§"/>
+              <a:tabLst/>
+              <a:defRPr sz="1600" kern="1200">
+                <a:solidFill>
+                  <a:schemeClr val="tx1"/>
+                </a:solidFill>
+                <a:latin typeface="+mn-lt"/>
+                <a:ea typeface="Open Sans" panose="020B0606030504020204" pitchFamily="34" charset="0"/>
+                <a:cs typeface="Open Sans" panose="020B0606030504020204" pitchFamily="34" charset="0"/>
+              </a:defRPr>
+            </a:lvl5pPr>
+            <a:lvl6pPr marL="2514600" indent="-228600" algn="l" defTabSz="914400" rtl="0" eaLnBrk="1" latinLnBrk="0" hangingPunct="1">
+              <a:lnSpc>
+                <a:spcPct val="90000"/>
+              </a:lnSpc>
+              <a:spcBef>
+                <a:spcPts val="500"/>
+              </a:spcBef>
+              <a:buFont typeface="Arial" panose="020B0604020202020204" pitchFamily="34" charset="0"/>
+              <a:buChar char="•"/>
+              <a:defRPr sz="1800" kern="1200">
+                <a:solidFill>
+                  <a:schemeClr val="tx1"/>
+                </a:solidFill>
+                <a:latin typeface="+mn-lt"/>
+                <a:ea typeface="+mn-ea"/>
+                <a:cs typeface="+mn-cs"/>
+              </a:defRPr>
+            </a:lvl6pPr>
+            <a:lvl7pPr marL="2971800" indent="-228600" algn="l" defTabSz="914400" rtl="0" eaLnBrk="1" latinLnBrk="0" hangingPunct="1">
+              <a:lnSpc>
+                <a:spcPct val="90000"/>
+              </a:lnSpc>
+              <a:spcBef>
+                <a:spcPts val="500"/>
+              </a:spcBef>
+              <a:buFont typeface="Arial" panose="020B0604020202020204" pitchFamily="34" charset="0"/>
+              <a:buChar char="•"/>
+              <a:defRPr sz="1800" kern="1200">
+                <a:solidFill>
+                  <a:schemeClr val="tx1"/>
+                </a:solidFill>
+                <a:latin typeface="+mn-lt"/>
+                <a:ea typeface="+mn-ea"/>
+                <a:cs typeface="+mn-cs"/>
+              </a:defRPr>
+            </a:lvl7pPr>
+            <a:lvl8pPr marL="3429000" indent="-228600" algn="l" defTabSz="914400" rtl="0" eaLnBrk="1" latinLnBrk="0" hangingPunct="1">
+              <a:lnSpc>
+                <a:spcPct val="90000"/>
+              </a:lnSpc>
+              <a:spcBef>
+                <a:spcPts val="500"/>
+              </a:spcBef>
+              <a:buFont typeface="Arial" panose="020B0604020202020204" pitchFamily="34" charset="0"/>
+              <a:buChar char="•"/>
+              <a:defRPr sz="1800" kern="1200">
+                <a:solidFill>
+                  <a:schemeClr val="tx1"/>
+                </a:solidFill>
+                <a:latin typeface="+mn-lt"/>
+                <a:ea typeface="+mn-ea"/>
+                <a:cs typeface="+mn-cs"/>
+              </a:defRPr>
+            </a:lvl8pPr>
+            <a:lvl9pPr marL="3886200" indent="-228600" algn="l" defTabSz="914400" rtl="0" eaLnBrk="1" latinLnBrk="0" hangingPunct="1">
+              <a:lnSpc>
+                <a:spcPct val="90000"/>
+              </a:lnSpc>
+              <a:spcBef>
+                <a:spcPts val="500"/>
+              </a:spcBef>
+              <a:buFont typeface="Arial" panose="020B0604020202020204" pitchFamily="34" charset="0"/>
+              <a:buChar char="•"/>
+              <a:defRPr sz="1800" kern="1200">
+                <a:solidFill>
+                  <a:schemeClr val="tx1"/>
+                </a:solidFill>
+                <a:latin typeface="+mn-lt"/>
+                <a:ea typeface="+mn-ea"/>
+                <a:cs typeface="+mn-cs"/>
+              </a:defRPr>
+            </a:lvl9pPr>
+          </a:lstStyle>
+          <a:p>
+            <a:pPr marL="15875" indent="0">
+              <a:buNone/>
+            </a:pPr>
+            <a:r>
+              <a:rPr lang="en-US" sz="1400" dirty="0" err="1"/>
+              <a:t>Implementirajte</a:t>
+            </a:r>
+            <a:r>
+              <a:rPr lang="en-US" sz="1400" dirty="0"/>
+              <a:t> scheme u item.py</a:t>
+            </a:r>
+          </a:p>
+        </p:txBody>
+      </p:sp>
+      <p:pic>
+        <p:nvPicPr>
+          <p:cNvPr id="5" name="Picture 4">
+            <a:extLst>
+              <a:ext uri="{FF2B5EF4-FFF2-40B4-BE49-F238E27FC236}">
+                <a16:creationId xmlns:a16="http://schemas.microsoft.com/office/drawing/2014/main" id="{236359BE-6B27-6590-B6FD-9E14B9BEA086}"/>
+              </a:ext>
+            </a:extLst>
+          </p:cNvPr>
+          <p:cNvPicPr>
+            <a:picLocks noChangeAspect="1"/>
+          </p:cNvPicPr>
+          <p:nvPr/>
+        </p:nvPicPr>
+        <p:blipFill>
+          <a:blip r:embed="rId3"/>
+          <a:stretch>
+            <a:fillRect/>
+          </a:stretch>
+        </p:blipFill>
+        <p:spPr>
+          <a:xfrm>
+            <a:off x="1120723" y="1858297"/>
+            <a:ext cx="3466139" cy="1320434"/>
+          </a:xfrm>
+          <a:prstGeom prst="rect">
+            <a:avLst/>
+          </a:prstGeom>
+        </p:spPr>
+      </p:pic>
+      <p:pic>
+        <p:nvPicPr>
+          <p:cNvPr id="7" name="Picture 6">
+            <a:extLst>
+              <a:ext uri="{FF2B5EF4-FFF2-40B4-BE49-F238E27FC236}">
+                <a16:creationId xmlns:a16="http://schemas.microsoft.com/office/drawing/2014/main" id="{8528394F-1481-BC4C-B5D8-A704EB411D96}"/>
+              </a:ext>
+            </a:extLst>
+          </p:cNvPr>
+          <p:cNvPicPr>
+            <a:picLocks noChangeAspect="1"/>
+          </p:cNvPicPr>
+          <p:nvPr/>
+        </p:nvPicPr>
+        <p:blipFill>
+          <a:blip r:embed="rId4"/>
+          <a:stretch>
+            <a:fillRect/>
+          </a:stretch>
+        </p:blipFill>
+        <p:spPr>
+          <a:xfrm>
+            <a:off x="6374818" y="1858297"/>
+            <a:ext cx="3195824" cy="2197477"/>
+          </a:xfrm>
+          <a:prstGeom prst="rect">
+            <a:avLst/>
+          </a:prstGeom>
+        </p:spPr>
+      </p:pic>
+      <p:pic>
+        <p:nvPicPr>
+          <p:cNvPr id="10" name="Picture 9">
+            <a:extLst>
+              <a:ext uri="{FF2B5EF4-FFF2-40B4-BE49-F238E27FC236}">
+                <a16:creationId xmlns:a16="http://schemas.microsoft.com/office/drawing/2014/main" id="{CC1935A0-5EED-EA1C-BEE7-BC890EA937BF}"/>
+              </a:ext>
+            </a:extLst>
+          </p:cNvPr>
+          <p:cNvPicPr>
+            <a:picLocks noChangeAspect="1"/>
+          </p:cNvPicPr>
+          <p:nvPr/>
+        </p:nvPicPr>
+        <p:blipFill>
+          <a:blip r:embed="rId5"/>
+          <a:stretch>
+            <a:fillRect/>
+          </a:stretch>
+        </p:blipFill>
+        <p:spPr>
+          <a:xfrm>
+            <a:off x="1120723" y="3561283"/>
+            <a:ext cx="2079610" cy="1626317"/>
+          </a:xfrm>
+          <a:prstGeom prst="rect">
+            <a:avLst/>
+          </a:prstGeom>
+        </p:spPr>
+      </p:pic>
+      <p:sp>
+        <p:nvSpPr>
+          <p:cNvPr id="11" name="Content Placeholder 2">
+            <a:extLst>
+              <a:ext uri="{FF2B5EF4-FFF2-40B4-BE49-F238E27FC236}">
+                <a16:creationId xmlns:a16="http://schemas.microsoft.com/office/drawing/2014/main" id="{16B66EDB-E040-8DC0-BA52-996F8B9FA95E}"/>
+              </a:ext>
+            </a:extLst>
+          </p:cNvPr>
+          <p:cNvSpPr txBox="1">
+            <a:spLocks/>
+          </p:cNvSpPr>
+          <p:nvPr/>
+        </p:nvSpPr>
+        <p:spPr>
+          <a:xfrm>
+            <a:off x="6307392" y="1264620"/>
+            <a:ext cx="3330677" cy="369895"/>
+          </a:xfrm>
+          <a:prstGeom prst="rect">
+            <a:avLst/>
+          </a:prstGeom>
+        </p:spPr>
+        <p:txBody>
+          <a:bodyPr vert="horz" lIns="91440" tIns="45720" rIns="91440" bIns="45720" rtlCol="0">
+            <a:noAutofit/>
+          </a:bodyPr>
+          <a:lstStyle>
+            <a:lvl1pPr marL="368300" indent="-352425" algn="l" defTabSz="914400" rtl="0" eaLnBrk="1" latinLnBrk="0" hangingPunct="1">
+              <a:lnSpc>
+                <a:spcPct val="90000"/>
+              </a:lnSpc>
+              <a:spcBef>
+                <a:spcPts val="600"/>
+              </a:spcBef>
+              <a:spcAft>
+                <a:spcPts val="600"/>
+              </a:spcAft>
+              <a:buClr>
+                <a:schemeClr val="accent2"/>
+              </a:buClr>
+              <a:buFont typeface="Wingdings" pitchFamily="2" charset="2"/>
+              <a:buChar char="§"/>
+              <a:tabLst/>
+              <a:defRPr sz="2400" kern="1200">
+                <a:solidFill>
+                  <a:schemeClr val="tx1"/>
+                </a:solidFill>
+                <a:latin typeface="+mn-lt"/>
+                <a:ea typeface="Open Sans" panose="020B0606030504020204" pitchFamily="34" charset="0"/>
+                <a:cs typeface="Open Sans" panose="020B0606030504020204" pitchFamily="34" charset="0"/>
+              </a:defRPr>
+            </a:lvl1pPr>
+            <a:lvl2pPr marL="771525" indent="-274638" algn="l" defTabSz="914400" rtl="0" eaLnBrk="1" latinLnBrk="0" hangingPunct="1">
+              <a:lnSpc>
+                <a:spcPct val="90000"/>
+              </a:lnSpc>
+              <a:spcBef>
+                <a:spcPts val="600"/>
+              </a:spcBef>
+              <a:spcAft>
+                <a:spcPts val="600"/>
+              </a:spcAft>
+              <a:buClr>
+                <a:schemeClr val="accent2"/>
+              </a:buClr>
+              <a:buFont typeface="Wingdings" pitchFamily="2" charset="2"/>
+              <a:buChar char="§"/>
+              <a:tabLst/>
+              <a:defRPr sz="2200" kern="1200">
+                <a:solidFill>
+                  <a:schemeClr val="tx1"/>
+                </a:solidFill>
+                <a:latin typeface="+mn-lt"/>
+                <a:ea typeface="Open Sans" panose="020B0606030504020204" pitchFamily="34" charset="0"/>
+                <a:cs typeface="Open Sans" panose="020B0606030504020204" pitchFamily="34" charset="0"/>
+              </a:defRPr>
+            </a:lvl2pPr>
+            <a:lvl3pPr marL="1143000" indent="-228600" algn="l" defTabSz="914400" rtl="0" eaLnBrk="1" latinLnBrk="0" hangingPunct="1">
+              <a:lnSpc>
+                <a:spcPct val="90000"/>
+              </a:lnSpc>
+              <a:spcBef>
+                <a:spcPts val="600"/>
+              </a:spcBef>
+              <a:spcAft>
+                <a:spcPts val="600"/>
+              </a:spcAft>
+              <a:buClr>
+                <a:schemeClr val="accent2"/>
+              </a:buClr>
+              <a:buFont typeface="Wingdings" pitchFamily="2" charset="2"/>
+              <a:buChar char="§"/>
+              <a:defRPr sz="2000" kern="1200">
+                <a:solidFill>
+                  <a:schemeClr val="tx1"/>
+                </a:solidFill>
+                <a:latin typeface="+mn-lt"/>
+                <a:ea typeface="Open Sans" panose="020B0606030504020204" pitchFamily="34" charset="0"/>
+                <a:cs typeface="Open Sans" panose="020B0606030504020204" pitchFamily="34" charset="0"/>
+              </a:defRPr>
+            </a:lvl3pPr>
+            <a:lvl4pPr marL="1600200" indent="-228600" algn="l" defTabSz="914400" rtl="0" eaLnBrk="1" latinLnBrk="0" hangingPunct="1">
+              <a:lnSpc>
+                <a:spcPct val="90000"/>
+              </a:lnSpc>
+              <a:spcBef>
+                <a:spcPts val="600"/>
+              </a:spcBef>
+              <a:spcAft>
+                <a:spcPts val="600"/>
+              </a:spcAft>
+              <a:buClr>
+                <a:schemeClr val="accent2"/>
+              </a:buClr>
+              <a:buFont typeface="Wingdings" pitchFamily="2" charset="2"/>
+              <a:buChar char="§"/>
+              <a:defRPr sz="1800" kern="1200">
+                <a:solidFill>
+                  <a:schemeClr val="tx1"/>
+                </a:solidFill>
+                <a:latin typeface="+mn-lt"/>
+                <a:ea typeface="Open Sans" panose="020B0606030504020204" pitchFamily="34" charset="0"/>
+                <a:cs typeface="Open Sans" panose="020B0606030504020204" pitchFamily="34" charset="0"/>
+              </a:defRPr>
+            </a:lvl4pPr>
+            <a:lvl5pPr marL="1960563" indent="-225425" algn="l" defTabSz="914400" rtl="0" eaLnBrk="1" latinLnBrk="0" hangingPunct="1">
+              <a:lnSpc>
+                <a:spcPct val="90000"/>
+              </a:lnSpc>
+              <a:spcBef>
+                <a:spcPts val="600"/>
+              </a:spcBef>
+              <a:spcAft>
+                <a:spcPts val="600"/>
+              </a:spcAft>
+              <a:buClr>
+                <a:schemeClr val="accent2"/>
+              </a:buClr>
+              <a:buFont typeface="Wingdings" pitchFamily="2" charset="2"/>
+              <a:buChar char="§"/>
+              <a:tabLst/>
+              <a:defRPr sz="1600" kern="1200">
+                <a:solidFill>
+                  <a:schemeClr val="tx1"/>
+                </a:solidFill>
+                <a:latin typeface="+mn-lt"/>
+                <a:ea typeface="Open Sans" panose="020B0606030504020204" pitchFamily="34" charset="0"/>
+                <a:cs typeface="Open Sans" panose="020B0606030504020204" pitchFamily="34" charset="0"/>
+              </a:defRPr>
+            </a:lvl5pPr>
+            <a:lvl6pPr marL="2514600" indent="-228600" algn="l" defTabSz="914400" rtl="0" eaLnBrk="1" latinLnBrk="0" hangingPunct="1">
+              <a:lnSpc>
+                <a:spcPct val="90000"/>
+              </a:lnSpc>
+              <a:spcBef>
+                <a:spcPts val="500"/>
+              </a:spcBef>
+              <a:buFont typeface="Arial" panose="020B0604020202020204" pitchFamily="34" charset="0"/>
+              <a:buChar char="•"/>
+              <a:defRPr sz="1800" kern="1200">
+                <a:solidFill>
+                  <a:schemeClr val="tx1"/>
+                </a:solidFill>
+                <a:latin typeface="+mn-lt"/>
+                <a:ea typeface="+mn-ea"/>
+                <a:cs typeface="+mn-cs"/>
+              </a:defRPr>
+            </a:lvl6pPr>
+            <a:lvl7pPr marL="2971800" indent="-228600" algn="l" defTabSz="914400" rtl="0" eaLnBrk="1" latinLnBrk="0" hangingPunct="1">
+              <a:lnSpc>
+                <a:spcPct val="90000"/>
+              </a:lnSpc>
+              <a:spcBef>
+                <a:spcPts val="500"/>
+              </a:spcBef>
+              <a:buFont typeface="Arial" panose="020B0604020202020204" pitchFamily="34" charset="0"/>
+              <a:buChar char="•"/>
+              <a:defRPr sz="1800" kern="1200">
+                <a:solidFill>
+                  <a:schemeClr val="tx1"/>
+                </a:solidFill>
+                <a:latin typeface="+mn-lt"/>
+                <a:ea typeface="+mn-ea"/>
+                <a:cs typeface="+mn-cs"/>
+              </a:defRPr>
+            </a:lvl7pPr>
+            <a:lvl8pPr marL="3429000" indent="-228600" algn="l" defTabSz="914400" rtl="0" eaLnBrk="1" latinLnBrk="0" hangingPunct="1">
+              <a:lnSpc>
+                <a:spcPct val="90000"/>
+              </a:lnSpc>
+              <a:spcBef>
+                <a:spcPts val="500"/>
+              </a:spcBef>
+              <a:buFont typeface="Arial" panose="020B0604020202020204" pitchFamily="34" charset="0"/>
+              <a:buChar char="•"/>
+              <a:defRPr sz="1800" kern="1200">
+                <a:solidFill>
+                  <a:schemeClr val="tx1"/>
+                </a:solidFill>
+                <a:latin typeface="+mn-lt"/>
+                <a:ea typeface="+mn-ea"/>
+                <a:cs typeface="+mn-cs"/>
+              </a:defRPr>
+            </a:lvl8pPr>
+            <a:lvl9pPr marL="3886200" indent="-228600" algn="l" defTabSz="914400" rtl="0" eaLnBrk="1" latinLnBrk="0" hangingPunct="1">
+              <a:lnSpc>
+                <a:spcPct val="90000"/>
+              </a:lnSpc>
+              <a:spcBef>
+                <a:spcPts val="500"/>
+              </a:spcBef>
+              <a:buFont typeface="Arial" panose="020B0604020202020204" pitchFamily="34" charset="0"/>
+              <a:buChar char="•"/>
+              <a:defRPr sz="1800" kern="1200">
+                <a:solidFill>
+                  <a:schemeClr val="tx1"/>
+                </a:solidFill>
+                <a:latin typeface="+mn-lt"/>
+                <a:ea typeface="+mn-ea"/>
+                <a:cs typeface="+mn-cs"/>
+              </a:defRPr>
+            </a:lvl9pPr>
+          </a:lstStyle>
+          <a:p>
+            <a:pPr marL="15875" indent="0">
+              <a:buNone/>
+            </a:pPr>
+            <a:r>
+              <a:rPr lang="en-US" sz="1400" dirty="0" err="1"/>
+              <a:t>Implementirajte</a:t>
+            </a:r>
+            <a:r>
+              <a:rPr lang="en-US" sz="1400" dirty="0"/>
+              <a:t> scheme u store.py</a:t>
+            </a:r>
+          </a:p>
+        </p:txBody>
+      </p:sp>
+    </p:spTree>
+    <p:extLst>
+      <p:ext uri="{BB962C8B-B14F-4D97-AF65-F5344CB8AC3E}">
+        <p14:creationId xmlns:p14="http://schemas.microsoft.com/office/powerpoint/2010/main" val="2568630518"/>
       </p:ext>
     </p:extLst>
   </p:cSld>
@@ -25392,17 +26970,6 @@
 </file>
 
 <file path=customXml/item1.xml><?xml version="1.0" encoding="utf-8"?>
-<p:properties xmlns:p="http://schemas.microsoft.com/office/2006/metadata/properties" xmlns:xsi="http://www.w3.org/2001/XMLSchema-instance" xmlns:pc="http://schemas.microsoft.com/office/infopath/2007/PartnerControls">
-  <documentManagement>
-    <lcf76f155ced4ddcb4097134ff3c332f xmlns="40806f44-bc4a-4ea4-b660-c6da93f8f179">
-      <Terms xmlns="http://schemas.microsoft.com/office/infopath/2007/PartnerControls"/>
-    </lcf76f155ced4ddcb4097134ff3c332f>
-    <TaxCatchAll xmlns="758d0d8f-b783-4c78-ab73-9740c97b97cf" xsi:nil="true"/>
-  </documentManagement>
-</p:properties>
-</file>
-
-<file path=customXml/item2.xml><?xml version="1.0" encoding="utf-8"?>
 <ct:contentTypeSchema xmlns:ct="http://schemas.microsoft.com/office/2006/metadata/contentType" xmlns:ma="http://schemas.microsoft.com/office/2006/metadata/properties/metaAttributes" ct:_="" ma:_="" ma:contentTypeName="Document" ma:contentTypeID="0x010100E4F55D9EF0BF0A44B819E681FCAC00B7" ma:contentTypeVersion="12" ma:contentTypeDescription="Create a new document." ma:contentTypeScope="" ma:versionID="068ce121a7a7a0aebcb89dd601c4f0a2">
   <xsd:schema xmlns:xsd="http://www.w3.org/2001/XMLSchema" xmlns:xs="http://www.w3.org/2001/XMLSchema" xmlns:p="http://schemas.microsoft.com/office/2006/metadata/properties" xmlns:ns2="40806f44-bc4a-4ea4-b660-c6da93f8f179" xmlns:ns3="758d0d8f-b783-4c78-ab73-9740c97b97cf" targetNamespace="http://schemas.microsoft.com/office/2006/metadata/properties" ma:root="true" ma:fieldsID="67c58e6c5c8ea9af0822acd84d25e1a2" ns2:_="" ns3:_="">
     <xsd:import namespace="40806f44-bc4a-4ea4-b660-c6da93f8f179"/>
@@ -25619,6 +27186,17 @@
 </ct:contentTypeSchema>
 </file>
 
+<file path=customXml/item2.xml><?xml version="1.0" encoding="utf-8"?>
+<p:properties xmlns:p="http://schemas.microsoft.com/office/2006/metadata/properties" xmlns:xsi="http://www.w3.org/2001/XMLSchema-instance" xmlns:pc="http://schemas.microsoft.com/office/infopath/2007/PartnerControls">
+  <documentManagement>
+    <lcf76f155ced4ddcb4097134ff3c332f xmlns="40806f44-bc4a-4ea4-b660-c6da93f8f179">
+      <Terms xmlns="http://schemas.microsoft.com/office/infopath/2007/PartnerControls"/>
+    </lcf76f155ced4ddcb4097134ff3c332f>
+    <TaxCatchAll xmlns="758d0d8f-b783-4c78-ab73-9740c97b97cf" xsi:nil="true"/>
+  </documentManagement>
+</p:properties>
+</file>
+
 <file path=customXml/item3.xml><?xml version="1.0" encoding="utf-8"?>
 <?mso-contentType ?>
 <FormTemplates xmlns="http://schemas.microsoft.com/sharepoint/v3/contenttype/forms">
@@ -25629,23 +27207,6 @@
 </file>
 
 <file path=customXml/itemProps1.xml><?xml version="1.0" encoding="utf-8"?>
-<ds:datastoreItem xmlns:ds="http://schemas.openxmlformats.org/officeDocument/2006/customXml" ds:itemID="{61E72F81-8533-461E-8E71-A6D77294CFEF}">
-  <ds:schemaRefs>
-    <ds:schemaRef ds:uri="http://purl.org/dc/elements/1.1/"/>
-    <ds:schemaRef ds:uri="http://www.w3.org/XML/1998/namespace"/>
-    <ds:schemaRef ds:uri="http://purl.org/dc/terms/"/>
-    <ds:schemaRef ds:uri="http://schemas.microsoft.com/office/2006/documentManagement/types"/>
-    <ds:schemaRef ds:uri="40806f44-bc4a-4ea4-b660-c6da93f8f179"/>
-    <ds:schemaRef ds:uri="http://schemas.openxmlformats.org/package/2006/metadata/core-properties"/>
-    <ds:schemaRef ds:uri="http://purl.org/dc/dcmitype/"/>
-    <ds:schemaRef ds:uri="http://schemas.microsoft.com/office/infopath/2007/PartnerControls"/>
-    <ds:schemaRef ds:uri="758d0d8f-b783-4c78-ab73-9740c97b97cf"/>
-    <ds:schemaRef ds:uri="http://schemas.microsoft.com/office/2006/metadata/properties"/>
-  </ds:schemaRefs>
-</ds:datastoreItem>
-</file>
-
-<file path=customXml/itemProps2.xml><?xml version="1.0" encoding="utf-8"?>
 <ds:datastoreItem xmlns:ds="http://schemas.openxmlformats.org/officeDocument/2006/customXml" ds:itemID="{4E6AED0F-96FF-4C7F-8AC9-672C91BFCDFE}">
   <ds:schemaRefs>
     <ds:schemaRef ds:uri="http://schemas.microsoft.com/office/2006/metadata/contentType"/>
@@ -25664,6 +27225,23 @@
 </ds:datastoreItem>
 </file>
 
+<file path=customXml/itemProps2.xml><?xml version="1.0" encoding="utf-8"?>
+<ds:datastoreItem xmlns:ds="http://schemas.openxmlformats.org/officeDocument/2006/customXml" ds:itemID="{61E72F81-8533-461E-8E71-A6D77294CFEF}">
+  <ds:schemaRefs>
+    <ds:schemaRef ds:uri="http://purl.org/dc/elements/1.1/"/>
+    <ds:schemaRef ds:uri="http://www.w3.org/XML/1998/namespace"/>
+    <ds:schemaRef ds:uri="http://purl.org/dc/terms/"/>
+    <ds:schemaRef ds:uri="http://schemas.microsoft.com/office/2006/documentManagement/types"/>
+    <ds:schemaRef ds:uri="40806f44-bc4a-4ea4-b660-c6da93f8f179"/>
+    <ds:schemaRef ds:uri="http://schemas.openxmlformats.org/package/2006/metadata/core-properties"/>
+    <ds:schemaRef ds:uri="http://purl.org/dc/dcmitype/"/>
+    <ds:schemaRef ds:uri="http://schemas.microsoft.com/office/infopath/2007/PartnerControls"/>
+    <ds:schemaRef ds:uri="758d0d8f-b783-4c78-ab73-9740c97b97cf"/>
+    <ds:schemaRef ds:uri="http://schemas.microsoft.com/office/2006/metadata/properties"/>
+  </ds:schemaRefs>
+</ds:datastoreItem>
+</file>
+
 <file path=customXml/itemProps3.xml><?xml version="1.0" encoding="utf-8"?>
 <ds:datastoreItem xmlns:ds="http://schemas.openxmlformats.org/officeDocument/2006/customXml" ds:itemID="{46915D30-CAA6-465E-907F-1770D4E3B01D}">
   <ds:schemaRefs>

--- a/Bootcamp/flask/flask.pptx
+++ b/Bootcamp/flask/flask.pptx
@@ -5,7 +5,7 @@
     <p:sldMasterId id="2147483648" r:id="rId4"/>
   </p:sldMasterIdLst>
   <p:notesMasterIdLst>
-    <p:notesMasterId r:id="rId24"/>
+    <p:notesMasterId r:id="rId29"/>
   </p:notesMasterIdLst>
   <p:sldIdLst>
     <p:sldId id="282" r:id="rId5"/>
@@ -27,6 +27,11 @@
     <p:sldId id="424" r:id="rId21"/>
     <p:sldId id="425" r:id="rId22"/>
     <p:sldId id="426" r:id="rId23"/>
+    <p:sldId id="427" r:id="rId24"/>
+    <p:sldId id="428" r:id="rId25"/>
+    <p:sldId id="429" r:id="rId26"/>
+    <p:sldId id="430" r:id="rId27"/>
+    <p:sldId id="431" r:id="rId28"/>
   </p:sldIdLst>
   <p:sldSz cx="12192000" cy="6858000"/>
   <p:notesSz cx="6858000" cy="9144000"/>
@@ -153,6 +158,11 @@
             <p14:sldId id="424"/>
             <p14:sldId id="425"/>
             <p14:sldId id="426"/>
+            <p14:sldId id="427"/>
+            <p14:sldId id="428"/>
+            <p14:sldId id="429"/>
+            <p14:sldId id="430"/>
+            <p14:sldId id="431"/>
           </p14:sldIdLst>
         </p14:section>
       </p14:sectionLst>
@@ -257,7 +267,7 @@
           <a:p>
             <a:fld id="{B2A70591-2E3C-5F42-A4E1-C0F5A0F4E5DB}" type="datetimeFigureOut">
               <a:rPr lang="en-US" smtClean="0"/>
-              <a:t>3/17/2025</a:t>
+              <a:t>3/18/2025</a:t>
             </a:fld>
             <a:endParaRPr lang="en-US"/>
           </a:p>
@@ -1343,7 +1353,10 @@
           <a:bodyPr/>
           <a:lstStyle/>
           <a:p>
-            <a:endParaRPr lang="hr-HR" dirty="0"/>
+            <a:r>
+              <a:rPr lang="hr-HR" dirty="0"/>
+              <a:t>http://127.0.0.1:5000/swagger-ui</a:t>
+            </a:r>
           </a:p>
         </p:txBody>
       </p:sp>
@@ -1605,6 +1618,114 @@
 </p:notes>
 </file>
 
+<file path=ppt/notesSlides/notesSlide19.xml><?xml version="1.0" encoding="utf-8"?>
+<p:notes xmlns:a="http://schemas.openxmlformats.org/drawingml/2006/main" xmlns:r="http://schemas.openxmlformats.org/officeDocument/2006/relationships" xmlns:p="http://schemas.openxmlformats.org/presentationml/2006/main">
+  <p:cSld>
+    <p:spTree>
+      <p:nvGrpSpPr>
+        <p:cNvPr id="1" name="">
+          <a:extLst>
+            <a:ext uri="{FF2B5EF4-FFF2-40B4-BE49-F238E27FC236}">
+              <a16:creationId xmlns:a16="http://schemas.microsoft.com/office/drawing/2014/main" id="{A592656A-C8F1-C5DD-9EAF-96191897249D}"/>
+            </a:ext>
+          </a:extLst>
+        </p:cNvPr>
+        <p:cNvGrpSpPr/>
+        <p:nvPr/>
+      </p:nvGrpSpPr>
+      <p:grpSpPr>
+        <a:xfrm>
+          <a:off x="0" y="0"/>
+          <a:ext cx="0" cy="0"/>
+          <a:chOff x="0" y="0"/>
+          <a:chExt cx="0" cy="0"/>
+        </a:xfrm>
+      </p:grpSpPr>
+      <p:sp>
+        <p:nvSpPr>
+          <p:cNvPr id="2" name="Slide Image Placeholder 1">
+            <a:extLst>
+              <a:ext uri="{FF2B5EF4-FFF2-40B4-BE49-F238E27FC236}">
+                <a16:creationId xmlns:a16="http://schemas.microsoft.com/office/drawing/2014/main" id="{3200C715-9345-01E9-0080-D61B922CABB6}"/>
+              </a:ext>
+            </a:extLst>
+          </p:cNvPr>
+          <p:cNvSpPr>
+            <a:spLocks noGrp="1" noRot="1" noChangeAspect="1"/>
+          </p:cNvSpPr>
+          <p:nvPr>
+            <p:ph type="sldImg"/>
+          </p:nvPr>
+        </p:nvSpPr>
+        <p:spPr/>
+      </p:sp>
+      <p:sp>
+        <p:nvSpPr>
+          <p:cNvPr id="3" name="Notes Placeholder 2">
+            <a:extLst>
+              <a:ext uri="{FF2B5EF4-FFF2-40B4-BE49-F238E27FC236}">
+                <a16:creationId xmlns:a16="http://schemas.microsoft.com/office/drawing/2014/main" id="{0F0A6F74-3721-4913-D363-E045C26D0689}"/>
+              </a:ext>
+            </a:extLst>
+          </p:cNvPr>
+          <p:cNvSpPr>
+            <a:spLocks noGrp="1"/>
+          </p:cNvSpPr>
+          <p:nvPr>
+            <p:ph type="body" idx="1"/>
+          </p:nvPr>
+        </p:nvSpPr>
+        <p:spPr/>
+        <p:txBody>
+          <a:bodyPr/>
+          <a:lstStyle/>
+          <a:p>
+            <a:endParaRPr lang="hr-HR" dirty="0"/>
+          </a:p>
+        </p:txBody>
+      </p:sp>
+      <p:sp>
+        <p:nvSpPr>
+          <p:cNvPr id="4" name="Slide Number Placeholder 3">
+            <a:extLst>
+              <a:ext uri="{FF2B5EF4-FFF2-40B4-BE49-F238E27FC236}">
+                <a16:creationId xmlns:a16="http://schemas.microsoft.com/office/drawing/2014/main" id="{AA345738-6E7A-FD7C-0692-090FA3098AD4}"/>
+              </a:ext>
+            </a:extLst>
+          </p:cNvPr>
+          <p:cNvSpPr>
+            <a:spLocks noGrp="1"/>
+          </p:cNvSpPr>
+          <p:nvPr>
+            <p:ph type="sldNum" sz="quarter" idx="5"/>
+          </p:nvPr>
+        </p:nvSpPr>
+        <p:spPr/>
+        <p:txBody>
+          <a:bodyPr/>
+          <a:lstStyle/>
+          <a:p>
+            <a:fld id="{343B951A-A665-1949-AEDB-B62DC9BE7F13}" type="slidenum">
+              <a:rPr lang="en-US" smtClean="0"/>
+              <a:t>20</a:t>
+            </a:fld>
+            <a:endParaRPr lang="en-US"/>
+          </a:p>
+        </p:txBody>
+      </p:sp>
+    </p:spTree>
+    <p:extLst>
+      <p:ext uri="{BB962C8B-B14F-4D97-AF65-F5344CB8AC3E}">
+        <p14:creationId xmlns:p14="http://schemas.microsoft.com/office/powerpoint/2010/main" val="1087529974"/>
+      </p:ext>
+    </p:extLst>
+  </p:cSld>
+  <p:clrMapOvr>
+    <a:masterClrMapping/>
+  </p:clrMapOvr>
+</p:notes>
+</file>
+
 <file path=ppt/notesSlides/notesSlide2.xml><?xml version="1.0" encoding="utf-8"?>
 <p:notes xmlns:a="http://schemas.openxmlformats.org/drawingml/2006/main" xmlns:r="http://schemas.openxmlformats.org/officeDocument/2006/relationships" xmlns:p="http://schemas.openxmlformats.org/presentationml/2006/main">
   <p:cSld>
@@ -1771,6 +1892,450 @@
     <p:extLst>
       <p:ext uri="{BB962C8B-B14F-4D97-AF65-F5344CB8AC3E}">
         <p14:creationId xmlns:p14="http://schemas.microsoft.com/office/powerpoint/2010/main" val="396371451"/>
+      </p:ext>
+    </p:extLst>
+  </p:cSld>
+  <p:clrMapOvr>
+    <a:masterClrMapping/>
+  </p:clrMapOvr>
+</p:notes>
+</file>
+
+<file path=ppt/notesSlides/notesSlide20.xml><?xml version="1.0" encoding="utf-8"?>
+<p:notes xmlns:a="http://schemas.openxmlformats.org/drawingml/2006/main" xmlns:r="http://schemas.openxmlformats.org/officeDocument/2006/relationships" xmlns:p="http://schemas.openxmlformats.org/presentationml/2006/main">
+  <p:cSld>
+    <p:spTree>
+      <p:nvGrpSpPr>
+        <p:cNvPr id="1" name="">
+          <a:extLst>
+            <a:ext uri="{FF2B5EF4-FFF2-40B4-BE49-F238E27FC236}">
+              <a16:creationId xmlns:a16="http://schemas.microsoft.com/office/drawing/2014/main" id="{2C70F3ED-AD4B-5529-5DDE-D177E33C30B7}"/>
+            </a:ext>
+          </a:extLst>
+        </p:cNvPr>
+        <p:cNvGrpSpPr/>
+        <p:nvPr/>
+      </p:nvGrpSpPr>
+      <p:grpSpPr>
+        <a:xfrm>
+          <a:off x="0" y="0"/>
+          <a:ext cx="0" cy="0"/>
+          <a:chOff x="0" y="0"/>
+          <a:chExt cx="0" cy="0"/>
+        </a:xfrm>
+      </p:grpSpPr>
+      <p:sp>
+        <p:nvSpPr>
+          <p:cNvPr id="2" name="Slide Image Placeholder 1">
+            <a:extLst>
+              <a:ext uri="{FF2B5EF4-FFF2-40B4-BE49-F238E27FC236}">
+                <a16:creationId xmlns:a16="http://schemas.microsoft.com/office/drawing/2014/main" id="{833C7AA1-EA85-5854-133C-3122EE4C9E8F}"/>
+              </a:ext>
+            </a:extLst>
+          </p:cNvPr>
+          <p:cNvSpPr>
+            <a:spLocks noGrp="1" noRot="1" noChangeAspect="1"/>
+          </p:cNvSpPr>
+          <p:nvPr>
+            <p:ph type="sldImg"/>
+          </p:nvPr>
+        </p:nvSpPr>
+        <p:spPr/>
+      </p:sp>
+      <p:sp>
+        <p:nvSpPr>
+          <p:cNvPr id="3" name="Notes Placeholder 2">
+            <a:extLst>
+              <a:ext uri="{FF2B5EF4-FFF2-40B4-BE49-F238E27FC236}">
+                <a16:creationId xmlns:a16="http://schemas.microsoft.com/office/drawing/2014/main" id="{16A7471B-44AB-AC28-9B9D-F8DE90DE0E71}"/>
+              </a:ext>
+            </a:extLst>
+          </p:cNvPr>
+          <p:cNvSpPr>
+            <a:spLocks noGrp="1"/>
+          </p:cNvSpPr>
+          <p:nvPr>
+            <p:ph type="body" idx="1"/>
+          </p:nvPr>
+        </p:nvSpPr>
+        <p:spPr/>
+        <p:txBody>
+          <a:bodyPr/>
+          <a:lstStyle/>
+          <a:p>
+            <a:r>
+              <a:rPr lang="hr-HR" dirty="0"/>
+              <a:t>https://jwt.io/introduction</a:t>
+            </a:r>
+          </a:p>
+        </p:txBody>
+      </p:sp>
+      <p:sp>
+        <p:nvSpPr>
+          <p:cNvPr id="4" name="Slide Number Placeholder 3">
+            <a:extLst>
+              <a:ext uri="{FF2B5EF4-FFF2-40B4-BE49-F238E27FC236}">
+                <a16:creationId xmlns:a16="http://schemas.microsoft.com/office/drawing/2014/main" id="{42D2B2CA-7FA1-BB2D-90A0-9CFFCC7594AB}"/>
+              </a:ext>
+            </a:extLst>
+          </p:cNvPr>
+          <p:cNvSpPr>
+            <a:spLocks noGrp="1"/>
+          </p:cNvSpPr>
+          <p:nvPr>
+            <p:ph type="sldNum" sz="quarter" idx="5"/>
+          </p:nvPr>
+        </p:nvSpPr>
+        <p:spPr/>
+        <p:txBody>
+          <a:bodyPr/>
+          <a:lstStyle/>
+          <a:p>
+            <a:fld id="{343B951A-A665-1949-AEDB-B62DC9BE7F13}" type="slidenum">
+              <a:rPr lang="en-US" smtClean="0"/>
+              <a:t>21</a:t>
+            </a:fld>
+            <a:endParaRPr lang="en-US"/>
+          </a:p>
+        </p:txBody>
+      </p:sp>
+    </p:spTree>
+    <p:extLst>
+      <p:ext uri="{BB962C8B-B14F-4D97-AF65-F5344CB8AC3E}">
+        <p14:creationId xmlns:p14="http://schemas.microsoft.com/office/powerpoint/2010/main" val="1552237170"/>
+      </p:ext>
+    </p:extLst>
+  </p:cSld>
+  <p:clrMapOvr>
+    <a:masterClrMapping/>
+  </p:clrMapOvr>
+</p:notes>
+</file>
+
+<file path=ppt/notesSlides/notesSlide21.xml><?xml version="1.0" encoding="utf-8"?>
+<p:notes xmlns:a="http://schemas.openxmlformats.org/drawingml/2006/main" xmlns:r="http://schemas.openxmlformats.org/officeDocument/2006/relationships" xmlns:p="http://schemas.openxmlformats.org/presentationml/2006/main">
+  <p:cSld>
+    <p:spTree>
+      <p:nvGrpSpPr>
+        <p:cNvPr id="1" name="">
+          <a:extLst>
+            <a:ext uri="{FF2B5EF4-FFF2-40B4-BE49-F238E27FC236}">
+              <a16:creationId xmlns:a16="http://schemas.microsoft.com/office/drawing/2014/main" id="{C71E955D-56EE-9DF4-CA95-E2EEA0BF1E68}"/>
+            </a:ext>
+          </a:extLst>
+        </p:cNvPr>
+        <p:cNvGrpSpPr/>
+        <p:nvPr/>
+      </p:nvGrpSpPr>
+      <p:grpSpPr>
+        <a:xfrm>
+          <a:off x="0" y="0"/>
+          <a:ext cx="0" cy="0"/>
+          <a:chOff x="0" y="0"/>
+          <a:chExt cx="0" cy="0"/>
+        </a:xfrm>
+      </p:grpSpPr>
+      <p:sp>
+        <p:nvSpPr>
+          <p:cNvPr id="2" name="Slide Image Placeholder 1">
+            <a:extLst>
+              <a:ext uri="{FF2B5EF4-FFF2-40B4-BE49-F238E27FC236}">
+                <a16:creationId xmlns:a16="http://schemas.microsoft.com/office/drawing/2014/main" id="{429291EF-4BBE-1581-AA03-FC87BB4A13D1}"/>
+              </a:ext>
+            </a:extLst>
+          </p:cNvPr>
+          <p:cNvSpPr>
+            <a:spLocks noGrp="1" noRot="1" noChangeAspect="1"/>
+          </p:cNvSpPr>
+          <p:nvPr>
+            <p:ph type="sldImg"/>
+          </p:nvPr>
+        </p:nvSpPr>
+        <p:spPr/>
+      </p:sp>
+      <p:sp>
+        <p:nvSpPr>
+          <p:cNvPr id="3" name="Notes Placeholder 2">
+            <a:extLst>
+              <a:ext uri="{FF2B5EF4-FFF2-40B4-BE49-F238E27FC236}">
+                <a16:creationId xmlns:a16="http://schemas.microsoft.com/office/drawing/2014/main" id="{129B2343-A040-5FB9-55CD-47FF309BB218}"/>
+              </a:ext>
+            </a:extLst>
+          </p:cNvPr>
+          <p:cNvSpPr>
+            <a:spLocks noGrp="1"/>
+          </p:cNvSpPr>
+          <p:nvPr>
+            <p:ph type="body" idx="1"/>
+          </p:nvPr>
+        </p:nvSpPr>
+        <p:spPr/>
+        <p:txBody>
+          <a:bodyPr/>
+          <a:lstStyle/>
+          <a:p>
+            <a:r>
+              <a:rPr lang="hr-HR" dirty="0"/>
+              <a:t>https://jwt.io/introduction</a:t>
+            </a:r>
+          </a:p>
+        </p:txBody>
+      </p:sp>
+      <p:sp>
+        <p:nvSpPr>
+          <p:cNvPr id="4" name="Slide Number Placeholder 3">
+            <a:extLst>
+              <a:ext uri="{FF2B5EF4-FFF2-40B4-BE49-F238E27FC236}">
+                <a16:creationId xmlns:a16="http://schemas.microsoft.com/office/drawing/2014/main" id="{E8E85A8D-01B4-01D3-045B-31E4033F475A}"/>
+              </a:ext>
+            </a:extLst>
+          </p:cNvPr>
+          <p:cNvSpPr>
+            <a:spLocks noGrp="1"/>
+          </p:cNvSpPr>
+          <p:nvPr>
+            <p:ph type="sldNum" sz="quarter" idx="5"/>
+          </p:nvPr>
+        </p:nvSpPr>
+        <p:spPr/>
+        <p:txBody>
+          <a:bodyPr/>
+          <a:lstStyle/>
+          <a:p>
+            <a:fld id="{343B951A-A665-1949-AEDB-B62DC9BE7F13}" type="slidenum">
+              <a:rPr lang="en-US" smtClean="0"/>
+              <a:t>22</a:t>
+            </a:fld>
+            <a:endParaRPr lang="en-US"/>
+          </a:p>
+        </p:txBody>
+      </p:sp>
+    </p:spTree>
+    <p:extLst>
+      <p:ext uri="{BB962C8B-B14F-4D97-AF65-F5344CB8AC3E}">
+        <p14:creationId xmlns:p14="http://schemas.microsoft.com/office/powerpoint/2010/main" val="3149522918"/>
+      </p:ext>
+    </p:extLst>
+  </p:cSld>
+  <p:clrMapOvr>
+    <a:masterClrMapping/>
+  </p:clrMapOvr>
+</p:notes>
+</file>
+
+<file path=ppt/notesSlides/notesSlide22.xml><?xml version="1.0" encoding="utf-8"?>
+<p:notes xmlns:a="http://schemas.openxmlformats.org/drawingml/2006/main" xmlns:r="http://schemas.openxmlformats.org/officeDocument/2006/relationships" xmlns:p="http://schemas.openxmlformats.org/presentationml/2006/main">
+  <p:cSld>
+    <p:spTree>
+      <p:nvGrpSpPr>
+        <p:cNvPr id="1" name="">
+          <a:extLst>
+            <a:ext uri="{FF2B5EF4-FFF2-40B4-BE49-F238E27FC236}">
+              <a16:creationId xmlns:a16="http://schemas.microsoft.com/office/drawing/2014/main" id="{CABB0ABE-CD3E-A421-18A8-D4394D14F99E}"/>
+            </a:ext>
+          </a:extLst>
+        </p:cNvPr>
+        <p:cNvGrpSpPr/>
+        <p:nvPr/>
+      </p:nvGrpSpPr>
+      <p:grpSpPr>
+        <a:xfrm>
+          <a:off x="0" y="0"/>
+          <a:ext cx="0" cy="0"/>
+          <a:chOff x="0" y="0"/>
+          <a:chExt cx="0" cy="0"/>
+        </a:xfrm>
+      </p:grpSpPr>
+      <p:sp>
+        <p:nvSpPr>
+          <p:cNvPr id="2" name="Slide Image Placeholder 1">
+            <a:extLst>
+              <a:ext uri="{FF2B5EF4-FFF2-40B4-BE49-F238E27FC236}">
+                <a16:creationId xmlns:a16="http://schemas.microsoft.com/office/drawing/2014/main" id="{48D739CA-6FE2-5287-BEBA-C09F48955480}"/>
+              </a:ext>
+            </a:extLst>
+          </p:cNvPr>
+          <p:cNvSpPr>
+            <a:spLocks noGrp="1" noRot="1" noChangeAspect="1"/>
+          </p:cNvSpPr>
+          <p:nvPr>
+            <p:ph type="sldImg"/>
+          </p:nvPr>
+        </p:nvSpPr>
+        <p:spPr/>
+      </p:sp>
+      <p:sp>
+        <p:nvSpPr>
+          <p:cNvPr id="3" name="Notes Placeholder 2">
+            <a:extLst>
+              <a:ext uri="{FF2B5EF4-FFF2-40B4-BE49-F238E27FC236}">
+                <a16:creationId xmlns:a16="http://schemas.microsoft.com/office/drawing/2014/main" id="{33684386-10E1-4D88-FE63-F9243009A091}"/>
+              </a:ext>
+            </a:extLst>
+          </p:cNvPr>
+          <p:cNvSpPr>
+            <a:spLocks noGrp="1"/>
+          </p:cNvSpPr>
+          <p:nvPr>
+            <p:ph type="body" idx="1"/>
+          </p:nvPr>
+        </p:nvSpPr>
+        <p:spPr/>
+        <p:txBody>
+          <a:bodyPr/>
+          <a:lstStyle/>
+          <a:p>
+            <a:r>
+              <a:rPr lang="hr-HR" dirty="0"/>
+              <a:t>https://jwt.io/introduction</a:t>
+            </a:r>
+          </a:p>
+        </p:txBody>
+      </p:sp>
+      <p:sp>
+        <p:nvSpPr>
+          <p:cNvPr id="4" name="Slide Number Placeholder 3">
+            <a:extLst>
+              <a:ext uri="{FF2B5EF4-FFF2-40B4-BE49-F238E27FC236}">
+                <a16:creationId xmlns:a16="http://schemas.microsoft.com/office/drawing/2014/main" id="{8CF4EDF3-AC35-0541-3ADE-1AAC6390E93D}"/>
+              </a:ext>
+            </a:extLst>
+          </p:cNvPr>
+          <p:cNvSpPr>
+            <a:spLocks noGrp="1"/>
+          </p:cNvSpPr>
+          <p:nvPr>
+            <p:ph type="sldNum" sz="quarter" idx="5"/>
+          </p:nvPr>
+        </p:nvSpPr>
+        <p:spPr/>
+        <p:txBody>
+          <a:bodyPr/>
+          <a:lstStyle/>
+          <a:p>
+            <a:fld id="{343B951A-A665-1949-AEDB-B62DC9BE7F13}" type="slidenum">
+              <a:rPr lang="en-US" smtClean="0"/>
+              <a:t>23</a:t>
+            </a:fld>
+            <a:endParaRPr lang="en-US"/>
+          </a:p>
+        </p:txBody>
+      </p:sp>
+    </p:spTree>
+    <p:extLst>
+      <p:ext uri="{BB962C8B-B14F-4D97-AF65-F5344CB8AC3E}">
+        <p14:creationId xmlns:p14="http://schemas.microsoft.com/office/powerpoint/2010/main" val="3121451679"/>
+      </p:ext>
+    </p:extLst>
+  </p:cSld>
+  <p:clrMapOvr>
+    <a:masterClrMapping/>
+  </p:clrMapOvr>
+</p:notes>
+</file>
+
+<file path=ppt/notesSlides/notesSlide23.xml><?xml version="1.0" encoding="utf-8"?>
+<p:notes xmlns:a="http://schemas.openxmlformats.org/drawingml/2006/main" xmlns:r="http://schemas.openxmlformats.org/officeDocument/2006/relationships" xmlns:p="http://schemas.openxmlformats.org/presentationml/2006/main">
+  <p:cSld>
+    <p:spTree>
+      <p:nvGrpSpPr>
+        <p:cNvPr id="1" name="">
+          <a:extLst>
+            <a:ext uri="{FF2B5EF4-FFF2-40B4-BE49-F238E27FC236}">
+              <a16:creationId xmlns:a16="http://schemas.microsoft.com/office/drawing/2014/main" id="{A0BBFB20-9934-FCDA-7D70-CB3A07733F83}"/>
+            </a:ext>
+          </a:extLst>
+        </p:cNvPr>
+        <p:cNvGrpSpPr/>
+        <p:nvPr/>
+      </p:nvGrpSpPr>
+      <p:grpSpPr>
+        <a:xfrm>
+          <a:off x="0" y="0"/>
+          <a:ext cx="0" cy="0"/>
+          <a:chOff x="0" y="0"/>
+          <a:chExt cx="0" cy="0"/>
+        </a:xfrm>
+      </p:grpSpPr>
+      <p:sp>
+        <p:nvSpPr>
+          <p:cNvPr id="2" name="Slide Image Placeholder 1">
+            <a:extLst>
+              <a:ext uri="{FF2B5EF4-FFF2-40B4-BE49-F238E27FC236}">
+                <a16:creationId xmlns:a16="http://schemas.microsoft.com/office/drawing/2014/main" id="{EACAF457-1D83-C10C-AD8E-42488BE7EBB7}"/>
+              </a:ext>
+            </a:extLst>
+          </p:cNvPr>
+          <p:cNvSpPr>
+            <a:spLocks noGrp="1" noRot="1" noChangeAspect="1"/>
+          </p:cNvSpPr>
+          <p:nvPr>
+            <p:ph type="sldImg"/>
+          </p:nvPr>
+        </p:nvSpPr>
+        <p:spPr/>
+      </p:sp>
+      <p:sp>
+        <p:nvSpPr>
+          <p:cNvPr id="3" name="Notes Placeholder 2">
+            <a:extLst>
+              <a:ext uri="{FF2B5EF4-FFF2-40B4-BE49-F238E27FC236}">
+                <a16:creationId xmlns:a16="http://schemas.microsoft.com/office/drawing/2014/main" id="{848422D2-C731-84CF-71FD-FEB75B79518A}"/>
+              </a:ext>
+            </a:extLst>
+          </p:cNvPr>
+          <p:cNvSpPr>
+            <a:spLocks noGrp="1"/>
+          </p:cNvSpPr>
+          <p:nvPr>
+            <p:ph type="body" idx="1"/>
+          </p:nvPr>
+        </p:nvSpPr>
+        <p:spPr/>
+        <p:txBody>
+          <a:bodyPr/>
+          <a:lstStyle/>
+          <a:p>
+            <a:r>
+              <a:rPr lang="hr-HR" dirty="0"/>
+              <a:t>https://jwt.io/introduction</a:t>
+            </a:r>
+          </a:p>
+        </p:txBody>
+      </p:sp>
+      <p:sp>
+        <p:nvSpPr>
+          <p:cNvPr id="4" name="Slide Number Placeholder 3">
+            <a:extLst>
+              <a:ext uri="{FF2B5EF4-FFF2-40B4-BE49-F238E27FC236}">
+                <a16:creationId xmlns:a16="http://schemas.microsoft.com/office/drawing/2014/main" id="{C2769CCC-51CA-D878-BA02-21CFB701EB82}"/>
+              </a:ext>
+            </a:extLst>
+          </p:cNvPr>
+          <p:cNvSpPr>
+            <a:spLocks noGrp="1"/>
+          </p:cNvSpPr>
+          <p:nvPr>
+            <p:ph type="sldNum" sz="quarter" idx="5"/>
+          </p:nvPr>
+        </p:nvSpPr>
+        <p:spPr/>
+        <p:txBody>
+          <a:bodyPr/>
+          <a:lstStyle/>
+          <a:p>
+            <a:fld id="{343B951A-A665-1949-AEDB-B62DC9BE7F13}" type="slidenum">
+              <a:rPr lang="en-US" smtClean="0"/>
+              <a:t>24</a:t>
+            </a:fld>
+            <a:endParaRPr lang="en-US"/>
+          </a:p>
+        </p:txBody>
+      </p:sp>
+    </p:spTree>
+    <p:extLst>
+      <p:ext uri="{BB962C8B-B14F-4D97-AF65-F5344CB8AC3E}">
+        <p14:creationId xmlns:p14="http://schemas.microsoft.com/office/powerpoint/2010/main" val="1726470701"/>
       </p:ext>
     </p:extLst>
   </p:cSld>
@@ -3630,7 +4195,7 @@
                 <a:ea typeface="Open Sans" panose="020B0606030504020204" pitchFamily="34" charset="0"/>
                 <a:cs typeface="Open Sans" panose="020B0606030504020204" pitchFamily="34" charset="0"/>
               </a:rPr>
-              <a:t>17/03/2025</a:t>
+              <a:t>18/03/2025</a:t>
             </a:fld>
             <a:endParaRPr lang="en-GB" sz="1800" b="0" i="0" kern="1200" dirty="0">
               <a:solidFill>
@@ -4375,7 +4940,7 @@
                 <a:ea typeface="Open Sans" panose="020B0606030504020204" pitchFamily="34" charset="0"/>
                 <a:cs typeface="Open Sans" panose="020B0606030504020204" pitchFamily="34" charset="0"/>
               </a:rPr>
-              <a:t>17/03/2025</a:t>
+              <a:t>18/03/2025</a:t>
             </a:fld>
             <a:endParaRPr lang="en-GB" sz="1800" b="0" i="0" kern="1200" dirty="0">
               <a:solidFill>
@@ -4898,7 +5463,7 @@
                 <a:ea typeface="Open Sans" panose="020B0606030504020204" pitchFamily="34" charset="0"/>
                 <a:cs typeface="Open Sans" panose="020B0606030504020204" pitchFamily="34" charset="0"/>
               </a:rPr>
-              <a:t>17/03/2025</a:t>
+              <a:t>18/03/2025</a:t>
             </a:fld>
             <a:endParaRPr lang="en-GB" sz="1800" b="0" i="0" kern="1200" dirty="0">
               <a:solidFill>
@@ -5864,7 +6429,7 @@
                 <a:ea typeface="Open Sans" panose="020B0606030504020204" pitchFamily="34" charset="0"/>
                 <a:cs typeface="Open Sans" panose="020B0606030504020204" pitchFamily="34" charset="0"/>
               </a:rPr>
-              <a:t>17/03/2025</a:t>
+              <a:t>18/03/2025</a:t>
             </a:fld>
             <a:endParaRPr lang="en-GB" sz="1800" b="0" i="0" kern="1200" dirty="0">
               <a:solidFill>
@@ -6303,7 +6868,7 @@
                 <a:ea typeface="Open Sans" panose="020B0606030504020204" pitchFamily="34" charset="0"/>
                 <a:cs typeface="Open Sans" panose="020B0606030504020204" pitchFamily="34" charset="0"/>
               </a:rPr>
-              <a:t>17/03/2025</a:t>
+              <a:t>18/03/2025</a:t>
             </a:fld>
             <a:endParaRPr lang="en-GB" sz="1800" b="0" i="0" kern="1200" dirty="0">
               <a:solidFill>
@@ -8073,7 +8638,7 @@
                 <a:ea typeface="Open Sans" pitchFamily="2" charset="0"/>
                 <a:cs typeface="Open Sans" pitchFamily="2" charset="0"/>
               </a:rPr>
-              <a:t>17/03/2025</a:t>
+              <a:t>18/03/2025</a:t>
             </a:fld>
             <a:endParaRPr lang="en-GB" sz="1800" b="0" i="0" kern="1200" dirty="0">
               <a:solidFill>
@@ -9823,7 +10388,7 @@
                 <a:ea typeface="Open Sans" pitchFamily="2" charset="0"/>
                 <a:cs typeface="Open Sans" pitchFamily="2" charset="0"/>
               </a:rPr>
-              <a:t>17/03/2025</a:t>
+              <a:t>18/03/2025</a:t>
             </a:fld>
             <a:endParaRPr lang="en-GB" sz="1800" b="0" i="0" kern="1200" dirty="0">
               <a:solidFill>
@@ -10340,7 +10905,7 @@
                 <a:ea typeface="Open Sans" panose="020B0606030504020204" pitchFamily="34" charset="0"/>
                 <a:cs typeface="Open Sans" panose="020B0606030504020204" pitchFamily="34" charset="0"/>
               </a:rPr>
-              <a:t>17/03/2025</a:t>
+              <a:t>18/03/2025</a:t>
             </a:fld>
             <a:endParaRPr lang="en-GB" sz="1800" b="0" i="0" kern="1200" dirty="0">
               <a:solidFill>
@@ -10937,7 +11502,7 @@
                 <a:ea typeface="Open Sans" pitchFamily="2" charset="0"/>
                 <a:cs typeface="Open Sans" pitchFamily="2" charset="0"/>
               </a:rPr>
-              <a:t>17/03/2025</a:t>
+              <a:t>18/03/2025</a:t>
             </a:fld>
             <a:endParaRPr lang="en-GB" sz="1800" b="0" i="0" kern="1200" dirty="0">
               <a:solidFill>
@@ -11477,7 +12042,7 @@
                 <a:ea typeface="Open Sans" panose="020B0606030504020204" pitchFamily="34" charset="0"/>
                 <a:cs typeface="Open Sans" panose="020B0606030504020204" pitchFamily="34" charset="0"/>
               </a:rPr>
-              <a:t>17/03/2025</a:t>
+              <a:t>18/03/2025</a:t>
             </a:fld>
             <a:endParaRPr lang="en-GB" sz="1800" b="0" i="0" kern="1200" dirty="0">
               <a:solidFill>
@@ -12178,7 +12743,7 @@
                 <a:ea typeface="Open Sans" panose="020B0606030504020204" pitchFamily="34" charset="0"/>
                 <a:cs typeface="Open Sans" panose="020B0606030504020204" pitchFamily="34" charset="0"/>
               </a:rPr>
-              <a:t>17/03/2025</a:t>
+              <a:t>18/03/2025</a:t>
             </a:fld>
             <a:endParaRPr lang="en-GB" sz="1800" b="0" i="0" kern="1200" dirty="0">
               <a:solidFill>
@@ -12541,7 +13106,7 @@
                 <a:ea typeface="Open Sans" pitchFamily="2" charset="0"/>
                 <a:cs typeface="Open Sans" pitchFamily="2" charset="0"/>
               </a:rPr>
-              <a:t>17/03/2025</a:t>
+              <a:t>18/03/2025</a:t>
             </a:fld>
             <a:endParaRPr lang="en-GB" sz="1800" b="0" i="0" kern="1200" dirty="0">
               <a:solidFill>
@@ -12936,7 +13501,7 @@
                 <a:ea typeface="Open Sans" pitchFamily="2" charset="0"/>
                 <a:cs typeface="Open Sans" pitchFamily="2" charset="0"/>
               </a:rPr>
-              <a:t>17/03/2025</a:t>
+              <a:t>18/03/2025</a:t>
             </a:fld>
             <a:endParaRPr lang="en-GB" sz="1800" b="0" i="0" kern="1200" dirty="0">
               <a:solidFill>
@@ -18207,7 +18772,289 @@
         </p:nvSpPr>
         <p:spPr>
           <a:xfrm>
-            <a:off x="5227382" y="1449568"/>
+            <a:off x="1125435" y="4819227"/>
+            <a:ext cx="2731087" cy="316977"/>
+          </a:xfrm>
+          <a:prstGeom prst="rect">
+            <a:avLst/>
+          </a:prstGeom>
+        </p:spPr>
+        <p:txBody>
+          <a:bodyPr vert="horz" lIns="91440" tIns="45720" rIns="91440" bIns="45720" rtlCol="0">
+            <a:noAutofit/>
+          </a:bodyPr>
+          <a:lstStyle>
+            <a:lvl1pPr marL="368300" indent="-352425" algn="l" defTabSz="914400" rtl="0" eaLnBrk="1" latinLnBrk="0" hangingPunct="1">
+              <a:lnSpc>
+                <a:spcPct val="90000"/>
+              </a:lnSpc>
+              <a:spcBef>
+                <a:spcPts val="600"/>
+              </a:spcBef>
+              <a:spcAft>
+                <a:spcPts val="600"/>
+              </a:spcAft>
+              <a:buClr>
+                <a:schemeClr val="accent2"/>
+              </a:buClr>
+              <a:buFont typeface="Wingdings" pitchFamily="2" charset="2"/>
+              <a:buChar char="§"/>
+              <a:tabLst/>
+              <a:defRPr sz="2400" kern="1200">
+                <a:solidFill>
+                  <a:schemeClr val="tx1"/>
+                </a:solidFill>
+                <a:latin typeface="+mn-lt"/>
+                <a:ea typeface="Open Sans" panose="020B0606030504020204" pitchFamily="34" charset="0"/>
+                <a:cs typeface="Open Sans" panose="020B0606030504020204" pitchFamily="34" charset="0"/>
+              </a:defRPr>
+            </a:lvl1pPr>
+            <a:lvl2pPr marL="771525" indent="-274638" algn="l" defTabSz="914400" rtl="0" eaLnBrk="1" latinLnBrk="0" hangingPunct="1">
+              <a:lnSpc>
+                <a:spcPct val="90000"/>
+              </a:lnSpc>
+              <a:spcBef>
+                <a:spcPts val="600"/>
+              </a:spcBef>
+              <a:spcAft>
+                <a:spcPts val="600"/>
+              </a:spcAft>
+              <a:buClr>
+                <a:schemeClr val="accent2"/>
+              </a:buClr>
+              <a:buFont typeface="Wingdings" pitchFamily="2" charset="2"/>
+              <a:buChar char="§"/>
+              <a:tabLst/>
+              <a:defRPr sz="2200" kern="1200">
+                <a:solidFill>
+                  <a:schemeClr val="tx1"/>
+                </a:solidFill>
+                <a:latin typeface="+mn-lt"/>
+                <a:ea typeface="Open Sans" panose="020B0606030504020204" pitchFamily="34" charset="0"/>
+                <a:cs typeface="Open Sans" panose="020B0606030504020204" pitchFamily="34" charset="0"/>
+              </a:defRPr>
+            </a:lvl2pPr>
+            <a:lvl3pPr marL="1143000" indent="-228600" algn="l" defTabSz="914400" rtl="0" eaLnBrk="1" latinLnBrk="0" hangingPunct="1">
+              <a:lnSpc>
+                <a:spcPct val="90000"/>
+              </a:lnSpc>
+              <a:spcBef>
+                <a:spcPts val="600"/>
+              </a:spcBef>
+              <a:spcAft>
+                <a:spcPts val="600"/>
+              </a:spcAft>
+              <a:buClr>
+                <a:schemeClr val="accent2"/>
+              </a:buClr>
+              <a:buFont typeface="Wingdings" pitchFamily="2" charset="2"/>
+              <a:buChar char="§"/>
+              <a:defRPr sz="2000" kern="1200">
+                <a:solidFill>
+                  <a:schemeClr val="tx1"/>
+                </a:solidFill>
+                <a:latin typeface="+mn-lt"/>
+                <a:ea typeface="Open Sans" panose="020B0606030504020204" pitchFamily="34" charset="0"/>
+                <a:cs typeface="Open Sans" panose="020B0606030504020204" pitchFamily="34" charset="0"/>
+              </a:defRPr>
+            </a:lvl3pPr>
+            <a:lvl4pPr marL="1600200" indent="-228600" algn="l" defTabSz="914400" rtl="0" eaLnBrk="1" latinLnBrk="0" hangingPunct="1">
+              <a:lnSpc>
+                <a:spcPct val="90000"/>
+              </a:lnSpc>
+              <a:spcBef>
+                <a:spcPts val="600"/>
+              </a:spcBef>
+              <a:spcAft>
+                <a:spcPts val="600"/>
+              </a:spcAft>
+              <a:buClr>
+                <a:schemeClr val="accent2"/>
+              </a:buClr>
+              <a:buFont typeface="Wingdings" pitchFamily="2" charset="2"/>
+              <a:buChar char="§"/>
+              <a:defRPr sz="1800" kern="1200">
+                <a:solidFill>
+                  <a:schemeClr val="tx1"/>
+                </a:solidFill>
+                <a:latin typeface="+mn-lt"/>
+                <a:ea typeface="Open Sans" panose="020B0606030504020204" pitchFamily="34" charset="0"/>
+                <a:cs typeface="Open Sans" panose="020B0606030504020204" pitchFamily="34" charset="0"/>
+              </a:defRPr>
+            </a:lvl4pPr>
+            <a:lvl5pPr marL="1960563" indent="-225425" algn="l" defTabSz="914400" rtl="0" eaLnBrk="1" latinLnBrk="0" hangingPunct="1">
+              <a:lnSpc>
+                <a:spcPct val="90000"/>
+              </a:lnSpc>
+              <a:spcBef>
+                <a:spcPts val="600"/>
+              </a:spcBef>
+              <a:spcAft>
+                <a:spcPts val="600"/>
+              </a:spcAft>
+              <a:buClr>
+                <a:schemeClr val="accent2"/>
+              </a:buClr>
+              <a:buFont typeface="Wingdings" pitchFamily="2" charset="2"/>
+              <a:buChar char="§"/>
+              <a:tabLst/>
+              <a:defRPr sz="1600" kern="1200">
+                <a:solidFill>
+                  <a:schemeClr val="tx1"/>
+                </a:solidFill>
+                <a:latin typeface="+mn-lt"/>
+                <a:ea typeface="Open Sans" panose="020B0606030504020204" pitchFamily="34" charset="0"/>
+                <a:cs typeface="Open Sans" panose="020B0606030504020204" pitchFamily="34" charset="0"/>
+              </a:defRPr>
+            </a:lvl5pPr>
+            <a:lvl6pPr marL="2514600" indent="-228600" algn="l" defTabSz="914400" rtl="0" eaLnBrk="1" latinLnBrk="0" hangingPunct="1">
+              <a:lnSpc>
+                <a:spcPct val="90000"/>
+              </a:lnSpc>
+              <a:spcBef>
+                <a:spcPts val="500"/>
+              </a:spcBef>
+              <a:buFont typeface="Arial" panose="020B0604020202020204" pitchFamily="34" charset="0"/>
+              <a:buChar char="•"/>
+              <a:defRPr sz="1800" kern="1200">
+                <a:solidFill>
+                  <a:schemeClr val="tx1"/>
+                </a:solidFill>
+                <a:latin typeface="+mn-lt"/>
+                <a:ea typeface="+mn-ea"/>
+                <a:cs typeface="+mn-cs"/>
+              </a:defRPr>
+            </a:lvl6pPr>
+            <a:lvl7pPr marL="2971800" indent="-228600" algn="l" defTabSz="914400" rtl="0" eaLnBrk="1" latinLnBrk="0" hangingPunct="1">
+              <a:lnSpc>
+                <a:spcPct val="90000"/>
+              </a:lnSpc>
+              <a:spcBef>
+                <a:spcPts val="500"/>
+              </a:spcBef>
+              <a:buFont typeface="Arial" panose="020B0604020202020204" pitchFamily="34" charset="0"/>
+              <a:buChar char="•"/>
+              <a:defRPr sz="1800" kern="1200">
+                <a:solidFill>
+                  <a:schemeClr val="tx1"/>
+                </a:solidFill>
+                <a:latin typeface="+mn-lt"/>
+                <a:ea typeface="+mn-ea"/>
+                <a:cs typeface="+mn-cs"/>
+              </a:defRPr>
+            </a:lvl7pPr>
+            <a:lvl8pPr marL="3429000" indent="-228600" algn="l" defTabSz="914400" rtl="0" eaLnBrk="1" latinLnBrk="0" hangingPunct="1">
+              <a:lnSpc>
+                <a:spcPct val="90000"/>
+              </a:lnSpc>
+              <a:spcBef>
+                <a:spcPts val="500"/>
+              </a:spcBef>
+              <a:buFont typeface="Arial" panose="020B0604020202020204" pitchFamily="34" charset="0"/>
+              <a:buChar char="•"/>
+              <a:defRPr sz="1800" kern="1200">
+                <a:solidFill>
+                  <a:schemeClr val="tx1"/>
+                </a:solidFill>
+                <a:latin typeface="+mn-lt"/>
+                <a:ea typeface="+mn-ea"/>
+                <a:cs typeface="+mn-cs"/>
+              </a:defRPr>
+            </a:lvl8pPr>
+            <a:lvl9pPr marL="3886200" indent="-228600" algn="l" defTabSz="914400" rtl="0" eaLnBrk="1" latinLnBrk="0" hangingPunct="1">
+              <a:lnSpc>
+                <a:spcPct val="90000"/>
+              </a:lnSpc>
+              <a:spcBef>
+                <a:spcPts val="500"/>
+              </a:spcBef>
+              <a:buFont typeface="Arial" panose="020B0604020202020204" pitchFamily="34" charset="0"/>
+              <a:buChar char="•"/>
+              <a:defRPr sz="1800" kern="1200">
+                <a:solidFill>
+                  <a:schemeClr val="tx1"/>
+                </a:solidFill>
+                <a:latin typeface="+mn-lt"/>
+                <a:ea typeface="+mn-ea"/>
+                <a:cs typeface="+mn-cs"/>
+              </a:defRPr>
+            </a:lvl9pPr>
+          </a:lstStyle>
+          <a:p>
+            <a:pPr marL="15875" indent="0">
+              <a:buNone/>
+            </a:pPr>
+            <a:r>
+              <a:rPr lang="en-US" sz="1400" dirty="0" err="1"/>
+              <a:t>Testiranje</a:t>
+            </a:r>
+            <a:r>
+              <a:rPr lang="en-US" sz="1400" dirty="0"/>
+              <a:t> </a:t>
+            </a:r>
+            <a:r>
+              <a:rPr lang="en-US" sz="1400" dirty="0" err="1"/>
+              <a:t>pomocu</a:t>
+            </a:r>
+            <a:r>
+              <a:rPr lang="en-US" sz="1400" dirty="0"/>
+              <a:t> </a:t>
+            </a:r>
+            <a:r>
+              <a:rPr lang="en-US" sz="1400" dirty="0" err="1"/>
+              <a:t>swaggera</a:t>
+            </a:r>
+            <a:endParaRPr lang="hr-HR" sz="1400" dirty="0"/>
+          </a:p>
+        </p:txBody>
+      </p:sp>
+      <p:pic>
+        <p:nvPicPr>
+          <p:cNvPr id="3" name="Picture 2">
+            <a:extLst>
+              <a:ext uri="{FF2B5EF4-FFF2-40B4-BE49-F238E27FC236}">
+                <a16:creationId xmlns:a16="http://schemas.microsoft.com/office/drawing/2014/main" id="{A2DCFAB6-E7A4-4070-BED1-578DBF7AE0A0}"/>
+              </a:ext>
+            </a:extLst>
+          </p:cNvPr>
+          <p:cNvPicPr>
+            <a:picLocks noChangeAspect="1"/>
+          </p:cNvPicPr>
+          <p:nvPr/>
+        </p:nvPicPr>
+        <p:blipFill>
+          <a:blip r:embed="rId5"/>
+          <a:stretch>
+            <a:fillRect/>
+          </a:stretch>
+        </p:blipFill>
+        <p:spPr>
+          <a:xfrm>
+            <a:off x="1125435" y="5076187"/>
+            <a:ext cx="5805377" cy="517192"/>
+          </a:xfrm>
+          <a:prstGeom prst="rect">
+            <a:avLst/>
+          </a:prstGeom>
+        </p:spPr>
+      </p:pic>
+      <p:sp>
+        <p:nvSpPr>
+          <p:cNvPr id="6" name="Content Placeholder 2">
+            <a:extLst>
+              <a:ext uri="{FF2B5EF4-FFF2-40B4-BE49-F238E27FC236}">
+                <a16:creationId xmlns:a16="http://schemas.microsoft.com/office/drawing/2014/main" id="{9A1FB783-BB9A-953F-823D-62D49362C745}"/>
+              </a:ext>
+            </a:extLst>
+          </p:cNvPr>
+          <p:cNvSpPr txBox="1">
+            <a:spLocks/>
+          </p:cNvSpPr>
+          <p:nvPr/>
+        </p:nvSpPr>
+        <p:spPr>
+          <a:xfrm>
+            <a:off x="5379782" y="1601968"/>
             <a:ext cx="6727159" cy="1458732"/>
           </a:xfrm>
           <a:prstGeom prst="rect">
@@ -19802,6 +20649,36 @@
           </a:p>
         </p:txBody>
       </p:sp>
+      <p:pic>
+        <p:nvPicPr>
+          <p:cNvPr id="3" name="Picture 2">
+            <a:extLst>
+              <a:ext uri="{FF2B5EF4-FFF2-40B4-BE49-F238E27FC236}">
+                <a16:creationId xmlns:a16="http://schemas.microsoft.com/office/drawing/2014/main" id="{EC522B84-F27C-39EB-7F6A-2F47D07320EC}"/>
+              </a:ext>
+            </a:extLst>
+          </p:cNvPr>
+          <p:cNvPicPr>
+            <a:picLocks noChangeAspect="1"/>
+          </p:cNvPicPr>
+          <p:nvPr/>
+        </p:nvPicPr>
+        <p:blipFill>
+          <a:blip r:embed="rId6"/>
+          <a:stretch>
+            <a:fillRect/>
+          </a:stretch>
+        </p:blipFill>
+        <p:spPr>
+          <a:xfrm>
+            <a:off x="5608674" y="4373787"/>
+            <a:ext cx="5071730" cy="1245628"/>
+          </a:xfrm>
+          <a:prstGeom prst="rect">
+            <a:avLst/>
+          </a:prstGeom>
+        </p:spPr>
+      </p:pic>
     </p:spTree>
     <p:extLst>
       <p:ext uri="{BB962C8B-B14F-4D97-AF65-F5344CB8AC3E}">
@@ -20515,6 +21392,2679 @@
     <p:extLst>
       <p:ext uri="{BB962C8B-B14F-4D97-AF65-F5344CB8AC3E}">
         <p14:creationId xmlns:p14="http://schemas.microsoft.com/office/powerpoint/2010/main" val="4089507502"/>
+      </p:ext>
+    </p:extLst>
+  </p:cSld>
+  <p:clrMapOvr>
+    <a:masterClrMapping/>
+  </p:clrMapOvr>
+</p:sld>
+</file>
+
+<file path=ppt/slides/slide20.xml><?xml version="1.0" encoding="utf-8"?>
+<p:sld xmlns:a="http://schemas.openxmlformats.org/drawingml/2006/main" xmlns:r="http://schemas.openxmlformats.org/officeDocument/2006/relationships" xmlns:p="http://schemas.openxmlformats.org/presentationml/2006/main">
+  <p:cSld>
+    <p:spTree>
+      <p:nvGrpSpPr>
+        <p:cNvPr id="1" name="">
+          <a:extLst>
+            <a:ext uri="{FF2B5EF4-FFF2-40B4-BE49-F238E27FC236}">
+              <a16:creationId xmlns:a16="http://schemas.microsoft.com/office/drawing/2014/main" id="{A8EBBC40-736E-746C-7120-3D9D01C0CEF9}"/>
+            </a:ext>
+          </a:extLst>
+        </p:cNvPr>
+        <p:cNvGrpSpPr/>
+        <p:nvPr/>
+      </p:nvGrpSpPr>
+      <p:grpSpPr>
+        <a:xfrm>
+          <a:off x="0" y="0"/>
+          <a:ext cx="0" cy="0"/>
+          <a:chOff x="0" y="0"/>
+          <a:chExt cx="0" cy="0"/>
+        </a:xfrm>
+      </p:grpSpPr>
+      <p:sp>
+        <p:nvSpPr>
+          <p:cNvPr id="4" name="Title 1">
+            <a:extLst>
+              <a:ext uri="{FF2B5EF4-FFF2-40B4-BE49-F238E27FC236}">
+                <a16:creationId xmlns:a16="http://schemas.microsoft.com/office/drawing/2014/main" id="{C7B991BD-611A-DCA9-A30E-9375F9214ABC}"/>
+              </a:ext>
+            </a:extLst>
+          </p:cNvPr>
+          <p:cNvSpPr txBox="1">
+            <a:spLocks/>
+          </p:cNvSpPr>
+          <p:nvPr/>
+        </p:nvSpPr>
+        <p:spPr>
+          <a:xfrm>
+            <a:off x="990600" y="383056"/>
+            <a:ext cx="10515600" cy="853976"/>
+          </a:xfrm>
+          <a:prstGeom prst="rect">
+            <a:avLst/>
+          </a:prstGeom>
+        </p:spPr>
+        <p:txBody>
+          <a:bodyPr vert="horz" lIns="91440" tIns="45720" rIns="91440" bIns="45720" rtlCol="0" anchor="ctr">
+            <a:normAutofit/>
+          </a:bodyPr>
+          <a:lstStyle>
+            <a:lvl1pPr algn="l" defTabSz="914400" rtl="0" eaLnBrk="1" latinLnBrk="0" hangingPunct="1">
+              <a:lnSpc>
+                <a:spcPct val="90000"/>
+              </a:lnSpc>
+              <a:spcBef>
+                <a:spcPct val="0"/>
+              </a:spcBef>
+              <a:buNone/>
+              <a:defRPr sz="3600" b="1" i="0" kern="1200" cap="all" baseline="0">
+                <a:solidFill>
+                  <a:schemeClr val="tx2"/>
+                </a:solidFill>
+                <a:latin typeface="+mj-lt"/>
+                <a:ea typeface="Open Sans Semibold" panose="020B0606030504020204" pitchFamily="34" charset="0"/>
+                <a:cs typeface="Open Sans Semibold" panose="020B0606030504020204" pitchFamily="34" charset="0"/>
+              </a:defRPr>
+            </a:lvl1pPr>
+          </a:lstStyle>
+          <a:p>
+            <a:r>
+              <a:rPr lang="en-US" dirty="0"/>
+              <a:t>FLASK – RESPONSES</a:t>
+            </a:r>
+            <a:endParaRPr lang="hr-HR" dirty="0"/>
+          </a:p>
+        </p:txBody>
+      </p:sp>
+      <p:sp>
+        <p:nvSpPr>
+          <p:cNvPr id="30" name="Content Placeholder 2">
+            <a:extLst>
+              <a:ext uri="{FF2B5EF4-FFF2-40B4-BE49-F238E27FC236}">
+                <a16:creationId xmlns:a16="http://schemas.microsoft.com/office/drawing/2014/main" id="{4ECD2BA7-5A66-2B1E-318F-9B8A5B7AD94F}"/>
+              </a:ext>
+            </a:extLst>
+          </p:cNvPr>
+          <p:cNvSpPr txBox="1">
+            <a:spLocks/>
+          </p:cNvSpPr>
+          <p:nvPr/>
+        </p:nvSpPr>
+        <p:spPr>
+          <a:xfrm>
+            <a:off x="981739" y="1264621"/>
+            <a:ext cx="3330677" cy="1035516"/>
+          </a:xfrm>
+          <a:prstGeom prst="rect">
+            <a:avLst/>
+          </a:prstGeom>
+        </p:spPr>
+        <p:txBody>
+          <a:bodyPr vert="horz" lIns="91440" tIns="45720" rIns="91440" bIns="45720" rtlCol="0">
+            <a:noAutofit/>
+          </a:bodyPr>
+          <a:lstStyle>
+            <a:lvl1pPr marL="368300" indent="-352425" algn="l" defTabSz="914400" rtl="0" eaLnBrk="1" latinLnBrk="0" hangingPunct="1">
+              <a:lnSpc>
+                <a:spcPct val="90000"/>
+              </a:lnSpc>
+              <a:spcBef>
+                <a:spcPts val="600"/>
+              </a:spcBef>
+              <a:spcAft>
+                <a:spcPts val="600"/>
+              </a:spcAft>
+              <a:buClr>
+                <a:schemeClr val="accent2"/>
+              </a:buClr>
+              <a:buFont typeface="Wingdings" pitchFamily="2" charset="2"/>
+              <a:buChar char="§"/>
+              <a:tabLst/>
+              <a:defRPr sz="2400" kern="1200">
+                <a:solidFill>
+                  <a:schemeClr val="tx1"/>
+                </a:solidFill>
+                <a:latin typeface="+mn-lt"/>
+                <a:ea typeface="Open Sans" panose="020B0606030504020204" pitchFamily="34" charset="0"/>
+                <a:cs typeface="Open Sans" panose="020B0606030504020204" pitchFamily="34" charset="0"/>
+              </a:defRPr>
+            </a:lvl1pPr>
+            <a:lvl2pPr marL="771525" indent="-274638" algn="l" defTabSz="914400" rtl="0" eaLnBrk="1" latinLnBrk="0" hangingPunct="1">
+              <a:lnSpc>
+                <a:spcPct val="90000"/>
+              </a:lnSpc>
+              <a:spcBef>
+                <a:spcPts val="600"/>
+              </a:spcBef>
+              <a:spcAft>
+                <a:spcPts val="600"/>
+              </a:spcAft>
+              <a:buClr>
+                <a:schemeClr val="accent2"/>
+              </a:buClr>
+              <a:buFont typeface="Wingdings" pitchFamily="2" charset="2"/>
+              <a:buChar char="§"/>
+              <a:tabLst/>
+              <a:defRPr sz="2200" kern="1200">
+                <a:solidFill>
+                  <a:schemeClr val="tx1"/>
+                </a:solidFill>
+                <a:latin typeface="+mn-lt"/>
+                <a:ea typeface="Open Sans" panose="020B0606030504020204" pitchFamily="34" charset="0"/>
+                <a:cs typeface="Open Sans" panose="020B0606030504020204" pitchFamily="34" charset="0"/>
+              </a:defRPr>
+            </a:lvl2pPr>
+            <a:lvl3pPr marL="1143000" indent="-228600" algn="l" defTabSz="914400" rtl="0" eaLnBrk="1" latinLnBrk="0" hangingPunct="1">
+              <a:lnSpc>
+                <a:spcPct val="90000"/>
+              </a:lnSpc>
+              <a:spcBef>
+                <a:spcPts val="600"/>
+              </a:spcBef>
+              <a:spcAft>
+                <a:spcPts val="600"/>
+              </a:spcAft>
+              <a:buClr>
+                <a:schemeClr val="accent2"/>
+              </a:buClr>
+              <a:buFont typeface="Wingdings" pitchFamily="2" charset="2"/>
+              <a:buChar char="§"/>
+              <a:defRPr sz="2000" kern="1200">
+                <a:solidFill>
+                  <a:schemeClr val="tx1"/>
+                </a:solidFill>
+                <a:latin typeface="+mn-lt"/>
+                <a:ea typeface="Open Sans" panose="020B0606030504020204" pitchFamily="34" charset="0"/>
+                <a:cs typeface="Open Sans" panose="020B0606030504020204" pitchFamily="34" charset="0"/>
+              </a:defRPr>
+            </a:lvl3pPr>
+            <a:lvl4pPr marL="1600200" indent="-228600" algn="l" defTabSz="914400" rtl="0" eaLnBrk="1" latinLnBrk="0" hangingPunct="1">
+              <a:lnSpc>
+                <a:spcPct val="90000"/>
+              </a:lnSpc>
+              <a:spcBef>
+                <a:spcPts val="600"/>
+              </a:spcBef>
+              <a:spcAft>
+                <a:spcPts val="600"/>
+              </a:spcAft>
+              <a:buClr>
+                <a:schemeClr val="accent2"/>
+              </a:buClr>
+              <a:buFont typeface="Wingdings" pitchFamily="2" charset="2"/>
+              <a:buChar char="§"/>
+              <a:defRPr sz="1800" kern="1200">
+                <a:solidFill>
+                  <a:schemeClr val="tx1"/>
+                </a:solidFill>
+                <a:latin typeface="+mn-lt"/>
+                <a:ea typeface="Open Sans" panose="020B0606030504020204" pitchFamily="34" charset="0"/>
+                <a:cs typeface="Open Sans" panose="020B0606030504020204" pitchFamily="34" charset="0"/>
+              </a:defRPr>
+            </a:lvl4pPr>
+            <a:lvl5pPr marL="1960563" indent="-225425" algn="l" defTabSz="914400" rtl="0" eaLnBrk="1" latinLnBrk="0" hangingPunct="1">
+              <a:lnSpc>
+                <a:spcPct val="90000"/>
+              </a:lnSpc>
+              <a:spcBef>
+                <a:spcPts val="600"/>
+              </a:spcBef>
+              <a:spcAft>
+                <a:spcPts val="600"/>
+              </a:spcAft>
+              <a:buClr>
+                <a:schemeClr val="accent2"/>
+              </a:buClr>
+              <a:buFont typeface="Wingdings" pitchFamily="2" charset="2"/>
+              <a:buChar char="§"/>
+              <a:tabLst/>
+              <a:defRPr sz="1600" kern="1200">
+                <a:solidFill>
+                  <a:schemeClr val="tx1"/>
+                </a:solidFill>
+                <a:latin typeface="+mn-lt"/>
+                <a:ea typeface="Open Sans" panose="020B0606030504020204" pitchFamily="34" charset="0"/>
+                <a:cs typeface="Open Sans" panose="020B0606030504020204" pitchFamily="34" charset="0"/>
+              </a:defRPr>
+            </a:lvl5pPr>
+            <a:lvl6pPr marL="2514600" indent="-228600" algn="l" defTabSz="914400" rtl="0" eaLnBrk="1" latinLnBrk="0" hangingPunct="1">
+              <a:lnSpc>
+                <a:spcPct val="90000"/>
+              </a:lnSpc>
+              <a:spcBef>
+                <a:spcPts val="500"/>
+              </a:spcBef>
+              <a:buFont typeface="Arial" panose="020B0604020202020204" pitchFamily="34" charset="0"/>
+              <a:buChar char="•"/>
+              <a:defRPr sz="1800" kern="1200">
+                <a:solidFill>
+                  <a:schemeClr val="tx1"/>
+                </a:solidFill>
+                <a:latin typeface="+mn-lt"/>
+                <a:ea typeface="+mn-ea"/>
+                <a:cs typeface="+mn-cs"/>
+              </a:defRPr>
+            </a:lvl6pPr>
+            <a:lvl7pPr marL="2971800" indent="-228600" algn="l" defTabSz="914400" rtl="0" eaLnBrk="1" latinLnBrk="0" hangingPunct="1">
+              <a:lnSpc>
+                <a:spcPct val="90000"/>
+              </a:lnSpc>
+              <a:spcBef>
+                <a:spcPts val="500"/>
+              </a:spcBef>
+              <a:buFont typeface="Arial" panose="020B0604020202020204" pitchFamily="34" charset="0"/>
+              <a:buChar char="•"/>
+              <a:defRPr sz="1800" kern="1200">
+                <a:solidFill>
+                  <a:schemeClr val="tx1"/>
+                </a:solidFill>
+                <a:latin typeface="+mn-lt"/>
+                <a:ea typeface="+mn-ea"/>
+                <a:cs typeface="+mn-cs"/>
+              </a:defRPr>
+            </a:lvl7pPr>
+            <a:lvl8pPr marL="3429000" indent="-228600" algn="l" defTabSz="914400" rtl="0" eaLnBrk="1" latinLnBrk="0" hangingPunct="1">
+              <a:lnSpc>
+                <a:spcPct val="90000"/>
+              </a:lnSpc>
+              <a:spcBef>
+                <a:spcPts val="500"/>
+              </a:spcBef>
+              <a:buFont typeface="Arial" panose="020B0604020202020204" pitchFamily="34" charset="0"/>
+              <a:buChar char="•"/>
+              <a:defRPr sz="1800" kern="1200">
+                <a:solidFill>
+                  <a:schemeClr val="tx1"/>
+                </a:solidFill>
+                <a:latin typeface="+mn-lt"/>
+                <a:ea typeface="+mn-ea"/>
+                <a:cs typeface="+mn-cs"/>
+              </a:defRPr>
+            </a:lvl8pPr>
+            <a:lvl9pPr marL="3886200" indent="-228600" algn="l" defTabSz="914400" rtl="0" eaLnBrk="1" latinLnBrk="0" hangingPunct="1">
+              <a:lnSpc>
+                <a:spcPct val="90000"/>
+              </a:lnSpc>
+              <a:spcBef>
+                <a:spcPts val="500"/>
+              </a:spcBef>
+              <a:buFont typeface="Arial" panose="020B0604020202020204" pitchFamily="34" charset="0"/>
+              <a:buChar char="•"/>
+              <a:defRPr sz="1800" kern="1200">
+                <a:solidFill>
+                  <a:schemeClr val="tx1"/>
+                </a:solidFill>
+                <a:latin typeface="+mn-lt"/>
+                <a:ea typeface="+mn-ea"/>
+                <a:cs typeface="+mn-cs"/>
+              </a:defRPr>
+            </a:lvl9pPr>
+          </a:lstStyle>
+          <a:p>
+            <a:pPr marL="15875" indent="0">
+              <a:buNone/>
+            </a:pPr>
+            <a:r>
+              <a:rPr lang="hr-HR" sz="1100" dirty="0"/>
+              <a:t>✔ Filter polja i tipizaciju podataka pri slanju odgovora</a:t>
+            </a:r>
+            <a:br>
+              <a:rPr lang="hr-HR" sz="1100" dirty="0"/>
+            </a:br>
+            <a:r>
+              <a:rPr lang="hr-HR" sz="1100" dirty="0"/>
+              <a:t>✔ Jasnije definiranje statusnih kodova za svaki </a:t>
+            </a:r>
+            <a:r>
+              <a:rPr lang="hr-HR" sz="1100" dirty="0" err="1"/>
+              <a:t>endpoint</a:t>
+            </a:r>
+            <a:br>
+              <a:rPr lang="hr-HR" sz="1100" dirty="0"/>
+            </a:br>
+            <a:r>
+              <a:rPr lang="hr-HR" sz="1100" dirty="0"/>
+              <a:t>✔ Automatsko ažuriranje API dokumentacije u </a:t>
+            </a:r>
+            <a:r>
+              <a:rPr lang="hr-HR" sz="1100" dirty="0" err="1"/>
+              <a:t>Swagger</a:t>
+            </a:r>
+            <a:r>
+              <a:rPr lang="hr-HR" sz="1100" dirty="0"/>
+              <a:t> UI</a:t>
+            </a:r>
+            <a:endParaRPr lang="en-US" sz="1400" dirty="0"/>
+          </a:p>
+        </p:txBody>
+      </p:sp>
+      <p:sp>
+        <p:nvSpPr>
+          <p:cNvPr id="11" name="Content Placeholder 2">
+            <a:extLst>
+              <a:ext uri="{FF2B5EF4-FFF2-40B4-BE49-F238E27FC236}">
+                <a16:creationId xmlns:a16="http://schemas.microsoft.com/office/drawing/2014/main" id="{9B533B34-751D-2503-C6B7-BAEA87B9E267}"/>
+              </a:ext>
+            </a:extLst>
+          </p:cNvPr>
+          <p:cNvSpPr txBox="1">
+            <a:spLocks/>
+          </p:cNvSpPr>
+          <p:nvPr/>
+        </p:nvSpPr>
+        <p:spPr>
+          <a:xfrm>
+            <a:off x="5613361" y="1237032"/>
+            <a:ext cx="965278" cy="369895"/>
+          </a:xfrm>
+          <a:prstGeom prst="rect">
+            <a:avLst/>
+          </a:prstGeom>
+        </p:spPr>
+        <p:txBody>
+          <a:bodyPr vert="horz" lIns="91440" tIns="45720" rIns="91440" bIns="45720" rtlCol="0">
+            <a:noAutofit/>
+          </a:bodyPr>
+          <a:lstStyle>
+            <a:lvl1pPr marL="368300" indent="-352425" algn="l" defTabSz="914400" rtl="0" eaLnBrk="1" latinLnBrk="0" hangingPunct="1">
+              <a:lnSpc>
+                <a:spcPct val="90000"/>
+              </a:lnSpc>
+              <a:spcBef>
+                <a:spcPts val="600"/>
+              </a:spcBef>
+              <a:spcAft>
+                <a:spcPts val="600"/>
+              </a:spcAft>
+              <a:buClr>
+                <a:schemeClr val="accent2"/>
+              </a:buClr>
+              <a:buFont typeface="Wingdings" pitchFamily="2" charset="2"/>
+              <a:buChar char="§"/>
+              <a:tabLst/>
+              <a:defRPr sz="2400" kern="1200">
+                <a:solidFill>
+                  <a:schemeClr val="tx1"/>
+                </a:solidFill>
+                <a:latin typeface="+mn-lt"/>
+                <a:ea typeface="Open Sans" panose="020B0606030504020204" pitchFamily="34" charset="0"/>
+                <a:cs typeface="Open Sans" panose="020B0606030504020204" pitchFamily="34" charset="0"/>
+              </a:defRPr>
+            </a:lvl1pPr>
+            <a:lvl2pPr marL="771525" indent="-274638" algn="l" defTabSz="914400" rtl="0" eaLnBrk="1" latinLnBrk="0" hangingPunct="1">
+              <a:lnSpc>
+                <a:spcPct val="90000"/>
+              </a:lnSpc>
+              <a:spcBef>
+                <a:spcPts val="600"/>
+              </a:spcBef>
+              <a:spcAft>
+                <a:spcPts val="600"/>
+              </a:spcAft>
+              <a:buClr>
+                <a:schemeClr val="accent2"/>
+              </a:buClr>
+              <a:buFont typeface="Wingdings" pitchFamily="2" charset="2"/>
+              <a:buChar char="§"/>
+              <a:tabLst/>
+              <a:defRPr sz="2200" kern="1200">
+                <a:solidFill>
+                  <a:schemeClr val="tx1"/>
+                </a:solidFill>
+                <a:latin typeface="+mn-lt"/>
+                <a:ea typeface="Open Sans" panose="020B0606030504020204" pitchFamily="34" charset="0"/>
+                <a:cs typeface="Open Sans" panose="020B0606030504020204" pitchFamily="34" charset="0"/>
+              </a:defRPr>
+            </a:lvl2pPr>
+            <a:lvl3pPr marL="1143000" indent="-228600" algn="l" defTabSz="914400" rtl="0" eaLnBrk="1" latinLnBrk="0" hangingPunct="1">
+              <a:lnSpc>
+                <a:spcPct val="90000"/>
+              </a:lnSpc>
+              <a:spcBef>
+                <a:spcPts val="600"/>
+              </a:spcBef>
+              <a:spcAft>
+                <a:spcPts val="600"/>
+              </a:spcAft>
+              <a:buClr>
+                <a:schemeClr val="accent2"/>
+              </a:buClr>
+              <a:buFont typeface="Wingdings" pitchFamily="2" charset="2"/>
+              <a:buChar char="§"/>
+              <a:defRPr sz="2000" kern="1200">
+                <a:solidFill>
+                  <a:schemeClr val="tx1"/>
+                </a:solidFill>
+                <a:latin typeface="+mn-lt"/>
+                <a:ea typeface="Open Sans" panose="020B0606030504020204" pitchFamily="34" charset="0"/>
+                <a:cs typeface="Open Sans" panose="020B0606030504020204" pitchFamily="34" charset="0"/>
+              </a:defRPr>
+            </a:lvl3pPr>
+            <a:lvl4pPr marL="1600200" indent="-228600" algn="l" defTabSz="914400" rtl="0" eaLnBrk="1" latinLnBrk="0" hangingPunct="1">
+              <a:lnSpc>
+                <a:spcPct val="90000"/>
+              </a:lnSpc>
+              <a:spcBef>
+                <a:spcPts val="600"/>
+              </a:spcBef>
+              <a:spcAft>
+                <a:spcPts val="600"/>
+              </a:spcAft>
+              <a:buClr>
+                <a:schemeClr val="accent2"/>
+              </a:buClr>
+              <a:buFont typeface="Wingdings" pitchFamily="2" charset="2"/>
+              <a:buChar char="§"/>
+              <a:defRPr sz="1800" kern="1200">
+                <a:solidFill>
+                  <a:schemeClr val="tx1"/>
+                </a:solidFill>
+                <a:latin typeface="+mn-lt"/>
+                <a:ea typeface="Open Sans" panose="020B0606030504020204" pitchFamily="34" charset="0"/>
+                <a:cs typeface="Open Sans" panose="020B0606030504020204" pitchFamily="34" charset="0"/>
+              </a:defRPr>
+            </a:lvl4pPr>
+            <a:lvl5pPr marL="1960563" indent="-225425" algn="l" defTabSz="914400" rtl="0" eaLnBrk="1" latinLnBrk="0" hangingPunct="1">
+              <a:lnSpc>
+                <a:spcPct val="90000"/>
+              </a:lnSpc>
+              <a:spcBef>
+                <a:spcPts val="600"/>
+              </a:spcBef>
+              <a:spcAft>
+                <a:spcPts val="600"/>
+              </a:spcAft>
+              <a:buClr>
+                <a:schemeClr val="accent2"/>
+              </a:buClr>
+              <a:buFont typeface="Wingdings" pitchFamily="2" charset="2"/>
+              <a:buChar char="§"/>
+              <a:tabLst/>
+              <a:defRPr sz="1600" kern="1200">
+                <a:solidFill>
+                  <a:schemeClr val="tx1"/>
+                </a:solidFill>
+                <a:latin typeface="+mn-lt"/>
+                <a:ea typeface="Open Sans" panose="020B0606030504020204" pitchFamily="34" charset="0"/>
+                <a:cs typeface="Open Sans" panose="020B0606030504020204" pitchFamily="34" charset="0"/>
+              </a:defRPr>
+            </a:lvl5pPr>
+            <a:lvl6pPr marL="2514600" indent="-228600" algn="l" defTabSz="914400" rtl="0" eaLnBrk="1" latinLnBrk="0" hangingPunct="1">
+              <a:lnSpc>
+                <a:spcPct val="90000"/>
+              </a:lnSpc>
+              <a:spcBef>
+                <a:spcPts val="500"/>
+              </a:spcBef>
+              <a:buFont typeface="Arial" panose="020B0604020202020204" pitchFamily="34" charset="0"/>
+              <a:buChar char="•"/>
+              <a:defRPr sz="1800" kern="1200">
+                <a:solidFill>
+                  <a:schemeClr val="tx1"/>
+                </a:solidFill>
+                <a:latin typeface="+mn-lt"/>
+                <a:ea typeface="+mn-ea"/>
+                <a:cs typeface="+mn-cs"/>
+              </a:defRPr>
+            </a:lvl6pPr>
+            <a:lvl7pPr marL="2971800" indent="-228600" algn="l" defTabSz="914400" rtl="0" eaLnBrk="1" latinLnBrk="0" hangingPunct="1">
+              <a:lnSpc>
+                <a:spcPct val="90000"/>
+              </a:lnSpc>
+              <a:spcBef>
+                <a:spcPts val="500"/>
+              </a:spcBef>
+              <a:buFont typeface="Arial" panose="020B0604020202020204" pitchFamily="34" charset="0"/>
+              <a:buChar char="•"/>
+              <a:defRPr sz="1800" kern="1200">
+                <a:solidFill>
+                  <a:schemeClr val="tx1"/>
+                </a:solidFill>
+                <a:latin typeface="+mn-lt"/>
+                <a:ea typeface="+mn-ea"/>
+                <a:cs typeface="+mn-cs"/>
+              </a:defRPr>
+            </a:lvl7pPr>
+            <a:lvl8pPr marL="3429000" indent="-228600" algn="l" defTabSz="914400" rtl="0" eaLnBrk="1" latinLnBrk="0" hangingPunct="1">
+              <a:lnSpc>
+                <a:spcPct val="90000"/>
+              </a:lnSpc>
+              <a:spcBef>
+                <a:spcPts val="500"/>
+              </a:spcBef>
+              <a:buFont typeface="Arial" panose="020B0604020202020204" pitchFamily="34" charset="0"/>
+              <a:buChar char="•"/>
+              <a:defRPr sz="1800" kern="1200">
+                <a:solidFill>
+                  <a:schemeClr val="tx1"/>
+                </a:solidFill>
+                <a:latin typeface="+mn-lt"/>
+                <a:ea typeface="+mn-ea"/>
+                <a:cs typeface="+mn-cs"/>
+              </a:defRPr>
+            </a:lvl8pPr>
+            <a:lvl9pPr marL="3886200" indent="-228600" algn="l" defTabSz="914400" rtl="0" eaLnBrk="1" latinLnBrk="0" hangingPunct="1">
+              <a:lnSpc>
+                <a:spcPct val="90000"/>
+              </a:lnSpc>
+              <a:spcBef>
+                <a:spcPts val="500"/>
+              </a:spcBef>
+              <a:buFont typeface="Arial" panose="020B0604020202020204" pitchFamily="34" charset="0"/>
+              <a:buChar char="•"/>
+              <a:defRPr sz="1800" kern="1200">
+                <a:solidFill>
+                  <a:schemeClr val="tx1"/>
+                </a:solidFill>
+                <a:latin typeface="+mn-lt"/>
+                <a:ea typeface="+mn-ea"/>
+                <a:cs typeface="+mn-cs"/>
+              </a:defRPr>
+            </a:lvl9pPr>
+          </a:lstStyle>
+          <a:p>
+            <a:pPr marL="15875" indent="0">
+              <a:buNone/>
+            </a:pPr>
+            <a:r>
+              <a:rPr lang="en-US" sz="1400" dirty="0"/>
+              <a:t>Item.py</a:t>
+            </a:r>
+          </a:p>
+        </p:txBody>
+      </p:sp>
+      <p:pic>
+        <p:nvPicPr>
+          <p:cNvPr id="9" name="Picture 8">
+            <a:extLst>
+              <a:ext uri="{FF2B5EF4-FFF2-40B4-BE49-F238E27FC236}">
+                <a16:creationId xmlns:a16="http://schemas.microsoft.com/office/drawing/2014/main" id="{3B680EEE-20FD-2A64-E264-BFB1BE8758C8}"/>
+              </a:ext>
+            </a:extLst>
+          </p:cNvPr>
+          <p:cNvPicPr>
+            <a:picLocks noChangeAspect="1"/>
+          </p:cNvPicPr>
+          <p:nvPr/>
+        </p:nvPicPr>
+        <p:blipFill>
+          <a:blip r:embed="rId3"/>
+          <a:stretch>
+            <a:fillRect/>
+          </a:stretch>
+        </p:blipFill>
+        <p:spPr>
+          <a:xfrm>
+            <a:off x="5738369" y="1606927"/>
+            <a:ext cx="3267075" cy="704850"/>
+          </a:xfrm>
+          <a:prstGeom prst="rect">
+            <a:avLst/>
+          </a:prstGeom>
+        </p:spPr>
+      </p:pic>
+      <p:pic>
+        <p:nvPicPr>
+          <p:cNvPr id="13" name="Picture 12">
+            <a:extLst>
+              <a:ext uri="{FF2B5EF4-FFF2-40B4-BE49-F238E27FC236}">
+                <a16:creationId xmlns:a16="http://schemas.microsoft.com/office/drawing/2014/main" id="{61F831A0-6AE1-7663-1394-326C07AEEC5D}"/>
+              </a:ext>
+            </a:extLst>
+          </p:cNvPr>
+          <p:cNvPicPr>
+            <a:picLocks noChangeAspect="1"/>
+          </p:cNvPicPr>
+          <p:nvPr/>
+        </p:nvPicPr>
+        <p:blipFill>
+          <a:blip r:embed="rId4"/>
+          <a:stretch>
+            <a:fillRect/>
+          </a:stretch>
+        </p:blipFill>
+        <p:spPr>
+          <a:xfrm>
+            <a:off x="5738369" y="2466424"/>
+            <a:ext cx="4373415" cy="293485"/>
+          </a:xfrm>
+          <a:prstGeom prst="rect">
+            <a:avLst/>
+          </a:prstGeom>
+        </p:spPr>
+      </p:pic>
+      <p:grpSp>
+        <p:nvGrpSpPr>
+          <p:cNvPr id="19" name="Group 18">
+            <a:extLst>
+              <a:ext uri="{FF2B5EF4-FFF2-40B4-BE49-F238E27FC236}">
+                <a16:creationId xmlns:a16="http://schemas.microsoft.com/office/drawing/2014/main" id="{3F8C6930-AB46-906D-0DAE-5E5F1176ED44}"/>
+              </a:ext>
+            </a:extLst>
+          </p:cNvPr>
+          <p:cNvGrpSpPr/>
+          <p:nvPr/>
+        </p:nvGrpSpPr>
+        <p:grpSpPr>
+          <a:xfrm>
+            <a:off x="918526" y="2613167"/>
+            <a:ext cx="3330677" cy="2528117"/>
+            <a:chOff x="440061" y="2979990"/>
+            <a:chExt cx="3330677" cy="2528117"/>
+          </a:xfrm>
+        </p:grpSpPr>
+        <p:pic>
+          <p:nvPicPr>
+            <p:cNvPr id="15" name="Picture 14">
+              <a:extLst>
+                <a:ext uri="{FF2B5EF4-FFF2-40B4-BE49-F238E27FC236}">
+                  <a16:creationId xmlns:a16="http://schemas.microsoft.com/office/drawing/2014/main" id="{A55A2C9F-621B-F41E-6791-156A78FAD91A}"/>
+                </a:ext>
+              </a:extLst>
+            </p:cNvPr>
+            <p:cNvPicPr>
+              <a:picLocks noChangeAspect="1"/>
+            </p:cNvPicPr>
+            <p:nvPr/>
+          </p:nvPicPr>
+          <p:blipFill>
+            <a:blip r:embed="rId5"/>
+            <a:stretch>
+              <a:fillRect/>
+            </a:stretch>
+          </p:blipFill>
+          <p:spPr>
+            <a:xfrm>
+              <a:off x="471045" y="3465000"/>
+              <a:ext cx="2893496" cy="334508"/>
+            </a:xfrm>
+            <a:prstGeom prst="rect">
+              <a:avLst/>
+            </a:prstGeom>
+          </p:spPr>
+        </p:pic>
+        <p:pic>
+          <p:nvPicPr>
+            <p:cNvPr id="17" name="Picture 16">
+              <a:extLst>
+                <a:ext uri="{FF2B5EF4-FFF2-40B4-BE49-F238E27FC236}">
+                  <a16:creationId xmlns:a16="http://schemas.microsoft.com/office/drawing/2014/main" id="{60C41872-8D0D-4954-BD9B-62998C02DE12}"/>
+                </a:ext>
+              </a:extLst>
+            </p:cNvPr>
+            <p:cNvPicPr>
+              <a:picLocks noChangeAspect="1"/>
+            </p:cNvPicPr>
+            <p:nvPr/>
+          </p:nvPicPr>
+          <p:blipFill>
+            <a:blip r:embed="rId6"/>
+            <a:stretch>
+              <a:fillRect/>
+            </a:stretch>
+          </p:blipFill>
+          <p:spPr>
+            <a:xfrm>
+              <a:off x="471045" y="4029738"/>
+              <a:ext cx="2181000" cy="1478369"/>
+            </a:xfrm>
+            <a:prstGeom prst="rect">
+              <a:avLst/>
+            </a:prstGeom>
+          </p:spPr>
+        </p:pic>
+        <p:sp>
+          <p:nvSpPr>
+            <p:cNvPr id="18" name="Content Placeholder 2">
+              <a:extLst>
+                <a:ext uri="{FF2B5EF4-FFF2-40B4-BE49-F238E27FC236}">
+                  <a16:creationId xmlns:a16="http://schemas.microsoft.com/office/drawing/2014/main" id="{4BFD728E-60E1-EC6A-DD0A-02A5BBF30235}"/>
+                </a:ext>
+              </a:extLst>
+            </p:cNvPr>
+            <p:cNvSpPr txBox="1">
+              <a:spLocks/>
+            </p:cNvSpPr>
+            <p:nvPr/>
+          </p:nvSpPr>
+          <p:spPr>
+            <a:xfrm>
+              <a:off x="440061" y="2979990"/>
+              <a:ext cx="3330677" cy="369895"/>
+            </a:xfrm>
+            <a:prstGeom prst="rect">
+              <a:avLst/>
+            </a:prstGeom>
+          </p:spPr>
+          <p:txBody>
+            <a:bodyPr vert="horz" lIns="91440" tIns="45720" rIns="91440" bIns="45720" rtlCol="0">
+              <a:noAutofit/>
+            </a:bodyPr>
+            <a:lstStyle>
+              <a:lvl1pPr marL="368300" indent="-352425" algn="l" defTabSz="914400" rtl="0" eaLnBrk="1" latinLnBrk="0" hangingPunct="1">
+                <a:lnSpc>
+                  <a:spcPct val="90000"/>
+                </a:lnSpc>
+                <a:spcBef>
+                  <a:spcPts val="600"/>
+                </a:spcBef>
+                <a:spcAft>
+                  <a:spcPts val="600"/>
+                </a:spcAft>
+                <a:buClr>
+                  <a:schemeClr val="accent2"/>
+                </a:buClr>
+                <a:buFont typeface="Wingdings" pitchFamily="2" charset="2"/>
+                <a:buChar char="§"/>
+                <a:tabLst/>
+                <a:defRPr sz="2400" kern="1200">
+                  <a:solidFill>
+                    <a:schemeClr val="tx1"/>
+                  </a:solidFill>
+                  <a:latin typeface="+mn-lt"/>
+                  <a:ea typeface="Open Sans" panose="020B0606030504020204" pitchFamily="34" charset="0"/>
+                  <a:cs typeface="Open Sans" panose="020B0606030504020204" pitchFamily="34" charset="0"/>
+                </a:defRPr>
+              </a:lvl1pPr>
+              <a:lvl2pPr marL="771525" indent="-274638" algn="l" defTabSz="914400" rtl="0" eaLnBrk="1" latinLnBrk="0" hangingPunct="1">
+                <a:lnSpc>
+                  <a:spcPct val="90000"/>
+                </a:lnSpc>
+                <a:spcBef>
+                  <a:spcPts val="600"/>
+                </a:spcBef>
+                <a:spcAft>
+                  <a:spcPts val="600"/>
+                </a:spcAft>
+                <a:buClr>
+                  <a:schemeClr val="accent2"/>
+                </a:buClr>
+                <a:buFont typeface="Wingdings" pitchFamily="2" charset="2"/>
+                <a:buChar char="§"/>
+                <a:tabLst/>
+                <a:defRPr sz="2200" kern="1200">
+                  <a:solidFill>
+                    <a:schemeClr val="tx1"/>
+                  </a:solidFill>
+                  <a:latin typeface="+mn-lt"/>
+                  <a:ea typeface="Open Sans" panose="020B0606030504020204" pitchFamily="34" charset="0"/>
+                  <a:cs typeface="Open Sans" panose="020B0606030504020204" pitchFamily="34" charset="0"/>
+                </a:defRPr>
+              </a:lvl2pPr>
+              <a:lvl3pPr marL="1143000" indent="-228600" algn="l" defTabSz="914400" rtl="0" eaLnBrk="1" latinLnBrk="0" hangingPunct="1">
+                <a:lnSpc>
+                  <a:spcPct val="90000"/>
+                </a:lnSpc>
+                <a:spcBef>
+                  <a:spcPts val="600"/>
+                </a:spcBef>
+                <a:spcAft>
+                  <a:spcPts val="600"/>
+                </a:spcAft>
+                <a:buClr>
+                  <a:schemeClr val="accent2"/>
+                </a:buClr>
+                <a:buFont typeface="Wingdings" pitchFamily="2" charset="2"/>
+                <a:buChar char="§"/>
+                <a:defRPr sz="2000" kern="1200">
+                  <a:solidFill>
+                    <a:schemeClr val="tx1"/>
+                  </a:solidFill>
+                  <a:latin typeface="+mn-lt"/>
+                  <a:ea typeface="Open Sans" panose="020B0606030504020204" pitchFamily="34" charset="0"/>
+                  <a:cs typeface="Open Sans" panose="020B0606030504020204" pitchFamily="34" charset="0"/>
+                </a:defRPr>
+              </a:lvl3pPr>
+              <a:lvl4pPr marL="1600200" indent="-228600" algn="l" defTabSz="914400" rtl="0" eaLnBrk="1" latinLnBrk="0" hangingPunct="1">
+                <a:lnSpc>
+                  <a:spcPct val="90000"/>
+                </a:lnSpc>
+                <a:spcBef>
+                  <a:spcPts val="600"/>
+                </a:spcBef>
+                <a:spcAft>
+                  <a:spcPts val="600"/>
+                </a:spcAft>
+                <a:buClr>
+                  <a:schemeClr val="accent2"/>
+                </a:buClr>
+                <a:buFont typeface="Wingdings" pitchFamily="2" charset="2"/>
+                <a:buChar char="§"/>
+                <a:defRPr sz="1800" kern="1200">
+                  <a:solidFill>
+                    <a:schemeClr val="tx1"/>
+                  </a:solidFill>
+                  <a:latin typeface="+mn-lt"/>
+                  <a:ea typeface="Open Sans" panose="020B0606030504020204" pitchFamily="34" charset="0"/>
+                  <a:cs typeface="Open Sans" panose="020B0606030504020204" pitchFamily="34" charset="0"/>
+                </a:defRPr>
+              </a:lvl4pPr>
+              <a:lvl5pPr marL="1960563" indent="-225425" algn="l" defTabSz="914400" rtl="0" eaLnBrk="1" latinLnBrk="0" hangingPunct="1">
+                <a:lnSpc>
+                  <a:spcPct val="90000"/>
+                </a:lnSpc>
+                <a:spcBef>
+                  <a:spcPts val="600"/>
+                </a:spcBef>
+                <a:spcAft>
+                  <a:spcPts val="600"/>
+                </a:spcAft>
+                <a:buClr>
+                  <a:schemeClr val="accent2"/>
+                </a:buClr>
+                <a:buFont typeface="Wingdings" pitchFamily="2" charset="2"/>
+                <a:buChar char="§"/>
+                <a:tabLst/>
+                <a:defRPr sz="1600" kern="1200">
+                  <a:solidFill>
+                    <a:schemeClr val="tx1"/>
+                  </a:solidFill>
+                  <a:latin typeface="+mn-lt"/>
+                  <a:ea typeface="Open Sans" panose="020B0606030504020204" pitchFamily="34" charset="0"/>
+                  <a:cs typeface="Open Sans" panose="020B0606030504020204" pitchFamily="34" charset="0"/>
+                </a:defRPr>
+              </a:lvl5pPr>
+              <a:lvl6pPr marL="2514600" indent="-228600" algn="l" defTabSz="914400" rtl="0" eaLnBrk="1" latinLnBrk="0" hangingPunct="1">
+                <a:lnSpc>
+                  <a:spcPct val="90000"/>
+                </a:lnSpc>
+                <a:spcBef>
+                  <a:spcPts val="500"/>
+                </a:spcBef>
+                <a:buFont typeface="Arial" panose="020B0604020202020204" pitchFamily="34" charset="0"/>
+                <a:buChar char="•"/>
+                <a:defRPr sz="1800" kern="1200">
+                  <a:solidFill>
+                    <a:schemeClr val="tx1"/>
+                  </a:solidFill>
+                  <a:latin typeface="+mn-lt"/>
+                  <a:ea typeface="+mn-ea"/>
+                  <a:cs typeface="+mn-cs"/>
+                </a:defRPr>
+              </a:lvl6pPr>
+              <a:lvl7pPr marL="2971800" indent="-228600" algn="l" defTabSz="914400" rtl="0" eaLnBrk="1" latinLnBrk="0" hangingPunct="1">
+                <a:lnSpc>
+                  <a:spcPct val="90000"/>
+                </a:lnSpc>
+                <a:spcBef>
+                  <a:spcPts val="500"/>
+                </a:spcBef>
+                <a:buFont typeface="Arial" panose="020B0604020202020204" pitchFamily="34" charset="0"/>
+                <a:buChar char="•"/>
+                <a:defRPr sz="1800" kern="1200">
+                  <a:solidFill>
+                    <a:schemeClr val="tx1"/>
+                  </a:solidFill>
+                  <a:latin typeface="+mn-lt"/>
+                  <a:ea typeface="+mn-ea"/>
+                  <a:cs typeface="+mn-cs"/>
+                </a:defRPr>
+              </a:lvl7pPr>
+              <a:lvl8pPr marL="3429000" indent="-228600" algn="l" defTabSz="914400" rtl="0" eaLnBrk="1" latinLnBrk="0" hangingPunct="1">
+                <a:lnSpc>
+                  <a:spcPct val="90000"/>
+                </a:lnSpc>
+                <a:spcBef>
+                  <a:spcPts val="500"/>
+                </a:spcBef>
+                <a:buFont typeface="Arial" panose="020B0604020202020204" pitchFamily="34" charset="0"/>
+                <a:buChar char="•"/>
+                <a:defRPr sz="1800" kern="1200">
+                  <a:solidFill>
+                    <a:schemeClr val="tx1"/>
+                  </a:solidFill>
+                  <a:latin typeface="+mn-lt"/>
+                  <a:ea typeface="+mn-ea"/>
+                  <a:cs typeface="+mn-cs"/>
+                </a:defRPr>
+              </a:lvl8pPr>
+              <a:lvl9pPr marL="3886200" indent="-228600" algn="l" defTabSz="914400" rtl="0" eaLnBrk="1" latinLnBrk="0" hangingPunct="1">
+                <a:lnSpc>
+                  <a:spcPct val="90000"/>
+                </a:lnSpc>
+                <a:spcBef>
+                  <a:spcPts val="500"/>
+                </a:spcBef>
+                <a:buFont typeface="Arial" panose="020B0604020202020204" pitchFamily="34" charset="0"/>
+                <a:buChar char="•"/>
+                <a:defRPr sz="1800" kern="1200">
+                  <a:solidFill>
+                    <a:schemeClr val="tx1"/>
+                  </a:solidFill>
+                  <a:latin typeface="+mn-lt"/>
+                  <a:ea typeface="+mn-ea"/>
+                  <a:cs typeface="+mn-cs"/>
+                </a:defRPr>
+              </a:lvl9pPr>
+            </a:lstStyle>
+            <a:p>
+              <a:pPr marL="15875" indent="0">
+                <a:buNone/>
+              </a:pPr>
+              <a:r>
+                <a:rPr lang="en-US" sz="1400" dirty="0"/>
+                <a:t>store.py</a:t>
+              </a:r>
+            </a:p>
+          </p:txBody>
+        </p:sp>
+      </p:grpSp>
+      <p:pic>
+        <p:nvPicPr>
+          <p:cNvPr id="21" name="Picture 20">
+            <a:extLst>
+              <a:ext uri="{FF2B5EF4-FFF2-40B4-BE49-F238E27FC236}">
+                <a16:creationId xmlns:a16="http://schemas.microsoft.com/office/drawing/2014/main" id="{D6DBF998-A34D-D7B0-D89D-A4D2EF8FF74C}"/>
+              </a:ext>
+            </a:extLst>
+          </p:cNvPr>
+          <p:cNvPicPr>
+            <a:picLocks noChangeAspect="1"/>
+          </p:cNvPicPr>
+          <p:nvPr/>
+        </p:nvPicPr>
+        <p:blipFill>
+          <a:blip r:embed="rId7"/>
+          <a:stretch>
+            <a:fillRect/>
+          </a:stretch>
+        </p:blipFill>
+        <p:spPr>
+          <a:xfrm>
+            <a:off x="5738369" y="3283632"/>
+            <a:ext cx="3005342" cy="1982972"/>
+          </a:xfrm>
+          <a:prstGeom prst="rect">
+            <a:avLst/>
+          </a:prstGeom>
+        </p:spPr>
+      </p:pic>
+    </p:spTree>
+    <p:extLst>
+      <p:ext uri="{BB962C8B-B14F-4D97-AF65-F5344CB8AC3E}">
+        <p14:creationId xmlns:p14="http://schemas.microsoft.com/office/powerpoint/2010/main" val="1752447404"/>
+      </p:ext>
+    </p:extLst>
+  </p:cSld>
+  <p:clrMapOvr>
+    <a:masterClrMapping/>
+  </p:clrMapOvr>
+</p:sld>
+</file>
+
+<file path=ppt/slides/slide21.xml><?xml version="1.0" encoding="utf-8"?>
+<p:sld xmlns:a="http://schemas.openxmlformats.org/drawingml/2006/main" xmlns:r="http://schemas.openxmlformats.org/officeDocument/2006/relationships" xmlns:p="http://schemas.openxmlformats.org/presentationml/2006/main">
+  <p:cSld>
+    <p:spTree>
+      <p:nvGrpSpPr>
+        <p:cNvPr id="1" name="">
+          <a:extLst>
+            <a:ext uri="{FF2B5EF4-FFF2-40B4-BE49-F238E27FC236}">
+              <a16:creationId xmlns:a16="http://schemas.microsoft.com/office/drawing/2014/main" id="{B771000F-E8D5-7DDA-37A2-B2F8DF0C06E6}"/>
+            </a:ext>
+          </a:extLst>
+        </p:cNvPr>
+        <p:cNvGrpSpPr/>
+        <p:nvPr/>
+      </p:nvGrpSpPr>
+      <p:grpSpPr>
+        <a:xfrm>
+          <a:off x="0" y="0"/>
+          <a:ext cx="0" cy="0"/>
+          <a:chOff x="0" y="0"/>
+          <a:chExt cx="0" cy="0"/>
+        </a:xfrm>
+      </p:grpSpPr>
+      <p:sp>
+        <p:nvSpPr>
+          <p:cNvPr id="4" name="Title 1">
+            <a:extLst>
+              <a:ext uri="{FF2B5EF4-FFF2-40B4-BE49-F238E27FC236}">
+                <a16:creationId xmlns:a16="http://schemas.microsoft.com/office/drawing/2014/main" id="{2484E406-AAA3-E3D8-62D0-D9D759AF7A5E}"/>
+              </a:ext>
+            </a:extLst>
+          </p:cNvPr>
+          <p:cNvSpPr txBox="1">
+            <a:spLocks/>
+          </p:cNvSpPr>
+          <p:nvPr/>
+        </p:nvSpPr>
+        <p:spPr>
+          <a:xfrm>
+            <a:off x="990600" y="383056"/>
+            <a:ext cx="10515600" cy="853976"/>
+          </a:xfrm>
+          <a:prstGeom prst="rect">
+            <a:avLst/>
+          </a:prstGeom>
+        </p:spPr>
+        <p:txBody>
+          <a:bodyPr vert="horz" lIns="91440" tIns="45720" rIns="91440" bIns="45720" rtlCol="0" anchor="ctr">
+            <a:normAutofit/>
+          </a:bodyPr>
+          <a:lstStyle>
+            <a:lvl1pPr algn="l" defTabSz="914400" rtl="0" eaLnBrk="1" latinLnBrk="0" hangingPunct="1">
+              <a:lnSpc>
+                <a:spcPct val="90000"/>
+              </a:lnSpc>
+              <a:spcBef>
+                <a:spcPct val="0"/>
+              </a:spcBef>
+              <a:buNone/>
+              <a:defRPr sz="3600" b="1" i="0" kern="1200" cap="all" baseline="0">
+                <a:solidFill>
+                  <a:schemeClr val="tx2"/>
+                </a:solidFill>
+                <a:latin typeface="+mj-lt"/>
+                <a:ea typeface="Open Sans Semibold" panose="020B0606030504020204" pitchFamily="34" charset="0"/>
+                <a:cs typeface="Open Sans Semibold" panose="020B0606030504020204" pitchFamily="34" charset="0"/>
+              </a:defRPr>
+            </a:lvl1pPr>
+          </a:lstStyle>
+          <a:p>
+            <a:r>
+              <a:rPr lang="en-US" dirty="0"/>
+              <a:t>FLASK – </a:t>
+            </a:r>
+            <a:r>
+              <a:rPr lang="en-US" dirty="0" err="1"/>
+              <a:t>Autentifikacija</a:t>
+            </a:r>
+            <a:r>
+              <a:rPr lang="en-US" dirty="0"/>
+              <a:t> </a:t>
+            </a:r>
+            <a:r>
+              <a:rPr lang="en-US" dirty="0" err="1"/>
+              <a:t>i</a:t>
+            </a:r>
+            <a:r>
+              <a:rPr lang="en-US" dirty="0"/>
+              <a:t> </a:t>
+            </a:r>
+            <a:r>
+              <a:rPr lang="en-US" dirty="0" err="1"/>
+              <a:t>sigurnost</a:t>
+            </a:r>
+            <a:endParaRPr lang="hr-HR" dirty="0"/>
+          </a:p>
+        </p:txBody>
+      </p:sp>
+      <p:sp>
+        <p:nvSpPr>
+          <p:cNvPr id="30" name="Content Placeholder 2">
+            <a:extLst>
+              <a:ext uri="{FF2B5EF4-FFF2-40B4-BE49-F238E27FC236}">
+                <a16:creationId xmlns:a16="http://schemas.microsoft.com/office/drawing/2014/main" id="{02175FC2-67C1-C280-131B-0FB5EB559288}"/>
+              </a:ext>
+            </a:extLst>
+          </p:cNvPr>
+          <p:cNvSpPr txBox="1">
+            <a:spLocks/>
+          </p:cNvSpPr>
+          <p:nvPr/>
+        </p:nvSpPr>
+        <p:spPr>
+          <a:xfrm>
+            <a:off x="1010093" y="1567648"/>
+            <a:ext cx="1743740" cy="319631"/>
+          </a:xfrm>
+          <a:prstGeom prst="rect">
+            <a:avLst/>
+          </a:prstGeom>
+        </p:spPr>
+        <p:txBody>
+          <a:bodyPr vert="horz" lIns="91440" tIns="45720" rIns="91440" bIns="45720" rtlCol="0">
+            <a:noAutofit/>
+          </a:bodyPr>
+          <a:lstStyle>
+            <a:lvl1pPr marL="368300" indent="-352425" algn="l" defTabSz="914400" rtl="0" eaLnBrk="1" latinLnBrk="0" hangingPunct="1">
+              <a:lnSpc>
+                <a:spcPct val="90000"/>
+              </a:lnSpc>
+              <a:spcBef>
+                <a:spcPts val="600"/>
+              </a:spcBef>
+              <a:spcAft>
+                <a:spcPts val="600"/>
+              </a:spcAft>
+              <a:buClr>
+                <a:schemeClr val="accent2"/>
+              </a:buClr>
+              <a:buFont typeface="Wingdings" pitchFamily="2" charset="2"/>
+              <a:buChar char="§"/>
+              <a:tabLst/>
+              <a:defRPr sz="2400" kern="1200">
+                <a:solidFill>
+                  <a:schemeClr val="tx1"/>
+                </a:solidFill>
+                <a:latin typeface="+mn-lt"/>
+                <a:ea typeface="Open Sans" panose="020B0606030504020204" pitchFamily="34" charset="0"/>
+                <a:cs typeface="Open Sans" panose="020B0606030504020204" pitchFamily="34" charset="0"/>
+              </a:defRPr>
+            </a:lvl1pPr>
+            <a:lvl2pPr marL="771525" indent="-274638" algn="l" defTabSz="914400" rtl="0" eaLnBrk="1" latinLnBrk="0" hangingPunct="1">
+              <a:lnSpc>
+                <a:spcPct val="90000"/>
+              </a:lnSpc>
+              <a:spcBef>
+                <a:spcPts val="600"/>
+              </a:spcBef>
+              <a:spcAft>
+                <a:spcPts val="600"/>
+              </a:spcAft>
+              <a:buClr>
+                <a:schemeClr val="accent2"/>
+              </a:buClr>
+              <a:buFont typeface="Wingdings" pitchFamily="2" charset="2"/>
+              <a:buChar char="§"/>
+              <a:tabLst/>
+              <a:defRPr sz="2200" kern="1200">
+                <a:solidFill>
+                  <a:schemeClr val="tx1"/>
+                </a:solidFill>
+                <a:latin typeface="+mn-lt"/>
+                <a:ea typeface="Open Sans" panose="020B0606030504020204" pitchFamily="34" charset="0"/>
+                <a:cs typeface="Open Sans" panose="020B0606030504020204" pitchFamily="34" charset="0"/>
+              </a:defRPr>
+            </a:lvl2pPr>
+            <a:lvl3pPr marL="1143000" indent="-228600" algn="l" defTabSz="914400" rtl="0" eaLnBrk="1" latinLnBrk="0" hangingPunct="1">
+              <a:lnSpc>
+                <a:spcPct val="90000"/>
+              </a:lnSpc>
+              <a:spcBef>
+                <a:spcPts val="600"/>
+              </a:spcBef>
+              <a:spcAft>
+                <a:spcPts val="600"/>
+              </a:spcAft>
+              <a:buClr>
+                <a:schemeClr val="accent2"/>
+              </a:buClr>
+              <a:buFont typeface="Wingdings" pitchFamily="2" charset="2"/>
+              <a:buChar char="§"/>
+              <a:defRPr sz="2000" kern="1200">
+                <a:solidFill>
+                  <a:schemeClr val="tx1"/>
+                </a:solidFill>
+                <a:latin typeface="+mn-lt"/>
+                <a:ea typeface="Open Sans" panose="020B0606030504020204" pitchFamily="34" charset="0"/>
+                <a:cs typeface="Open Sans" panose="020B0606030504020204" pitchFamily="34" charset="0"/>
+              </a:defRPr>
+            </a:lvl3pPr>
+            <a:lvl4pPr marL="1600200" indent="-228600" algn="l" defTabSz="914400" rtl="0" eaLnBrk="1" latinLnBrk="0" hangingPunct="1">
+              <a:lnSpc>
+                <a:spcPct val="90000"/>
+              </a:lnSpc>
+              <a:spcBef>
+                <a:spcPts val="600"/>
+              </a:spcBef>
+              <a:spcAft>
+                <a:spcPts val="600"/>
+              </a:spcAft>
+              <a:buClr>
+                <a:schemeClr val="accent2"/>
+              </a:buClr>
+              <a:buFont typeface="Wingdings" pitchFamily="2" charset="2"/>
+              <a:buChar char="§"/>
+              <a:defRPr sz="1800" kern="1200">
+                <a:solidFill>
+                  <a:schemeClr val="tx1"/>
+                </a:solidFill>
+                <a:latin typeface="+mn-lt"/>
+                <a:ea typeface="Open Sans" panose="020B0606030504020204" pitchFamily="34" charset="0"/>
+                <a:cs typeface="Open Sans" panose="020B0606030504020204" pitchFamily="34" charset="0"/>
+              </a:defRPr>
+            </a:lvl4pPr>
+            <a:lvl5pPr marL="1960563" indent="-225425" algn="l" defTabSz="914400" rtl="0" eaLnBrk="1" latinLnBrk="0" hangingPunct="1">
+              <a:lnSpc>
+                <a:spcPct val="90000"/>
+              </a:lnSpc>
+              <a:spcBef>
+                <a:spcPts val="600"/>
+              </a:spcBef>
+              <a:spcAft>
+                <a:spcPts val="600"/>
+              </a:spcAft>
+              <a:buClr>
+                <a:schemeClr val="accent2"/>
+              </a:buClr>
+              <a:buFont typeface="Wingdings" pitchFamily="2" charset="2"/>
+              <a:buChar char="§"/>
+              <a:tabLst/>
+              <a:defRPr sz="1600" kern="1200">
+                <a:solidFill>
+                  <a:schemeClr val="tx1"/>
+                </a:solidFill>
+                <a:latin typeface="+mn-lt"/>
+                <a:ea typeface="Open Sans" panose="020B0606030504020204" pitchFamily="34" charset="0"/>
+                <a:cs typeface="Open Sans" panose="020B0606030504020204" pitchFamily="34" charset="0"/>
+              </a:defRPr>
+            </a:lvl5pPr>
+            <a:lvl6pPr marL="2514600" indent="-228600" algn="l" defTabSz="914400" rtl="0" eaLnBrk="1" latinLnBrk="0" hangingPunct="1">
+              <a:lnSpc>
+                <a:spcPct val="90000"/>
+              </a:lnSpc>
+              <a:spcBef>
+                <a:spcPts val="500"/>
+              </a:spcBef>
+              <a:buFont typeface="Arial" panose="020B0604020202020204" pitchFamily="34" charset="0"/>
+              <a:buChar char="•"/>
+              <a:defRPr sz="1800" kern="1200">
+                <a:solidFill>
+                  <a:schemeClr val="tx1"/>
+                </a:solidFill>
+                <a:latin typeface="+mn-lt"/>
+                <a:ea typeface="+mn-ea"/>
+                <a:cs typeface="+mn-cs"/>
+              </a:defRPr>
+            </a:lvl6pPr>
+            <a:lvl7pPr marL="2971800" indent="-228600" algn="l" defTabSz="914400" rtl="0" eaLnBrk="1" latinLnBrk="0" hangingPunct="1">
+              <a:lnSpc>
+                <a:spcPct val="90000"/>
+              </a:lnSpc>
+              <a:spcBef>
+                <a:spcPts val="500"/>
+              </a:spcBef>
+              <a:buFont typeface="Arial" panose="020B0604020202020204" pitchFamily="34" charset="0"/>
+              <a:buChar char="•"/>
+              <a:defRPr sz="1800" kern="1200">
+                <a:solidFill>
+                  <a:schemeClr val="tx1"/>
+                </a:solidFill>
+                <a:latin typeface="+mn-lt"/>
+                <a:ea typeface="+mn-ea"/>
+                <a:cs typeface="+mn-cs"/>
+              </a:defRPr>
+            </a:lvl7pPr>
+            <a:lvl8pPr marL="3429000" indent="-228600" algn="l" defTabSz="914400" rtl="0" eaLnBrk="1" latinLnBrk="0" hangingPunct="1">
+              <a:lnSpc>
+                <a:spcPct val="90000"/>
+              </a:lnSpc>
+              <a:spcBef>
+                <a:spcPts val="500"/>
+              </a:spcBef>
+              <a:buFont typeface="Arial" panose="020B0604020202020204" pitchFamily="34" charset="0"/>
+              <a:buChar char="•"/>
+              <a:defRPr sz="1800" kern="1200">
+                <a:solidFill>
+                  <a:schemeClr val="tx1"/>
+                </a:solidFill>
+                <a:latin typeface="+mn-lt"/>
+                <a:ea typeface="+mn-ea"/>
+                <a:cs typeface="+mn-cs"/>
+              </a:defRPr>
+            </a:lvl8pPr>
+            <a:lvl9pPr marL="3886200" indent="-228600" algn="l" defTabSz="914400" rtl="0" eaLnBrk="1" latinLnBrk="0" hangingPunct="1">
+              <a:lnSpc>
+                <a:spcPct val="90000"/>
+              </a:lnSpc>
+              <a:spcBef>
+                <a:spcPts val="500"/>
+              </a:spcBef>
+              <a:buFont typeface="Arial" panose="020B0604020202020204" pitchFamily="34" charset="0"/>
+              <a:buChar char="•"/>
+              <a:defRPr sz="1800" kern="1200">
+                <a:solidFill>
+                  <a:schemeClr val="tx1"/>
+                </a:solidFill>
+                <a:latin typeface="+mn-lt"/>
+                <a:ea typeface="+mn-ea"/>
+                <a:cs typeface="+mn-cs"/>
+              </a:defRPr>
+            </a:lvl9pPr>
+          </a:lstStyle>
+          <a:p>
+            <a:pPr marL="15875" indent="0">
+              <a:buNone/>
+            </a:pPr>
+            <a:r>
+              <a:rPr lang="en-US" sz="1400" b="1" dirty="0"/>
+              <a:t>What is a JWT?</a:t>
+            </a:r>
+          </a:p>
+        </p:txBody>
+      </p:sp>
+      <p:pic>
+        <p:nvPicPr>
+          <p:cNvPr id="7" name="Picture 6">
+            <a:extLst>
+              <a:ext uri="{FF2B5EF4-FFF2-40B4-BE49-F238E27FC236}">
+                <a16:creationId xmlns:a16="http://schemas.microsoft.com/office/drawing/2014/main" id="{0F9A2BA7-272C-2B23-6149-827C249CECEB}"/>
+              </a:ext>
+            </a:extLst>
+          </p:cNvPr>
+          <p:cNvPicPr>
+            <a:picLocks noChangeAspect="1"/>
+          </p:cNvPicPr>
+          <p:nvPr/>
+        </p:nvPicPr>
+        <p:blipFill>
+          <a:blip r:embed="rId3"/>
+          <a:stretch>
+            <a:fillRect/>
+          </a:stretch>
+        </p:blipFill>
+        <p:spPr>
+          <a:xfrm>
+            <a:off x="4437320" y="1887279"/>
+            <a:ext cx="2522821" cy="1284262"/>
+          </a:xfrm>
+          <a:prstGeom prst="rect">
+            <a:avLst/>
+          </a:prstGeom>
+        </p:spPr>
+      </p:pic>
+      <p:pic>
+        <p:nvPicPr>
+          <p:cNvPr id="14" name="Picture 13">
+            <a:extLst>
+              <a:ext uri="{FF2B5EF4-FFF2-40B4-BE49-F238E27FC236}">
+                <a16:creationId xmlns:a16="http://schemas.microsoft.com/office/drawing/2014/main" id="{4F855E49-1E00-C369-BF66-B11167CB289D}"/>
+              </a:ext>
+            </a:extLst>
+          </p:cNvPr>
+          <p:cNvPicPr>
+            <a:picLocks noChangeAspect="1"/>
+          </p:cNvPicPr>
+          <p:nvPr/>
+        </p:nvPicPr>
+        <p:blipFill>
+          <a:blip r:embed="rId4"/>
+          <a:stretch>
+            <a:fillRect/>
+          </a:stretch>
+        </p:blipFill>
+        <p:spPr>
+          <a:xfrm>
+            <a:off x="1112653" y="1940930"/>
+            <a:ext cx="2869240" cy="3115738"/>
+          </a:xfrm>
+          <a:prstGeom prst="rect">
+            <a:avLst/>
+          </a:prstGeom>
+        </p:spPr>
+      </p:pic>
+      <p:sp>
+        <p:nvSpPr>
+          <p:cNvPr id="16" name="Content Placeholder 2">
+            <a:extLst>
+              <a:ext uri="{FF2B5EF4-FFF2-40B4-BE49-F238E27FC236}">
+                <a16:creationId xmlns:a16="http://schemas.microsoft.com/office/drawing/2014/main" id="{DFA7E6EB-D1E6-F7B2-F496-95C58A2E6817}"/>
+              </a:ext>
+            </a:extLst>
+          </p:cNvPr>
+          <p:cNvSpPr txBox="1">
+            <a:spLocks/>
+          </p:cNvSpPr>
+          <p:nvPr/>
+        </p:nvSpPr>
+        <p:spPr>
+          <a:xfrm>
+            <a:off x="5521842" y="3429000"/>
+            <a:ext cx="5078818" cy="319631"/>
+          </a:xfrm>
+          <a:prstGeom prst="rect">
+            <a:avLst/>
+          </a:prstGeom>
+        </p:spPr>
+        <p:txBody>
+          <a:bodyPr vert="horz" lIns="91440" tIns="45720" rIns="91440" bIns="45720" rtlCol="0">
+            <a:noAutofit/>
+          </a:bodyPr>
+          <a:lstStyle>
+            <a:lvl1pPr marL="368300" indent="-352425" algn="l" defTabSz="914400" rtl="0" eaLnBrk="1" latinLnBrk="0" hangingPunct="1">
+              <a:lnSpc>
+                <a:spcPct val="90000"/>
+              </a:lnSpc>
+              <a:spcBef>
+                <a:spcPts val="600"/>
+              </a:spcBef>
+              <a:spcAft>
+                <a:spcPts val="600"/>
+              </a:spcAft>
+              <a:buClr>
+                <a:schemeClr val="accent2"/>
+              </a:buClr>
+              <a:buFont typeface="Wingdings" pitchFamily="2" charset="2"/>
+              <a:buChar char="§"/>
+              <a:tabLst/>
+              <a:defRPr sz="2400" kern="1200">
+                <a:solidFill>
+                  <a:schemeClr val="tx1"/>
+                </a:solidFill>
+                <a:latin typeface="+mn-lt"/>
+                <a:ea typeface="Open Sans" panose="020B0606030504020204" pitchFamily="34" charset="0"/>
+                <a:cs typeface="Open Sans" panose="020B0606030504020204" pitchFamily="34" charset="0"/>
+              </a:defRPr>
+            </a:lvl1pPr>
+            <a:lvl2pPr marL="771525" indent="-274638" algn="l" defTabSz="914400" rtl="0" eaLnBrk="1" latinLnBrk="0" hangingPunct="1">
+              <a:lnSpc>
+                <a:spcPct val="90000"/>
+              </a:lnSpc>
+              <a:spcBef>
+                <a:spcPts val="600"/>
+              </a:spcBef>
+              <a:spcAft>
+                <a:spcPts val="600"/>
+              </a:spcAft>
+              <a:buClr>
+                <a:schemeClr val="accent2"/>
+              </a:buClr>
+              <a:buFont typeface="Wingdings" pitchFamily="2" charset="2"/>
+              <a:buChar char="§"/>
+              <a:tabLst/>
+              <a:defRPr sz="2200" kern="1200">
+                <a:solidFill>
+                  <a:schemeClr val="tx1"/>
+                </a:solidFill>
+                <a:latin typeface="+mn-lt"/>
+                <a:ea typeface="Open Sans" panose="020B0606030504020204" pitchFamily="34" charset="0"/>
+                <a:cs typeface="Open Sans" panose="020B0606030504020204" pitchFamily="34" charset="0"/>
+              </a:defRPr>
+            </a:lvl2pPr>
+            <a:lvl3pPr marL="1143000" indent="-228600" algn="l" defTabSz="914400" rtl="0" eaLnBrk="1" latinLnBrk="0" hangingPunct="1">
+              <a:lnSpc>
+                <a:spcPct val="90000"/>
+              </a:lnSpc>
+              <a:spcBef>
+                <a:spcPts val="600"/>
+              </a:spcBef>
+              <a:spcAft>
+                <a:spcPts val="600"/>
+              </a:spcAft>
+              <a:buClr>
+                <a:schemeClr val="accent2"/>
+              </a:buClr>
+              <a:buFont typeface="Wingdings" pitchFamily="2" charset="2"/>
+              <a:buChar char="§"/>
+              <a:defRPr sz="2000" kern="1200">
+                <a:solidFill>
+                  <a:schemeClr val="tx1"/>
+                </a:solidFill>
+                <a:latin typeface="+mn-lt"/>
+                <a:ea typeface="Open Sans" panose="020B0606030504020204" pitchFamily="34" charset="0"/>
+                <a:cs typeface="Open Sans" panose="020B0606030504020204" pitchFamily="34" charset="0"/>
+              </a:defRPr>
+            </a:lvl3pPr>
+            <a:lvl4pPr marL="1600200" indent="-228600" algn="l" defTabSz="914400" rtl="0" eaLnBrk="1" latinLnBrk="0" hangingPunct="1">
+              <a:lnSpc>
+                <a:spcPct val="90000"/>
+              </a:lnSpc>
+              <a:spcBef>
+                <a:spcPts val="600"/>
+              </a:spcBef>
+              <a:spcAft>
+                <a:spcPts val="600"/>
+              </a:spcAft>
+              <a:buClr>
+                <a:schemeClr val="accent2"/>
+              </a:buClr>
+              <a:buFont typeface="Wingdings" pitchFamily="2" charset="2"/>
+              <a:buChar char="§"/>
+              <a:defRPr sz="1800" kern="1200">
+                <a:solidFill>
+                  <a:schemeClr val="tx1"/>
+                </a:solidFill>
+                <a:latin typeface="+mn-lt"/>
+                <a:ea typeface="Open Sans" panose="020B0606030504020204" pitchFamily="34" charset="0"/>
+                <a:cs typeface="Open Sans" panose="020B0606030504020204" pitchFamily="34" charset="0"/>
+              </a:defRPr>
+            </a:lvl4pPr>
+            <a:lvl5pPr marL="1960563" indent="-225425" algn="l" defTabSz="914400" rtl="0" eaLnBrk="1" latinLnBrk="0" hangingPunct="1">
+              <a:lnSpc>
+                <a:spcPct val="90000"/>
+              </a:lnSpc>
+              <a:spcBef>
+                <a:spcPts val="600"/>
+              </a:spcBef>
+              <a:spcAft>
+                <a:spcPts val="600"/>
+              </a:spcAft>
+              <a:buClr>
+                <a:schemeClr val="accent2"/>
+              </a:buClr>
+              <a:buFont typeface="Wingdings" pitchFamily="2" charset="2"/>
+              <a:buChar char="§"/>
+              <a:tabLst/>
+              <a:defRPr sz="1600" kern="1200">
+                <a:solidFill>
+                  <a:schemeClr val="tx1"/>
+                </a:solidFill>
+                <a:latin typeface="+mn-lt"/>
+                <a:ea typeface="Open Sans" panose="020B0606030504020204" pitchFamily="34" charset="0"/>
+                <a:cs typeface="Open Sans" panose="020B0606030504020204" pitchFamily="34" charset="0"/>
+              </a:defRPr>
+            </a:lvl5pPr>
+            <a:lvl6pPr marL="2514600" indent="-228600" algn="l" defTabSz="914400" rtl="0" eaLnBrk="1" latinLnBrk="0" hangingPunct="1">
+              <a:lnSpc>
+                <a:spcPct val="90000"/>
+              </a:lnSpc>
+              <a:spcBef>
+                <a:spcPts val="500"/>
+              </a:spcBef>
+              <a:buFont typeface="Arial" panose="020B0604020202020204" pitchFamily="34" charset="0"/>
+              <a:buChar char="•"/>
+              <a:defRPr sz="1800" kern="1200">
+                <a:solidFill>
+                  <a:schemeClr val="tx1"/>
+                </a:solidFill>
+                <a:latin typeface="+mn-lt"/>
+                <a:ea typeface="+mn-ea"/>
+                <a:cs typeface="+mn-cs"/>
+              </a:defRPr>
+            </a:lvl6pPr>
+            <a:lvl7pPr marL="2971800" indent="-228600" algn="l" defTabSz="914400" rtl="0" eaLnBrk="1" latinLnBrk="0" hangingPunct="1">
+              <a:lnSpc>
+                <a:spcPct val="90000"/>
+              </a:lnSpc>
+              <a:spcBef>
+                <a:spcPts val="500"/>
+              </a:spcBef>
+              <a:buFont typeface="Arial" panose="020B0604020202020204" pitchFamily="34" charset="0"/>
+              <a:buChar char="•"/>
+              <a:defRPr sz="1800" kern="1200">
+                <a:solidFill>
+                  <a:schemeClr val="tx1"/>
+                </a:solidFill>
+                <a:latin typeface="+mn-lt"/>
+                <a:ea typeface="+mn-ea"/>
+                <a:cs typeface="+mn-cs"/>
+              </a:defRPr>
+            </a:lvl7pPr>
+            <a:lvl8pPr marL="3429000" indent="-228600" algn="l" defTabSz="914400" rtl="0" eaLnBrk="1" latinLnBrk="0" hangingPunct="1">
+              <a:lnSpc>
+                <a:spcPct val="90000"/>
+              </a:lnSpc>
+              <a:spcBef>
+                <a:spcPts val="500"/>
+              </a:spcBef>
+              <a:buFont typeface="Arial" panose="020B0604020202020204" pitchFamily="34" charset="0"/>
+              <a:buChar char="•"/>
+              <a:defRPr sz="1800" kern="1200">
+                <a:solidFill>
+                  <a:schemeClr val="tx1"/>
+                </a:solidFill>
+                <a:latin typeface="+mn-lt"/>
+                <a:ea typeface="+mn-ea"/>
+                <a:cs typeface="+mn-cs"/>
+              </a:defRPr>
+            </a:lvl8pPr>
+            <a:lvl9pPr marL="3886200" indent="-228600" algn="l" defTabSz="914400" rtl="0" eaLnBrk="1" latinLnBrk="0" hangingPunct="1">
+              <a:lnSpc>
+                <a:spcPct val="90000"/>
+              </a:lnSpc>
+              <a:spcBef>
+                <a:spcPts val="500"/>
+              </a:spcBef>
+              <a:buFont typeface="Arial" panose="020B0604020202020204" pitchFamily="34" charset="0"/>
+              <a:buChar char="•"/>
+              <a:defRPr sz="1800" kern="1200">
+                <a:solidFill>
+                  <a:schemeClr val="tx1"/>
+                </a:solidFill>
+                <a:latin typeface="+mn-lt"/>
+                <a:ea typeface="+mn-ea"/>
+                <a:cs typeface="+mn-cs"/>
+              </a:defRPr>
+            </a:lvl9pPr>
+          </a:lstStyle>
+          <a:p>
+            <a:pPr>
+              <a:buNone/>
+            </a:pPr>
+            <a:r>
+              <a:rPr lang="hr-HR" sz="1100" dirty="0"/>
+              <a:t>🔄 </a:t>
+            </a:r>
+            <a:r>
+              <a:rPr lang="hr-HR" sz="1100" b="1" dirty="0"/>
+              <a:t>Token </a:t>
+            </a:r>
+            <a:r>
+              <a:rPr lang="hr-HR" sz="1100" b="1" dirty="0" err="1"/>
+              <a:t>refresh</a:t>
+            </a:r>
+            <a:r>
+              <a:rPr lang="hr-HR" sz="1100" b="1" dirty="0"/>
+              <a:t> i sigurnost:</a:t>
+            </a:r>
+            <a:endParaRPr lang="hr-HR" sz="1100" dirty="0"/>
+          </a:p>
+          <a:p>
+            <a:pPr>
+              <a:buFont typeface="Arial" panose="020B0604020202020204" pitchFamily="34" charset="0"/>
+              <a:buChar char="•"/>
+            </a:pPr>
+            <a:r>
+              <a:rPr lang="hr-HR" sz="1100" b="1" dirty="0"/>
+              <a:t>Rok trajanja:</a:t>
+            </a:r>
+            <a:r>
+              <a:rPr lang="hr-HR" sz="1100" dirty="0"/>
+              <a:t> </a:t>
+            </a:r>
+          </a:p>
+          <a:p>
+            <a:pPr marL="742950" lvl="1" indent="-285750">
+              <a:buFont typeface="Arial" panose="020B0604020202020204" pitchFamily="34" charset="0"/>
+              <a:buChar char="•"/>
+            </a:pPr>
+            <a:r>
+              <a:rPr lang="hr-HR" sz="1100" dirty="0"/>
+              <a:t>Access tokeni ne traju vječno – kraći rok trajanja povećava sigurnost</a:t>
+            </a:r>
+          </a:p>
+          <a:p>
+            <a:pPr>
+              <a:buFont typeface="Arial" panose="020B0604020202020204" pitchFamily="34" charset="0"/>
+              <a:buChar char="•"/>
+            </a:pPr>
+            <a:r>
+              <a:rPr lang="hr-HR" sz="1100" b="1" dirty="0"/>
+              <a:t>Token </a:t>
+            </a:r>
+            <a:r>
+              <a:rPr lang="hr-HR" sz="1100" b="1" dirty="0" err="1"/>
+              <a:t>refreshing</a:t>
+            </a:r>
+            <a:r>
+              <a:rPr lang="hr-HR" sz="1100" b="1" dirty="0"/>
+              <a:t>:</a:t>
+            </a:r>
+            <a:r>
+              <a:rPr lang="hr-HR" sz="1100" dirty="0"/>
+              <a:t> </a:t>
+            </a:r>
+          </a:p>
+          <a:p>
+            <a:pPr marL="742950" lvl="1" indent="-285750">
+              <a:buFont typeface="Arial" panose="020B0604020202020204" pitchFamily="34" charset="0"/>
+              <a:buChar char="•"/>
+            </a:pPr>
+            <a:r>
+              <a:rPr lang="hr-HR" sz="1100" dirty="0"/>
+              <a:t>Mehanizam kojim se osvježava token kako bi se spriječio neautorizirani pristup na javnim uređajima</a:t>
+            </a:r>
+          </a:p>
+          <a:p>
+            <a:pPr marL="742950" lvl="1" indent="-285750">
+              <a:buFont typeface="Arial" panose="020B0604020202020204" pitchFamily="34" charset="0"/>
+              <a:buChar char="•"/>
+            </a:pPr>
+            <a:r>
+              <a:rPr lang="hr-HR" sz="1100" dirty="0"/>
+              <a:t>Primjer: Ako korisnik pokušava izbrisati račun s "starim" tokenom, API traži ponovno </a:t>
+            </a:r>
+            <a:r>
+              <a:rPr lang="hr-HR" sz="1100" dirty="0" err="1"/>
+              <a:t>autentikaciju</a:t>
+            </a:r>
+            <a:endParaRPr lang="hr-HR" sz="1100" dirty="0"/>
+          </a:p>
+        </p:txBody>
+      </p:sp>
+    </p:spTree>
+    <p:extLst>
+      <p:ext uri="{BB962C8B-B14F-4D97-AF65-F5344CB8AC3E}">
+        <p14:creationId xmlns:p14="http://schemas.microsoft.com/office/powerpoint/2010/main" val="1221303608"/>
+      </p:ext>
+    </p:extLst>
+  </p:cSld>
+  <p:clrMapOvr>
+    <a:masterClrMapping/>
+  </p:clrMapOvr>
+</p:sld>
+</file>
+
+<file path=ppt/slides/slide22.xml><?xml version="1.0" encoding="utf-8"?>
+<p:sld xmlns:a="http://schemas.openxmlformats.org/drawingml/2006/main" xmlns:r="http://schemas.openxmlformats.org/officeDocument/2006/relationships" xmlns:p="http://schemas.openxmlformats.org/presentationml/2006/main">
+  <p:cSld>
+    <p:spTree>
+      <p:nvGrpSpPr>
+        <p:cNvPr id="1" name="">
+          <a:extLst>
+            <a:ext uri="{FF2B5EF4-FFF2-40B4-BE49-F238E27FC236}">
+              <a16:creationId xmlns:a16="http://schemas.microsoft.com/office/drawing/2014/main" id="{EDC59FE3-5BD5-FAD8-AD25-5A93D08CC415}"/>
+            </a:ext>
+          </a:extLst>
+        </p:cNvPr>
+        <p:cNvGrpSpPr/>
+        <p:nvPr/>
+      </p:nvGrpSpPr>
+      <p:grpSpPr>
+        <a:xfrm>
+          <a:off x="0" y="0"/>
+          <a:ext cx="0" cy="0"/>
+          <a:chOff x="0" y="0"/>
+          <a:chExt cx="0" cy="0"/>
+        </a:xfrm>
+      </p:grpSpPr>
+      <p:sp>
+        <p:nvSpPr>
+          <p:cNvPr id="4" name="Title 1">
+            <a:extLst>
+              <a:ext uri="{FF2B5EF4-FFF2-40B4-BE49-F238E27FC236}">
+                <a16:creationId xmlns:a16="http://schemas.microsoft.com/office/drawing/2014/main" id="{1E8C8052-A87E-7AC7-09BB-32449C757889}"/>
+              </a:ext>
+            </a:extLst>
+          </p:cNvPr>
+          <p:cNvSpPr txBox="1">
+            <a:spLocks/>
+          </p:cNvSpPr>
+          <p:nvPr/>
+        </p:nvSpPr>
+        <p:spPr>
+          <a:xfrm>
+            <a:off x="990600" y="383056"/>
+            <a:ext cx="10515600" cy="853976"/>
+          </a:xfrm>
+          <a:prstGeom prst="rect">
+            <a:avLst/>
+          </a:prstGeom>
+        </p:spPr>
+        <p:txBody>
+          <a:bodyPr vert="horz" lIns="91440" tIns="45720" rIns="91440" bIns="45720" rtlCol="0" anchor="ctr">
+            <a:normAutofit/>
+          </a:bodyPr>
+          <a:lstStyle>
+            <a:lvl1pPr algn="l" defTabSz="914400" rtl="0" eaLnBrk="1" latinLnBrk="0" hangingPunct="1">
+              <a:lnSpc>
+                <a:spcPct val="90000"/>
+              </a:lnSpc>
+              <a:spcBef>
+                <a:spcPct val="0"/>
+              </a:spcBef>
+              <a:buNone/>
+              <a:defRPr sz="3600" b="1" i="0" kern="1200" cap="all" baseline="0">
+                <a:solidFill>
+                  <a:schemeClr val="tx2"/>
+                </a:solidFill>
+                <a:latin typeface="+mj-lt"/>
+                <a:ea typeface="Open Sans Semibold" panose="020B0606030504020204" pitchFamily="34" charset="0"/>
+                <a:cs typeface="Open Sans Semibold" panose="020B0606030504020204" pitchFamily="34" charset="0"/>
+              </a:defRPr>
+            </a:lvl1pPr>
+          </a:lstStyle>
+          <a:p>
+            <a:r>
+              <a:rPr lang="en-US" dirty="0"/>
+              <a:t>FLASK – </a:t>
+            </a:r>
+            <a:r>
+              <a:rPr lang="en-US" dirty="0" err="1"/>
+              <a:t>Autentifikacija</a:t>
+            </a:r>
+            <a:r>
+              <a:rPr lang="en-US" dirty="0"/>
+              <a:t> </a:t>
+            </a:r>
+            <a:r>
+              <a:rPr lang="en-US" dirty="0" err="1"/>
+              <a:t>i</a:t>
+            </a:r>
+            <a:r>
+              <a:rPr lang="en-US" dirty="0"/>
+              <a:t> </a:t>
+            </a:r>
+            <a:r>
+              <a:rPr lang="en-US" dirty="0" err="1"/>
+              <a:t>sigurnost</a:t>
+            </a:r>
+            <a:endParaRPr lang="hr-HR" dirty="0"/>
+          </a:p>
+        </p:txBody>
+      </p:sp>
+      <p:pic>
+        <p:nvPicPr>
+          <p:cNvPr id="3" name="Picture 2">
+            <a:extLst>
+              <a:ext uri="{FF2B5EF4-FFF2-40B4-BE49-F238E27FC236}">
+                <a16:creationId xmlns:a16="http://schemas.microsoft.com/office/drawing/2014/main" id="{F43BD11E-D878-B448-1F8A-A8CD42F8F949}"/>
+              </a:ext>
+            </a:extLst>
+          </p:cNvPr>
+          <p:cNvPicPr>
+            <a:picLocks noChangeAspect="1"/>
+          </p:cNvPicPr>
+          <p:nvPr/>
+        </p:nvPicPr>
+        <p:blipFill>
+          <a:blip r:embed="rId3"/>
+          <a:stretch>
+            <a:fillRect/>
+          </a:stretch>
+        </p:blipFill>
+        <p:spPr>
+          <a:xfrm>
+            <a:off x="1159391" y="1237032"/>
+            <a:ext cx="1866900" cy="1162050"/>
+          </a:xfrm>
+          <a:prstGeom prst="rect">
+            <a:avLst/>
+          </a:prstGeom>
+        </p:spPr>
+      </p:pic>
+      <p:pic>
+        <p:nvPicPr>
+          <p:cNvPr id="11" name="Picture 10">
+            <a:extLst>
+              <a:ext uri="{FF2B5EF4-FFF2-40B4-BE49-F238E27FC236}">
+                <a16:creationId xmlns:a16="http://schemas.microsoft.com/office/drawing/2014/main" id="{8A2F0B67-BE78-4910-3073-B6AE73C6146C}"/>
+              </a:ext>
+            </a:extLst>
+          </p:cNvPr>
+          <p:cNvPicPr>
+            <a:picLocks noChangeAspect="1"/>
+          </p:cNvPicPr>
+          <p:nvPr/>
+        </p:nvPicPr>
+        <p:blipFill>
+          <a:blip r:embed="rId4"/>
+          <a:stretch>
+            <a:fillRect/>
+          </a:stretch>
+        </p:blipFill>
+        <p:spPr>
+          <a:xfrm>
+            <a:off x="1159391" y="2411547"/>
+            <a:ext cx="4486275" cy="1343025"/>
+          </a:xfrm>
+          <a:prstGeom prst="rect">
+            <a:avLst/>
+          </a:prstGeom>
+        </p:spPr>
+      </p:pic>
+      <p:pic>
+        <p:nvPicPr>
+          <p:cNvPr id="13" name="Picture 12">
+            <a:extLst>
+              <a:ext uri="{FF2B5EF4-FFF2-40B4-BE49-F238E27FC236}">
+                <a16:creationId xmlns:a16="http://schemas.microsoft.com/office/drawing/2014/main" id="{91297D36-DABC-CCDC-5FBC-37B5A3A2CA05}"/>
+              </a:ext>
+            </a:extLst>
+          </p:cNvPr>
+          <p:cNvPicPr>
+            <a:picLocks noChangeAspect="1"/>
+          </p:cNvPicPr>
+          <p:nvPr/>
+        </p:nvPicPr>
+        <p:blipFill>
+          <a:blip r:embed="rId5"/>
+          <a:stretch>
+            <a:fillRect/>
+          </a:stretch>
+        </p:blipFill>
+        <p:spPr>
+          <a:xfrm>
+            <a:off x="1159391" y="3885757"/>
+            <a:ext cx="3124200" cy="723900"/>
+          </a:xfrm>
+          <a:prstGeom prst="rect">
+            <a:avLst/>
+          </a:prstGeom>
+        </p:spPr>
+      </p:pic>
+      <p:pic>
+        <p:nvPicPr>
+          <p:cNvPr id="19" name="Picture 18">
+            <a:extLst>
+              <a:ext uri="{FF2B5EF4-FFF2-40B4-BE49-F238E27FC236}">
+                <a16:creationId xmlns:a16="http://schemas.microsoft.com/office/drawing/2014/main" id="{825913D8-13C6-74D2-8ADF-305CB482EF14}"/>
+              </a:ext>
+            </a:extLst>
+          </p:cNvPr>
+          <p:cNvPicPr>
+            <a:picLocks noChangeAspect="1"/>
+          </p:cNvPicPr>
+          <p:nvPr/>
+        </p:nvPicPr>
+        <p:blipFill>
+          <a:blip r:embed="rId6"/>
+          <a:stretch>
+            <a:fillRect/>
+          </a:stretch>
+        </p:blipFill>
+        <p:spPr>
+          <a:xfrm>
+            <a:off x="6451195" y="2647507"/>
+            <a:ext cx="5149788" cy="591785"/>
+          </a:xfrm>
+          <a:prstGeom prst="rect">
+            <a:avLst/>
+          </a:prstGeom>
+        </p:spPr>
+      </p:pic>
+      <p:pic>
+        <p:nvPicPr>
+          <p:cNvPr id="23" name="Picture 22">
+            <a:extLst>
+              <a:ext uri="{FF2B5EF4-FFF2-40B4-BE49-F238E27FC236}">
+                <a16:creationId xmlns:a16="http://schemas.microsoft.com/office/drawing/2014/main" id="{8E8D1593-B2FB-65F8-DA9E-D4089EB467CE}"/>
+              </a:ext>
+            </a:extLst>
+          </p:cNvPr>
+          <p:cNvPicPr>
+            <a:picLocks noChangeAspect="1"/>
+          </p:cNvPicPr>
+          <p:nvPr/>
+        </p:nvPicPr>
+        <p:blipFill>
+          <a:blip r:embed="rId7"/>
+          <a:stretch>
+            <a:fillRect/>
+          </a:stretch>
+        </p:blipFill>
+        <p:spPr>
+          <a:xfrm>
+            <a:off x="1145214" y="4804808"/>
+            <a:ext cx="5172075" cy="438150"/>
+          </a:xfrm>
+          <a:prstGeom prst="rect">
+            <a:avLst/>
+          </a:prstGeom>
+        </p:spPr>
+      </p:pic>
+    </p:spTree>
+    <p:extLst>
+      <p:ext uri="{BB962C8B-B14F-4D97-AF65-F5344CB8AC3E}">
+        <p14:creationId xmlns:p14="http://schemas.microsoft.com/office/powerpoint/2010/main" val="2913278230"/>
+      </p:ext>
+    </p:extLst>
+  </p:cSld>
+  <p:clrMapOvr>
+    <a:masterClrMapping/>
+  </p:clrMapOvr>
+</p:sld>
+</file>
+
+<file path=ppt/slides/slide23.xml><?xml version="1.0" encoding="utf-8"?>
+<p:sld xmlns:a="http://schemas.openxmlformats.org/drawingml/2006/main" xmlns:r="http://schemas.openxmlformats.org/officeDocument/2006/relationships" xmlns:p="http://schemas.openxmlformats.org/presentationml/2006/main">
+  <p:cSld>
+    <p:spTree>
+      <p:nvGrpSpPr>
+        <p:cNvPr id="1" name="">
+          <a:extLst>
+            <a:ext uri="{FF2B5EF4-FFF2-40B4-BE49-F238E27FC236}">
+              <a16:creationId xmlns:a16="http://schemas.microsoft.com/office/drawing/2014/main" id="{4902F6FB-6DD4-C8EB-C291-3F1F58DF536E}"/>
+            </a:ext>
+          </a:extLst>
+        </p:cNvPr>
+        <p:cNvGrpSpPr/>
+        <p:nvPr/>
+      </p:nvGrpSpPr>
+      <p:grpSpPr>
+        <a:xfrm>
+          <a:off x="0" y="0"/>
+          <a:ext cx="0" cy="0"/>
+          <a:chOff x="0" y="0"/>
+          <a:chExt cx="0" cy="0"/>
+        </a:xfrm>
+      </p:grpSpPr>
+      <p:sp>
+        <p:nvSpPr>
+          <p:cNvPr id="4" name="Title 1">
+            <a:extLst>
+              <a:ext uri="{FF2B5EF4-FFF2-40B4-BE49-F238E27FC236}">
+                <a16:creationId xmlns:a16="http://schemas.microsoft.com/office/drawing/2014/main" id="{5AB258D0-2732-AE60-D5BE-7A402F1B635E}"/>
+              </a:ext>
+            </a:extLst>
+          </p:cNvPr>
+          <p:cNvSpPr txBox="1">
+            <a:spLocks/>
+          </p:cNvSpPr>
+          <p:nvPr/>
+        </p:nvSpPr>
+        <p:spPr>
+          <a:xfrm>
+            <a:off x="990600" y="383056"/>
+            <a:ext cx="10515600" cy="853976"/>
+          </a:xfrm>
+          <a:prstGeom prst="rect">
+            <a:avLst/>
+          </a:prstGeom>
+        </p:spPr>
+        <p:txBody>
+          <a:bodyPr vert="horz" lIns="91440" tIns="45720" rIns="91440" bIns="45720" rtlCol="0" anchor="ctr">
+            <a:normAutofit/>
+          </a:bodyPr>
+          <a:lstStyle>
+            <a:lvl1pPr algn="l" defTabSz="914400" rtl="0" eaLnBrk="1" latinLnBrk="0" hangingPunct="1">
+              <a:lnSpc>
+                <a:spcPct val="90000"/>
+              </a:lnSpc>
+              <a:spcBef>
+                <a:spcPct val="0"/>
+              </a:spcBef>
+              <a:buNone/>
+              <a:defRPr sz="3600" b="1" i="0" kern="1200" cap="all" baseline="0">
+                <a:solidFill>
+                  <a:schemeClr val="tx2"/>
+                </a:solidFill>
+                <a:latin typeface="+mj-lt"/>
+                <a:ea typeface="Open Sans Semibold" panose="020B0606030504020204" pitchFamily="34" charset="0"/>
+                <a:cs typeface="Open Sans Semibold" panose="020B0606030504020204" pitchFamily="34" charset="0"/>
+              </a:defRPr>
+            </a:lvl1pPr>
+          </a:lstStyle>
+          <a:p>
+            <a:r>
+              <a:rPr lang="en-US" dirty="0"/>
+              <a:t>FLASK – </a:t>
+            </a:r>
+            <a:r>
+              <a:rPr lang="en-US" dirty="0" err="1"/>
+              <a:t>Autentifikacija</a:t>
+            </a:r>
+            <a:r>
+              <a:rPr lang="en-US" dirty="0"/>
+              <a:t> </a:t>
+            </a:r>
+            <a:r>
+              <a:rPr lang="en-US" dirty="0" err="1"/>
+              <a:t>i</a:t>
+            </a:r>
+            <a:r>
+              <a:rPr lang="en-US" dirty="0"/>
+              <a:t> </a:t>
+            </a:r>
+            <a:r>
+              <a:rPr lang="en-US" dirty="0" err="1"/>
+              <a:t>sigurnost</a:t>
+            </a:r>
+            <a:endParaRPr lang="hr-HR" dirty="0"/>
+          </a:p>
+        </p:txBody>
+      </p:sp>
+      <p:pic>
+        <p:nvPicPr>
+          <p:cNvPr id="5" name="Picture 4">
+            <a:extLst>
+              <a:ext uri="{FF2B5EF4-FFF2-40B4-BE49-F238E27FC236}">
+                <a16:creationId xmlns:a16="http://schemas.microsoft.com/office/drawing/2014/main" id="{4507EF5E-9901-8F5E-1882-209F4710C5FF}"/>
+              </a:ext>
+            </a:extLst>
+          </p:cNvPr>
+          <p:cNvPicPr>
+            <a:picLocks noChangeAspect="1"/>
+          </p:cNvPicPr>
+          <p:nvPr/>
+        </p:nvPicPr>
+        <p:blipFill>
+          <a:blip r:embed="rId3"/>
+          <a:stretch>
+            <a:fillRect/>
+          </a:stretch>
+        </p:blipFill>
+        <p:spPr>
+          <a:xfrm>
+            <a:off x="1174122" y="1946422"/>
+            <a:ext cx="5229225" cy="1514475"/>
+          </a:xfrm>
+          <a:prstGeom prst="rect">
+            <a:avLst/>
+          </a:prstGeom>
+        </p:spPr>
+      </p:pic>
+      <p:pic>
+        <p:nvPicPr>
+          <p:cNvPr id="7" name="Picture 6">
+            <a:extLst>
+              <a:ext uri="{FF2B5EF4-FFF2-40B4-BE49-F238E27FC236}">
+                <a16:creationId xmlns:a16="http://schemas.microsoft.com/office/drawing/2014/main" id="{80DF1CD1-BEB1-9CCA-DC24-C9570408EBFD}"/>
+              </a:ext>
+            </a:extLst>
+          </p:cNvPr>
+          <p:cNvPicPr>
+            <a:picLocks noChangeAspect="1"/>
+          </p:cNvPicPr>
+          <p:nvPr/>
+        </p:nvPicPr>
+        <p:blipFill>
+          <a:blip r:embed="rId4"/>
+          <a:stretch>
+            <a:fillRect/>
+          </a:stretch>
+        </p:blipFill>
+        <p:spPr>
+          <a:xfrm>
+            <a:off x="1174122" y="1470172"/>
+            <a:ext cx="3676650" cy="476250"/>
+          </a:xfrm>
+          <a:prstGeom prst="rect">
+            <a:avLst/>
+          </a:prstGeom>
+        </p:spPr>
+      </p:pic>
+      <p:pic>
+        <p:nvPicPr>
+          <p:cNvPr id="9" name="Picture 8">
+            <a:extLst>
+              <a:ext uri="{FF2B5EF4-FFF2-40B4-BE49-F238E27FC236}">
+                <a16:creationId xmlns:a16="http://schemas.microsoft.com/office/drawing/2014/main" id="{D71631A5-CB6A-F9CB-EF6F-ED6725BFB29E}"/>
+              </a:ext>
+            </a:extLst>
+          </p:cNvPr>
+          <p:cNvPicPr>
+            <a:picLocks noChangeAspect="1"/>
+          </p:cNvPicPr>
+          <p:nvPr/>
+        </p:nvPicPr>
+        <p:blipFill>
+          <a:blip r:embed="rId5"/>
+          <a:stretch>
+            <a:fillRect/>
+          </a:stretch>
+        </p:blipFill>
+        <p:spPr>
+          <a:xfrm>
+            <a:off x="1174122" y="4166301"/>
+            <a:ext cx="3810000" cy="428625"/>
+          </a:xfrm>
+          <a:prstGeom prst="rect">
+            <a:avLst/>
+          </a:prstGeom>
+        </p:spPr>
+      </p:pic>
+      <p:pic>
+        <p:nvPicPr>
+          <p:cNvPr id="12" name="Picture 11">
+            <a:extLst>
+              <a:ext uri="{FF2B5EF4-FFF2-40B4-BE49-F238E27FC236}">
+                <a16:creationId xmlns:a16="http://schemas.microsoft.com/office/drawing/2014/main" id="{B1E08ACF-C0D9-2FD9-BD86-E6FAD979A81A}"/>
+              </a:ext>
+            </a:extLst>
+          </p:cNvPr>
+          <p:cNvPicPr>
+            <a:picLocks noChangeAspect="1"/>
+          </p:cNvPicPr>
+          <p:nvPr/>
+        </p:nvPicPr>
+        <p:blipFill>
+          <a:blip r:embed="rId6"/>
+          <a:stretch>
+            <a:fillRect/>
+          </a:stretch>
+        </p:blipFill>
+        <p:spPr>
+          <a:xfrm>
+            <a:off x="1174122" y="4594926"/>
+            <a:ext cx="2647950" cy="285750"/>
+          </a:xfrm>
+          <a:prstGeom prst="rect">
+            <a:avLst/>
+          </a:prstGeom>
+        </p:spPr>
+      </p:pic>
+      <p:pic>
+        <p:nvPicPr>
+          <p:cNvPr id="17" name="Picture 16">
+            <a:extLst>
+              <a:ext uri="{FF2B5EF4-FFF2-40B4-BE49-F238E27FC236}">
+                <a16:creationId xmlns:a16="http://schemas.microsoft.com/office/drawing/2014/main" id="{0A31D98A-2D70-CD14-9902-C7517AFA5A03}"/>
+              </a:ext>
+            </a:extLst>
+          </p:cNvPr>
+          <p:cNvPicPr>
+            <a:picLocks noChangeAspect="1"/>
+          </p:cNvPicPr>
+          <p:nvPr/>
+        </p:nvPicPr>
+        <p:blipFill>
+          <a:blip r:embed="rId7"/>
+          <a:stretch>
+            <a:fillRect/>
+          </a:stretch>
+        </p:blipFill>
+        <p:spPr>
+          <a:xfrm>
+            <a:off x="7216960" y="1720314"/>
+            <a:ext cx="4693480" cy="553889"/>
+          </a:xfrm>
+          <a:prstGeom prst="rect">
+            <a:avLst/>
+          </a:prstGeom>
+        </p:spPr>
+      </p:pic>
+      <p:pic>
+        <p:nvPicPr>
+          <p:cNvPr id="20" name="Picture 19">
+            <a:extLst>
+              <a:ext uri="{FF2B5EF4-FFF2-40B4-BE49-F238E27FC236}">
+                <a16:creationId xmlns:a16="http://schemas.microsoft.com/office/drawing/2014/main" id="{B69D670E-4CAE-18A8-ABCB-A62CA008A42D}"/>
+              </a:ext>
+            </a:extLst>
+          </p:cNvPr>
+          <p:cNvPicPr>
+            <a:picLocks noChangeAspect="1"/>
+          </p:cNvPicPr>
+          <p:nvPr/>
+        </p:nvPicPr>
+        <p:blipFill>
+          <a:blip r:embed="rId8"/>
+          <a:stretch>
+            <a:fillRect/>
+          </a:stretch>
+        </p:blipFill>
+        <p:spPr>
+          <a:xfrm>
+            <a:off x="7216960" y="1463139"/>
+            <a:ext cx="3657600" cy="257175"/>
+          </a:xfrm>
+          <a:prstGeom prst="rect">
+            <a:avLst/>
+          </a:prstGeom>
+        </p:spPr>
+      </p:pic>
+    </p:spTree>
+    <p:extLst>
+      <p:ext uri="{BB962C8B-B14F-4D97-AF65-F5344CB8AC3E}">
+        <p14:creationId xmlns:p14="http://schemas.microsoft.com/office/powerpoint/2010/main" val="2435306461"/>
+      </p:ext>
+    </p:extLst>
+  </p:cSld>
+  <p:clrMapOvr>
+    <a:masterClrMapping/>
+  </p:clrMapOvr>
+</p:sld>
+</file>
+
+<file path=ppt/slides/slide24.xml><?xml version="1.0" encoding="utf-8"?>
+<p:sld xmlns:a="http://schemas.openxmlformats.org/drawingml/2006/main" xmlns:r="http://schemas.openxmlformats.org/officeDocument/2006/relationships" xmlns:p="http://schemas.openxmlformats.org/presentationml/2006/main">
+  <p:cSld>
+    <p:spTree>
+      <p:nvGrpSpPr>
+        <p:cNvPr id="1" name="">
+          <a:extLst>
+            <a:ext uri="{FF2B5EF4-FFF2-40B4-BE49-F238E27FC236}">
+              <a16:creationId xmlns:a16="http://schemas.microsoft.com/office/drawing/2014/main" id="{F92BC2C4-EF76-D788-85E7-054890E67F4C}"/>
+            </a:ext>
+          </a:extLst>
+        </p:cNvPr>
+        <p:cNvGrpSpPr/>
+        <p:nvPr/>
+      </p:nvGrpSpPr>
+      <p:grpSpPr>
+        <a:xfrm>
+          <a:off x="0" y="0"/>
+          <a:ext cx="0" cy="0"/>
+          <a:chOff x="0" y="0"/>
+          <a:chExt cx="0" cy="0"/>
+        </a:xfrm>
+      </p:grpSpPr>
+      <p:sp>
+        <p:nvSpPr>
+          <p:cNvPr id="4" name="Title 1">
+            <a:extLst>
+              <a:ext uri="{FF2B5EF4-FFF2-40B4-BE49-F238E27FC236}">
+                <a16:creationId xmlns:a16="http://schemas.microsoft.com/office/drawing/2014/main" id="{17B5374A-FF26-ACB5-AB1D-4DA344348BB3}"/>
+              </a:ext>
+            </a:extLst>
+          </p:cNvPr>
+          <p:cNvSpPr txBox="1">
+            <a:spLocks/>
+          </p:cNvSpPr>
+          <p:nvPr/>
+        </p:nvSpPr>
+        <p:spPr>
+          <a:xfrm>
+            <a:off x="990600" y="383056"/>
+            <a:ext cx="10515600" cy="853976"/>
+          </a:xfrm>
+          <a:prstGeom prst="rect">
+            <a:avLst/>
+          </a:prstGeom>
+        </p:spPr>
+        <p:txBody>
+          <a:bodyPr vert="horz" lIns="91440" tIns="45720" rIns="91440" bIns="45720" rtlCol="0" anchor="ctr">
+            <a:normAutofit/>
+          </a:bodyPr>
+          <a:lstStyle>
+            <a:lvl1pPr algn="l" defTabSz="914400" rtl="0" eaLnBrk="1" latinLnBrk="0" hangingPunct="1">
+              <a:lnSpc>
+                <a:spcPct val="90000"/>
+              </a:lnSpc>
+              <a:spcBef>
+                <a:spcPct val="0"/>
+              </a:spcBef>
+              <a:buNone/>
+              <a:defRPr sz="3600" b="1" i="0" kern="1200" cap="all" baseline="0">
+                <a:solidFill>
+                  <a:schemeClr val="tx2"/>
+                </a:solidFill>
+                <a:latin typeface="+mj-lt"/>
+                <a:ea typeface="Open Sans Semibold" panose="020B0606030504020204" pitchFamily="34" charset="0"/>
+                <a:cs typeface="Open Sans Semibold" panose="020B0606030504020204" pitchFamily="34" charset="0"/>
+              </a:defRPr>
+            </a:lvl1pPr>
+          </a:lstStyle>
+          <a:p>
+            <a:r>
+              <a:rPr lang="en-US" dirty="0"/>
+              <a:t>FLASK – </a:t>
+            </a:r>
+            <a:r>
+              <a:rPr lang="en-US" dirty="0" err="1"/>
+              <a:t>Autentifikacija</a:t>
+            </a:r>
+            <a:r>
+              <a:rPr lang="en-US" dirty="0"/>
+              <a:t> </a:t>
+            </a:r>
+            <a:r>
+              <a:rPr lang="en-US" dirty="0" err="1"/>
+              <a:t>i</a:t>
+            </a:r>
+            <a:r>
+              <a:rPr lang="en-US" dirty="0"/>
+              <a:t> </a:t>
+            </a:r>
+            <a:r>
+              <a:rPr lang="en-US" dirty="0" err="1"/>
+              <a:t>sigurnost</a:t>
+            </a:r>
+            <a:endParaRPr lang="hr-HR" dirty="0"/>
+          </a:p>
+        </p:txBody>
+      </p:sp>
+      <p:pic>
+        <p:nvPicPr>
+          <p:cNvPr id="3" name="Picture 2">
+            <a:extLst>
+              <a:ext uri="{FF2B5EF4-FFF2-40B4-BE49-F238E27FC236}">
+                <a16:creationId xmlns:a16="http://schemas.microsoft.com/office/drawing/2014/main" id="{97FACAA8-B05D-CB66-909E-7FDFD5E2246C}"/>
+              </a:ext>
+            </a:extLst>
+          </p:cNvPr>
+          <p:cNvPicPr>
+            <a:picLocks noChangeAspect="1"/>
+          </p:cNvPicPr>
+          <p:nvPr/>
+        </p:nvPicPr>
+        <p:blipFill>
+          <a:blip r:embed="rId3"/>
+          <a:stretch>
+            <a:fillRect/>
+          </a:stretch>
+        </p:blipFill>
+        <p:spPr>
+          <a:xfrm>
+            <a:off x="1088508" y="1387881"/>
+            <a:ext cx="2933700" cy="1285875"/>
+          </a:xfrm>
+          <a:prstGeom prst="rect">
+            <a:avLst/>
+          </a:prstGeom>
+        </p:spPr>
+      </p:pic>
+      <p:pic>
+        <p:nvPicPr>
+          <p:cNvPr id="8" name="Picture 7">
+            <a:extLst>
+              <a:ext uri="{FF2B5EF4-FFF2-40B4-BE49-F238E27FC236}">
+                <a16:creationId xmlns:a16="http://schemas.microsoft.com/office/drawing/2014/main" id="{B3DF35EE-2E38-D5FD-C0BF-544088DEBEA6}"/>
+              </a:ext>
+            </a:extLst>
+          </p:cNvPr>
+          <p:cNvPicPr>
+            <a:picLocks noChangeAspect="1"/>
+          </p:cNvPicPr>
+          <p:nvPr/>
+        </p:nvPicPr>
+        <p:blipFill>
+          <a:blip r:embed="rId4"/>
+          <a:stretch>
+            <a:fillRect/>
+          </a:stretch>
+        </p:blipFill>
+        <p:spPr>
+          <a:xfrm>
+            <a:off x="1088508" y="2824605"/>
+            <a:ext cx="3638550" cy="933450"/>
+          </a:xfrm>
+          <a:prstGeom prst="rect">
+            <a:avLst/>
+          </a:prstGeom>
+        </p:spPr>
+      </p:pic>
+      <p:pic>
+        <p:nvPicPr>
+          <p:cNvPr id="11" name="Picture 10">
+            <a:extLst>
+              <a:ext uri="{FF2B5EF4-FFF2-40B4-BE49-F238E27FC236}">
+                <a16:creationId xmlns:a16="http://schemas.microsoft.com/office/drawing/2014/main" id="{B8CAAC10-7AF0-FA6E-0A64-8C821466C58C}"/>
+              </a:ext>
+            </a:extLst>
+          </p:cNvPr>
+          <p:cNvPicPr>
+            <a:picLocks noChangeAspect="1"/>
+          </p:cNvPicPr>
+          <p:nvPr/>
+        </p:nvPicPr>
+        <p:blipFill>
+          <a:blip r:embed="rId5"/>
+          <a:stretch>
+            <a:fillRect/>
+          </a:stretch>
+        </p:blipFill>
+        <p:spPr>
+          <a:xfrm>
+            <a:off x="482674" y="4203311"/>
+            <a:ext cx="3121763" cy="1232275"/>
+          </a:xfrm>
+          <a:prstGeom prst="rect">
+            <a:avLst/>
+          </a:prstGeom>
+        </p:spPr>
+      </p:pic>
+      <p:grpSp>
+        <p:nvGrpSpPr>
+          <p:cNvPr id="18" name="Group 17">
+            <a:extLst>
+              <a:ext uri="{FF2B5EF4-FFF2-40B4-BE49-F238E27FC236}">
+                <a16:creationId xmlns:a16="http://schemas.microsoft.com/office/drawing/2014/main" id="{251D4E45-6943-8D7F-7A4D-9CB0BC171DD7}"/>
+              </a:ext>
+            </a:extLst>
+          </p:cNvPr>
+          <p:cNvGrpSpPr/>
+          <p:nvPr/>
+        </p:nvGrpSpPr>
+        <p:grpSpPr>
+          <a:xfrm>
+            <a:off x="6739935" y="1437664"/>
+            <a:ext cx="3619500" cy="633413"/>
+            <a:chOff x="5979707" y="3034819"/>
+            <a:chExt cx="3619500" cy="633413"/>
+          </a:xfrm>
+        </p:grpSpPr>
+        <p:pic>
+          <p:nvPicPr>
+            <p:cNvPr id="14" name="Picture 13">
+              <a:extLst>
+                <a:ext uri="{FF2B5EF4-FFF2-40B4-BE49-F238E27FC236}">
+                  <a16:creationId xmlns:a16="http://schemas.microsoft.com/office/drawing/2014/main" id="{740475BB-A0AB-5448-0E3A-BF13B432831D}"/>
+                </a:ext>
+              </a:extLst>
+            </p:cNvPr>
+            <p:cNvPicPr>
+              <a:picLocks noChangeAspect="1"/>
+            </p:cNvPicPr>
+            <p:nvPr/>
+          </p:nvPicPr>
+          <p:blipFill>
+            <a:blip r:embed="rId6"/>
+            <a:stretch>
+              <a:fillRect/>
+            </a:stretch>
+          </p:blipFill>
+          <p:spPr>
+            <a:xfrm>
+              <a:off x="5979707" y="3344382"/>
+              <a:ext cx="3619500" cy="323850"/>
+            </a:xfrm>
+            <a:prstGeom prst="rect">
+              <a:avLst/>
+            </a:prstGeom>
+          </p:spPr>
+        </p:pic>
+        <p:pic>
+          <p:nvPicPr>
+            <p:cNvPr id="16" name="Picture 15">
+              <a:extLst>
+                <a:ext uri="{FF2B5EF4-FFF2-40B4-BE49-F238E27FC236}">
+                  <a16:creationId xmlns:a16="http://schemas.microsoft.com/office/drawing/2014/main" id="{FDA558F3-1FD1-C1E1-54D9-B57649150AD7}"/>
+                </a:ext>
+              </a:extLst>
+            </p:cNvPr>
+            <p:cNvPicPr>
+              <a:picLocks noChangeAspect="1"/>
+            </p:cNvPicPr>
+            <p:nvPr/>
+          </p:nvPicPr>
+          <p:blipFill>
+            <a:blip r:embed="rId7"/>
+            <a:stretch>
+              <a:fillRect/>
+            </a:stretch>
+          </p:blipFill>
+          <p:spPr>
+            <a:xfrm>
+              <a:off x="5979707" y="3034819"/>
+              <a:ext cx="1104900" cy="333375"/>
+            </a:xfrm>
+            <a:prstGeom prst="rect">
+              <a:avLst/>
+            </a:prstGeom>
+          </p:spPr>
+        </p:pic>
+      </p:grpSp>
+      <p:pic>
+        <p:nvPicPr>
+          <p:cNvPr id="21" name="Picture 20">
+            <a:extLst>
+              <a:ext uri="{FF2B5EF4-FFF2-40B4-BE49-F238E27FC236}">
+                <a16:creationId xmlns:a16="http://schemas.microsoft.com/office/drawing/2014/main" id="{8A756D03-505B-8650-5AC9-D7482D707D99}"/>
+              </a:ext>
+            </a:extLst>
+          </p:cNvPr>
+          <p:cNvPicPr>
+            <a:picLocks noChangeAspect="1"/>
+          </p:cNvPicPr>
+          <p:nvPr/>
+        </p:nvPicPr>
+        <p:blipFill>
+          <a:blip r:embed="rId8"/>
+          <a:stretch>
+            <a:fillRect/>
+          </a:stretch>
+        </p:blipFill>
+        <p:spPr>
+          <a:xfrm>
+            <a:off x="3751908" y="4203311"/>
+            <a:ext cx="1950300" cy="1301339"/>
+          </a:xfrm>
+          <a:prstGeom prst="rect">
+            <a:avLst/>
+          </a:prstGeom>
+        </p:spPr>
+      </p:pic>
+      <p:pic>
+        <p:nvPicPr>
+          <p:cNvPr id="23" name="Picture 22">
+            <a:extLst>
+              <a:ext uri="{FF2B5EF4-FFF2-40B4-BE49-F238E27FC236}">
+                <a16:creationId xmlns:a16="http://schemas.microsoft.com/office/drawing/2014/main" id="{34ABA473-A35B-8821-5220-B51EE1083A44}"/>
+              </a:ext>
+            </a:extLst>
+          </p:cNvPr>
+          <p:cNvPicPr>
+            <a:picLocks noChangeAspect="1"/>
+          </p:cNvPicPr>
+          <p:nvPr/>
+        </p:nvPicPr>
+        <p:blipFill>
+          <a:blip r:embed="rId9"/>
+          <a:stretch>
+            <a:fillRect/>
+          </a:stretch>
+        </p:blipFill>
+        <p:spPr>
+          <a:xfrm>
+            <a:off x="6739935" y="2051526"/>
+            <a:ext cx="2857500" cy="219075"/>
+          </a:xfrm>
+          <a:prstGeom prst="rect">
+            <a:avLst/>
+          </a:prstGeom>
+        </p:spPr>
+      </p:pic>
+      <p:pic>
+        <p:nvPicPr>
+          <p:cNvPr id="25" name="Picture 24">
+            <a:extLst>
+              <a:ext uri="{FF2B5EF4-FFF2-40B4-BE49-F238E27FC236}">
+                <a16:creationId xmlns:a16="http://schemas.microsoft.com/office/drawing/2014/main" id="{E86E0B27-5DFB-8E7E-4A3A-DEDC6334295D}"/>
+              </a:ext>
+            </a:extLst>
+          </p:cNvPr>
+          <p:cNvPicPr>
+            <a:picLocks noChangeAspect="1"/>
+          </p:cNvPicPr>
+          <p:nvPr/>
+        </p:nvPicPr>
+        <p:blipFill>
+          <a:blip r:embed="rId10"/>
+          <a:stretch>
+            <a:fillRect/>
+          </a:stretch>
+        </p:blipFill>
+        <p:spPr>
+          <a:xfrm>
+            <a:off x="6701597" y="2551088"/>
+            <a:ext cx="2286475" cy="2728470"/>
+          </a:xfrm>
+          <a:prstGeom prst="rect">
+            <a:avLst/>
+          </a:prstGeom>
+        </p:spPr>
+      </p:pic>
+      <p:pic>
+        <p:nvPicPr>
+          <p:cNvPr id="27" name="Picture 26">
+            <a:extLst>
+              <a:ext uri="{FF2B5EF4-FFF2-40B4-BE49-F238E27FC236}">
+                <a16:creationId xmlns:a16="http://schemas.microsoft.com/office/drawing/2014/main" id="{FEC7BE8B-12AE-BB7A-F761-0DF75DC45F7F}"/>
+              </a:ext>
+            </a:extLst>
+          </p:cNvPr>
+          <p:cNvPicPr>
+            <a:picLocks noChangeAspect="1"/>
+          </p:cNvPicPr>
+          <p:nvPr/>
+        </p:nvPicPr>
+        <p:blipFill>
+          <a:blip r:embed="rId11"/>
+          <a:stretch>
+            <a:fillRect/>
+          </a:stretch>
+        </p:blipFill>
+        <p:spPr>
+          <a:xfrm>
+            <a:off x="9103684" y="2551088"/>
+            <a:ext cx="1319439" cy="2728470"/>
+          </a:xfrm>
+          <a:prstGeom prst="rect">
+            <a:avLst/>
+          </a:prstGeom>
+        </p:spPr>
+      </p:pic>
+    </p:spTree>
+    <p:extLst>
+      <p:ext uri="{BB962C8B-B14F-4D97-AF65-F5344CB8AC3E}">
+        <p14:creationId xmlns:p14="http://schemas.microsoft.com/office/powerpoint/2010/main" val="3909894118"/>
       </p:ext>
     </p:extLst>
   </p:cSld>
@@ -26970,6 +30520,26 @@
 </file>
 
 <file path=customXml/item1.xml><?xml version="1.0" encoding="utf-8"?>
+<?mso-contentType ?>
+<FormTemplates xmlns="http://schemas.microsoft.com/sharepoint/v3/contenttype/forms">
+  <Display>DocumentLibraryForm</Display>
+  <Edit>DocumentLibraryForm</Edit>
+  <New>DocumentLibraryForm</New>
+</FormTemplates>
+</file>
+
+<file path=customXml/item2.xml><?xml version="1.0" encoding="utf-8"?>
+<p:properties xmlns:p="http://schemas.microsoft.com/office/2006/metadata/properties" xmlns:xsi="http://www.w3.org/2001/XMLSchema-instance" xmlns:pc="http://schemas.microsoft.com/office/infopath/2007/PartnerControls">
+  <documentManagement>
+    <lcf76f155ced4ddcb4097134ff3c332f xmlns="40806f44-bc4a-4ea4-b660-c6da93f8f179">
+      <Terms xmlns="http://schemas.microsoft.com/office/infopath/2007/PartnerControls"/>
+    </lcf76f155ced4ddcb4097134ff3c332f>
+    <TaxCatchAll xmlns="758d0d8f-b783-4c78-ab73-9740c97b97cf" xsi:nil="true"/>
+  </documentManagement>
+</p:properties>
+</file>
+
+<file path=customXml/item3.xml><?xml version="1.0" encoding="utf-8"?>
 <ct:contentTypeSchema xmlns:ct="http://schemas.microsoft.com/office/2006/metadata/contentType" xmlns:ma="http://schemas.microsoft.com/office/2006/metadata/properties/metaAttributes" ct:_="" ma:_="" ma:contentTypeName="Document" ma:contentTypeID="0x010100E4F55D9EF0BF0A44B819E681FCAC00B7" ma:contentTypeVersion="12" ma:contentTypeDescription="Create a new document." ma:contentTypeScope="" ma:versionID="068ce121a7a7a0aebcb89dd601c4f0a2">
   <xsd:schema xmlns:xsd="http://www.w3.org/2001/XMLSchema" xmlns:xs="http://www.w3.org/2001/XMLSchema" xmlns:p="http://schemas.microsoft.com/office/2006/metadata/properties" xmlns:ns2="40806f44-bc4a-4ea4-b660-c6da93f8f179" xmlns:ns3="758d0d8f-b783-4c78-ab73-9740c97b97cf" targetNamespace="http://schemas.microsoft.com/office/2006/metadata/properties" ma:root="true" ma:fieldsID="67c58e6c5c8ea9af0822acd84d25e1a2" ns2:_="" ns3:_="">
     <xsd:import namespace="40806f44-bc4a-4ea4-b660-c6da93f8f179"/>
@@ -27186,41 +30756,10 @@
 </ct:contentTypeSchema>
 </file>
 
-<file path=customXml/item2.xml><?xml version="1.0" encoding="utf-8"?>
-<p:properties xmlns:p="http://schemas.microsoft.com/office/2006/metadata/properties" xmlns:xsi="http://www.w3.org/2001/XMLSchema-instance" xmlns:pc="http://schemas.microsoft.com/office/infopath/2007/PartnerControls">
-  <documentManagement>
-    <lcf76f155ced4ddcb4097134ff3c332f xmlns="40806f44-bc4a-4ea4-b660-c6da93f8f179">
-      <Terms xmlns="http://schemas.microsoft.com/office/infopath/2007/PartnerControls"/>
-    </lcf76f155ced4ddcb4097134ff3c332f>
-    <TaxCatchAll xmlns="758d0d8f-b783-4c78-ab73-9740c97b97cf" xsi:nil="true"/>
-  </documentManagement>
-</p:properties>
-</file>
-
-<file path=customXml/item3.xml><?xml version="1.0" encoding="utf-8"?>
-<?mso-contentType ?>
-<FormTemplates xmlns="http://schemas.microsoft.com/sharepoint/v3/contenttype/forms">
-  <Display>DocumentLibraryForm</Display>
-  <Edit>DocumentLibraryForm</Edit>
-  <New>DocumentLibraryForm</New>
-</FormTemplates>
-</file>
-
 <file path=customXml/itemProps1.xml><?xml version="1.0" encoding="utf-8"?>
-<ds:datastoreItem xmlns:ds="http://schemas.openxmlformats.org/officeDocument/2006/customXml" ds:itemID="{4E6AED0F-96FF-4C7F-8AC9-672C91BFCDFE}">
+<ds:datastoreItem xmlns:ds="http://schemas.openxmlformats.org/officeDocument/2006/customXml" ds:itemID="{46915D30-CAA6-465E-907F-1770D4E3B01D}">
   <ds:schemaRefs>
-    <ds:schemaRef ds:uri="http://schemas.microsoft.com/office/2006/metadata/contentType"/>
-    <ds:schemaRef ds:uri="http://schemas.microsoft.com/office/2006/metadata/properties/metaAttributes"/>
-    <ds:schemaRef ds:uri="http://www.w3.org/2001/XMLSchema"/>
-    <ds:schemaRef ds:uri="http://schemas.microsoft.com/office/2006/metadata/properties"/>
-    <ds:schemaRef ds:uri="40806f44-bc4a-4ea4-b660-c6da93f8f179"/>
-    <ds:schemaRef ds:uri="758d0d8f-b783-4c78-ab73-9740c97b97cf"/>
-    <ds:schemaRef ds:uri="http://schemas.microsoft.com/office/2006/documentManagement/types"/>
-    <ds:schemaRef ds:uri="http://schemas.microsoft.com/office/infopath/2007/PartnerControls"/>
-    <ds:schemaRef ds:uri="http://schemas.openxmlformats.org/package/2006/metadata/core-properties"/>
-    <ds:schemaRef ds:uri="http://purl.org/dc/elements/1.1/"/>
-    <ds:schemaRef ds:uri="http://purl.org/dc/terms/"/>
-    <ds:schemaRef ds:uri="http://schemas.microsoft.com/internal/obd"/>
+    <ds:schemaRef ds:uri="http://schemas.microsoft.com/sharepoint/v3/contenttype/forms"/>
   </ds:schemaRefs>
 </ds:datastoreItem>
 </file>
@@ -27243,9 +30782,20 @@
 </file>
 
 <file path=customXml/itemProps3.xml><?xml version="1.0" encoding="utf-8"?>
-<ds:datastoreItem xmlns:ds="http://schemas.openxmlformats.org/officeDocument/2006/customXml" ds:itemID="{46915D30-CAA6-465E-907F-1770D4E3B01D}">
+<ds:datastoreItem xmlns:ds="http://schemas.openxmlformats.org/officeDocument/2006/customXml" ds:itemID="{4E6AED0F-96FF-4C7F-8AC9-672C91BFCDFE}">
   <ds:schemaRefs>
-    <ds:schemaRef ds:uri="http://schemas.microsoft.com/sharepoint/v3/contenttype/forms"/>
+    <ds:schemaRef ds:uri="http://schemas.microsoft.com/office/2006/metadata/contentType"/>
+    <ds:schemaRef ds:uri="http://schemas.microsoft.com/office/2006/metadata/properties/metaAttributes"/>
+    <ds:schemaRef ds:uri="http://www.w3.org/2001/XMLSchema"/>
+    <ds:schemaRef ds:uri="http://schemas.microsoft.com/office/2006/metadata/properties"/>
+    <ds:schemaRef ds:uri="40806f44-bc4a-4ea4-b660-c6da93f8f179"/>
+    <ds:schemaRef ds:uri="758d0d8f-b783-4c78-ab73-9740c97b97cf"/>
+    <ds:schemaRef ds:uri="http://schemas.microsoft.com/office/2006/documentManagement/types"/>
+    <ds:schemaRef ds:uri="http://schemas.microsoft.com/office/infopath/2007/PartnerControls"/>
+    <ds:schemaRef ds:uri="http://schemas.openxmlformats.org/package/2006/metadata/core-properties"/>
+    <ds:schemaRef ds:uri="http://purl.org/dc/elements/1.1/"/>
+    <ds:schemaRef ds:uri="http://purl.org/dc/terms/"/>
+    <ds:schemaRef ds:uri="http://schemas.microsoft.com/internal/obd"/>
   </ds:schemaRefs>
 </ds:datastoreItem>
 </file>